--- a/Cyber/TCYSSでの情報収集・蓄積と発信.pptx
+++ b/Cyber/TCYSSでの情報収集・蓄積と発信.pptx
@@ -114,10 +114,21 @@
   </p:defaultTextStyle>
   <p:extLst>
     <p:ext uri="{EFAFB233-063F-42B5-8137-9DF3F51BA10A}">
-      <p15:sldGuideLst xmlns:p15="http://schemas.microsoft.com/office/powerpoint/2012/main" xmlns=""/>
+      <p15:sldGuideLst xmlns:p15="http://schemas.microsoft.com/office/powerpoint/2012/main">
+        <p15:guide id="1" orient="horz" pos="2160">
+          <p15:clr>
+            <a:srgbClr val="A4A3A4"/>
+          </p15:clr>
+        </p15:guide>
+        <p15:guide id="2" pos="3840">
+          <p15:clr>
+            <a:srgbClr val="A4A3A4"/>
+          </p15:clr>
+        </p15:guide>
+      </p15:sldGuideLst>
     </p:ext>
     <p:ext uri="{2D200454-40CA-4A62-9FC3-DE9A4176ACB9}">
-      <p15:notesGuideLst xmlns:p15="http://schemas.microsoft.com/office/powerpoint/2012/main" xmlns=""/>
+      <p15:notesGuideLst xmlns:p15="http://schemas.microsoft.com/office/powerpoint/2012/main"/>
     </p:ext>
   </p:extLst>
 </p:presentation>
@@ -205,7 +216,7 @@
           <a:p>
             <a:fld id="{B377335C-6462-4247-BEFA-CD97B67177F9}" type="datetimeFigureOut">
               <a:rPr kumimoji="1" lang="ja-JP" altLang="en-US" smtClean="0"/>
-              <a:t>2019/5/31</a:t>
+              <a:t>2021/4/1</a:t>
             </a:fld>
             <a:endParaRPr kumimoji="1" lang="ja-JP" altLang="en-US"/>
           </a:p>
@@ -269,70 +280,69 @@
           <a:p>
             <a:pPr lvl="0"/>
             <a:r>
-              <a:rPr kumimoji="1" lang="ja-JP" altLang="en-US" smtClean="0"/>
+              <a:rPr kumimoji="1" lang="ja-JP" altLang="en-US"/>
               <a:t>マスター テキストの書式設定</a:t>
             </a:r>
           </a:p>
           <a:p>
             <a:pPr lvl="1"/>
             <a:r>
-              <a:rPr kumimoji="1" lang="ja-JP" altLang="en-US" smtClean="0"/>
+              <a:rPr kumimoji="1" lang="ja-JP" altLang="en-US"/>
               <a:t>第 </a:t>
             </a:r>
             <a:r>
-              <a:rPr kumimoji="1" lang="en-US" altLang="ja-JP" smtClean="0"/>
+              <a:rPr kumimoji="1" lang="en-US" altLang="ja-JP"/>
               <a:t>2 </a:t>
             </a:r>
             <a:r>
-              <a:rPr kumimoji="1" lang="ja-JP" altLang="en-US" smtClean="0"/>
+              <a:rPr kumimoji="1" lang="ja-JP" altLang="en-US"/>
               <a:t>レベル</a:t>
             </a:r>
           </a:p>
           <a:p>
             <a:pPr lvl="2"/>
             <a:r>
-              <a:rPr kumimoji="1" lang="ja-JP" altLang="en-US" smtClean="0"/>
+              <a:rPr kumimoji="1" lang="ja-JP" altLang="en-US"/>
               <a:t>第 </a:t>
             </a:r>
             <a:r>
-              <a:rPr kumimoji="1" lang="en-US" altLang="ja-JP" smtClean="0"/>
+              <a:rPr kumimoji="1" lang="en-US" altLang="ja-JP"/>
               <a:t>3 </a:t>
             </a:r>
             <a:r>
-              <a:rPr kumimoji="1" lang="ja-JP" altLang="en-US" smtClean="0"/>
+              <a:rPr kumimoji="1" lang="ja-JP" altLang="en-US"/>
               <a:t>レベル</a:t>
             </a:r>
           </a:p>
           <a:p>
             <a:pPr lvl="3"/>
             <a:r>
-              <a:rPr kumimoji="1" lang="ja-JP" altLang="en-US" smtClean="0"/>
+              <a:rPr kumimoji="1" lang="ja-JP" altLang="en-US"/>
               <a:t>第 </a:t>
             </a:r>
             <a:r>
-              <a:rPr kumimoji="1" lang="en-US" altLang="ja-JP" smtClean="0"/>
+              <a:rPr kumimoji="1" lang="en-US" altLang="ja-JP"/>
               <a:t>4 </a:t>
             </a:r>
             <a:r>
-              <a:rPr kumimoji="1" lang="ja-JP" altLang="en-US" smtClean="0"/>
+              <a:rPr kumimoji="1" lang="ja-JP" altLang="en-US"/>
               <a:t>レベル</a:t>
             </a:r>
           </a:p>
           <a:p>
             <a:pPr lvl="4"/>
             <a:r>
-              <a:rPr kumimoji="1" lang="ja-JP" altLang="en-US" smtClean="0"/>
+              <a:rPr kumimoji="1" lang="ja-JP" altLang="en-US"/>
               <a:t>第 </a:t>
             </a:r>
             <a:r>
-              <a:rPr kumimoji="1" lang="en-US" altLang="ja-JP" smtClean="0"/>
+              <a:rPr kumimoji="1" lang="en-US" altLang="ja-JP"/>
               <a:t>5 </a:t>
             </a:r>
             <a:r>
-              <a:rPr kumimoji="1" lang="ja-JP" altLang="en-US" smtClean="0"/>
+              <a:rPr kumimoji="1" lang="ja-JP" altLang="en-US"/>
               <a:t>レベル</a:t>
             </a:r>
-            <a:endParaRPr kumimoji="1" lang="ja-JP" altLang="en-US"/>
           </a:p>
         </p:txBody>
       </p:sp>
@@ -551,7 +561,7 @@
           </a:lstStyle>
           <a:p>
             <a:r>
-              <a:rPr kumimoji="0" lang="ja-JP" altLang="en-US" smtClean="0"/>
+              <a:rPr kumimoji="0" lang="ja-JP" altLang="en-US"/>
               <a:t>マスター タイトルの書式設定</a:t>
             </a:r>
             <a:endParaRPr kumimoji="0" lang="en-US"/>
@@ -615,7 +625,7 @@
           </a:lstStyle>
           <a:p>
             <a:r>
-              <a:rPr kumimoji="0" lang="ja-JP" altLang="en-US" smtClean="0"/>
+              <a:rPr kumimoji="0" lang="ja-JP" altLang="en-US"/>
               <a:t>マスター サブタイトルの書式設定</a:t>
             </a:r>
             <a:endParaRPr kumimoji="0" lang="en-US"/>
@@ -649,7 +659,7 @@
             <a:fld id="{DD2B6372-1A88-4F0C-86B1-FCF70832C42C}" type="datetimeFigureOut">
               <a:rPr lang="ja-JP" altLang="en-US" smtClean="0"/>
               <a:pPr/>
-              <a:t>2019/5/31</a:t>
+              <a:t>2021/4/1</a:t>
             </a:fld>
             <a:endParaRPr lang="ja-JP" altLang="en-US"/>
           </a:p>
@@ -933,7 +943,7 @@
           <a:lstStyle/>
           <a:p>
             <a:r>
-              <a:rPr kumimoji="0" lang="ja-JP" altLang="en-US" smtClean="0"/>
+              <a:rPr kumimoji="0" lang="ja-JP" altLang="en-US"/>
               <a:t>マスター タイトルの書式設定</a:t>
             </a:r>
             <a:endParaRPr kumimoji="0" lang="en-US"/>
@@ -957,67 +967,67 @@
           <a:p>
             <a:pPr lvl="0" eaLnBrk="1" latinLnBrk="0" hangingPunct="1"/>
             <a:r>
-              <a:rPr lang="ja-JP" altLang="en-US" smtClean="0"/>
+              <a:rPr lang="ja-JP" altLang="en-US"/>
               <a:t>マスター テキストの書式設定</a:t>
             </a:r>
           </a:p>
           <a:p>
             <a:pPr lvl="1" eaLnBrk="1" latinLnBrk="0" hangingPunct="1"/>
             <a:r>
-              <a:rPr lang="ja-JP" altLang="en-US" smtClean="0"/>
+              <a:rPr lang="ja-JP" altLang="en-US"/>
               <a:t>第 </a:t>
             </a:r>
             <a:r>
-              <a:rPr lang="en-US" altLang="ja-JP" smtClean="0"/>
+              <a:rPr lang="en-US" altLang="ja-JP"/>
               <a:t>2 </a:t>
             </a:r>
             <a:r>
-              <a:rPr lang="ja-JP" altLang="en-US" smtClean="0"/>
+              <a:rPr lang="ja-JP" altLang="en-US"/>
               <a:t>レベル</a:t>
             </a:r>
           </a:p>
           <a:p>
             <a:pPr lvl="2" eaLnBrk="1" latinLnBrk="0" hangingPunct="1"/>
             <a:r>
-              <a:rPr lang="ja-JP" altLang="en-US" smtClean="0"/>
+              <a:rPr lang="ja-JP" altLang="en-US"/>
               <a:t>第 </a:t>
             </a:r>
             <a:r>
-              <a:rPr lang="en-US" altLang="ja-JP" smtClean="0"/>
+              <a:rPr lang="en-US" altLang="ja-JP"/>
               <a:t>3 </a:t>
             </a:r>
             <a:r>
-              <a:rPr lang="ja-JP" altLang="en-US" smtClean="0"/>
+              <a:rPr lang="ja-JP" altLang="en-US"/>
               <a:t>レベル</a:t>
             </a:r>
           </a:p>
           <a:p>
             <a:pPr lvl="3" eaLnBrk="1" latinLnBrk="0" hangingPunct="1"/>
             <a:r>
-              <a:rPr lang="ja-JP" altLang="en-US" smtClean="0"/>
+              <a:rPr lang="ja-JP" altLang="en-US"/>
               <a:t>第 </a:t>
             </a:r>
             <a:r>
-              <a:rPr lang="en-US" altLang="ja-JP" smtClean="0"/>
+              <a:rPr lang="en-US" altLang="ja-JP"/>
               <a:t>4 </a:t>
             </a:r>
             <a:r>
-              <a:rPr lang="ja-JP" altLang="en-US" smtClean="0"/>
+              <a:rPr lang="ja-JP" altLang="en-US"/>
               <a:t>レベル</a:t>
             </a:r>
           </a:p>
           <a:p>
             <a:pPr lvl="4" eaLnBrk="1" latinLnBrk="0" hangingPunct="1"/>
             <a:r>
-              <a:rPr lang="ja-JP" altLang="en-US" smtClean="0"/>
+              <a:rPr lang="ja-JP" altLang="en-US"/>
               <a:t>第 </a:t>
             </a:r>
             <a:r>
-              <a:rPr lang="en-US" altLang="ja-JP" smtClean="0"/>
+              <a:rPr lang="en-US" altLang="ja-JP"/>
               <a:t>5 </a:t>
             </a:r>
             <a:r>
-              <a:rPr lang="ja-JP" altLang="en-US" smtClean="0"/>
+              <a:rPr lang="ja-JP" altLang="en-US"/>
               <a:t>レベル</a:t>
             </a:r>
             <a:endParaRPr kumimoji="0" lang="en-US"/>
@@ -1042,7 +1052,7 @@
             <a:fld id="{DD2B6372-1A88-4F0C-86B1-FCF70832C42C}" type="datetimeFigureOut">
               <a:rPr lang="ja-JP" altLang="en-US" smtClean="0"/>
               <a:pPr/>
-              <a:t>2019/5/31</a:t>
+              <a:t>2021/4/1</a:t>
             </a:fld>
             <a:endParaRPr lang="ja-JP" altLang="en-US"/>
           </a:p>
@@ -1137,7 +1147,7 @@
           <a:lstStyle/>
           <a:p>
             <a:r>
-              <a:rPr kumimoji="0" lang="ja-JP" altLang="en-US" smtClean="0"/>
+              <a:rPr kumimoji="0" lang="ja-JP" altLang="en-US"/>
               <a:t>マスター タイトルの書式設定</a:t>
             </a:r>
             <a:endParaRPr kumimoji="0" lang="en-US"/>
@@ -1166,67 +1176,67 @@
           <a:p>
             <a:pPr lvl="0" eaLnBrk="1" latinLnBrk="0" hangingPunct="1"/>
             <a:r>
-              <a:rPr lang="ja-JP" altLang="en-US" smtClean="0"/>
+              <a:rPr lang="ja-JP" altLang="en-US"/>
               <a:t>マスター テキストの書式設定</a:t>
             </a:r>
           </a:p>
           <a:p>
             <a:pPr lvl="1" eaLnBrk="1" latinLnBrk="0" hangingPunct="1"/>
             <a:r>
-              <a:rPr lang="ja-JP" altLang="en-US" smtClean="0"/>
+              <a:rPr lang="ja-JP" altLang="en-US"/>
               <a:t>第 </a:t>
             </a:r>
             <a:r>
-              <a:rPr lang="en-US" altLang="ja-JP" smtClean="0"/>
+              <a:rPr lang="en-US" altLang="ja-JP"/>
               <a:t>2 </a:t>
             </a:r>
             <a:r>
-              <a:rPr lang="ja-JP" altLang="en-US" smtClean="0"/>
+              <a:rPr lang="ja-JP" altLang="en-US"/>
               <a:t>レベル</a:t>
             </a:r>
           </a:p>
           <a:p>
             <a:pPr lvl="2" eaLnBrk="1" latinLnBrk="0" hangingPunct="1"/>
             <a:r>
-              <a:rPr lang="ja-JP" altLang="en-US" smtClean="0"/>
+              <a:rPr lang="ja-JP" altLang="en-US"/>
               <a:t>第 </a:t>
             </a:r>
             <a:r>
-              <a:rPr lang="en-US" altLang="ja-JP" smtClean="0"/>
+              <a:rPr lang="en-US" altLang="ja-JP"/>
               <a:t>3 </a:t>
             </a:r>
             <a:r>
-              <a:rPr lang="ja-JP" altLang="en-US" smtClean="0"/>
+              <a:rPr lang="ja-JP" altLang="en-US"/>
               <a:t>レベル</a:t>
             </a:r>
           </a:p>
           <a:p>
             <a:pPr lvl="3" eaLnBrk="1" latinLnBrk="0" hangingPunct="1"/>
             <a:r>
-              <a:rPr lang="ja-JP" altLang="en-US" smtClean="0"/>
+              <a:rPr lang="ja-JP" altLang="en-US"/>
               <a:t>第 </a:t>
             </a:r>
             <a:r>
-              <a:rPr lang="en-US" altLang="ja-JP" smtClean="0"/>
+              <a:rPr lang="en-US" altLang="ja-JP"/>
               <a:t>4 </a:t>
             </a:r>
             <a:r>
-              <a:rPr lang="ja-JP" altLang="en-US" smtClean="0"/>
+              <a:rPr lang="ja-JP" altLang="en-US"/>
               <a:t>レベル</a:t>
             </a:r>
           </a:p>
           <a:p>
             <a:pPr lvl="4" eaLnBrk="1" latinLnBrk="0" hangingPunct="1"/>
             <a:r>
-              <a:rPr lang="ja-JP" altLang="en-US" smtClean="0"/>
+              <a:rPr lang="ja-JP" altLang="en-US"/>
               <a:t>第 </a:t>
             </a:r>
             <a:r>
-              <a:rPr lang="en-US" altLang="ja-JP" smtClean="0"/>
+              <a:rPr lang="en-US" altLang="ja-JP"/>
               <a:t>5 </a:t>
             </a:r>
             <a:r>
-              <a:rPr lang="ja-JP" altLang="en-US" smtClean="0"/>
+              <a:rPr lang="ja-JP" altLang="en-US"/>
               <a:t>レベル</a:t>
             </a:r>
             <a:endParaRPr kumimoji="0" lang="en-US"/>
@@ -1251,7 +1261,7 @@
             <a:fld id="{DD2B6372-1A88-4F0C-86B1-FCF70832C42C}" type="datetimeFigureOut">
               <a:rPr lang="ja-JP" altLang="en-US" smtClean="0"/>
               <a:pPr/>
-              <a:t>2019/5/31</a:t>
+              <a:t>2021/4/1</a:t>
             </a:fld>
             <a:endParaRPr lang="ja-JP" altLang="en-US"/>
           </a:p>
@@ -1463,7 +1473,7 @@
           <a:lstStyle/>
           <a:p>
             <a:r>
-              <a:rPr kumimoji="0" lang="ja-JP" altLang="en-US" smtClean="0"/>
+              <a:rPr kumimoji="0" lang="ja-JP" altLang="en-US"/>
               <a:t>マスター タイトルの書式設定</a:t>
             </a:r>
             <a:endParaRPr kumimoji="0" lang="en-US"/>
@@ -1488,7 +1498,7 @@
             <a:fld id="{DD2B6372-1A88-4F0C-86B1-FCF70832C42C}" type="datetimeFigureOut">
               <a:rPr lang="ja-JP" altLang="en-US" smtClean="0"/>
               <a:pPr/>
-              <a:t>2019/5/31</a:t>
+              <a:t>2021/4/1</a:t>
             </a:fld>
             <a:endParaRPr lang="ja-JP" altLang="en-US"/>
           </a:p>
@@ -1559,67 +1569,67 @@
           <a:p>
             <a:pPr lvl="0" eaLnBrk="1" latinLnBrk="0" hangingPunct="1"/>
             <a:r>
-              <a:rPr lang="ja-JP" altLang="en-US" smtClean="0"/>
+              <a:rPr lang="ja-JP" altLang="en-US"/>
               <a:t>マスター テキストの書式設定</a:t>
             </a:r>
           </a:p>
           <a:p>
             <a:pPr lvl="1" eaLnBrk="1" latinLnBrk="0" hangingPunct="1"/>
             <a:r>
-              <a:rPr lang="ja-JP" altLang="en-US" smtClean="0"/>
+              <a:rPr lang="ja-JP" altLang="en-US"/>
               <a:t>第 </a:t>
             </a:r>
             <a:r>
-              <a:rPr lang="en-US" altLang="ja-JP" smtClean="0"/>
+              <a:rPr lang="en-US" altLang="ja-JP"/>
               <a:t>2 </a:t>
             </a:r>
             <a:r>
-              <a:rPr lang="ja-JP" altLang="en-US" smtClean="0"/>
+              <a:rPr lang="ja-JP" altLang="en-US"/>
               <a:t>レベル</a:t>
             </a:r>
           </a:p>
           <a:p>
             <a:pPr lvl="2" eaLnBrk="1" latinLnBrk="0" hangingPunct="1"/>
             <a:r>
-              <a:rPr lang="ja-JP" altLang="en-US" smtClean="0"/>
+              <a:rPr lang="ja-JP" altLang="en-US"/>
               <a:t>第 </a:t>
             </a:r>
             <a:r>
-              <a:rPr lang="en-US" altLang="ja-JP" smtClean="0"/>
+              <a:rPr lang="en-US" altLang="ja-JP"/>
               <a:t>3 </a:t>
             </a:r>
             <a:r>
-              <a:rPr lang="ja-JP" altLang="en-US" smtClean="0"/>
+              <a:rPr lang="ja-JP" altLang="en-US"/>
               <a:t>レベル</a:t>
             </a:r>
           </a:p>
           <a:p>
             <a:pPr lvl="3" eaLnBrk="1" latinLnBrk="0" hangingPunct="1"/>
             <a:r>
-              <a:rPr lang="ja-JP" altLang="en-US" smtClean="0"/>
+              <a:rPr lang="ja-JP" altLang="en-US"/>
               <a:t>第 </a:t>
             </a:r>
             <a:r>
-              <a:rPr lang="en-US" altLang="ja-JP" smtClean="0"/>
+              <a:rPr lang="en-US" altLang="ja-JP"/>
               <a:t>4 </a:t>
             </a:r>
             <a:r>
-              <a:rPr lang="ja-JP" altLang="en-US" smtClean="0"/>
+              <a:rPr lang="ja-JP" altLang="en-US"/>
               <a:t>レベル</a:t>
             </a:r>
           </a:p>
           <a:p>
             <a:pPr lvl="4" eaLnBrk="1" latinLnBrk="0" hangingPunct="1"/>
             <a:r>
-              <a:rPr lang="ja-JP" altLang="en-US" smtClean="0"/>
+              <a:rPr lang="ja-JP" altLang="en-US"/>
               <a:t>第 </a:t>
             </a:r>
             <a:r>
-              <a:rPr lang="en-US" altLang="ja-JP" smtClean="0"/>
+              <a:rPr lang="en-US" altLang="ja-JP"/>
               <a:t>5 </a:t>
             </a:r>
             <a:r>
-              <a:rPr lang="ja-JP" altLang="en-US" smtClean="0"/>
+              <a:rPr lang="ja-JP" altLang="en-US"/>
               <a:t>レベル</a:t>
             </a:r>
             <a:endParaRPr kumimoji="0" lang="en-US"/>
@@ -1682,7 +1692,7 @@
           </a:lstStyle>
           <a:p>
             <a:r>
-              <a:rPr kumimoji="0" lang="ja-JP" altLang="en-US" smtClean="0"/>
+              <a:rPr kumimoji="0" lang="ja-JP" altLang="en-US"/>
               <a:t>マスター タイトルの書式設定</a:t>
             </a:r>
             <a:endParaRPr kumimoji="0" lang="en-US"/>
@@ -1762,7 +1772,7 @@
           <a:p>
             <a:pPr lvl="0" eaLnBrk="1" latinLnBrk="0" hangingPunct="1"/>
             <a:r>
-              <a:rPr kumimoji="0" lang="ja-JP" altLang="en-US" smtClean="0"/>
+              <a:rPr kumimoji="0" lang="ja-JP" altLang="en-US"/>
               <a:t>マスター テキストの書式設定</a:t>
             </a:r>
           </a:p>
@@ -1791,7 +1801,7 @@
             <a:fld id="{DD2B6372-1A88-4F0C-86B1-FCF70832C42C}" type="datetimeFigureOut">
               <a:rPr lang="ja-JP" altLang="en-US" smtClean="0"/>
               <a:pPr/>
-              <a:t>2019/5/31</a:t>
+              <a:t>2021/4/1</a:t>
             </a:fld>
             <a:endParaRPr lang="ja-JP" altLang="en-US"/>
           </a:p>
@@ -1988,7 +1998,7 @@
           <a:lstStyle/>
           <a:p>
             <a:r>
-              <a:rPr kumimoji="0" lang="ja-JP" altLang="en-US" smtClean="0"/>
+              <a:rPr kumimoji="0" lang="ja-JP" altLang="en-US"/>
               <a:t>マスター タイトルの書式設定</a:t>
             </a:r>
             <a:endParaRPr kumimoji="0" lang="en-US"/>
@@ -2013,7 +2023,7 @@
             <a:fld id="{DD2B6372-1A88-4F0C-86B1-FCF70832C42C}" type="datetimeFigureOut">
               <a:rPr lang="ja-JP" altLang="en-US" smtClean="0"/>
               <a:pPr/>
-              <a:t>2019/5/31</a:t>
+              <a:t>2021/4/1</a:t>
             </a:fld>
             <a:endParaRPr lang="ja-JP" altLang="en-US"/>
           </a:p>
@@ -2084,67 +2094,67 @@
           <a:p>
             <a:pPr lvl="0" eaLnBrk="1" latinLnBrk="0" hangingPunct="1"/>
             <a:r>
-              <a:rPr lang="ja-JP" altLang="en-US" smtClean="0"/>
+              <a:rPr lang="ja-JP" altLang="en-US"/>
               <a:t>マスター テキストの書式設定</a:t>
             </a:r>
           </a:p>
           <a:p>
             <a:pPr lvl="1" eaLnBrk="1" latinLnBrk="0" hangingPunct="1"/>
             <a:r>
-              <a:rPr lang="ja-JP" altLang="en-US" smtClean="0"/>
+              <a:rPr lang="ja-JP" altLang="en-US"/>
               <a:t>第 </a:t>
             </a:r>
             <a:r>
-              <a:rPr lang="en-US" altLang="ja-JP" smtClean="0"/>
+              <a:rPr lang="en-US" altLang="ja-JP"/>
               <a:t>2 </a:t>
             </a:r>
             <a:r>
-              <a:rPr lang="ja-JP" altLang="en-US" smtClean="0"/>
+              <a:rPr lang="ja-JP" altLang="en-US"/>
               <a:t>レベル</a:t>
             </a:r>
           </a:p>
           <a:p>
             <a:pPr lvl="2" eaLnBrk="1" latinLnBrk="0" hangingPunct="1"/>
             <a:r>
-              <a:rPr lang="ja-JP" altLang="en-US" smtClean="0"/>
+              <a:rPr lang="ja-JP" altLang="en-US"/>
               <a:t>第 </a:t>
             </a:r>
             <a:r>
-              <a:rPr lang="en-US" altLang="ja-JP" smtClean="0"/>
+              <a:rPr lang="en-US" altLang="ja-JP"/>
               <a:t>3 </a:t>
             </a:r>
             <a:r>
-              <a:rPr lang="ja-JP" altLang="en-US" smtClean="0"/>
+              <a:rPr lang="ja-JP" altLang="en-US"/>
               <a:t>レベル</a:t>
             </a:r>
           </a:p>
           <a:p>
             <a:pPr lvl="3" eaLnBrk="1" latinLnBrk="0" hangingPunct="1"/>
             <a:r>
-              <a:rPr lang="ja-JP" altLang="en-US" smtClean="0"/>
+              <a:rPr lang="ja-JP" altLang="en-US"/>
               <a:t>第 </a:t>
             </a:r>
             <a:r>
-              <a:rPr lang="en-US" altLang="ja-JP" smtClean="0"/>
+              <a:rPr lang="en-US" altLang="ja-JP"/>
               <a:t>4 </a:t>
             </a:r>
             <a:r>
-              <a:rPr lang="ja-JP" altLang="en-US" smtClean="0"/>
+              <a:rPr lang="ja-JP" altLang="en-US"/>
               <a:t>レベル</a:t>
             </a:r>
           </a:p>
           <a:p>
             <a:pPr lvl="4" eaLnBrk="1" latinLnBrk="0" hangingPunct="1"/>
             <a:r>
-              <a:rPr lang="ja-JP" altLang="en-US" smtClean="0"/>
+              <a:rPr lang="ja-JP" altLang="en-US"/>
               <a:t>第 </a:t>
             </a:r>
             <a:r>
-              <a:rPr lang="en-US" altLang="ja-JP" smtClean="0"/>
+              <a:rPr lang="en-US" altLang="ja-JP"/>
               <a:t>5 </a:t>
             </a:r>
             <a:r>
-              <a:rPr lang="ja-JP" altLang="en-US" smtClean="0"/>
+              <a:rPr lang="ja-JP" altLang="en-US"/>
               <a:t>レベル</a:t>
             </a:r>
             <a:endParaRPr kumimoji="0" lang="en-US"/>
@@ -2173,67 +2183,67 @@
           <a:p>
             <a:pPr lvl="0" eaLnBrk="1" latinLnBrk="0" hangingPunct="1"/>
             <a:r>
-              <a:rPr lang="ja-JP" altLang="en-US" smtClean="0"/>
+              <a:rPr lang="ja-JP" altLang="en-US"/>
               <a:t>マスター テキストの書式設定</a:t>
             </a:r>
           </a:p>
           <a:p>
             <a:pPr lvl="1" eaLnBrk="1" latinLnBrk="0" hangingPunct="1"/>
             <a:r>
-              <a:rPr lang="ja-JP" altLang="en-US" smtClean="0"/>
+              <a:rPr lang="ja-JP" altLang="en-US"/>
               <a:t>第 </a:t>
             </a:r>
             <a:r>
-              <a:rPr lang="en-US" altLang="ja-JP" smtClean="0"/>
+              <a:rPr lang="en-US" altLang="ja-JP"/>
               <a:t>2 </a:t>
             </a:r>
             <a:r>
-              <a:rPr lang="ja-JP" altLang="en-US" smtClean="0"/>
+              <a:rPr lang="ja-JP" altLang="en-US"/>
               <a:t>レベル</a:t>
             </a:r>
           </a:p>
           <a:p>
             <a:pPr lvl="2" eaLnBrk="1" latinLnBrk="0" hangingPunct="1"/>
             <a:r>
-              <a:rPr lang="ja-JP" altLang="en-US" smtClean="0"/>
+              <a:rPr lang="ja-JP" altLang="en-US"/>
               <a:t>第 </a:t>
             </a:r>
             <a:r>
-              <a:rPr lang="en-US" altLang="ja-JP" smtClean="0"/>
+              <a:rPr lang="en-US" altLang="ja-JP"/>
               <a:t>3 </a:t>
             </a:r>
             <a:r>
-              <a:rPr lang="ja-JP" altLang="en-US" smtClean="0"/>
+              <a:rPr lang="ja-JP" altLang="en-US"/>
               <a:t>レベル</a:t>
             </a:r>
           </a:p>
           <a:p>
             <a:pPr lvl="3" eaLnBrk="1" latinLnBrk="0" hangingPunct="1"/>
             <a:r>
-              <a:rPr lang="ja-JP" altLang="en-US" smtClean="0"/>
+              <a:rPr lang="ja-JP" altLang="en-US"/>
               <a:t>第 </a:t>
             </a:r>
             <a:r>
-              <a:rPr lang="en-US" altLang="ja-JP" smtClean="0"/>
+              <a:rPr lang="en-US" altLang="ja-JP"/>
               <a:t>4 </a:t>
             </a:r>
             <a:r>
-              <a:rPr lang="ja-JP" altLang="en-US" smtClean="0"/>
+              <a:rPr lang="ja-JP" altLang="en-US"/>
               <a:t>レベル</a:t>
             </a:r>
           </a:p>
           <a:p>
             <a:pPr lvl="4" eaLnBrk="1" latinLnBrk="0" hangingPunct="1"/>
             <a:r>
-              <a:rPr lang="ja-JP" altLang="en-US" smtClean="0"/>
+              <a:rPr lang="ja-JP" altLang="en-US"/>
               <a:t>第 </a:t>
             </a:r>
             <a:r>
-              <a:rPr lang="en-US" altLang="ja-JP" smtClean="0"/>
+              <a:rPr lang="en-US" altLang="ja-JP"/>
               <a:t>5 </a:t>
             </a:r>
             <a:r>
-              <a:rPr lang="ja-JP" altLang="en-US" smtClean="0"/>
+              <a:rPr lang="ja-JP" altLang="en-US"/>
               <a:t>レベル</a:t>
             </a:r>
             <a:endParaRPr kumimoji="0" lang="en-US"/>
@@ -2290,7 +2300,7 @@
           </a:lstStyle>
           <a:p>
             <a:r>
-              <a:rPr kumimoji="0" lang="ja-JP" altLang="en-US" smtClean="0"/>
+              <a:rPr kumimoji="0" lang="ja-JP" altLang="en-US"/>
               <a:t>マスター タイトルの書式設定</a:t>
             </a:r>
             <a:endParaRPr kumimoji="0" lang="en-US"/>
@@ -2350,7 +2360,7 @@
           <a:p>
             <a:pPr lvl="0" eaLnBrk="1" latinLnBrk="0" hangingPunct="1"/>
             <a:r>
-              <a:rPr kumimoji="0" lang="ja-JP" altLang="en-US" smtClean="0"/>
+              <a:rPr kumimoji="0" lang="ja-JP" altLang="en-US"/>
               <a:t>マスター テキストの書式設定</a:t>
             </a:r>
           </a:p>
@@ -2407,7 +2417,7 @@
           <a:p>
             <a:pPr lvl="0" eaLnBrk="1" latinLnBrk="0" hangingPunct="1"/>
             <a:r>
-              <a:rPr kumimoji="0" lang="ja-JP" altLang="en-US" smtClean="0"/>
+              <a:rPr kumimoji="0" lang="ja-JP" altLang="en-US"/>
               <a:t>マスター テキストの書式設定</a:t>
             </a:r>
           </a:p>
@@ -2431,7 +2441,7 @@
             <a:fld id="{DD2B6372-1A88-4F0C-86B1-FCF70832C42C}" type="datetimeFigureOut">
               <a:rPr lang="ja-JP" altLang="en-US" smtClean="0"/>
               <a:pPr/>
-              <a:t>2019/5/31</a:t>
+              <a:t>2021/4/1</a:t>
             </a:fld>
             <a:endParaRPr lang="ja-JP" altLang="en-US"/>
           </a:p>
@@ -2502,67 +2512,67 @@
           <a:p>
             <a:pPr lvl="0" eaLnBrk="1" latinLnBrk="0" hangingPunct="1"/>
             <a:r>
-              <a:rPr lang="ja-JP" altLang="en-US" smtClean="0"/>
+              <a:rPr lang="ja-JP" altLang="en-US"/>
               <a:t>マスター テキストの書式設定</a:t>
             </a:r>
           </a:p>
           <a:p>
             <a:pPr lvl="1" eaLnBrk="1" latinLnBrk="0" hangingPunct="1"/>
             <a:r>
-              <a:rPr lang="ja-JP" altLang="en-US" smtClean="0"/>
+              <a:rPr lang="ja-JP" altLang="en-US"/>
               <a:t>第 </a:t>
             </a:r>
             <a:r>
-              <a:rPr lang="en-US" altLang="ja-JP" smtClean="0"/>
+              <a:rPr lang="en-US" altLang="ja-JP"/>
               <a:t>2 </a:t>
             </a:r>
             <a:r>
-              <a:rPr lang="ja-JP" altLang="en-US" smtClean="0"/>
+              <a:rPr lang="ja-JP" altLang="en-US"/>
               <a:t>レベル</a:t>
             </a:r>
           </a:p>
           <a:p>
             <a:pPr lvl="2" eaLnBrk="1" latinLnBrk="0" hangingPunct="1"/>
             <a:r>
-              <a:rPr lang="ja-JP" altLang="en-US" smtClean="0"/>
+              <a:rPr lang="ja-JP" altLang="en-US"/>
               <a:t>第 </a:t>
             </a:r>
             <a:r>
-              <a:rPr lang="en-US" altLang="ja-JP" smtClean="0"/>
+              <a:rPr lang="en-US" altLang="ja-JP"/>
               <a:t>3 </a:t>
             </a:r>
             <a:r>
-              <a:rPr lang="ja-JP" altLang="en-US" smtClean="0"/>
+              <a:rPr lang="ja-JP" altLang="en-US"/>
               <a:t>レベル</a:t>
             </a:r>
           </a:p>
           <a:p>
             <a:pPr lvl="3" eaLnBrk="1" latinLnBrk="0" hangingPunct="1"/>
             <a:r>
-              <a:rPr lang="ja-JP" altLang="en-US" smtClean="0"/>
+              <a:rPr lang="ja-JP" altLang="en-US"/>
               <a:t>第 </a:t>
             </a:r>
             <a:r>
-              <a:rPr lang="en-US" altLang="ja-JP" smtClean="0"/>
+              <a:rPr lang="en-US" altLang="ja-JP"/>
               <a:t>4 </a:t>
             </a:r>
             <a:r>
-              <a:rPr lang="ja-JP" altLang="en-US" smtClean="0"/>
+              <a:rPr lang="ja-JP" altLang="en-US"/>
               <a:t>レベル</a:t>
             </a:r>
           </a:p>
           <a:p>
             <a:pPr lvl="4" eaLnBrk="1" latinLnBrk="0" hangingPunct="1"/>
             <a:r>
-              <a:rPr lang="ja-JP" altLang="en-US" smtClean="0"/>
+              <a:rPr lang="ja-JP" altLang="en-US"/>
               <a:t>第 </a:t>
             </a:r>
             <a:r>
-              <a:rPr lang="en-US" altLang="ja-JP" smtClean="0"/>
+              <a:rPr lang="en-US" altLang="ja-JP"/>
               <a:t>5 </a:t>
             </a:r>
             <a:r>
-              <a:rPr lang="ja-JP" altLang="en-US" smtClean="0"/>
+              <a:rPr lang="ja-JP" altLang="en-US"/>
               <a:t>レベル</a:t>
             </a:r>
             <a:endParaRPr kumimoji="0" lang="en-US"/>
@@ -2591,67 +2601,67 @@
           <a:p>
             <a:pPr lvl="0" eaLnBrk="1" latinLnBrk="0" hangingPunct="1"/>
             <a:r>
-              <a:rPr lang="ja-JP" altLang="en-US" smtClean="0"/>
+              <a:rPr lang="ja-JP" altLang="en-US"/>
               <a:t>マスター テキストの書式設定</a:t>
             </a:r>
           </a:p>
           <a:p>
             <a:pPr lvl="1" eaLnBrk="1" latinLnBrk="0" hangingPunct="1"/>
             <a:r>
-              <a:rPr lang="ja-JP" altLang="en-US" smtClean="0"/>
+              <a:rPr lang="ja-JP" altLang="en-US"/>
               <a:t>第 </a:t>
             </a:r>
             <a:r>
-              <a:rPr lang="en-US" altLang="ja-JP" smtClean="0"/>
+              <a:rPr lang="en-US" altLang="ja-JP"/>
               <a:t>2 </a:t>
             </a:r>
             <a:r>
-              <a:rPr lang="ja-JP" altLang="en-US" smtClean="0"/>
+              <a:rPr lang="ja-JP" altLang="en-US"/>
               <a:t>レベル</a:t>
             </a:r>
           </a:p>
           <a:p>
             <a:pPr lvl="2" eaLnBrk="1" latinLnBrk="0" hangingPunct="1"/>
             <a:r>
-              <a:rPr lang="ja-JP" altLang="en-US" smtClean="0"/>
+              <a:rPr lang="ja-JP" altLang="en-US"/>
               <a:t>第 </a:t>
             </a:r>
             <a:r>
-              <a:rPr lang="en-US" altLang="ja-JP" smtClean="0"/>
+              <a:rPr lang="en-US" altLang="ja-JP"/>
               <a:t>3 </a:t>
             </a:r>
             <a:r>
-              <a:rPr lang="ja-JP" altLang="en-US" smtClean="0"/>
+              <a:rPr lang="ja-JP" altLang="en-US"/>
               <a:t>レベル</a:t>
             </a:r>
           </a:p>
           <a:p>
             <a:pPr lvl="3" eaLnBrk="1" latinLnBrk="0" hangingPunct="1"/>
             <a:r>
-              <a:rPr lang="ja-JP" altLang="en-US" smtClean="0"/>
+              <a:rPr lang="ja-JP" altLang="en-US"/>
               <a:t>第 </a:t>
             </a:r>
             <a:r>
-              <a:rPr lang="en-US" altLang="ja-JP" smtClean="0"/>
+              <a:rPr lang="en-US" altLang="ja-JP"/>
               <a:t>4 </a:t>
             </a:r>
             <a:r>
-              <a:rPr lang="ja-JP" altLang="en-US" smtClean="0"/>
+              <a:rPr lang="ja-JP" altLang="en-US"/>
               <a:t>レベル</a:t>
             </a:r>
           </a:p>
           <a:p>
             <a:pPr lvl="4" eaLnBrk="1" latinLnBrk="0" hangingPunct="1"/>
             <a:r>
-              <a:rPr lang="ja-JP" altLang="en-US" smtClean="0"/>
+              <a:rPr lang="ja-JP" altLang="en-US"/>
               <a:t>第 </a:t>
             </a:r>
             <a:r>
-              <a:rPr lang="en-US" altLang="ja-JP" smtClean="0"/>
+              <a:rPr lang="en-US" altLang="ja-JP"/>
               <a:t>5 </a:t>
             </a:r>
             <a:r>
-              <a:rPr lang="ja-JP" altLang="en-US" smtClean="0"/>
+              <a:rPr lang="ja-JP" altLang="en-US"/>
               <a:t>レベル</a:t>
             </a:r>
             <a:endParaRPr kumimoji="0" lang="en-US"/>
@@ -2704,7 +2714,7 @@
           <a:lstStyle/>
           <a:p>
             <a:r>
-              <a:rPr kumimoji="0" lang="ja-JP" altLang="en-US" smtClean="0"/>
+              <a:rPr kumimoji="0" lang="ja-JP" altLang="en-US"/>
               <a:t>マスター タイトルの書式設定</a:t>
             </a:r>
             <a:endParaRPr kumimoji="0" lang="en-US"/>
@@ -2729,7 +2739,7 @@
             <a:fld id="{DD2B6372-1A88-4F0C-86B1-FCF70832C42C}" type="datetimeFigureOut">
               <a:rPr lang="ja-JP" altLang="en-US" smtClean="0"/>
               <a:pPr/>
-              <a:t>2019/5/31</a:t>
+              <a:t>2021/4/1</a:t>
             </a:fld>
             <a:endParaRPr lang="ja-JP" altLang="en-US"/>
           </a:p>
@@ -2871,7 +2881,7 @@
             <a:fld id="{DD2B6372-1A88-4F0C-86B1-FCF70832C42C}" type="datetimeFigureOut">
               <a:rPr lang="ja-JP" altLang="en-US" smtClean="0"/>
               <a:pPr/>
-              <a:t>2019/5/31</a:t>
+              <a:t>2021/4/1</a:t>
             </a:fld>
             <a:endParaRPr lang="ja-JP" altLang="en-US"/>
           </a:p>
@@ -3066,7 +3076,7 @@
           </a:lstStyle>
           <a:p>
             <a:r>
-              <a:rPr kumimoji="0" lang="ja-JP" altLang="en-US" smtClean="0"/>
+              <a:rPr kumimoji="0" lang="ja-JP" altLang="en-US"/>
               <a:t>マスター タイトルの書式設定</a:t>
             </a:r>
             <a:endParaRPr kumimoji="0" lang="en-US"/>
@@ -3126,7 +3136,7 @@
           <a:p>
             <a:pPr lvl="0" eaLnBrk="1" latinLnBrk="0" hangingPunct="1"/>
             <a:r>
-              <a:rPr kumimoji="0" lang="ja-JP" altLang="en-US" smtClean="0"/>
+              <a:rPr kumimoji="0" lang="ja-JP" altLang="en-US"/>
               <a:t>マスター テキストの書式設定</a:t>
             </a:r>
           </a:p>
@@ -3150,7 +3160,7 @@
             <a:fld id="{DD2B6372-1A88-4F0C-86B1-FCF70832C42C}" type="datetimeFigureOut">
               <a:rPr lang="ja-JP" altLang="en-US" smtClean="0"/>
               <a:pPr/>
-              <a:t>2019/5/31</a:t>
+              <a:t>2021/4/1</a:t>
             </a:fld>
             <a:endParaRPr lang="ja-JP" altLang="en-US"/>
           </a:p>
@@ -3343,67 +3353,67 @@
           <a:p>
             <a:pPr lvl="0" eaLnBrk="1" latinLnBrk="0" hangingPunct="1"/>
             <a:r>
-              <a:rPr lang="ja-JP" altLang="en-US" smtClean="0"/>
+              <a:rPr lang="ja-JP" altLang="en-US"/>
               <a:t>マスター テキストの書式設定</a:t>
             </a:r>
           </a:p>
           <a:p>
             <a:pPr lvl="1" eaLnBrk="1" latinLnBrk="0" hangingPunct="1"/>
             <a:r>
-              <a:rPr lang="ja-JP" altLang="en-US" smtClean="0"/>
+              <a:rPr lang="ja-JP" altLang="en-US"/>
               <a:t>第 </a:t>
             </a:r>
             <a:r>
-              <a:rPr lang="en-US" altLang="ja-JP" smtClean="0"/>
+              <a:rPr lang="en-US" altLang="ja-JP"/>
               <a:t>2 </a:t>
             </a:r>
             <a:r>
-              <a:rPr lang="ja-JP" altLang="en-US" smtClean="0"/>
+              <a:rPr lang="ja-JP" altLang="en-US"/>
               <a:t>レベル</a:t>
             </a:r>
           </a:p>
           <a:p>
             <a:pPr lvl="2" eaLnBrk="1" latinLnBrk="0" hangingPunct="1"/>
             <a:r>
-              <a:rPr lang="ja-JP" altLang="en-US" smtClean="0"/>
+              <a:rPr lang="ja-JP" altLang="en-US"/>
               <a:t>第 </a:t>
             </a:r>
             <a:r>
-              <a:rPr lang="en-US" altLang="ja-JP" smtClean="0"/>
+              <a:rPr lang="en-US" altLang="ja-JP"/>
               <a:t>3 </a:t>
             </a:r>
             <a:r>
-              <a:rPr lang="ja-JP" altLang="en-US" smtClean="0"/>
+              <a:rPr lang="ja-JP" altLang="en-US"/>
               <a:t>レベル</a:t>
             </a:r>
           </a:p>
           <a:p>
             <a:pPr lvl="3" eaLnBrk="1" latinLnBrk="0" hangingPunct="1"/>
             <a:r>
-              <a:rPr lang="ja-JP" altLang="en-US" smtClean="0"/>
+              <a:rPr lang="ja-JP" altLang="en-US"/>
               <a:t>第 </a:t>
             </a:r>
             <a:r>
-              <a:rPr lang="en-US" altLang="ja-JP" smtClean="0"/>
+              <a:rPr lang="en-US" altLang="ja-JP"/>
               <a:t>4 </a:t>
             </a:r>
             <a:r>
-              <a:rPr lang="ja-JP" altLang="en-US" smtClean="0"/>
+              <a:rPr lang="ja-JP" altLang="en-US"/>
               <a:t>レベル</a:t>
             </a:r>
           </a:p>
           <a:p>
             <a:pPr lvl="4" eaLnBrk="1" latinLnBrk="0" hangingPunct="1"/>
             <a:r>
-              <a:rPr lang="ja-JP" altLang="en-US" smtClean="0"/>
+              <a:rPr lang="ja-JP" altLang="en-US"/>
               <a:t>第 </a:t>
             </a:r>
             <a:r>
-              <a:rPr lang="en-US" altLang="ja-JP" smtClean="0"/>
+              <a:rPr lang="en-US" altLang="ja-JP"/>
               <a:t>5 </a:t>
             </a:r>
             <a:r>
-              <a:rPr lang="ja-JP" altLang="en-US" smtClean="0"/>
+              <a:rPr lang="ja-JP" altLang="en-US"/>
               <a:t>レベル</a:t>
             </a:r>
             <a:endParaRPr kumimoji="0" lang="en-US"/>
@@ -3475,7 +3485,7 @@
           </a:lstStyle>
           <a:p>
             <a:r>
-              <a:rPr kumimoji="0" lang="ja-JP" altLang="en-US" smtClean="0"/>
+              <a:rPr kumimoji="0" lang="ja-JP" altLang="en-US"/>
               <a:t>マスター タイトルの書式設定</a:t>
             </a:r>
             <a:endParaRPr kumimoji="0" lang="en-US"/>
@@ -3520,7 +3530,7 @@
           </a:lstStyle>
           <a:p>
             <a:r>
-              <a:rPr kumimoji="0" lang="ja-JP" altLang="en-US" smtClean="0"/>
+              <a:rPr kumimoji="0" lang="ja-JP" altLang="en-US"/>
               <a:t>アイコンをクリックして図を追加</a:t>
             </a:r>
             <a:endParaRPr kumimoji="0" lang="en-US" dirty="0"/>
@@ -3567,7 +3577,7 @@
           <a:p>
             <a:pPr lvl="0" eaLnBrk="1" latinLnBrk="0" hangingPunct="1"/>
             <a:r>
-              <a:rPr kumimoji="0" lang="ja-JP" altLang="en-US" smtClean="0"/>
+              <a:rPr kumimoji="0" lang="ja-JP" altLang="en-US"/>
               <a:t>マスター テキストの書式設定</a:t>
             </a:r>
           </a:p>
@@ -3591,7 +3601,7 @@
             <a:fld id="{DD2B6372-1A88-4F0C-86B1-FCF70832C42C}" type="datetimeFigureOut">
               <a:rPr lang="ja-JP" altLang="en-US" smtClean="0"/>
               <a:pPr/>
-              <a:t>2019/5/31</a:t>
+              <a:t>2021/4/1</a:t>
             </a:fld>
             <a:endParaRPr lang="ja-JP" altLang="en-US"/>
           </a:p>
@@ -3828,7 +3838,7 @@
           <a:lstStyle/>
           <a:p>
             <a:r>
-              <a:rPr kumimoji="0" lang="ja-JP" altLang="en-US" smtClean="0"/>
+              <a:rPr kumimoji="0" lang="ja-JP" altLang="en-US"/>
               <a:t>マスター タイトルの書式設定</a:t>
             </a:r>
             <a:endParaRPr kumimoji="0" lang="en-US"/>
@@ -3862,67 +3872,67 @@
           <a:p>
             <a:pPr lvl="0" eaLnBrk="1" latinLnBrk="0" hangingPunct="1"/>
             <a:r>
-              <a:rPr kumimoji="0" lang="ja-JP" altLang="en-US" smtClean="0"/>
+              <a:rPr kumimoji="0" lang="ja-JP" altLang="en-US"/>
               <a:t>マスター テキストの書式設定</a:t>
             </a:r>
           </a:p>
           <a:p>
             <a:pPr lvl="1" eaLnBrk="1" latinLnBrk="0" hangingPunct="1"/>
             <a:r>
-              <a:rPr kumimoji="0" lang="ja-JP" altLang="en-US" smtClean="0"/>
+              <a:rPr kumimoji="0" lang="ja-JP" altLang="en-US"/>
               <a:t>第 </a:t>
             </a:r>
             <a:r>
-              <a:rPr kumimoji="0" lang="en-US" altLang="ja-JP" smtClean="0"/>
+              <a:rPr kumimoji="0" lang="en-US" altLang="ja-JP"/>
               <a:t>2 </a:t>
             </a:r>
             <a:r>
-              <a:rPr kumimoji="0" lang="ja-JP" altLang="en-US" smtClean="0"/>
+              <a:rPr kumimoji="0" lang="ja-JP" altLang="en-US"/>
               <a:t>レベル</a:t>
             </a:r>
           </a:p>
           <a:p>
             <a:pPr lvl="2" eaLnBrk="1" latinLnBrk="0" hangingPunct="1"/>
             <a:r>
-              <a:rPr kumimoji="0" lang="ja-JP" altLang="en-US" smtClean="0"/>
+              <a:rPr kumimoji="0" lang="ja-JP" altLang="en-US"/>
               <a:t>第 </a:t>
             </a:r>
             <a:r>
-              <a:rPr kumimoji="0" lang="en-US" altLang="ja-JP" smtClean="0"/>
+              <a:rPr kumimoji="0" lang="en-US" altLang="ja-JP"/>
               <a:t>3 </a:t>
             </a:r>
             <a:r>
-              <a:rPr kumimoji="0" lang="ja-JP" altLang="en-US" smtClean="0"/>
+              <a:rPr kumimoji="0" lang="ja-JP" altLang="en-US"/>
               <a:t>レベル</a:t>
             </a:r>
           </a:p>
           <a:p>
             <a:pPr lvl="3" eaLnBrk="1" latinLnBrk="0" hangingPunct="1"/>
             <a:r>
-              <a:rPr kumimoji="0" lang="ja-JP" altLang="en-US" smtClean="0"/>
+              <a:rPr kumimoji="0" lang="ja-JP" altLang="en-US"/>
               <a:t>第 </a:t>
             </a:r>
             <a:r>
-              <a:rPr kumimoji="0" lang="en-US" altLang="ja-JP" smtClean="0"/>
+              <a:rPr kumimoji="0" lang="en-US" altLang="ja-JP"/>
               <a:t>4 </a:t>
             </a:r>
             <a:r>
-              <a:rPr kumimoji="0" lang="ja-JP" altLang="en-US" smtClean="0"/>
+              <a:rPr kumimoji="0" lang="ja-JP" altLang="en-US"/>
               <a:t>レベル</a:t>
             </a:r>
           </a:p>
           <a:p>
             <a:pPr lvl="4" eaLnBrk="1" latinLnBrk="0" hangingPunct="1"/>
             <a:r>
-              <a:rPr kumimoji="0" lang="ja-JP" altLang="en-US" smtClean="0"/>
+              <a:rPr kumimoji="0" lang="ja-JP" altLang="en-US"/>
               <a:t>第 </a:t>
             </a:r>
             <a:r>
-              <a:rPr kumimoji="0" lang="en-US" altLang="ja-JP" smtClean="0"/>
+              <a:rPr kumimoji="0" lang="en-US" altLang="ja-JP"/>
               <a:t>5 </a:t>
             </a:r>
             <a:r>
-              <a:rPr kumimoji="0" lang="ja-JP" altLang="en-US" smtClean="0"/>
+              <a:rPr kumimoji="0" lang="ja-JP" altLang="en-US"/>
               <a:t>レベル</a:t>
             </a:r>
             <a:endParaRPr kumimoji="0" lang="en-US"/>
@@ -3963,7 +3973,7 @@
             <a:fld id="{DD2B6372-1A88-4F0C-86B1-FCF70832C42C}" type="datetimeFigureOut">
               <a:rPr lang="ja-JP" altLang="en-US" smtClean="0"/>
               <a:pPr/>
-              <a:t>2019/5/31</a:t>
+              <a:t>2021/4/1</a:t>
             </a:fld>
             <a:endParaRPr lang="ja-JP" altLang="en-US"/>
           </a:p>
@@ -4539,7 +4549,7 @@
           <a:lstStyle/>
           <a:p>
             <a:r>
-              <a:rPr lang="en-US" altLang="ja-JP" sz="1200" b="1" dirty="0" smtClean="0">
+              <a:rPr lang="en-US" altLang="ja-JP" sz="1200" b="1" dirty="0">
                 <a:latin typeface="Meiryo UI" panose="020B0604030504040204" pitchFamily="50" charset="-128"/>
                 <a:ea typeface="Meiryo UI" panose="020B0604030504040204" pitchFamily="50" charset="-128"/>
                 <a:cs typeface="Meiryo UI" panose="020B0604030504040204" pitchFamily="50" charset="-128"/>
@@ -4599,7 +4609,7 @@
           <a:lstStyle/>
           <a:p>
             <a:r>
-              <a:rPr lang="ja-JP" altLang="en-US" sz="1200" b="1" dirty="0" smtClean="0">
+              <a:rPr lang="ja-JP" altLang="en-US" sz="1200" b="1" dirty="0">
                 <a:latin typeface="Meiryo UI" panose="020B0604030504040204" pitchFamily="50" charset="-128"/>
                 <a:ea typeface="Meiryo UI" panose="020B0604030504040204" pitchFamily="50" charset="-128"/>
                 <a:cs typeface="Meiryo UI" panose="020B0604030504040204" pitchFamily="50" charset="-128"/>
@@ -4708,7 +4718,7 @@
           <a:lstStyle/>
           <a:p>
             <a:r>
-              <a:rPr lang="ja-JP" altLang="en-US" sz="1200" b="1" dirty="0" smtClean="0">
+              <a:rPr lang="ja-JP" altLang="en-US" sz="1200" b="1" dirty="0">
                 <a:latin typeface="Meiryo UI" panose="020B0604030504040204" pitchFamily="50" charset="-128"/>
                 <a:ea typeface="Meiryo UI" panose="020B0604030504040204" pitchFamily="50" charset="-128"/>
                 <a:cs typeface="Meiryo UI" panose="020B0604030504040204" pitchFamily="50" charset="-128"/>
@@ -4746,7 +4756,7 @@
           <a:lstStyle/>
           <a:p>
             <a:r>
-              <a:rPr lang="en-US" altLang="ja-JP" sz="3200" dirty="0" smtClean="0">
+              <a:rPr lang="en-US" altLang="ja-JP" sz="3200" dirty="0">
                 <a:latin typeface="Meiryo UI" panose="020B0604030504040204" pitchFamily="50" charset="-128"/>
                 <a:ea typeface="Meiryo UI" panose="020B0604030504040204" pitchFamily="50" charset="-128"/>
                 <a:cs typeface="Meiryo UI" panose="020B0604030504040204" pitchFamily="50" charset="-128"/>
@@ -4754,7 +4764,7 @@
               <a:t>TCYSS</a:t>
             </a:r>
             <a:r>
-              <a:rPr lang="ja-JP" altLang="en-US" sz="3200" dirty="0" err="1" smtClean="0">
+              <a:rPr lang="ja-JP" altLang="en-US" sz="3200" dirty="0" err="1">
                 <a:latin typeface="Meiryo UI" panose="020B0604030504040204" pitchFamily="50" charset="-128"/>
                 <a:ea typeface="Meiryo UI" panose="020B0604030504040204" pitchFamily="50" charset="-128"/>
                 <a:cs typeface="Meiryo UI" panose="020B0604030504040204" pitchFamily="50" charset="-128"/>
@@ -4762,7 +4772,7 @@
               <a:t>での</a:t>
             </a:r>
             <a:r>
-              <a:rPr lang="ja-JP" altLang="en-US" sz="3200" dirty="0" smtClean="0">
+              <a:rPr lang="ja-JP" altLang="en-US" sz="3200" dirty="0">
                 <a:latin typeface="Meiryo UI" panose="020B0604030504040204" pitchFamily="50" charset="-128"/>
                 <a:ea typeface="Meiryo UI" panose="020B0604030504040204" pitchFamily="50" charset="-128"/>
                 <a:cs typeface="Meiryo UI" panose="020B0604030504040204" pitchFamily="50" charset="-128"/>
@@ -4821,7 +4831,7 @@
           <a:lstStyle/>
           <a:p>
             <a:r>
-              <a:rPr lang="ja-JP" altLang="en-US" sz="1200" b="1" dirty="0" smtClean="0">
+              <a:rPr lang="ja-JP" altLang="en-US" sz="1200" b="1" dirty="0">
                 <a:latin typeface="Meiryo UI" panose="020B0604030504040204" pitchFamily="50" charset="-128"/>
                 <a:ea typeface="Meiryo UI" panose="020B0604030504040204" pitchFamily="50" charset="-128"/>
                 <a:cs typeface="Meiryo UI" panose="020B0604030504040204" pitchFamily="50" charset="-128"/>
@@ -4880,7 +4890,7 @@
           <a:lstStyle/>
           <a:p>
             <a:r>
-              <a:rPr lang="ja-JP" altLang="en-US" sz="1200" b="1" dirty="0" smtClean="0">
+              <a:rPr lang="ja-JP" altLang="en-US" sz="1200" b="1" dirty="0">
                 <a:latin typeface="Meiryo UI" panose="020B0604030504040204" pitchFamily="50" charset="-128"/>
                 <a:ea typeface="Meiryo UI" panose="020B0604030504040204" pitchFamily="50" charset="-128"/>
                 <a:cs typeface="Meiryo UI" panose="020B0604030504040204" pitchFamily="50" charset="-128"/>
@@ -4939,7 +4949,7 @@
           <a:lstStyle/>
           <a:p>
             <a:r>
-              <a:rPr lang="ja-JP" altLang="en-US" sz="1200" b="1" dirty="0" smtClean="0">
+              <a:rPr lang="ja-JP" altLang="en-US" sz="1200" b="1" dirty="0">
                 <a:latin typeface="Meiryo UI" panose="020B0604030504040204" pitchFamily="50" charset="-128"/>
                 <a:ea typeface="Meiryo UI" panose="020B0604030504040204" pitchFamily="50" charset="-128"/>
                 <a:cs typeface="Meiryo UI" panose="020B0604030504040204" pitchFamily="50" charset="-128"/>
@@ -4992,18 +5002,13 @@
             <a:p>
               <a:pPr algn="ctr"/>
               <a:r>
-                <a:rPr kumimoji="1" lang="ja-JP" altLang="en-US" sz="900" dirty="0" smtClean="0">
+                <a:rPr kumimoji="1" lang="ja-JP" altLang="en-US" sz="900" dirty="0">
                   <a:latin typeface="Meiryo UI" panose="020B0604030504040204" pitchFamily="50" charset="-128"/>
                   <a:ea typeface="Meiryo UI" panose="020B0604030504040204" pitchFamily="50" charset="-128"/>
                   <a:cs typeface="Meiryo UI" panose="020B0604030504040204" pitchFamily="50" charset="-128"/>
                 </a:rPr>
                 <a:t>経営者</a:t>
               </a:r>
-              <a:endParaRPr kumimoji="1" lang="ja-JP" altLang="en-US" sz="900" dirty="0">
-                <a:latin typeface="Meiryo UI" panose="020B0604030504040204" pitchFamily="50" charset="-128"/>
-                <a:ea typeface="Meiryo UI" panose="020B0604030504040204" pitchFamily="50" charset="-128"/>
-                <a:cs typeface="Meiryo UI" panose="020B0604030504040204" pitchFamily="50" charset="-128"/>
-              </a:endParaRPr>
             </a:p>
           </p:txBody>
         </p:sp>
@@ -5088,18 +5093,13 @@
             <a:p>
               <a:pPr algn="ctr"/>
               <a:r>
-                <a:rPr kumimoji="1" lang="ja-JP" altLang="en-US" sz="900" dirty="0" smtClean="0">
+                <a:rPr kumimoji="1" lang="ja-JP" altLang="en-US" sz="900" dirty="0">
                   <a:latin typeface="Meiryo UI" panose="020B0604030504040204" pitchFamily="50" charset="-128"/>
                   <a:ea typeface="Meiryo UI" panose="020B0604030504040204" pitchFamily="50" charset="-128"/>
                   <a:cs typeface="Meiryo UI" panose="020B0604030504040204" pitchFamily="50" charset="-128"/>
                 </a:rPr>
                 <a:t>経営者</a:t>
               </a:r>
-              <a:endParaRPr kumimoji="1" lang="ja-JP" altLang="en-US" sz="900" dirty="0">
-                <a:latin typeface="Meiryo UI" panose="020B0604030504040204" pitchFamily="50" charset="-128"/>
-                <a:ea typeface="Meiryo UI" panose="020B0604030504040204" pitchFamily="50" charset="-128"/>
-                <a:cs typeface="Meiryo UI" panose="020B0604030504040204" pitchFamily="50" charset="-128"/>
-              </a:endParaRPr>
             </a:p>
           </p:txBody>
         </p:sp>
@@ -5184,14 +5184,14 @@
             <a:p>
               <a:pPr algn="ctr"/>
               <a:r>
-                <a:rPr kumimoji="1" lang="ja-JP" altLang="en-US" sz="900" dirty="0" smtClean="0">
+                <a:rPr kumimoji="1" lang="ja-JP" altLang="en-US" sz="900" dirty="0">
                   <a:latin typeface="Meiryo UI" panose="020B0604030504040204" pitchFamily="50" charset="-128"/>
                   <a:ea typeface="Meiryo UI" panose="020B0604030504040204" pitchFamily="50" charset="-128"/>
                   <a:cs typeface="Meiryo UI" panose="020B0604030504040204" pitchFamily="50" charset="-128"/>
                 </a:rPr>
                 <a:t>システム</a:t>
               </a:r>
-              <a:endParaRPr kumimoji="1" lang="en-US" altLang="ja-JP" sz="900" dirty="0" smtClean="0">
+              <a:endParaRPr kumimoji="1" lang="en-US" altLang="ja-JP" sz="900" dirty="0">
                 <a:latin typeface="Meiryo UI" panose="020B0604030504040204" pitchFamily="50" charset="-128"/>
                 <a:ea typeface="Meiryo UI" panose="020B0604030504040204" pitchFamily="50" charset="-128"/>
                 <a:cs typeface="Meiryo UI" panose="020B0604030504040204" pitchFamily="50" charset="-128"/>
@@ -5200,18 +5200,13 @@
             <a:p>
               <a:pPr algn="ctr"/>
               <a:r>
-                <a:rPr kumimoji="1" lang="ja-JP" altLang="en-US" sz="900" dirty="0" smtClean="0">
+                <a:rPr kumimoji="1" lang="ja-JP" altLang="en-US" sz="900" dirty="0">
                   <a:latin typeface="Meiryo UI" panose="020B0604030504040204" pitchFamily="50" charset="-128"/>
                   <a:ea typeface="Meiryo UI" panose="020B0604030504040204" pitchFamily="50" charset="-128"/>
                   <a:cs typeface="Meiryo UI" panose="020B0604030504040204" pitchFamily="50" charset="-128"/>
                 </a:rPr>
                 <a:t>管理者</a:t>
               </a:r>
-              <a:endParaRPr kumimoji="1" lang="ja-JP" altLang="en-US" sz="900" dirty="0">
-                <a:latin typeface="Meiryo UI" panose="020B0604030504040204" pitchFamily="50" charset="-128"/>
-                <a:ea typeface="Meiryo UI" panose="020B0604030504040204" pitchFamily="50" charset="-128"/>
-                <a:cs typeface="Meiryo UI" panose="020B0604030504040204" pitchFamily="50" charset="-128"/>
-              </a:endParaRPr>
             </a:p>
           </p:txBody>
         </p:sp>
@@ -5296,18 +5291,13 @@
             <a:p>
               <a:pPr algn="ctr"/>
               <a:r>
-                <a:rPr kumimoji="1" lang="ja-JP" altLang="en-US" sz="900" dirty="0" smtClean="0">
+                <a:rPr kumimoji="1" lang="ja-JP" altLang="en-US" sz="900" dirty="0">
                   <a:latin typeface="Meiryo UI" panose="020B0604030504040204" pitchFamily="50" charset="-128"/>
                   <a:ea typeface="Meiryo UI" panose="020B0604030504040204" pitchFamily="50" charset="-128"/>
                   <a:cs typeface="Meiryo UI" panose="020B0604030504040204" pitchFamily="50" charset="-128"/>
                 </a:rPr>
                 <a:t>従業員</a:t>
               </a:r>
-              <a:endParaRPr kumimoji="1" lang="ja-JP" altLang="en-US" sz="900" dirty="0">
-                <a:latin typeface="Meiryo UI" panose="020B0604030504040204" pitchFamily="50" charset="-128"/>
-                <a:ea typeface="Meiryo UI" panose="020B0604030504040204" pitchFamily="50" charset="-128"/>
-                <a:cs typeface="Meiryo UI" panose="020B0604030504040204" pitchFamily="50" charset="-128"/>
-              </a:endParaRPr>
             </a:p>
           </p:txBody>
         </p:sp>
@@ -5523,7 +5513,7 @@
           <a:p>
             <a:pPr algn="ctr"/>
             <a:r>
-              <a:rPr lang="ja-JP" altLang="en-US" sz="1200" dirty="0" smtClean="0">
+              <a:rPr lang="ja-JP" altLang="en-US" sz="1200" dirty="0">
                 <a:latin typeface="Meiryo UI" panose="020B0604030504040204" pitchFamily="50" charset="-128"/>
                 <a:ea typeface="Meiryo UI" panose="020B0604030504040204" pitchFamily="50" charset="-128"/>
                 <a:cs typeface="Meiryo UI" panose="020B0604030504040204" pitchFamily="50" charset="-128"/>
@@ -5573,18 +5563,13 @@
           <a:p>
             <a:pPr algn="ctr"/>
             <a:r>
-              <a:rPr kumimoji="1" lang="ja-JP" altLang="en-US" sz="1200" dirty="0" smtClean="0">
+              <a:rPr kumimoji="1" lang="ja-JP" altLang="en-US" sz="1200" dirty="0">
                 <a:latin typeface="Meiryo UI" panose="020B0604030504040204" pitchFamily="50" charset="-128"/>
                 <a:ea typeface="Meiryo UI" panose="020B0604030504040204" pitchFamily="50" charset="-128"/>
                 <a:cs typeface="Meiryo UI" panose="020B0604030504040204" pitchFamily="50" charset="-128"/>
               </a:rPr>
               <a:t>実施指示</a:t>
             </a:r>
-            <a:endParaRPr kumimoji="1" lang="ja-JP" altLang="en-US" sz="1200" dirty="0">
-              <a:latin typeface="Meiryo UI" panose="020B0604030504040204" pitchFamily="50" charset="-128"/>
-              <a:ea typeface="Meiryo UI" panose="020B0604030504040204" pitchFamily="50" charset="-128"/>
-              <a:cs typeface="Meiryo UI" panose="020B0604030504040204" pitchFamily="50" charset="-128"/>
-            </a:endParaRPr>
           </a:p>
         </p:txBody>
       </p:sp>
@@ -5623,18 +5608,13 @@
           <a:p>
             <a:pPr algn="ctr"/>
             <a:r>
-              <a:rPr kumimoji="1" lang="ja-JP" altLang="en-US" sz="1200" dirty="0" smtClean="0">
+              <a:rPr kumimoji="1" lang="ja-JP" altLang="en-US" sz="1200" dirty="0">
                 <a:latin typeface="Meiryo UI" panose="020B0604030504040204" pitchFamily="50" charset="-128"/>
                 <a:ea typeface="Meiryo UI" panose="020B0604030504040204" pitchFamily="50" charset="-128"/>
                 <a:cs typeface="Meiryo UI" panose="020B0604030504040204" pitchFamily="50" charset="-128"/>
               </a:rPr>
               <a:t>教育・指導</a:t>
             </a:r>
-            <a:endParaRPr kumimoji="1" lang="ja-JP" altLang="en-US" sz="1200" dirty="0">
-              <a:latin typeface="Meiryo UI" panose="020B0604030504040204" pitchFamily="50" charset="-128"/>
-              <a:ea typeface="Meiryo UI" panose="020B0604030504040204" pitchFamily="50" charset="-128"/>
-              <a:cs typeface="Meiryo UI" panose="020B0604030504040204" pitchFamily="50" charset="-128"/>
-            </a:endParaRPr>
           </a:p>
         </p:txBody>
       </p:sp>
@@ -5683,14 +5663,14 @@
           <a:p>
             <a:pPr algn="ctr"/>
             <a:r>
-              <a:rPr lang="ja-JP" altLang="en-US" sz="1200" dirty="0" smtClean="0">
+              <a:rPr lang="ja-JP" altLang="en-US" sz="1200" dirty="0">
                 <a:latin typeface="Meiryo UI" panose="020B0604030504040204" pitchFamily="50" charset="-128"/>
                 <a:ea typeface="Meiryo UI" panose="020B0604030504040204" pitchFamily="50" charset="-128"/>
                 <a:cs typeface="Meiryo UI" panose="020B0604030504040204" pitchFamily="50" charset="-128"/>
               </a:rPr>
               <a:t>セミナー等での普及啓発活動</a:t>
             </a:r>
-            <a:endParaRPr lang="en-US" altLang="ja-JP" sz="1200" dirty="0" smtClean="0">
+            <a:endParaRPr lang="en-US" altLang="ja-JP" sz="1200" dirty="0">
               <a:latin typeface="Meiryo UI" panose="020B0604030504040204" pitchFamily="50" charset="-128"/>
               <a:ea typeface="Meiryo UI" panose="020B0604030504040204" pitchFamily="50" charset="-128"/>
               <a:cs typeface="Meiryo UI" panose="020B0604030504040204" pitchFamily="50" charset="-128"/>
@@ -5699,7 +5679,7 @@
           <a:p>
             <a:pPr algn="ctr"/>
             <a:r>
-              <a:rPr lang="ja-JP" altLang="en-US" sz="1200" dirty="0" smtClean="0">
+              <a:rPr lang="ja-JP" altLang="en-US" sz="1200" dirty="0">
                 <a:latin typeface="Meiryo UI" panose="020B0604030504040204" pitchFamily="50" charset="-128"/>
                 <a:ea typeface="Meiryo UI" panose="020B0604030504040204" pitchFamily="50" charset="-128"/>
                 <a:cs typeface="Meiryo UI" panose="020B0604030504040204" pitchFamily="50" charset="-128"/>
@@ -5707,7 +5687,7 @@
               <a:t>（警視庁・</a:t>
             </a:r>
             <a:r>
-              <a:rPr lang="en-US" altLang="ja-JP" sz="1200" dirty="0" smtClean="0">
+              <a:rPr lang="en-US" altLang="ja-JP" sz="1200" dirty="0">
                 <a:latin typeface="Meiryo UI" panose="020B0604030504040204" pitchFamily="50" charset="-128"/>
                 <a:ea typeface="Meiryo UI" panose="020B0604030504040204" pitchFamily="50" charset="-128"/>
                 <a:cs typeface="Meiryo UI" panose="020B0604030504040204" pitchFamily="50" charset="-128"/>
@@ -5715,7 +5695,7 @@
               <a:t>TCYSS</a:t>
             </a:r>
             <a:r>
-              <a:rPr lang="ja-JP" altLang="en-US" sz="1200" dirty="0" smtClean="0">
+              <a:rPr lang="ja-JP" altLang="en-US" sz="1200" dirty="0">
                 <a:latin typeface="Meiryo UI" panose="020B0604030504040204" pitchFamily="50" charset="-128"/>
                 <a:ea typeface="Meiryo UI" panose="020B0604030504040204" pitchFamily="50" charset="-128"/>
                 <a:cs typeface="Meiryo UI" panose="020B0604030504040204" pitchFamily="50" charset="-128"/>
@@ -5865,17 +5845,9 @@
                 <a:ea typeface="Meiryo UI" panose="020B0604030504040204" pitchFamily="50" charset="-128"/>
                 <a:cs typeface="Meiryo UI" panose="020B0604030504040204" pitchFamily="50" charset="-128"/>
               </a:rPr>
-              <a:t>電話</a:t>
-            </a:r>
-            <a:r>
-              <a:rPr lang="ja-JP" altLang="en-US" sz="1200" b="1" dirty="0" smtClean="0">
-                <a:latin typeface="Meiryo UI" panose="020B0604030504040204" pitchFamily="50" charset="-128"/>
-                <a:ea typeface="Meiryo UI" panose="020B0604030504040204" pitchFamily="50" charset="-128"/>
-                <a:cs typeface="Meiryo UI" panose="020B0604030504040204" pitchFamily="50" charset="-128"/>
-              </a:rPr>
-              <a:t>相談</a:t>
-            </a:r>
-            <a:endParaRPr lang="en-US" altLang="ja-JP" sz="1200" b="1" dirty="0" smtClean="0">
+              <a:t>電話相談</a:t>
+            </a:r>
+            <a:endParaRPr lang="en-US" altLang="ja-JP" sz="1200" b="1" dirty="0">
               <a:latin typeface="Meiryo UI" panose="020B0604030504040204" pitchFamily="50" charset="-128"/>
               <a:ea typeface="Meiryo UI" panose="020B0604030504040204" pitchFamily="50" charset="-128"/>
               <a:cs typeface="Meiryo UI" panose="020B0604030504040204" pitchFamily="50" charset="-128"/>
@@ -5883,7 +5855,7 @@
           </a:p>
           <a:p>
             <a:r>
-              <a:rPr lang="ja-JP" altLang="en-US" sz="1200" b="1" dirty="0" smtClean="0">
+              <a:rPr lang="ja-JP" altLang="en-US" sz="1200" b="1" dirty="0">
                 <a:latin typeface="Meiryo UI" panose="020B0604030504040204" pitchFamily="50" charset="-128"/>
                 <a:ea typeface="Meiryo UI" panose="020B0604030504040204" pitchFamily="50" charset="-128"/>
                 <a:cs typeface="Meiryo UI" panose="020B0604030504040204" pitchFamily="50" charset="-128"/>
@@ -5984,7 +5956,7 @@
           <a:p>
             <a:pPr algn="ctr"/>
             <a:r>
-              <a:rPr kumimoji="1" lang="en-US" altLang="ja-JP" dirty="0" smtClean="0">
+              <a:rPr kumimoji="1" lang="en-US" altLang="ja-JP" dirty="0">
                 <a:solidFill>
                   <a:schemeClr val="tx1"/>
                 </a:solidFill>
@@ -5995,7 +5967,7 @@
               <a:t>TCYSS</a:t>
             </a:r>
             <a:r>
-              <a:rPr kumimoji="1" lang="ja-JP" altLang="en-US" dirty="0" smtClean="0">
+              <a:rPr kumimoji="1" lang="ja-JP" altLang="en-US" dirty="0">
                 <a:solidFill>
                   <a:schemeClr val="tx1"/>
                 </a:solidFill>
@@ -6005,14 +5977,6 @@
               </a:rPr>
               <a:t>参加組織</a:t>
             </a:r>
-            <a:endParaRPr kumimoji="1" lang="ja-JP" altLang="en-US" dirty="0">
-              <a:solidFill>
-                <a:schemeClr val="tx1"/>
-              </a:solidFill>
-              <a:latin typeface="Meiryo UI" panose="020B0604030504040204" pitchFamily="50" charset="-128"/>
-              <a:ea typeface="Meiryo UI" panose="020B0604030504040204" pitchFamily="50" charset="-128"/>
-              <a:cs typeface="Meiryo UI" panose="020B0604030504040204" pitchFamily="50" charset="-128"/>
-            </a:endParaRPr>
           </a:p>
         </p:txBody>
       </p:sp>
@@ -6099,18 +6063,13 @@
           <a:p>
             <a:pPr algn="ctr"/>
             <a:r>
-              <a:rPr kumimoji="1" lang="ja-JP" altLang="en-US" sz="1200" dirty="0" smtClean="0">
+              <a:rPr kumimoji="1" lang="ja-JP" altLang="en-US" sz="1200" dirty="0">
                 <a:latin typeface="Meiryo UI" panose="020B0604030504040204" pitchFamily="50" charset="-128"/>
                 <a:ea typeface="Meiryo UI" panose="020B0604030504040204" pitchFamily="50" charset="-128"/>
                 <a:cs typeface="Meiryo UI" panose="020B0604030504040204" pitchFamily="50" charset="-128"/>
               </a:rPr>
               <a:t>管理者に対して経営者へのレクチャーを支援することが効果的</a:t>
             </a:r>
-            <a:endParaRPr kumimoji="1" lang="ja-JP" altLang="en-US" sz="1200" dirty="0">
-              <a:latin typeface="Meiryo UI" panose="020B0604030504040204" pitchFamily="50" charset="-128"/>
-              <a:ea typeface="Meiryo UI" panose="020B0604030504040204" pitchFamily="50" charset="-128"/>
-              <a:cs typeface="Meiryo UI" panose="020B0604030504040204" pitchFamily="50" charset="-128"/>
-            </a:endParaRPr>
           </a:p>
         </p:txBody>
       </p:sp>
@@ -6153,18 +6112,13 @@
           <a:p>
             <a:pPr algn="ctr"/>
             <a:r>
-              <a:rPr kumimoji="1" lang="ja-JP" altLang="en-US" sz="1200" dirty="0" smtClean="0">
+              <a:rPr kumimoji="1" lang="ja-JP" altLang="en-US" sz="1200" dirty="0">
                 <a:latin typeface="Meiryo UI" panose="020B0604030504040204" pitchFamily="50" charset="-128"/>
                 <a:ea typeface="Meiryo UI" panose="020B0604030504040204" pitchFamily="50" charset="-128"/>
                 <a:cs typeface="Meiryo UI" panose="020B0604030504040204" pitchFamily="50" charset="-128"/>
               </a:rPr>
               <a:t>管理者がいなければ経営者に対して</a:t>
             </a:r>
-            <a:endParaRPr kumimoji="1" lang="ja-JP" altLang="en-US" sz="1200" dirty="0">
-              <a:latin typeface="Meiryo UI" panose="020B0604030504040204" pitchFamily="50" charset="-128"/>
-              <a:ea typeface="Meiryo UI" panose="020B0604030504040204" pitchFamily="50" charset="-128"/>
-              <a:cs typeface="Meiryo UI" panose="020B0604030504040204" pitchFamily="50" charset="-128"/>
-            </a:endParaRPr>
           </a:p>
         </p:txBody>
       </p:sp>
@@ -6192,7 +6146,7 @@
           <a:p>
             <a:pPr algn="r"/>
             <a:r>
-              <a:rPr kumimoji="1" lang="en-US" altLang="ja-JP" sz="1400" dirty="0" smtClean="0">
+              <a:rPr kumimoji="1" lang="en-US" altLang="ja-JP" sz="1400" dirty="0">
                 <a:latin typeface="Meiryo UI" panose="020B0604030504040204" pitchFamily="50" charset="-128"/>
                 <a:ea typeface="Meiryo UI" panose="020B0604030504040204" pitchFamily="50" charset="-128"/>
                 <a:cs typeface="Meiryo UI" panose="020B0604030504040204" pitchFamily="50" charset="-128"/>
@@ -6200,7 +6154,7 @@
               <a:t>2018</a:t>
             </a:r>
             <a:r>
-              <a:rPr kumimoji="1" lang="ja-JP" altLang="en-US" sz="1400" dirty="0" smtClean="0">
+              <a:rPr kumimoji="1" lang="ja-JP" altLang="en-US" sz="1400" dirty="0">
                 <a:latin typeface="Meiryo UI" panose="020B0604030504040204" pitchFamily="50" charset="-128"/>
                 <a:ea typeface="Meiryo UI" panose="020B0604030504040204" pitchFamily="50" charset="-128"/>
                 <a:cs typeface="Meiryo UI" panose="020B0604030504040204" pitchFamily="50" charset="-128"/>
@@ -6216,7 +6170,7 @@
               <a:t>5</a:t>
             </a:r>
             <a:r>
-              <a:rPr kumimoji="1" lang="ja-JP" altLang="en-US" sz="1400" dirty="0" smtClean="0">
+              <a:rPr kumimoji="1" lang="ja-JP" altLang="en-US" sz="1400" dirty="0">
                 <a:latin typeface="Meiryo UI" panose="020B0604030504040204" pitchFamily="50" charset="-128"/>
                 <a:ea typeface="Meiryo UI" panose="020B0604030504040204" pitchFamily="50" charset="-128"/>
                 <a:cs typeface="Meiryo UI" panose="020B0604030504040204" pitchFamily="50" charset="-128"/>
@@ -6224,7 +6178,7 @@
               <a:t>月</a:t>
             </a:r>
             <a:r>
-              <a:rPr lang="en-US" altLang="ja-JP" sz="1400" dirty="0" smtClean="0">
+              <a:rPr lang="en-US" altLang="ja-JP" sz="1400" dirty="0">
                 <a:latin typeface="Meiryo UI" panose="020B0604030504040204" pitchFamily="50" charset="-128"/>
                 <a:ea typeface="Meiryo UI" panose="020B0604030504040204" pitchFamily="50" charset="-128"/>
                 <a:cs typeface="Meiryo UI" panose="020B0604030504040204" pitchFamily="50" charset="-128"/>
@@ -6232,18 +6186,13 @@
               <a:t>15</a:t>
             </a:r>
             <a:r>
-              <a:rPr kumimoji="1" lang="ja-JP" altLang="en-US" sz="1400" dirty="0" smtClean="0">
+              <a:rPr kumimoji="1" lang="ja-JP" altLang="en-US" sz="1400" dirty="0">
                 <a:latin typeface="Meiryo UI" panose="020B0604030504040204" pitchFamily="50" charset="-128"/>
                 <a:ea typeface="Meiryo UI" panose="020B0604030504040204" pitchFamily="50" charset="-128"/>
                 <a:cs typeface="Meiryo UI" panose="020B0604030504040204" pitchFamily="50" charset="-128"/>
               </a:rPr>
               <a:t>日</a:t>
             </a:r>
-            <a:endParaRPr kumimoji="1" lang="ja-JP" altLang="en-US" sz="1400" dirty="0">
-              <a:latin typeface="Meiryo UI" panose="020B0604030504040204" pitchFamily="50" charset="-128"/>
-              <a:ea typeface="Meiryo UI" panose="020B0604030504040204" pitchFamily="50" charset="-128"/>
-              <a:cs typeface="Meiryo UI" panose="020B0604030504040204" pitchFamily="50" charset="-128"/>
-            </a:endParaRPr>
           </a:p>
         </p:txBody>
       </p:sp>
@@ -6291,20 +6240,12 @@
           <a:lstStyle/>
           <a:p>
             <a:r>
-              <a:rPr lang="ja-JP" altLang="en-US" sz="1200" b="1" dirty="0" smtClean="0">
-                <a:latin typeface="Meiryo UI" panose="020B0604030504040204" pitchFamily="50" charset="-128"/>
-                <a:ea typeface="Meiryo UI" panose="020B0604030504040204" pitchFamily="50" charset="-128"/>
-                <a:cs typeface="Meiryo UI" panose="020B0604030504040204" pitchFamily="50" charset="-128"/>
-              </a:rPr>
-              <a:t>経営者の</a:t>
-            </a:r>
-            <a:r>
               <a:rPr lang="ja-JP" altLang="en-US" sz="1200" b="1" dirty="0">
                 <a:latin typeface="Meiryo UI" panose="020B0604030504040204" pitchFamily="50" charset="-128"/>
                 <a:ea typeface="Meiryo UI" panose="020B0604030504040204" pitchFamily="50" charset="-128"/>
                 <a:cs typeface="Meiryo UI" panose="020B0604030504040204" pitchFamily="50" charset="-128"/>
               </a:rPr>
-              <a:t>意識レベル</a:t>
+              <a:t>経営者の意識レベル</a:t>
             </a:r>
             <a:endParaRPr lang="en-US" altLang="ja-JP" sz="1200" b="1" dirty="0">
               <a:latin typeface="Meiryo UI" panose="020B0604030504040204" pitchFamily="50" charset="-128"/>
@@ -6314,30 +6255,14 @@
           </a:p>
           <a:p>
             <a:r>
-              <a:rPr lang="ja-JP" altLang="en-US" sz="1200" dirty="0" smtClean="0">
-                <a:latin typeface="Meiryo UI" panose="020B0604030504040204" pitchFamily="50" charset="-128"/>
-                <a:ea typeface="Meiryo UI" panose="020B0604030504040204" pitchFamily="50" charset="-128"/>
-                <a:cs typeface="Meiryo UI" panose="020B0604030504040204" pitchFamily="50" charset="-128"/>
-              </a:rPr>
-              <a:t>①セキュリティ被害を対岸の火事だと</a:t>
-            </a:r>
-            <a:r>
               <a:rPr lang="ja-JP" altLang="en-US" sz="1200" dirty="0">
                 <a:latin typeface="Meiryo UI" panose="020B0604030504040204" pitchFamily="50" charset="-128"/>
                 <a:ea typeface="Meiryo UI" panose="020B0604030504040204" pitchFamily="50" charset="-128"/>
                 <a:cs typeface="Meiryo UI" panose="020B0604030504040204" pitchFamily="50" charset="-128"/>
               </a:rPr>
-              <a:t>して</a:t>
-            </a:r>
-            <a:r>
-              <a:rPr lang="ja-JP" altLang="en-US" sz="1200" dirty="0" smtClean="0">
-                <a:latin typeface="Meiryo UI" panose="020B0604030504040204" pitchFamily="50" charset="-128"/>
-                <a:ea typeface="Meiryo UI" panose="020B0604030504040204" pitchFamily="50" charset="-128"/>
-                <a:cs typeface="Meiryo UI" panose="020B0604030504040204" pitchFamily="50" charset="-128"/>
-              </a:rPr>
-              <a:t>、対策を進める意識の低い企業</a:t>
-            </a:r>
-            <a:endParaRPr lang="en-US" altLang="ja-JP" sz="1200" dirty="0" smtClean="0">
+              <a:t>①セキュリティ被害を対岸の火事だとして、対策を進める意識の低い企業</a:t>
+            </a:r>
+            <a:endParaRPr lang="en-US" altLang="ja-JP" sz="1200" dirty="0">
               <a:latin typeface="Meiryo UI" panose="020B0604030504040204" pitchFamily="50" charset="-128"/>
               <a:ea typeface="Meiryo UI" panose="020B0604030504040204" pitchFamily="50" charset="-128"/>
               <a:cs typeface="Meiryo UI" panose="020B0604030504040204" pitchFamily="50" charset="-128"/>
@@ -6353,7 +6278,7 @@
               <a:t>②</a:t>
             </a:r>
             <a:r>
-              <a:rPr lang="en-US" altLang="ja-JP" sz="1200" dirty="0" smtClean="0">
+              <a:rPr lang="en-US" altLang="ja-JP" sz="1200" dirty="0">
                 <a:latin typeface="Meiryo UI" panose="020B0604030504040204" pitchFamily="50" charset="-128"/>
                 <a:ea typeface="Meiryo UI" panose="020B0604030504040204" pitchFamily="50" charset="-128"/>
                 <a:cs typeface="Meiryo UI" panose="020B0604030504040204" pitchFamily="50" charset="-128"/>
@@ -6366,17 +6291,9 @@
                 <a:ea typeface="Meiryo UI" panose="020B0604030504040204" pitchFamily="50" charset="-128"/>
                 <a:cs typeface="Meiryo UI" panose="020B0604030504040204" pitchFamily="50" charset="-128"/>
               </a:rPr>
-              <a:t>・セキュリティをビジネスの基盤として</a:t>
-            </a:r>
-            <a:r>
-              <a:rPr lang="ja-JP" altLang="en-US" sz="1200" dirty="0" smtClean="0">
-                <a:latin typeface="Meiryo UI" panose="020B0604030504040204" pitchFamily="50" charset="-128"/>
-                <a:ea typeface="Meiryo UI" panose="020B0604030504040204" pitchFamily="50" charset="-128"/>
-                <a:cs typeface="Meiryo UI" panose="020B0604030504040204" pitchFamily="50" charset="-128"/>
-              </a:rPr>
-              <a:t>捉え、原価意識を持って費用対効果の高い対策をしようとしている企業</a:t>
-            </a:r>
-            <a:endParaRPr lang="en-US" altLang="ja-JP" sz="1200" dirty="0" smtClean="0">
+              <a:t>・セキュリティをビジネスの基盤として捉え、原価意識を持って費用対効果の高い対策をしようとしている企業</a:t>
+            </a:r>
+            <a:endParaRPr lang="en-US" altLang="ja-JP" sz="1200" dirty="0">
               <a:latin typeface="Meiryo UI" panose="020B0604030504040204" pitchFamily="50" charset="-128"/>
               <a:ea typeface="Meiryo UI" panose="020B0604030504040204" pitchFamily="50" charset="-128"/>
               <a:cs typeface="Meiryo UI" panose="020B0604030504040204" pitchFamily="50" charset="-128"/>
@@ -6384,20 +6301,12 @@
           </a:p>
           <a:p>
             <a:r>
-              <a:rPr lang="ja-JP" altLang="en-US" sz="1200" dirty="0" smtClean="0">
-                <a:latin typeface="Meiryo UI" panose="020B0604030504040204" pitchFamily="50" charset="-128"/>
-                <a:ea typeface="Meiryo UI" panose="020B0604030504040204" pitchFamily="50" charset="-128"/>
-                <a:cs typeface="Meiryo UI" panose="020B0604030504040204" pitchFamily="50" charset="-128"/>
-              </a:rPr>
-              <a:t>③過剰</a:t>
-            </a:r>
-            <a:r>
               <a:rPr lang="ja-JP" altLang="en-US" sz="1200" dirty="0">
                 <a:latin typeface="Meiryo UI" panose="020B0604030504040204" pitchFamily="50" charset="-128"/>
                 <a:ea typeface="Meiryo UI" panose="020B0604030504040204" pitchFamily="50" charset="-128"/>
                 <a:cs typeface="Meiryo UI" panose="020B0604030504040204" pitchFamily="50" charset="-128"/>
               </a:rPr>
-              <a:t>なセキュリティ意識により、</a:t>
+              <a:t>③過剰なセキュリティ意識により、</a:t>
             </a:r>
             <a:r>
               <a:rPr lang="en-US" altLang="ja-JP" sz="1200" dirty="0">
@@ -6421,17 +6330,9 @@
                 <a:ea typeface="Meiryo UI" panose="020B0604030504040204" pitchFamily="50" charset="-128"/>
                 <a:cs typeface="Meiryo UI" panose="020B0604030504040204" pitchFamily="50" charset="-128"/>
               </a:rPr>
-              <a:t>活用を著しく</a:t>
-            </a:r>
-            <a:r>
-              <a:rPr lang="ja-JP" altLang="en-US" sz="1200" dirty="0" smtClean="0">
-                <a:latin typeface="Meiryo UI" panose="020B0604030504040204" pitchFamily="50" charset="-128"/>
-                <a:ea typeface="Meiryo UI" panose="020B0604030504040204" pitchFamily="50" charset="-128"/>
-                <a:cs typeface="Meiryo UI" panose="020B0604030504040204" pitchFamily="50" charset="-128"/>
-              </a:rPr>
-              <a:t>制限している企業</a:t>
-            </a:r>
-            <a:endParaRPr lang="en-US" altLang="ja-JP" sz="1200" dirty="0" smtClean="0">
+              <a:t>活用を著しく制限している企業</a:t>
+            </a:r>
+            <a:endParaRPr lang="en-US" altLang="ja-JP" sz="1200" dirty="0">
               <a:latin typeface="Meiryo UI" panose="020B0604030504040204" pitchFamily="50" charset="-128"/>
               <a:ea typeface="Meiryo UI" panose="020B0604030504040204" pitchFamily="50" charset="-128"/>
               <a:cs typeface="Meiryo UI" panose="020B0604030504040204" pitchFamily="50" charset="-128"/>
@@ -6447,7 +6348,7 @@
               <a:t>④</a:t>
             </a:r>
             <a:r>
-              <a:rPr lang="en-US" altLang="ja-JP" sz="1200" dirty="0" smtClean="0">
+              <a:rPr lang="en-US" altLang="ja-JP" sz="1200" dirty="0">
                 <a:latin typeface="Meiryo UI" panose="020B0604030504040204" pitchFamily="50" charset="-128"/>
                 <a:ea typeface="Meiryo UI" panose="020B0604030504040204" pitchFamily="50" charset="-128"/>
                 <a:cs typeface="Meiryo UI" panose="020B0604030504040204" pitchFamily="50" charset="-128"/>
@@ -6468,49 +6369,9 @@
                 <a:ea typeface="Meiryo UI" panose="020B0604030504040204" pitchFamily="50" charset="-128"/>
                 <a:cs typeface="Meiryo UI" panose="020B0604030504040204" pitchFamily="50" charset="-128"/>
               </a:rPr>
-              <a:t>活用を事業戦略上に位置づけ</a:t>
-            </a:r>
-            <a:r>
-              <a:rPr lang="ja-JP" altLang="en-US" sz="1200" dirty="0" smtClean="0">
-                <a:latin typeface="Meiryo UI" panose="020B0604030504040204" pitchFamily="50" charset="-128"/>
-                <a:ea typeface="Meiryo UI" panose="020B0604030504040204" pitchFamily="50" charset="-128"/>
-                <a:cs typeface="Meiryo UI" panose="020B0604030504040204" pitchFamily="50" charset="-128"/>
-              </a:rPr>
-              <a:t>、セキュリティ</a:t>
-            </a:r>
-            <a:r>
-              <a:rPr lang="ja-JP" altLang="en-US" sz="1200" dirty="0">
-                <a:latin typeface="Meiryo UI" panose="020B0604030504040204" pitchFamily="50" charset="-128"/>
-                <a:ea typeface="Meiryo UI" panose="020B0604030504040204" pitchFamily="50" charset="-128"/>
-                <a:cs typeface="Meiryo UI" panose="020B0604030504040204" pitchFamily="50" charset="-128"/>
-              </a:rPr>
-              <a:t>を強く意識し、積極的に競争力強化</a:t>
-            </a:r>
-            <a:r>
-              <a:rPr lang="ja-JP" altLang="en-US" sz="1200" dirty="0" smtClean="0">
-                <a:latin typeface="Meiryo UI" panose="020B0604030504040204" pitchFamily="50" charset="-128"/>
-                <a:ea typeface="Meiryo UI" panose="020B0604030504040204" pitchFamily="50" charset="-128"/>
-                <a:cs typeface="Meiryo UI" panose="020B0604030504040204" pitchFamily="50" charset="-128"/>
-              </a:rPr>
-              <a:t>に利活用</a:t>
-            </a:r>
-            <a:r>
-              <a:rPr lang="ja-JP" altLang="en-US" sz="1200" dirty="0">
-                <a:latin typeface="Meiryo UI" panose="020B0604030504040204" pitchFamily="50" charset="-128"/>
-                <a:ea typeface="Meiryo UI" panose="020B0604030504040204" pitchFamily="50" charset="-128"/>
-                <a:cs typeface="Meiryo UI" panose="020B0604030504040204" pitchFamily="50" charset="-128"/>
-              </a:rPr>
-              <a:t>しようとしている</a:t>
-            </a:r>
-            <a:r>
-              <a:rPr lang="ja-JP" altLang="en-US" sz="1200" dirty="0" smtClean="0">
-                <a:latin typeface="Meiryo UI" panose="020B0604030504040204" pitchFamily="50" charset="-128"/>
-                <a:ea typeface="Meiryo UI" panose="020B0604030504040204" pitchFamily="50" charset="-128"/>
-                <a:cs typeface="Meiryo UI" panose="020B0604030504040204" pitchFamily="50" charset="-128"/>
-              </a:rPr>
-              <a:t>企業（政府の対策の目標）</a:t>
-            </a:r>
-            <a:endParaRPr lang="en-US" altLang="ja-JP" sz="1200" dirty="0" smtClean="0">
+              <a:t>活用を事業戦略上に位置づけ、セキュリティを強く意識し、積極的に競争力強化に利活用しようとしている企業（政府の対策の目標）</a:t>
+            </a:r>
+            <a:endParaRPr lang="en-US" altLang="ja-JP" sz="1200" dirty="0">
               <a:latin typeface="Meiryo UI" panose="020B0604030504040204" pitchFamily="50" charset="-128"/>
               <a:ea typeface="Meiryo UI" panose="020B0604030504040204" pitchFamily="50" charset="-128"/>
               <a:cs typeface="Meiryo UI" panose="020B0604030504040204" pitchFamily="50" charset="-128"/>
@@ -6553,14 +6414,14 @@
           <a:p>
             <a:pPr algn="ctr"/>
             <a:r>
-              <a:rPr kumimoji="1" lang="ja-JP" altLang="en-US" sz="1200" dirty="0" smtClean="0">
+              <a:rPr kumimoji="1" lang="ja-JP" altLang="en-US" sz="1200" dirty="0">
                 <a:latin typeface="Meiryo UI" panose="020B0604030504040204" pitchFamily="50" charset="-128"/>
                 <a:ea typeface="Meiryo UI" panose="020B0604030504040204" pitchFamily="50" charset="-128"/>
                 <a:cs typeface="Meiryo UI" panose="020B0604030504040204" pitchFamily="50" charset="-128"/>
               </a:rPr>
               <a:t>課題解決</a:t>
             </a:r>
-            <a:endParaRPr kumimoji="1" lang="en-US" altLang="ja-JP" sz="1200" dirty="0" smtClean="0">
+            <a:endParaRPr kumimoji="1" lang="en-US" altLang="ja-JP" sz="1200" dirty="0">
               <a:latin typeface="Meiryo UI" panose="020B0604030504040204" pitchFamily="50" charset="-128"/>
               <a:ea typeface="Meiryo UI" panose="020B0604030504040204" pitchFamily="50" charset="-128"/>
               <a:cs typeface="Meiryo UI" panose="020B0604030504040204" pitchFamily="50" charset="-128"/>
@@ -6586,21 +6447,621 @@
       </p:sp>
       <p:sp>
         <p:nvSpPr>
-          <p:cNvPr id="132" name="左右矢印 131"/>
+          <p:cNvPr id="4" name="正方形/長方形 3"/>
           <p:cNvSpPr/>
           <p:nvPr/>
         </p:nvSpPr>
         <p:spPr>
           <a:xfrm>
-            <a:off x="1114804" y="3685011"/>
-            <a:ext cx="938060" cy="878347"/>
-          </a:xfrm>
-          <a:prstGeom prst="leftRightArrow">
+            <a:off x="4158334" y="5719517"/>
+            <a:ext cx="1516762" cy="430887"/>
+          </a:xfrm>
+          <a:prstGeom prst="rect">
+            <a:avLst/>
+          </a:prstGeom>
+        </p:spPr>
+        <p:txBody>
+          <a:bodyPr wrap="none">
+            <a:spAutoFit/>
+          </a:bodyPr>
+          <a:lstStyle/>
+          <a:p>
+            <a:r>
+              <a:rPr lang="ja-JP" altLang="en-US" sz="1100" b="1" dirty="0">
+                <a:latin typeface="Meiryo UI" panose="020B0604030504040204" pitchFamily="50" charset="-128"/>
+                <a:ea typeface="Meiryo UI" panose="020B0604030504040204" pitchFamily="50" charset="-128"/>
+                <a:cs typeface="Meiryo UI" panose="020B0604030504040204" pitchFamily="50" charset="-128"/>
+              </a:rPr>
+              <a:t>情報セキュリティ関連の</a:t>
+            </a:r>
+            <a:endParaRPr lang="en-US" altLang="ja-JP" sz="1100" b="1" dirty="0">
+              <a:latin typeface="Meiryo UI" panose="020B0604030504040204" pitchFamily="50" charset="-128"/>
+              <a:ea typeface="Meiryo UI" panose="020B0604030504040204" pitchFamily="50" charset="-128"/>
+              <a:cs typeface="Meiryo UI" panose="020B0604030504040204" pitchFamily="50" charset="-128"/>
+            </a:endParaRPr>
+          </a:p>
+          <a:p>
+            <a:r>
+              <a:rPr lang="ja-JP" altLang="en-US" sz="1100" b="1" dirty="0">
+                <a:solidFill>
+                  <a:srgbClr val="0070C0"/>
+                </a:solidFill>
+                <a:latin typeface="Meiryo UI" panose="020B0604030504040204" pitchFamily="50" charset="-128"/>
+                <a:ea typeface="Meiryo UI" panose="020B0604030504040204" pitchFamily="50" charset="-128"/>
+                <a:cs typeface="Meiryo UI" panose="020B0604030504040204" pitchFamily="50" charset="-128"/>
+              </a:rPr>
+              <a:t>情報収集</a:t>
+            </a:r>
+            <a:endParaRPr lang="en-US" altLang="ja-JP" sz="1100" b="1" dirty="0">
+              <a:solidFill>
+                <a:srgbClr val="0070C0"/>
+              </a:solidFill>
+              <a:latin typeface="Meiryo UI" panose="020B0604030504040204" pitchFamily="50" charset="-128"/>
+              <a:ea typeface="Meiryo UI" panose="020B0604030504040204" pitchFamily="50" charset="-128"/>
+              <a:cs typeface="Meiryo UI" panose="020B0604030504040204" pitchFamily="50" charset="-128"/>
+            </a:endParaRPr>
+          </a:p>
+        </p:txBody>
+      </p:sp>
+      <p:sp>
+        <p:nvSpPr>
+          <p:cNvPr id="56" name="正方形/長方形 55"/>
+          <p:cNvSpPr/>
+          <p:nvPr/>
+        </p:nvSpPr>
+        <p:spPr>
+          <a:xfrm>
+            <a:off x="5401021" y="4361726"/>
+            <a:ext cx="1633152" cy="430887"/>
+          </a:xfrm>
+          <a:prstGeom prst="rect">
+            <a:avLst/>
+          </a:prstGeom>
+        </p:spPr>
+        <p:txBody>
+          <a:bodyPr wrap="square">
+            <a:spAutoFit/>
+          </a:bodyPr>
+          <a:lstStyle/>
+          <a:p>
+            <a:r>
+              <a:rPr lang="ja-JP" altLang="en-US" sz="1100" dirty="0">
+                <a:latin typeface="Meiryo UI" panose="020B0604030504040204" pitchFamily="50" charset="-128"/>
+                <a:ea typeface="Meiryo UI" panose="020B0604030504040204" pitchFamily="50" charset="-128"/>
+                <a:cs typeface="Meiryo UI" panose="020B0604030504040204" pitchFamily="50" charset="-128"/>
+              </a:rPr>
+              <a:t>蓄積した情報に基づいて、ユーザレベル毎に発信</a:t>
+            </a:r>
+            <a:endParaRPr lang="en-US" altLang="ja-JP" sz="1100" dirty="0">
+              <a:latin typeface="Meiryo UI" panose="020B0604030504040204" pitchFamily="50" charset="-128"/>
+              <a:ea typeface="Meiryo UI" panose="020B0604030504040204" pitchFamily="50" charset="-128"/>
+              <a:cs typeface="Meiryo UI" panose="020B0604030504040204" pitchFamily="50" charset="-128"/>
+            </a:endParaRPr>
+          </a:p>
+        </p:txBody>
+      </p:sp>
+      <p:sp>
+        <p:nvSpPr>
+          <p:cNvPr id="3" name="四角形吹き出し 2"/>
+          <p:cNvSpPr/>
+          <p:nvPr/>
+        </p:nvSpPr>
+        <p:spPr>
+          <a:xfrm>
+            <a:off x="101133" y="2298564"/>
+            <a:ext cx="1482701" cy="740391"/>
+          </a:xfrm>
+          <a:prstGeom prst="wedgeRectCallout">
             <a:avLst>
-              <a:gd name="adj1" fmla="val 50000"/>
-              <a:gd name="adj2" fmla="val 33209"/>
+              <a:gd name="adj1" fmla="val 19854"/>
+              <a:gd name="adj2" fmla="val -135339"/>
             </a:avLst>
           </a:prstGeom>
+        </p:spPr>
+        <p:style>
+          <a:lnRef idx="0">
+            <a:schemeClr val="accent4"/>
+          </a:lnRef>
+          <a:fillRef idx="3">
+            <a:schemeClr val="accent4"/>
+          </a:fillRef>
+          <a:effectRef idx="3">
+            <a:schemeClr val="accent4"/>
+          </a:effectRef>
+          <a:fontRef idx="minor">
+            <a:schemeClr val="lt1"/>
+          </a:fontRef>
+        </p:style>
+        <p:txBody>
+          <a:bodyPr rtlCol="0" anchor="ctr"/>
+          <a:lstStyle/>
+          <a:p>
+            <a:pPr algn="ctr"/>
+            <a:r>
+              <a:rPr kumimoji="1" lang="ja-JP" altLang="en-US" sz="1100" dirty="0">
+                <a:solidFill>
+                  <a:schemeClr val="tx1"/>
+                </a:solidFill>
+                <a:latin typeface="Meiryo UI" panose="020B0604030504040204" pitchFamily="50" charset="-128"/>
+                <a:ea typeface="Meiryo UI" panose="020B0604030504040204" pitchFamily="50" charset="-128"/>
+                <a:cs typeface="Meiryo UI" panose="020B0604030504040204" pitchFamily="50" charset="-128"/>
+              </a:rPr>
+              <a:t>組織の存続のためには</a:t>
+            </a:r>
+            <a:r>
+              <a:rPr kumimoji="1" lang="en-US" altLang="ja-JP" sz="1100" dirty="0">
+                <a:solidFill>
+                  <a:schemeClr val="tx1"/>
+                </a:solidFill>
+                <a:latin typeface="Meiryo UI" panose="020B0604030504040204" pitchFamily="50" charset="-128"/>
+                <a:ea typeface="Meiryo UI" panose="020B0604030504040204" pitchFamily="50" charset="-128"/>
+                <a:cs typeface="Meiryo UI" panose="020B0604030504040204" pitchFamily="50" charset="-128"/>
+              </a:rPr>
+              <a:t>IT</a:t>
+            </a:r>
+            <a:r>
+              <a:rPr kumimoji="1" lang="ja-JP" altLang="en-US" sz="1100" dirty="0">
+                <a:solidFill>
+                  <a:schemeClr val="tx1"/>
+                </a:solidFill>
+                <a:latin typeface="Meiryo UI" panose="020B0604030504040204" pitchFamily="50" charset="-128"/>
+                <a:ea typeface="Meiryo UI" panose="020B0604030504040204" pitchFamily="50" charset="-128"/>
+                <a:cs typeface="Meiryo UI" panose="020B0604030504040204" pitchFamily="50" charset="-128"/>
+              </a:rPr>
+              <a:t>の活用が必要。そのためにはセキュリティ対策が必須</a:t>
+            </a:r>
+          </a:p>
+        </p:txBody>
+      </p:sp>
+      <p:sp>
+        <p:nvSpPr>
+          <p:cNvPr id="59" name="四角形吹き出し 58"/>
+          <p:cNvSpPr/>
+          <p:nvPr/>
+        </p:nvSpPr>
+        <p:spPr>
+          <a:xfrm>
+            <a:off x="4797631" y="2832651"/>
+            <a:ext cx="1557003" cy="439643"/>
+          </a:xfrm>
+          <a:prstGeom prst="wedgeRectCallout">
+            <a:avLst>
+              <a:gd name="adj1" fmla="val 103299"/>
+              <a:gd name="adj2" fmla="val 68399"/>
+            </a:avLst>
+          </a:prstGeom>
+        </p:spPr>
+        <p:style>
+          <a:lnRef idx="0">
+            <a:schemeClr val="accent4"/>
+          </a:lnRef>
+          <a:fillRef idx="3">
+            <a:schemeClr val="accent4"/>
+          </a:fillRef>
+          <a:effectRef idx="3">
+            <a:schemeClr val="accent4"/>
+          </a:effectRef>
+          <a:fontRef idx="minor">
+            <a:schemeClr val="lt1"/>
+          </a:fontRef>
+        </p:style>
+        <p:txBody>
+          <a:bodyPr rtlCol="0" anchor="ctr"/>
+          <a:lstStyle/>
+          <a:p>
+            <a:pPr algn="ctr"/>
+            <a:r>
+              <a:rPr kumimoji="1" lang="ja-JP" altLang="en-US" sz="1100" dirty="0">
+                <a:solidFill>
+                  <a:schemeClr val="tx1"/>
+                </a:solidFill>
+                <a:latin typeface="Meiryo UI" panose="020B0604030504040204" pitchFamily="50" charset="-128"/>
+                <a:ea typeface="Meiryo UI" panose="020B0604030504040204" pitchFamily="50" charset="-128"/>
+                <a:cs typeface="Meiryo UI" panose="020B0604030504040204" pitchFamily="50" charset="-128"/>
+              </a:rPr>
+              <a:t>一般論はガイドブックに記載した内容レベルで</a:t>
+            </a:r>
+          </a:p>
+        </p:txBody>
+      </p:sp>
+      <p:sp>
+        <p:nvSpPr>
+          <p:cNvPr id="65" name="四角形吹き出し 64"/>
+          <p:cNvSpPr/>
+          <p:nvPr/>
+        </p:nvSpPr>
+        <p:spPr>
+          <a:xfrm>
+            <a:off x="10142495" y="6099451"/>
+            <a:ext cx="1633070" cy="574742"/>
+          </a:xfrm>
+          <a:prstGeom prst="wedgeRectCallout">
+            <a:avLst>
+              <a:gd name="adj1" fmla="val -78715"/>
+              <a:gd name="adj2" fmla="val -71287"/>
+            </a:avLst>
+          </a:prstGeom>
+        </p:spPr>
+        <p:style>
+          <a:lnRef idx="0">
+            <a:schemeClr val="accent4"/>
+          </a:lnRef>
+          <a:fillRef idx="3">
+            <a:schemeClr val="accent4"/>
+          </a:fillRef>
+          <a:effectRef idx="3">
+            <a:schemeClr val="accent4"/>
+          </a:effectRef>
+          <a:fontRef idx="minor">
+            <a:schemeClr val="lt1"/>
+          </a:fontRef>
+        </p:style>
+        <p:txBody>
+          <a:bodyPr rtlCol="0" anchor="ctr"/>
+          <a:lstStyle/>
+          <a:p>
+            <a:pPr algn="ctr"/>
+            <a:r>
+              <a:rPr kumimoji="1" lang="ja-JP" altLang="en-US" sz="1100" dirty="0">
+                <a:solidFill>
+                  <a:schemeClr val="tx1"/>
+                </a:solidFill>
+                <a:latin typeface="Meiryo UI" panose="020B0604030504040204" pitchFamily="50" charset="-128"/>
+                <a:ea typeface="Meiryo UI" panose="020B0604030504040204" pitchFamily="50" charset="-128"/>
+                <a:cs typeface="Meiryo UI" panose="020B0604030504040204" pitchFamily="50" charset="-128"/>
+              </a:rPr>
+              <a:t>利用者が事前・緊急時どこでも見られるように</a:t>
+            </a:r>
+            <a:endParaRPr kumimoji="1" lang="en-US" altLang="ja-JP" sz="1100" dirty="0">
+              <a:solidFill>
+                <a:schemeClr val="tx1"/>
+              </a:solidFill>
+              <a:latin typeface="Meiryo UI" panose="020B0604030504040204" pitchFamily="50" charset="-128"/>
+              <a:ea typeface="Meiryo UI" panose="020B0604030504040204" pitchFamily="50" charset="-128"/>
+              <a:cs typeface="Meiryo UI" panose="020B0604030504040204" pitchFamily="50" charset="-128"/>
+            </a:endParaRPr>
+          </a:p>
+          <a:p>
+            <a:pPr algn="ctr"/>
+            <a:r>
+              <a:rPr lang="en-US" altLang="ja-JP" sz="1100" dirty="0">
+                <a:solidFill>
+                  <a:schemeClr val="tx1"/>
+                </a:solidFill>
+                <a:latin typeface="Meiryo UI" panose="020B0604030504040204" pitchFamily="50" charset="-128"/>
+                <a:ea typeface="Meiryo UI" panose="020B0604030504040204" pitchFamily="50" charset="-128"/>
+                <a:cs typeface="Meiryo UI" panose="020B0604030504040204" pitchFamily="50" charset="-128"/>
+              </a:rPr>
+              <a:t>(</a:t>
+            </a:r>
+            <a:r>
+              <a:rPr lang="ja-JP" altLang="en-US" sz="1100" dirty="0">
+                <a:solidFill>
+                  <a:schemeClr val="tx1"/>
+                </a:solidFill>
+                <a:latin typeface="Meiryo UI" panose="020B0604030504040204" pitchFamily="50" charset="-128"/>
+                <a:ea typeface="Meiryo UI" panose="020B0604030504040204" pitchFamily="50" charset="-128"/>
+                <a:cs typeface="Meiryo UI" panose="020B0604030504040204" pitchFamily="50" charset="-128"/>
+              </a:rPr>
+              <a:t>ワンソースマルチユース</a:t>
+            </a:r>
+            <a:r>
+              <a:rPr lang="en-US" altLang="ja-JP" sz="1100" dirty="0">
+                <a:solidFill>
+                  <a:schemeClr val="tx1"/>
+                </a:solidFill>
+                <a:latin typeface="Meiryo UI" panose="020B0604030504040204" pitchFamily="50" charset="-128"/>
+                <a:ea typeface="Meiryo UI" panose="020B0604030504040204" pitchFamily="50" charset="-128"/>
+                <a:cs typeface="Meiryo UI" panose="020B0604030504040204" pitchFamily="50" charset="-128"/>
+              </a:rPr>
+              <a:t>)</a:t>
+            </a:r>
+            <a:endParaRPr kumimoji="1" lang="ja-JP" altLang="en-US" sz="1100" dirty="0">
+              <a:solidFill>
+                <a:schemeClr val="tx1"/>
+              </a:solidFill>
+              <a:latin typeface="Meiryo UI" panose="020B0604030504040204" pitchFamily="50" charset="-128"/>
+              <a:ea typeface="Meiryo UI" panose="020B0604030504040204" pitchFamily="50" charset="-128"/>
+              <a:cs typeface="Meiryo UI" panose="020B0604030504040204" pitchFamily="50" charset="-128"/>
+            </a:endParaRPr>
+          </a:p>
+        </p:txBody>
+      </p:sp>
+      <p:sp>
+        <p:nvSpPr>
+          <p:cNvPr id="67" name="四角形吹き出し 66"/>
+          <p:cNvSpPr/>
+          <p:nvPr/>
+        </p:nvSpPr>
+        <p:spPr>
+          <a:xfrm>
+            <a:off x="10508857" y="3380334"/>
+            <a:ext cx="1359077" cy="1477847"/>
+          </a:xfrm>
+          <a:prstGeom prst="wedgeRectCallout">
+            <a:avLst>
+              <a:gd name="adj1" fmla="val -67087"/>
+              <a:gd name="adj2" fmla="val -113084"/>
+            </a:avLst>
+          </a:prstGeom>
+        </p:spPr>
+        <p:style>
+          <a:lnRef idx="0">
+            <a:schemeClr val="accent4"/>
+          </a:lnRef>
+          <a:fillRef idx="3">
+            <a:schemeClr val="accent4"/>
+          </a:fillRef>
+          <a:effectRef idx="3">
+            <a:schemeClr val="accent4"/>
+          </a:effectRef>
+          <a:fontRef idx="minor">
+            <a:schemeClr val="lt1"/>
+          </a:fontRef>
+        </p:style>
+        <p:txBody>
+          <a:bodyPr rtlCol="0" anchor="ctr"/>
+          <a:lstStyle/>
+          <a:p>
+            <a:pPr algn="ctr"/>
+            <a:r>
+              <a:rPr kumimoji="1" lang="en-US" altLang="ja-JP" sz="1100" dirty="0">
+                <a:solidFill>
+                  <a:schemeClr val="tx1"/>
+                </a:solidFill>
+                <a:latin typeface="Meiryo UI" panose="020B0604030504040204" pitchFamily="50" charset="-128"/>
+                <a:ea typeface="Meiryo UI" panose="020B0604030504040204" pitchFamily="50" charset="-128"/>
+                <a:cs typeface="Meiryo UI" panose="020B0604030504040204" pitchFamily="50" charset="-128"/>
+              </a:rPr>
+              <a:t>IT,</a:t>
+            </a:r>
+            <a:r>
+              <a:rPr kumimoji="1" lang="ja-JP" altLang="en-US" sz="1100" dirty="0">
+                <a:solidFill>
+                  <a:schemeClr val="tx1"/>
+                </a:solidFill>
+                <a:latin typeface="Meiryo UI" panose="020B0604030504040204" pitchFamily="50" charset="-128"/>
+                <a:ea typeface="Meiryo UI" panose="020B0604030504040204" pitchFamily="50" charset="-128"/>
+                <a:cs typeface="Meiryo UI" panose="020B0604030504040204" pitchFamily="50" charset="-128"/>
+              </a:rPr>
+              <a:t>セキュリティに全く関心のない企業には情報セキュリティ対策</a:t>
+            </a:r>
+            <a:r>
+              <a:rPr lang="en-US" altLang="ja-JP" sz="1100" dirty="0">
+                <a:solidFill>
+                  <a:schemeClr val="tx1"/>
+                </a:solidFill>
+                <a:latin typeface="Meiryo UI" panose="020B0604030504040204" pitchFamily="50" charset="-128"/>
+                <a:ea typeface="Meiryo UI" panose="020B0604030504040204" pitchFamily="50" charset="-128"/>
+                <a:cs typeface="Meiryo UI" panose="020B0604030504040204" pitchFamily="50" charset="-128"/>
+              </a:rPr>
+              <a:t>9</a:t>
+            </a:r>
+            <a:r>
+              <a:rPr lang="ja-JP" altLang="en-US" sz="1100" dirty="0">
+                <a:solidFill>
+                  <a:schemeClr val="tx1"/>
+                </a:solidFill>
+                <a:latin typeface="Meiryo UI" panose="020B0604030504040204" pitchFamily="50" charset="-128"/>
+                <a:ea typeface="Meiryo UI" panose="020B0604030504040204" pitchFamily="50" charset="-128"/>
+                <a:cs typeface="Meiryo UI" panose="020B0604030504040204" pitchFamily="50" charset="-128"/>
+              </a:rPr>
+              <a:t>か条を。</a:t>
+            </a:r>
+            <a:endParaRPr lang="en-US" altLang="ja-JP" sz="1100" dirty="0">
+              <a:solidFill>
+                <a:schemeClr val="tx1"/>
+              </a:solidFill>
+              <a:latin typeface="Meiryo UI" panose="020B0604030504040204" pitchFamily="50" charset="-128"/>
+              <a:ea typeface="Meiryo UI" panose="020B0604030504040204" pitchFamily="50" charset="-128"/>
+              <a:cs typeface="Meiryo UI" panose="020B0604030504040204" pitchFamily="50" charset="-128"/>
+            </a:endParaRPr>
+          </a:p>
+          <a:p>
+            <a:pPr algn="ctr"/>
+            <a:r>
+              <a:rPr kumimoji="1" lang="ja-JP" altLang="en-US" sz="1100" dirty="0">
+                <a:solidFill>
+                  <a:schemeClr val="tx1"/>
+                </a:solidFill>
+                <a:latin typeface="Meiryo UI" panose="020B0604030504040204" pitchFamily="50" charset="-128"/>
+                <a:ea typeface="Meiryo UI" panose="020B0604030504040204" pitchFamily="50" charset="-128"/>
+                <a:cs typeface="Meiryo UI" panose="020B0604030504040204" pitchFamily="50" charset="-128"/>
+              </a:rPr>
+              <a:t>具体的な対策を検討する組織には、</a:t>
+            </a:r>
+            <a:r>
+              <a:rPr lang="ja-JP" altLang="en-US" sz="1100" dirty="0">
+                <a:solidFill>
+                  <a:schemeClr val="tx1"/>
+                </a:solidFill>
+                <a:latin typeface="Meiryo UI" panose="020B0604030504040204" pitchFamily="50" charset="-128"/>
+                <a:ea typeface="Meiryo UI" panose="020B0604030504040204" pitchFamily="50" charset="-128"/>
+                <a:cs typeface="Meiryo UI" panose="020B0604030504040204" pitchFamily="50" charset="-128"/>
+              </a:rPr>
+              <a:t>まず「ガイドブック」を読むことを助言する</a:t>
+            </a:r>
+            <a:endParaRPr kumimoji="1" lang="ja-JP" altLang="en-US" sz="1100" dirty="0">
+              <a:solidFill>
+                <a:schemeClr val="tx1"/>
+              </a:solidFill>
+              <a:latin typeface="Meiryo UI" panose="020B0604030504040204" pitchFamily="50" charset="-128"/>
+              <a:ea typeface="Meiryo UI" panose="020B0604030504040204" pitchFamily="50" charset="-128"/>
+              <a:cs typeface="Meiryo UI" panose="020B0604030504040204" pitchFamily="50" charset="-128"/>
+            </a:endParaRPr>
+          </a:p>
+        </p:txBody>
+      </p:sp>
+      <p:sp>
+        <p:nvSpPr>
+          <p:cNvPr id="68" name="四角形吹き出し 67"/>
+          <p:cNvSpPr/>
+          <p:nvPr/>
+        </p:nvSpPr>
+        <p:spPr>
+          <a:xfrm>
+            <a:off x="5675096" y="5920884"/>
+            <a:ext cx="1359077" cy="673507"/>
+          </a:xfrm>
+          <a:prstGeom prst="wedgeRectCallout">
+            <a:avLst>
+              <a:gd name="adj1" fmla="val -101165"/>
+              <a:gd name="adj2" fmla="val -49485"/>
+            </a:avLst>
+          </a:prstGeom>
+        </p:spPr>
+        <p:style>
+          <a:lnRef idx="0">
+            <a:schemeClr val="accent4"/>
+          </a:lnRef>
+          <a:fillRef idx="3">
+            <a:schemeClr val="accent4"/>
+          </a:fillRef>
+          <a:effectRef idx="3">
+            <a:schemeClr val="accent4"/>
+          </a:effectRef>
+          <a:fontRef idx="minor">
+            <a:schemeClr val="lt1"/>
+          </a:fontRef>
+        </p:style>
+        <p:txBody>
+          <a:bodyPr rtlCol="0" anchor="ctr"/>
+          <a:lstStyle/>
+          <a:p>
+            <a:pPr algn="ctr"/>
+            <a:r>
+              <a:rPr kumimoji="1" lang="ja-JP" altLang="en-US" sz="1100" dirty="0">
+                <a:solidFill>
+                  <a:schemeClr val="tx1"/>
+                </a:solidFill>
+                <a:latin typeface="Meiryo UI" panose="020B0604030504040204" pitchFamily="50" charset="-128"/>
+                <a:ea typeface="Meiryo UI" panose="020B0604030504040204" pitchFamily="50" charset="-128"/>
+                <a:cs typeface="Meiryo UI" panose="020B0604030504040204" pitchFamily="50" charset="-128"/>
+              </a:rPr>
+              <a:t>インターネットでは得られない情報の集約が重要</a:t>
+            </a:r>
+          </a:p>
+        </p:txBody>
+      </p:sp>
+      <p:sp>
+        <p:nvSpPr>
+          <p:cNvPr id="70" name="フローチャート : 磁気ディスク 53"/>
+          <p:cNvSpPr/>
+          <p:nvPr/>
+        </p:nvSpPr>
+        <p:spPr>
+          <a:xfrm>
+            <a:off x="1833229" y="3824852"/>
+            <a:ext cx="1622490" cy="940926"/>
+          </a:xfrm>
+          <a:prstGeom prst="flowChartMagneticDisk">
+            <a:avLst/>
+          </a:prstGeom>
+          <a:solidFill>
+            <a:srgbClr val="92D050"/>
+          </a:solidFill>
+          <a:ln/>
+        </p:spPr>
+        <p:style>
+          <a:lnRef idx="1">
+            <a:schemeClr val="accent2"/>
+          </a:lnRef>
+          <a:fillRef idx="3">
+            <a:schemeClr val="accent2"/>
+          </a:fillRef>
+          <a:effectRef idx="2">
+            <a:schemeClr val="accent2"/>
+          </a:effectRef>
+          <a:fontRef idx="minor">
+            <a:schemeClr val="lt1"/>
+          </a:fontRef>
+        </p:style>
+        <p:txBody>
+          <a:bodyPr wrap="square" rtlCol="0" anchor="ctr">
+            <a:noAutofit/>
+          </a:bodyPr>
+          <a:lstStyle/>
+          <a:p>
+            <a:pPr algn="ctr">
+              <a:lnSpc>
+                <a:spcPts val="1700"/>
+              </a:lnSpc>
+            </a:pPr>
+            <a:r>
+              <a:rPr lang="ja-JP" altLang="en-US" sz="1100" dirty="0">
+                <a:latin typeface="Meiryo UI" panose="020B0604030504040204" pitchFamily="50" charset="-128"/>
+                <a:ea typeface="Meiryo UI" panose="020B0604030504040204" pitchFamily="50" charset="-128"/>
+                <a:cs typeface="Meiryo UI" panose="020B0604030504040204" pitchFamily="50" charset="-128"/>
+              </a:rPr>
+              <a:t>重要インフラ向け</a:t>
+            </a:r>
+            <a:endParaRPr lang="en-US" altLang="ja-JP" sz="1100" dirty="0">
+              <a:latin typeface="Meiryo UI" panose="020B0604030504040204" pitchFamily="50" charset="-128"/>
+              <a:ea typeface="Meiryo UI" panose="020B0604030504040204" pitchFamily="50" charset="-128"/>
+              <a:cs typeface="Meiryo UI" panose="020B0604030504040204" pitchFamily="50" charset="-128"/>
+            </a:endParaRPr>
+          </a:p>
+          <a:p>
+            <a:pPr algn="ctr">
+              <a:lnSpc>
+                <a:spcPts val="1700"/>
+              </a:lnSpc>
+            </a:pPr>
+            <a:r>
+              <a:rPr lang="ja-JP" altLang="en-US" sz="1100" dirty="0">
+                <a:latin typeface="Meiryo UI" panose="020B0604030504040204" pitchFamily="50" charset="-128"/>
+                <a:ea typeface="Meiryo UI" panose="020B0604030504040204" pitchFamily="50" charset="-128"/>
+                <a:cs typeface="Meiryo UI" panose="020B0604030504040204" pitchFamily="50" charset="-128"/>
+              </a:rPr>
+              <a:t>セキュリティ対策関連</a:t>
+            </a:r>
+            <a:endParaRPr lang="en-US" altLang="ja-JP" sz="1100" dirty="0">
+              <a:latin typeface="Meiryo UI" panose="020B0604030504040204" pitchFamily="50" charset="-128"/>
+              <a:ea typeface="Meiryo UI" panose="020B0604030504040204" pitchFamily="50" charset="-128"/>
+              <a:cs typeface="Meiryo UI" panose="020B0604030504040204" pitchFamily="50" charset="-128"/>
+            </a:endParaRPr>
+          </a:p>
+          <a:p>
+            <a:pPr algn="ctr">
+              <a:lnSpc>
+                <a:spcPts val="1700"/>
+              </a:lnSpc>
+            </a:pPr>
+            <a:r>
+              <a:rPr lang="ja-JP" altLang="en-US" sz="1100" dirty="0">
+                <a:latin typeface="Meiryo UI" panose="020B0604030504040204" pitchFamily="50" charset="-128"/>
+                <a:ea typeface="Meiryo UI" panose="020B0604030504040204" pitchFamily="50" charset="-128"/>
+                <a:cs typeface="Meiryo UI" panose="020B0604030504040204" pitchFamily="50" charset="-128"/>
+              </a:rPr>
+              <a:t>ナレッジベース</a:t>
+            </a:r>
+            <a:endParaRPr lang="en-US" altLang="ja-JP" sz="1100" dirty="0">
+              <a:latin typeface="Meiryo UI" panose="020B0604030504040204" pitchFamily="50" charset="-128"/>
+              <a:ea typeface="Meiryo UI" panose="020B0604030504040204" pitchFamily="50" charset="-128"/>
+              <a:cs typeface="Meiryo UI" panose="020B0604030504040204" pitchFamily="50" charset="-128"/>
+            </a:endParaRPr>
+          </a:p>
+        </p:txBody>
+      </p:sp>
+      <p:sp>
+        <p:nvSpPr>
+          <p:cNvPr id="71" name="フレーム 70"/>
+          <p:cNvSpPr/>
+          <p:nvPr/>
+        </p:nvSpPr>
+        <p:spPr>
+          <a:xfrm>
+            <a:off x="1679039" y="6111785"/>
+            <a:ext cx="1776680" cy="619656"/>
+          </a:xfrm>
+          <a:prstGeom prst="frame">
+            <a:avLst/>
+          </a:prstGeom>
+          <a:solidFill>
+            <a:schemeClr val="accent4">
+              <a:lumMod val="50000"/>
+            </a:schemeClr>
+          </a:solidFill>
         </p:spPr>
         <p:style>
           <a:lnRef idx="2">
@@ -6624,155 +7085,7 @@
           <a:p>
             <a:pPr algn="ctr"/>
             <a:r>
-              <a:rPr kumimoji="1" lang="ja-JP" altLang="en-US" sz="1400" dirty="0" smtClean="0">
-                <a:latin typeface="Meiryo UI" panose="020B0604030504040204" pitchFamily="50" charset="-128"/>
-                <a:ea typeface="Meiryo UI" panose="020B0604030504040204" pitchFamily="50" charset="-128"/>
-                <a:cs typeface="Meiryo UI" panose="020B0604030504040204" pitchFamily="50" charset="-128"/>
-              </a:rPr>
-              <a:t>情報交換</a:t>
-            </a:r>
-            <a:endParaRPr kumimoji="1" lang="ja-JP" altLang="en-US" sz="1400" dirty="0">
-              <a:latin typeface="Meiryo UI" panose="020B0604030504040204" pitchFamily="50" charset="-128"/>
-              <a:ea typeface="Meiryo UI" panose="020B0604030504040204" pitchFamily="50" charset="-128"/>
-              <a:cs typeface="Meiryo UI" panose="020B0604030504040204" pitchFamily="50" charset="-128"/>
-            </a:endParaRPr>
-          </a:p>
-        </p:txBody>
-      </p:sp>
-      <p:sp>
-        <p:nvSpPr>
-          <p:cNvPr id="4" name="正方形/長方形 3"/>
-          <p:cNvSpPr/>
-          <p:nvPr/>
-        </p:nvSpPr>
-        <p:spPr>
-          <a:xfrm>
-            <a:off x="4158334" y="5719517"/>
-            <a:ext cx="1516762" cy="430887"/>
-          </a:xfrm>
-          <a:prstGeom prst="rect">
-            <a:avLst/>
-          </a:prstGeom>
-        </p:spPr>
-        <p:txBody>
-          <a:bodyPr wrap="none">
-            <a:spAutoFit/>
-          </a:bodyPr>
-          <a:lstStyle/>
-          <a:p>
-            <a:r>
-              <a:rPr lang="ja-JP" altLang="en-US" sz="1100" b="1" dirty="0" smtClean="0">
-                <a:latin typeface="Meiryo UI" panose="020B0604030504040204" pitchFamily="50" charset="-128"/>
-                <a:ea typeface="Meiryo UI" panose="020B0604030504040204" pitchFamily="50" charset="-128"/>
-                <a:cs typeface="Meiryo UI" panose="020B0604030504040204" pitchFamily="50" charset="-128"/>
-              </a:rPr>
-              <a:t>情報セキュリティ関連の</a:t>
-            </a:r>
-            <a:endParaRPr lang="en-US" altLang="ja-JP" sz="1100" b="1" dirty="0" smtClean="0">
-              <a:latin typeface="Meiryo UI" panose="020B0604030504040204" pitchFamily="50" charset="-128"/>
-              <a:ea typeface="Meiryo UI" panose="020B0604030504040204" pitchFamily="50" charset="-128"/>
-              <a:cs typeface="Meiryo UI" panose="020B0604030504040204" pitchFamily="50" charset="-128"/>
-            </a:endParaRPr>
-          </a:p>
-          <a:p>
-            <a:r>
-              <a:rPr lang="ja-JP" altLang="en-US" sz="1100" b="1" dirty="0">
-                <a:solidFill>
-                  <a:srgbClr val="0070C0"/>
-                </a:solidFill>
-                <a:latin typeface="Meiryo UI" panose="020B0604030504040204" pitchFamily="50" charset="-128"/>
-                <a:ea typeface="Meiryo UI" panose="020B0604030504040204" pitchFamily="50" charset="-128"/>
-                <a:cs typeface="Meiryo UI" panose="020B0604030504040204" pitchFamily="50" charset="-128"/>
-              </a:rPr>
-              <a:t>情報収集</a:t>
-            </a:r>
-            <a:endParaRPr lang="en-US" altLang="ja-JP" sz="1100" b="1" dirty="0" smtClean="0">
-              <a:solidFill>
-                <a:srgbClr val="0070C0"/>
-              </a:solidFill>
-              <a:latin typeface="Meiryo UI" panose="020B0604030504040204" pitchFamily="50" charset="-128"/>
-              <a:ea typeface="Meiryo UI" panose="020B0604030504040204" pitchFamily="50" charset="-128"/>
-              <a:cs typeface="Meiryo UI" panose="020B0604030504040204" pitchFamily="50" charset="-128"/>
-            </a:endParaRPr>
-          </a:p>
-        </p:txBody>
-      </p:sp>
-      <p:sp>
-        <p:nvSpPr>
-          <p:cNvPr id="56" name="正方形/長方形 55"/>
-          <p:cNvSpPr/>
-          <p:nvPr/>
-        </p:nvSpPr>
-        <p:spPr>
-          <a:xfrm>
-            <a:off x="5401021" y="4361726"/>
-            <a:ext cx="1633152" cy="430887"/>
-          </a:xfrm>
-          <a:prstGeom prst="rect">
-            <a:avLst/>
-          </a:prstGeom>
-        </p:spPr>
-        <p:txBody>
-          <a:bodyPr wrap="square">
-            <a:spAutoFit/>
-          </a:bodyPr>
-          <a:lstStyle/>
-          <a:p>
-            <a:r>
-              <a:rPr lang="ja-JP" altLang="en-US" sz="1100" dirty="0" smtClean="0">
-                <a:latin typeface="Meiryo UI" panose="020B0604030504040204" pitchFamily="50" charset="-128"/>
-                <a:ea typeface="Meiryo UI" panose="020B0604030504040204" pitchFamily="50" charset="-128"/>
-                <a:cs typeface="Meiryo UI" panose="020B0604030504040204" pitchFamily="50" charset="-128"/>
-              </a:rPr>
-              <a:t>蓄積した情報に基づいて、ユーザレベル毎に発信</a:t>
-            </a:r>
-            <a:endParaRPr lang="en-US" altLang="ja-JP" sz="1100" dirty="0" smtClean="0">
-              <a:latin typeface="Meiryo UI" panose="020B0604030504040204" pitchFamily="50" charset="-128"/>
-              <a:ea typeface="Meiryo UI" panose="020B0604030504040204" pitchFamily="50" charset="-128"/>
-              <a:cs typeface="Meiryo UI" panose="020B0604030504040204" pitchFamily="50" charset="-128"/>
-            </a:endParaRPr>
-          </a:p>
-        </p:txBody>
-      </p:sp>
-      <p:sp>
-        <p:nvSpPr>
-          <p:cNvPr id="3" name="四角形吹き出し 2"/>
-          <p:cNvSpPr/>
-          <p:nvPr/>
-        </p:nvSpPr>
-        <p:spPr>
-          <a:xfrm>
-            <a:off x="101133" y="2298564"/>
-            <a:ext cx="1482701" cy="740391"/>
-          </a:xfrm>
-          <a:prstGeom prst="wedgeRectCallout">
-            <a:avLst>
-              <a:gd name="adj1" fmla="val 19854"/>
-              <a:gd name="adj2" fmla="val -135339"/>
-            </a:avLst>
-          </a:prstGeom>
-        </p:spPr>
-        <p:style>
-          <a:lnRef idx="0">
-            <a:schemeClr val="accent4"/>
-          </a:lnRef>
-          <a:fillRef idx="3">
-            <a:schemeClr val="accent4"/>
-          </a:fillRef>
-          <a:effectRef idx="3">
-            <a:schemeClr val="accent4"/>
-          </a:effectRef>
-          <a:fontRef idx="minor">
-            <a:schemeClr val="lt1"/>
-          </a:fontRef>
-        </p:style>
-        <p:txBody>
-          <a:bodyPr rtlCol="0" anchor="ctr"/>
-          <a:lstStyle/>
-          <a:p>
-            <a:pPr algn="ctr"/>
-            <a:r>
-              <a:rPr kumimoji="1" lang="ja-JP" altLang="en-US" sz="1100" dirty="0" smtClean="0">
+              <a:rPr lang="ja-JP" altLang="en-US" sz="1200" dirty="0">
                 <a:solidFill>
                   <a:schemeClr val="tx1"/>
                 </a:solidFill>
@@ -6780,31 +7093,9 @@
                 <a:ea typeface="Meiryo UI" panose="020B0604030504040204" pitchFamily="50" charset="-128"/>
                 <a:cs typeface="Meiryo UI" panose="020B0604030504040204" pitchFamily="50" charset="-128"/>
               </a:rPr>
-              <a:t>組織の存続のためには</a:t>
-            </a:r>
-            <a:r>
-              <a:rPr kumimoji="1" lang="en-US" altLang="ja-JP" sz="1100" dirty="0" smtClean="0">
-                <a:solidFill>
-                  <a:schemeClr val="tx1"/>
-                </a:solidFill>
-                <a:latin typeface="Meiryo UI" panose="020B0604030504040204" pitchFamily="50" charset="-128"/>
-                <a:ea typeface="Meiryo UI" panose="020B0604030504040204" pitchFamily="50" charset="-128"/>
-                <a:cs typeface="Meiryo UI" panose="020B0604030504040204" pitchFamily="50" charset="-128"/>
-              </a:rPr>
-              <a:t>IT</a:t>
-            </a:r>
-            <a:r>
-              <a:rPr kumimoji="1" lang="ja-JP" altLang="en-US" sz="1100" dirty="0" smtClean="0">
-                <a:solidFill>
-                  <a:schemeClr val="tx1"/>
-                </a:solidFill>
-                <a:latin typeface="Meiryo UI" panose="020B0604030504040204" pitchFamily="50" charset="-128"/>
-                <a:ea typeface="Meiryo UI" panose="020B0604030504040204" pitchFamily="50" charset="-128"/>
-                <a:cs typeface="Meiryo UI" panose="020B0604030504040204" pitchFamily="50" charset="-128"/>
-              </a:rPr>
-              <a:t>の活用が必要。そのためにはセキュリティ対策が必須</a:t>
-            </a:r>
-            <a:endParaRPr kumimoji="1" lang="ja-JP" altLang="en-US" sz="1100" dirty="0">
+              <a:t>ニュースサイト</a:t>
+            </a:r>
+            <a:endParaRPr lang="en-US" altLang="ja-JP" sz="1200" dirty="0">
               <a:solidFill>
                 <a:schemeClr val="tx1"/>
               </a:solidFill>
@@ -6813,163 +7104,273 @@
               <a:cs typeface="Meiryo UI" panose="020B0604030504040204" pitchFamily="50" charset="-128"/>
             </a:endParaRPr>
           </a:p>
-        </p:txBody>
-      </p:sp>
-      <p:sp>
-        <p:nvSpPr>
-          <p:cNvPr id="59" name="四角形吹き出し 58"/>
+          <a:p>
+            <a:pPr algn="ctr"/>
+            <a:r>
+              <a:rPr kumimoji="1" lang="ja-JP" altLang="en-US" sz="1200" dirty="0">
+                <a:solidFill>
+                  <a:schemeClr val="tx1"/>
+                </a:solidFill>
+                <a:latin typeface="Meiryo UI" panose="020B0604030504040204" pitchFamily="50" charset="-128"/>
+                <a:ea typeface="Meiryo UI" panose="020B0604030504040204" pitchFamily="50" charset="-128"/>
+                <a:cs typeface="Meiryo UI" panose="020B0604030504040204" pitchFamily="50" charset="-128"/>
+              </a:rPr>
+              <a:t>（インターネット情報）</a:t>
+            </a:r>
+          </a:p>
+        </p:txBody>
+      </p:sp>
+      <p:sp>
+        <p:nvSpPr>
+          <p:cNvPr id="7" name="フローチャート : 書類 6"/>
           <p:cNvSpPr/>
           <p:nvPr/>
         </p:nvSpPr>
         <p:spPr>
           <a:xfrm>
-            <a:off x="4797631" y="2832651"/>
-            <a:ext cx="1557003" cy="439643"/>
-          </a:xfrm>
-          <a:prstGeom prst="wedgeRectCallout">
-            <a:avLst>
-              <a:gd name="adj1" fmla="val 103299"/>
-              <a:gd name="adj2" fmla="val 68399"/>
-            </a:avLst>
+            <a:off x="10086956" y="5494552"/>
+            <a:ext cx="677368" cy="334151"/>
+          </a:xfrm>
+          <a:prstGeom prst="flowChartDocument">
+            <a:avLst/>
           </a:prstGeom>
+        </p:spPr>
+        <p:style>
+          <a:lnRef idx="1">
+            <a:schemeClr val="accent2"/>
+          </a:lnRef>
+          <a:fillRef idx="2">
+            <a:schemeClr val="accent2"/>
+          </a:fillRef>
+          <a:effectRef idx="1">
+            <a:schemeClr val="accent2"/>
+          </a:effectRef>
+          <a:fontRef idx="minor">
+            <a:schemeClr val="dk1"/>
+          </a:fontRef>
+        </p:style>
+        <p:txBody>
+          <a:bodyPr rtlCol="0" anchor="ctr"/>
+          <a:lstStyle/>
+          <a:p>
+            <a:pPr algn="ctr"/>
+            <a:r>
+              <a:rPr lang="ja-JP" altLang="en-US" sz="1200" dirty="0">
+                <a:latin typeface="Meiryo UI" panose="020B0604030504040204" pitchFamily="50" charset="-128"/>
+                <a:ea typeface="Meiryo UI" panose="020B0604030504040204" pitchFamily="50" charset="-128"/>
+                <a:cs typeface="Meiryo UI" panose="020B0604030504040204" pitchFamily="50" charset="-128"/>
+              </a:rPr>
+              <a:t>冊子体</a:t>
+            </a:r>
+            <a:endParaRPr kumimoji="1" lang="ja-JP" altLang="en-US" sz="1200" dirty="0">
+              <a:latin typeface="Meiryo UI" panose="020B0604030504040204" pitchFamily="50" charset="-128"/>
+              <a:ea typeface="Meiryo UI" panose="020B0604030504040204" pitchFamily="50" charset="-128"/>
+              <a:cs typeface="Meiryo UI" panose="020B0604030504040204" pitchFamily="50" charset="-128"/>
+            </a:endParaRPr>
+          </a:p>
+        </p:txBody>
+      </p:sp>
+      <p:sp>
+        <p:nvSpPr>
+          <p:cNvPr id="72" name="フローチャート : 磁気ディスク 71"/>
+          <p:cNvSpPr/>
+          <p:nvPr/>
+        </p:nvSpPr>
+        <p:spPr>
+          <a:xfrm>
+            <a:off x="8612299" y="5637062"/>
+            <a:ext cx="1042158" cy="743282"/>
+          </a:xfrm>
+          <a:prstGeom prst="flowChartMagneticDisk">
+            <a:avLst/>
+          </a:prstGeom>
+        </p:spPr>
+        <p:style>
+          <a:lnRef idx="1">
+            <a:schemeClr val="accent2"/>
+          </a:lnRef>
+          <a:fillRef idx="2">
+            <a:schemeClr val="accent2"/>
+          </a:fillRef>
+          <a:effectRef idx="1">
+            <a:schemeClr val="accent2"/>
+          </a:effectRef>
+          <a:fontRef idx="minor">
+            <a:schemeClr val="dk1"/>
+          </a:fontRef>
+        </p:style>
+        <p:txBody>
+          <a:bodyPr rtlCol="0" anchor="ctr"/>
+          <a:lstStyle/>
+          <a:p>
+            <a:pPr algn="ctr"/>
+            <a:r>
+              <a:rPr kumimoji="1" lang="ja-JP" altLang="en-US" sz="1200" dirty="0">
+                <a:latin typeface="Meiryo UI" panose="020B0604030504040204" pitchFamily="50" charset="-128"/>
+                <a:ea typeface="Meiryo UI" panose="020B0604030504040204" pitchFamily="50" charset="-128"/>
+                <a:cs typeface="Meiryo UI" panose="020B0604030504040204" pitchFamily="50" charset="-128"/>
+              </a:rPr>
+              <a:t>電子書籍</a:t>
+            </a:r>
+            <a:endParaRPr kumimoji="1" lang="en-US" altLang="ja-JP" sz="1200" dirty="0">
+              <a:latin typeface="Meiryo UI" panose="020B0604030504040204" pitchFamily="50" charset="-128"/>
+              <a:ea typeface="Meiryo UI" panose="020B0604030504040204" pitchFamily="50" charset="-128"/>
+              <a:cs typeface="Meiryo UI" panose="020B0604030504040204" pitchFamily="50" charset="-128"/>
+            </a:endParaRPr>
+          </a:p>
+          <a:p>
+            <a:pPr algn="ctr"/>
+            <a:r>
+              <a:rPr lang="ja-JP" altLang="en-US" sz="1100" dirty="0">
+                <a:latin typeface="Meiryo UI" panose="020B0604030504040204" pitchFamily="50" charset="-128"/>
+                <a:ea typeface="Meiryo UI" panose="020B0604030504040204" pitchFamily="50" charset="-128"/>
+                <a:cs typeface="Meiryo UI" panose="020B0604030504040204" pitchFamily="50" charset="-128"/>
+              </a:rPr>
+              <a:t>（</a:t>
+            </a:r>
+            <a:r>
+              <a:rPr lang="en-US" altLang="ja-JP" sz="1100" dirty="0">
+                <a:latin typeface="Meiryo UI" panose="020B0604030504040204" pitchFamily="50" charset="-128"/>
+                <a:ea typeface="Meiryo UI" panose="020B0604030504040204" pitchFamily="50" charset="-128"/>
+                <a:cs typeface="Meiryo UI" panose="020B0604030504040204" pitchFamily="50" charset="-128"/>
+              </a:rPr>
+              <a:t>PC,</a:t>
+            </a:r>
+            <a:r>
+              <a:rPr lang="ja-JP" altLang="en-US" sz="1100" dirty="0">
+                <a:latin typeface="Meiryo UI" panose="020B0604030504040204" pitchFamily="50" charset="-128"/>
+                <a:ea typeface="Meiryo UI" panose="020B0604030504040204" pitchFamily="50" charset="-128"/>
+                <a:cs typeface="Meiryo UI" panose="020B0604030504040204" pitchFamily="50" charset="-128"/>
+              </a:rPr>
+              <a:t>タブレット</a:t>
+            </a:r>
+            <a:endParaRPr lang="en-US" altLang="ja-JP" sz="1100" dirty="0">
+              <a:latin typeface="Meiryo UI" panose="020B0604030504040204" pitchFamily="50" charset="-128"/>
+              <a:ea typeface="Meiryo UI" panose="020B0604030504040204" pitchFamily="50" charset="-128"/>
+              <a:cs typeface="Meiryo UI" panose="020B0604030504040204" pitchFamily="50" charset="-128"/>
+            </a:endParaRPr>
+          </a:p>
+          <a:p>
+            <a:pPr algn="ctr"/>
+            <a:r>
+              <a:rPr kumimoji="1" lang="en-US" altLang="ja-JP" sz="1100" dirty="0">
+                <a:latin typeface="Meiryo UI" panose="020B0604030504040204" pitchFamily="50" charset="-128"/>
+                <a:ea typeface="Meiryo UI" panose="020B0604030504040204" pitchFamily="50" charset="-128"/>
+                <a:cs typeface="Meiryo UI" panose="020B0604030504040204" pitchFamily="50" charset="-128"/>
+              </a:rPr>
+              <a:t>,</a:t>
+            </a:r>
+            <a:r>
+              <a:rPr kumimoji="1" lang="ja-JP" altLang="en-US" sz="1100" dirty="0">
+                <a:latin typeface="Meiryo UI" panose="020B0604030504040204" pitchFamily="50" charset="-128"/>
+                <a:ea typeface="Meiryo UI" panose="020B0604030504040204" pitchFamily="50" charset="-128"/>
+                <a:cs typeface="Meiryo UI" panose="020B0604030504040204" pitchFamily="50" charset="-128"/>
+              </a:rPr>
+              <a:t>スマホで読めるもの）</a:t>
+            </a:r>
+          </a:p>
+        </p:txBody>
+      </p:sp>
+      <p:sp>
+        <p:nvSpPr>
+          <p:cNvPr id="130" name="フローチャート : 磁気ディスク 53"/>
+          <p:cNvSpPr/>
+          <p:nvPr/>
+        </p:nvSpPr>
+        <p:spPr>
+          <a:xfrm>
+            <a:off x="2965146" y="3517303"/>
+            <a:ext cx="2297187" cy="1027077"/>
+          </a:xfrm>
+          <a:prstGeom prst="flowChartMagneticDisk">
+            <a:avLst/>
+          </a:prstGeom>
+          <a:solidFill>
+            <a:srgbClr val="00B050"/>
+          </a:solidFill>
+          <a:ln/>
+          <a:scene3d>
+            <a:camera prst="orthographicFront"/>
+            <a:lightRig rig="threePt" dir="t"/>
+          </a:scene3d>
+          <a:sp3d>
+            <a:bevelT w="165100" prst="coolSlant"/>
+          </a:sp3d>
         </p:spPr>
         <p:style>
           <a:lnRef idx="0">
-            <a:schemeClr val="accent4"/>
+            <a:schemeClr val="accent6"/>
           </a:lnRef>
           <a:fillRef idx="3">
-            <a:schemeClr val="accent4"/>
+            <a:schemeClr val="accent6"/>
           </a:fillRef>
           <a:effectRef idx="3">
-            <a:schemeClr val="accent4"/>
+            <a:schemeClr val="accent6"/>
           </a:effectRef>
           <a:fontRef idx="minor">
             <a:schemeClr val="lt1"/>
           </a:fontRef>
         </p:style>
         <p:txBody>
-          <a:bodyPr rtlCol="0" anchor="ctr"/>
-          <a:lstStyle/>
-          <a:p>
-            <a:pPr algn="ctr"/>
-            <a:r>
-              <a:rPr kumimoji="1" lang="ja-JP" altLang="en-US" sz="1100" dirty="0" smtClean="0">
-                <a:solidFill>
-                  <a:schemeClr val="tx1"/>
-                </a:solidFill>
-                <a:latin typeface="Meiryo UI" panose="020B0604030504040204" pitchFamily="50" charset="-128"/>
-                <a:ea typeface="Meiryo UI" panose="020B0604030504040204" pitchFamily="50" charset="-128"/>
-                <a:cs typeface="Meiryo UI" panose="020B0604030504040204" pitchFamily="50" charset="-128"/>
-              </a:rPr>
-              <a:t>一般論はガイドブックに記載した内容レベルで</a:t>
-            </a:r>
-            <a:endParaRPr kumimoji="1" lang="ja-JP" altLang="en-US" sz="1100" dirty="0">
-              <a:solidFill>
-                <a:schemeClr val="tx1"/>
-              </a:solidFill>
+          <a:bodyPr wrap="square" rtlCol="0" anchor="ctr">
+            <a:noAutofit/>
+          </a:bodyPr>
+          <a:lstStyle/>
+          <a:p>
+            <a:pPr algn="ctr">
+              <a:lnSpc>
+                <a:spcPts val="1700"/>
+              </a:lnSpc>
+            </a:pPr>
+            <a:r>
+              <a:rPr lang="ja-JP" altLang="en-US" sz="1100" b="1" dirty="0">
+                <a:latin typeface="Meiryo UI" panose="020B0604030504040204" pitchFamily="50" charset="-128"/>
+                <a:ea typeface="Meiryo UI" panose="020B0604030504040204" pitchFamily="50" charset="-128"/>
+                <a:cs typeface="Meiryo UI" panose="020B0604030504040204" pitchFamily="50" charset="-128"/>
+              </a:rPr>
+              <a:t>セキュリティ対策関連</a:t>
+            </a:r>
+            <a:endParaRPr lang="en-US" altLang="ja-JP" sz="1100" b="1" dirty="0">
               <a:latin typeface="Meiryo UI" panose="020B0604030504040204" pitchFamily="50" charset="-128"/>
               <a:ea typeface="Meiryo UI" panose="020B0604030504040204" pitchFamily="50" charset="-128"/>
               <a:cs typeface="Meiryo UI" panose="020B0604030504040204" pitchFamily="50" charset="-128"/>
             </a:endParaRPr>
           </a:p>
-        </p:txBody>
-      </p:sp>
-      <p:sp>
-        <p:nvSpPr>
-          <p:cNvPr id="65" name="四角形吹き出し 64"/>
-          <p:cNvSpPr/>
-          <p:nvPr/>
-        </p:nvSpPr>
-        <p:spPr>
-          <a:xfrm>
-            <a:off x="10142495" y="6099451"/>
-            <a:ext cx="1633070" cy="574742"/>
-          </a:xfrm>
-          <a:prstGeom prst="wedgeRectCallout">
-            <a:avLst>
-              <a:gd name="adj1" fmla="val -78715"/>
-              <a:gd name="adj2" fmla="val -71287"/>
-            </a:avLst>
-          </a:prstGeom>
-        </p:spPr>
-        <p:style>
-          <a:lnRef idx="0">
-            <a:schemeClr val="accent4"/>
-          </a:lnRef>
-          <a:fillRef idx="3">
-            <a:schemeClr val="accent4"/>
-          </a:fillRef>
-          <a:effectRef idx="3">
-            <a:schemeClr val="accent4"/>
-          </a:effectRef>
-          <a:fontRef idx="minor">
-            <a:schemeClr val="lt1"/>
-          </a:fontRef>
-        </p:style>
-        <p:txBody>
-          <a:bodyPr rtlCol="0" anchor="ctr"/>
-          <a:lstStyle/>
-          <a:p>
-            <a:pPr algn="ctr"/>
-            <a:r>
-              <a:rPr kumimoji="1" lang="ja-JP" altLang="en-US" sz="1100" dirty="0" smtClean="0">
-                <a:solidFill>
-                  <a:schemeClr val="tx1"/>
-                </a:solidFill>
-                <a:latin typeface="Meiryo UI" panose="020B0604030504040204" pitchFamily="50" charset="-128"/>
-                <a:ea typeface="Meiryo UI" panose="020B0604030504040204" pitchFamily="50" charset="-128"/>
-                <a:cs typeface="Meiryo UI" panose="020B0604030504040204" pitchFamily="50" charset="-128"/>
-              </a:rPr>
-              <a:t>利用者が事前・緊急時どこでも見られるように</a:t>
-            </a:r>
-            <a:endParaRPr kumimoji="1" lang="en-US" altLang="ja-JP" sz="1100" dirty="0" smtClean="0">
-              <a:solidFill>
-                <a:schemeClr val="tx1"/>
-              </a:solidFill>
+          <a:p>
+            <a:pPr algn="ctr">
+              <a:lnSpc>
+                <a:spcPts val="1700"/>
+              </a:lnSpc>
+            </a:pPr>
+            <a:r>
+              <a:rPr lang="ja-JP" altLang="en-US" sz="1100" b="1" dirty="0">
+                <a:latin typeface="Meiryo UI" panose="020B0604030504040204" pitchFamily="50" charset="-128"/>
+                <a:ea typeface="Meiryo UI" panose="020B0604030504040204" pitchFamily="50" charset="-128"/>
+                <a:cs typeface="Meiryo UI" panose="020B0604030504040204" pitchFamily="50" charset="-128"/>
+              </a:rPr>
+              <a:t>ナレッジベース</a:t>
+            </a:r>
+            <a:endParaRPr lang="en-US" altLang="ja-JP" sz="1100" b="1" dirty="0">
               <a:latin typeface="Meiryo UI" panose="020B0604030504040204" pitchFamily="50" charset="-128"/>
               <a:ea typeface="Meiryo UI" panose="020B0604030504040204" pitchFamily="50" charset="-128"/>
               <a:cs typeface="Meiryo UI" panose="020B0604030504040204" pitchFamily="50" charset="-128"/>
             </a:endParaRPr>
           </a:p>
           <a:p>
-            <a:pPr algn="ctr"/>
-            <a:r>
-              <a:rPr lang="en-US" altLang="ja-JP" sz="1100" dirty="0" smtClean="0">
-                <a:solidFill>
-                  <a:schemeClr val="tx1"/>
-                </a:solidFill>
-                <a:latin typeface="Meiryo UI" panose="020B0604030504040204" pitchFamily="50" charset="-128"/>
-                <a:ea typeface="Meiryo UI" panose="020B0604030504040204" pitchFamily="50" charset="-128"/>
-                <a:cs typeface="Meiryo UI" panose="020B0604030504040204" pitchFamily="50" charset="-128"/>
-              </a:rPr>
-              <a:t>(</a:t>
-            </a:r>
-            <a:r>
-              <a:rPr lang="ja-JP" altLang="en-US" sz="1100" dirty="0" smtClean="0">
-                <a:solidFill>
-                  <a:schemeClr val="tx1"/>
-                </a:solidFill>
-                <a:latin typeface="Meiryo UI" panose="020B0604030504040204" pitchFamily="50" charset="-128"/>
-                <a:ea typeface="Meiryo UI" panose="020B0604030504040204" pitchFamily="50" charset="-128"/>
-                <a:cs typeface="Meiryo UI" panose="020B0604030504040204" pitchFamily="50" charset="-128"/>
-              </a:rPr>
-              <a:t>ワンソースマルチユース</a:t>
-            </a:r>
-            <a:r>
-              <a:rPr lang="en-US" altLang="ja-JP" sz="1100" dirty="0" smtClean="0">
-                <a:solidFill>
-                  <a:schemeClr val="tx1"/>
-                </a:solidFill>
-                <a:latin typeface="Meiryo UI" panose="020B0604030504040204" pitchFamily="50" charset="-128"/>
-                <a:ea typeface="Meiryo UI" panose="020B0604030504040204" pitchFamily="50" charset="-128"/>
-                <a:cs typeface="Meiryo UI" panose="020B0604030504040204" pitchFamily="50" charset="-128"/>
-              </a:rPr>
-              <a:t>)</a:t>
-            </a:r>
-            <a:endParaRPr kumimoji="1" lang="ja-JP" altLang="en-US" sz="1100" dirty="0">
-              <a:solidFill>
-                <a:schemeClr val="tx1"/>
-              </a:solidFill>
+            <a:pPr algn="ctr">
+              <a:lnSpc>
+                <a:spcPts val="1700"/>
+              </a:lnSpc>
+            </a:pPr>
+            <a:r>
+              <a:rPr lang="ja-JP" altLang="en-US" sz="1100" b="1" dirty="0">
+                <a:latin typeface="Meiryo UI" panose="020B0604030504040204" pitchFamily="50" charset="-128"/>
+                <a:ea typeface="Meiryo UI" panose="020B0604030504040204" pitchFamily="50" charset="-128"/>
+                <a:cs typeface="Meiryo UI" panose="020B0604030504040204" pitchFamily="50" charset="-128"/>
+              </a:rPr>
+              <a:t>（対象経営者・管理者のレベル毎）</a:t>
+            </a:r>
+            <a:endParaRPr lang="en-US" altLang="ja-JP" sz="1100" b="1" dirty="0">
               <a:latin typeface="Meiryo UI" panose="020B0604030504040204" pitchFamily="50" charset="-128"/>
               <a:ea typeface="Meiryo UI" panose="020B0604030504040204" pitchFamily="50" charset="-128"/>
               <a:cs typeface="Meiryo UI" panose="020B0604030504040204" pitchFamily="50" charset="-128"/>
@@ -6979,231 +7380,14 @@
       </p:sp>
       <p:sp>
         <p:nvSpPr>
-          <p:cNvPr id="67" name="四角形吹き出し 66"/>
+          <p:cNvPr id="75" name="フローチャート : 磁気ディスク 53"/>
           <p:cNvSpPr/>
           <p:nvPr/>
         </p:nvSpPr>
         <p:spPr>
           <a:xfrm>
-            <a:off x="10508857" y="3380334"/>
-            <a:ext cx="1359077" cy="1477847"/>
-          </a:xfrm>
-          <a:prstGeom prst="wedgeRectCallout">
-            <a:avLst>
-              <a:gd name="adj1" fmla="val -67087"/>
-              <a:gd name="adj2" fmla="val -113084"/>
-            </a:avLst>
-          </a:prstGeom>
-        </p:spPr>
-        <p:style>
-          <a:lnRef idx="0">
-            <a:schemeClr val="accent4"/>
-          </a:lnRef>
-          <a:fillRef idx="3">
-            <a:schemeClr val="accent4"/>
-          </a:fillRef>
-          <a:effectRef idx="3">
-            <a:schemeClr val="accent4"/>
-          </a:effectRef>
-          <a:fontRef idx="minor">
-            <a:schemeClr val="lt1"/>
-          </a:fontRef>
-        </p:style>
-        <p:txBody>
-          <a:bodyPr rtlCol="0" anchor="ctr"/>
-          <a:lstStyle/>
-          <a:p>
-            <a:pPr algn="ctr"/>
-            <a:r>
-              <a:rPr kumimoji="1" lang="en-US" altLang="ja-JP" sz="1100" dirty="0" smtClean="0">
-                <a:solidFill>
-                  <a:schemeClr val="tx1"/>
-                </a:solidFill>
-                <a:latin typeface="Meiryo UI" panose="020B0604030504040204" pitchFamily="50" charset="-128"/>
-                <a:ea typeface="Meiryo UI" panose="020B0604030504040204" pitchFamily="50" charset="-128"/>
-                <a:cs typeface="Meiryo UI" panose="020B0604030504040204" pitchFamily="50" charset="-128"/>
-              </a:rPr>
-              <a:t>IT,</a:t>
-            </a:r>
-            <a:r>
-              <a:rPr kumimoji="1" lang="ja-JP" altLang="en-US" sz="1100" dirty="0" smtClean="0">
-                <a:solidFill>
-                  <a:schemeClr val="tx1"/>
-                </a:solidFill>
-                <a:latin typeface="Meiryo UI" panose="020B0604030504040204" pitchFamily="50" charset="-128"/>
-                <a:ea typeface="Meiryo UI" panose="020B0604030504040204" pitchFamily="50" charset="-128"/>
-                <a:cs typeface="Meiryo UI" panose="020B0604030504040204" pitchFamily="50" charset="-128"/>
-              </a:rPr>
-              <a:t>セキュリティに全く関心のない企業には情報セキュリティ対策</a:t>
-            </a:r>
-            <a:r>
-              <a:rPr lang="en-US" altLang="ja-JP" sz="1100" dirty="0">
-                <a:solidFill>
-                  <a:schemeClr val="tx1"/>
-                </a:solidFill>
-                <a:latin typeface="Meiryo UI" panose="020B0604030504040204" pitchFamily="50" charset="-128"/>
-                <a:ea typeface="Meiryo UI" panose="020B0604030504040204" pitchFamily="50" charset="-128"/>
-                <a:cs typeface="Meiryo UI" panose="020B0604030504040204" pitchFamily="50" charset="-128"/>
-              </a:rPr>
-              <a:t>9</a:t>
-            </a:r>
-            <a:r>
-              <a:rPr lang="ja-JP" altLang="en-US" sz="1100" dirty="0">
-                <a:solidFill>
-                  <a:schemeClr val="tx1"/>
-                </a:solidFill>
-                <a:latin typeface="Meiryo UI" panose="020B0604030504040204" pitchFamily="50" charset="-128"/>
-                <a:ea typeface="Meiryo UI" panose="020B0604030504040204" pitchFamily="50" charset="-128"/>
-                <a:cs typeface="Meiryo UI" panose="020B0604030504040204" pitchFamily="50" charset="-128"/>
-              </a:rPr>
-              <a:t>か</a:t>
-            </a:r>
-            <a:r>
-              <a:rPr lang="ja-JP" altLang="en-US" sz="1100" dirty="0" smtClean="0">
-                <a:solidFill>
-                  <a:schemeClr val="tx1"/>
-                </a:solidFill>
-                <a:latin typeface="Meiryo UI" panose="020B0604030504040204" pitchFamily="50" charset="-128"/>
-                <a:ea typeface="Meiryo UI" panose="020B0604030504040204" pitchFamily="50" charset="-128"/>
-                <a:cs typeface="Meiryo UI" panose="020B0604030504040204" pitchFamily="50" charset="-128"/>
-              </a:rPr>
-              <a:t>条を。</a:t>
-            </a:r>
-            <a:endParaRPr lang="en-US" altLang="ja-JP" sz="1100" dirty="0" smtClean="0">
-              <a:solidFill>
-                <a:schemeClr val="tx1"/>
-              </a:solidFill>
-              <a:latin typeface="Meiryo UI" panose="020B0604030504040204" pitchFamily="50" charset="-128"/>
-              <a:ea typeface="Meiryo UI" panose="020B0604030504040204" pitchFamily="50" charset="-128"/>
-              <a:cs typeface="Meiryo UI" panose="020B0604030504040204" pitchFamily="50" charset="-128"/>
-            </a:endParaRPr>
-          </a:p>
-          <a:p>
-            <a:pPr algn="ctr"/>
-            <a:r>
-              <a:rPr kumimoji="1" lang="ja-JP" altLang="en-US" sz="1100" dirty="0" smtClean="0">
-                <a:solidFill>
-                  <a:schemeClr val="tx1"/>
-                </a:solidFill>
-                <a:latin typeface="Meiryo UI" panose="020B0604030504040204" pitchFamily="50" charset="-128"/>
-                <a:ea typeface="Meiryo UI" panose="020B0604030504040204" pitchFamily="50" charset="-128"/>
-                <a:cs typeface="Meiryo UI" panose="020B0604030504040204" pitchFamily="50" charset="-128"/>
-              </a:rPr>
-              <a:t>具体的な対策を検討する組織には、</a:t>
-            </a:r>
-            <a:r>
-              <a:rPr lang="ja-JP" altLang="en-US" sz="1100" dirty="0" smtClean="0">
-                <a:solidFill>
-                  <a:schemeClr val="tx1"/>
-                </a:solidFill>
-                <a:latin typeface="Meiryo UI" panose="020B0604030504040204" pitchFamily="50" charset="-128"/>
-                <a:ea typeface="Meiryo UI" panose="020B0604030504040204" pitchFamily="50" charset="-128"/>
-                <a:cs typeface="Meiryo UI" panose="020B0604030504040204" pitchFamily="50" charset="-128"/>
-              </a:rPr>
-              <a:t>まず「</a:t>
-            </a:r>
-            <a:r>
-              <a:rPr lang="ja-JP" altLang="en-US" sz="1100" dirty="0">
-                <a:solidFill>
-                  <a:schemeClr val="tx1"/>
-                </a:solidFill>
-                <a:latin typeface="Meiryo UI" panose="020B0604030504040204" pitchFamily="50" charset="-128"/>
-                <a:ea typeface="Meiryo UI" panose="020B0604030504040204" pitchFamily="50" charset="-128"/>
-                <a:cs typeface="Meiryo UI" panose="020B0604030504040204" pitchFamily="50" charset="-128"/>
-              </a:rPr>
-              <a:t>ガイドブック</a:t>
-            </a:r>
-            <a:r>
-              <a:rPr lang="ja-JP" altLang="en-US" sz="1100" dirty="0" smtClean="0">
-                <a:solidFill>
-                  <a:schemeClr val="tx1"/>
-                </a:solidFill>
-                <a:latin typeface="Meiryo UI" panose="020B0604030504040204" pitchFamily="50" charset="-128"/>
-                <a:ea typeface="Meiryo UI" panose="020B0604030504040204" pitchFamily="50" charset="-128"/>
-                <a:cs typeface="Meiryo UI" panose="020B0604030504040204" pitchFamily="50" charset="-128"/>
-              </a:rPr>
-              <a:t>」を読むことを助言する</a:t>
-            </a:r>
-            <a:endParaRPr kumimoji="1" lang="ja-JP" altLang="en-US" sz="1100" dirty="0">
-              <a:solidFill>
-                <a:schemeClr val="tx1"/>
-              </a:solidFill>
-              <a:latin typeface="Meiryo UI" panose="020B0604030504040204" pitchFamily="50" charset="-128"/>
-              <a:ea typeface="Meiryo UI" panose="020B0604030504040204" pitchFamily="50" charset="-128"/>
-              <a:cs typeface="Meiryo UI" panose="020B0604030504040204" pitchFamily="50" charset="-128"/>
-            </a:endParaRPr>
-          </a:p>
-        </p:txBody>
-      </p:sp>
-      <p:sp>
-        <p:nvSpPr>
-          <p:cNvPr id="68" name="四角形吹き出し 67"/>
-          <p:cNvSpPr/>
-          <p:nvPr/>
-        </p:nvSpPr>
-        <p:spPr>
-          <a:xfrm>
-            <a:off x="5675096" y="5920884"/>
-            <a:ext cx="1359077" cy="673507"/>
-          </a:xfrm>
-          <a:prstGeom prst="wedgeRectCallout">
-            <a:avLst>
-              <a:gd name="adj1" fmla="val -101165"/>
-              <a:gd name="adj2" fmla="val -49485"/>
-            </a:avLst>
-          </a:prstGeom>
-        </p:spPr>
-        <p:style>
-          <a:lnRef idx="0">
-            <a:schemeClr val="accent4"/>
-          </a:lnRef>
-          <a:fillRef idx="3">
-            <a:schemeClr val="accent4"/>
-          </a:fillRef>
-          <a:effectRef idx="3">
-            <a:schemeClr val="accent4"/>
-          </a:effectRef>
-          <a:fontRef idx="minor">
-            <a:schemeClr val="lt1"/>
-          </a:fontRef>
-        </p:style>
-        <p:txBody>
-          <a:bodyPr rtlCol="0" anchor="ctr"/>
-          <a:lstStyle/>
-          <a:p>
-            <a:pPr algn="ctr"/>
-            <a:r>
-              <a:rPr kumimoji="1" lang="ja-JP" altLang="en-US" sz="1100" dirty="0" smtClean="0">
-                <a:solidFill>
-                  <a:schemeClr val="tx1"/>
-                </a:solidFill>
-                <a:latin typeface="Meiryo UI" panose="020B0604030504040204" pitchFamily="50" charset="-128"/>
-                <a:ea typeface="Meiryo UI" panose="020B0604030504040204" pitchFamily="50" charset="-128"/>
-                <a:cs typeface="Meiryo UI" panose="020B0604030504040204" pitchFamily="50" charset="-128"/>
-              </a:rPr>
-              <a:t>インターネットでは得られない情報の集約が重要</a:t>
-            </a:r>
-            <a:endParaRPr kumimoji="1" lang="ja-JP" altLang="en-US" sz="1100" dirty="0">
-              <a:solidFill>
-                <a:schemeClr val="tx1"/>
-              </a:solidFill>
-              <a:latin typeface="Meiryo UI" panose="020B0604030504040204" pitchFamily="50" charset="-128"/>
-              <a:ea typeface="Meiryo UI" panose="020B0604030504040204" pitchFamily="50" charset="-128"/>
-              <a:cs typeface="Meiryo UI" panose="020B0604030504040204" pitchFamily="50" charset="-128"/>
-            </a:endParaRPr>
-          </a:p>
-        </p:txBody>
-      </p:sp>
-      <p:sp>
-        <p:nvSpPr>
-          <p:cNvPr id="70" name="フローチャート : 磁気ディスク 53"/>
-          <p:cNvSpPr/>
-          <p:nvPr/>
-        </p:nvSpPr>
-        <p:spPr>
-          <a:xfrm>
-            <a:off x="1833229" y="3824852"/>
-            <a:ext cx="1622490" cy="940926"/>
+            <a:off x="2553512" y="5369882"/>
+            <a:ext cx="1622490" cy="398458"/>
           </a:xfrm>
           <a:prstGeom prst="flowChartMagneticDisk">
             <a:avLst/>
@@ -7239,54 +7423,90 @@
               </a:lnSpc>
             </a:pPr>
             <a:r>
-              <a:rPr lang="ja-JP" altLang="en-US" sz="1100" dirty="0" smtClean="0">
-                <a:latin typeface="Meiryo UI" panose="020B0604030504040204" pitchFamily="50" charset="-128"/>
-                <a:ea typeface="Meiryo UI" panose="020B0604030504040204" pitchFamily="50" charset="-128"/>
-                <a:cs typeface="Meiryo UI" panose="020B0604030504040204" pitchFamily="50" charset="-128"/>
-              </a:rPr>
-              <a:t>重要インフラ向け</a:t>
-            </a:r>
-            <a:endParaRPr lang="en-US" altLang="ja-JP" sz="1100" dirty="0" smtClean="0">
+              <a:rPr lang="ja-JP" altLang="en-US" sz="1100" dirty="0">
+                <a:latin typeface="Meiryo UI" panose="020B0604030504040204" pitchFamily="50" charset="-128"/>
+                <a:ea typeface="Meiryo UI" panose="020B0604030504040204" pitchFamily="50" charset="-128"/>
+                <a:cs typeface="Meiryo UI" panose="020B0604030504040204" pitchFamily="50" charset="-128"/>
+              </a:rPr>
+              <a:t>セキュリティ関連情報</a:t>
+            </a:r>
+            <a:endParaRPr lang="en-US" altLang="ja-JP" sz="1100" dirty="0">
               <a:latin typeface="Meiryo UI" panose="020B0604030504040204" pitchFamily="50" charset="-128"/>
               <a:ea typeface="Meiryo UI" panose="020B0604030504040204" pitchFamily="50" charset="-128"/>
               <a:cs typeface="Meiryo UI" panose="020B0604030504040204" pitchFamily="50" charset="-128"/>
             </a:endParaRPr>
           </a:p>
-          <a:p>
-            <a:pPr algn="ctr">
-              <a:lnSpc>
-                <a:spcPts val="1700"/>
-              </a:lnSpc>
-            </a:pPr>
-            <a:r>
-              <a:rPr lang="ja-JP" altLang="en-US" sz="1100" dirty="0" smtClean="0">
-                <a:latin typeface="Meiryo UI" panose="020B0604030504040204" pitchFamily="50" charset="-128"/>
-                <a:ea typeface="Meiryo UI" panose="020B0604030504040204" pitchFamily="50" charset="-128"/>
-                <a:cs typeface="Meiryo UI" panose="020B0604030504040204" pitchFamily="50" charset="-128"/>
-              </a:rPr>
-              <a:t>セキュリティ対策関連</a:t>
-            </a:r>
-            <a:endParaRPr lang="en-US" altLang="ja-JP" sz="1100" dirty="0" smtClean="0">
+        </p:txBody>
+      </p:sp>
+      <p:sp>
+        <p:nvSpPr>
+          <p:cNvPr id="76" name="AutoShape 8"/>
+          <p:cNvSpPr>
+            <a:spLocks noChangeArrowheads="1"/>
+          </p:cNvSpPr>
+          <p:nvPr/>
+        </p:nvSpPr>
+        <p:spPr bwMode="auto">
+          <a:xfrm>
+            <a:off x="2928751" y="4858181"/>
+            <a:ext cx="1868880" cy="462821"/>
+          </a:xfrm>
+          <a:prstGeom prst="roundRect">
+            <a:avLst>
+              <a:gd name="adj" fmla="val 25048"/>
+            </a:avLst>
+          </a:prstGeom>
+          <a:ln>
+            <a:headEnd/>
+            <a:tailEnd/>
+          </a:ln>
+        </p:spPr>
+        <p:style>
+          <a:lnRef idx="2">
+            <a:schemeClr val="accent2"/>
+          </a:lnRef>
+          <a:fillRef idx="1">
+            <a:schemeClr val="lt1"/>
+          </a:fillRef>
+          <a:effectRef idx="0">
+            <a:schemeClr val="accent2"/>
+          </a:effectRef>
+          <a:fontRef idx="minor">
+            <a:schemeClr val="dk1"/>
+          </a:fontRef>
+        </p:style>
+        <p:txBody>
+          <a:bodyPr wrap="square" anchor="t" anchorCtr="0">
+            <a:noAutofit/>
+          </a:bodyPr>
+          <a:lstStyle/>
+          <a:p>
+            <a:pPr algn="ctr"/>
+            <a:r>
+              <a:rPr lang="ja-JP" altLang="en-US" sz="1200" dirty="0">
+                <a:latin typeface="Meiryo UI" panose="020B0604030504040204" pitchFamily="50" charset="-128"/>
+                <a:ea typeface="Meiryo UI" panose="020B0604030504040204" pitchFamily="50" charset="-128"/>
+                <a:cs typeface="Meiryo UI" panose="020B0604030504040204" pitchFamily="50" charset="-128"/>
+              </a:rPr>
+              <a:t>情報の内容要約</a:t>
+            </a:r>
+            <a:endParaRPr lang="en-US" altLang="ja-JP" sz="1200" dirty="0">
               <a:latin typeface="Meiryo UI" panose="020B0604030504040204" pitchFamily="50" charset="-128"/>
               <a:ea typeface="Meiryo UI" panose="020B0604030504040204" pitchFamily="50" charset="-128"/>
               <a:cs typeface="Meiryo UI" panose="020B0604030504040204" pitchFamily="50" charset="-128"/>
             </a:endParaRPr>
           </a:p>
           <a:p>
-            <a:pPr algn="ctr">
-              <a:lnSpc>
-                <a:spcPts val="1700"/>
-              </a:lnSpc>
-            </a:pPr>
-            <a:r>
-              <a:rPr lang="ja-JP" altLang="en-US" sz="1100" dirty="0" smtClean="0">
-                <a:latin typeface="Meiryo UI" panose="020B0604030504040204" pitchFamily="50" charset="-128"/>
-                <a:ea typeface="Meiryo UI" panose="020B0604030504040204" pitchFamily="50" charset="-128"/>
-                <a:cs typeface="Meiryo UI" panose="020B0604030504040204" pitchFamily="50" charset="-128"/>
-              </a:rPr>
-              <a:t>ナレッジベース</a:t>
-            </a:r>
-            <a:endParaRPr lang="en-US" altLang="ja-JP" sz="1100" dirty="0" smtClean="0">
+            <a:pPr algn="ctr"/>
+            <a:r>
+              <a:rPr lang="ja-JP" altLang="en-US" sz="1200" dirty="0">
+                <a:latin typeface="Meiryo UI" panose="020B0604030504040204" pitchFamily="50" charset="-128"/>
+                <a:ea typeface="Meiryo UI" panose="020B0604030504040204" pitchFamily="50" charset="-128"/>
+                <a:cs typeface="Meiryo UI" panose="020B0604030504040204" pitchFamily="50" charset="-128"/>
+              </a:rPr>
+              <a:t>重要度・緊急度判断</a:t>
+            </a:r>
+            <a:endParaRPr lang="en-US" altLang="ja-JP" sz="1200" dirty="0">
               <a:latin typeface="Meiryo UI" panose="020B0604030504040204" pitchFamily="50" charset="-128"/>
               <a:ea typeface="Meiryo UI" panose="020B0604030504040204" pitchFamily="50" charset="-128"/>
               <a:cs typeface="Meiryo UI" panose="020B0604030504040204" pitchFamily="50" charset="-128"/>
@@ -7296,23 +7516,18 @@
       </p:sp>
       <p:sp>
         <p:nvSpPr>
-          <p:cNvPr id="71" name="フレーム 70"/>
+          <p:cNvPr id="89" name="上矢印 88"/>
           <p:cNvSpPr/>
           <p:nvPr/>
         </p:nvSpPr>
         <p:spPr>
           <a:xfrm>
-            <a:off x="1679039" y="6111785"/>
-            <a:ext cx="1776680" cy="619656"/>
-          </a:xfrm>
-          <a:prstGeom prst="frame">
+            <a:off x="3695807" y="4451388"/>
+            <a:ext cx="609138" cy="406793"/>
+          </a:xfrm>
+          <a:prstGeom prst="upArrow">
             <a:avLst/>
           </a:prstGeom>
-          <a:solidFill>
-            <a:schemeClr val="accent4">
-              <a:lumMod val="50000"/>
-            </a:schemeClr>
-          </a:solidFill>
         </p:spPr>
         <p:style>
           <a:lnRef idx="2">
@@ -7335,339 +7550,24 @@
           <a:lstStyle/>
           <a:p>
             <a:pPr algn="ctr"/>
-            <a:r>
-              <a:rPr lang="ja-JP" altLang="en-US" sz="1200" dirty="0" smtClean="0">
-                <a:solidFill>
-                  <a:schemeClr val="tx1"/>
-                </a:solidFill>
-                <a:latin typeface="Meiryo UI" panose="020B0604030504040204" pitchFamily="50" charset="-128"/>
-                <a:ea typeface="Meiryo UI" panose="020B0604030504040204" pitchFamily="50" charset="-128"/>
-                <a:cs typeface="Meiryo UI" panose="020B0604030504040204" pitchFamily="50" charset="-128"/>
-              </a:rPr>
-              <a:t>ニュースサイト</a:t>
-            </a:r>
-            <a:endParaRPr lang="en-US" altLang="ja-JP" sz="1200" dirty="0" smtClean="0">
-              <a:solidFill>
-                <a:schemeClr val="tx1"/>
-              </a:solidFill>
+            <a:endParaRPr kumimoji="1" lang="ja-JP" altLang="en-US">
               <a:latin typeface="Meiryo UI" panose="020B0604030504040204" pitchFamily="50" charset="-128"/>
               <a:ea typeface="Meiryo UI" panose="020B0604030504040204" pitchFamily="50" charset="-128"/>
               <a:cs typeface="Meiryo UI" panose="020B0604030504040204" pitchFamily="50" charset="-128"/>
             </a:endParaRPr>
           </a:p>
-          <a:p>
-            <a:pPr algn="ctr"/>
-            <a:r>
-              <a:rPr kumimoji="1" lang="ja-JP" altLang="en-US" sz="1200" dirty="0" smtClean="0">
-                <a:solidFill>
-                  <a:schemeClr val="tx1"/>
-                </a:solidFill>
-                <a:latin typeface="Meiryo UI" panose="020B0604030504040204" pitchFamily="50" charset="-128"/>
-                <a:ea typeface="Meiryo UI" panose="020B0604030504040204" pitchFamily="50" charset="-128"/>
-                <a:cs typeface="Meiryo UI" panose="020B0604030504040204" pitchFamily="50" charset="-128"/>
-              </a:rPr>
-              <a:t>（インターネット情報）</a:t>
-            </a:r>
-            <a:endParaRPr kumimoji="1" lang="ja-JP" altLang="en-US" sz="1200" dirty="0">
-              <a:solidFill>
-                <a:schemeClr val="tx1"/>
-              </a:solidFill>
-              <a:latin typeface="Meiryo UI" panose="020B0604030504040204" pitchFamily="50" charset="-128"/>
-              <a:ea typeface="Meiryo UI" panose="020B0604030504040204" pitchFamily="50" charset="-128"/>
-              <a:cs typeface="Meiryo UI" panose="020B0604030504040204" pitchFamily="50" charset="-128"/>
-            </a:endParaRPr>
-          </a:p>
-        </p:txBody>
-      </p:sp>
-      <p:sp>
-        <p:nvSpPr>
-          <p:cNvPr id="7" name="フローチャート : 書類 6"/>
+        </p:txBody>
+      </p:sp>
+      <p:sp>
+        <p:nvSpPr>
+          <p:cNvPr id="91" name="フローチャート : 磁気ディスク 53"/>
           <p:cNvSpPr/>
           <p:nvPr/>
         </p:nvSpPr>
         <p:spPr>
           <a:xfrm>
-            <a:off x="10086956" y="5494552"/>
-            <a:ext cx="677368" cy="334151"/>
-          </a:xfrm>
-          <a:prstGeom prst="flowChartDocument">
-            <a:avLst/>
-          </a:prstGeom>
-        </p:spPr>
-        <p:style>
-          <a:lnRef idx="1">
-            <a:schemeClr val="accent2"/>
-          </a:lnRef>
-          <a:fillRef idx="2">
-            <a:schemeClr val="accent2"/>
-          </a:fillRef>
-          <a:effectRef idx="1">
-            <a:schemeClr val="accent2"/>
-          </a:effectRef>
-          <a:fontRef idx="minor">
-            <a:schemeClr val="dk1"/>
-          </a:fontRef>
-        </p:style>
-        <p:txBody>
-          <a:bodyPr rtlCol="0" anchor="ctr"/>
-          <a:lstStyle/>
-          <a:p>
-            <a:pPr algn="ctr"/>
-            <a:r>
-              <a:rPr lang="ja-JP" altLang="en-US" sz="1200" dirty="0" smtClean="0">
-                <a:latin typeface="Meiryo UI" panose="020B0604030504040204" pitchFamily="50" charset="-128"/>
-                <a:ea typeface="Meiryo UI" panose="020B0604030504040204" pitchFamily="50" charset="-128"/>
-                <a:cs typeface="Meiryo UI" panose="020B0604030504040204" pitchFamily="50" charset="-128"/>
-              </a:rPr>
-              <a:t>冊子</a:t>
-            </a:r>
-            <a:r>
-              <a:rPr lang="ja-JP" altLang="en-US" sz="1200" dirty="0">
-                <a:latin typeface="Meiryo UI" panose="020B0604030504040204" pitchFamily="50" charset="-128"/>
-                <a:ea typeface="Meiryo UI" panose="020B0604030504040204" pitchFamily="50" charset="-128"/>
-                <a:cs typeface="Meiryo UI" panose="020B0604030504040204" pitchFamily="50" charset="-128"/>
-              </a:rPr>
-              <a:t>体</a:t>
-            </a:r>
-            <a:endParaRPr kumimoji="1" lang="ja-JP" altLang="en-US" sz="1200" dirty="0">
-              <a:latin typeface="Meiryo UI" panose="020B0604030504040204" pitchFamily="50" charset="-128"/>
-              <a:ea typeface="Meiryo UI" panose="020B0604030504040204" pitchFamily="50" charset="-128"/>
-              <a:cs typeface="Meiryo UI" panose="020B0604030504040204" pitchFamily="50" charset="-128"/>
-            </a:endParaRPr>
-          </a:p>
-        </p:txBody>
-      </p:sp>
-      <p:sp>
-        <p:nvSpPr>
-          <p:cNvPr id="72" name="フローチャート : 磁気ディスク 71"/>
-          <p:cNvSpPr/>
-          <p:nvPr/>
-        </p:nvSpPr>
-        <p:spPr>
-          <a:xfrm>
-            <a:off x="8612299" y="5637062"/>
-            <a:ext cx="1042158" cy="743282"/>
-          </a:xfrm>
-          <a:prstGeom prst="flowChartMagneticDisk">
-            <a:avLst/>
-          </a:prstGeom>
-        </p:spPr>
-        <p:style>
-          <a:lnRef idx="1">
-            <a:schemeClr val="accent2"/>
-          </a:lnRef>
-          <a:fillRef idx="2">
-            <a:schemeClr val="accent2"/>
-          </a:fillRef>
-          <a:effectRef idx="1">
-            <a:schemeClr val="accent2"/>
-          </a:effectRef>
-          <a:fontRef idx="minor">
-            <a:schemeClr val="dk1"/>
-          </a:fontRef>
-        </p:style>
-        <p:txBody>
-          <a:bodyPr rtlCol="0" anchor="ctr"/>
-          <a:lstStyle/>
-          <a:p>
-            <a:pPr algn="ctr"/>
-            <a:r>
-              <a:rPr kumimoji="1" lang="ja-JP" altLang="en-US" sz="1200" dirty="0" smtClean="0">
-                <a:latin typeface="Meiryo UI" panose="020B0604030504040204" pitchFamily="50" charset="-128"/>
-                <a:ea typeface="Meiryo UI" panose="020B0604030504040204" pitchFamily="50" charset="-128"/>
-                <a:cs typeface="Meiryo UI" panose="020B0604030504040204" pitchFamily="50" charset="-128"/>
-              </a:rPr>
-              <a:t>電子書籍</a:t>
-            </a:r>
-            <a:endParaRPr kumimoji="1" lang="en-US" altLang="ja-JP" sz="1200" dirty="0" smtClean="0">
-              <a:latin typeface="Meiryo UI" panose="020B0604030504040204" pitchFamily="50" charset="-128"/>
-              <a:ea typeface="Meiryo UI" panose="020B0604030504040204" pitchFamily="50" charset="-128"/>
-              <a:cs typeface="Meiryo UI" panose="020B0604030504040204" pitchFamily="50" charset="-128"/>
-            </a:endParaRPr>
-          </a:p>
-          <a:p>
-            <a:pPr algn="ctr"/>
-            <a:r>
-              <a:rPr lang="ja-JP" altLang="en-US" sz="1100" dirty="0" smtClean="0">
-                <a:latin typeface="Meiryo UI" panose="020B0604030504040204" pitchFamily="50" charset="-128"/>
-                <a:ea typeface="Meiryo UI" panose="020B0604030504040204" pitchFamily="50" charset="-128"/>
-                <a:cs typeface="Meiryo UI" panose="020B0604030504040204" pitchFamily="50" charset="-128"/>
-              </a:rPr>
-              <a:t>（</a:t>
-            </a:r>
-            <a:r>
-              <a:rPr lang="en-US" altLang="ja-JP" sz="1100" dirty="0" smtClean="0">
-                <a:latin typeface="Meiryo UI" panose="020B0604030504040204" pitchFamily="50" charset="-128"/>
-                <a:ea typeface="Meiryo UI" panose="020B0604030504040204" pitchFamily="50" charset="-128"/>
-                <a:cs typeface="Meiryo UI" panose="020B0604030504040204" pitchFamily="50" charset="-128"/>
-              </a:rPr>
-              <a:t>PC,</a:t>
-            </a:r>
-            <a:r>
-              <a:rPr lang="ja-JP" altLang="en-US" sz="1100" dirty="0" smtClean="0">
-                <a:latin typeface="Meiryo UI" panose="020B0604030504040204" pitchFamily="50" charset="-128"/>
-                <a:ea typeface="Meiryo UI" panose="020B0604030504040204" pitchFamily="50" charset="-128"/>
-                <a:cs typeface="Meiryo UI" panose="020B0604030504040204" pitchFamily="50" charset="-128"/>
-              </a:rPr>
-              <a:t>タブレット</a:t>
-            </a:r>
-            <a:endParaRPr lang="en-US" altLang="ja-JP" sz="1100" dirty="0" smtClean="0">
-              <a:latin typeface="Meiryo UI" panose="020B0604030504040204" pitchFamily="50" charset="-128"/>
-              <a:ea typeface="Meiryo UI" panose="020B0604030504040204" pitchFamily="50" charset="-128"/>
-              <a:cs typeface="Meiryo UI" panose="020B0604030504040204" pitchFamily="50" charset="-128"/>
-            </a:endParaRPr>
-          </a:p>
-          <a:p>
-            <a:pPr algn="ctr"/>
-            <a:r>
-              <a:rPr kumimoji="1" lang="en-US" altLang="ja-JP" sz="1100" dirty="0" smtClean="0">
-                <a:latin typeface="Meiryo UI" panose="020B0604030504040204" pitchFamily="50" charset="-128"/>
-                <a:ea typeface="Meiryo UI" panose="020B0604030504040204" pitchFamily="50" charset="-128"/>
-                <a:cs typeface="Meiryo UI" panose="020B0604030504040204" pitchFamily="50" charset="-128"/>
-              </a:rPr>
-              <a:t>,</a:t>
-            </a:r>
-            <a:r>
-              <a:rPr kumimoji="1" lang="ja-JP" altLang="en-US" sz="1100" dirty="0" smtClean="0">
-                <a:latin typeface="Meiryo UI" panose="020B0604030504040204" pitchFamily="50" charset="-128"/>
-                <a:ea typeface="Meiryo UI" panose="020B0604030504040204" pitchFamily="50" charset="-128"/>
-                <a:cs typeface="Meiryo UI" panose="020B0604030504040204" pitchFamily="50" charset="-128"/>
-              </a:rPr>
-              <a:t>スマホで読めるもの）</a:t>
-            </a:r>
-            <a:endParaRPr kumimoji="1" lang="ja-JP" altLang="en-US" sz="1100" dirty="0">
-              <a:latin typeface="Meiryo UI" panose="020B0604030504040204" pitchFamily="50" charset="-128"/>
-              <a:ea typeface="Meiryo UI" panose="020B0604030504040204" pitchFamily="50" charset="-128"/>
-              <a:cs typeface="Meiryo UI" panose="020B0604030504040204" pitchFamily="50" charset="-128"/>
-            </a:endParaRPr>
-          </a:p>
-        </p:txBody>
-      </p:sp>
-      <p:sp>
-        <p:nvSpPr>
-          <p:cNvPr id="130" name="フローチャート : 磁気ディスク 53"/>
-          <p:cNvSpPr/>
-          <p:nvPr/>
-        </p:nvSpPr>
-        <p:spPr>
-          <a:xfrm>
-            <a:off x="2965146" y="3517303"/>
-            <a:ext cx="2297187" cy="1027077"/>
-          </a:xfrm>
-          <a:prstGeom prst="flowChartMagneticDisk">
-            <a:avLst/>
-          </a:prstGeom>
-          <a:solidFill>
-            <a:srgbClr val="00B050"/>
-          </a:solidFill>
-          <a:ln/>
-          <a:scene3d>
-            <a:camera prst="orthographicFront"/>
-            <a:lightRig rig="threePt" dir="t"/>
-          </a:scene3d>
-          <a:sp3d>
-            <a:bevelT w="165100" prst="coolSlant"/>
-          </a:sp3d>
-        </p:spPr>
-        <p:style>
-          <a:lnRef idx="0">
-            <a:schemeClr val="accent6"/>
-          </a:lnRef>
-          <a:fillRef idx="3">
-            <a:schemeClr val="accent6"/>
-          </a:fillRef>
-          <a:effectRef idx="3">
-            <a:schemeClr val="accent6"/>
-          </a:effectRef>
-          <a:fontRef idx="minor">
-            <a:schemeClr val="lt1"/>
-          </a:fontRef>
-        </p:style>
-        <p:txBody>
-          <a:bodyPr wrap="square" rtlCol="0" anchor="ctr">
-            <a:noAutofit/>
-          </a:bodyPr>
-          <a:lstStyle/>
-          <a:p>
-            <a:pPr algn="ctr">
-              <a:lnSpc>
-                <a:spcPts val="1700"/>
-              </a:lnSpc>
-            </a:pPr>
-            <a:r>
-              <a:rPr lang="ja-JP" altLang="en-US" sz="1100" b="1" dirty="0" smtClean="0">
-                <a:latin typeface="Meiryo UI" panose="020B0604030504040204" pitchFamily="50" charset="-128"/>
-                <a:ea typeface="Meiryo UI" panose="020B0604030504040204" pitchFamily="50" charset="-128"/>
-                <a:cs typeface="Meiryo UI" panose="020B0604030504040204" pitchFamily="50" charset="-128"/>
-              </a:rPr>
-              <a:t>セキュリティ対策関連</a:t>
-            </a:r>
-            <a:endParaRPr lang="en-US" altLang="ja-JP" sz="1100" b="1" dirty="0" smtClean="0">
-              <a:latin typeface="Meiryo UI" panose="020B0604030504040204" pitchFamily="50" charset="-128"/>
-              <a:ea typeface="Meiryo UI" panose="020B0604030504040204" pitchFamily="50" charset="-128"/>
-              <a:cs typeface="Meiryo UI" panose="020B0604030504040204" pitchFamily="50" charset="-128"/>
-            </a:endParaRPr>
-          </a:p>
-          <a:p>
-            <a:pPr algn="ctr">
-              <a:lnSpc>
-                <a:spcPts val="1700"/>
-              </a:lnSpc>
-            </a:pPr>
-            <a:r>
-              <a:rPr lang="ja-JP" altLang="en-US" sz="1100" b="1" dirty="0" smtClean="0">
-                <a:latin typeface="Meiryo UI" panose="020B0604030504040204" pitchFamily="50" charset="-128"/>
-                <a:ea typeface="Meiryo UI" panose="020B0604030504040204" pitchFamily="50" charset="-128"/>
-                <a:cs typeface="Meiryo UI" panose="020B0604030504040204" pitchFamily="50" charset="-128"/>
-              </a:rPr>
-              <a:t>ナレッジベース</a:t>
-            </a:r>
-            <a:endParaRPr lang="en-US" altLang="ja-JP" sz="1100" b="1" dirty="0" smtClean="0">
-              <a:latin typeface="Meiryo UI" panose="020B0604030504040204" pitchFamily="50" charset="-128"/>
-              <a:ea typeface="Meiryo UI" panose="020B0604030504040204" pitchFamily="50" charset="-128"/>
-              <a:cs typeface="Meiryo UI" panose="020B0604030504040204" pitchFamily="50" charset="-128"/>
-            </a:endParaRPr>
-          </a:p>
-          <a:p>
-            <a:pPr algn="ctr">
-              <a:lnSpc>
-                <a:spcPts val="1700"/>
-              </a:lnSpc>
-            </a:pPr>
-            <a:r>
-              <a:rPr lang="ja-JP" altLang="en-US" sz="1100" b="1" dirty="0" smtClean="0">
-                <a:latin typeface="Meiryo UI" panose="020B0604030504040204" pitchFamily="50" charset="-128"/>
-                <a:ea typeface="Meiryo UI" panose="020B0604030504040204" pitchFamily="50" charset="-128"/>
-                <a:cs typeface="Meiryo UI" panose="020B0604030504040204" pitchFamily="50" charset="-128"/>
-              </a:rPr>
-              <a:t>（対象経営者・管理者のレベル毎</a:t>
-            </a:r>
-            <a:r>
-              <a:rPr lang="ja-JP" altLang="en-US" sz="1100" b="1" dirty="0">
-                <a:latin typeface="Meiryo UI" panose="020B0604030504040204" pitchFamily="50" charset="-128"/>
-                <a:ea typeface="Meiryo UI" panose="020B0604030504040204" pitchFamily="50" charset="-128"/>
-                <a:cs typeface="Meiryo UI" panose="020B0604030504040204" pitchFamily="50" charset="-128"/>
-              </a:rPr>
-              <a:t>）</a:t>
-            </a:r>
-            <a:endParaRPr lang="en-US" altLang="ja-JP" sz="1100" b="1" dirty="0">
-              <a:latin typeface="Meiryo UI" panose="020B0604030504040204" pitchFamily="50" charset="-128"/>
-              <a:ea typeface="Meiryo UI" panose="020B0604030504040204" pitchFamily="50" charset="-128"/>
-              <a:cs typeface="Meiryo UI" panose="020B0604030504040204" pitchFamily="50" charset="-128"/>
-            </a:endParaRPr>
-          </a:p>
-        </p:txBody>
-      </p:sp>
-      <p:sp>
-        <p:nvSpPr>
-          <p:cNvPr id="75" name="フローチャート : 磁気ディスク 53"/>
-          <p:cNvSpPr/>
-          <p:nvPr/>
-        </p:nvSpPr>
-        <p:spPr>
-          <a:xfrm>
-            <a:off x="2553512" y="5369882"/>
-            <a:ext cx="1622490" cy="398458"/>
+            <a:off x="5416173" y="3564803"/>
+            <a:ext cx="1622490" cy="796923"/>
           </a:xfrm>
           <a:prstGeom prst="flowChartMagneticDisk">
             <a:avLst/>
@@ -7703,109 +7603,53 @@
               </a:lnSpc>
             </a:pPr>
             <a:r>
-              <a:rPr lang="ja-JP" altLang="en-US" sz="1100" dirty="0" smtClean="0">
-                <a:latin typeface="Meiryo UI" panose="020B0604030504040204" pitchFamily="50" charset="-128"/>
-                <a:ea typeface="Meiryo UI" panose="020B0604030504040204" pitchFamily="50" charset="-128"/>
-                <a:cs typeface="Meiryo UI" panose="020B0604030504040204" pitchFamily="50" charset="-128"/>
-              </a:rPr>
-              <a:t>セキュリティ関連情報</a:t>
-            </a:r>
-            <a:endParaRPr lang="en-US" altLang="ja-JP" sz="1100" dirty="0" smtClean="0">
+              <a:rPr lang="ja-JP" altLang="en-US" sz="1100" dirty="0">
+                <a:latin typeface="Meiryo UI" panose="020B0604030504040204" pitchFamily="50" charset="-128"/>
+                <a:ea typeface="Meiryo UI" panose="020B0604030504040204" pitchFamily="50" charset="-128"/>
+                <a:cs typeface="Meiryo UI" panose="020B0604030504040204" pitchFamily="50" charset="-128"/>
+              </a:rPr>
+              <a:t>ガイドブック、相談対応用ハンドブック</a:t>
+            </a:r>
+            <a:endParaRPr lang="en-US" altLang="ja-JP" sz="1100" dirty="0">
               <a:latin typeface="Meiryo UI" panose="020B0604030504040204" pitchFamily="50" charset="-128"/>
               <a:ea typeface="Meiryo UI" panose="020B0604030504040204" pitchFamily="50" charset="-128"/>
               <a:cs typeface="Meiryo UI" panose="020B0604030504040204" pitchFamily="50" charset="-128"/>
             </a:endParaRPr>
           </a:p>
-        </p:txBody>
-      </p:sp>
-      <p:sp>
-        <p:nvSpPr>
-          <p:cNvPr id="76" name="AutoShape 8"/>
-          <p:cNvSpPr>
-            <a:spLocks noChangeArrowheads="1"/>
-          </p:cNvSpPr>
-          <p:nvPr/>
-        </p:nvSpPr>
-        <p:spPr bwMode="auto">
-          <a:xfrm>
-            <a:off x="2928751" y="4858181"/>
-            <a:ext cx="1868880" cy="462821"/>
-          </a:xfrm>
-          <a:prstGeom prst="roundRect">
-            <a:avLst>
-              <a:gd name="adj" fmla="val 25048"/>
-            </a:avLst>
-          </a:prstGeom>
-          <a:ln>
-            <a:headEnd/>
-            <a:tailEnd/>
-          </a:ln>
-        </p:spPr>
-        <p:style>
-          <a:lnRef idx="2">
-            <a:schemeClr val="accent2"/>
-          </a:lnRef>
-          <a:fillRef idx="1">
-            <a:schemeClr val="lt1"/>
-          </a:fillRef>
-          <a:effectRef idx="0">
-            <a:schemeClr val="accent2"/>
-          </a:effectRef>
-          <a:fontRef idx="minor">
-            <a:schemeClr val="dk1"/>
-          </a:fontRef>
-        </p:style>
-        <p:txBody>
-          <a:bodyPr wrap="square" anchor="t" anchorCtr="0">
-            <a:noAutofit/>
-          </a:bodyPr>
-          <a:lstStyle/>
-          <a:p>
-            <a:pPr algn="ctr"/>
-            <a:r>
-              <a:rPr lang="ja-JP" altLang="en-US" sz="1200" dirty="0" smtClean="0">
-                <a:latin typeface="Meiryo UI" panose="020B0604030504040204" pitchFamily="50" charset="-128"/>
-                <a:ea typeface="Meiryo UI" panose="020B0604030504040204" pitchFamily="50" charset="-128"/>
-                <a:cs typeface="Meiryo UI" panose="020B0604030504040204" pitchFamily="50" charset="-128"/>
-              </a:rPr>
-              <a:t>情報の内容要約</a:t>
-            </a:r>
-            <a:endParaRPr lang="en-US" altLang="ja-JP" sz="1200" dirty="0" smtClean="0">
+          <a:p>
+            <a:pPr algn="ctr">
+              <a:lnSpc>
+                <a:spcPts val="1700"/>
+              </a:lnSpc>
+            </a:pPr>
+            <a:r>
+              <a:rPr lang="ja-JP" altLang="en-US" sz="1100" dirty="0">
+                <a:latin typeface="Meiryo UI" panose="020B0604030504040204" pitchFamily="50" charset="-128"/>
+                <a:ea typeface="Meiryo UI" panose="020B0604030504040204" pitchFamily="50" charset="-128"/>
+                <a:cs typeface="Meiryo UI" panose="020B0604030504040204" pitchFamily="50" charset="-128"/>
+              </a:rPr>
+              <a:t>対応フロー、案内先</a:t>
+            </a:r>
+            <a:endParaRPr lang="en-US" altLang="ja-JP" sz="1100" dirty="0">
               <a:latin typeface="Meiryo UI" panose="020B0604030504040204" pitchFamily="50" charset="-128"/>
               <a:ea typeface="Meiryo UI" panose="020B0604030504040204" pitchFamily="50" charset="-128"/>
               <a:cs typeface="Meiryo UI" panose="020B0604030504040204" pitchFamily="50" charset="-128"/>
             </a:endParaRPr>
           </a:p>
-          <a:p>
-            <a:pPr algn="ctr"/>
-            <a:r>
-              <a:rPr lang="ja-JP" altLang="en-US" sz="1200" dirty="0" smtClean="0">
-                <a:latin typeface="Meiryo UI" panose="020B0604030504040204" pitchFamily="50" charset="-128"/>
-                <a:ea typeface="Meiryo UI" panose="020B0604030504040204" pitchFamily="50" charset="-128"/>
-                <a:cs typeface="Meiryo UI" panose="020B0604030504040204" pitchFamily="50" charset="-128"/>
-              </a:rPr>
-              <a:t>重要度・緊急度判断</a:t>
-            </a:r>
-            <a:endParaRPr lang="en-US" altLang="ja-JP" sz="1200" dirty="0">
-              <a:latin typeface="Meiryo UI" panose="020B0604030504040204" pitchFamily="50" charset="-128"/>
-              <a:ea typeface="Meiryo UI" panose="020B0604030504040204" pitchFamily="50" charset="-128"/>
-              <a:cs typeface="Meiryo UI" panose="020B0604030504040204" pitchFamily="50" charset="-128"/>
-            </a:endParaRPr>
-          </a:p>
-        </p:txBody>
-      </p:sp>
-      <p:sp>
-        <p:nvSpPr>
-          <p:cNvPr id="89" name="上矢印 88"/>
+        </p:txBody>
+      </p:sp>
+      <p:sp>
+        <p:nvSpPr>
+          <p:cNvPr id="92" name="左矢印 91"/>
           <p:cNvSpPr/>
           <p:nvPr/>
         </p:nvSpPr>
         <p:spPr>
-          <a:xfrm>
-            <a:off x="3695807" y="4451388"/>
-            <a:ext cx="609138" cy="406793"/>
-          </a:xfrm>
-          <a:prstGeom prst="upArrow">
+          <a:xfrm rot="1908667">
+            <a:off x="8117155" y="3949565"/>
+            <a:ext cx="420595" cy="257552"/>
+          </a:xfrm>
+          <a:prstGeom prst="leftArrow">
             <a:avLst/>
           </a:prstGeom>
         </p:spPr>
@@ -7840,94 +7684,14 @@
       </p:sp>
       <p:sp>
         <p:nvSpPr>
-          <p:cNvPr id="91" name="フローチャート : 磁気ディスク 53"/>
+          <p:cNvPr id="93" name="左矢印 92"/>
           <p:cNvSpPr/>
           <p:nvPr/>
         </p:nvSpPr>
         <p:spPr>
-          <a:xfrm>
-            <a:off x="5416173" y="3564803"/>
-            <a:ext cx="1622490" cy="796923"/>
-          </a:xfrm>
-          <a:prstGeom prst="flowChartMagneticDisk">
-            <a:avLst/>
-          </a:prstGeom>
-          <a:solidFill>
-            <a:srgbClr val="92D050"/>
-          </a:solidFill>
-          <a:ln/>
-        </p:spPr>
-        <p:style>
-          <a:lnRef idx="1">
-            <a:schemeClr val="accent2"/>
-          </a:lnRef>
-          <a:fillRef idx="3">
-            <a:schemeClr val="accent2"/>
-          </a:fillRef>
-          <a:effectRef idx="2">
-            <a:schemeClr val="accent2"/>
-          </a:effectRef>
-          <a:fontRef idx="minor">
-            <a:schemeClr val="lt1"/>
-          </a:fontRef>
-        </p:style>
-        <p:txBody>
-          <a:bodyPr wrap="square" rtlCol="0" anchor="ctr">
-            <a:noAutofit/>
-          </a:bodyPr>
-          <a:lstStyle/>
-          <a:p>
-            <a:pPr algn="ctr">
-              <a:lnSpc>
-                <a:spcPts val="1700"/>
-              </a:lnSpc>
-            </a:pPr>
-            <a:r>
-              <a:rPr lang="ja-JP" altLang="en-US" sz="1100" dirty="0" smtClean="0">
-                <a:latin typeface="Meiryo UI" panose="020B0604030504040204" pitchFamily="50" charset="-128"/>
-                <a:ea typeface="Meiryo UI" panose="020B0604030504040204" pitchFamily="50" charset="-128"/>
-                <a:cs typeface="Meiryo UI" panose="020B0604030504040204" pitchFamily="50" charset="-128"/>
-              </a:rPr>
-              <a:t>ガイドブック、相談対応用ハンドブック</a:t>
-            </a:r>
-            <a:endParaRPr lang="en-US" altLang="ja-JP" sz="1100" dirty="0" smtClean="0">
-              <a:latin typeface="Meiryo UI" panose="020B0604030504040204" pitchFamily="50" charset="-128"/>
-              <a:ea typeface="Meiryo UI" panose="020B0604030504040204" pitchFamily="50" charset="-128"/>
-              <a:cs typeface="Meiryo UI" panose="020B0604030504040204" pitchFamily="50" charset="-128"/>
-            </a:endParaRPr>
-          </a:p>
-          <a:p>
-            <a:pPr algn="ctr">
-              <a:lnSpc>
-                <a:spcPts val="1700"/>
-              </a:lnSpc>
-            </a:pPr>
-            <a:r>
-              <a:rPr lang="ja-JP" altLang="en-US" sz="1100" dirty="0" smtClean="0">
-                <a:latin typeface="Meiryo UI" panose="020B0604030504040204" pitchFamily="50" charset="-128"/>
-                <a:ea typeface="Meiryo UI" panose="020B0604030504040204" pitchFamily="50" charset="-128"/>
-                <a:cs typeface="Meiryo UI" panose="020B0604030504040204" pitchFamily="50" charset="-128"/>
-              </a:rPr>
-              <a:t>対応フロー、案内先</a:t>
-            </a:r>
-            <a:endParaRPr lang="en-US" altLang="ja-JP" sz="1100" dirty="0" smtClean="0">
-              <a:latin typeface="Meiryo UI" panose="020B0604030504040204" pitchFamily="50" charset="-128"/>
-              <a:ea typeface="Meiryo UI" panose="020B0604030504040204" pitchFamily="50" charset="-128"/>
-              <a:cs typeface="Meiryo UI" panose="020B0604030504040204" pitchFamily="50" charset="-128"/>
-            </a:endParaRPr>
-          </a:p>
-        </p:txBody>
-      </p:sp>
-      <p:sp>
-        <p:nvSpPr>
-          <p:cNvPr id="92" name="左矢印 91"/>
-          <p:cNvSpPr/>
-          <p:nvPr/>
-        </p:nvSpPr>
-        <p:spPr>
-          <a:xfrm rot="1908667">
-            <a:off x="8117155" y="3949565"/>
-            <a:ext cx="420595" cy="257552"/>
+          <a:xfrm rot="19214728">
+            <a:off x="7807546" y="4981785"/>
+            <a:ext cx="420595" cy="215609"/>
           </a:xfrm>
           <a:prstGeom prst="leftArrow">
             <a:avLst/>
@@ -7964,18 +7728,249 @@
       </p:sp>
       <p:sp>
         <p:nvSpPr>
-          <p:cNvPr id="93" name="左矢印 92"/>
+          <p:cNvPr id="74" name="横巻き 73"/>
           <p:cNvSpPr/>
           <p:nvPr/>
         </p:nvSpPr>
         <p:spPr>
-          <a:xfrm rot="19214728">
-            <a:off x="7807546" y="4981785"/>
-            <a:ext cx="420595" cy="215609"/>
-          </a:xfrm>
-          <a:prstGeom prst="leftArrow">
+          <a:xfrm>
+            <a:off x="-1" y="-95002"/>
+            <a:ext cx="2782557" cy="819398"/>
+          </a:xfrm>
+          <a:prstGeom prst="horizontalScroll">
             <a:avLst/>
           </a:prstGeom>
+        </p:spPr>
+        <p:style>
+          <a:lnRef idx="1">
+            <a:schemeClr val="accent3"/>
+          </a:lnRef>
+          <a:fillRef idx="2">
+            <a:schemeClr val="accent3"/>
+          </a:fillRef>
+          <a:effectRef idx="1">
+            <a:schemeClr val="accent3"/>
+          </a:effectRef>
+          <a:fontRef idx="minor">
+            <a:schemeClr val="dk1"/>
+          </a:fontRef>
+        </p:style>
+        <p:txBody>
+          <a:bodyPr rtlCol="0" anchor="ctr"/>
+          <a:lstStyle/>
+          <a:p>
+            <a:pPr algn="ctr"/>
+            <a:r>
+              <a:rPr kumimoji="1" lang="en-US" altLang="ja-JP" sz="1200" dirty="0">
+                <a:solidFill>
+                  <a:srgbClr val="0070C0"/>
+                </a:solidFill>
+                <a:latin typeface="Meiryo UI" panose="020B0604030504040204" pitchFamily="50" charset="-128"/>
+                <a:ea typeface="Meiryo UI" panose="020B0604030504040204" pitchFamily="50" charset="-128"/>
+                <a:cs typeface="Meiryo UI" panose="020B0604030504040204" pitchFamily="50" charset="-128"/>
+              </a:rPr>
+              <a:t>TCYSS</a:t>
+            </a:r>
+            <a:r>
+              <a:rPr kumimoji="1" lang="ja-JP" altLang="en-US" sz="1200" dirty="0">
+                <a:solidFill>
+                  <a:srgbClr val="0070C0"/>
+                </a:solidFill>
+                <a:latin typeface="Meiryo UI" panose="020B0604030504040204" pitchFamily="50" charset="-128"/>
+                <a:ea typeface="Meiryo UI" panose="020B0604030504040204" pitchFamily="50" charset="-128"/>
+                <a:cs typeface="Meiryo UI" panose="020B0604030504040204" pitchFamily="50" charset="-128"/>
+              </a:rPr>
+              <a:t>相互協力協定</a:t>
+            </a:r>
+            <a:endParaRPr kumimoji="1" lang="en-US" altLang="ja-JP" sz="1200" dirty="0">
+              <a:solidFill>
+                <a:srgbClr val="0070C0"/>
+              </a:solidFill>
+              <a:latin typeface="Meiryo UI" panose="020B0604030504040204" pitchFamily="50" charset="-128"/>
+              <a:ea typeface="Meiryo UI" panose="020B0604030504040204" pitchFamily="50" charset="-128"/>
+              <a:cs typeface="Meiryo UI" panose="020B0604030504040204" pitchFamily="50" charset="-128"/>
+            </a:endParaRPr>
+          </a:p>
+          <a:p>
+            <a:pPr algn="ctr"/>
+            <a:r>
+              <a:rPr lang="ja-JP" altLang="en-US" sz="1200" dirty="0">
+                <a:solidFill>
+                  <a:srgbClr val="0070C0"/>
+                </a:solidFill>
+                <a:latin typeface="Meiryo UI" panose="020B0604030504040204" pitchFamily="50" charset="-128"/>
+                <a:ea typeface="Meiryo UI" panose="020B0604030504040204" pitchFamily="50" charset="-128"/>
+                <a:cs typeface="Meiryo UI" panose="020B0604030504040204" pitchFamily="50" charset="-128"/>
+              </a:rPr>
+              <a:t>・意識啓発活動・情報共有・相談体制・事案発生時の相互連携</a:t>
+            </a:r>
+            <a:endParaRPr kumimoji="1" lang="ja-JP" altLang="en-US" sz="1200" dirty="0">
+              <a:solidFill>
+                <a:srgbClr val="0070C0"/>
+              </a:solidFill>
+              <a:latin typeface="Meiryo UI" panose="020B0604030504040204" pitchFamily="50" charset="-128"/>
+              <a:ea typeface="Meiryo UI" panose="020B0604030504040204" pitchFamily="50" charset="-128"/>
+              <a:cs typeface="Meiryo UI" panose="020B0604030504040204" pitchFamily="50" charset="-128"/>
+            </a:endParaRPr>
+          </a:p>
+        </p:txBody>
+      </p:sp>
+      <p:sp>
+        <p:nvSpPr>
+          <p:cNvPr id="69" name="AutoShape 8"/>
+          <p:cNvSpPr>
+            <a:spLocks noChangeArrowheads="1"/>
+          </p:cNvSpPr>
+          <p:nvPr/>
+        </p:nvSpPr>
+        <p:spPr bwMode="auto">
+          <a:xfrm>
+            <a:off x="8494964" y="3386619"/>
+            <a:ext cx="1638551" cy="667972"/>
+          </a:xfrm>
+          <a:prstGeom prst="roundRect">
+            <a:avLst>
+              <a:gd name="adj" fmla="val 19184"/>
+            </a:avLst>
+          </a:prstGeom>
+          <a:ln>
+            <a:headEnd/>
+            <a:tailEnd/>
+          </a:ln>
+        </p:spPr>
+        <p:style>
+          <a:lnRef idx="2">
+            <a:schemeClr val="accent5"/>
+          </a:lnRef>
+          <a:fillRef idx="1">
+            <a:schemeClr val="lt1"/>
+          </a:fillRef>
+          <a:effectRef idx="0">
+            <a:schemeClr val="accent5"/>
+          </a:effectRef>
+          <a:fontRef idx="minor">
+            <a:schemeClr val="dk1"/>
+          </a:fontRef>
+        </p:style>
+        <p:txBody>
+          <a:bodyPr wrap="square" anchor="t" anchorCtr="0">
+            <a:noAutofit/>
+          </a:bodyPr>
+          <a:lstStyle/>
+          <a:p>
+            <a:r>
+              <a:rPr lang="ja-JP" altLang="en-US" sz="1200" b="1" dirty="0">
+                <a:solidFill>
+                  <a:srgbClr val="0070C0"/>
+                </a:solidFill>
+                <a:latin typeface="Meiryo UI" panose="020B0604030504040204" pitchFamily="50" charset="-128"/>
+                <a:ea typeface="Meiryo UI" panose="020B0604030504040204" pitchFamily="50" charset="-128"/>
+                <a:cs typeface="Meiryo UI" panose="020B0604030504040204" pitchFamily="50" charset="-128"/>
+              </a:rPr>
+              <a:t>都支援事業等での出張相談・個別助言</a:t>
+            </a:r>
+            <a:endParaRPr lang="en-US" altLang="ja-JP" sz="1200" b="1" dirty="0">
+              <a:solidFill>
+                <a:srgbClr val="0070C0"/>
+              </a:solidFill>
+              <a:latin typeface="Meiryo UI" panose="020B0604030504040204" pitchFamily="50" charset="-128"/>
+              <a:ea typeface="Meiryo UI" panose="020B0604030504040204" pitchFamily="50" charset="-128"/>
+              <a:cs typeface="Meiryo UI" panose="020B0604030504040204" pitchFamily="50" charset="-128"/>
+            </a:endParaRPr>
+          </a:p>
+          <a:p>
+            <a:r>
+              <a:rPr lang="ja-JP" altLang="en-US" sz="1200" b="1" dirty="0">
+                <a:solidFill>
+                  <a:srgbClr val="0070C0"/>
+                </a:solidFill>
+                <a:latin typeface="Meiryo UI" panose="020B0604030504040204" pitchFamily="50" charset="-128"/>
+                <a:ea typeface="Meiryo UI" panose="020B0604030504040204" pitchFamily="50" charset="-128"/>
+                <a:cs typeface="Meiryo UI" panose="020B0604030504040204" pitchFamily="50" charset="-128"/>
+              </a:rPr>
+              <a:t>（東京都）</a:t>
+            </a:r>
+            <a:endParaRPr lang="ja-JP" altLang="ja-JP" sz="1200" b="1" dirty="0">
+              <a:solidFill>
+                <a:srgbClr val="0070C0"/>
+              </a:solidFill>
+              <a:latin typeface="Meiryo UI" panose="020B0604030504040204" pitchFamily="50" charset="-128"/>
+              <a:ea typeface="Meiryo UI" panose="020B0604030504040204" pitchFamily="50" charset="-128"/>
+              <a:cs typeface="Meiryo UI" panose="020B0604030504040204" pitchFamily="50" charset="-128"/>
+            </a:endParaRPr>
+          </a:p>
+        </p:txBody>
+      </p:sp>
+      <p:sp>
+        <p:nvSpPr>
+          <p:cNvPr id="90" name="四角形吹き出し 89"/>
+          <p:cNvSpPr/>
+          <p:nvPr/>
+        </p:nvSpPr>
+        <p:spPr>
+          <a:xfrm>
+            <a:off x="7606674" y="2861850"/>
+            <a:ext cx="1557003" cy="439643"/>
+          </a:xfrm>
+          <a:prstGeom prst="wedgeRectCallout">
+            <a:avLst>
+              <a:gd name="adj1" fmla="val -428"/>
+              <a:gd name="adj2" fmla="val 144031"/>
+            </a:avLst>
+          </a:prstGeom>
+        </p:spPr>
+        <p:style>
+          <a:lnRef idx="0">
+            <a:schemeClr val="accent4"/>
+          </a:lnRef>
+          <a:fillRef idx="3">
+            <a:schemeClr val="accent4"/>
+          </a:fillRef>
+          <a:effectRef idx="3">
+            <a:schemeClr val="accent4"/>
+          </a:effectRef>
+          <a:fontRef idx="minor">
+            <a:schemeClr val="lt1"/>
+          </a:fontRef>
+        </p:style>
+        <p:txBody>
+          <a:bodyPr rtlCol="0" anchor="ctr"/>
+          <a:lstStyle/>
+          <a:p>
+            <a:pPr algn="ctr"/>
+            <a:r>
+              <a:rPr kumimoji="1" lang="ja-JP" altLang="en-US" sz="1100" dirty="0">
+                <a:solidFill>
+                  <a:schemeClr val="tx1"/>
+                </a:solidFill>
+                <a:latin typeface="Meiryo UI" panose="020B0604030504040204" pitchFamily="50" charset="-128"/>
+                <a:ea typeface="Meiryo UI" panose="020B0604030504040204" pitchFamily="50" charset="-128"/>
+                <a:cs typeface="Meiryo UI" panose="020B0604030504040204" pitchFamily="50" charset="-128"/>
+              </a:rPr>
+              <a:t>ガイドブック以上の詳細な解説・助言</a:t>
+            </a:r>
+          </a:p>
+        </p:txBody>
+      </p:sp>
+      <p:sp>
+        <p:nvSpPr>
+          <p:cNvPr id="96" name="フレーム 95"/>
+          <p:cNvSpPr/>
+          <p:nvPr/>
+        </p:nvSpPr>
+        <p:spPr>
+          <a:xfrm>
+            <a:off x="101133" y="3075558"/>
+            <a:ext cx="1398384" cy="1920634"/>
+          </a:xfrm>
+          <a:prstGeom prst="frame">
+            <a:avLst/>
+          </a:prstGeom>
+          <a:solidFill>
+            <a:schemeClr val="accent4">
+              <a:lumMod val="50000"/>
+            </a:schemeClr>
+          </a:solidFill>
         </p:spPr>
         <p:style>
           <a:lnRef idx="2">
@@ -7997,25 +7992,162 @@
           <a:bodyPr rtlCol="0" anchor="ctr"/>
           <a:lstStyle/>
           <a:p>
-            <a:pPr algn="ctr"/>
-            <a:endParaRPr kumimoji="1" lang="ja-JP" altLang="en-US">
+            <a:r>
+              <a:rPr lang="ja-JP" altLang="en-US" sz="1200" dirty="0">
+                <a:solidFill>
+                  <a:schemeClr val="tx1"/>
+                </a:solidFill>
+                <a:latin typeface="Meiryo UI" panose="020B0604030504040204" pitchFamily="50" charset="-128"/>
+                <a:ea typeface="Meiryo UI" panose="020B0604030504040204" pitchFamily="50" charset="-128"/>
+                <a:cs typeface="Meiryo UI" panose="020B0604030504040204" pitchFamily="50" charset="-128"/>
+              </a:rPr>
+              <a:t>国等の機関からの情報発信</a:t>
+            </a:r>
+            <a:endParaRPr lang="en-US" altLang="ja-JP" sz="1200" dirty="0">
+              <a:solidFill>
+                <a:schemeClr val="tx1"/>
+              </a:solidFill>
               <a:latin typeface="Meiryo UI" panose="020B0604030504040204" pitchFamily="50" charset="-128"/>
               <a:ea typeface="Meiryo UI" panose="020B0604030504040204" pitchFamily="50" charset="-128"/>
               <a:cs typeface="Meiryo UI" panose="020B0604030504040204" pitchFamily="50" charset="-128"/>
             </a:endParaRPr>
           </a:p>
-        </p:txBody>
-      </p:sp>
-      <p:sp>
-        <p:nvSpPr>
-          <p:cNvPr id="74" name="横巻き 73"/>
+          <a:p>
+            <a:r>
+              <a:rPr lang="en-US" altLang="ja-JP" sz="1200" dirty="0">
+                <a:solidFill>
+                  <a:schemeClr val="tx1"/>
+                </a:solidFill>
+                <a:latin typeface="Meiryo UI" panose="020B0604030504040204" pitchFamily="50" charset="-128"/>
+                <a:ea typeface="Meiryo UI" panose="020B0604030504040204" pitchFamily="50" charset="-128"/>
+                <a:cs typeface="Meiryo UI" panose="020B0604030504040204" pitchFamily="50" charset="-128"/>
+              </a:rPr>
+              <a:t>NISC</a:t>
+            </a:r>
+          </a:p>
+          <a:p>
+            <a:r>
+              <a:rPr lang="ja-JP" altLang="en-US" sz="1200" dirty="0">
+                <a:solidFill>
+                  <a:schemeClr val="tx1"/>
+                </a:solidFill>
+                <a:latin typeface="Meiryo UI" panose="020B0604030504040204" pitchFamily="50" charset="-128"/>
+                <a:ea typeface="Meiryo UI" panose="020B0604030504040204" pitchFamily="50" charset="-128"/>
+                <a:cs typeface="Meiryo UI" panose="020B0604030504040204" pitchFamily="50" charset="-128"/>
+              </a:rPr>
+              <a:t>総務省</a:t>
+            </a:r>
+            <a:endParaRPr lang="en-US" altLang="ja-JP" sz="1200" dirty="0">
+              <a:solidFill>
+                <a:schemeClr val="tx1"/>
+              </a:solidFill>
+              <a:latin typeface="Meiryo UI" panose="020B0604030504040204" pitchFamily="50" charset="-128"/>
+              <a:ea typeface="Meiryo UI" panose="020B0604030504040204" pitchFamily="50" charset="-128"/>
+              <a:cs typeface="Meiryo UI" panose="020B0604030504040204" pitchFamily="50" charset="-128"/>
+            </a:endParaRPr>
+          </a:p>
+          <a:p>
+            <a:r>
+              <a:rPr lang="ja-JP" altLang="en-US" sz="1200" dirty="0">
+                <a:solidFill>
+                  <a:schemeClr val="tx1"/>
+                </a:solidFill>
+                <a:latin typeface="Meiryo UI" panose="020B0604030504040204" pitchFamily="50" charset="-128"/>
+                <a:ea typeface="Meiryo UI" panose="020B0604030504040204" pitchFamily="50" charset="-128"/>
+                <a:cs typeface="Meiryo UI" panose="020B0604030504040204" pitchFamily="50" charset="-128"/>
+              </a:rPr>
+              <a:t>　</a:t>
+            </a:r>
+            <a:r>
+              <a:rPr lang="en-US" altLang="ja-JP" sz="1200" dirty="0">
+                <a:solidFill>
+                  <a:schemeClr val="tx1"/>
+                </a:solidFill>
+                <a:latin typeface="Meiryo UI" panose="020B0604030504040204" pitchFamily="50" charset="-128"/>
+                <a:ea typeface="Meiryo UI" panose="020B0604030504040204" pitchFamily="50" charset="-128"/>
+                <a:cs typeface="Meiryo UI" panose="020B0604030504040204" pitchFamily="50" charset="-128"/>
+              </a:rPr>
+              <a:t>NICT</a:t>
+            </a:r>
+          </a:p>
+          <a:p>
+            <a:r>
+              <a:rPr lang="ja-JP" altLang="en-US" sz="1200" dirty="0">
+                <a:solidFill>
+                  <a:schemeClr val="tx1"/>
+                </a:solidFill>
+                <a:latin typeface="Meiryo UI" panose="020B0604030504040204" pitchFamily="50" charset="-128"/>
+                <a:ea typeface="Meiryo UI" panose="020B0604030504040204" pitchFamily="50" charset="-128"/>
+                <a:cs typeface="Meiryo UI" panose="020B0604030504040204" pitchFamily="50" charset="-128"/>
+              </a:rPr>
+              <a:t>経済産業省</a:t>
+            </a:r>
+            <a:endParaRPr lang="en-US" altLang="ja-JP" sz="1200" dirty="0">
+              <a:solidFill>
+                <a:schemeClr val="tx1"/>
+              </a:solidFill>
+              <a:latin typeface="Meiryo UI" panose="020B0604030504040204" pitchFamily="50" charset="-128"/>
+              <a:ea typeface="Meiryo UI" panose="020B0604030504040204" pitchFamily="50" charset="-128"/>
+              <a:cs typeface="Meiryo UI" panose="020B0604030504040204" pitchFamily="50" charset="-128"/>
+            </a:endParaRPr>
+          </a:p>
+          <a:p>
+            <a:r>
+              <a:rPr lang="ja-JP" altLang="en-US" sz="1200" dirty="0">
+                <a:solidFill>
+                  <a:schemeClr val="tx1"/>
+                </a:solidFill>
+                <a:latin typeface="Meiryo UI" panose="020B0604030504040204" pitchFamily="50" charset="-128"/>
+                <a:ea typeface="Meiryo UI" panose="020B0604030504040204" pitchFamily="50" charset="-128"/>
+                <a:cs typeface="Meiryo UI" panose="020B0604030504040204" pitchFamily="50" charset="-128"/>
+              </a:rPr>
+              <a:t>　</a:t>
+            </a:r>
+            <a:r>
+              <a:rPr lang="en-US" altLang="ja-JP" sz="1200" dirty="0">
+                <a:solidFill>
+                  <a:schemeClr val="tx1"/>
+                </a:solidFill>
+                <a:latin typeface="Meiryo UI" panose="020B0604030504040204" pitchFamily="50" charset="-128"/>
+                <a:ea typeface="Meiryo UI" panose="020B0604030504040204" pitchFamily="50" charset="-128"/>
+                <a:cs typeface="Meiryo UI" panose="020B0604030504040204" pitchFamily="50" charset="-128"/>
+              </a:rPr>
+              <a:t>IPA</a:t>
+            </a:r>
+          </a:p>
+          <a:p>
+            <a:r>
+              <a:rPr lang="ja-JP" altLang="en-US" sz="1200" dirty="0">
+                <a:solidFill>
+                  <a:schemeClr val="tx1"/>
+                </a:solidFill>
+                <a:latin typeface="Meiryo UI" panose="020B0604030504040204" pitchFamily="50" charset="-128"/>
+                <a:ea typeface="Meiryo UI" panose="020B0604030504040204" pitchFamily="50" charset="-128"/>
+                <a:cs typeface="Meiryo UI" panose="020B0604030504040204" pitchFamily="50" charset="-128"/>
+              </a:rPr>
+              <a:t>警察庁</a:t>
+            </a:r>
+            <a:endParaRPr lang="en-US" altLang="ja-JP" sz="1200" dirty="0">
+              <a:solidFill>
+                <a:schemeClr val="tx1"/>
+              </a:solidFill>
+              <a:latin typeface="Meiryo UI" panose="020B0604030504040204" pitchFamily="50" charset="-128"/>
+              <a:ea typeface="Meiryo UI" panose="020B0604030504040204" pitchFamily="50" charset="-128"/>
+              <a:cs typeface="Meiryo UI" panose="020B0604030504040204" pitchFamily="50" charset="-128"/>
+            </a:endParaRPr>
+          </a:p>
+        </p:txBody>
+      </p:sp>
+      <p:sp>
+        <p:nvSpPr>
+          <p:cNvPr id="66" name="横巻き 65"/>
           <p:cNvSpPr/>
           <p:nvPr/>
         </p:nvSpPr>
         <p:spPr>
           <a:xfrm>
-            <a:off x="-1" y="-95002"/>
-            <a:ext cx="2782557" cy="819398"/>
+            <a:off x="101133" y="4750277"/>
+            <a:ext cx="1512984" cy="2107723"/>
           </a:xfrm>
           <a:prstGeom prst="horizontalScroll">
             <a:avLst/>
@@ -8023,13 +8155,13 @@
         </p:spPr>
         <p:style>
           <a:lnRef idx="1">
-            <a:schemeClr val="accent3"/>
+            <a:schemeClr val="dk1"/>
           </a:lnRef>
           <a:fillRef idx="2">
-            <a:schemeClr val="accent3"/>
+            <a:schemeClr val="dk1"/>
           </a:fillRef>
           <a:effectRef idx="1">
-            <a:schemeClr val="accent3"/>
+            <a:schemeClr val="dk1"/>
           </a:effectRef>
           <a:fontRef idx="minor">
             <a:schemeClr val="dk1"/>
@@ -8041,7 +8173,23 @@
           <a:p>
             <a:pPr algn="ctr"/>
             <a:r>
-              <a:rPr kumimoji="1" lang="en-US" altLang="ja-JP" sz="1200" dirty="0" smtClean="0">
+              <a:rPr kumimoji="1" lang="ja-JP" altLang="en-US" sz="1100" dirty="0">
+                <a:latin typeface="Meiryo UI" panose="020B0604030504040204" pitchFamily="50" charset="-128"/>
+                <a:ea typeface="Meiryo UI" panose="020B0604030504040204" pitchFamily="50" charset="-128"/>
+                <a:cs typeface="Meiryo UI" panose="020B0604030504040204" pitchFamily="50" charset="-128"/>
+              </a:rPr>
+              <a:t>企業経営のためのサイバーセキュリティの考え方</a:t>
+            </a:r>
+            <a:endParaRPr kumimoji="1" lang="en-US" altLang="ja-JP" sz="1100" dirty="0">
+              <a:latin typeface="Meiryo UI" panose="020B0604030504040204" pitchFamily="50" charset="-128"/>
+              <a:ea typeface="Meiryo UI" panose="020B0604030504040204" pitchFamily="50" charset="-128"/>
+              <a:cs typeface="Meiryo UI" panose="020B0604030504040204" pitchFamily="50" charset="-128"/>
+            </a:endParaRPr>
+          </a:p>
+          <a:p>
+            <a:pPr algn="ctr"/>
+            <a:r>
+              <a:rPr lang="ja-JP" altLang="en-US" sz="1100" dirty="0">
                 <a:solidFill>
                   <a:srgbClr val="0070C0"/>
                 </a:solidFill>
@@ -8049,10 +8197,10 @@
                 <a:ea typeface="Meiryo UI" panose="020B0604030504040204" pitchFamily="50" charset="-128"/>
                 <a:cs typeface="Meiryo UI" panose="020B0604030504040204" pitchFamily="50" charset="-128"/>
               </a:rPr>
-              <a:t>TCYSS</a:t>
-            </a:r>
-            <a:r>
-              <a:rPr kumimoji="1" lang="ja-JP" altLang="en-US" sz="1200" dirty="0" smtClean="0">
+              <a:t>・</a:t>
+            </a:r>
+            <a:r>
+              <a:rPr lang="ja-JP" altLang="en-US" sz="1100" b="1" dirty="0">
                 <a:solidFill>
                   <a:srgbClr val="0070C0"/>
                 </a:solidFill>
@@ -8060,9 +8208,42 @@
                 <a:ea typeface="Meiryo UI" panose="020B0604030504040204" pitchFamily="50" charset="-128"/>
                 <a:cs typeface="Meiryo UI" panose="020B0604030504040204" pitchFamily="50" charset="-128"/>
               </a:rPr>
-              <a:t>相互協力協定</a:t>
-            </a:r>
-            <a:endParaRPr kumimoji="1" lang="en-US" altLang="ja-JP" sz="1200" dirty="0" smtClean="0">
+              <a:t>サイバーセキュリティはやむを得ない「費用」でなく、</a:t>
+            </a:r>
+            <a:r>
+              <a:rPr lang="en-US" altLang="ja-JP" sz="1100" b="1" dirty="0">
+                <a:solidFill>
+                  <a:srgbClr val="0070C0"/>
+                </a:solidFill>
+                <a:latin typeface="Meiryo UI" panose="020B0604030504040204" pitchFamily="50" charset="-128"/>
+                <a:ea typeface="Meiryo UI" panose="020B0604030504040204" pitchFamily="50" charset="-128"/>
+                <a:cs typeface="Meiryo UI" panose="020B0604030504040204" pitchFamily="50" charset="-128"/>
+              </a:rPr>
+              <a:t>IT</a:t>
+            </a:r>
+            <a:r>
+              <a:rPr lang="ja-JP" altLang="en-US" sz="1100" b="1" dirty="0" err="1">
+                <a:solidFill>
+                  <a:srgbClr val="0070C0"/>
+                </a:solidFill>
+                <a:latin typeface="Meiryo UI" panose="020B0604030504040204" pitchFamily="50" charset="-128"/>
+                <a:ea typeface="Meiryo UI" panose="020B0604030504040204" pitchFamily="50" charset="-128"/>
+                <a:cs typeface="Meiryo UI" panose="020B0604030504040204" pitchFamily="50" charset="-128"/>
+              </a:rPr>
+              <a:t>を利</a:t>
+            </a:r>
+            <a:r>
+              <a:rPr lang="ja-JP" altLang="en-US" sz="1100" b="1" dirty="0">
+                <a:solidFill>
+                  <a:srgbClr val="0070C0"/>
+                </a:solidFill>
+                <a:latin typeface="Meiryo UI" panose="020B0604030504040204" pitchFamily="50" charset="-128"/>
+                <a:ea typeface="Meiryo UI" panose="020B0604030504040204" pitchFamily="50" charset="-128"/>
+                <a:cs typeface="Meiryo UI" panose="020B0604030504040204" pitchFamily="50" charset="-128"/>
+              </a:rPr>
+              <a:t>活用した積極的な経営への「投資」と位置付ける</a:t>
+            </a:r>
+            <a:endParaRPr kumimoji="1" lang="ja-JP" altLang="en-US" sz="1100" b="1" dirty="0">
               <a:solidFill>
                 <a:srgbClr val="0070C0"/>
               </a:solidFill>
@@ -8071,23 +8252,233 @@
               <a:cs typeface="Meiryo UI" panose="020B0604030504040204" pitchFamily="50" charset="-128"/>
             </a:endParaRPr>
           </a:p>
+        </p:txBody>
+      </p:sp>
+      <p:sp>
+        <p:nvSpPr>
+          <p:cNvPr id="97" name="フローチャート : 磁気ディスク 53"/>
+          <p:cNvSpPr/>
+          <p:nvPr/>
+        </p:nvSpPr>
+        <p:spPr>
+          <a:xfrm>
+            <a:off x="8023817" y="4206792"/>
+            <a:ext cx="2063140" cy="1027077"/>
+          </a:xfrm>
+          <a:prstGeom prst="flowChartMagneticDisk">
+            <a:avLst/>
+          </a:prstGeom>
+          <a:solidFill>
+            <a:srgbClr val="00B050"/>
+          </a:solidFill>
+          <a:ln/>
+          <a:scene3d>
+            <a:camera prst="orthographicFront"/>
+            <a:lightRig rig="threePt" dir="t"/>
+          </a:scene3d>
+          <a:sp3d>
+            <a:bevelT w="165100" prst="coolSlant"/>
+          </a:sp3d>
+        </p:spPr>
+        <p:style>
+          <a:lnRef idx="0">
+            <a:schemeClr val="accent6"/>
+          </a:lnRef>
+          <a:fillRef idx="3">
+            <a:schemeClr val="accent6"/>
+          </a:fillRef>
+          <a:effectRef idx="3">
+            <a:schemeClr val="accent6"/>
+          </a:effectRef>
+          <a:fontRef idx="minor">
+            <a:schemeClr val="lt1"/>
+          </a:fontRef>
+        </p:style>
+        <p:txBody>
+          <a:bodyPr wrap="square" rtlCol="0" anchor="ctr">
+            <a:noAutofit/>
+          </a:bodyPr>
+          <a:lstStyle/>
           <a:p>
             <a:pPr algn="ctr"/>
             <a:r>
-              <a:rPr lang="ja-JP" altLang="en-US" sz="1200" dirty="0" smtClean="0">
+              <a:rPr lang="ja-JP" altLang="en-US" sz="1100" b="1" dirty="0">
                 <a:solidFill>
-                  <a:srgbClr val="0070C0"/>
+                  <a:schemeClr val="bg1"/>
                 </a:solidFill>
                 <a:latin typeface="Meiryo UI" panose="020B0604030504040204" pitchFamily="50" charset="-128"/>
                 <a:ea typeface="Meiryo UI" panose="020B0604030504040204" pitchFamily="50" charset="-128"/>
                 <a:cs typeface="Meiryo UI" panose="020B0604030504040204" pitchFamily="50" charset="-128"/>
               </a:rPr>
-              <a:t>・意識啓発活動・情報共有・相談体制・事案発生時の相互連携</a:t>
-            </a:r>
-            <a:endParaRPr kumimoji="1" lang="ja-JP" altLang="en-US" sz="1200" dirty="0">
+              <a:t>「サイバーセキュリティ対策の</a:t>
+            </a:r>
+            <a:br>
+              <a:rPr lang="en-US" altLang="ja-JP" sz="1100" b="1" dirty="0">
+                <a:solidFill>
+                  <a:schemeClr val="bg1"/>
+                </a:solidFill>
+                <a:latin typeface="Meiryo UI" panose="020B0604030504040204" pitchFamily="50" charset="-128"/>
+                <a:ea typeface="Meiryo UI" panose="020B0604030504040204" pitchFamily="50" charset="-128"/>
+                <a:cs typeface="Meiryo UI" panose="020B0604030504040204" pitchFamily="50" charset="-128"/>
+              </a:rPr>
+            </a:br>
+            <a:r>
+              <a:rPr lang="ja-JP" altLang="en-US" sz="1100" b="1" dirty="0">
+                <a:solidFill>
+                  <a:schemeClr val="bg1"/>
+                </a:solidFill>
+                <a:latin typeface="Meiryo UI" panose="020B0604030504040204" pitchFamily="50" charset="-128"/>
+                <a:ea typeface="Meiryo UI" panose="020B0604030504040204" pitchFamily="50" charset="-128"/>
+                <a:cs typeface="Meiryo UI" panose="020B0604030504040204" pitchFamily="50" charset="-128"/>
+              </a:rPr>
+              <a:t>極意ポータルサイト」</a:t>
+            </a:r>
+            <a:br>
+              <a:rPr lang="en-US" altLang="ja-JP" sz="1100" b="1" dirty="0">
+                <a:solidFill>
+                  <a:schemeClr val="bg1"/>
+                </a:solidFill>
+                <a:latin typeface="Meiryo UI" panose="020B0604030504040204" pitchFamily="50" charset="-128"/>
+                <a:ea typeface="Meiryo UI" panose="020B0604030504040204" pitchFamily="50" charset="-128"/>
+                <a:cs typeface="Meiryo UI" panose="020B0604030504040204" pitchFamily="50" charset="-128"/>
+              </a:rPr>
+            </a:br>
+            <a:r>
+              <a:rPr lang="en-US" altLang="ja-JP" sz="1100" b="1" dirty="0">
+                <a:solidFill>
+                  <a:schemeClr val="bg1"/>
+                </a:solidFill>
+                <a:latin typeface="Meiryo UI" panose="020B0604030504040204" pitchFamily="50" charset="-128"/>
+                <a:ea typeface="Meiryo UI" panose="020B0604030504040204" pitchFamily="50" charset="-128"/>
+                <a:cs typeface="Meiryo UI" panose="020B0604030504040204" pitchFamily="50" charset="-128"/>
+              </a:rPr>
+              <a:t>Twitter, RSS</a:t>
+            </a:r>
+            <a:r>
+              <a:rPr lang="ja-JP" altLang="en-US" sz="1100" b="1" dirty="0">
+                <a:solidFill>
+                  <a:schemeClr val="bg1"/>
+                </a:solidFill>
+                <a:latin typeface="Meiryo UI" panose="020B0604030504040204" pitchFamily="50" charset="-128"/>
+                <a:ea typeface="Meiryo UI" panose="020B0604030504040204" pitchFamily="50" charset="-128"/>
+                <a:cs typeface="Meiryo UI" panose="020B0604030504040204" pitchFamily="50" charset="-128"/>
+              </a:rPr>
+              <a:t>等</a:t>
+            </a:r>
+            <a:endParaRPr lang="en-US" altLang="ja-JP" sz="1100" b="1" dirty="0">
               <a:solidFill>
-                <a:srgbClr val="0070C0"/>
+                <a:schemeClr val="bg1"/>
               </a:solidFill>
+              <a:latin typeface="Meiryo UI" panose="020B0604030504040204" pitchFamily="50" charset="-128"/>
+              <a:ea typeface="Meiryo UI" panose="020B0604030504040204" pitchFamily="50" charset="-128"/>
+              <a:cs typeface="Meiryo UI" panose="020B0604030504040204" pitchFamily="50" charset="-128"/>
+            </a:endParaRPr>
+          </a:p>
+          <a:p>
+            <a:pPr algn="ctr"/>
+            <a:r>
+              <a:rPr lang="ja-JP" altLang="en-US" sz="1100" b="1" dirty="0">
+                <a:solidFill>
+                  <a:schemeClr val="bg1"/>
+                </a:solidFill>
+                <a:latin typeface="Meiryo UI" panose="020B0604030504040204" pitchFamily="50" charset="-128"/>
+                <a:ea typeface="Meiryo UI" panose="020B0604030504040204" pitchFamily="50" charset="-128"/>
+                <a:cs typeface="Meiryo UI" panose="020B0604030504040204" pitchFamily="50" charset="-128"/>
+              </a:rPr>
+              <a:t>（東京都・警視庁）</a:t>
+            </a:r>
+            <a:endParaRPr lang="en-US" altLang="ja-JP" sz="1100" b="1" dirty="0">
+              <a:solidFill>
+                <a:schemeClr val="bg1"/>
+              </a:solidFill>
+              <a:latin typeface="Meiryo UI" panose="020B0604030504040204" pitchFamily="50" charset="-128"/>
+              <a:ea typeface="Meiryo UI" panose="020B0604030504040204" pitchFamily="50" charset="-128"/>
+              <a:cs typeface="Meiryo UI" panose="020B0604030504040204" pitchFamily="50" charset="-128"/>
+            </a:endParaRPr>
+          </a:p>
+          <a:p>
+            <a:pPr algn="ctr"/>
+            <a:endParaRPr lang="en-US" altLang="ja-JP" sz="1100" b="1" dirty="0">
+              <a:solidFill>
+                <a:schemeClr val="tx1"/>
+              </a:solidFill>
+              <a:latin typeface="Meiryo UI" panose="020B0604030504040204" pitchFamily="50" charset="-128"/>
+              <a:ea typeface="Meiryo UI" panose="020B0604030504040204" pitchFamily="50" charset="-128"/>
+              <a:cs typeface="Meiryo UI" panose="020B0604030504040204" pitchFamily="50" charset="-128"/>
+            </a:endParaRPr>
+          </a:p>
+        </p:txBody>
+      </p:sp>
+      <p:sp>
+        <p:nvSpPr>
+          <p:cNvPr id="95" name="フローチャート : 磁気ディスク 53"/>
+          <p:cNvSpPr/>
+          <p:nvPr/>
+        </p:nvSpPr>
+        <p:spPr>
+          <a:xfrm>
+            <a:off x="9484351" y="3811055"/>
+            <a:ext cx="1151375" cy="513539"/>
+          </a:xfrm>
+          <a:prstGeom prst="flowChartMagneticDisk">
+            <a:avLst/>
+          </a:prstGeom>
+          <a:ln/>
+        </p:spPr>
+        <p:style>
+          <a:lnRef idx="1">
+            <a:schemeClr val="accent2"/>
+          </a:lnRef>
+          <a:fillRef idx="3">
+            <a:schemeClr val="accent2"/>
+          </a:fillRef>
+          <a:effectRef idx="2">
+            <a:schemeClr val="accent2"/>
+          </a:effectRef>
+          <a:fontRef idx="minor">
+            <a:schemeClr val="lt1"/>
+          </a:fontRef>
+        </p:style>
+        <p:txBody>
+          <a:bodyPr wrap="square" rtlCol="0" anchor="ctr">
+            <a:noAutofit/>
+          </a:bodyPr>
+          <a:lstStyle/>
+          <a:p>
+            <a:pPr algn="ctr">
+              <a:lnSpc>
+                <a:spcPts val="1700"/>
+              </a:lnSpc>
+            </a:pPr>
+            <a:r>
+              <a:rPr lang="ja-JP" altLang="en-US" sz="1100" dirty="0">
+                <a:latin typeface="Meiryo UI" panose="020B0604030504040204" pitchFamily="50" charset="-128"/>
+                <a:ea typeface="Meiryo UI" panose="020B0604030504040204" pitchFamily="50" charset="-128"/>
+                <a:cs typeface="Meiryo UI" panose="020B0604030504040204" pitchFamily="50" charset="-128"/>
+              </a:rPr>
+              <a:t>プレゼン用資料</a:t>
+            </a:r>
+            <a:endParaRPr lang="en-US" altLang="ja-JP" sz="1100" dirty="0">
+              <a:latin typeface="Meiryo UI" panose="020B0604030504040204" pitchFamily="50" charset="-128"/>
+              <a:ea typeface="Meiryo UI" panose="020B0604030504040204" pitchFamily="50" charset="-128"/>
+              <a:cs typeface="Meiryo UI" panose="020B0604030504040204" pitchFamily="50" charset="-128"/>
+            </a:endParaRPr>
+          </a:p>
+          <a:p>
+            <a:pPr algn="ctr">
+              <a:lnSpc>
+                <a:spcPts val="1700"/>
+              </a:lnSpc>
+            </a:pPr>
+            <a:r>
+              <a:rPr lang="ja-JP" altLang="en-US" sz="1100" dirty="0">
+                <a:latin typeface="Meiryo UI" panose="020B0604030504040204" pitchFamily="50" charset="-128"/>
+                <a:ea typeface="Meiryo UI" panose="020B0604030504040204" pitchFamily="50" charset="-128"/>
+                <a:cs typeface="Meiryo UI" panose="020B0604030504040204" pitchFamily="50" charset="-128"/>
+              </a:rPr>
+              <a:t>詳細説明資料</a:t>
+            </a:r>
+            <a:endParaRPr lang="en-US" altLang="ja-JP" sz="1100" dirty="0">
               <a:latin typeface="Meiryo UI" panose="020B0604030504040204" pitchFamily="50" charset="-128"/>
               <a:ea typeface="Meiryo UI" panose="020B0604030504040204" pitchFamily="50" charset="-128"/>
               <a:cs typeface="Meiryo UI" panose="020B0604030504040204" pitchFamily="50" charset="-128"/>
@@ -8132,14 +8523,14 @@
           <a:p>
             <a:pPr algn="ctr"/>
             <a:r>
-              <a:rPr kumimoji="1" lang="ja-JP" altLang="en-US" sz="1200" dirty="0" smtClean="0">
+              <a:rPr kumimoji="1" lang="ja-JP" altLang="en-US" sz="1200" dirty="0">
                 <a:latin typeface="Meiryo UI" panose="020B0604030504040204" pitchFamily="50" charset="-128"/>
                 <a:ea typeface="Meiryo UI" panose="020B0604030504040204" pitchFamily="50" charset="-128"/>
                 <a:cs typeface="Meiryo UI" panose="020B0604030504040204" pitchFamily="50" charset="-128"/>
               </a:rPr>
               <a:t>国としてのガイドライン等</a:t>
             </a:r>
-            <a:endParaRPr kumimoji="1" lang="en-US" altLang="ja-JP" sz="1200" dirty="0" smtClean="0">
+            <a:endParaRPr kumimoji="1" lang="en-US" altLang="ja-JP" sz="1200" dirty="0">
               <a:latin typeface="Meiryo UI" panose="020B0604030504040204" pitchFamily="50" charset="-128"/>
               <a:ea typeface="Meiryo UI" panose="020B0604030504040204" pitchFamily="50" charset="-128"/>
               <a:cs typeface="Meiryo UI" panose="020B0604030504040204" pitchFamily="50" charset="-128"/>
@@ -8149,168 +8540,21 @@
       </p:sp>
       <p:sp>
         <p:nvSpPr>
-          <p:cNvPr id="69" name="AutoShape 8"/>
-          <p:cNvSpPr>
-            <a:spLocks noChangeArrowheads="1"/>
-          </p:cNvSpPr>
+          <p:cNvPr id="132" name="左右矢印 131"/>
+          <p:cNvSpPr/>
           <p:nvPr/>
         </p:nvSpPr>
-        <p:spPr bwMode="auto">
-          <a:xfrm>
-            <a:off x="8494964" y="3386619"/>
-            <a:ext cx="1638551" cy="667972"/>
-          </a:xfrm>
-          <a:prstGeom prst="roundRect">
+        <p:spPr>
+          <a:xfrm>
+            <a:off x="1114804" y="3685011"/>
+            <a:ext cx="938060" cy="878347"/>
+          </a:xfrm>
+          <a:prstGeom prst="leftRightArrow">
             <a:avLst>
-              <a:gd name="adj" fmla="val 19184"/>
+              <a:gd name="adj1" fmla="val 50000"/>
+              <a:gd name="adj2" fmla="val 33209"/>
             </a:avLst>
           </a:prstGeom>
-          <a:ln>
-            <a:headEnd/>
-            <a:tailEnd/>
-          </a:ln>
-        </p:spPr>
-        <p:style>
-          <a:lnRef idx="2">
-            <a:schemeClr val="accent5"/>
-          </a:lnRef>
-          <a:fillRef idx="1">
-            <a:schemeClr val="lt1"/>
-          </a:fillRef>
-          <a:effectRef idx="0">
-            <a:schemeClr val="accent5"/>
-          </a:effectRef>
-          <a:fontRef idx="minor">
-            <a:schemeClr val="dk1"/>
-          </a:fontRef>
-        </p:style>
-        <p:txBody>
-          <a:bodyPr wrap="square" anchor="t" anchorCtr="0">
-            <a:noAutofit/>
-          </a:bodyPr>
-          <a:lstStyle/>
-          <a:p>
-            <a:r>
-              <a:rPr lang="ja-JP" altLang="en-US" sz="1200" b="1" dirty="0" smtClean="0">
-                <a:solidFill>
-                  <a:srgbClr val="0070C0"/>
-                </a:solidFill>
-                <a:latin typeface="Meiryo UI" panose="020B0604030504040204" pitchFamily="50" charset="-128"/>
-                <a:ea typeface="Meiryo UI" panose="020B0604030504040204" pitchFamily="50" charset="-128"/>
-                <a:cs typeface="Meiryo UI" panose="020B0604030504040204" pitchFamily="50" charset="-128"/>
-              </a:rPr>
-              <a:t>都支援事業等での出張相談・個別助言</a:t>
-            </a:r>
-            <a:endParaRPr lang="en-US" altLang="ja-JP" sz="1200" b="1" dirty="0" smtClean="0">
-              <a:solidFill>
-                <a:srgbClr val="0070C0"/>
-              </a:solidFill>
-              <a:latin typeface="Meiryo UI" panose="020B0604030504040204" pitchFamily="50" charset="-128"/>
-              <a:ea typeface="Meiryo UI" panose="020B0604030504040204" pitchFamily="50" charset="-128"/>
-              <a:cs typeface="Meiryo UI" panose="020B0604030504040204" pitchFamily="50" charset="-128"/>
-            </a:endParaRPr>
-          </a:p>
-          <a:p>
-            <a:r>
-              <a:rPr lang="ja-JP" altLang="en-US" sz="1200" b="1" dirty="0" smtClean="0">
-                <a:solidFill>
-                  <a:srgbClr val="0070C0"/>
-                </a:solidFill>
-                <a:latin typeface="Meiryo UI" panose="020B0604030504040204" pitchFamily="50" charset="-128"/>
-                <a:ea typeface="Meiryo UI" panose="020B0604030504040204" pitchFamily="50" charset="-128"/>
-                <a:cs typeface="Meiryo UI" panose="020B0604030504040204" pitchFamily="50" charset="-128"/>
-              </a:rPr>
-              <a:t>（東京都）</a:t>
-            </a:r>
-            <a:endParaRPr lang="ja-JP" altLang="ja-JP" sz="1200" b="1" dirty="0">
-              <a:solidFill>
-                <a:srgbClr val="0070C0"/>
-              </a:solidFill>
-              <a:latin typeface="Meiryo UI" panose="020B0604030504040204" pitchFamily="50" charset="-128"/>
-              <a:ea typeface="Meiryo UI" panose="020B0604030504040204" pitchFamily="50" charset="-128"/>
-              <a:cs typeface="Meiryo UI" panose="020B0604030504040204" pitchFamily="50" charset="-128"/>
-            </a:endParaRPr>
-          </a:p>
-        </p:txBody>
-      </p:sp>
-      <p:sp>
-        <p:nvSpPr>
-          <p:cNvPr id="90" name="四角形吹き出し 89"/>
-          <p:cNvSpPr/>
-          <p:nvPr/>
-        </p:nvSpPr>
-        <p:spPr>
-          <a:xfrm>
-            <a:off x="7606674" y="2861850"/>
-            <a:ext cx="1557003" cy="439643"/>
-          </a:xfrm>
-          <a:prstGeom prst="wedgeRectCallout">
-            <a:avLst>
-              <a:gd name="adj1" fmla="val -428"/>
-              <a:gd name="adj2" fmla="val 144031"/>
-            </a:avLst>
-          </a:prstGeom>
-        </p:spPr>
-        <p:style>
-          <a:lnRef idx="0">
-            <a:schemeClr val="accent4"/>
-          </a:lnRef>
-          <a:fillRef idx="3">
-            <a:schemeClr val="accent4"/>
-          </a:fillRef>
-          <a:effectRef idx="3">
-            <a:schemeClr val="accent4"/>
-          </a:effectRef>
-          <a:fontRef idx="minor">
-            <a:schemeClr val="lt1"/>
-          </a:fontRef>
-        </p:style>
-        <p:txBody>
-          <a:bodyPr rtlCol="0" anchor="ctr"/>
-          <a:lstStyle/>
-          <a:p>
-            <a:pPr algn="ctr"/>
-            <a:r>
-              <a:rPr kumimoji="1" lang="ja-JP" altLang="en-US" sz="1100" dirty="0" smtClean="0">
-                <a:solidFill>
-                  <a:schemeClr val="tx1"/>
-                </a:solidFill>
-                <a:latin typeface="Meiryo UI" panose="020B0604030504040204" pitchFamily="50" charset="-128"/>
-                <a:ea typeface="Meiryo UI" panose="020B0604030504040204" pitchFamily="50" charset="-128"/>
-                <a:cs typeface="Meiryo UI" panose="020B0604030504040204" pitchFamily="50" charset="-128"/>
-              </a:rPr>
-              <a:t>ガイドブック以上の詳細な解説・助言</a:t>
-            </a:r>
-            <a:endParaRPr kumimoji="1" lang="ja-JP" altLang="en-US" sz="1100" dirty="0">
-              <a:solidFill>
-                <a:schemeClr val="tx1"/>
-              </a:solidFill>
-              <a:latin typeface="Meiryo UI" panose="020B0604030504040204" pitchFamily="50" charset="-128"/>
-              <a:ea typeface="Meiryo UI" panose="020B0604030504040204" pitchFamily="50" charset="-128"/>
-              <a:cs typeface="Meiryo UI" panose="020B0604030504040204" pitchFamily="50" charset="-128"/>
-            </a:endParaRPr>
-          </a:p>
-        </p:txBody>
-      </p:sp>
-      <p:sp>
-        <p:nvSpPr>
-          <p:cNvPr id="96" name="フレーム 95"/>
-          <p:cNvSpPr/>
-          <p:nvPr/>
-        </p:nvSpPr>
-        <p:spPr>
-          <a:xfrm>
-            <a:off x="101133" y="3075558"/>
-            <a:ext cx="1398384" cy="1920634"/>
-          </a:xfrm>
-          <a:prstGeom prst="frame">
-            <a:avLst/>
-          </a:prstGeom>
-          <a:solidFill>
-            <a:schemeClr val="accent4">
-              <a:lumMod val="50000"/>
-            </a:schemeClr>
-          </a:solidFill>
         </p:spPr>
         <p:style>
           <a:lnRef idx="2">
@@ -8332,549 +8576,15 @@
           <a:bodyPr rtlCol="0" anchor="ctr"/>
           <a:lstStyle/>
           <a:p>
-            <a:r>
-              <a:rPr lang="ja-JP" altLang="en-US" sz="1200" dirty="0">
-                <a:solidFill>
-                  <a:schemeClr val="tx1"/>
-                </a:solidFill>
-                <a:latin typeface="Meiryo UI" panose="020B0604030504040204" pitchFamily="50" charset="-128"/>
-                <a:ea typeface="Meiryo UI" panose="020B0604030504040204" pitchFamily="50" charset="-128"/>
-                <a:cs typeface="Meiryo UI" panose="020B0604030504040204" pitchFamily="50" charset="-128"/>
-              </a:rPr>
-              <a:t>国等の機関からの情報発信</a:t>
-            </a:r>
-            <a:endParaRPr lang="en-US" altLang="ja-JP" sz="1200" dirty="0">
-              <a:solidFill>
-                <a:schemeClr val="tx1"/>
-              </a:solidFill>
-              <a:latin typeface="Meiryo UI" panose="020B0604030504040204" pitchFamily="50" charset="-128"/>
-              <a:ea typeface="Meiryo UI" panose="020B0604030504040204" pitchFamily="50" charset="-128"/>
-              <a:cs typeface="Meiryo UI" panose="020B0604030504040204" pitchFamily="50" charset="-128"/>
-            </a:endParaRPr>
-          </a:p>
-          <a:p>
-            <a:r>
-              <a:rPr lang="en-US" altLang="ja-JP" sz="1200" dirty="0">
-                <a:solidFill>
-                  <a:schemeClr val="tx1"/>
-                </a:solidFill>
-                <a:latin typeface="Meiryo UI" panose="020B0604030504040204" pitchFamily="50" charset="-128"/>
-                <a:ea typeface="Meiryo UI" panose="020B0604030504040204" pitchFamily="50" charset="-128"/>
-                <a:cs typeface="Meiryo UI" panose="020B0604030504040204" pitchFamily="50" charset="-128"/>
-              </a:rPr>
-              <a:t>NISC</a:t>
-            </a:r>
-          </a:p>
-          <a:p>
-            <a:r>
-              <a:rPr lang="ja-JP" altLang="en-US" sz="1200" dirty="0">
-                <a:solidFill>
-                  <a:schemeClr val="tx1"/>
-                </a:solidFill>
-                <a:latin typeface="Meiryo UI" panose="020B0604030504040204" pitchFamily="50" charset="-128"/>
-                <a:ea typeface="Meiryo UI" panose="020B0604030504040204" pitchFamily="50" charset="-128"/>
-                <a:cs typeface="Meiryo UI" panose="020B0604030504040204" pitchFamily="50" charset="-128"/>
-              </a:rPr>
-              <a:t>総務省</a:t>
-            </a:r>
-            <a:endParaRPr lang="en-US" altLang="ja-JP" sz="1200" dirty="0">
-              <a:solidFill>
-                <a:schemeClr val="tx1"/>
-              </a:solidFill>
-              <a:latin typeface="Meiryo UI" panose="020B0604030504040204" pitchFamily="50" charset="-128"/>
-              <a:ea typeface="Meiryo UI" panose="020B0604030504040204" pitchFamily="50" charset="-128"/>
-              <a:cs typeface="Meiryo UI" panose="020B0604030504040204" pitchFamily="50" charset="-128"/>
-            </a:endParaRPr>
-          </a:p>
-          <a:p>
-            <a:r>
-              <a:rPr lang="ja-JP" altLang="en-US" sz="1200" dirty="0">
-                <a:solidFill>
-                  <a:schemeClr val="tx1"/>
-                </a:solidFill>
-                <a:latin typeface="Meiryo UI" panose="020B0604030504040204" pitchFamily="50" charset="-128"/>
-                <a:ea typeface="Meiryo UI" panose="020B0604030504040204" pitchFamily="50" charset="-128"/>
-                <a:cs typeface="Meiryo UI" panose="020B0604030504040204" pitchFamily="50" charset="-128"/>
-              </a:rPr>
-              <a:t>　</a:t>
-            </a:r>
-            <a:r>
-              <a:rPr lang="en-US" altLang="ja-JP" sz="1200" dirty="0">
-                <a:solidFill>
-                  <a:schemeClr val="tx1"/>
-                </a:solidFill>
-                <a:latin typeface="Meiryo UI" panose="020B0604030504040204" pitchFamily="50" charset="-128"/>
-                <a:ea typeface="Meiryo UI" panose="020B0604030504040204" pitchFamily="50" charset="-128"/>
-                <a:cs typeface="Meiryo UI" panose="020B0604030504040204" pitchFamily="50" charset="-128"/>
-              </a:rPr>
-              <a:t>NICT</a:t>
-            </a:r>
-          </a:p>
-          <a:p>
-            <a:r>
-              <a:rPr lang="ja-JP" altLang="en-US" sz="1200" dirty="0">
-                <a:solidFill>
-                  <a:schemeClr val="tx1"/>
-                </a:solidFill>
-                <a:latin typeface="Meiryo UI" panose="020B0604030504040204" pitchFamily="50" charset="-128"/>
-                <a:ea typeface="Meiryo UI" panose="020B0604030504040204" pitchFamily="50" charset="-128"/>
-                <a:cs typeface="Meiryo UI" panose="020B0604030504040204" pitchFamily="50" charset="-128"/>
-              </a:rPr>
-              <a:t>経済産業省</a:t>
-            </a:r>
-            <a:endParaRPr lang="en-US" altLang="ja-JP" sz="1200" dirty="0">
-              <a:solidFill>
-                <a:schemeClr val="tx1"/>
-              </a:solidFill>
-              <a:latin typeface="Meiryo UI" panose="020B0604030504040204" pitchFamily="50" charset="-128"/>
-              <a:ea typeface="Meiryo UI" panose="020B0604030504040204" pitchFamily="50" charset="-128"/>
-              <a:cs typeface="Meiryo UI" panose="020B0604030504040204" pitchFamily="50" charset="-128"/>
-            </a:endParaRPr>
-          </a:p>
-          <a:p>
-            <a:r>
-              <a:rPr lang="ja-JP" altLang="en-US" sz="1200" dirty="0">
-                <a:solidFill>
-                  <a:schemeClr val="tx1"/>
-                </a:solidFill>
-                <a:latin typeface="Meiryo UI" panose="020B0604030504040204" pitchFamily="50" charset="-128"/>
-                <a:ea typeface="Meiryo UI" panose="020B0604030504040204" pitchFamily="50" charset="-128"/>
-                <a:cs typeface="Meiryo UI" panose="020B0604030504040204" pitchFamily="50" charset="-128"/>
-              </a:rPr>
-              <a:t>　</a:t>
-            </a:r>
-            <a:r>
-              <a:rPr lang="en-US" altLang="ja-JP" sz="1200" dirty="0">
-                <a:solidFill>
-                  <a:schemeClr val="tx1"/>
-                </a:solidFill>
-                <a:latin typeface="Meiryo UI" panose="020B0604030504040204" pitchFamily="50" charset="-128"/>
-                <a:ea typeface="Meiryo UI" panose="020B0604030504040204" pitchFamily="50" charset="-128"/>
-                <a:cs typeface="Meiryo UI" panose="020B0604030504040204" pitchFamily="50" charset="-128"/>
-              </a:rPr>
-              <a:t>IPA</a:t>
-            </a:r>
-          </a:p>
-          <a:p>
-            <a:r>
-              <a:rPr lang="ja-JP" altLang="en-US" sz="1200" dirty="0">
-                <a:solidFill>
-                  <a:schemeClr val="tx1"/>
-                </a:solidFill>
-                <a:latin typeface="Meiryo UI" panose="020B0604030504040204" pitchFamily="50" charset="-128"/>
-                <a:ea typeface="Meiryo UI" panose="020B0604030504040204" pitchFamily="50" charset="-128"/>
-                <a:cs typeface="Meiryo UI" panose="020B0604030504040204" pitchFamily="50" charset="-128"/>
-              </a:rPr>
-              <a:t>警察庁</a:t>
-            </a:r>
-            <a:endParaRPr lang="en-US" altLang="ja-JP" sz="1200" dirty="0">
-              <a:solidFill>
-                <a:schemeClr val="tx1"/>
-              </a:solidFill>
-              <a:latin typeface="Meiryo UI" panose="020B0604030504040204" pitchFamily="50" charset="-128"/>
-              <a:ea typeface="Meiryo UI" panose="020B0604030504040204" pitchFamily="50" charset="-128"/>
-              <a:cs typeface="Meiryo UI" panose="020B0604030504040204" pitchFamily="50" charset="-128"/>
-            </a:endParaRPr>
-          </a:p>
-        </p:txBody>
-      </p:sp>
-      <p:sp>
-        <p:nvSpPr>
-          <p:cNvPr id="66" name="横巻き 65"/>
-          <p:cNvSpPr/>
-          <p:nvPr/>
-        </p:nvSpPr>
-        <p:spPr>
-          <a:xfrm>
-            <a:off x="101133" y="4750277"/>
-            <a:ext cx="1512984" cy="2107723"/>
-          </a:xfrm>
-          <a:prstGeom prst="horizontalScroll">
-            <a:avLst/>
-          </a:prstGeom>
-        </p:spPr>
-        <p:style>
-          <a:lnRef idx="1">
-            <a:schemeClr val="dk1"/>
-          </a:lnRef>
-          <a:fillRef idx="2">
-            <a:schemeClr val="dk1"/>
-          </a:fillRef>
-          <a:effectRef idx="1">
-            <a:schemeClr val="dk1"/>
-          </a:effectRef>
-          <a:fontRef idx="minor">
-            <a:schemeClr val="dk1"/>
-          </a:fontRef>
-        </p:style>
-        <p:txBody>
-          <a:bodyPr rtlCol="0" anchor="ctr"/>
-          <a:lstStyle/>
-          <a:p>
             <a:pPr algn="ctr"/>
             <a:r>
-              <a:rPr kumimoji="1" lang="ja-JP" altLang="en-US" sz="1100" dirty="0" smtClean="0">
-                <a:latin typeface="Meiryo UI" panose="020B0604030504040204" pitchFamily="50" charset="-128"/>
-                <a:ea typeface="Meiryo UI" panose="020B0604030504040204" pitchFamily="50" charset="-128"/>
-                <a:cs typeface="Meiryo UI" panose="020B0604030504040204" pitchFamily="50" charset="-128"/>
-              </a:rPr>
-              <a:t>企業経営のためのサイバーセキュリティの考え方</a:t>
-            </a:r>
-            <a:endParaRPr kumimoji="1" lang="en-US" altLang="ja-JP" sz="1100" dirty="0" smtClean="0">
-              <a:latin typeface="Meiryo UI" panose="020B0604030504040204" pitchFamily="50" charset="-128"/>
-              <a:ea typeface="Meiryo UI" panose="020B0604030504040204" pitchFamily="50" charset="-128"/>
-              <a:cs typeface="Meiryo UI" panose="020B0604030504040204" pitchFamily="50" charset="-128"/>
-            </a:endParaRPr>
-          </a:p>
-          <a:p>
-            <a:pPr algn="ctr"/>
-            <a:r>
-              <a:rPr lang="ja-JP" altLang="en-US" sz="1100" dirty="0" smtClean="0">
-                <a:solidFill>
-                  <a:srgbClr val="0070C0"/>
-                </a:solidFill>
-                <a:latin typeface="Meiryo UI" panose="020B0604030504040204" pitchFamily="50" charset="-128"/>
-                <a:ea typeface="Meiryo UI" panose="020B0604030504040204" pitchFamily="50" charset="-128"/>
-                <a:cs typeface="Meiryo UI" panose="020B0604030504040204" pitchFamily="50" charset="-128"/>
-              </a:rPr>
-              <a:t>・</a:t>
-            </a:r>
-            <a:r>
-              <a:rPr lang="ja-JP" altLang="en-US" sz="1100" b="1" dirty="0" smtClean="0">
-                <a:solidFill>
-                  <a:srgbClr val="0070C0"/>
-                </a:solidFill>
-                <a:latin typeface="Meiryo UI" panose="020B0604030504040204" pitchFamily="50" charset="-128"/>
-                <a:ea typeface="Meiryo UI" panose="020B0604030504040204" pitchFamily="50" charset="-128"/>
-                <a:cs typeface="Meiryo UI" panose="020B0604030504040204" pitchFamily="50" charset="-128"/>
-              </a:rPr>
-              <a:t>サイバーセキュリティはやむを得ない「費用」でなく、</a:t>
-            </a:r>
-            <a:r>
-              <a:rPr lang="en-US" altLang="ja-JP" sz="1100" b="1" dirty="0" smtClean="0">
-                <a:solidFill>
-                  <a:srgbClr val="0070C0"/>
-                </a:solidFill>
-                <a:latin typeface="Meiryo UI" panose="020B0604030504040204" pitchFamily="50" charset="-128"/>
-                <a:ea typeface="Meiryo UI" panose="020B0604030504040204" pitchFamily="50" charset="-128"/>
-                <a:cs typeface="Meiryo UI" panose="020B0604030504040204" pitchFamily="50" charset="-128"/>
-              </a:rPr>
-              <a:t>IT</a:t>
-            </a:r>
-            <a:r>
-              <a:rPr lang="ja-JP" altLang="en-US" sz="1100" b="1" dirty="0" err="1" smtClean="0">
-                <a:solidFill>
-                  <a:srgbClr val="0070C0"/>
-                </a:solidFill>
-                <a:latin typeface="Meiryo UI" panose="020B0604030504040204" pitchFamily="50" charset="-128"/>
-                <a:ea typeface="Meiryo UI" panose="020B0604030504040204" pitchFamily="50" charset="-128"/>
-                <a:cs typeface="Meiryo UI" panose="020B0604030504040204" pitchFamily="50" charset="-128"/>
-              </a:rPr>
-              <a:t>を利</a:t>
-            </a:r>
-            <a:r>
-              <a:rPr lang="ja-JP" altLang="en-US" sz="1100" b="1" dirty="0" smtClean="0">
-                <a:solidFill>
-                  <a:srgbClr val="0070C0"/>
-                </a:solidFill>
-                <a:latin typeface="Meiryo UI" panose="020B0604030504040204" pitchFamily="50" charset="-128"/>
-                <a:ea typeface="Meiryo UI" panose="020B0604030504040204" pitchFamily="50" charset="-128"/>
-                <a:cs typeface="Meiryo UI" panose="020B0604030504040204" pitchFamily="50" charset="-128"/>
-              </a:rPr>
-              <a:t>活用した積極的な経営への「投資」と位置付ける</a:t>
-            </a:r>
-            <a:endParaRPr kumimoji="1" lang="ja-JP" altLang="en-US" sz="1100" b="1" dirty="0">
-              <a:solidFill>
-                <a:srgbClr val="0070C0"/>
-              </a:solidFill>
-              <a:latin typeface="Meiryo UI" panose="020B0604030504040204" pitchFamily="50" charset="-128"/>
-              <a:ea typeface="Meiryo UI" panose="020B0604030504040204" pitchFamily="50" charset="-128"/>
-              <a:cs typeface="Meiryo UI" panose="020B0604030504040204" pitchFamily="50" charset="-128"/>
-            </a:endParaRPr>
-          </a:p>
-        </p:txBody>
-      </p:sp>
-      <p:sp>
-        <p:nvSpPr>
-          <p:cNvPr id="97" name="フローチャート : 磁気ディスク 53"/>
-          <p:cNvSpPr/>
-          <p:nvPr/>
-        </p:nvSpPr>
-        <p:spPr>
-          <a:xfrm>
-            <a:off x="8023817" y="4206792"/>
-            <a:ext cx="2063140" cy="1027077"/>
-          </a:xfrm>
-          <a:prstGeom prst="flowChartMagneticDisk">
-            <a:avLst/>
-          </a:prstGeom>
-          <a:solidFill>
-            <a:srgbClr val="00B050"/>
-          </a:solidFill>
-          <a:ln/>
-          <a:scene3d>
-            <a:camera prst="orthographicFront"/>
-            <a:lightRig rig="threePt" dir="t"/>
-          </a:scene3d>
-          <a:sp3d>
-            <a:bevelT w="165100" prst="coolSlant"/>
-          </a:sp3d>
-        </p:spPr>
-        <p:style>
-          <a:lnRef idx="0">
-            <a:schemeClr val="accent6"/>
-          </a:lnRef>
-          <a:fillRef idx="3">
-            <a:schemeClr val="accent6"/>
-          </a:fillRef>
-          <a:effectRef idx="3">
-            <a:schemeClr val="accent6"/>
-          </a:effectRef>
-          <a:fontRef idx="minor">
-            <a:schemeClr val="lt1"/>
-          </a:fontRef>
-        </p:style>
-        <p:txBody>
-          <a:bodyPr wrap="square" rtlCol="0" anchor="ctr">
-            <a:noAutofit/>
-          </a:bodyPr>
-          <a:lstStyle/>
-          <a:p>
-            <a:pPr algn="ctr"/>
-            <a:r>
-              <a:rPr lang="ja-JP" altLang="en-US" sz="1100" b="1" dirty="0">
-                <a:solidFill>
-                  <a:schemeClr val="bg1"/>
-                </a:solidFill>
-                <a:latin typeface="Meiryo UI" panose="020B0604030504040204" pitchFamily="50" charset="-128"/>
-                <a:ea typeface="Meiryo UI" panose="020B0604030504040204" pitchFamily="50" charset="-128"/>
-                <a:cs typeface="Meiryo UI" panose="020B0604030504040204" pitchFamily="50" charset="-128"/>
-              </a:rPr>
-              <a:t>「サイバーセキュリティ対策</a:t>
-            </a:r>
-            <a:r>
-              <a:rPr lang="ja-JP" altLang="en-US" sz="1100" b="1" dirty="0" smtClean="0">
-                <a:solidFill>
-                  <a:schemeClr val="bg1"/>
-                </a:solidFill>
-                <a:latin typeface="Meiryo UI" panose="020B0604030504040204" pitchFamily="50" charset="-128"/>
-                <a:ea typeface="Meiryo UI" panose="020B0604030504040204" pitchFamily="50" charset="-128"/>
-                <a:cs typeface="Meiryo UI" panose="020B0604030504040204" pitchFamily="50" charset="-128"/>
-              </a:rPr>
-              <a:t>の</a:t>
-            </a:r>
-            <a:r>
-              <a:rPr lang="en-US" altLang="ja-JP" sz="1100" b="1" dirty="0" smtClean="0">
-                <a:solidFill>
-                  <a:schemeClr val="bg1"/>
-                </a:solidFill>
-                <a:latin typeface="Meiryo UI" panose="020B0604030504040204" pitchFamily="50" charset="-128"/>
-                <a:ea typeface="Meiryo UI" panose="020B0604030504040204" pitchFamily="50" charset="-128"/>
-                <a:cs typeface="Meiryo UI" panose="020B0604030504040204" pitchFamily="50" charset="-128"/>
-              </a:rPr>
-              <a:t/>
-            </a:r>
-            <a:br>
-              <a:rPr lang="en-US" altLang="ja-JP" sz="1100" b="1" dirty="0" smtClean="0">
-                <a:solidFill>
-                  <a:schemeClr val="bg1"/>
-                </a:solidFill>
-                <a:latin typeface="Meiryo UI" panose="020B0604030504040204" pitchFamily="50" charset="-128"/>
-                <a:ea typeface="Meiryo UI" panose="020B0604030504040204" pitchFamily="50" charset="-128"/>
-                <a:cs typeface="Meiryo UI" panose="020B0604030504040204" pitchFamily="50" charset="-128"/>
-              </a:rPr>
-            </a:br>
-            <a:r>
-              <a:rPr lang="ja-JP" altLang="en-US" sz="1100" b="1" dirty="0" smtClean="0">
-                <a:solidFill>
-                  <a:schemeClr val="bg1"/>
-                </a:solidFill>
-                <a:latin typeface="Meiryo UI" panose="020B0604030504040204" pitchFamily="50" charset="-128"/>
-                <a:ea typeface="Meiryo UI" panose="020B0604030504040204" pitchFamily="50" charset="-128"/>
-                <a:cs typeface="Meiryo UI" panose="020B0604030504040204" pitchFamily="50" charset="-128"/>
-              </a:rPr>
-              <a:t>極意</a:t>
-            </a:r>
-            <a:r>
-              <a:rPr lang="ja-JP" altLang="en-US" sz="1100" b="1" dirty="0">
-                <a:solidFill>
-                  <a:schemeClr val="bg1"/>
-                </a:solidFill>
-                <a:latin typeface="Meiryo UI" panose="020B0604030504040204" pitchFamily="50" charset="-128"/>
-                <a:ea typeface="Meiryo UI" panose="020B0604030504040204" pitchFamily="50" charset="-128"/>
-                <a:cs typeface="Meiryo UI" panose="020B0604030504040204" pitchFamily="50" charset="-128"/>
-              </a:rPr>
-              <a:t>ポータルサイト」</a:t>
-            </a:r>
-            <a:r>
-              <a:rPr lang="en-US" altLang="ja-JP" sz="1100" b="1" dirty="0">
-                <a:solidFill>
-                  <a:schemeClr val="bg1"/>
-                </a:solidFill>
-                <a:latin typeface="Meiryo UI" panose="020B0604030504040204" pitchFamily="50" charset="-128"/>
-                <a:ea typeface="Meiryo UI" panose="020B0604030504040204" pitchFamily="50" charset="-128"/>
-                <a:cs typeface="Meiryo UI" panose="020B0604030504040204" pitchFamily="50" charset="-128"/>
-              </a:rPr>
-              <a:t/>
-            </a:r>
-            <a:br>
-              <a:rPr lang="en-US" altLang="ja-JP" sz="1100" b="1" dirty="0">
-                <a:solidFill>
-                  <a:schemeClr val="bg1"/>
-                </a:solidFill>
-                <a:latin typeface="Meiryo UI" panose="020B0604030504040204" pitchFamily="50" charset="-128"/>
-                <a:ea typeface="Meiryo UI" panose="020B0604030504040204" pitchFamily="50" charset="-128"/>
-                <a:cs typeface="Meiryo UI" panose="020B0604030504040204" pitchFamily="50" charset="-128"/>
-              </a:rPr>
-            </a:br>
-            <a:r>
-              <a:rPr lang="en-US" altLang="ja-JP" sz="1100" b="1" dirty="0">
-                <a:solidFill>
-                  <a:schemeClr val="bg1"/>
-                </a:solidFill>
-                <a:latin typeface="Meiryo UI" panose="020B0604030504040204" pitchFamily="50" charset="-128"/>
-                <a:ea typeface="Meiryo UI" panose="020B0604030504040204" pitchFamily="50" charset="-128"/>
-                <a:cs typeface="Meiryo UI" panose="020B0604030504040204" pitchFamily="50" charset="-128"/>
-              </a:rPr>
-              <a:t>Twitter, RSS</a:t>
-            </a:r>
-            <a:r>
-              <a:rPr lang="ja-JP" altLang="en-US" sz="1100" b="1" dirty="0">
-                <a:solidFill>
-                  <a:schemeClr val="bg1"/>
-                </a:solidFill>
-                <a:latin typeface="Meiryo UI" panose="020B0604030504040204" pitchFamily="50" charset="-128"/>
-                <a:ea typeface="Meiryo UI" panose="020B0604030504040204" pitchFamily="50" charset="-128"/>
-                <a:cs typeface="Meiryo UI" panose="020B0604030504040204" pitchFamily="50" charset="-128"/>
-              </a:rPr>
-              <a:t>等</a:t>
-            </a:r>
-            <a:endParaRPr lang="en-US" altLang="ja-JP" sz="1100" b="1" dirty="0">
-              <a:solidFill>
-                <a:schemeClr val="bg1"/>
-              </a:solidFill>
-              <a:latin typeface="Meiryo UI" panose="020B0604030504040204" pitchFamily="50" charset="-128"/>
-              <a:ea typeface="Meiryo UI" panose="020B0604030504040204" pitchFamily="50" charset="-128"/>
-              <a:cs typeface="Meiryo UI" panose="020B0604030504040204" pitchFamily="50" charset="-128"/>
-            </a:endParaRPr>
-          </a:p>
-          <a:p>
-            <a:pPr algn="ctr"/>
-            <a:r>
-              <a:rPr lang="ja-JP" altLang="en-US" sz="1100" b="1" dirty="0">
-                <a:solidFill>
-                  <a:schemeClr val="bg1"/>
-                </a:solidFill>
-                <a:latin typeface="Meiryo UI" panose="020B0604030504040204" pitchFamily="50" charset="-128"/>
-                <a:ea typeface="Meiryo UI" panose="020B0604030504040204" pitchFamily="50" charset="-128"/>
-                <a:cs typeface="Meiryo UI" panose="020B0604030504040204" pitchFamily="50" charset="-128"/>
-              </a:rPr>
-              <a:t>（東京都・警視庁）</a:t>
-            </a:r>
-            <a:endParaRPr lang="en-US" altLang="ja-JP" sz="1100" b="1" dirty="0">
-              <a:solidFill>
-                <a:schemeClr val="bg1"/>
-              </a:solidFill>
-              <a:latin typeface="Meiryo UI" panose="020B0604030504040204" pitchFamily="50" charset="-128"/>
-              <a:ea typeface="Meiryo UI" panose="020B0604030504040204" pitchFamily="50" charset="-128"/>
-              <a:cs typeface="Meiryo UI" panose="020B0604030504040204" pitchFamily="50" charset="-128"/>
-            </a:endParaRPr>
-          </a:p>
-          <a:p>
-            <a:pPr algn="ctr"/>
-            <a:endParaRPr lang="en-US" altLang="ja-JP" sz="1100" b="1" dirty="0">
-              <a:solidFill>
-                <a:schemeClr val="tx1"/>
-              </a:solidFill>
-              <a:latin typeface="Meiryo UI" panose="020B0604030504040204" pitchFamily="50" charset="-128"/>
-              <a:ea typeface="Meiryo UI" panose="020B0604030504040204" pitchFamily="50" charset="-128"/>
-              <a:cs typeface="Meiryo UI" panose="020B0604030504040204" pitchFamily="50" charset="-128"/>
-            </a:endParaRPr>
-          </a:p>
-        </p:txBody>
-      </p:sp>
-      <p:sp>
-        <p:nvSpPr>
-          <p:cNvPr id="95" name="フローチャート : 磁気ディスク 53"/>
-          <p:cNvSpPr/>
-          <p:nvPr/>
-        </p:nvSpPr>
-        <p:spPr>
-          <a:xfrm>
-            <a:off x="9484351" y="3811055"/>
-            <a:ext cx="1151375" cy="513539"/>
-          </a:xfrm>
-          <a:prstGeom prst="flowChartMagneticDisk">
-            <a:avLst/>
-          </a:prstGeom>
-          <a:ln/>
-        </p:spPr>
-        <p:style>
-          <a:lnRef idx="1">
-            <a:schemeClr val="accent2"/>
-          </a:lnRef>
-          <a:fillRef idx="3">
-            <a:schemeClr val="accent2"/>
-          </a:fillRef>
-          <a:effectRef idx="2">
-            <a:schemeClr val="accent2"/>
-          </a:effectRef>
-          <a:fontRef idx="minor">
-            <a:schemeClr val="lt1"/>
-          </a:fontRef>
-        </p:style>
-        <p:txBody>
-          <a:bodyPr wrap="square" rtlCol="0" anchor="ctr">
-            <a:noAutofit/>
-          </a:bodyPr>
-          <a:lstStyle/>
-          <a:p>
-            <a:pPr algn="ctr">
-              <a:lnSpc>
-                <a:spcPts val="1700"/>
-              </a:lnSpc>
-            </a:pPr>
-            <a:r>
-              <a:rPr lang="ja-JP" altLang="en-US" sz="1100" dirty="0" smtClean="0">
-                <a:latin typeface="Meiryo UI" panose="020B0604030504040204" pitchFamily="50" charset="-128"/>
-                <a:ea typeface="Meiryo UI" panose="020B0604030504040204" pitchFamily="50" charset="-128"/>
-                <a:cs typeface="Meiryo UI" panose="020B0604030504040204" pitchFamily="50" charset="-128"/>
-              </a:rPr>
-              <a:t>プレゼン用資料</a:t>
-            </a:r>
-            <a:endParaRPr lang="en-US" altLang="ja-JP" sz="1100" dirty="0" smtClean="0">
-              <a:latin typeface="Meiryo UI" panose="020B0604030504040204" pitchFamily="50" charset="-128"/>
-              <a:ea typeface="Meiryo UI" panose="020B0604030504040204" pitchFamily="50" charset="-128"/>
-              <a:cs typeface="Meiryo UI" panose="020B0604030504040204" pitchFamily="50" charset="-128"/>
-            </a:endParaRPr>
-          </a:p>
-          <a:p>
-            <a:pPr algn="ctr">
-              <a:lnSpc>
-                <a:spcPts val="1700"/>
-              </a:lnSpc>
-            </a:pPr>
-            <a:r>
-              <a:rPr lang="ja-JP" altLang="en-US" sz="1100" dirty="0">
-                <a:latin typeface="Meiryo UI" panose="020B0604030504040204" pitchFamily="50" charset="-128"/>
-                <a:ea typeface="Meiryo UI" panose="020B0604030504040204" pitchFamily="50" charset="-128"/>
-                <a:cs typeface="Meiryo UI" panose="020B0604030504040204" pitchFamily="50" charset="-128"/>
-              </a:rPr>
-              <a:t>詳細</a:t>
-            </a:r>
-            <a:r>
-              <a:rPr lang="ja-JP" altLang="en-US" sz="1100" dirty="0" smtClean="0">
-                <a:latin typeface="Meiryo UI" panose="020B0604030504040204" pitchFamily="50" charset="-128"/>
-                <a:ea typeface="Meiryo UI" panose="020B0604030504040204" pitchFamily="50" charset="-128"/>
-                <a:cs typeface="Meiryo UI" panose="020B0604030504040204" pitchFamily="50" charset="-128"/>
-              </a:rPr>
-              <a:t>説明資料</a:t>
-            </a:r>
-            <a:endParaRPr lang="en-US" altLang="ja-JP" sz="1100" dirty="0" smtClean="0">
-              <a:latin typeface="Meiryo UI" panose="020B0604030504040204" pitchFamily="50" charset="-128"/>
-              <a:ea typeface="Meiryo UI" panose="020B0604030504040204" pitchFamily="50" charset="-128"/>
-              <a:cs typeface="Meiryo UI" panose="020B0604030504040204" pitchFamily="50" charset="-128"/>
-            </a:endParaRPr>
+              <a:rPr kumimoji="1" lang="ja-JP" altLang="en-US" sz="1400" dirty="0">
+                <a:latin typeface="Meiryo UI" panose="020B0604030504040204" pitchFamily="50" charset="-128"/>
+                <a:ea typeface="Meiryo UI" panose="020B0604030504040204" pitchFamily="50" charset="-128"/>
+                <a:cs typeface="Meiryo UI" panose="020B0604030504040204" pitchFamily="50" charset="-128"/>
+              </a:rPr>
+              <a:t>情報交換</a:t>
+            </a:r>
           </a:p>
         </p:txBody>
       </p:sp>
@@ -9480,7 +9190,7 @@
   <a:extraClrSchemeLst/>
   <a:extLst>
     <a:ext uri="{05A4C25C-085E-4340-85A3-A5531E510DB2}">
-      <thm15:themeFamily xmlns:thm15="http://schemas.microsoft.com/office/thememl/2012/main" xmlns="" name="Office Theme" id="{62F939B6-93AF-4DB8-9C6B-D6C7DFDC589F}" vid="{4A3C46E8-61CC-4603-A589-7422A47A8E4A}"/>
+      <thm15:themeFamily xmlns:thm15="http://schemas.microsoft.com/office/thememl/2012/main" name="Office Theme" id="{62F939B6-93AF-4DB8-9C6B-D6C7DFDC589F}" vid="{4A3C46E8-61CC-4603-A589-7422A47A8E4A}"/>
     </a:ext>
   </a:extLst>
 </a:theme>

--- a/Cyber/TCYSSでの情報収集・蓄積と発信.pptx
+++ b/Cyber/TCYSSでの情報収集・蓄積と発信.pptx
@@ -134,6 +134,83 @@
 </p:presentation>
 </file>
 
+<file path=ppt/revisionInfo.xml><?xml version="1.0" encoding="utf-8"?>
+<p1510:revInfo xmlns:a="http://schemas.openxmlformats.org/drawingml/2006/main" xmlns:r="http://schemas.openxmlformats.org/officeDocument/2006/relationships" xmlns:p1510="http://schemas.microsoft.com/office/powerpoint/2015/10/main">
+  <p1510:revLst>
+    <p1510:client id="{3CD75285-433D-41E8-96CC-DE14FC188C0B}" v="3" dt="2021-04-05T05:34:54.165"/>
+  </p1510:revLst>
+</p1510:revInfo>
+</file>
+
+<file path=ppt/changesInfos/changesInfo1.xml><?xml version="1.0" encoding="utf-8"?>
+<pc:chgInfo xmlns:a="http://schemas.openxmlformats.org/drawingml/2006/main" xmlns:r="http://schemas.openxmlformats.org/officeDocument/2006/relationships" xmlns:ac="http://schemas.microsoft.com/office/drawing/2013/main/command" xmlns:pc="http://schemas.microsoft.com/office/powerpoint/2013/main/command">
+  <pc:docChgLst>
+    <pc:chgData name="正樹 中山" userId="7eabd57b-b900-4e86-8622-e94bcfa04d00" providerId="ADAL" clId="{3CD75285-433D-41E8-96CC-DE14FC188C0B}"/>
+    <pc:docChg chg="custSel modSld">
+      <pc:chgData name="正樹 中山" userId="7eabd57b-b900-4e86-8622-e94bcfa04d00" providerId="ADAL" clId="{3CD75285-433D-41E8-96CC-DE14FC188C0B}" dt="2021-04-05T05:42:13.336" v="296" actId="14100"/>
+      <pc:docMkLst>
+        <pc:docMk/>
+      </pc:docMkLst>
+      <pc:sldChg chg="addSp modSp mod">
+        <pc:chgData name="正樹 中山" userId="7eabd57b-b900-4e86-8622-e94bcfa04d00" providerId="ADAL" clId="{3CD75285-433D-41E8-96CC-DE14FC188C0B}" dt="2021-04-05T05:42:13.336" v="296" actId="14100"/>
+        <pc:sldMkLst>
+          <pc:docMk/>
+          <pc:sldMk cId="3444483772" sldId="701"/>
+        </pc:sldMkLst>
+        <pc:spChg chg="add mod">
+          <ac:chgData name="正樹 中山" userId="7eabd57b-b900-4e86-8622-e94bcfa04d00" providerId="ADAL" clId="{3CD75285-433D-41E8-96CC-DE14FC188C0B}" dt="2021-04-05T05:41:52.532" v="292" actId="14100"/>
+          <ac:spMkLst>
+            <pc:docMk/>
+            <pc:sldMk cId="3444483772" sldId="701"/>
+            <ac:spMk id="5" creationId="{76C9B0B7-A099-4A06-A64D-3CE5185DE31A}"/>
+          </ac:spMkLst>
+        </pc:spChg>
+        <pc:spChg chg="mod">
+          <ac:chgData name="正樹 中山" userId="7eabd57b-b900-4e86-8622-e94bcfa04d00" providerId="ADAL" clId="{3CD75285-433D-41E8-96CC-DE14FC188C0B}" dt="2021-04-05T05:39:00.747" v="218" actId="20577"/>
+          <ac:spMkLst>
+            <pc:docMk/>
+            <pc:sldMk cId="3444483772" sldId="701"/>
+            <ac:spMk id="11" creationId="{00000000-0000-0000-0000-000000000000}"/>
+          </ac:spMkLst>
+        </pc:spChg>
+        <pc:spChg chg="mod">
+          <ac:chgData name="正樹 中山" userId="7eabd57b-b900-4e86-8622-e94bcfa04d00" providerId="ADAL" clId="{3CD75285-433D-41E8-96CC-DE14FC188C0B}" dt="2021-04-05T05:29:17.444" v="66" actId="207"/>
+          <ac:spMkLst>
+            <pc:docMk/>
+            <pc:sldMk cId="3444483772" sldId="701"/>
+            <ac:spMk id="60" creationId="{00000000-0000-0000-0000-000000000000}"/>
+          </ac:spMkLst>
+        </pc:spChg>
+        <pc:spChg chg="mod">
+          <ac:chgData name="正樹 中山" userId="7eabd57b-b900-4e86-8622-e94bcfa04d00" providerId="ADAL" clId="{3CD75285-433D-41E8-96CC-DE14FC188C0B}" dt="2021-04-05T05:40:33.752" v="290" actId="20577"/>
+          <ac:spMkLst>
+            <pc:docMk/>
+            <pc:sldMk cId="3444483772" sldId="701"/>
+            <ac:spMk id="64" creationId="{00000000-0000-0000-0000-000000000000}"/>
+          </ac:spMkLst>
+        </pc:spChg>
+        <pc:spChg chg="add mod">
+          <ac:chgData name="正樹 中山" userId="7eabd57b-b900-4e86-8622-e94bcfa04d00" providerId="ADAL" clId="{3CD75285-433D-41E8-96CC-DE14FC188C0B}" dt="2021-04-05T05:42:13.336" v="296" actId="14100"/>
+          <ac:spMkLst>
+            <pc:docMk/>
+            <pc:sldMk cId="3444483772" sldId="701"/>
+            <ac:spMk id="98" creationId="{1B0B0FA1-21BD-41D9-8E75-422D39DF3972}"/>
+          </ac:spMkLst>
+        </pc:spChg>
+        <pc:spChg chg="add mod">
+          <ac:chgData name="正樹 中山" userId="7eabd57b-b900-4e86-8622-e94bcfa04d00" providerId="ADAL" clId="{3CD75285-433D-41E8-96CC-DE14FC188C0B}" dt="2021-04-05T05:42:00.860" v="294" actId="14100"/>
+          <ac:spMkLst>
+            <pc:docMk/>
+            <pc:sldMk cId="3444483772" sldId="701"/>
+            <ac:spMk id="99" creationId="{9E6EFB1B-854D-4880-96FC-C2BCE280ED97}"/>
+          </ac:spMkLst>
+        </pc:spChg>
+      </pc:sldChg>
+    </pc:docChg>
+  </pc:docChgLst>
+</pc:chgInfo>
+</file>
+
 <file path=ppt/notesMasters/notesMaster1.xml><?xml version="1.0" encoding="utf-8"?>
 <p:notesMaster xmlns:a="http://schemas.openxmlformats.org/drawingml/2006/main" xmlns:r="http://schemas.openxmlformats.org/officeDocument/2006/relationships" xmlns:p="http://schemas.openxmlformats.org/presentationml/2006/main">
   <p:cSld>
@@ -216,7 +293,7 @@
           <a:p>
             <a:fld id="{B377335C-6462-4247-BEFA-CD97B67177F9}" type="datetimeFigureOut">
               <a:rPr kumimoji="1" lang="ja-JP" altLang="en-US" smtClean="0"/>
-              <a:t>2021/4/1</a:t>
+              <a:t>2021/4/5</a:t>
             </a:fld>
             <a:endParaRPr kumimoji="1" lang="ja-JP" altLang="en-US"/>
           </a:p>
@@ -659,7 +736,7 @@
             <a:fld id="{DD2B6372-1A88-4F0C-86B1-FCF70832C42C}" type="datetimeFigureOut">
               <a:rPr lang="ja-JP" altLang="en-US" smtClean="0"/>
               <a:pPr/>
-              <a:t>2021/4/1</a:t>
+              <a:t>2021/4/5</a:t>
             </a:fld>
             <a:endParaRPr lang="ja-JP" altLang="en-US"/>
           </a:p>
@@ -1052,7 +1129,7 @@
             <a:fld id="{DD2B6372-1A88-4F0C-86B1-FCF70832C42C}" type="datetimeFigureOut">
               <a:rPr lang="ja-JP" altLang="en-US" smtClean="0"/>
               <a:pPr/>
-              <a:t>2021/4/1</a:t>
+              <a:t>2021/4/5</a:t>
             </a:fld>
             <a:endParaRPr lang="ja-JP" altLang="en-US"/>
           </a:p>
@@ -1261,7 +1338,7 @@
             <a:fld id="{DD2B6372-1A88-4F0C-86B1-FCF70832C42C}" type="datetimeFigureOut">
               <a:rPr lang="ja-JP" altLang="en-US" smtClean="0"/>
               <a:pPr/>
-              <a:t>2021/4/1</a:t>
+              <a:t>2021/4/5</a:t>
             </a:fld>
             <a:endParaRPr lang="ja-JP" altLang="en-US"/>
           </a:p>
@@ -1498,7 +1575,7 @@
             <a:fld id="{DD2B6372-1A88-4F0C-86B1-FCF70832C42C}" type="datetimeFigureOut">
               <a:rPr lang="ja-JP" altLang="en-US" smtClean="0"/>
               <a:pPr/>
-              <a:t>2021/4/1</a:t>
+              <a:t>2021/4/5</a:t>
             </a:fld>
             <a:endParaRPr lang="ja-JP" altLang="en-US"/>
           </a:p>
@@ -1801,7 +1878,7 @@
             <a:fld id="{DD2B6372-1A88-4F0C-86B1-FCF70832C42C}" type="datetimeFigureOut">
               <a:rPr lang="ja-JP" altLang="en-US" smtClean="0"/>
               <a:pPr/>
-              <a:t>2021/4/1</a:t>
+              <a:t>2021/4/5</a:t>
             </a:fld>
             <a:endParaRPr lang="ja-JP" altLang="en-US"/>
           </a:p>
@@ -2023,7 +2100,7 @@
             <a:fld id="{DD2B6372-1A88-4F0C-86B1-FCF70832C42C}" type="datetimeFigureOut">
               <a:rPr lang="ja-JP" altLang="en-US" smtClean="0"/>
               <a:pPr/>
-              <a:t>2021/4/1</a:t>
+              <a:t>2021/4/5</a:t>
             </a:fld>
             <a:endParaRPr lang="ja-JP" altLang="en-US"/>
           </a:p>
@@ -2441,7 +2518,7 @@
             <a:fld id="{DD2B6372-1A88-4F0C-86B1-FCF70832C42C}" type="datetimeFigureOut">
               <a:rPr lang="ja-JP" altLang="en-US" smtClean="0"/>
               <a:pPr/>
-              <a:t>2021/4/1</a:t>
+              <a:t>2021/4/5</a:t>
             </a:fld>
             <a:endParaRPr lang="ja-JP" altLang="en-US"/>
           </a:p>
@@ -2739,7 +2816,7 @@
             <a:fld id="{DD2B6372-1A88-4F0C-86B1-FCF70832C42C}" type="datetimeFigureOut">
               <a:rPr lang="ja-JP" altLang="en-US" smtClean="0"/>
               <a:pPr/>
-              <a:t>2021/4/1</a:t>
+              <a:t>2021/4/5</a:t>
             </a:fld>
             <a:endParaRPr lang="ja-JP" altLang="en-US"/>
           </a:p>
@@ -2881,7 +2958,7 @@
             <a:fld id="{DD2B6372-1A88-4F0C-86B1-FCF70832C42C}" type="datetimeFigureOut">
               <a:rPr lang="ja-JP" altLang="en-US" smtClean="0"/>
               <a:pPr/>
-              <a:t>2021/4/1</a:t>
+              <a:t>2021/4/5</a:t>
             </a:fld>
             <a:endParaRPr lang="ja-JP" altLang="en-US"/>
           </a:p>
@@ -3160,7 +3237,7 @@
             <a:fld id="{DD2B6372-1A88-4F0C-86B1-FCF70832C42C}" type="datetimeFigureOut">
               <a:rPr lang="ja-JP" altLang="en-US" smtClean="0"/>
               <a:pPr/>
-              <a:t>2021/4/1</a:t>
+              <a:t>2021/4/5</a:t>
             </a:fld>
             <a:endParaRPr lang="ja-JP" altLang="en-US"/>
           </a:p>
@@ -3601,7 +3678,7 @@
             <a:fld id="{DD2B6372-1A88-4F0C-86B1-FCF70832C42C}" type="datetimeFigureOut">
               <a:rPr lang="ja-JP" altLang="en-US" smtClean="0"/>
               <a:pPr/>
-              <a:t>2021/4/1</a:t>
+              <a:t>2021/4/5</a:t>
             </a:fld>
             <a:endParaRPr lang="ja-JP" altLang="en-US"/>
           </a:p>
@@ -3973,7 +4050,7 @@
             <a:fld id="{DD2B6372-1A88-4F0C-86B1-FCF70832C42C}" type="datetimeFigureOut">
               <a:rPr lang="ja-JP" altLang="en-US" smtClean="0"/>
               <a:pPr/>
-              <a:t>2021/4/1</a:t>
+              <a:t>2021/4/5</a:t>
             </a:fld>
             <a:endParaRPr lang="ja-JP" altLang="en-US"/>
           </a:p>
@@ -6032,16 +6109,55 @@
         </p:nvSpPr>
         <p:spPr>
           <a:xfrm>
-            <a:off x="10276410" y="293178"/>
+            <a:off x="10458298" y="547904"/>
             <a:ext cx="1714004" cy="620633"/>
           </a:xfrm>
           <a:prstGeom prst="wedgeRoundRectCallout">
             <a:avLst>
               <a:gd name="adj1" fmla="val -54661"/>
-              <a:gd name="adj2" fmla="val 185245"/>
+              <a:gd name="adj2" fmla="val 144129"/>
               <a:gd name="adj3" fmla="val 16667"/>
             </a:avLst>
           </a:prstGeom>
+          <a:gradFill>
+            <a:gsLst>
+              <a:gs pos="0">
+                <a:schemeClr val="accent3">
+                  <a:shade val="63000"/>
+                  <a:alpha val="0"/>
+                </a:schemeClr>
+              </a:gs>
+              <a:gs pos="30000">
+                <a:schemeClr val="accent3">
+                  <a:shade val="90000"/>
+                  <a:satMod val="110000"/>
+                </a:schemeClr>
+              </a:gs>
+              <a:gs pos="45000">
+                <a:schemeClr val="accent3">
+                  <a:shade val="100000"/>
+                  <a:satMod val="118000"/>
+                </a:schemeClr>
+              </a:gs>
+              <a:gs pos="55000">
+                <a:schemeClr val="accent3">
+                  <a:shade val="100000"/>
+                  <a:satMod val="118000"/>
+                </a:schemeClr>
+              </a:gs>
+              <a:gs pos="73000">
+                <a:schemeClr val="accent3">
+                  <a:shade val="90000"/>
+                  <a:satMod val="110000"/>
+                </a:schemeClr>
+              </a:gs>
+              <a:gs pos="100000">
+                <a:schemeClr val="accent3">
+                  <a:shade val="63000"/>
+                </a:schemeClr>
+              </a:gs>
+            </a:gsLst>
+          </a:gradFill>
         </p:spPr>
         <p:style>
           <a:lnRef idx="0">
@@ -6130,8 +6246,8 @@
         </p:nvSpPr>
         <p:spPr>
           <a:xfrm>
-            <a:off x="10429339" y="14287"/>
-            <a:ext cx="1762661" cy="307777"/>
+            <a:off x="10142495" y="14287"/>
+            <a:ext cx="2049505" cy="523220"/>
           </a:xfrm>
           <a:prstGeom prst="rect">
             <a:avLst/>
@@ -6151,6 +6267,78 @@
                 <a:ea typeface="Meiryo UI" panose="020B0604030504040204" pitchFamily="50" charset="-128"/>
                 <a:cs typeface="Meiryo UI" panose="020B0604030504040204" pitchFamily="50" charset="-128"/>
               </a:rPr>
+              <a:t>2021</a:t>
+            </a:r>
+            <a:r>
+              <a:rPr kumimoji="1" lang="ja-JP" altLang="en-US" sz="1400" dirty="0">
+                <a:latin typeface="Meiryo UI" panose="020B0604030504040204" pitchFamily="50" charset="-128"/>
+                <a:ea typeface="Meiryo UI" panose="020B0604030504040204" pitchFamily="50" charset="-128"/>
+                <a:cs typeface="Meiryo UI" panose="020B0604030504040204" pitchFamily="50" charset="-128"/>
+              </a:rPr>
+              <a:t>年</a:t>
+            </a:r>
+            <a:r>
+              <a:rPr kumimoji="1" lang="en-US" altLang="ja-JP" sz="1400" dirty="0">
+                <a:latin typeface="Meiryo UI" panose="020B0604030504040204" pitchFamily="50" charset="-128"/>
+                <a:ea typeface="Meiryo UI" panose="020B0604030504040204" pitchFamily="50" charset="-128"/>
+                <a:cs typeface="Meiryo UI" panose="020B0604030504040204" pitchFamily="50" charset="-128"/>
+              </a:rPr>
+              <a:t>4</a:t>
+            </a:r>
+            <a:r>
+              <a:rPr kumimoji="1" lang="ja-JP" altLang="en-US" sz="1400" dirty="0">
+                <a:latin typeface="Meiryo UI" panose="020B0604030504040204" pitchFamily="50" charset="-128"/>
+                <a:ea typeface="Meiryo UI" panose="020B0604030504040204" pitchFamily="50" charset="-128"/>
+                <a:cs typeface="Meiryo UI" panose="020B0604030504040204" pitchFamily="50" charset="-128"/>
+              </a:rPr>
+              <a:t>月</a:t>
+            </a:r>
+            <a:r>
+              <a:rPr kumimoji="1" lang="en-US" altLang="ja-JP" sz="1400" dirty="0">
+                <a:latin typeface="Meiryo UI" panose="020B0604030504040204" pitchFamily="50" charset="-128"/>
+                <a:ea typeface="Meiryo UI" panose="020B0604030504040204" pitchFamily="50" charset="-128"/>
+                <a:cs typeface="Meiryo UI" panose="020B0604030504040204" pitchFamily="50" charset="-128"/>
+              </a:rPr>
+              <a:t>5</a:t>
+            </a:r>
+            <a:r>
+              <a:rPr kumimoji="1" lang="ja-JP" altLang="en-US" sz="1400" dirty="0">
+                <a:latin typeface="Meiryo UI" panose="020B0604030504040204" pitchFamily="50" charset="-128"/>
+                <a:ea typeface="Meiryo UI" panose="020B0604030504040204" pitchFamily="50" charset="-128"/>
+                <a:cs typeface="Meiryo UI" panose="020B0604030504040204" pitchFamily="50" charset="-128"/>
+              </a:rPr>
+              <a:t>日第</a:t>
+            </a:r>
+            <a:r>
+              <a:rPr kumimoji="1" lang="en-US" altLang="ja-JP" sz="1400" dirty="0">
+                <a:latin typeface="Meiryo UI" panose="020B0604030504040204" pitchFamily="50" charset="-128"/>
+                <a:ea typeface="Meiryo UI" panose="020B0604030504040204" pitchFamily="50" charset="-128"/>
+                <a:cs typeface="Meiryo UI" panose="020B0604030504040204" pitchFamily="50" charset="-128"/>
+              </a:rPr>
+              <a:t>3</a:t>
+            </a:r>
+            <a:r>
+              <a:rPr kumimoji="1" lang="ja-JP" altLang="en-US" sz="1400" dirty="0">
+                <a:latin typeface="Meiryo UI" panose="020B0604030504040204" pitchFamily="50" charset="-128"/>
+                <a:ea typeface="Meiryo UI" panose="020B0604030504040204" pitchFamily="50" charset="-128"/>
+                <a:cs typeface="Meiryo UI" panose="020B0604030504040204" pitchFamily="50" charset="-128"/>
+              </a:rPr>
+              <a:t>版</a:t>
+            </a:r>
+            <a:endParaRPr kumimoji="1" lang="en-US" altLang="ja-JP" sz="1400" dirty="0">
+              <a:latin typeface="Meiryo UI" panose="020B0604030504040204" pitchFamily="50" charset="-128"/>
+              <a:ea typeface="Meiryo UI" panose="020B0604030504040204" pitchFamily="50" charset="-128"/>
+              <a:cs typeface="Meiryo UI" panose="020B0604030504040204" pitchFamily="50" charset="-128"/>
+            </a:endParaRPr>
+          </a:p>
+          <a:p>
+            <a:pPr algn="r"/>
+            <a:r>
+              <a:rPr kumimoji="1" lang="en-US" altLang="ja-JP" sz="1400" dirty="0">
+                <a:latin typeface="Meiryo UI" panose="020B0604030504040204" pitchFamily="50" charset="-128"/>
+                <a:ea typeface="Meiryo UI" panose="020B0604030504040204" pitchFamily="50" charset="-128"/>
+                <a:cs typeface="Meiryo UI" panose="020B0604030504040204" pitchFamily="50" charset="-128"/>
+              </a:rPr>
               <a:t>2018</a:t>
             </a:r>
             <a:r>
@@ -6191,7 +6379,23 @@
                 <a:ea typeface="Meiryo UI" panose="020B0604030504040204" pitchFamily="50" charset="-128"/>
                 <a:cs typeface="Meiryo UI" panose="020B0604030504040204" pitchFamily="50" charset="-128"/>
               </a:rPr>
-              <a:t>日</a:t>
+              <a:t>日第</a:t>
+            </a:r>
+            <a:r>
+              <a:rPr kumimoji="1" lang="en-US" altLang="ja-JP" sz="1400" dirty="0">
+                <a:latin typeface="Meiryo UI" panose="020B0604030504040204" pitchFamily="50" charset="-128"/>
+                <a:ea typeface="Meiryo UI" panose="020B0604030504040204" pitchFamily="50" charset="-128"/>
+                <a:cs typeface="Meiryo UI" panose="020B0604030504040204" pitchFamily="50" charset="-128"/>
+              </a:rPr>
+              <a:t>2</a:t>
+            </a:r>
+            <a:r>
+              <a:rPr kumimoji="1" lang="ja-JP" altLang="en-US" sz="1400" dirty="0">
+                <a:latin typeface="Meiryo UI" panose="020B0604030504040204" pitchFamily="50" charset="-128"/>
+                <a:ea typeface="Meiryo UI" panose="020B0604030504040204" pitchFamily="50" charset="-128"/>
+                <a:cs typeface="Meiryo UI" panose="020B0604030504040204" pitchFamily="50" charset="-128"/>
+              </a:rPr>
+              <a:t>版</a:t>
             </a:r>
           </a:p>
         </p:txBody>
@@ -6245,7 +6449,7 @@
                 <a:ea typeface="Meiryo UI" panose="020B0604030504040204" pitchFamily="50" charset="-128"/>
                 <a:cs typeface="Meiryo UI" panose="020B0604030504040204" pitchFamily="50" charset="-128"/>
               </a:rPr>
-              <a:t>経営者の意識レベル</a:t>
+              <a:t>経営者の意識レベルごとに啓発情報の発信</a:t>
             </a:r>
             <a:endParaRPr lang="en-US" altLang="ja-JP" sz="1200" b="1" dirty="0">
               <a:latin typeface="Meiryo UI" panose="020B0604030504040204" pitchFamily="50" charset="-128"/>
@@ -8585,6 +8789,225 @@
               </a:rPr>
               <a:t>情報交換</a:t>
             </a:r>
+          </a:p>
+        </p:txBody>
+      </p:sp>
+      <p:sp>
+        <p:nvSpPr>
+          <p:cNvPr id="5" name="テキスト ボックス 4">
+            <a:extLst>
+              <a:ext uri="{FF2B5EF4-FFF2-40B4-BE49-F238E27FC236}">
+                <a16:creationId xmlns:a16="http://schemas.microsoft.com/office/drawing/2014/main" id="{76C9B0B7-A099-4A06-A64D-3CE5185DE31A}"/>
+              </a:ext>
+            </a:extLst>
+          </p:cNvPr>
+          <p:cNvSpPr txBox="1"/>
+          <p:nvPr/>
+        </p:nvSpPr>
+        <p:spPr>
+          <a:xfrm>
+            <a:off x="5262334" y="2428762"/>
+            <a:ext cx="1991534" cy="338554"/>
+          </a:xfrm>
+          <a:prstGeom prst="rect">
+            <a:avLst/>
+          </a:prstGeom>
+          <a:noFill/>
+          <a:ln>
+            <a:solidFill>
+              <a:srgbClr val="FF0000"/>
+            </a:solidFill>
+          </a:ln>
+        </p:spPr>
+        <p:txBody>
+          <a:bodyPr wrap="square" rtlCol="0">
+            <a:spAutoFit/>
+          </a:bodyPr>
+          <a:lstStyle/>
+          <a:p>
+            <a:r>
+              <a:rPr lang="ja-JP" altLang="en-US" sz="1600" b="1" dirty="0">
+                <a:solidFill>
+                  <a:srgbClr val="FF0000"/>
+                </a:solidFill>
+                <a:latin typeface="Meiryo UI" panose="020B0604030504040204" pitchFamily="50" charset="-128"/>
+                <a:ea typeface="Meiryo UI" panose="020B0604030504040204" pitchFamily="50" charset="-128"/>
+              </a:rPr>
+              <a:t>専門員</a:t>
+            </a:r>
+            <a:r>
+              <a:rPr kumimoji="1" lang="ja-JP" altLang="en-US" sz="1600" b="1" dirty="0">
+                <a:solidFill>
+                  <a:srgbClr val="FF0000"/>
+                </a:solidFill>
+                <a:latin typeface="Meiryo UI" panose="020B0604030504040204" pitchFamily="50" charset="-128"/>
+                <a:ea typeface="Meiryo UI" panose="020B0604030504040204" pitchFamily="50" charset="-128"/>
+              </a:rPr>
+              <a:t>所掌事務</a:t>
+            </a:r>
+            <a:r>
+              <a:rPr kumimoji="1" lang="en-US" altLang="ja-JP" sz="1600" b="1" dirty="0">
+                <a:solidFill>
+                  <a:srgbClr val="FF0000"/>
+                </a:solidFill>
+                <a:latin typeface="Meiryo UI" panose="020B0604030504040204" pitchFamily="50" charset="-128"/>
+                <a:ea typeface="Meiryo UI" panose="020B0604030504040204" pitchFamily="50" charset="-128"/>
+              </a:rPr>
+              <a:t>(1)</a:t>
+            </a:r>
+            <a:endParaRPr kumimoji="1" lang="ja-JP" altLang="en-US" sz="1600" b="1" dirty="0">
+              <a:solidFill>
+                <a:srgbClr val="FF0000"/>
+              </a:solidFill>
+              <a:latin typeface="Meiryo UI" panose="020B0604030504040204" pitchFamily="50" charset="-128"/>
+              <a:ea typeface="Meiryo UI" panose="020B0604030504040204" pitchFamily="50" charset="-128"/>
+            </a:endParaRPr>
+          </a:p>
+        </p:txBody>
+      </p:sp>
+      <p:sp>
+        <p:nvSpPr>
+          <p:cNvPr id="98" name="テキスト ボックス 97">
+            <a:extLst>
+              <a:ext uri="{FF2B5EF4-FFF2-40B4-BE49-F238E27FC236}">
+                <a16:creationId xmlns:a16="http://schemas.microsoft.com/office/drawing/2014/main" id="{1B0B0FA1-21BD-41D9-8E75-422D39DF3972}"/>
+              </a:ext>
+            </a:extLst>
+          </p:cNvPr>
+          <p:cNvSpPr txBox="1"/>
+          <p:nvPr/>
+        </p:nvSpPr>
+        <p:spPr>
+          <a:xfrm>
+            <a:off x="9654457" y="4869015"/>
+            <a:ext cx="2009459" cy="338554"/>
+          </a:xfrm>
+          <a:prstGeom prst="rect">
+            <a:avLst/>
+          </a:prstGeom>
+          <a:noFill/>
+          <a:ln>
+            <a:solidFill>
+              <a:srgbClr val="FF0000"/>
+            </a:solidFill>
+          </a:ln>
+        </p:spPr>
+        <p:txBody>
+          <a:bodyPr wrap="square" rtlCol="0">
+            <a:spAutoFit/>
+          </a:bodyPr>
+          <a:lstStyle/>
+          <a:p>
+            <a:r>
+              <a:rPr lang="ja-JP" altLang="en-US" sz="1600" b="1" dirty="0">
+                <a:solidFill>
+                  <a:srgbClr val="FF0000"/>
+                </a:solidFill>
+                <a:latin typeface="Meiryo UI" panose="020B0604030504040204" pitchFamily="50" charset="-128"/>
+                <a:ea typeface="Meiryo UI" panose="020B0604030504040204" pitchFamily="50" charset="-128"/>
+              </a:rPr>
+              <a:t>専門員</a:t>
+            </a:r>
+            <a:r>
+              <a:rPr kumimoji="1" lang="ja-JP" altLang="en-US" sz="1600" b="1" dirty="0">
+                <a:solidFill>
+                  <a:srgbClr val="FF0000"/>
+                </a:solidFill>
+                <a:latin typeface="Meiryo UI" panose="020B0604030504040204" pitchFamily="50" charset="-128"/>
+                <a:ea typeface="Meiryo UI" panose="020B0604030504040204" pitchFamily="50" charset="-128"/>
+              </a:rPr>
+              <a:t>所掌事務</a:t>
+            </a:r>
+            <a:r>
+              <a:rPr kumimoji="1" lang="en-US" altLang="ja-JP" sz="1600" b="1" dirty="0">
+                <a:solidFill>
+                  <a:srgbClr val="FF0000"/>
+                </a:solidFill>
+                <a:latin typeface="Meiryo UI" panose="020B0604030504040204" pitchFamily="50" charset="-128"/>
+                <a:ea typeface="Meiryo UI" panose="020B0604030504040204" pitchFamily="50" charset="-128"/>
+              </a:rPr>
+              <a:t>(2)</a:t>
+            </a:r>
+            <a:endParaRPr kumimoji="1" lang="ja-JP" altLang="en-US" sz="1600" b="1" dirty="0">
+              <a:solidFill>
+                <a:srgbClr val="FF0000"/>
+              </a:solidFill>
+              <a:latin typeface="Meiryo UI" panose="020B0604030504040204" pitchFamily="50" charset="-128"/>
+              <a:ea typeface="Meiryo UI" panose="020B0604030504040204" pitchFamily="50" charset="-128"/>
+            </a:endParaRPr>
+          </a:p>
+        </p:txBody>
+      </p:sp>
+      <p:sp>
+        <p:nvSpPr>
+          <p:cNvPr id="99" name="テキスト ボックス 98">
+            <a:extLst>
+              <a:ext uri="{FF2B5EF4-FFF2-40B4-BE49-F238E27FC236}">
+                <a16:creationId xmlns:a16="http://schemas.microsoft.com/office/drawing/2014/main" id="{9E6EFB1B-854D-4880-96FC-C2BCE280ED97}"/>
+              </a:ext>
+            </a:extLst>
+          </p:cNvPr>
+          <p:cNvSpPr txBox="1"/>
+          <p:nvPr/>
+        </p:nvSpPr>
+        <p:spPr>
+          <a:xfrm>
+            <a:off x="1843440" y="3594291"/>
+            <a:ext cx="2026380" cy="338554"/>
+          </a:xfrm>
+          <a:prstGeom prst="rect">
+            <a:avLst/>
+          </a:prstGeom>
+          <a:noFill/>
+          <a:ln>
+            <a:solidFill>
+              <a:srgbClr val="FF0000"/>
+            </a:solidFill>
+          </a:ln>
+        </p:spPr>
+        <p:txBody>
+          <a:bodyPr wrap="square" rtlCol="0">
+            <a:spAutoFit/>
+          </a:bodyPr>
+          <a:lstStyle/>
+          <a:p>
+            <a:r>
+              <a:rPr lang="ja-JP" altLang="en-US" sz="1600" b="1" dirty="0">
+                <a:solidFill>
+                  <a:srgbClr val="FF0000"/>
+                </a:solidFill>
+                <a:latin typeface="Meiryo UI" panose="020B0604030504040204" pitchFamily="50" charset="-128"/>
+                <a:ea typeface="Meiryo UI" panose="020B0604030504040204" pitchFamily="50" charset="-128"/>
+              </a:rPr>
+              <a:t>専門員</a:t>
+            </a:r>
+            <a:r>
+              <a:rPr kumimoji="1" lang="ja-JP" altLang="en-US" sz="1600" b="1" dirty="0">
+                <a:solidFill>
+                  <a:srgbClr val="FF0000"/>
+                </a:solidFill>
+                <a:latin typeface="Meiryo UI" panose="020B0604030504040204" pitchFamily="50" charset="-128"/>
+                <a:ea typeface="Meiryo UI" panose="020B0604030504040204" pitchFamily="50" charset="-128"/>
+              </a:rPr>
+              <a:t>所掌事務</a:t>
+            </a:r>
+            <a:r>
+              <a:rPr kumimoji="1" lang="en-US" altLang="ja-JP" sz="1600" b="1" dirty="0">
+                <a:solidFill>
+                  <a:srgbClr val="FF0000"/>
+                </a:solidFill>
+                <a:latin typeface="Meiryo UI" panose="020B0604030504040204" pitchFamily="50" charset="-128"/>
+                <a:ea typeface="Meiryo UI" panose="020B0604030504040204" pitchFamily="50" charset="-128"/>
+              </a:rPr>
+              <a:t>(3)</a:t>
+            </a:r>
+            <a:endParaRPr kumimoji="1" lang="ja-JP" altLang="en-US" sz="1600" b="1" dirty="0">
+              <a:solidFill>
+                <a:srgbClr val="FF0000"/>
+              </a:solidFill>
+              <a:latin typeface="Meiryo UI" panose="020B0604030504040204" pitchFamily="50" charset="-128"/>
+              <a:ea typeface="Meiryo UI" panose="020B0604030504040204" pitchFamily="50" charset="-128"/>
+            </a:endParaRPr>
           </a:p>
         </p:txBody>
       </p:sp>

--- a/Cyber/TCYSSでの情報収集・蓄積と発信.pptx
+++ b/Cyber/TCYSSでの情報収集・蓄積と発信.pptx
@@ -134,16 +134,40 @@
 </p:presentation>
 </file>
 
-<file path=ppt/revisionInfo.xml><?xml version="1.0" encoding="utf-8"?>
-<p1510:revInfo xmlns:a="http://schemas.openxmlformats.org/drawingml/2006/main" xmlns:r="http://schemas.openxmlformats.org/officeDocument/2006/relationships" xmlns:p1510="http://schemas.microsoft.com/office/powerpoint/2015/10/main">
-  <p1510:revLst>
-    <p1510:client id="{3CD75285-433D-41E8-96CC-DE14FC188C0B}" v="3" dt="2021-04-05T05:34:54.165"/>
-  </p1510:revLst>
-</p1510:revInfo>
-</file>
-
 <file path=ppt/changesInfos/changesInfo1.xml><?xml version="1.0" encoding="utf-8"?>
 <pc:chgInfo xmlns:a="http://schemas.openxmlformats.org/drawingml/2006/main" xmlns:r="http://schemas.openxmlformats.org/officeDocument/2006/relationships" xmlns:ac="http://schemas.microsoft.com/office/drawing/2013/main/command" xmlns:pc="http://schemas.microsoft.com/office/powerpoint/2013/main/command">
+  <pc:docChgLst>
+    <pc:chgData name="Masaki Nakayama" userId="7eabd57b-b900-4e86-8622-e94bcfa04d00" providerId="ADAL" clId="{94C1CCE3-75C0-40D3-B12F-B54977995DC0}"/>
+    <pc:docChg chg="modSld">
+      <pc:chgData name="Masaki Nakayama" userId="7eabd57b-b900-4e86-8622-e94bcfa04d00" providerId="ADAL" clId="{94C1CCE3-75C0-40D3-B12F-B54977995DC0}" dt="2021-07-06T05:59:11.397" v="16" actId="1036"/>
+      <pc:docMkLst>
+        <pc:docMk/>
+      </pc:docMkLst>
+      <pc:sldChg chg="modSp mod">
+        <pc:chgData name="Masaki Nakayama" userId="7eabd57b-b900-4e86-8622-e94bcfa04d00" providerId="ADAL" clId="{94C1CCE3-75C0-40D3-B12F-B54977995DC0}" dt="2021-07-06T05:59:11.397" v="16" actId="1036"/>
+        <pc:sldMkLst>
+          <pc:docMk/>
+          <pc:sldMk cId="3444483772" sldId="701"/>
+        </pc:sldMkLst>
+        <pc:spChg chg="mod">
+          <ac:chgData name="Masaki Nakayama" userId="7eabd57b-b900-4e86-8622-e94bcfa04d00" providerId="ADAL" clId="{94C1CCE3-75C0-40D3-B12F-B54977995DC0}" dt="2021-07-06T05:59:11.397" v="16" actId="1036"/>
+          <ac:spMkLst>
+            <pc:docMk/>
+            <pc:sldMk cId="3444483772" sldId="701"/>
+            <ac:spMk id="56" creationId="{00000000-0000-0000-0000-000000000000}"/>
+          </ac:spMkLst>
+        </pc:spChg>
+        <pc:spChg chg="mod">
+          <ac:chgData name="Masaki Nakayama" userId="7eabd57b-b900-4e86-8622-e94bcfa04d00" providerId="ADAL" clId="{94C1CCE3-75C0-40D3-B12F-B54977995DC0}" dt="2021-07-06T05:59:04.275" v="7" actId="1036"/>
+          <ac:spMkLst>
+            <pc:docMk/>
+            <pc:sldMk cId="3444483772" sldId="701"/>
+            <ac:spMk id="133" creationId="{00000000-0000-0000-0000-000000000000}"/>
+          </ac:spMkLst>
+        </pc:spChg>
+      </pc:sldChg>
+    </pc:docChg>
+  </pc:docChgLst>
   <pc:docChgLst>
     <pc:chgData name="正樹 中山" userId="7eabd57b-b900-4e86-8622-e94bcfa04d00" providerId="ADAL" clId="{3CD75285-433D-41E8-96CC-DE14FC188C0B}"/>
     <pc:docChg chg="custSel modSld">
@@ -293,7 +317,7 @@
           <a:p>
             <a:fld id="{B377335C-6462-4247-BEFA-CD97B67177F9}" type="datetimeFigureOut">
               <a:rPr kumimoji="1" lang="ja-JP" altLang="en-US" smtClean="0"/>
-              <a:t>2021/4/5</a:t>
+              <a:t>2021/7/6</a:t>
             </a:fld>
             <a:endParaRPr kumimoji="1" lang="ja-JP" altLang="en-US"/>
           </a:p>
@@ -736,7 +760,7 @@
             <a:fld id="{DD2B6372-1A88-4F0C-86B1-FCF70832C42C}" type="datetimeFigureOut">
               <a:rPr lang="ja-JP" altLang="en-US" smtClean="0"/>
               <a:pPr/>
-              <a:t>2021/4/5</a:t>
+              <a:t>2021/7/6</a:t>
             </a:fld>
             <a:endParaRPr lang="ja-JP" altLang="en-US"/>
           </a:p>
@@ -1129,7 +1153,7 @@
             <a:fld id="{DD2B6372-1A88-4F0C-86B1-FCF70832C42C}" type="datetimeFigureOut">
               <a:rPr lang="ja-JP" altLang="en-US" smtClean="0"/>
               <a:pPr/>
-              <a:t>2021/4/5</a:t>
+              <a:t>2021/7/6</a:t>
             </a:fld>
             <a:endParaRPr lang="ja-JP" altLang="en-US"/>
           </a:p>
@@ -1338,7 +1362,7 @@
             <a:fld id="{DD2B6372-1A88-4F0C-86B1-FCF70832C42C}" type="datetimeFigureOut">
               <a:rPr lang="ja-JP" altLang="en-US" smtClean="0"/>
               <a:pPr/>
-              <a:t>2021/4/5</a:t>
+              <a:t>2021/7/6</a:t>
             </a:fld>
             <a:endParaRPr lang="ja-JP" altLang="en-US"/>
           </a:p>
@@ -1575,7 +1599,7 @@
             <a:fld id="{DD2B6372-1A88-4F0C-86B1-FCF70832C42C}" type="datetimeFigureOut">
               <a:rPr lang="ja-JP" altLang="en-US" smtClean="0"/>
               <a:pPr/>
-              <a:t>2021/4/5</a:t>
+              <a:t>2021/7/6</a:t>
             </a:fld>
             <a:endParaRPr lang="ja-JP" altLang="en-US"/>
           </a:p>
@@ -1878,7 +1902,7 @@
             <a:fld id="{DD2B6372-1A88-4F0C-86B1-FCF70832C42C}" type="datetimeFigureOut">
               <a:rPr lang="ja-JP" altLang="en-US" smtClean="0"/>
               <a:pPr/>
-              <a:t>2021/4/5</a:t>
+              <a:t>2021/7/6</a:t>
             </a:fld>
             <a:endParaRPr lang="ja-JP" altLang="en-US"/>
           </a:p>
@@ -2100,7 +2124,7 @@
             <a:fld id="{DD2B6372-1A88-4F0C-86B1-FCF70832C42C}" type="datetimeFigureOut">
               <a:rPr lang="ja-JP" altLang="en-US" smtClean="0"/>
               <a:pPr/>
-              <a:t>2021/4/5</a:t>
+              <a:t>2021/7/6</a:t>
             </a:fld>
             <a:endParaRPr lang="ja-JP" altLang="en-US"/>
           </a:p>
@@ -2518,7 +2542,7 @@
             <a:fld id="{DD2B6372-1A88-4F0C-86B1-FCF70832C42C}" type="datetimeFigureOut">
               <a:rPr lang="ja-JP" altLang="en-US" smtClean="0"/>
               <a:pPr/>
-              <a:t>2021/4/5</a:t>
+              <a:t>2021/7/6</a:t>
             </a:fld>
             <a:endParaRPr lang="ja-JP" altLang="en-US"/>
           </a:p>
@@ -2816,7 +2840,7 @@
             <a:fld id="{DD2B6372-1A88-4F0C-86B1-FCF70832C42C}" type="datetimeFigureOut">
               <a:rPr lang="ja-JP" altLang="en-US" smtClean="0"/>
               <a:pPr/>
-              <a:t>2021/4/5</a:t>
+              <a:t>2021/7/6</a:t>
             </a:fld>
             <a:endParaRPr lang="ja-JP" altLang="en-US"/>
           </a:p>
@@ -2958,7 +2982,7 @@
             <a:fld id="{DD2B6372-1A88-4F0C-86B1-FCF70832C42C}" type="datetimeFigureOut">
               <a:rPr lang="ja-JP" altLang="en-US" smtClean="0"/>
               <a:pPr/>
-              <a:t>2021/4/5</a:t>
+              <a:t>2021/7/6</a:t>
             </a:fld>
             <a:endParaRPr lang="ja-JP" altLang="en-US"/>
           </a:p>
@@ -3237,7 +3261,7 @@
             <a:fld id="{DD2B6372-1A88-4F0C-86B1-FCF70832C42C}" type="datetimeFigureOut">
               <a:rPr lang="ja-JP" altLang="en-US" smtClean="0"/>
               <a:pPr/>
-              <a:t>2021/4/5</a:t>
+              <a:t>2021/7/6</a:t>
             </a:fld>
             <a:endParaRPr lang="ja-JP" altLang="en-US"/>
           </a:p>
@@ -3678,7 +3702,7 @@
             <a:fld id="{DD2B6372-1A88-4F0C-86B1-FCF70832C42C}" type="datetimeFigureOut">
               <a:rPr lang="ja-JP" altLang="en-US" smtClean="0"/>
               <a:pPr/>
-              <a:t>2021/4/5</a:t>
+              <a:t>2021/7/6</a:t>
             </a:fld>
             <a:endParaRPr lang="ja-JP" altLang="en-US"/>
           </a:p>
@@ -4050,7 +4074,7 @@
             <a:fld id="{DD2B6372-1A88-4F0C-86B1-FCF70832C42C}" type="datetimeFigureOut">
               <a:rPr lang="ja-JP" altLang="en-US" smtClean="0"/>
               <a:pPr/>
-              <a:t>2021/4/5</a:t>
+              <a:t>2021/7/6</a:t>
             </a:fld>
             <a:endParaRPr lang="ja-JP" altLang="en-US"/>
           </a:p>
@@ -5839,7 +5863,7 @@
         </p:nvSpPr>
         <p:spPr>
           <a:xfrm>
-            <a:off x="5171976" y="4246827"/>
+            <a:off x="5171976" y="4321475"/>
             <a:ext cx="2879494" cy="690107"/>
           </a:xfrm>
           <a:prstGeom prst="rightArrow">
@@ -6715,7 +6739,7 @@
         </p:nvSpPr>
         <p:spPr>
           <a:xfrm>
-            <a:off x="5401021" y="4361726"/>
+            <a:off x="5401021" y="4445705"/>
             <a:ext cx="1633152" cy="430887"/>
           </a:xfrm>
           <a:prstGeom prst="rect">

--- a/Cyber/TCYSSでの情報収集・蓄積と発信.pptx
+++ b/Cyber/TCYSSでの情報収集・蓄積と発信.pptx
@@ -11,7 +11,7 @@
     <p:sldId id="701" r:id="rId2"/>
   </p:sldIdLst>
   <p:sldSz cx="12192000" cy="6858000"/>
-  <p:notesSz cx="6735763" cy="9866313"/>
+  <p:notesSz cx="6858000" cy="9945688"/>
   <p:custShowLst>
     <p:custShow name="TP&amp;Dフォーラム" id="0">
       <p:sldLst/>
@@ -134,37 +134,301 @@
 </p:presentation>
 </file>
 
+<file path=ppt/revisionInfo.xml><?xml version="1.0" encoding="utf-8"?>
+<p1510:revInfo xmlns:a="http://schemas.openxmlformats.org/drawingml/2006/main" xmlns:r="http://schemas.openxmlformats.org/officeDocument/2006/relationships" xmlns:p1510="http://schemas.microsoft.com/office/powerpoint/2015/10/main">
+  <p1510:revLst>
+    <p1510:client id="{94C1CCE3-75C0-40D3-B12F-B54977995DC0}" v="1" dt="2021-08-30T05:06:19.006"/>
+  </p1510:revLst>
+</p1510:revInfo>
+</file>
+
 <file path=ppt/changesInfos/changesInfo1.xml><?xml version="1.0" encoding="utf-8"?>
 <pc:chgInfo xmlns:a="http://schemas.openxmlformats.org/drawingml/2006/main" xmlns:r="http://schemas.openxmlformats.org/officeDocument/2006/relationships" xmlns:ac="http://schemas.microsoft.com/office/drawing/2013/main/command" xmlns:pc="http://schemas.microsoft.com/office/powerpoint/2013/main/command">
   <pc:docChgLst>
     <pc:chgData name="Masaki Nakayama" userId="7eabd57b-b900-4e86-8622-e94bcfa04d00" providerId="ADAL" clId="{94C1CCE3-75C0-40D3-B12F-B54977995DC0}"/>
-    <pc:docChg chg="modSld">
-      <pc:chgData name="Masaki Nakayama" userId="7eabd57b-b900-4e86-8622-e94bcfa04d00" providerId="ADAL" clId="{94C1CCE3-75C0-40D3-B12F-B54977995DC0}" dt="2021-07-06T05:59:11.397" v="16" actId="1036"/>
+    <pc:docChg chg="undo custSel modSld modNotesMaster">
+      <pc:chgData name="Masaki Nakayama" userId="7eabd57b-b900-4e86-8622-e94bcfa04d00" providerId="ADAL" clId="{94C1CCE3-75C0-40D3-B12F-B54977995DC0}" dt="2021-08-30T05:08:19.341" v="1058" actId="403"/>
       <pc:docMkLst>
         <pc:docMk/>
       </pc:docMkLst>
-      <pc:sldChg chg="modSp mod">
-        <pc:chgData name="Masaki Nakayama" userId="7eabd57b-b900-4e86-8622-e94bcfa04d00" providerId="ADAL" clId="{94C1CCE3-75C0-40D3-B12F-B54977995DC0}" dt="2021-07-06T05:59:11.397" v="16" actId="1036"/>
+      <pc:sldChg chg="delSp modSp mod">
+        <pc:chgData name="Masaki Nakayama" userId="7eabd57b-b900-4e86-8622-e94bcfa04d00" providerId="ADAL" clId="{94C1CCE3-75C0-40D3-B12F-B54977995DC0}" dt="2021-08-30T05:08:19.341" v="1058" actId="403"/>
         <pc:sldMkLst>
           <pc:docMk/>
           <pc:sldMk cId="3444483772" sldId="701"/>
         </pc:sldMkLst>
+        <pc:spChg chg="mod ord">
+          <ac:chgData name="Masaki Nakayama" userId="7eabd57b-b900-4e86-8622-e94bcfa04d00" providerId="ADAL" clId="{94C1CCE3-75C0-40D3-B12F-B54977995DC0}" dt="2021-08-27T08:00:00.114" v="1007" actId="1035"/>
+          <ac:spMkLst>
+            <pc:docMk/>
+            <pc:sldMk cId="3444483772" sldId="701"/>
+            <ac:spMk id="2" creationId="{00000000-0000-0000-0000-000000000000}"/>
+          </ac:spMkLst>
+        </pc:spChg>
         <pc:spChg chg="mod">
-          <ac:chgData name="Masaki Nakayama" userId="7eabd57b-b900-4e86-8622-e94bcfa04d00" providerId="ADAL" clId="{94C1CCE3-75C0-40D3-B12F-B54977995DC0}" dt="2021-07-06T05:59:11.397" v="16" actId="1036"/>
+          <ac:chgData name="Masaki Nakayama" userId="7eabd57b-b900-4e86-8622-e94bcfa04d00" providerId="ADAL" clId="{94C1CCE3-75C0-40D3-B12F-B54977995DC0}" dt="2021-08-27T08:04:47.232" v="1021" actId="14100"/>
+          <ac:spMkLst>
+            <pc:docMk/>
+            <pc:sldMk cId="3444483772" sldId="701"/>
+            <ac:spMk id="3" creationId="{00000000-0000-0000-0000-000000000000}"/>
+          </ac:spMkLst>
+        </pc:spChg>
+        <pc:spChg chg="mod">
+          <ac:chgData name="Masaki Nakayama" userId="7eabd57b-b900-4e86-8622-e94bcfa04d00" providerId="ADAL" clId="{94C1CCE3-75C0-40D3-B12F-B54977995DC0}" dt="2021-08-27T07:00:53.890" v="676" actId="1076"/>
+          <ac:spMkLst>
+            <pc:docMk/>
+            <pc:sldMk cId="3444483772" sldId="701"/>
+            <ac:spMk id="4" creationId="{00000000-0000-0000-0000-000000000000}"/>
+          </ac:spMkLst>
+        </pc:spChg>
+        <pc:spChg chg="del">
+          <ac:chgData name="Masaki Nakayama" userId="7eabd57b-b900-4e86-8622-e94bcfa04d00" providerId="ADAL" clId="{94C1CCE3-75C0-40D3-B12F-B54977995DC0}" dt="2021-08-27T07:03:45.280" v="712" actId="478"/>
+          <ac:spMkLst>
+            <pc:docMk/>
+            <pc:sldMk cId="3444483772" sldId="701"/>
+            <ac:spMk id="5" creationId="{76C9B0B7-A099-4A06-A64D-3CE5185DE31A}"/>
+          </ac:spMkLst>
+        </pc:spChg>
+        <pc:spChg chg="mod">
+          <ac:chgData name="Masaki Nakayama" userId="7eabd57b-b900-4e86-8622-e94bcfa04d00" providerId="ADAL" clId="{94C1CCE3-75C0-40D3-B12F-B54977995DC0}" dt="2021-08-27T07:06:27.489" v="749" actId="20577"/>
+          <ac:spMkLst>
+            <pc:docMk/>
+            <pc:sldMk cId="3444483772" sldId="701"/>
+            <ac:spMk id="11" creationId="{00000000-0000-0000-0000-000000000000}"/>
+          </ac:spMkLst>
+        </pc:spChg>
+        <pc:spChg chg="mod">
+          <ac:chgData name="Masaki Nakayama" userId="7eabd57b-b900-4e86-8622-e94bcfa04d00" providerId="ADAL" clId="{94C1CCE3-75C0-40D3-B12F-B54977995DC0}" dt="2021-08-27T07:58:56.814" v="994" actId="1076"/>
+          <ac:spMkLst>
+            <pc:docMk/>
+            <pc:sldMk cId="3444483772" sldId="701"/>
+            <ac:spMk id="17" creationId="{00000000-0000-0000-0000-000000000000}"/>
+          </ac:spMkLst>
+        </pc:spChg>
+        <pc:spChg chg="mod">
+          <ac:chgData name="Masaki Nakayama" userId="7eabd57b-b900-4e86-8622-e94bcfa04d00" providerId="ADAL" clId="{94C1CCE3-75C0-40D3-B12F-B54977995DC0}" dt="2021-08-27T08:02:25.452" v="1016" actId="1076"/>
           <ac:spMkLst>
             <pc:docMk/>
             <pc:sldMk cId="3444483772" sldId="701"/>
             <ac:spMk id="56" creationId="{00000000-0000-0000-0000-000000000000}"/>
           </ac:spMkLst>
         </pc:spChg>
+        <pc:spChg chg="del">
+          <ac:chgData name="Masaki Nakayama" userId="7eabd57b-b900-4e86-8622-e94bcfa04d00" providerId="ADAL" clId="{94C1CCE3-75C0-40D3-B12F-B54977995DC0}" dt="2021-08-27T07:11:12.540" v="774" actId="478"/>
+          <ac:spMkLst>
+            <pc:docMk/>
+            <pc:sldMk cId="3444483772" sldId="701"/>
+            <ac:spMk id="60" creationId="{00000000-0000-0000-0000-000000000000}"/>
+          </ac:spMkLst>
+        </pc:spChg>
+        <pc:spChg chg="del mod">
+          <ac:chgData name="Masaki Nakayama" userId="7eabd57b-b900-4e86-8622-e94bcfa04d00" providerId="ADAL" clId="{94C1CCE3-75C0-40D3-B12F-B54977995DC0}" dt="2021-08-27T06:51:39.839" v="455" actId="478"/>
+          <ac:spMkLst>
+            <pc:docMk/>
+            <pc:sldMk cId="3444483772" sldId="701"/>
+            <ac:spMk id="61" creationId="{00000000-0000-0000-0000-000000000000}"/>
+          </ac:spMkLst>
+        </pc:spChg>
+        <pc:spChg chg="del">
+          <ac:chgData name="Masaki Nakayama" userId="7eabd57b-b900-4e86-8622-e94bcfa04d00" providerId="ADAL" clId="{94C1CCE3-75C0-40D3-B12F-B54977995DC0}" dt="2021-08-27T07:11:15.801" v="775" actId="478"/>
+          <ac:spMkLst>
+            <pc:docMk/>
+            <pc:sldMk cId="3444483772" sldId="701"/>
+            <ac:spMk id="63" creationId="{00000000-0000-0000-0000-000000000000}"/>
+          </ac:spMkLst>
+        </pc:spChg>
         <pc:spChg chg="mod">
-          <ac:chgData name="Masaki Nakayama" userId="7eabd57b-b900-4e86-8622-e94bcfa04d00" providerId="ADAL" clId="{94C1CCE3-75C0-40D3-B12F-B54977995DC0}" dt="2021-07-06T05:59:04.275" v="7" actId="1036"/>
+          <ac:chgData name="Masaki Nakayama" userId="7eabd57b-b900-4e86-8622-e94bcfa04d00" providerId="ADAL" clId="{94C1CCE3-75C0-40D3-B12F-B54977995DC0}" dt="2021-08-27T08:27:49.716" v="1039" actId="20577"/>
+          <ac:spMkLst>
+            <pc:docMk/>
+            <pc:sldMk cId="3444483772" sldId="701"/>
+            <ac:spMk id="64" creationId="{00000000-0000-0000-0000-000000000000}"/>
+          </ac:spMkLst>
+        </pc:spChg>
+        <pc:spChg chg="mod">
+          <ac:chgData name="Masaki Nakayama" userId="7eabd57b-b900-4e86-8622-e94bcfa04d00" providerId="ADAL" clId="{94C1CCE3-75C0-40D3-B12F-B54977995DC0}" dt="2021-08-30T05:08:19.341" v="1058" actId="403"/>
+          <ac:spMkLst>
+            <pc:docMk/>
+            <pc:sldMk cId="3444483772" sldId="701"/>
+            <ac:spMk id="66" creationId="{00000000-0000-0000-0000-000000000000}"/>
+          </ac:spMkLst>
+        </pc:spChg>
+        <pc:spChg chg="mod">
+          <ac:chgData name="Masaki Nakayama" userId="7eabd57b-b900-4e86-8622-e94bcfa04d00" providerId="ADAL" clId="{94C1CCE3-75C0-40D3-B12F-B54977995DC0}" dt="2021-08-27T06:58:01.715" v="628" actId="14100"/>
+          <ac:spMkLst>
+            <pc:docMk/>
+            <pc:sldMk cId="3444483772" sldId="701"/>
+            <ac:spMk id="67" creationId="{00000000-0000-0000-0000-000000000000}"/>
+          </ac:spMkLst>
+        </pc:spChg>
+        <pc:spChg chg="mod">
+          <ac:chgData name="Masaki Nakayama" userId="7eabd57b-b900-4e86-8622-e94bcfa04d00" providerId="ADAL" clId="{94C1CCE3-75C0-40D3-B12F-B54977995DC0}" dt="2021-08-30T05:07:58.881" v="1055" actId="14100"/>
+          <ac:spMkLst>
+            <pc:docMk/>
+            <pc:sldMk cId="3444483772" sldId="701"/>
+            <ac:spMk id="68" creationId="{00000000-0000-0000-0000-000000000000}"/>
+          </ac:spMkLst>
+        </pc:spChg>
+        <pc:spChg chg="del">
+          <ac:chgData name="Masaki Nakayama" userId="7eabd57b-b900-4e86-8622-e94bcfa04d00" providerId="ADAL" clId="{94C1CCE3-75C0-40D3-B12F-B54977995DC0}" dt="2021-08-27T08:01:35.178" v="1011" actId="478"/>
+          <ac:spMkLst>
+            <pc:docMk/>
+            <pc:sldMk cId="3444483772" sldId="701"/>
+            <ac:spMk id="70" creationId="{00000000-0000-0000-0000-000000000000}"/>
+          </ac:spMkLst>
+        </pc:spChg>
+        <pc:spChg chg="mod">
+          <ac:chgData name="Masaki Nakayama" userId="7eabd57b-b900-4e86-8622-e94bcfa04d00" providerId="ADAL" clId="{94C1CCE3-75C0-40D3-B12F-B54977995DC0}" dt="2021-08-27T07:58:31.885" v="992" actId="404"/>
+          <ac:spMkLst>
+            <pc:docMk/>
+            <pc:sldMk cId="3444483772" sldId="701"/>
+            <ac:spMk id="71" creationId="{00000000-0000-0000-0000-000000000000}"/>
+          </ac:spMkLst>
+        </pc:spChg>
+        <pc:spChg chg="mod">
+          <ac:chgData name="Masaki Nakayama" userId="7eabd57b-b900-4e86-8622-e94bcfa04d00" providerId="ADAL" clId="{94C1CCE3-75C0-40D3-B12F-B54977995DC0}" dt="2021-08-27T08:00:47.827" v="1010" actId="14100"/>
+          <ac:spMkLst>
+            <pc:docMk/>
+            <pc:sldMk cId="3444483772" sldId="701"/>
+            <ac:spMk id="72" creationId="{00000000-0000-0000-0000-000000000000}"/>
+          </ac:spMkLst>
+        </pc:spChg>
+        <pc:spChg chg="mod">
+          <ac:chgData name="Masaki Nakayama" userId="7eabd57b-b900-4e86-8622-e94bcfa04d00" providerId="ADAL" clId="{94C1CCE3-75C0-40D3-B12F-B54977995DC0}" dt="2021-08-30T05:08:12.326" v="1057" actId="403"/>
+          <ac:spMkLst>
+            <pc:docMk/>
+            <pc:sldMk cId="3444483772" sldId="701"/>
+            <ac:spMk id="74" creationId="{00000000-0000-0000-0000-000000000000}"/>
+          </ac:spMkLst>
+        </pc:spChg>
+        <pc:spChg chg="mod">
+          <ac:chgData name="Masaki Nakayama" userId="7eabd57b-b900-4e86-8622-e94bcfa04d00" providerId="ADAL" clId="{94C1CCE3-75C0-40D3-B12F-B54977995DC0}" dt="2021-08-27T07:11:51.918" v="778" actId="14100"/>
+          <ac:spMkLst>
+            <pc:docMk/>
+            <pc:sldMk cId="3444483772" sldId="701"/>
+            <ac:spMk id="90" creationId="{00000000-0000-0000-0000-000000000000}"/>
+          </ac:spMkLst>
+        </pc:spChg>
+        <pc:spChg chg="del">
+          <ac:chgData name="Masaki Nakayama" userId="7eabd57b-b900-4e86-8622-e94bcfa04d00" providerId="ADAL" clId="{94C1CCE3-75C0-40D3-B12F-B54977995DC0}" dt="2021-08-27T08:01:55.890" v="1013" actId="478"/>
+          <ac:spMkLst>
+            <pc:docMk/>
+            <pc:sldMk cId="3444483772" sldId="701"/>
+            <ac:spMk id="91" creationId="{00000000-0000-0000-0000-000000000000}"/>
+          </ac:spMkLst>
+        </pc:spChg>
+        <pc:spChg chg="mod">
+          <ac:chgData name="Masaki Nakayama" userId="7eabd57b-b900-4e86-8622-e94bcfa04d00" providerId="ADAL" clId="{94C1CCE3-75C0-40D3-B12F-B54977995DC0}" dt="2021-08-27T07:04:01.664" v="715" actId="1076"/>
+          <ac:spMkLst>
+            <pc:docMk/>
+            <pc:sldMk cId="3444483772" sldId="701"/>
+            <ac:spMk id="92" creationId="{00000000-0000-0000-0000-000000000000}"/>
+          </ac:spMkLst>
+        </pc:spChg>
+        <pc:spChg chg="mod">
+          <ac:chgData name="Masaki Nakayama" userId="7eabd57b-b900-4e86-8622-e94bcfa04d00" providerId="ADAL" clId="{94C1CCE3-75C0-40D3-B12F-B54977995DC0}" dt="2021-08-27T07:21:51.122" v="893" actId="1076"/>
+          <ac:spMkLst>
+            <pc:docMk/>
+            <pc:sldMk cId="3444483772" sldId="701"/>
+            <ac:spMk id="94" creationId="{00000000-0000-0000-0000-000000000000}"/>
+          </ac:spMkLst>
+        </pc:spChg>
+        <pc:spChg chg="mod">
+          <ac:chgData name="Masaki Nakayama" userId="7eabd57b-b900-4e86-8622-e94bcfa04d00" providerId="ADAL" clId="{94C1CCE3-75C0-40D3-B12F-B54977995DC0}" dt="2021-08-27T07:21:43.957" v="892" actId="1076"/>
+          <ac:spMkLst>
+            <pc:docMk/>
+            <pc:sldMk cId="3444483772" sldId="701"/>
+            <ac:spMk id="96" creationId="{00000000-0000-0000-0000-000000000000}"/>
+          </ac:spMkLst>
+        </pc:spChg>
+        <pc:spChg chg="del">
+          <ac:chgData name="Masaki Nakayama" userId="7eabd57b-b900-4e86-8622-e94bcfa04d00" providerId="ADAL" clId="{94C1CCE3-75C0-40D3-B12F-B54977995DC0}" dt="2021-08-27T07:03:48.076" v="713" actId="478"/>
+          <ac:spMkLst>
+            <pc:docMk/>
+            <pc:sldMk cId="3444483772" sldId="701"/>
+            <ac:spMk id="98" creationId="{1B0B0FA1-21BD-41D9-8E75-422D39DF3972}"/>
+          </ac:spMkLst>
+        </pc:spChg>
+        <pc:spChg chg="del">
+          <ac:chgData name="Masaki Nakayama" userId="7eabd57b-b900-4e86-8622-e94bcfa04d00" providerId="ADAL" clId="{94C1CCE3-75C0-40D3-B12F-B54977995DC0}" dt="2021-08-27T07:03:43.624" v="711" actId="478"/>
+          <ac:spMkLst>
+            <pc:docMk/>
+            <pc:sldMk cId="3444483772" sldId="701"/>
+            <ac:spMk id="99" creationId="{9E6EFB1B-854D-4880-96FC-C2BCE280ED97}"/>
+          </ac:spMkLst>
+        </pc:spChg>
+        <pc:spChg chg="mod">
+          <ac:chgData name="Masaki Nakayama" userId="7eabd57b-b900-4e86-8622-e94bcfa04d00" providerId="ADAL" clId="{94C1CCE3-75C0-40D3-B12F-B54977995DC0}" dt="2021-08-27T07:03:52.565" v="714" actId="14100"/>
+          <ac:spMkLst>
+            <pc:docMk/>
+            <pc:sldMk cId="3444483772" sldId="701"/>
+            <ac:spMk id="106" creationId="{00000000-0000-0000-0000-000000000000}"/>
+          </ac:spMkLst>
+        </pc:spChg>
+        <pc:spChg chg="mod">
+          <ac:chgData name="Masaki Nakayama" userId="7eabd57b-b900-4e86-8622-e94bcfa04d00" providerId="ADAL" clId="{94C1CCE3-75C0-40D3-B12F-B54977995DC0}" dt="2021-08-27T06:54:27.322" v="479" actId="14100"/>
+          <ac:spMkLst>
+            <pc:docMk/>
+            <pc:sldMk cId="3444483772" sldId="701"/>
+            <ac:spMk id="125" creationId="{00000000-0000-0000-0000-000000000000}"/>
+          </ac:spMkLst>
+        </pc:spChg>
+        <pc:spChg chg="mod">
+          <ac:chgData name="Masaki Nakayama" userId="7eabd57b-b900-4e86-8622-e94bcfa04d00" providerId="ADAL" clId="{94C1CCE3-75C0-40D3-B12F-B54977995DC0}" dt="2021-08-30T05:07:49.954" v="1053" actId="1076"/>
+          <ac:spMkLst>
+            <pc:docMk/>
+            <pc:sldMk cId="3444483772" sldId="701"/>
+            <ac:spMk id="129" creationId="{00000000-0000-0000-0000-000000000000}"/>
+          </ac:spMkLst>
+        </pc:spChg>
+        <pc:spChg chg="mod">
+          <ac:chgData name="Masaki Nakayama" userId="7eabd57b-b900-4e86-8622-e94bcfa04d00" providerId="ADAL" clId="{94C1CCE3-75C0-40D3-B12F-B54977995DC0}" dt="2021-08-27T08:01:40.793" v="1012" actId="1076"/>
+          <ac:spMkLst>
+            <pc:docMk/>
+            <pc:sldMk cId="3444483772" sldId="701"/>
+            <ac:spMk id="130" creationId="{00000000-0000-0000-0000-000000000000}"/>
+          </ac:spMkLst>
+        </pc:spChg>
+        <pc:spChg chg="mod">
+          <ac:chgData name="Masaki Nakayama" userId="7eabd57b-b900-4e86-8622-e94bcfa04d00" providerId="ADAL" clId="{94C1CCE3-75C0-40D3-B12F-B54977995DC0}" dt="2021-08-27T08:03:03.511" v="1020" actId="1076"/>
+          <ac:spMkLst>
+            <pc:docMk/>
+            <pc:sldMk cId="3444483772" sldId="701"/>
+            <ac:spMk id="132" creationId="{00000000-0000-0000-0000-000000000000}"/>
+          </ac:spMkLst>
+        </pc:spChg>
+        <pc:spChg chg="mod">
+          <ac:chgData name="Masaki Nakayama" userId="7eabd57b-b900-4e86-8622-e94bcfa04d00" providerId="ADAL" clId="{94C1CCE3-75C0-40D3-B12F-B54977995DC0}" dt="2021-08-27T08:02:17.530" v="1015" actId="14100"/>
           <ac:spMkLst>
             <pc:docMk/>
             <pc:sldMk cId="3444483772" sldId="701"/>
             <ac:spMk id="133" creationId="{00000000-0000-0000-0000-000000000000}"/>
           </ac:spMkLst>
         </pc:spChg>
+        <pc:spChg chg="mod">
+          <ac:chgData name="Masaki Nakayama" userId="7eabd57b-b900-4e86-8622-e94bcfa04d00" providerId="ADAL" clId="{94C1CCE3-75C0-40D3-B12F-B54977995DC0}" dt="2021-08-27T07:26:59.967" v="910" actId="1038"/>
+          <ac:spMkLst>
+            <pc:docMk/>
+            <pc:sldMk cId="3444483772" sldId="701"/>
+            <ac:spMk id="136" creationId="{00000000-0000-0000-0000-000000000000}"/>
+          </ac:spMkLst>
+        </pc:spChg>
+        <pc:spChg chg="mod">
+          <ac:chgData name="Masaki Nakayama" userId="7eabd57b-b900-4e86-8622-e94bcfa04d00" providerId="ADAL" clId="{94C1CCE3-75C0-40D3-B12F-B54977995DC0}" dt="2021-08-27T07:04:08.561" v="716" actId="1076"/>
+          <ac:spMkLst>
+            <pc:docMk/>
+            <pc:sldMk cId="3444483772" sldId="701"/>
+            <ac:spMk id="139" creationId="{00000000-0000-0000-0000-000000000000}"/>
+          </ac:spMkLst>
+        </pc:spChg>
+        <pc:grpChg chg="mod">
+          <ac:chgData name="Masaki Nakayama" userId="7eabd57b-b900-4e86-8622-e94bcfa04d00" providerId="ADAL" clId="{94C1CCE3-75C0-40D3-B12F-B54977995DC0}" dt="2021-08-27T07:04:18.762" v="718" actId="14100"/>
+          <ac:grpSpMkLst>
+            <pc:docMk/>
+            <pc:sldMk cId="3444483772" sldId="701"/>
+            <ac:grpSpMk id="77" creationId="{00000000-0000-0000-0000-000000000000}"/>
+          </ac:grpSpMkLst>
+        </pc:grpChg>
       </pc:sldChg>
     </pc:docChg>
   </pc:docChgLst>
@@ -270,14 +534,14 @@
         <p:spPr>
           <a:xfrm>
             <a:off x="1" y="0"/>
-            <a:ext cx="2918830" cy="495029"/>
+            <a:ext cx="2971799" cy="499012"/>
           </a:xfrm>
           <a:prstGeom prst="rect">
             <a:avLst/>
           </a:prstGeom>
         </p:spPr>
         <p:txBody>
-          <a:bodyPr vert="horz" lIns="94864" tIns="47433" rIns="94864" bIns="47433" rtlCol="0"/>
+          <a:bodyPr vert="horz" lIns="96012" tIns="48007" rIns="96012" bIns="48007" rtlCol="0"/>
           <a:lstStyle>
             <a:lvl1pPr algn="l">
               <a:defRPr sz="1200"/>
@@ -300,15 +564,15 @@
         </p:nvSpPr>
         <p:spPr>
           <a:xfrm>
-            <a:off x="3815375" y="0"/>
-            <a:ext cx="2918830" cy="495029"/>
+            <a:off x="3884615" y="0"/>
+            <a:ext cx="2971799" cy="499012"/>
           </a:xfrm>
           <a:prstGeom prst="rect">
             <a:avLst/>
           </a:prstGeom>
         </p:spPr>
         <p:txBody>
-          <a:bodyPr vert="horz" lIns="94864" tIns="47433" rIns="94864" bIns="47433" rtlCol="0"/>
+          <a:bodyPr vert="horz" lIns="96012" tIns="48007" rIns="96012" bIns="48007" rtlCol="0"/>
           <a:lstStyle>
             <a:lvl1pPr algn="r">
               <a:defRPr sz="1200"/>
@@ -317,7 +581,7 @@
           <a:p>
             <a:fld id="{B377335C-6462-4247-BEFA-CD97B67177F9}" type="datetimeFigureOut">
               <a:rPr kumimoji="1" lang="ja-JP" altLang="en-US" smtClean="0"/>
-              <a:t>2021/7/6</a:t>
+              <a:t>2021/8/30</a:t>
             </a:fld>
             <a:endParaRPr kumimoji="1" lang="ja-JP" altLang="en-US"/>
           </a:p>
@@ -335,8 +599,8 @@
         </p:nvSpPr>
         <p:spPr>
           <a:xfrm>
-            <a:off x="409575" y="1233488"/>
-            <a:ext cx="5918200" cy="3330575"/>
+            <a:off x="444500" y="1243013"/>
+            <a:ext cx="5970588" cy="3357562"/>
           </a:xfrm>
           <a:prstGeom prst="rect">
             <a:avLst/>
@@ -349,7 +613,7 @@
           </a:ln>
         </p:spPr>
         <p:txBody>
-          <a:bodyPr vert="horz" lIns="94864" tIns="47433" rIns="94864" bIns="47433" rtlCol="0" anchor="ctr"/>
+          <a:bodyPr vert="horz" lIns="96012" tIns="48007" rIns="96012" bIns="48007" rtlCol="0" anchor="ctr"/>
           <a:lstStyle/>
           <a:p>
             <a:endParaRPr lang="ja-JP" altLang="en-US"/>
@@ -368,15 +632,15 @@
         </p:nvSpPr>
         <p:spPr>
           <a:xfrm>
-            <a:off x="673577" y="4748163"/>
-            <a:ext cx="5388610" cy="3884861"/>
+            <a:off x="685801" y="4786363"/>
+            <a:ext cx="5486400" cy="3916115"/>
           </a:xfrm>
           <a:prstGeom prst="rect">
             <a:avLst/>
           </a:prstGeom>
         </p:spPr>
         <p:txBody>
-          <a:bodyPr vert="horz" lIns="94864" tIns="47433" rIns="94864" bIns="47433" rtlCol="0"/>
+          <a:bodyPr vert="horz" lIns="96012" tIns="48007" rIns="96012" bIns="48007" rtlCol="0"/>
           <a:lstStyle/>
           <a:p>
             <a:pPr lvl="0"/>
@@ -459,15 +723,15 @@
         </p:nvSpPr>
         <p:spPr>
           <a:xfrm>
-            <a:off x="1" y="9371286"/>
-            <a:ext cx="2918830" cy="495028"/>
+            <a:off x="1" y="9446678"/>
+            <a:ext cx="2971799" cy="499011"/>
           </a:xfrm>
           <a:prstGeom prst="rect">
             <a:avLst/>
           </a:prstGeom>
         </p:spPr>
         <p:txBody>
-          <a:bodyPr vert="horz" lIns="94864" tIns="47433" rIns="94864" bIns="47433" rtlCol="0" anchor="b"/>
+          <a:bodyPr vert="horz" lIns="96012" tIns="48007" rIns="96012" bIns="48007" rtlCol="0" anchor="b"/>
           <a:lstStyle>
             <a:lvl1pPr algn="l">
               <a:defRPr sz="1200"/>
@@ -490,15 +754,15 @@
         </p:nvSpPr>
         <p:spPr>
           <a:xfrm>
-            <a:off x="3815375" y="9371286"/>
-            <a:ext cx="2918830" cy="495028"/>
+            <a:off x="3884615" y="9446678"/>
+            <a:ext cx="2971799" cy="499011"/>
           </a:xfrm>
           <a:prstGeom prst="rect">
             <a:avLst/>
           </a:prstGeom>
         </p:spPr>
         <p:txBody>
-          <a:bodyPr vert="horz" lIns="94864" tIns="47433" rIns="94864" bIns="47433" rtlCol="0" anchor="b"/>
+          <a:bodyPr vert="horz" lIns="96012" tIns="48007" rIns="96012" bIns="48007" rtlCol="0" anchor="b"/>
           <a:lstStyle>
             <a:lvl1pPr algn="r">
               <a:defRPr sz="1200"/>
@@ -760,7 +1024,7 @@
             <a:fld id="{DD2B6372-1A88-4F0C-86B1-FCF70832C42C}" type="datetimeFigureOut">
               <a:rPr lang="ja-JP" altLang="en-US" smtClean="0"/>
               <a:pPr/>
-              <a:t>2021/7/6</a:t>
+              <a:t>2021/8/30</a:t>
             </a:fld>
             <a:endParaRPr lang="ja-JP" altLang="en-US"/>
           </a:p>
@@ -1153,7 +1417,7 @@
             <a:fld id="{DD2B6372-1A88-4F0C-86B1-FCF70832C42C}" type="datetimeFigureOut">
               <a:rPr lang="ja-JP" altLang="en-US" smtClean="0"/>
               <a:pPr/>
-              <a:t>2021/7/6</a:t>
+              <a:t>2021/8/30</a:t>
             </a:fld>
             <a:endParaRPr lang="ja-JP" altLang="en-US"/>
           </a:p>
@@ -1362,7 +1626,7 @@
             <a:fld id="{DD2B6372-1A88-4F0C-86B1-FCF70832C42C}" type="datetimeFigureOut">
               <a:rPr lang="ja-JP" altLang="en-US" smtClean="0"/>
               <a:pPr/>
-              <a:t>2021/7/6</a:t>
+              <a:t>2021/8/30</a:t>
             </a:fld>
             <a:endParaRPr lang="ja-JP" altLang="en-US"/>
           </a:p>
@@ -1599,7 +1863,7 @@
             <a:fld id="{DD2B6372-1A88-4F0C-86B1-FCF70832C42C}" type="datetimeFigureOut">
               <a:rPr lang="ja-JP" altLang="en-US" smtClean="0"/>
               <a:pPr/>
-              <a:t>2021/7/6</a:t>
+              <a:t>2021/8/30</a:t>
             </a:fld>
             <a:endParaRPr lang="ja-JP" altLang="en-US"/>
           </a:p>
@@ -1902,7 +2166,7 @@
             <a:fld id="{DD2B6372-1A88-4F0C-86B1-FCF70832C42C}" type="datetimeFigureOut">
               <a:rPr lang="ja-JP" altLang="en-US" smtClean="0"/>
               <a:pPr/>
-              <a:t>2021/7/6</a:t>
+              <a:t>2021/8/30</a:t>
             </a:fld>
             <a:endParaRPr lang="ja-JP" altLang="en-US"/>
           </a:p>
@@ -2124,7 +2388,7 @@
             <a:fld id="{DD2B6372-1A88-4F0C-86B1-FCF70832C42C}" type="datetimeFigureOut">
               <a:rPr lang="ja-JP" altLang="en-US" smtClean="0"/>
               <a:pPr/>
-              <a:t>2021/7/6</a:t>
+              <a:t>2021/8/30</a:t>
             </a:fld>
             <a:endParaRPr lang="ja-JP" altLang="en-US"/>
           </a:p>
@@ -2542,7 +2806,7 @@
             <a:fld id="{DD2B6372-1A88-4F0C-86B1-FCF70832C42C}" type="datetimeFigureOut">
               <a:rPr lang="ja-JP" altLang="en-US" smtClean="0"/>
               <a:pPr/>
-              <a:t>2021/7/6</a:t>
+              <a:t>2021/8/30</a:t>
             </a:fld>
             <a:endParaRPr lang="ja-JP" altLang="en-US"/>
           </a:p>
@@ -2840,7 +3104,7 @@
             <a:fld id="{DD2B6372-1A88-4F0C-86B1-FCF70832C42C}" type="datetimeFigureOut">
               <a:rPr lang="ja-JP" altLang="en-US" smtClean="0"/>
               <a:pPr/>
-              <a:t>2021/7/6</a:t>
+              <a:t>2021/8/30</a:t>
             </a:fld>
             <a:endParaRPr lang="ja-JP" altLang="en-US"/>
           </a:p>
@@ -2982,7 +3246,7 @@
             <a:fld id="{DD2B6372-1A88-4F0C-86B1-FCF70832C42C}" type="datetimeFigureOut">
               <a:rPr lang="ja-JP" altLang="en-US" smtClean="0"/>
               <a:pPr/>
-              <a:t>2021/7/6</a:t>
+              <a:t>2021/8/30</a:t>
             </a:fld>
             <a:endParaRPr lang="ja-JP" altLang="en-US"/>
           </a:p>
@@ -3261,7 +3525,7 @@
             <a:fld id="{DD2B6372-1A88-4F0C-86B1-FCF70832C42C}" type="datetimeFigureOut">
               <a:rPr lang="ja-JP" altLang="en-US" smtClean="0"/>
               <a:pPr/>
-              <a:t>2021/7/6</a:t>
+              <a:t>2021/8/30</a:t>
             </a:fld>
             <a:endParaRPr lang="ja-JP" altLang="en-US"/>
           </a:p>
@@ -3702,7 +3966,7 @@
             <a:fld id="{DD2B6372-1A88-4F0C-86B1-FCF70832C42C}" type="datetimeFigureOut">
               <a:rPr lang="ja-JP" altLang="en-US" smtClean="0"/>
               <a:pPr/>
-              <a:t>2021/7/6</a:t>
+              <a:t>2021/8/30</a:t>
             </a:fld>
             <a:endParaRPr lang="ja-JP" altLang="en-US"/>
           </a:p>
@@ -4074,7 +4338,7 @@
             <a:fld id="{DD2B6372-1A88-4F0C-86B1-FCF70832C42C}" type="datetimeFigureOut">
               <a:rPr lang="ja-JP" altLang="en-US" smtClean="0"/>
               <a:pPr/>
-              <a:t>2021/7/6</a:t>
+              <a:t>2021/8/30</a:t>
             </a:fld>
             <a:endParaRPr lang="ja-JP" altLang="en-US"/>
           </a:p>
@@ -4616,8 +4880,8 @@
         </p:nvSpPr>
         <p:spPr bwMode="auto">
           <a:xfrm>
-            <a:off x="1597267" y="2906166"/>
-            <a:ext cx="10393147" cy="3688225"/>
+            <a:off x="1597267" y="3035852"/>
+            <a:ext cx="10393147" cy="3558539"/>
           </a:xfrm>
           <a:prstGeom prst="roundRect">
             <a:avLst>
@@ -4727,55 +4991,6 @@
       </p:sp>
       <p:sp>
         <p:nvSpPr>
-          <p:cNvPr id="61" name="AutoShape 8"/>
-          <p:cNvSpPr>
-            <a:spLocks noChangeArrowheads="1"/>
-          </p:cNvSpPr>
-          <p:nvPr/>
-        </p:nvSpPr>
-        <p:spPr bwMode="auto">
-          <a:xfrm>
-            <a:off x="300038" y="603495"/>
-            <a:ext cx="5653990" cy="1904260"/>
-          </a:xfrm>
-          <a:prstGeom prst="cloud">
-            <a:avLst/>
-          </a:prstGeom>
-          <a:ln>
-            <a:headEnd/>
-            <a:tailEnd/>
-          </a:ln>
-        </p:spPr>
-        <p:style>
-          <a:lnRef idx="1">
-            <a:schemeClr val="accent3"/>
-          </a:lnRef>
-          <a:fillRef idx="2">
-            <a:schemeClr val="accent3"/>
-          </a:fillRef>
-          <a:effectRef idx="1">
-            <a:schemeClr val="accent3"/>
-          </a:effectRef>
-          <a:fontRef idx="minor">
-            <a:schemeClr val="dk1"/>
-          </a:fontRef>
-        </p:style>
-        <p:txBody>
-          <a:bodyPr wrap="square" anchor="t" anchorCtr="0">
-            <a:noAutofit/>
-          </a:bodyPr>
-          <a:lstStyle/>
-          <a:p>
-            <a:endParaRPr lang="ja-JP" altLang="ja-JP" sz="1200" b="1" dirty="0">
-              <a:latin typeface="Meiryo UI" panose="020B0604030504040204" pitchFamily="50" charset="-128"/>
-              <a:ea typeface="Meiryo UI" panose="020B0604030504040204" pitchFamily="50" charset="-128"/>
-              <a:cs typeface="Meiryo UI" panose="020B0604030504040204" pitchFamily="50" charset="-128"/>
-            </a:endParaRPr>
-          </a:p>
-        </p:txBody>
-      </p:sp>
-      <p:sp>
-        <p:nvSpPr>
           <p:cNvPr id="17" name="AutoShape 8"/>
           <p:cNvSpPr>
             <a:spLocks noChangeArrowheads="1"/>
@@ -4824,63 +5039,9 @@
                 <a:ea typeface="Meiryo UI" panose="020B0604030504040204" pitchFamily="50" charset="-128"/>
                 <a:cs typeface="Meiryo UI" panose="020B0604030504040204" pitchFamily="50" charset="-128"/>
               </a:rPr>
-              <a:t>情報発信</a:t>
+              <a:t>情報の提供</a:t>
             </a:r>
             <a:endParaRPr lang="ja-JP" altLang="ja-JP" sz="1200" b="1" dirty="0">
-              <a:latin typeface="Meiryo UI" panose="020B0604030504040204" pitchFamily="50" charset="-128"/>
-              <a:ea typeface="Meiryo UI" panose="020B0604030504040204" pitchFamily="50" charset="-128"/>
-              <a:cs typeface="Meiryo UI" panose="020B0604030504040204" pitchFamily="50" charset="-128"/>
-            </a:endParaRPr>
-          </a:p>
-        </p:txBody>
-      </p:sp>
-      <p:sp>
-        <p:nvSpPr>
-          <p:cNvPr id="2" name="タイトル 1"/>
-          <p:cNvSpPr>
-            <a:spLocks noGrp="1"/>
-          </p:cNvSpPr>
-          <p:nvPr>
-            <p:ph type="title"/>
-          </p:nvPr>
-        </p:nvSpPr>
-        <p:spPr>
-          <a:xfrm>
-            <a:off x="2928750" y="0"/>
-            <a:ext cx="7796603" cy="603495"/>
-          </a:xfrm>
-        </p:spPr>
-        <p:txBody>
-          <a:bodyPr>
-            <a:normAutofit/>
-          </a:bodyPr>
-          <a:lstStyle/>
-          <a:p>
-            <a:r>
-              <a:rPr lang="en-US" altLang="ja-JP" sz="3200" dirty="0">
-                <a:latin typeface="Meiryo UI" panose="020B0604030504040204" pitchFamily="50" charset="-128"/>
-                <a:ea typeface="Meiryo UI" panose="020B0604030504040204" pitchFamily="50" charset="-128"/>
-                <a:cs typeface="Meiryo UI" panose="020B0604030504040204" pitchFamily="50" charset="-128"/>
-              </a:rPr>
-              <a:t>TCYSS</a:t>
-            </a:r>
-            <a:r>
-              <a:rPr lang="ja-JP" altLang="en-US" sz="3200" dirty="0" err="1">
-                <a:latin typeface="Meiryo UI" panose="020B0604030504040204" pitchFamily="50" charset="-128"/>
-                <a:ea typeface="Meiryo UI" panose="020B0604030504040204" pitchFamily="50" charset="-128"/>
-                <a:cs typeface="Meiryo UI" panose="020B0604030504040204" pitchFamily="50" charset="-128"/>
-              </a:rPr>
-              <a:t>での</a:t>
-            </a:r>
-            <a:r>
-              <a:rPr lang="ja-JP" altLang="en-US" sz="3200" dirty="0">
-                <a:latin typeface="Meiryo UI" panose="020B0604030504040204" pitchFamily="50" charset="-128"/>
-                <a:ea typeface="Meiryo UI" panose="020B0604030504040204" pitchFamily="50" charset="-128"/>
-                <a:cs typeface="Meiryo UI" panose="020B0604030504040204" pitchFamily="50" charset="-128"/>
-              </a:rPr>
-              <a:t>情報収集・整理・蓄積と発信　</a:t>
-            </a:r>
-            <a:endParaRPr kumimoji="1" lang="ja-JP" altLang="en-US" sz="3200" dirty="0">
               <a:latin typeface="Meiryo UI" panose="020B0604030504040204" pitchFamily="50" charset="-128"/>
               <a:ea typeface="Meiryo UI" panose="020B0604030504040204" pitchFamily="50" charset="-128"/>
               <a:cs typeface="Meiryo UI" panose="020B0604030504040204" pitchFamily="50" charset="-128"/>
@@ -5073,8 +5234,8 @@
         </p:nvGrpSpPr>
         <p:grpSpPr>
           <a:xfrm>
-            <a:off x="845501" y="1005420"/>
-            <a:ext cx="599429" cy="787538"/>
+            <a:off x="4755023" y="1810024"/>
+            <a:ext cx="552340" cy="799302"/>
             <a:chOff x="-185784" y="2437254"/>
             <a:chExt cx="599429" cy="787538"/>
           </a:xfrm>
@@ -5452,8 +5613,8 @@
         </p:nvSpPr>
         <p:spPr>
           <a:xfrm rot="5400000">
-            <a:off x="9444530" y="3519393"/>
-            <a:ext cx="2644865" cy="516211"/>
+            <a:off x="9341018" y="3622904"/>
+            <a:ext cx="2851888" cy="516211"/>
           </a:xfrm>
           <a:prstGeom prst="leftArrow">
             <a:avLst/>
@@ -5729,7 +5890,7 @@
         </p:nvSpPr>
         <p:spPr bwMode="auto">
           <a:xfrm>
-            <a:off x="6712896" y="5187304"/>
+            <a:off x="6651867" y="5086813"/>
             <a:ext cx="1611522" cy="924482"/>
           </a:xfrm>
           <a:prstGeom prst="roundRect">
@@ -5863,8 +6024,8 @@
         </p:nvSpPr>
         <p:spPr>
           <a:xfrm>
-            <a:off x="5171976" y="4321475"/>
-            <a:ext cx="2879494" cy="690107"/>
+            <a:off x="4960576" y="4063552"/>
+            <a:ext cx="3034101" cy="690107"/>
           </a:xfrm>
           <a:prstGeom prst="rightArrow">
             <a:avLst/>
@@ -6023,7 +6184,7 @@
         </p:nvSpPr>
         <p:spPr>
           <a:xfrm>
-            <a:off x="3455719" y="6110771"/>
+            <a:off x="3579544" y="6110771"/>
             <a:ext cx="2023516" cy="619656"/>
           </a:xfrm>
           <a:prstGeom prst="frame">
@@ -6127,143 +6288,6 @@
       </p:sp>
       <p:sp>
         <p:nvSpPr>
-          <p:cNvPr id="60" name="角丸四角形吹き出し 59"/>
-          <p:cNvSpPr/>
-          <p:nvPr/>
-        </p:nvSpPr>
-        <p:spPr>
-          <a:xfrm>
-            <a:off x="10458298" y="547904"/>
-            <a:ext cx="1714004" cy="620633"/>
-          </a:xfrm>
-          <a:prstGeom prst="wedgeRoundRectCallout">
-            <a:avLst>
-              <a:gd name="adj1" fmla="val -54661"/>
-              <a:gd name="adj2" fmla="val 144129"/>
-              <a:gd name="adj3" fmla="val 16667"/>
-            </a:avLst>
-          </a:prstGeom>
-          <a:gradFill>
-            <a:gsLst>
-              <a:gs pos="0">
-                <a:schemeClr val="accent3">
-                  <a:shade val="63000"/>
-                  <a:alpha val="0"/>
-                </a:schemeClr>
-              </a:gs>
-              <a:gs pos="30000">
-                <a:schemeClr val="accent3">
-                  <a:shade val="90000"/>
-                  <a:satMod val="110000"/>
-                </a:schemeClr>
-              </a:gs>
-              <a:gs pos="45000">
-                <a:schemeClr val="accent3">
-                  <a:shade val="100000"/>
-                  <a:satMod val="118000"/>
-                </a:schemeClr>
-              </a:gs>
-              <a:gs pos="55000">
-                <a:schemeClr val="accent3">
-                  <a:shade val="100000"/>
-                  <a:satMod val="118000"/>
-                </a:schemeClr>
-              </a:gs>
-              <a:gs pos="73000">
-                <a:schemeClr val="accent3">
-                  <a:shade val="90000"/>
-                  <a:satMod val="110000"/>
-                </a:schemeClr>
-              </a:gs>
-              <a:gs pos="100000">
-                <a:schemeClr val="accent3">
-                  <a:shade val="63000"/>
-                </a:schemeClr>
-              </a:gs>
-            </a:gsLst>
-          </a:gradFill>
-        </p:spPr>
-        <p:style>
-          <a:lnRef idx="0">
-            <a:schemeClr val="accent3"/>
-          </a:lnRef>
-          <a:fillRef idx="3">
-            <a:schemeClr val="accent3"/>
-          </a:fillRef>
-          <a:effectRef idx="3">
-            <a:schemeClr val="accent3"/>
-          </a:effectRef>
-          <a:fontRef idx="minor">
-            <a:schemeClr val="lt1"/>
-          </a:fontRef>
-        </p:style>
-        <p:txBody>
-          <a:bodyPr rtlCol="0" anchor="ctr"/>
-          <a:lstStyle/>
-          <a:p>
-            <a:pPr algn="ctr"/>
-            <a:r>
-              <a:rPr kumimoji="1" lang="ja-JP" altLang="en-US" sz="1200" dirty="0">
-                <a:latin typeface="Meiryo UI" panose="020B0604030504040204" pitchFamily="50" charset="-128"/>
-                <a:ea typeface="Meiryo UI" panose="020B0604030504040204" pitchFamily="50" charset="-128"/>
-                <a:cs typeface="Meiryo UI" panose="020B0604030504040204" pitchFamily="50" charset="-128"/>
-              </a:rPr>
-              <a:t>管理者に対して経営者へのレクチャーを支援することが効果的</a:t>
-            </a:r>
-          </a:p>
-        </p:txBody>
-      </p:sp>
-      <p:sp>
-        <p:nvSpPr>
-          <p:cNvPr id="63" name="角丸四角形吹き出し 62"/>
-          <p:cNvSpPr/>
-          <p:nvPr/>
-        </p:nvSpPr>
-        <p:spPr>
-          <a:xfrm>
-            <a:off x="10990812" y="2212019"/>
-            <a:ext cx="1201188" cy="620633"/>
-          </a:xfrm>
-          <a:prstGeom prst="wedgeRoundRectCallout">
-            <a:avLst>
-              <a:gd name="adj1" fmla="val -42766"/>
-              <a:gd name="adj2" fmla="val -86401"/>
-              <a:gd name="adj3" fmla="val 16667"/>
-            </a:avLst>
-          </a:prstGeom>
-        </p:spPr>
-        <p:style>
-          <a:lnRef idx="0">
-            <a:schemeClr val="accent3"/>
-          </a:lnRef>
-          <a:fillRef idx="3">
-            <a:schemeClr val="accent3"/>
-          </a:fillRef>
-          <a:effectRef idx="3">
-            <a:schemeClr val="accent3"/>
-          </a:effectRef>
-          <a:fontRef idx="minor">
-            <a:schemeClr val="lt1"/>
-          </a:fontRef>
-        </p:style>
-        <p:txBody>
-          <a:bodyPr rtlCol="0" anchor="ctr"/>
-          <a:lstStyle/>
-          <a:p>
-            <a:pPr algn="ctr"/>
-            <a:r>
-              <a:rPr kumimoji="1" lang="ja-JP" altLang="en-US" sz="1200" dirty="0">
-                <a:latin typeface="Meiryo UI" panose="020B0604030504040204" pitchFamily="50" charset="-128"/>
-                <a:ea typeface="Meiryo UI" panose="020B0604030504040204" pitchFamily="50" charset="-128"/>
-                <a:cs typeface="Meiryo UI" panose="020B0604030504040204" pitchFamily="50" charset="-128"/>
-              </a:rPr>
-              <a:t>管理者がいなければ経営者に対して</a:t>
-            </a:r>
-          </a:p>
-        </p:txBody>
-      </p:sp>
-      <p:sp>
-        <p:nvSpPr>
           <p:cNvPr id="11" name="テキスト ボックス 10"/>
           <p:cNvSpPr txBox="1"/>
           <p:nvPr/>
@@ -6302,44 +6326,44 @@
               <a:t>年</a:t>
             </a:r>
             <a:r>
-              <a:rPr kumimoji="1" lang="en-US" altLang="ja-JP" sz="1400" dirty="0">
+              <a:rPr lang="en-US" altLang="ja-JP" sz="1400" dirty="0">
+                <a:latin typeface="Meiryo UI" panose="020B0604030504040204" pitchFamily="50" charset="-128"/>
+                <a:ea typeface="Meiryo UI" panose="020B0604030504040204" pitchFamily="50" charset="-128"/>
+                <a:cs typeface="Meiryo UI" panose="020B0604030504040204" pitchFamily="50" charset="-128"/>
+              </a:rPr>
+              <a:t>8</a:t>
+            </a:r>
+            <a:r>
+              <a:rPr kumimoji="1" lang="ja-JP" altLang="en-US" sz="1400" dirty="0">
+                <a:latin typeface="Meiryo UI" panose="020B0604030504040204" pitchFamily="50" charset="-128"/>
+                <a:ea typeface="Meiryo UI" panose="020B0604030504040204" pitchFamily="50" charset="-128"/>
+                <a:cs typeface="Meiryo UI" panose="020B0604030504040204" pitchFamily="50" charset="-128"/>
+              </a:rPr>
+              <a:t>月</a:t>
+            </a:r>
+            <a:r>
+              <a:rPr lang="en-US" altLang="ja-JP" sz="1400" dirty="0">
+                <a:latin typeface="Meiryo UI" panose="020B0604030504040204" pitchFamily="50" charset="-128"/>
+                <a:ea typeface="Meiryo UI" panose="020B0604030504040204" pitchFamily="50" charset="-128"/>
+                <a:cs typeface="Meiryo UI" panose="020B0604030504040204" pitchFamily="50" charset="-128"/>
+              </a:rPr>
+              <a:t>27</a:t>
+            </a:r>
+            <a:r>
+              <a:rPr kumimoji="1" lang="ja-JP" altLang="en-US" sz="1400" dirty="0">
+                <a:latin typeface="Meiryo UI" panose="020B0604030504040204" pitchFamily="50" charset="-128"/>
+                <a:ea typeface="Meiryo UI" panose="020B0604030504040204" pitchFamily="50" charset="-128"/>
+                <a:cs typeface="Meiryo UI" panose="020B0604030504040204" pitchFamily="50" charset="-128"/>
+              </a:rPr>
+              <a:t>日第</a:t>
+            </a:r>
+            <a:r>
+              <a:rPr lang="en-US" altLang="ja-JP" sz="1400" dirty="0">
                 <a:latin typeface="Meiryo UI" panose="020B0604030504040204" pitchFamily="50" charset="-128"/>
                 <a:ea typeface="Meiryo UI" panose="020B0604030504040204" pitchFamily="50" charset="-128"/>
                 <a:cs typeface="Meiryo UI" panose="020B0604030504040204" pitchFamily="50" charset="-128"/>
               </a:rPr>
               <a:t>4</a:t>
-            </a:r>
-            <a:r>
-              <a:rPr kumimoji="1" lang="ja-JP" altLang="en-US" sz="1400" dirty="0">
-                <a:latin typeface="Meiryo UI" panose="020B0604030504040204" pitchFamily="50" charset="-128"/>
-                <a:ea typeface="Meiryo UI" panose="020B0604030504040204" pitchFamily="50" charset="-128"/>
-                <a:cs typeface="Meiryo UI" panose="020B0604030504040204" pitchFamily="50" charset="-128"/>
-              </a:rPr>
-              <a:t>月</a:t>
-            </a:r>
-            <a:r>
-              <a:rPr kumimoji="1" lang="en-US" altLang="ja-JP" sz="1400" dirty="0">
-                <a:latin typeface="Meiryo UI" panose="020B0604030504040204" pitchFamily="50" charset="-128"/>
-                <a:ea typeface="Meiryo UI" panose="020B0604030504040204" pitchFamily="50" charset="-128"/>
-                <a:cs typeface="Meiryo UI" panose="020B0604030504040204" pitchFamily="50" charset="-128"/>
-              </a:rPr>
-              <a:t>5</a:t>
-            </a:r>
-            <a:r>
-              <a:rPr kumimoji="1" lang="ja-JP" altLang="en-US" sz="1400" dirty="0">
-                <a:latin typeface="Meiryo UI" panose="020B0604030504040204" pitchFamily="50" charset="-128"/>
-                <a:ea typeface="Meiryo UI" panose="020B0604030504040204" pitchFamily="50" charset="-128"/>
-                <a:cs typeface="Meiryo UI" panose="020B0604030504040204" pitchFamily="50" charset="-128"/>
-              </a:rPr>
-              <a:t>日第</a:t>
-            </a:r>
-            <a:r>
-              <a:rPr kumimoji="1" lang="en-US" altLang="ja-JP" sz="1400" dirty="0">
-                <a:latin typeface="Meiryo UI" panose="020B0604030504040204" pitchFamily="50" charset="-128"/>
-                <a:ea typeface="Meiryo UI" panose="020B0604030504040204" pitchFamily="50" charset="-128"/>
-                <a:cs typeface="Meiryo UI" panose="020B0604030504040204" pitchFamily="50" charset="-128"/>
-              </a:rPr>
-              <a:t>3</a:t>
             </a:r>
             <a:r>
               <a:rPr kumimoji="1" lang="ja-JP" altLang="en-US" sz="1400" dirty="0">
@@ -6434,8 +6458,8 @@
         </p:nvSpPr>
         <p:spPr bwMode="auto">
           <a:xfrm>
-            <a:off x="1517035" y="634918"/>
-            <a:ext cx="3695445" cy="1991314"/>
+            <a:off x="85711" y="409575"/>
+            <a:ext cx="4269873" cy="2763414"/>
           </a:xfrm>
           <a:prstGeom prst="roundRect">
             <a:avLst>
@@ -6448,14 +6472,14 @@
           </a:ln>
         </p:spPr>
         <p:style>
-          <a:lnRef idx="2">
-            <a:schemeClr val="accent2"/>
+          <a:lnRef idx="1">
+            <a:schemeClr val="accent1"/>
           </a:lnRef>
-          <a:fillRef idx="1">
-            <a:schemeClr val="lt1"/>
+          <a:fillRef idx="2">
+            <a:schemeClr val="accent1"/>
           </a:fillRef>
-          <a:effectRef idx="0">
-            <a:schemeClr val="accent2"/>
+          <a:effectRef idx="1">
+            <a:schemeClr val="accent1"/>
           </a:effectRef>
           <a:fontRef idx="minor">
             <a:schemeClr val="dk1"/>
@@ -6473,7 +6497,7 @@
                 <a:ea typeface="Meiryo UI" panose="020B0604030504040204" pitchFamily="50" charset="-128"/>
                 <a:cs typeface="Meiryo UI" panose="020B0604030504040204" pitchFamily="50" charset="-128"/>
               </a:rPr>
-              <a:t>経営者の意識レベルごとに啓発情報の発信</a:t>
+              <a:t>■事業の位置付け</a:t>
             </a:r>
             <a:endParaRPr lang="en-US" altLang="ja-JP" sz="1200" b="1" dirty="0">
               <a:latin typeface="Meiryo UI" panose="020B0604030504040204" pitchFamily="50" charset="-128"/>
@@ -6488,7 +6512,7 @@
                 <a:ea typeface="Meiryo UI" panose="020B0604030504040204" pitchFamily="50" charset="-128"/>
                 <a:cs typeface="Meiryo UI" panose="020B0604030504040204" pitchFamily="50" charset="-128"/>
               </a:rPr>
-              <a:t>①セキュリティ被害を対岸の火事だとして、対策を進める意識の低い企業</a:t>
+              <a:t>①国全体のサイバーセキュリティ対策の体制の中で役割を果たす</a:t>
             </a:r>
             <a:endParaRPr lang="en-US" altLang="ja-JP" sz="1200" dirty="0">
               <a:latin typeface="Meiryo UI" panose="020B0604030504040204" pitchFamily="50" charset="-128"/>
@@ -6503,23 +6527,7 @@
                 <a:ea typeface="Meiryo UI" panose="020B0604030504040204" pitchFamily="50" charset="-128"/>
                 <a:cs typeface="Meiryo UI" panose="020B0604030504040204" pitchFamily="50" charset="-128"/>
               </a:rPr>
-              <a:t>②</a:t>
-            </a:r>
-            <a:r>
-              <a:rPr lang="en-US" altLang="ja-JP" sz="1200" dirty="0">
-                <a:latin typeface="Meiryo UI" panose="020B0604030504040204" pitchFamily="50" charset="-128"/>
-                <a:ea typeface="Meiryo UI" panose="020B0604030504040204" pitchFamily="50" charset="-128"/>
-                <a:cs typeface="Meiryo UI" panose="020B0604030504040204" pitchFamily="50" charset="-128"/>
-              </a:rPr>
-              <a:t>IT</a:t>
-            </a:r>
-            <a:r>
-              <a:rPr lang="ja-JP" altLang="en-US" sz="1200" dirty="0">
-                <a:latin typeface="Meiryo UI" panose="020B0604030504040204" pitchFamily="50" charset="-128"/>
-                <a:ea typeface="Meiryo UI" panose="020B0604030504040204" pitchFamily="50" charset="-128"/>
-                <a:cs typeface="Meiryo UI" panose="020B0604030504040204" pitchFamily="50" charset="-128"/>
-              </a:rPr>
-              <a:t>・セキュリティをビジネスの基盤として捉え、原価意識を持って費用対効果の高い対策をしようとしている企業</a:t>
+              <a:t>②東京都の中小企業支援の一環としての役割を果たす</a:t>
             </a:r>
             <a:endParaRPr lang="en-US" altLang="ja-JP" sz="1200" dirty="0">
               <a:latin typeface="Meiryo UI" panose="020B0604030504040204" pitchFamily="50" charset="-128"/>
@@ -6529,36 +6537,12 @@
           </a:p>
           <a:p>
             <a:r>
-              <a:rPr lang="ja-JP" altLang="en-US" sz="1200" dirty="0">
-                <a:latin typeface="Meiryo UI" panose="020B0604030504040204" pitchFamily="50" charset="-128"/>
-                <a:ea typeface="Meiryo UI" panose="020B0604030504040204" pitchFamily="50" charset="-128"/>
-                <a:cs typeface="Meiryo UI" panose="020B0604030504040204" pitchFamily="50" charset="-128"/>
-              </a:rPr>
-              <a:t>③過剰なセキュリティ意識により、</a:t>
-            </a:r>
-            <a:r>
-              <a:rPr lang="en-US" altLang="ja-JP" sz="1200" dirty="0">
-                <a:latin typeface="Meiryo UI" panose="020B0604030504040204" pitchFamily="50" charset="-128"/>
-                <a:ea typeface="Meiryo UI" panose="020B0604030504040204" pitchFamily="50" charset="-128"/>
-                <a:cs typeface="Meiryo UI" panose="020B0604030504040204" pitchFamily="50" charset="-128"/>
-              </a:rPr>
-              <a:t>IT</a:t>
-            </a:r>
-            <a:r>
-              <a:rPr lang="ja-JP" altLang="en-US" sz="1200" dirty="0" err="1">
-                <a:latin typeface="Meiryo UI" panose="020B0604030504040204" pitchFamily="50" charset="-128"/>
-                <a:ea typeface="Meiryo UI" panose="020B0604030504040204" pitchFamily="50" charset="-128"/>
-                <a:cs typeface="Meiryo UI" panose="020B0604030504040204" pitchFamily="50" charset="-128"/>
-              </a:rPr>
-              <a:t>の利</a:t>
-            </a:r>
-            <a:r>
-              <a:rPr lang="ja-JP" altLang="en-US" sz="1200" dirty="0">
-                <a:latin typeface="Meiryo UI" panose="020B0604030504040204" pitchFamily="50" charset="-128"/>
-                <a:ea typeface="Meiryo UI" panose="020B0604030504040204" pitchFamily="50" charset="-128"/>
-                <a:cs typeface="Meiryo UI" panose="020B0604030504040204" pitchFamily="50" charset="-128"/>
-              </a:rPr>
-              <a:t>活用を著しく制限している企業</a:t>
+              <a:rPr lang="ja-JP" altLang="en-US" sz="1200" b="1" dirty="0">
+                <a:latin typeface="Meiryo UI" panose="020B0604030504040204" pitchFamily="50" charset="-128"/>
+                <a:ea typeface="Meiryo UI" panose="020B0604030504040204" pitchFamily="50" charset="-128"/>
+                <a:cs typeface="Meiryo UI" panose="020B0604030504040204" pitchFamily="50" charset="-128"/>
+              </a:rPr>
+              <a:t>■相談窓口業務の柱</a:t>
             </a:r>
             <a:endParaRPr lang="en-US" altLang="ja-JP" sz="1200" dirty="0">
               <a:latin typeface="Meiryo UI" panose="020B0604030504040204" pitchFamily="50" charset="-128"/>
@@ -6568,36 +6552,20 @@
           </a:p>
           <a:p>
             <a:r>
+              <a:rPr lang="ja-JP" altLang="en-US" sz="1200" b="1" dirty="0">
+                <a:latin typeface="Meiryo UI" panose="020B0604030504040204" pitchFamily="50" charset="-128"/>
+                <a:ea typeface="Meiryo UI" panose="020B0604030504040204" pitchFamily="50" charset="-128"/>
+                <a:cs typeface="Meiryo UI" panose="020B0604030504040204" pitchFamily="50" charset="-128"/>
+              </a:rPr>
+              <a:t>①情報の集約</a:t>
+            </a:r>
+            <a:r>
               <a:rPr lang="ja-JP" altLang="en-US" sz="1200" dirty="0">
                 <a:latin typeface="Meiryo UI" panose="020B0604030504040204" pitchFamily="50" charset="-128"/>
                 <a:ea typeface="Meiryo UI" panose="020B0604030504040204" pitchFamily="50" charset="-128"/>
                 <a:cs typeface="Meiryo UI" panose="020B0604030504040204" pitchFamily="50" charset="-128"/>
               </a:rPr>
-              <a:t>④</a:t>
-            </a:r>
-            <a:r>
-              <a:rPr lang="en-US" altLang="ja-JP" sz="1200" dirty="0">
-                <a:latin typeface="Meiryo UI" panose="020B0604030504040204" pitchFamily="50" charset="-128"/>
-                <a:ea typeface="Meiryo UI" panose="020B0604030504040204" pitchFamily="50" charset="-128"/>
-                <a:cs typeface="Meiryo UI" panose="020B0604030504040204" pitchFamily="50" charset="-128"/>
-              </a:rPr>
-              <a:t>IT</a:t>
-            </a:r>
-            <a:r>
-              <a:rPr lang="ja-JP" altLang="en-US" sz="1200" dirty="0" err="1">
-                <a:latin typeface="Meiryo UI" panose="020B0604030504040204" pitchFamily="50" charset="-128"/>
-                <a:ea typeface="Meiryo UI" panose="020B0604030504040204" pitchFamily="50" charset="-128"/>
-                <a:cs typeface="Meiryo UI" panose="020B0604030504040204" pitchFamily="50" charset="-128"/>
-              </a:rPr>
-              <a:t>の利</a:t>
-            </a:r>
-            <a:r>
-              <a:rPr lang="ja-JP" altLang="en-US" sz="1200" dirty="0">
-                <a:latin typeface="Meiryo UI" panose="020B0604030504040204" pitchFamily="50" charset="-128"/>
-                <a:ea typeface="Meiryo UI" panose="020B0604030504040204" pitchFamily="50" charset="-128"/>
-                <a:cs typeface="Meiryo UI" panose="020B0604030504040204" pitchFamily="50" charset="-128"/>
-              </a:rPr>
-              <a:t>活用を事業戦略上に位置づけ、セキュリティを強く意識し、積極的に競争力強化に利活用しようとしている企業（政府の対策の目標）</a:t>
+              <a:t>：</a:t>
             </a:r>
             <a:endParaRPr lang="en-US" altLang="ja-JP" sz="1200" dirty="0">
               <a:latin typeface="Meiryo UI" panose="020B0604030504040204" pitchFamily="50" charset="-128"/>
@@ -6605,6 +6573,171 @@
               <a:cs typeface="Meiryo UI" panose="020B0604030504040204" pitchFamily="50" charset="-128"/>
             </a:endParaRPr>
           </a:p>
+          <a:p>
+            <a:r>
+              <a:rPr lang="ja-JP" altLang="en-US" sz="1200" dirty="0">
+                <a:latin typeface="Meiryo UI" panose="020B0604030504040204" pitchFamily="50" charset="-128"/>
+                <a:ea typeface="Meiryo UI" panose="020B0604030504040204" pitchFamily="50" charset="-128"/>
+                <a:cs typeface="Meiryo UI" panose="020B0604030504040204" pitchFamily="50" charset="-128"/>
+              </a:rPr>
+              <a:t>　日々の情報収集・内容の要約・情報の知識化</a:t>
+            </a:r>
+            <a:endParaRPr lang="en-US" altLang="ja-JP" sz="1200" dirty="0">
+              <a:latin typeface="Meiryo UI" panose="020B0604030504040204" pitchFamily="50" charset="-128"/>
+              <a:ea typeface="Meiryo UI" panose="020B0604030504040204" pitchFamily="50" charset="-128"/>
+              <a:cs typeface="Meiryo UI" panose="020B0604030504040204" pitchFamily="50" charset="-128"/>
+            </a:endParaRPr>
+          </a:p>
+          <a:p>
+            <a:r>
+              <a:rPr lang="ja-JP" altLang="en-US" sz="1200" b="1" dirty="0">
+                <a:latin typeface="Meiryo UI" panose="020B0604030504040204" pitchFamily="50" charset="-128"/>
+                <a:ea typeface="Meiryo UI" panose="020B0604030504040204" pitchFamily="50" charset="-128"/>
+                <a:cs typeface="Meiryo UI" panose="020B0604030504040204" pitchFamily="50" charset="-128"/>
+              </a:rPr>
+              <a:t>②発信用情報の作成・蓄積</a:t>
+            </a:r>
+            <a:r>
+              <a:rPr lang="ja-JP" altLang="en-US" sz="1200" dirty="0">
+                <a:latin typeface="Meiryo UI" panose="020B0604030504040204" pitchFamily="50" charset="-128"/>
+                <a:ea typeface="Meiryo UI" panose="020B0604030504040204" pitchFamily="50" charset="-128"/>
+                <a:cs typeface="Meiryo UI" panose="020B0604030504040204" pitchFamily="50" charset="-128"/>
+              </a:rPr>
+              <a:t>：</a:t>
+            </a:r>
+            <a:endParaRPr lang="en-US" altLang="ja-JP" sz="1200" dirty="0">
+              <a:latin typeface="Meiryo UI" panose="020B0604030504040204" pitchFamily="50" charset="-128"/>
+              <a:ea typeface="Meiryo UI" panose="020B0604030504040204" pitchFamily="50" charset="-128"/>
+              <a:cs typeface="Meiryo UI" panose="020B0604030504040204" pitchFamily="50" charset="-128"/>
+            </a:endParaRPr>
+          </a:p>
+          <a:p>
+            <a:r>
+              <a:rPr lang="ja-JP" altLang="en-US" sz="1200" dirty="0">
+                <a:latin typeface="Meiryo UI" panose="020B0604030504040204" pitchFamily="50" charset="-128"/>
+                <a:ea typeface="Meiryo UI" panose="020B0604030504040204" pitchFamily="50" charset="-128"/>
+                <a:cs typeface="Meiryo UI" panose="020B0604030504040204" pitchFamily="50" charset="-128"/>
+              </a:rPr>
+              <a:t>　知識化した情報をもとに、ユーザレベル毎の普及・啓発用情報の作成・蓄積</a:t>
+            </a:r>
+          </a:p>
+          <a:p>
+            <a:r>
+              <a:rPr lang="ja-JP" altLang="en-US" sz="1200" b="1" dirty="0">
+                <a:latin typeface="Meiryo UI" panose="020B0604030504040204" pitchFamily="50" charset="-128"/>
+                <a:ea typeface="Meiryo UI" panose="020B0604030504040204" pitchFamily="50" charset="-128"/>
+                <a:cs typeface="Meiryo UI" panose="020B0604030504040204" pitchFamily="50" charset="-128"/>
+              </a:rPr>
+              <a:t>③情報の提供（発信）</a:t>
+            </a:r>
+            <a:r>
+              <a:rPr lang="ja-JP" altLang="en-US" sz="1200" dirty="0">
+                <a:latin typeface="Meiryo UI" panose="020B0604030504040204" pitchFamily="50" charset="-128"/>
+                <a:ea typeface="Meiryo UI" panose="020B0604030504040204" pitchFamily="50" charset="-128"/>
+                <a:cs typeface="Meiryo UI" panose="020B0604030504040204" pitchFamily="50" charset="-128"/>
+              </a:rPr>
+              <a:t>：</a:t>
+            </a:r>
+            <a:endParaRPr lang="en-US" altLang="ja-JP" sz="1200" dirty="0">
+              <a:latin typeface="Meiryo UI" panose="020B0604030504040204" pitchFamily="50" charset="-128"/>
+              <a:ea typeface="Meiryo UI" panose="020B0604030504040204" pitchFamily="50" charset="-128"/>
+              <a:cs typeface="Meiryo UI" panose="020B0604030504040204" pitchFamily="50" charset="-128"/>
+            </a:endParaRPr>
+          </a:p>
+          <a:p>
+            <a:r>
+              <a:rPr lang="ja-JP" altLang="en-US" sz="1200" dirty="0">
+                <a:latin typeface="Meiryo UI" panose="020B0604030504040204" pitchFamily="50" charset="-128"/>
+                <a:ea typeface="Meiryo UI" panose="020B0604030504040204" pitchFamily="50" charset="-128"/>
+                <a:cs typeface="Meiryo UI" panose="020B0604030504040204" pitchFamily="50" charset="-128"/>
+              </a:rPr>
+              <a:t>・</a:t>
+            </a:r>
+            <a:r>
+              <a:rPr lang="en-US" altLang="ja-JP" sz="1200" dirty="0">
+                <a:latin typeface="Meiryo UI" panose="020B0604030504040204" pitchFamily="50" charset="-128"/>
+                <a:ea typeface="Meiryo UI" panose="020B0604030504040204" pitchFamily="50" charset="-128"/>
+                <a:cs typeface="Meiryo UI" panose="020B0604030504040204" pitchFamily="50" charset="-128"/>
+              </a:rPr>
+              <a:t>【</a:t>
+            </a:r>
+            <a:r>
+              <a:rPr lang="ja-JP" altLang="en-US" sz="1200" dirty="0">
+                <a:latin typeface="Meiryo UI" panose="020B0604030504040204" pitchFamily="50" charset="-128"/>
+                <a:ea typeface="Meiryo UI" panose="020B0604030504040204" pitchFamily="50" charset="-128"/>
+                <a:cs typeface="Meiryo UI" panose="020B0604030504040204" pitchFamily="50" charset="-128"/>
+              </a:rPr>
+              <a:t>意識改革</a:t>
+            </a:r>
+            <a:r>
+              <a:rPr lang="en-US" altLang="ja-JP" sz="1200" dirty="0">
+                <a:latin typeface="Meiryo UI" panose="020B0604030504040204" pitchFamily="50" charset="-128"/>
+                <a:ea typeface="Meiryo UI" panose="020B0604030504040204" pitchFamily="50" charset="-128"/>
+                <a:cs typeface="Meiryo UI" panose="020B0604030504040204" pitchFamily="50" charset="-128"/>
+              </a:rPr>
+              <a:t>】</a:t>
+            </a:r>
+            <a:r>
+              <a:rPr lang="ja-JP" altLang="en-US" sz="1200" dirty="0">
+                <a:latin typeface="Meiryo UI" panose="020B0604030504040204" pitchFamily="50" charset="-128"/>
+                <a:ea typeface="Meiryo UI" panose="020B0604030504040204" pitchFamily="50" charset="-128"/>
+                <a:cs typeface="Meiryo UI" panose="020B0604030504040204" pitchFamily="50" charset="-128"/>
+              </a:rPr>
+              <a:t>ポータル、ガイドブック、出張相談により、能動的な情報発信</a:t>
+            </a:r>
+            <a:endParaRPr lang="en-US" altLang="ja-JP" sz="1200" dirty="0">
+              <a:latin typeface="Meiryo UI" panose="020B0604030504040204" pitchFamily="50" charset="-128"/>
+              <a:ea typeface="Meiryo UI" panose="020B0604030504040204" pitchFamily="50" charset="-128"/>
+              <a:cs typeface="Meiryo UI" panose="020B0604030504040204" pitchFamily="50" charset="-128"/>
+            </a:endParaRPr>
+          </a:p>
+          <a:p>
+            <a:r>
+              <a:rPr lang="ja-JP" altLang="en-US" sz="1200" dirty="0">
+                <a:latin typeface="Meiryo UI" panose="020B0604030504040204" pitchFamily="50" charset="-128"/>
+                <a:ea typeface="Meiryo UI" panose="020B0604030504040204" pitchFamily="50" charset="-128"/>
+                <a:cs typeface="Meiryo UI" panose="020B0604030504040204" pitchFamily="50" charset="-128"/>
+              </a:rPr>
+              <a:t>・</a:t>
+            </a:r>
+            <a:r>
+              <a:rPr lang="en-US" altLang="ja-JP" sz="1200" dirty="0">
+                <a:latin typeface="Meiryo UI" panose="020B0604030504040204" pitchFamily="50" charset="-128"/>
+                <a:ea typeface="Meiryo UI" panose="020B0604030504040204" pitchFamily="50" charset="-128"/>
+                <a:cs typeface="Meiryo UI" panose="020B0604030504040204" pitchFamily="50" charset="-128"/>
+              </a:rPr>
+              <a:t>【</a:t>
+            </a:r>
+            <a:r>
+              <a:rPr lang="ja-JP" altLang="en-US" sz="1200" dirty="0">
+                <a:latin typeface="Meiryo UI" panose="020B0604030504040204" pitchFamily="50" charset="-128"/>
+                <a:ea typeface="Meiryo UI" panose="020B0604030504040204" pitchFamily="50" charset="-128"/>
+                <a:cs typeface="Meiryo UI" panose="020B0604030504040204" pitchFamily="50" charset="-128"/>
+              </a:rPr>
+              <a:t>課題解決</a:t>
+            </a:r>
+            <a:r>
+              <a:rPr lang="en-US" altLang="ja-JP" sz="1200" dirty="0">
+                <a:latin typeface="Meiryo UI" panose="020B0604030504040204" pitchFamily="50" charset="-128"/>
+                <a:ea typeface="Meiryo UI" panose="020B0604030504040204" pitchFamily="50" charset="-128"/>
+                <a:cs typeface="Meiryo UI" panose="020B0604030504040204" pitchFamily="50" charset="-128"/>
+              </a:rPr>
+              <a:t>】</a:t>
+            </a:r>
+            <a:r>
+              <a:rPr lang="ja-JP" altLang="en-US" sz="1200" dirty="0">
+                <a:latin typeface="Meiryo UI" panose="020B0604030504040204" pitchFamily="50" charset="-128"/>
+                <a:ea typeface="Meiryo UI" panose="020B0604030504040204" pitchFamily="50" charset="-128"/>
+                <a:cs typeface="Meiryo UI" panose="020B0604030504040204" pitchFamily="50" charset="-128"/>
+              </a:rPr>
+              <a:t>電話およびメールによる受動的な情報提供</a:t>
+            </a:r>
+            <a:endParaRPr lang="en-US" altLang="ja-JP" sz="1200" dirty="0">
+              <a:latin typeface="Meiryo UI" panose="020B0604030504040204" pitchFamily="50" charset="-128"/>
+              <a:ea typeface="Meiryo UI" panose="020B0604030504040204" pitchFamily="50" charset="-128"/>
+              <a:cs typeface="Meiryo UI" panose="020B0604030504040204" pitchFamily="50" charset="-128"/>
+            </a:endParaRPr>
+          </a:p>
         </p:txBody>
       </p:sp>
       <p:sp>
@@ -6615,8 +6748,8 @@
         </p:nvSpPr>
         <p:spPr>
           <a:xfrm>
-            <a:off x="5079744" y="1261481"/>
-            <a:ext cx="1380984" cy="1062954"/>
+            <a:off x="5252786" y="1660560"/>
+            <a:ext cx="1198395" cy="1062954"/>
           </a:xfrm>
           <a:prstGeom prst="leftArrow">
             <a:avLst/>
@@ -6681,7 +6814,7 @@
         </p:nvSpPr>
         <p:spPr>
           <a:xfrm>
-            <a:off x="4158334" y="5719517"/>
+            <a:off x="4262693" y="5707589"/>
             <a:ext cx="1516762" cy="430887"/>
           </a:xfrm>
           <a:prstGeom prst="rect">
@@ -6739,8 +6872,8 @@
         </p:nvSpPr>
         <p:spPr>
           <a:xfrm>
-            <a:off x="5401021" y="4445705"/>
-            <a:ext cx="1633152" cy="430887"/>
+            <a:off x="5393266" y="4217842"/>
+            <a:ext cx="2376344" cy="430887"/>
           </a:xfrm>
           <a:prstGeom prst="rect">
             <a:avLst/>
@@ -6758,7 +6891,7 @@
                 <a:ea typeface="Meiryo UI" panose="020B0604030504040204" pitchFamily="50" charset="-128"/>
                 <a:cs typeface="Meiryo UI" panose="020B0604030504040204" pitchFamily="50" charset="-128"/>
               </a:rPr>
-              <a:t>蓄積した情報に基づいて、ユーザレベル毎に発信</a:t>
+              <a:t>知識化した情報をもとに、ユーザレベル毎の普及・啓発用情報の作成・蓄積</a:t>
             </a:r>
             <a:endParaRPr lang="en-US" altLang="ja-JP" sz="1100" dirty="0">
               <a:latin typeface="Meiryo UI" panose="020B0604030504040204" pitchFamily="50" charset="-128"/>
@@ -6776,13 +6909,13 @@
         </p:nvSpPr>
         <p:spPr>
           <a:xfrm>
-            <a:off x="101133" y="2298564"/>
-            <a:ext cx="1482701" cy="740391"/>
+            <a:off x="3952113" y="933312"/>
+            <a:ext cx="2402521" cy="555312"/>
           </a:xfrm>
           <a:prstGeom prst="wedgeRectCallout">
             <a:avLst>
-              <a:gd name="adj1" fmla="val 19854"/>
-              <a:gd name="adj2" fmla="val -135339"/>
+              <a:gd name="adj1" fmla="val 61156"/>
+              <a:gd name="adj2" fmla="val 48991"/>
             </a:avLst>
           </a:prstGeom>
         </p:spPr>
@@ -6814,6 +6947,28 @@
                 <a:ea typeface="Meiryo UI" panose="020B0604030504040204" pitchFamily="50" charset="-128"/>
                 <a:cs typeface="Meiryo UI" panose="020B0604030504040204" pitchFamily="50" charset="-128"/>
               </a:rPr>
+              <a:t>経営者に対しての啓発</a:t>
+            </a:r>
+            <a:endParaRPr kumimoji="1" lang="en-US" altLang="ja-JP" sz="1100" dirty="0">
+              <a:solidFill>
+                <a:schemeClr val="tx1"/>
+              </a:solidFill>
+              <a:latin typeface="Meiryo UI" panose="020B0604030504040204" pitchFamily="50" charset="-128"/>
+              <a:ea typeface="Meiryo UI" panose="020B0604030504040204" pitchFamily="50" charset="-128"/>
+              <a:cs typeface="Meiryo UI" panose="020B0604030504040204" pitchFamily="50" charset="-128"/>
+            </a:endParaRPr>
+          </a:p>
+          <a:p>
+            <a:pPr algn="ctr"/>
+            <a:r>
+              <a:rPr kumimoji="1" lang="ja-JP" altLang="en-US" sz="1100" dirty="0">
+                <a:solidFill>
+                  <a:schemeClr val="tx1"/>
+                </a:solidFill>
+                <a:latin typeface="Meiryo UI" panose="020B0604030504040204" pitchFamily="50" charset="-128"/>
+                <a:ea typeface="Meiryo UI" panose="020B0604030504040204" pitchFamily="50" charset="-128"/>
+                <a:cs typeface="Meiryo UI" panose="020B0604030504040204" pitchFamily="50" charset="-128"/>
+              </a:rPr>
               <a:t>組織の存続のためには</a:t>
             </a:r>
             <a:r>
@@ -6836,8 +6991,16 @@
                 <a:ea typeface="Meiryo UI" panose="020B0604030504040204" pitchFamily="50" charset="-128"/>
                 <a:cs typeface="Meiryo UI" panose="020B0604030504040204" pitchFamily="50" charset="-128"/>
               </a:rPr>
-              <a:t>の活用が必要。そのためにはセキュリティ対策が必須</a:t>
-            </a:r>
+              <a:t>の活用が必要。そのためにはセキュリティ対策が必須。</a:t>
+            </a:r>
+            <a:endParaRPr lang="en-US" altLang="ja-JP" sz="1100" dirty="0">
+              <a:solidFill>
+                <a:schemeClr val="tx1"/>
+              </a:solidFill>
+              <a:latin typeface="Meiryo UI" panose="020B0604030504040204" pitchFamily="50" charset="-128"/>
+              <a:ea typeface="Meiryo UI" panose="020B0604030504040204" pitchFamily="50" charset="-128"/>
+              <a:cs typeface="Meiryo UI" panose="020B0604030504040204" pitchFamily="50" charset="-128"/>
+            </a:endParaRPr>
           </a:p>
         </p:txBody>
       </p:sp>
@@ -7004,12 +7167,12 @@
         <p:spPr>
           <a:xfrm>
             <a:off x="10508857" y="3380334"/>
-            <a:ext cx="1359077" cy="1477847"/>
+            <a:ext cx="1359077" cy="689209"/>
           </a:xfrm>
           <a:prstGeom prst="wedgeRectCallout">
             <a:avLst>
-              <a:gd name="adj1" fmla="val -67087"/>
-              <a:gd name="adj2" fmla="val -113084"/>
+              <a:gd name="adj1" fmla="val -66386"/>
+              <a:gd name="adj2" fmla="val -176657"/>
             </a:avLst>
           </a:prstGeom>
         </p:spPr>
@@ -7033,61 +7196,6 @@
           <a:p>
             <a:pPr algn="ctr"/>
             <a:r>
-              <a:rPr kumimoji="1" lang="en-US" altLang="ja-JP" sz="1100" dirty="0">
-                <a:solidFill>
-                  <a:schemeClr val="tx1"/>
-                </a:solidFill>
-                <a:latin typeface="Meiryo UI" panose="020B0604030504040204" pitchFamily="50" charset="-128"/>
-                <a:ea typeface="Meiryo UI" panose="020B0604030504040204" pitchFamily="50" charset="-128"/>
-                <a:cs typeface="Meiryo UI" panose="020B0604030504040204" pitchFamily="50" charset="-128"/>
-              </a:rPr>
-              <a:t>IT,</a:t>
-            </a:r>
-            <a:r>
-              <a:rPr kumimoji="1" lang="ja-JP" altLang="en-US" sz="1100" dirty="0">
-                <a:solidFill>
-                  <a:schemeClr val="tx1"/>
-                </a:solidFill>
-                <a:latin typeface="Meiryo UI" panose="020B0604030504040204" pitchFamily="50" charset="-128"/>
-                <a:ea typeface="Meiryo UI" panose="020B0604030504040204" pitchFamily="50" charset="-128"/>
-                <a:cs typeface="Meiryo UI" panose="020B0604030504040204" pitchFamily="50" charset="-128"/>
-              </a:rPr>
-              <a:t>セキュリティに全く関心のない企業には情報セキュリティ対策</a:t>
-            </a:r>
-            <a:r>
-              <a:rPr lang="en-US" altLang="ja-JP" sz="1100" dirty="0">
-                <a:solidFill>
-                  <a:schemeClr val="tx1"/>
-                </a:solidFill>
-                <a:latin typeface="Meiryo UI" panose="020B0604030504040204" pitchFamily="50" charset="-128"/>
-                <a:ea typeface="Meiryo UI" panose="020B0604030504040204" pitchFamily="50" charset="-128"/>
-                <a:cs typeface="Meiryo UI" panose="020B0604030504040204" pitchFamily="50" charset="-128"/>
-              </a:rPr>
-              <a:t>9</a:t>
-            </a:r>
-            <a:r>
-              <a:rPr lang="ja-JP" altLang="en-US" sz="1100" dirty="0">
-                <a:solidFill>
-                  <a:schemeClr val="tx1"/>
-                </a:solidFill>
-                <a:latin typeface="Meiryo UI" panose="020B0604030504040204" pitchFamily="50" charset="-128"/>
-                <a:ea typeface="Meiryo UI" panose="020B0604030504040204" pitchFamily="50" charset="-128"/>
-                <a:cs typeface="Meiryo UI" panose="020B0604030504040204" pitchFamily="50" charset="-128"/>
-              </a:rPr>
-              <a:t>か条を。</a:t>
-            </a:r>
-            <a:endParaRPr lang="en-US" altLang="ja-JP" sz="1100" dirty="0">
-              <a:solidFill>
-                <a:schemeClr val="tx1"/>
-              </a:solidFill>
-              <a:latin typeface="Meiryo UI" panose="020B0604030504040204" pitchFamily="50" charset="-128"/>
-              <a:ea typeface="Meiryo UI" panose="020B0604030504040204" pitchFamily="50" charset="-128"/>
-              <a:cs typeface="Meiryo UI" panose="020B0604030504040204" pitchFamily="50" charset="-128"/>
-            </a:endParaRPr>
-          </a:p>
-          <a:p>
-            <a:pPr algn="ctr"/>
-            <a:r>
               <a:rPr kumimoji="1" lang="ja-JP" altLang="en-US" sz="1100" dirty="0">
                 <a:solidFill>
                   <a:schemeClr val="tx1"/>
@@ -7128,13 +7236,13 @@
         </p:nvSpPr>
         <p:spPr>
           <a:xfrm>
-            <a:off x="5675096" y="5920884"/>
-            <a:ext cx="1359077" cy="673507"/>
+            <a:off x="5536098" y="4994849"/>
+            <a:ext cx="1159251" cy="673507"/>
           </a:xfrm>
           <a:prstGeom prst="wedgeRectCallout">
             <a:avLst>
-              <a:gd name="adj1" fmla="val -101165"/>
-              <a:gd name="adj2" fmla="val -49485"/>
+              <a:gd name="adj1" fmla="val -52619"/>
+              <a:gd name="adj2" fmla="val 132292"/>
             </a:avLst>
           </a:prstGeom>
         </p:spPr>
@@ -7173,114 +7281,14 @@
       </p:sp>
       <p:sp>
         <p:nvSpPr>
-          <p:cNvPr id="70" name="フローチャート : 磁気ディスク 53"/>
-          <p:cNvSpPr/>
-          <p:nvPr/>
-        </p:nvSpPr>
-        <p:spPr>
-          <a:xfrm>
-            <a:off x="1833229" y="3824852"/>
-            <a:ext cx="1622490" cy="940926"/>
-          </a:xfrm>
-          <a:prstGeom prst="flowChartMagneticDisk">
-            <a:avLst/>
-          </a:prstGeom>
-          <a:solidFill>
-            <a:srgbClr val="92D050"/>
-          </a:solidFill>
-          <a:ln/>
-        </p:spPr>
-        <p:style>
-          <a:lnRef idx="1">
-            <a:schemeClr val="accent2"/>
-          </a:lnRef>
-          <a:fillRef idx="3">
-            <a:schemeClr val="accent2"/>
-          </a:fillRef>
-          <a:effectRef idx="2">
-            <a:schemeClr val="accent2"/>
-          </a:effectRef>
-          <a:fontRef idx="minor">
-            <a:schemeClr val="lt1"/>
-          </a:fontRef>
-        </p:style>
-        <p:txBody>
-          <a:bodyPr wrap="square" rtlCol="0" anchor="ctr">
-            <a:noAutofit/>
-          </a:bodyPr>
-          <a:lstStyle/>
-          <a:p>
-            <a:pPr algn="ctr">
-              <a:lnSpc>
-                <a:spcPts val="1700"/>
-              </a:lnSpc>
-            </a:pPr>
-            <a:r>
-              <a:rPr lang="ja-JP" altLang="en-US" sz="1100" dirty="0">
-                <a:latin typeface="Meiryo UI" panose="020B0604030504040204" pitchFamily="50" charset="-128"/>
-                <a:ea typeface="Meiryo UI" panose="020B0604030504040204" pitchFamily="50" charset="-128"/>
-                <a:cs typeface="Meiryo UI" panose="020B0604030504040204" pitchFamily="50" charset="-128"/>
-              </a:rPr>
-              <a:t>重要インフラ向け</a:t>
-            </a:r>
-            <a:endParaRPr lang="en-US" altLang="ja-JP" sz="1100" dirty="0">
-              <a:latin typeface="Meiryo UI" panose="020B0604030504040204" pitchFamily="50" charset="-128"/>
-              <a:ea typeface="Meiryo UI" panose="020B0604030504040204" pitchFamily="50" charset="-128"/>
-              <a:cs typeface="Meiryo UI" panose="020B0604030504040204" pitchFamily="50" charset="-128"/>
-            </a:endParaRPr>
-          </a:p>
-          <a:p>
-            <a:pPr algn="ctr">
-              <a:lnSpc>
-                <a:spcPts val="1700"/>
-              </a:lnSpc>
-            </a:pPr>
-            <a:r>
-              <a:rPr lang="ja-JP" altLang="en-US" sz="1100" dirty="0">
-                <a:latin typeface="Meiryo UI" panose="020B0604030504040204" pitchFamily="50" charset="-128"/>
-                <a:ea typeface="Meiryo UI" panose="020B0604030504040204" pitchFamily="50" charset="-128"/>
-                <a:cs typeface="Meiryo UI" panose="020B0604030504040204" pitchFamily="50" charset="-128"/>
-              </a:rPr>
-              <a:t>セキュリティ対策関連</a:t>
-            </a:r>
-            <a:endParaRPr lang="en-US" altLang="ja-JP" sz="1100" dirty="0">
-              <a:latin typeface="Meiryo UI" panose="020B0604030504040204" pitchFamily="50" charset="-128"/>
-              <a:ea typeface="Meiryo UI" panose="020B0604030504040204" pitchFamily="50" charset="-128"/>
-              <a:cs typeface="Meiryo UI" panose="020B0604030504040204" pitchFamily="50" charset="-128"/>
-            </a:endParaRPr>
-          </a:p>
-          <a:p>
-            <a:pPr algn="ctr">
-              <a:lnSpc>
-                <a:spcPts val="1700"/>
-              </a:lnSpc>
-            </a:pPr>
-            <a:r>
-              <a:rPr lang="ja-JP" altLang="en-US" sz="1100" dirty="0">
-                <a:latin typeface="Meiryo UI" panose="020B0604030504040204" pitchFamily="50" charset="-128"/>
-                <a:ea typeface="Meiryo UI" panose="020B0604030504040204" pitchFamily="50" charset="-128"/>
-                <a:cs typeface="Meiryo UI" panose="020B0604030504040204" pitchFamily="50" charset="-128"/>
-              </a:rPr>
-              <a:t>ナレッジベース</a:t>
-            </a:r>
-            <a:endParaRPr lang="en-US" altLang="ja-JP" sz="1100" dirty="0">
-              <a:latin typeface="Meiryo UI" panose="020B0604030504040204" pitchFamily="50" charset="-128"/>
-              <a:ea typeface="Meiryo UI" panose="020B0604030504040204" pitchFamily="50" charset="-128"/>
-              <a:cs typeface="Meiryo UI" panose="020B0604030504040204" pitchFamily="50" charset="-128"/>
-            </a:endParaRPr>
-          </a:p>
-        </p:txBody>
-      </p:sp>
-      <p:sp>
-        <p:nvSpPr>
           <p:cNvPr id="71" name="フレーム 70"/>
           <p:cNvSpPr/>
           <p:nvPr/>
         </p:nvSpPr>
         <p:spPr>
           <a:xfrm>
-            <a:off x="1679039" y="6111785"/>
-            <a:ext cx="1776680" cy="619656"/>
+            <a:off x="1904801" y="6111785"/>
+            <a:ext cx="1627117" cy="619656"/>
           </a:xfrm>
           <a:prstGeom prst="frame">
             <a:avLst/>
@@ -7335,7 +7343,7 @@
           <a:p>
             <a:pPr algn="ctr"/>
             <a:r>
-              <a:rPr kumimoji="1" lang="ja-JP" altLang="en-US" sz="1200" dirty="0">
+              <a:rPr kumimoji="1" lang="ja-JP" altLang="en-US" sz="1100" dirty="0">
                 <a:solidFill>
                   <a:schemeClr val="tx1"/>
                 </a:solidFill>
@@ -7406,8 +7414,8 @@
         </p:nvSpPr>
         <p:spPr>
           <a:xfrm>
-            <a:off x="8612299" y="5637062"/>
-            <a:ext cx="1042158" cy="743282"/>
+            <a:off x="8612299" y="5637061"/>
+            <a:ext cx="947463" cy="803513"/>
           </a:xfrm>
           <a:prstGeom prst="flowChartMagneticDisk">
             <a:avLst/>
@@ -7472,14 +7480,6 @@
               </a:rPr>
               <a:t>タブレット</a:t>
             </a:r>
-            <a:endParaRPr lang="en-US" altLang="ja-JP" sz="1100" dirty="0">
-              <a:latin typeface="Meiryo UI" panose="020B0604030504040204" pitchFamily="50" charset="-128"/>
-              <a:ea typeface="Meiryo UI" panose="020B0604030504040204" pitchFamily="50" charset="-128"/>
-              <a:cs typeface="Meiryo UI" panose="020B0604030504040204" pitchFamily="50" charset="-128"/>
-            </a:endParaRPr>
-          </a:p>
-          <a:p>
-            <a:pPr algn="ctr"/>
             <a:r>
               <a:rPr kumimoji="1" lang="en-US" altLang="ja-JP" sz="1100" dirty="0">
                 <a:latin typeface="Meiryo UI" panose="020B0604030504040204" pitchFamily="50" charset="-128"/>
@@ -7507,8 +7507,8 @@
         </p:nvSpPr>
         <p:spPr>
           <a:xfrm>
-            <a:off x="2965146" y="3517303"/>
-            <a:ext cx="2297187" cy="1027077"/>
+            <a:off x="3000929" y="3579382"/>
+            <a:ext cx="1901367" cy="910454"/>
           </a:xfrm>
           <a:prstGeom prst="flowChartMagneticDisk">
             <a:avLst/>
@@ -7576,27 +7576,7 @@
                 <a:ea typeface="Meiryo UI" panose="020B0604030504040204" pitchFamily="50" charset="-128"/>
                 <a:cs typeface="Meiryo UI" panose="020B0604030504040204" pitchFamily="50" charset="-128"/>
               </a:rPr>
-              <a:t>ナレッジベース</a:t>
-            </a:r>
-            <a:endParaRPr lang="en-US" altLang="ja-JP" sz="1100" b="1" dirty="0">
-              <a:latin typeface="Meiryo UI" panose="020B0604030504040204" pitchFamily="50" charset="-128"/>
-              <a:ea typeface="Meiryo UI" panose="020B0604030504040204" pitchFamily="50" charset="-128"/>
-              <a:cs typeface="Meiryo UI" panose="020B0604030504040204" pitchFamily="50" charset="-128"/>
-            </a:endParaRPr>
-          </a:p>
-          <a:p>
-            <a:pPr algn="ctr">
-              <a:lnSpc>
-                <a:spcPts val="1700"/>
-              </a:lnSpc>
-            </a:pPr>
-            <a:r>
-              <a:rPr lang="ja-JP" altLang="en-US" sz="1100" b="1" dirty="0">
-                <a:latin typeface="Meiryo UI" panose="020B0604030504040204" pitchFamily="50" charset="-128"/>
-                <a:ea typeface="Meiryo UI" panose="020B0604030504040204" pitchFamily="50" charset="-128"/>
-                <a:cs typeface="Meiryo UI" panose="020B0604030504040204" pitchFamily="50" charset="-128"/>
-              </a:rPr>
-              <a:t>（対象経営者・管理者のレベル毎）</a:t>
+              <a:t>ナレッジベース（知識）</a:t>
             </a:r>
             <a:endParaRPr lang="en-US" altLang="ja-JP" sz="1100" b="1" dirty="0">
               <a:latin typeface="Meiryo UI" panose="020B0604030504040204" pitchFamily="50" charset="-128"/>
@@ -7788,93 +7768,13 @@
       </p:sp>
       <p:sp>
         <p:nvSpPr>
-          <p:cNvPr id="91" name="フローチャート : 磁気ディスク 53"/>
-          <p:cNvSpPr/>
-          <p:nvPr/>
-        </p:nvSpPr>
-        <p:spPr>
-          <a:xfrm>
-            <a:off x="5416173" y="3564803"/>
-            <a:ext cx="1622490" cy="796923"/>
-          </a:xfrm>
-          <a:prstGeom prst="flowChartMagneticDisk">
-            <a:avLst/>
-          </a:prstGeom>
-          <a:solidFill>
-            <a:srgbClr val="92D050"/>
-          </a:solidFill>
-          <a:ln/>
-        </p:spPr>
-        <p:style>
-          <a:lnRef idx="1">
-            <a:schemeClr val="accent2"/>
-          </a:lnRef>
-          <a:fillRef idx="3">
-            <a:schemeClr val="accent2"/>
-          </a:fillRef>
-          <a:effectRef idx="2">
-            <a:schemeClr val="accent2"/>
-          </a:effectRef>
-          <a:fontRef idx="minor">
-            <a:schemeClr val="lt1"/>
-          </a:fontRef>
-        </p:style>
-        <p:txBody>
-          <a:bodyPr wrap="square" rtlCol="0" anchor="ctr">
-            <a:noAutofit/>
-          </a:bodyPr>
-          <a:lstStyle/>
-          <a:p>
-            <a:pPr algn="ctr">
-              <a:lnSpc>
-                <a:spcPts val="1700"/>
-              </a:lnSpc>
-            </a:pPr>
-            <a:r>
-              <a:rPr lang="ja-JP" altLang="en-US" sz="1100" dirty="0">
-                <a:latin typeface="Meiryo UI" panose="020B0604030504040204" pitchFamily="50" charset="-128"/>
-                <a:ea typeface="Meiryo UI" panose="020B0604030504040204" pitchFamily="50" charset="-128"/>
-                <a:cs typeface="Meiryo UI" panose="020B0604030504040204" pitchFamily="50" charset="-128"/>
-              </a:rPr>
-              <a:t>ガイドブック、相談対応用ハンドブック</a:t>
-            </a:r>
-            <a:endParaRPr lang="en-US" altLang="ja-JP" sz="1100" dirty="0">
-              <a:latin typeface="Meiryo UI" panose="020B0604030504040204" pitchFamily="50" charset="-128"/>
-              <a:ea typeface="Meiryo UI" panose="020B0604030504040204" pitchFamily="50" charset="-128"/>
-              <a:cs typeface="Meiryo UI" panose="020B0604030504040204" pitchFamily="50" charset="-128"/>
-            </a:endParaRPr>
-          </a:p>
-          <a:p>
-            <a:pPr algn="ctr">
-              <a:lnSpc>
-                <a:spcPts val="1700"/>
-              </a:lnSpc>
-            </a:pPr>
-            <a:r>
-              <a:rPr lang="ja-JP" altLang="en-US" sz="1100" dirty="0">
-                <a:latin typeface="Meiryo UI" panose="020B0604030504040204" pitchFamily="50" charset="-128"/>
-                <a:ea typeface="Meiryo UI" panose="020B0604030504040204" pitchFamily="50" charset="-128"/>
-                <a:cs typeface="Meiryo UI" panose="020B0604030504040204" pitchFamily="50" charset="-128"/>
-              </a:rPr>
-              <a:t>対応フロー、案内先</a:t>
-            </a:r>
-            <a:endParaRPr lang="en-US" altLang="ja-JP" sz="1100" dirty="0">
-              <a:latin typeface="Meiryo UI" panose="020B0604030504040204" pitchFamily="50" charset="-128"/>
-              <a:ea typeface="Meiryo UI" panose="020B0604030504040204" pitchFamily="50" charset="-128"/>
-              <a:cs typeface="Meiryo UI" panose="020B0604030504040204" pitchFamily="50" charset="-128"/>
-            </a:endParaRPr>
-          </a:p>
-        </p:txBody>
-      </p:sp>
-      <p:sp>
-        <p:nvSpPr>
           <p:cNvPr id="92" name="左矢印 91"/>
           <p:cNvSpPr/>
           <p:nvPr/>
         </p:nvSpPr>
         <p:spPr>
           <a:xfrm rot="1908667">
-            <a:off x="8117155" y="3949565"/>
+            <a:off x="7974543" y="3958067"/>
             <a:ext cx="420595" cy="257552"/>
           </a:xfrm>
           <a:prstGeom prst="leftArrow">
@@ -7962,8 +7862,8 @@
         </p:nvSpPr>
         <p:spPr>
           <a:xfrm>
-            <a:off x="-1" y="-95002"/>
-            <a:ext cx="2782557" cy="819398"/>
+            <a:off x="5712407" y="6011296"/>
+            <a:ext cx="2782557" cy="714630"/>
           </a:xfrm>
           <a:prstGeom prst="horizontalScroll">
             <a:avLst/>
@@ -7971,13 +7871,13 @@
         </p:spPr>
         <p:style>
           <a:lnRef idx="1">
-            <a:schemeClr val="accent3"/>
+            <a:schemeClr val="accent5"/>
           </a:lnRef>
           <a:fillRef idx="2">
-            <a:schemeClr val="accent3"/>
+            <a:schemeClr val="accent5"/>
           </a:fillRef>
           <a:effectRef idx="1">
-            <a:schemeClr val="accent3"/>
+            <a:schemeClr val="accent5"/>
           </a:effectRef>
           <a:fontRef idx="minor">
             <a:schemeClr val="dk1"/>
@@ -7989,9 +7889,9 @@
           <a:p>
             <a:pPr algn="ctr"/>
             <a:r>
-              <a:rPr kumimoji="1" lang="en-US" altLang="ja-JP" sz="1200" dirty="0">
+              <a:rPr kumimoji="1" lang="en-US" altLang="ja-JP" sz="1000" b="1" dirty="0">
                 <a:solidFill>
-                  <a:srgbClr val="0070C0"/>
+                  <a:srgbClr val="FF0000"/>
                 </a:solidFill>
                 <a:latin typeface="Meiryo UI" panose="020B0604030504040204" pitchFamily="50" charset="-128"/>
                 <a:ea typeface="Meiryo UI" panose="020B0604030504040204" pitchFamily="50" charset="-128"/>
@@ -8000,19 +7900,19 @@
               <a:t>TCYSS</a:t>
             </a:r>
             <a:r>
-              <a:rPr kumimoji="1" lang="ja-JP" altLang="en-US" sz="1200" dirty="0">
+              <a:rPr lang="ja-JP" altLang="en-US" sz="1000" b="1" dirty="0">
                 <a:solidFill>
-                  <a:srgbClr val="0070C0"/>
+                  <a:srgbClr val="FF0000"/>
                 </a:solidFill>
                 <a:latin typeface="Meiryo UI" panose="020B0604030504040204" pitchFamily="50" charset="-128"/>
                 <a:ea typeface="Meiryo UI" panose="020B0604030504040204" pitchFamily="50" charset="-128"/>
                 <a:cs typeface="Meiryo UI" panose="020B0604030504040204" pitchFamily="50" charset="-128"/>
               </a:rPr>
-              <a:t>相互協力協定</a:t>
-            </a:r>
-            <a:endParaRPr kumimoji="1" lang="en-US" altLang="ja-JP" sz="1200" dirty="0">
+              <a:t>課題</a:t>
+            </a:r>
+            <a:endParaRPr kumimoji="1" lang="en-US" altLang="ja-JP" sz="1000" b="1" dirty="0">
               <a:solidFill>
-                <a:srgbClr val="0070C0"/>
+                <a:srgbClr val="FF0000"/>
               </a:solidFill>
               <a:latin typeface="Meiryo UI" panose="020B0604030504040204" pitchFamily="50" charset="-128"/>
               <a:ea typeface="Meiryo UI" panose="020B0604030504040204" pitchFamily="50" charset="-128"/>
@@ -8022,19 +7922,19 @@
           <a:p>
             <a:pPr algn="ctr"/>
             <a:r>
-              <a:rPr lang="ja-JP" altLang="en-US" sz="1200" dirty="0">
+              <a:rPr lang="ja-JP" altLang="en-US" sz="900" b="1" dirty="0">
                 <a:solidFill>
-                  <a:srgbClr val="0070C0"/>
+                  <a:srgbClr val="FF0000"/>
                 </a:solidFill>
                 <a:latin typeface="Meiryo UI" panose="020B0604030504040204" pitchFamily="50" charset="-128"/>
                 <a:ea typeface="Meiryo UI" panose="020B0604030504040204" pitchFamily="50" charset="-128"/>
                 <a:cs typeface="Meiryo UI" panose="020B0604030504040204" pitchFamily="50" charset="-128"/>
               </a:rPr>
-              <a:t>・意識啓発活動・情報共有・相談体制・事案発生時の相互連携</a:t>
-            </a:r>
-            <a:endParaRPr kumimoji="1" lang="ja-JP" altLang="en-US" sz="1200" dirty="0">
+              <a:t>・意識啓発活動・情報共有・相談体制・事案発生時の相互連携が機能していない</a:t>
+            </a:r>
+            <a:endParaRPr kumimoji="1" lang="ja-JP" altLang="en-US" sz="900" b="1" dirty="0">
               <a:solidFill>
-                <a:srgbClr val="0070C0"/>
+                <a:srgbClr val="FF0000"/>
               </a:solidFill>
               <a:latin typeface="Meiryo UI" panose="020B0604030504040204" pitchFamily="50" charset="-128"/>
               <a:ea typeface="Meiryo UI" panose="020B0604030504040204" pitchFamily="50" charset="-128"/>
@@ -8137,13 +8037,13 @@
         </p:nvSpPr>
         <p:spPr>
           <a:xfrm>
-            <a:off x="7606674" y="2861850"/>
+            <a:off x="7518657" y="2833914"/>
             <a:ext cx="1557003" cy="439643"/>
           </a:xfrm>
           <a:prstGeom prst="wedgeRectCallout">
             <a:avLst>
-              <a:gd name="adj1" fmla="val -428"/>
-              <a:gd name="adj2" fmla="val 144031"/>
+              <a:gd name="adj1" fmla="val 27101"/>
+              <a:gd name="adj2" fmla="val 79035"/>
             </a:avLst>
           </a:prstGeom>
         </p:spPr>
@@ -8188,8 +8088,8 @@
         </p:nvSpPr>
         <p:spPr>
           <a:xfrm>
-            <a:off x="101133" y="3075558"/>
-            <a:ext cx="1398384" cy="1920634"/>
+            <a:off x="140603" y="3235363"/>
+            <a:ext cx="1398384" cy="1810513"/>
           </a:xfrm>
           <a:prstGeom prst="frame">
             <a:avLst/>
@@ -8374,8 +8274,8 @@
         </p:nvSpPr>
         <p:spPr>
           <a:xfrm>
-            <a:off x="101133" y="4750277"/>
-            <a:ext cx="1512984" cy="2107723"/>
+            <a:off x="24239" y="4915703"/>
+            <a:ext cx="1807530" cy="2054674"/>
           </a:xfrm>
           <a:prstGeom prst="horizontalScroll">
             <a:avLst/>
@@ -8383,13 +8283,13 @@
         </p:spPr>
         <p:style>
           <a:lnRef idx="1">
-            <a:schemeClr val="dk1"/>
+            <a:schemeClr val="accent5"/>
           </a:lnRef>
           <a:fillRef idx="2">
-            <a:schemeClr val="dk1"/>
+            <a:schemeClr val="accent5"/>
           </a:fillRef>
           <a:effectRef idx="1">
-            <a:schemeClr val="dk1"/>
+            <a:schemeClr val="accent5"/>
           </a:effectRef>
           <a:fontRef idx="minor">
             <a:schemeClr val="dk1"/>
@@ -8401,14 +8301,31 @@
           <a:p>
             <a:pPr algn="ctr"/>
             <a:r>
-              <a:rPr kumimoji="1" lang="ja-JP" altLang="en-US" sz="1100" dirty="0">
-                <a:latin typeface="Meiryo UI" panose="020B0604030504040204" pitchFamily="50" charset="-128"/>
-                <a:ea typeface="Meiryo UI" panose="020B0604030504040204" pitchFamily="50" charset="-128"/>
-                <a:cs typeface="Meiryo UI" panose="020B0604030504040204" pitchFamily="50" charset="-128"/>
-              </a:rPr>
-              <a:t>企業経営のためのサイバーセキュリティの考え方</a:t>
-            </a:r>
-            <a:endParaRPr kumimoji="1" lang="en-US" altLang="ja-JP" sz="1100" dirty="0">
+              <a:rPr kumimoji="1" lang="en-US" altLang="ja-JP" sz="1100" b="1" dirty="0">
+                <a:solidFill>
+                  <a:srgbClr val="FF0000"/>
+                </a:solidFill>
+                <a:latin typeface="Meiryo UI" panose="020B0604030504040204" pitchFamily="50" charset="-128"/>
+                <a:ea typeface="Meiryo UI" panose="020B0604030504040204" pitchFamily="50" charset="-128"/>
+                <a:cs typeface="Meiryo UI" panose="020B0604030504040204" pitchFamily="50" charset="-128"/>
+              </a:rPr>
+              <a:t>IPA</a:t>
+            </a:r>
+            <a:r>
+              <a:rPr kumimoji="1" lang="ja-JP" altLang="en-US" sz="1100" b="1" dirty="0">
+                <a:solidFill>
+                  <a:srgbClr val="FF0000"/>
+                </a:solidFill>
+                <a:latin typeface="Meiryo UI" panose="020B0604030504040204" pitchFamily="50" charset="-128"/>
+                <a:ea typeface="Meiryo UI" panose="020B0604030504040204" pitchFamily="50" charset="-128"/>
+                <a:cs typeface="Meiryo UI" panose="020B0604030504040204" pitchFamily="50" charset="-128"/>
+              </a:rPr>
+              <a:t>安心相談窓口との連携</a:t>
+            </a:r>
+            <a:endParaRPr kumimoji="1" lang="en-US" altLang="ja-JP" sz="1100" b="1" dirty="0">
+              <a:solidFill>
+                <a:srgbClr val="FF0000"/>
+              </a:solidFill>
               <a:latin typeface="Meiryo UI" panose="020B0604030504040204" pitchFamily="50" charset="-128"/>
               <a:ea typeface="Meiryo UI" panose="020B0604030504040204" pitchFamily="50" charset="-128"/>
               <a:cs typeface="Meiryo UI" panose="020B0604030504040204" pitchFamily="50" charset="-128"/>
@@ -8417,9 +8334,9 @@
           <a:p>
             <a:pPr algn="ctr"/>
             <a:r>
-              <a:rPr lang="ja-JP" altLang="en-US" sz="1100" dirty="0">
+              <a:rPr lang="ja-JP" altLang="en-US" sz="1050" b="1" dirty="0">
                 <a:solidFill>
-                  <a:srgbClr val="0070C0"/>
+                  <a:srgbClr val="FF0000"/>
                 </a:solidFill>
                 <a:latin typeface="Meiryo UI" panose="020B0604030504040204" pitchFamily="50" charset="-128"/>
                 <a:ea typeface="Meiryo UI" panose="020B0604030504040204" pitchFamily="50" charset="-128"/>
@@ -8428,52 +8345,107 @@
               <a:t>・</a:t>
             </a:r>
             <a:r>
-              <a:rPr lang="ja-JP" altLang="en-US" sz="1100" b="1" dirty="0">
+              <a:rPr lang="en-US" altLang="ja-JP" sz="1050" b="1" dirty="0">
                 <a:solidFill>
-                  <a:srgbClr val="0070C0"/>
+                  <a:srgbClr val="FF0000"/>
                 </a:solidFill>
                 <a:latin typeface="Meiryo UI" panose="020B0604030504040204" pitchFamily="50" charset="-128"/>
                 <a:ea typeface="Meiryo UI" panose="020B0604030504040204" pitchFamily="50" charset="-128"/>
                 <a:cs typeface="Meiryo UI" panose="020B0604030504040204" pitchFamily="50" charset="-128"/>
               </a:rPr>
-              <a:t>サイバーセキュリティはやむを得ない「費用」でなく、</a:t>
-            </a:r>
-            <a:r>
-              <a:rPr lang="en-US" altLang="ja-JP" sz="1100" b="1" dirty="0">
+              <a:t>IPA</a:t>
+            </a:r>
+            <a:r>
+              <a:rPr lang="ja-JP" altLang="en-US" sz="1050" b="1" dirty="0">
                 <a:solidFill>
-                  <a:srgbClr val="0070C0"/>
+                  <a:srgbClr val="FF0000"/>
                 </a:solidFill>
                 <a:latin typeface="Meiryo UI" panose="020B0604030504040204" pitchFamily="50" charset="-128"/>
                 <a:ea typeface="Meiryo UI" panose="020B0604030504040204" pitchFamily="50" charset="-128"/>
                 <a:cs typeface="Meiryo UI" panose="020B0604030504040204" pitchFamily="50" charset="-128"/>
               </a:rPr>
-              <a:t>IT</a:t>
-            </a:r>
-            <a:r>
-              <a:rPr lang="ja-JP" altLang="en-US" sz="1100" b="1" dirty="0" err="1">
+              <a:t>提供情報の活用</a:t>
+            </a:r>
+            <a:endParaRPr lang="en-US" altLang="ja-JP" sz="1050" b="1" dirty="0">
+              <a:solidFill>
+                <a:srgbClr val="FF0000"/>
+              </a:solidFill>
+              <a:latin typeface="Meiryo UI" panose="020B0604030504040204" pitchFamily="50" charset="-128"/>
+              <a:ea typeface="Meiryo UI" panose="020B0604030504040204" pitchFamily="50" charset="-128"/>
+              <a:cs typeface="Meiryo UI" panose="020B0604030504040204" pitchFamily="50" charset="-128"/>
+            </a:endParaRPr>
+          </a:p>
+          <a:p>
+            <a:pPr algn="ctr"/>
+            <a:r>
+              <a:rPr lang="ja-JP" altLang="en-US" sz="1050" b="1" dirty="0">
                 <a:solidFill>
-                  <a:srgbClr val="0070C0"/>
+                  <a:srgbClr val="FF0000"/>
                 </a:solidFill>
                 <a:latin typeface="Meiryo UI" panose="020B0604030504040204" pitchFamily="50" charset="-128"/>
                 <a:ea typeface="Meiryo UI" panose="020B0604030504040204" pitchFamily="50" charset="-128"/>
                 <a:cs typeface="Meiryo UI" panose="020B0604030504040204" pitchFamily="50" charset="-128"/>
               </a:rPr>
-              <a:t>を利</a:t>
-            </a:r>
-            <a:r>
-              <a:rPr lang="ja-JP" altLang="en-US" sz="1100" b="1" dirty="0">
+              <a:t>・</a:t>
+            </a:r>
+            <a:r>
+              <a:rPr kumimoji="1" lang="ja-JP" altLang="en-US" sz="1050" b="1" dirty="0">
                 <a:solidFill>
-                  <a:srgbClr val="0070C0"/>
+                  <a:srgbClr val="FF0000"/>
                 </a:solidFill>
                 <a:latin typeface="Meiryo UI" panose="020B0604030504040204" pitchFamily="50" charset="-128"/>
                 <a:ea typeface="Meiryo UI" panose="020B0604030504040204" pitchFamily="50" charset="-128"/>
                 <a:cs typeface="Meiryo UI" panose="020B0604030504040204" pitchFamily="50" charset="-128"/>
               </a:rPr>
-              <a:t>活用した積極的な経営への「投資」と位置付ける</a:t>
-            </a:r>
-            <a:endParaRPr kumimoji="1" lang="ja-JP" altLang="en-US" sz="1100" b="1" dirty="0">
+              <a:t>インターネットでは得られない情報交換</a:t>
+            </a:r>
+            <a:endParaRPr kumimoji="1" lang="en-US" altLang="ja-JP" sz="1050" b="1" dirty="0">
               <a:solidFill>
-                <a:srgbClr val="0070C0"/>
+                <a:srgbClr val="FF0000"/>
+              </a:solidFill>
+              <a:latin typeface="Meiryo UI" panose="020B0604030504040204" pitchFamily="50" charset="-128"/>
+              <a:ea typeface="Meiryo UI" panose="020B0604030504040204" pitchFamily="50" charset="-128"/>
+              <a:cs typeface="Meiryo UI" panose="020B0604030504040204" pitchFamily="50" charset="-128"/>
+            </a:endParaRPr>
+          </a:p>
+          <a:p>
+            <a:pPr algn="ctr"/>
+            <a:r>
+              <a:rPr kumimoji="1" lang="ja-JP" altLang="en-US" sz="1050" b="1" dirty="0">
+                <a:solidFill>
+                  <a:srgbClr val="FF0000"/>
+                </a:solidFill>
+                <a:latin typeface="Meiryo UI" panose="020B0604030504040204" pitchFamily="50" charset="-128"/>
+                <a:ea typeface="Meiryo UI" panose="020B0604030504040204" pitchFamily="50" charset="-128"/>
+                <a:cs typeface="Meiryo UI" panose="020B0604030504040204" pitchFamily="50" charset="-128"/>
+              </a:rPr>
+              <a:t>・インシデント相談対応時のホットライン</a:t>
+            </a:r>
+            <a:endParaRPr kumimoji="1" lang="en-US" altLang="ja-JP" sz="1050" b="1" dirty="0">
+              <a:solidFill>
+                <a:srgbClr val="FF0000"/>
+              </a:solidFill>
+              <a:latin typeface="Meiryo UI" panose="020B0604030504040204" pitchFamily="50" charset="-128"/>
+              <a:ea typeface="Meiryo UI" panose="020B0604030504040204" pitchFamily="50" charset="-128"/>
+              <a:cs typeface="Meiryo UI" panose="020B0604030504040204" pitchFamily="50" charset="-128"/>
+            </a:endParaRPr>
+          </a:p>
+          <a:p>
+            <a:pPr algn="ctr"/>
+            <a:r>
+              <a:rPr lang="ja-JP" altLang="en-US" sz="1050" b="1" dirty="0">
+                <a:solidFill>
+                  <a:srgbClr val="FF0000"/>
+                </a:solidFill>
+                <a:latin typeface="Meiryo UI" panose="020B0604030504040204" pitchFamily="50" charset="-128"/>
+                <a:ea typeface="Meiryo UI" panose="020B0604030504040204" pitchFamily="50" charset="-128"/>
+                <a:cs typeface="Meiryo UI" panose="020B0604030504040204" pitchFamily="50" charset="-128"/>
+              </a:rPr>
+              <a:t>・相談対応のための情報交換</a:t>
+            </a:r>
+            <a:endParaRPr kumimoji="1" lang="en-US" altLang="ja-JP" sz="1050" b="1" dirty="0">
+              <a:solidFill>
+                <a:srgbClr val="FF0000"/>
               </a:solidFill>
               <a:latin typeface="Meiryo UI" panose="020B0604030504040204" pitchFamily="50" charset="-128"/>
               <a:ea typeface="Meiryo UI" panose="020B0604030504040204" pitchFamily="50" charset="-128"/>
@@ -8722,7 +8694,7 @@
         </p:nvSpPr>
         <p:spPr>
           <a:xfrm>
-            <a:off x="1265053" y="4767440"/>
+            <a:off x="1228471" y="4796029"/>
             <a:ext cx="1822072" cy="434550"/>
           </a:xfrm>
           <a:prstGeom prst="rightArrow">
@@ -8774,8 +8746,8 @@
         </p:nvSpPr>
         <p:spPr>
           <a:xfrm>
-            <a:off x="1114804" y="3685011"/>
-            <a:ext cx="938060" cy="878347"/>
+            <a:off x="1454356" y="3753073"/>
+            <a:ext cx="1461006" cy="521781"/>
           </a:xfrm>
           <a:prstGeom prst="leftRightArrow">
             <a:avLst>
@@ -8818,219 +8790,54 @@
       </p:sp>
       <p:sp>
         <p:nvSpPr>
-          <p:cNvPr id="5" name="テキスト ボックス 4">
-            <a:extLst>
-              <a:ext uri="{FF2B5EF4-FFF2-40B4-BE49-F238E27FC236}">
-                <a16:creationId xmlns:a16="http://schemas.microsoft.com/office/drawing/2014/main" id="{76C9B0B7-A099-4A06-A64D-3CE5185DE31A}"/>
-              </a:ext>
-            </a:extLst>
-          </p:cNvPr>
-          <p:cNvSpPr txBox="1"/>
-          <p:nvPr/>
+          <p:cNvPr id="2" name="タイトル 1"/>
+          <p:cNvSpPr>
+            <a:spLocks noGrp="1"/>
+          </p:cNvSpPr>
+          <p:nvPr>
+            <p:ph type="title"/>
+          </p:nvPr>
         </p:nvSpPr>
         <p:spPr>
           <a:xfrm>
-            <a:off x="5262334" y="2428762"/>
-            <a:ext cx="1991534" cy="338554"/>
-          </a:xfrm>
-          <a:prstGeom prst="rect">
-            <a:avLst/>
-          </a:prstGeom>
-          <a:noFill/>
-          <a:ln>
-            <a:solidFill>
-              <a:srgbClr val="FF0000"/>
-            </a:solidFill>
-          </a:ln>
-        </p:spPr>
-        <p:txBody>
-          <a:bodyPr wrap="square" rtlCol="0">
-            <a:spAutoFit/>
+            <a:off x="2928750" y="-76200"/>
+            <a:ext cx="7796603" cy="603495"/>
+          </a:xfrm>
+        </p:spPr>
+        <p:txBody>
+          <a:bodyPr>
+            <a:normAutofit/>
           </a:bodyPr>
           <a:lstStyle/>
           <a:p>
             <a:r>
-              <a:rPr lang="ja-JP" altLang="en-US" sz="1600" b="1" dirty="0">
-                <a:solidFill>
-                  <a:srgbClr val="FF0000"/>
-                </a:solidFill>
-                <a:latin typeface="Meiryo UI" panose="020B0604030504040204" pitchFamily="50" charset="-128"/>
-                <a:ea typeface="Meiryo UI" panose="020B0604030504040204" pitchFamily="50" charset="-128"/>
-              </a:rPr>
-              <a:t>専門員</a:t>
-            </a:r>
-            <a:r>
-              <a:rPr kumimoji="1" lang="ja-JP" altLang="en-US" sz="1600" b="1" dirty="0">
-                <a:solidFill>
-                  <a:srgbClr val="FF0000"/>
-                </a:solidFill>
-                <a:latin typeface="Meiryo UI" panose="020B0604030504040204" pitchFamily="50" charset="-128"/>
-                <a:ea typeface="Meiryo UI" panose="020B0604030504040204" pitchFamily="50" charset="-128"/>
-              </a:rPr>
-              <a:t>所掌事務</a:t>
-            </a:r>
-            <a:r>
-              <a:rPr kumimoji="1" lang="en-US" altLang="ja-JP" sz="1600" b="1" dirty="0">
-                <a:solidFill>
-                  <a:srgbClr val="FF0000"/>
-                </a:solidFill>
-                <a:latin typeface="Meiryo UI" panose="020B0604030504040204" pitchFamily="50" charset="-128"/>
-                <a:ea typeface="Meiryo UI" panose="020B0604030504040204" pitchFamily="50" charset="-128"/>
-              </a:rPr>
-              <a:t>(1)</a:t>
-            </a:r>
-            <a:endParaRPr kumimoji="1" lang="ja-JP" altLang="en-US" sz="1600" b="1" dirty="0">
-              <a:solidFill>
-                <a:srgbClr val="FF0000"/>
-              </a:solidFill>
+              <a:rPr lang="en-US" altLang="ja-JP" sz="3200" dirty="0">
+                <a:latin typeface="Meiryo UI" panose="020B0604030504040204" pitchFamily="50" charset="-128"/>
+                <a:ea typeface="Meiryo UI" panose="020B0604030504040204" pitchFamily="50" charset="-128"/>
+                <a:cs typeface="Meiryo UI" panose="020B0604030504040204" pitchFamily="50" charset="-128"/>
+              </a:rPr>
+              <a:t>TCYSS</a:t>
+            </a:r>
+            <a:r>
+              <a:rPr lang="ja-JP" altLang="en-US" sz="3200" dirty="0" err="1">
+                <a:latin typeface="Meiryo UI" panose="020B0604030504040204" pitchFamily="50" charset="-128"/>
+                <a:ea typeface="Meiryo UI" panose="020B0604030504040204" pitchFamily="50" charset="-128"/>
+                <a:cs typeface="Meiryo UI" panose="020B0604030504040204" pitchFamily="50" charset="-128"/>
+              </a:rPr>
+              <a:t>での</a:t>
+            </a:r>
+            <a:r>
+              <a:rPr lang="ja-JP" altLang="en-US" sz="3200" dirty="0">
+                <a:latin typeface="Meiryo UI" panose="020B0604030504040204" pitchFamily="50" charset="-128"/>
+                <a:ea typeface="Meiryo UI" panose="020B0604030504040204" pitchFamily="50" charset="-128"/>
+                <a:cs typeface="Meiryo UI" panose="020B0604030504040204" pitchFamily="50" charset="-128"/>
+              </a:rPr>
+              <a:t>情報収集・整理・蓄積と発信　</a:t>
+            </a:r>
+            <a:endParaRPr kumimoji="1" lang="ja-JP" altLang="en-US" sz="3200" dirty="0">
               <a:latin typeface="Meiryo UI" panose="020B0604030504040204" pitchFamily="50" charset="-128"/>
               <a:ea typeface="Meiryo UI" panose="020B0604030504040204" pitchFamily="50" charset="-128"/>
-            </a:endParaRPr>
-          </a:p>
-        </p:txBody>
-      </p:sp>
-      <p:sp>
-        <p:nvSpPr>
-          <p:cNvPr id="98" name="テキスト ボックス 97">
-            <a:extLst>
-              <a:ext uri="{FF2B5EF4-FFF2-40B4-BE49-F238E27FC236}">
-                <a16:creationId xmlns:a16="http://schemas.microsoft.com/office/drawing/2014/main" id="{1B0B0FA1-21BD-41D9-8E75-422D39DF3972}"/>
-              </a:ext>
-            </a:extLst>
-          </p:cNvPr>
-          <p:cNvSpPr txBox="1"/>
-          <p:nvPr/>
-        </p:nvSpPr>
-        <p:spPr>
-          <a:xfrm>
-            <a:off x="9654457" y="4869015"/>
-            <a:ext cx="2009459" cy="338554"/>
-          </a:xfrm>
-          <a:prstGeom prst="rect">
-            <a:avLst/>
-          </a:prstGeom>
-          <a:noFill/>
-          <a:ln>
-            <a:solidFill>
-              <a:srgbClr val="FF0000"/>
-            </a:solidFill>
-          </a:ln>
-        </p:spPr>
-        <p:txBody>
-          <a:bodyPr wrap="square" rtlCol="0">
-            <a:spAutoFit/>
-          </a:bodyPr>
-          <a:lstStyle/>
-          <a:p>
-            <a:r>
-              <a:rPr lang="ja-JP" altLang="en-US" sz="1600" b="1" dirty="0">
-                <a:solidFill>
-                  <a:srgbClr val="FF0000"/>
-                </a:solidFill>
-                <a:latin typeface="Meiryo UI" panose="020B0604030504040204" pitchFamily="50" charset="-128"/>
-                <a:ea typeface="Meiryo UI" panose="020B0604030504040204" pitchFamily="50" charset="-128"/>
-              </a:rPr>
-              <a:t>専門員</a:t>
-            </a:r>
-            <a:r>
-              <a:rPr kumimoji="1" lang="ja-JP" altLang="en-US" sz="1600" b="1" dirty="0">
-                <a:solidFill>
-                  <a:srgbClr val="FF0000"/>
-                </a:solidFill>
-                <a:latin typeface="Meiryo UI" panose="020B0604030504040204" pitchFamily="50" charset="-128"/>
-                <a:ea typeface="Meiryo UI" panose="020B0604030504040204" pitchFamily="50" charset="-128"/>
-              </a:rPr>
-              <a:t>所掌事務</a:t>
-            </a:r>
-            <a:r>
-              <a:rPr kumimoji="1" lang="en-US" altLang="ja-JP" sz="1600" b="1" dirty="0">
-                <a:solidFill>
-                  <a:srgbClr val="FF0000"/>
-                </a:solidFill>
-                <a:latin typeface="Meiryo UI" panose="020B0604030504040204" pitchFamily="50" charset="-128"/>
-                <a:ea typeface="Meiryo UI" panose="020B0604030504040204" pitchFamily="50" charset="-128"/>
-              </a:rPr>
-              <a:t>(2)</a:t>
-            </a:r>
-            <a:endParaRPr kumimoji="1" lang="ja-JP" altLang="en-US" sz="1600" b="1" dirty="0">
-              <a:solidFill>
-                <a:srgbClr val="FF0000"/>
-              </a:solidFill>
-              <a:latin typeface="Meiryo UI" panose="020B0604030504040204" pitchFamily="50" charset="-128"/>
-              <a:ea typeface="Meiryo UI" panose="020B0604030504040204" pitchFamily="50" charset="-128"/>
-            </a:endParaRPr>
-          </a:p>
-        </p:txBody>
-      </p:sp>
-      <p:sp>
-        <p:nvSpPr>
-          <p:cNvPr id="99" name="テキスト ボックス 98">
-            <a:extLst>
-              <a:ext uri="{FF2B5EF4-FFF2-40B4-BE49-F238E27FC236}">
-                <a16:creationId xmlns:a16="http://schemas.microsoft.com/office/drawing/2014/main" id="{9E6EFB1B-854D-4880-96FC-C2BCE280ED97}"/>
-              </a:ext>
-            </a:extLst>
-          </p:cNvPr>
-          <p:cNvSpPr txBox="1"/>
-          <p:nvPr/>
-        </p:nvSpPr>
-        <p:spPr>
-          <a:xfrm>
-            <a:off x="1843440" y="3594291"/>
-            <a:ext cx="2026380" cy="338554"/>
-          </a:xfrm>
-          <a:prstGeom prst="rect">
-            <a:avLst/>
-          </a:prstGeom>
-          <a:noFill/>
-          <a:ln>
-            <a:solidFill>
-              <a:srgbClr val="FF0000"/>
-            </a:solidFill>
-          </a:ln>
-        </p:spPr>
-        <p:txBody>
-          <a:bodyPr wrap="square" rtlCol="0">
-            <a:spAutoFit/>
-          </a:bodyPr>
-          <a:lstStyle/>
-          <a:p>
-            <a:r>
-              <a:rPr lang="ja-JP" altLang="en-US" sz="1600" b="1" dirty="0">
-                <a:solidFill>
-                  <a:srgbClr val="FF0000"/>
-                </a:solidFill>
-                <a:latin typeface="Meiryo UI" panose="020B0604030504040204" pitchFamily="50" charset="-128"/>
-                <a:ea typeface="Meiryo UI" panose="020B0604030504040204" pitchFamily="50" charset="-128"/>
-              </a:rPr>
-              <a:t>専門員</a:t>
-            </a:r>
-            <a:r>
-              <a:rPr kumimoji="1" lang="ja-JP" altLang="en-US" sz="1600" b="1" dirty="0">
-                <a:solidFill>
-                  <a:srgbClr val="FF0000"/>
-                </a:solidFill>
-                <a:latin typeface="Meiryo UI" panose="020B0604030504040204" pitchFamily="50" charset="-128"/>
-                <a:ea typeface="Meiryo UI" panose="020B0604030504040204" pitchFamily="50" charset="-128"/>
-              </a:rPr>
-              <a:t>所掌事務</a:t>
-            </a:r>
-            <a:r>
-              <a:rPr kumimoji="1" lang="en-US" altLang="ja-JP" sz="1600" b="1" dirty="0">
-                <a:solidFill>
-                  <a:srgbClr val="FF0000"/>
-                </a:solidFill>
-                <a:latin typeface="Meiryo UI" panose="020B0604030504040204" pitchFamily="50" charset="-128"/>
-                <a:ea typeface="Meiryo UI" panose="020B0604030504040204" pitchFamily="50" charset="-128"/>
-              </a:rPr>
-              <a:t>(3)</a:t>
-            </a:r>
-            <a:endParaRPr kumimoji="1" lang="ja-JP" altLang="en-US" sz="1600" b="1" dirty="0">
-              <a:solidFill>
-                <a:srgbClr val="FF0000"/>
-              </a:solidFill>
-              <a:latin typeface="Meiryo UI" panose="020B0604030504040204" pitchFamily="50" charset="-128"/>
-              <a:ea typeface="Meiryo UI" panose="020B0604030504040204" pitchFamily="50" charset="-128"/>
+              <a:cs typeface="Meiryo UI" panose="020B0604030504040204" pitchFamily="50" charset="-128"/>
             </a:endParaRPr>
           </a:p>
         </p:txBody>

--- a/Cyber/TCYSSでの情報収集・蓄積と発信.pptx
+++ b/Cyber/TCYSSでの情報収集・蓄積と発信.pptx
@@ -147,12 +147,12 @@
   <pc:docChgLst>
     <pc:chgData name="Masaki Nakayama" userId="7eabd57b-b900-4e86-8622-e94bcfa04d00" providerId="ADAL" clId="{94C1CCE3-75C0-40D3-B12F-B54977995DC0}"/>
     <pc:docChg chg="undo custSel modSld modNotesMaster">
-      <pc:chgData name="Masaki Nakayama" userId="7eabd57b-b900-4e86-8622-e94bcfa04d00" providerId="ADAL" clId="{94C1CCE3-75C0-40D3-B12F-B54977995DC0}" dt="2021-08-30T05:08:19.341" v="1058" actId="403"/>
+      <pc:chgData name="Masaki Nakayama" userId="7eabd57b-b900-4e86-8622-e94bcfa04d00" providerId="ADAL" clId="{94C1CCE3-75C0-40D3-B12F-B54977995DC0}" dt="2021-09-16T05:48:32.585" v="1205" actId="14100"/>
       <pc:docMkLst>
         <pc:docMk/>
       </pc:docMkLst>
       <pc:sldChg chg="delSp modSp mod">
-        <pc:chgData name="Masaki Nakayama" userId="7eabd57b-b900-4e86-8622-e94bcfa04d00" providerId="ADAL" clId="{94C1CCE3-75C0-40D3-B12F-B54977995DC0}" dt="2021-08-30T05:08:19.341" v="1058" actId="403"/>
+        <pc:chgData name="Masaki Nakayama" userId="7eabd57b-b900-4e86-8622-e94bcfa04d00" providerId="ADAL" clId="{94C1CCE3-75C0-40D3-B12F-B54977995DC0}" dt="2021-09-16T05:48:32.585" v="1205" actId="14100"/>
         <pc:sldMkLst>
           <pc:docMk/>
           <pc:sldMk cId="3444483772" sldId="701"/>
@@ -166,7 +166,7 @@
           </ac:spMkLst>
         </pc:spChg>
         <pc:spChg chg="mod">
-          <ac:chgData name="Masaki Nakayama" userId="7eabd57b-b900-4e86-8622-e94bcfa04d00" providerId="ADAL" clId="{94C1CCE3-75C0-40D3-B12F-B54977995DC0}" dt="2021-08-27T08:04:47.232" v="1021" actId="14100"/>
+          <ac:chgData name="Masaki Nakayama" userId="7eabd57b-b900-4e86-8622-e94bcfa04d00" providerId="ADAL" clId="{94C1CCE3-75C0-40D3-B12F-B54977995DC0}" dt="2021-09-16T05:48:32.585" v="1205" actId="14100"/>
           <ac:spMkLst>
             <pc:docMk/>
             <pc:sldMk cId="3444483772" sldId="701"/>
@@ -190,7 +190,7 @@
           </ac:spMkLst>
         </pc:spChg>
         <pc:spChg chg="mod">
-          <ac:chgData name="Masaki Nakayama" userId="7eabd57b-b900-4e86-8622-e94bcfa04d00" providerId="ADAL" clId="{94C1CCE3-75C0-40D3-B12F-B54977995DC0}" dt="2021-08-27T07:06:27.489" v="749" actId="20577"/>
+          <ac:chgData name="Masaki Nakayama" userId="7eabd57b-b900-4e86-8622-e94bcfa04d00" providerId="ADAL" clId="{94C1CCE3-75C0-40D3-B12F-B54977995DC0}" dt="2021-09-16T02:27:31.856" v="1189" actId="20577"/>
           <ac:spMkLst>
             <pc:docMk/>
             <pc:sldMk cId="3444483772" sldId="701"/>
@@ -238,7 +238,7 @@
           </ac:spMkLst>
         </pc:spChg>
         <pc:spChg chg="mod">
-          <ac:chgData name="Masaki Nakayama" userId="7eabd57b-b900-4e86-8622-e94bcfa04d00" providerId="ADAL" clId="{94C1CCE3-75C0-40D3-B12F-B54977995DC0}" dt="2021-08-27T08:27:49.716" v="1039" actId="20577"/>
+          <ac:chgData name="Masaki Nakayama" userId="7eabd57b-b900-4e86-8622-e94bcfa04d00" providerId="ADAL" clId="{94C1CCE3-75C0-40D3-B12F-B54977995DC0}" dt="2021-09-16T05:48:13.227" v="1202" actId="14100"/>
           <ac:spMkLst>
             <pc:docMk/>
             <pc:sldMk cId="3444483772" sldId="701"/>
@@ -581,7 +581,7 @@
           <a:p>
             <a:fld id="{B377335C-6462-4247-BEFA-CD97B67177F9}" type="datetimeFigureOut">
               <a:rPr kumimoji="1" lang="ja-JP" altLang="en-US" smtClean="0"/>
-              <a:t>2021/8/30</a:t>
+              <a:t>2021/9/16</a:t>
             </a:fld>
             <a:endParaRPr kumimoji="1" lang="ja-JP" altLang="en-US"/>
           </a:p>
@@ -1024,7 +1024,7 @@
             <a:fld id="{DD2B6372-1A88-4F0C-86B1-FCF70832C42C}" type="datetimeFigureOut">
               <a:rPr lang="ja-JP" altLang="en-US" smtClean="0"/>
               <a:pPr/>
-              <a:t>2021/8/30</a:t>
+              <a:t>2021/9/16</a:t>
             </a:fld>
             <a:endParaRPr lang="ja-JP" altLang="en-US"/>
           </a:p>
@@ -1417,7 +1417,7 @@
             <a:fld id="{DD2B6372-1A88-4F0C-86B1-FCF70832C42C}" type="datetimeFigureOut">
               <a:rPr lang="ja-JP" altLang="en-US" smtClean="0"/>
               <a:pPr/>
-              <a:t>2021/8/30</a:t>
+              <a:t>2021/9/16</a:t>
             </a:fld>
             <a:endParaRPr lang="ja-JP" altLang="en-US"/>
           </a:p>
@@ -1626,7 +1626,7 @@
             <a:fld id="{DD2B6372-1A88-4F0C-86B1-FCF70832C42C}" type="datetimeFigureOut">
               <a:rPr lang="ja-JP" altLang="en-US" smtClean="0"/>
               <a:pPr/>
-              <a:t>2021/8/30</a:t>
+              <a:t>2021/9/16</a:t>
             </a:fld>
             <a:endParaRPr lang="ja-JP" altLang="en-US"/>
           </a:p>
@@ -1863,7 +1863,7 @@
             <a:fld id="{DD2B6372-1A88-4F0C-86B1-FCF70832C42C}" type="datetimeFigureOut">
               <a:rPr lang="ja-JP" altLang="en-US" smtClean="0"/>
               <a:pPr/>
-              <a:t>2021/8/30</a:t>
+              <a:t>2021/9/16</a:t>
             </a:fld>
             <a:endParaRPr lang="ja-JP" altLang="en-US"/>
           </a:p>
@@ -2166,7 +2166,7 @@
             <a:fld id="{DD2B6372-1A88-4F0C-86B1-FCF70832C42C}" type="datetimeFigureOut">
               <a:rPr lang="ja-JP" altLang="en-US" smtClean="0"/>
               <a:pPr/>
-              <a:t>2021/8/30</a:t>
+              <a:t>2021/9/16</a:t>
             </a:fld>
             <a:endParaRPr lang="ja-JP" altLang="en-US"/>
           </a:p>
@@ -2388,7 +2388,7 @@
             <a:fld id="{DD2B6372-1A88-4F0C-86B1-FCF70832C42C}" type="datetimeFigureOut">
               <a:rPr lang="ja-JP" altLang="en-US" smtClean="0"/>
               <a:pPr/>
-              <a:t>2021/8/30</a:t>
+              <a:t>2021/9/16</a:t>
             </a:fld>
             <a:endParaRPr lang="ja-JP" altLang="en-US"/>
           </a:p>
@@ -2806,7 +2806,7 @@
             <a:fld id="{DD2B6372-1A88-4F0C-86B1-FCF70832C42C}" type="datetimeFigureOut">
               <a:rPr lang="ja-JP" altLang="en-US" smtClean="0"/>
               <a:pPr/>
-              <a:t>2021/8/30</a:t>
+              <a:t>2021/9/16</a:t>
             </a:fld>
             <a:endParaRPr lang="ja-JP" altLang="en-US"/>
           </a:p>
@@ -3104,7 +3104,7 @@
             <a:fld id="{DD2B6372-1A88-4F0C-86B1-FCF70832C42C}" type="datetimeFigureOut">
               <a:rPr lang="ja-JP" altLang="en-US" smtClean="0"/>
               <a:pPr/>
-              <a:t>2021/8/30</a:t>
+              <a:t>2021/9/16</a:t>
             </a:fld>
             <a:endParaRPr lang="ja-JP" altLang="en-US"/>
           </a:p>
@@ -3246,7 +3246,7 @@
             <a:fld id="{DD2B6372-1A88-4F0C-86B1-FCF70832C42C}" type="datetimeFigureOut">
               <a:rPr lang="ja-JP" altLang="en-US" smtClean="0"/>
               <a:pPr/>
-              <a:t>2021/8/30</a:t>
+              <a:t>2021/9/16</a:t>
             </a:fld>
             <a:endParaRPr lang="ja-JP" altLang="en-US"/>
           </a:p>
@@ -3525,7 +3525,7 @@
             <a:fld id="{DD2B6372-1A88-4F0C-86B1-FCF70832C42C}" type="datetimeFigureOut">
               <a:rPr lang="ja-JP" altLang="en-US" smtClean="0"/>
               <a:pPr/>
-              <a:t>2021/8/30</a:t>
+              <a:t>2021/9/16</a:t>
             </a:fld>
             <a:endParaRPr lang="ja-JP" altLang="en-US"/>
           </a:p>
@@ -3966,7 +3966,7 @@
             <a:fld id="{DD2B6372-1A88-4F0C-86B1-FCF70832C42C}" type="datetimeFigureOut">
               <a:rPr lang="ja-JP" altLang="en-US" smtClean="0"/>
               <a:pPr/>
-              <a:t>2021/8/30</a:t>
+              <a:t>2021/9/16</a:t>
             </a:fld>
             <a:endParaRPr lang="ja-JP" altLang="en-US"/>
           </a:p>
@@ -4338,7 +4338,7 @@
             <a:fld id="{DD2B6372-1A88-4F0C-86B1-FCF70832C42C}" type="datetimeFigureOut">
               <a:rPr lang="ja-JP" altLang="en-US" smtClean="0"/>
               <a:pPr/>
-              <a:t>2021/8/30</a:t>
+              <a:t>2021/9/16</a:t>
             </a:fld>
             <a:endParaRPr lang="ja-JP" altLang="en-US"/>
           </a:p>
@@ -6326,12 +6326,12 @@
               <a:t>年</a:t>
             </a:r>
             <a:r>
-              <a:rPr lang="en-US" altLang="ja-JP" sz="1400" dirty="0">
-                <a:latin typeface="Meiryo UI" panose="020B0604030504040204" pitchFamily="50" charset="-128"/>
-                <a:ea typeface="Meiryo UI" panose="020B0604030504040204" pitchFamily="50" charset="-128"/>
-                <a:cs typeface="Meiryo UI" panose="020B0604030504040204" pitchFamily="50" charset="-128"/>
-              </a:rPr>
-              <a:t>8</a:t>
+              <a:rPr kumimoji="1" lang="en-US" altLang="ja-JP" sz="1400" dirty="0">
+                <a:latin typeface="Meiryo UI" panose="020B0604030504040204" pitchFamily="50" charset="-128"/>
+                <a:ea typeface="Meiryo UI" panose="020B0604030504040204" pitchFamily="50" charset="-128"/>
+                <a:cs typeface="Meiryo UI" panose="020B0604030504040204" pitchFamily="50" charset="-128"/>
+              </a:rPr>
+              <a:t>9</a:t>
             </a:r>
             <a:r>
               <a:rPr kumimoji="1" lang="ja-JP" altLang="en-US" sz="1400" dirty="0">
@@ -6342,12 +6342,12 @@
               <a:t>月</a:t>
             </a:r>
             <a:r>
-              <a:rPr lang="en-US" altLang="ja-JP" sz="1400" dirty="0">
-                <a:latin typeface="Meiryo UI" panose="020B0604030504040204" pitchFamily="50" charset="-128"/>
-                <a:ea typeface="Meiryo UI" panose="020B0604030504040204" pitchFamily="50" charset="-128"/>
-                <a:cs typeface="Meiryo UI" panose="020B0604030504040204" pitchFamily="50" charset="-128"/>
-              </a:rPr>
-              <a:t>27</a:t>
+              <a:rPr kumimoji="1" lang="en-US" altLang="ja-JP" sz="1400" dirty="0">
+                <a:latin typeface="Meiryo UI" panose="020B0604030504040204" pitchFamily="50" charset="-128"/>
+                <a:ea typeface="Meiryo UI" panose="020B0604030504040204" pitchFamily="50" charset="-128"/>
+                <a:cs typeface="Meiryo UI" panose="020B0604030504040204" pitchFamily="50" charset="-128"/>
+              </a:rPr>
+              <a:t>16</a:t>
             </a:r>
             <a:r>
               <a:rPr kumimoji="1" lang="ja-JP" altLang="en-US" sz="1400" dirty="0">
@@ -6358,12 +6358,12 @@
               <a:t>日第</a:t>
             </a:r>
             <a:r>
-              <a:rPr lang="en-US" altLang="ja-JP" sz="1400" dirty="0">
-                <a:latin typeface="Meiryo UI" panose="020B0604030504040204" pitchFamily="50" charset="-128"/>
-                <a:ea typeface="Meiryo UI" panose="020B0604030504040204" pitchFamily="50" charset="-128"/>
-                <a:cs typeface="Meiryo UI" panose="020B0604030504040204" pitchFamily="50" charset="-128"/>
-              </a:rPr>
-              <a:t>4</a:t>
+              <a:rPr kumimoji="1" lang="en-US" altLang="ja-JP" sz="1400" dirty="0">
+                <a:latin typeface="Meiryo UI" panose="020B0604030504040204" pitchFamily="50" charset="-128"/>
+                <a:ea typeface="Meiryo UI" panose="020B0604030504040204" pitchFamily="50" charset="-128"/>
+                <a:cs typeface="Meiryo UI" panose="020B0604030504040204" pitchFamily="50" charset="-128"/>
+              </a:rPr>
+              <a:t>5</a:t>
             </a:r>
             <a:r>
               <a:rPr kumimoji="1" lang="ja-JP" altLang="en-US" sz="1400" dirty="0">
@@ -6459,7 +6459,7 @@
         <p:spPr bwMode="auto">
           <a:xfrm>
             <a:off x="85711" y="409575"/>
-            <a:ext cx="4269873" cy="2763414"/>
+            <a:ext cx="4425044" cy="2763414"/>
           </a:xfrm>
           <a:prstGeom prst="roundRect">
             <a:avLst>
@@ -6512,7 +6512,7 @@
                 <a:ea typeface="Meiryo UI" panose="020B0604030504040204" pitchFamily="50" charset="-128"/>
                 <a:cs typeface="Meiryo UI" panose="020B0604030504040204" pitchFamily="50" charset="-128"/>
               </a:rPr>
-              <a:t>①国全体のサイバーセキュリティ対策の体制の中で役割を果たす</a:t>
+              <a:t>①国全体のサイバーセキュリティ対策の実施において、地方公共団体の中核的組織として、一翼を担う</a:t>
             </a:r>
             <a:endParaRPr lang="en-US" altLang="ja-JP" sz="1200" dirty="0">
               <a:latin typeface="Meiryo UI" panose="020B0604030504040204" pitchFamily="50" charset="-128"/>
@@ -6527,7 +6527,7 @@
                 <a:ea typeface="Meiryo UI" panose="020B0604030504040204" pitchFamily="50" charset="-128"/>
                 <a:cs typeface="Meiryo UI" panose="020B0604030504040204" pitchFamily="50" charset="-128"/>
               </a:rPr>
-              <a:t>②東京都の中小企業支援の一環としての役割を果たす</a:t>
+              <a:t>②東京都のトータルな中小企業支援の一環としての役割を果たす</a:t>
             </a:r>
             <a:endParaRPr lang="en-US" altLang="ja-JP" sz="1200" dirty="0">
               <a:latin typeface="Meiryo UI" panose="020B0604030504040204" pitchFamily="50" charset="-128"/>
@@ -6909,13 +6909,13 @@
         </p:nvSpPr>
         <p:spPr>
           <a:xfrm>
-            <a:off x="3952113" y="933312"/>
+            <a:off x="3886178" y="1299191"/>
             <a:ext cx="2402521" cy="555312"/>
           </a:xfrm>
           <a:prstGeom prst="wedgeRectCallout">
             <a:avLst>
-              <a:gd name="adj1" fmla="val 61156"/>
-              <a:gd name="adj2" fmla="val 48991"/>
+              <a:gd name="adj1" fmla="val 59464"/>
+              <a:gd name="adj2" fmla="val -33341"/>
             </a:avLst>
           </a:prstGeom>
         </p:spPr>

--- a/Cyber/TCYSSでの情報収集・蓄積と発信.pptx
+++ b/Cyber/TCYSSでの情報収集・蓄積と発信.pptx
@@ -5,10 +5,14 @@
     <p:sldMasterId id="2147483756" r:id="rId1"/>
   </p:sldMasterIdLst>
   <p:notesMasterIdLst>
-    <p:notesMasterId r:id="rId3"/>
+    <p:notesMasterId r:id="rId7"/>
   </p:notesMasterIdLst>
   <p:sldIdLst>
     <p:sldId id="701" r:id="rId2"/>
+    <p:sldId id="703" r:id="rId3"/>
+    <p:sldId id="704" r:id="rId4"/>
+    <p:sldId id="702" r:id="rId5"/>
+    <p:sldId id="705" r:id="rId6"/>
   </p:sldIdLst>
   <p:sldSz cx="12192000" cy="6858000"/>
   <p:notesSz cx="6858000" cy="9945688"/>
@@ -137,7 +141,7 @@
 <file path=ppt/revisionInfo.xml><?xml version="1.0" encoding="utf-8"?>
 <p1510:revInfo xmlns:a="http://schemas.openxmlformats.org/drawingml/2006/main" xmlns:r="http://schemas.openxmlformats.org/officeDocument/2006/relationships" xmlns:p1510="http://schemas.microsoft.com/office/powerpoint/2015/10/main">
   <p1510:revLst>
-    <p1510:client id="{94C1CCE3-75C0-40D3-B12F-B54977995DC0}" v="1" dt="2021-08-30T05:06:19.006"/>
+    <p1510:client id="{94C1CCE3-75C0-40D3-B12F-B54977995DC0}" v="8" dt="2021-09-21T06:03:59.788"/>
   </p1510:revLst>
 </p1510:revInfo>
 </file>
@@ -146,351 +150,61 @@
 <pc:chgInfo xmlns:a="http://schemas.openxmlformats.org/drawingml/2006/main" xmlns:r="http://schemas.openxmlformats.org/officeDocument/2006/relationships" xmlns:ac="http://schemas.microsoft.com/office/drawing/2013/main/command" xmlns:pc="http://schemas.microsoft.com/office/powerpoint/2013/main/command">
   <pc:docChgLst>
     <pc:chgData name="Masaki Nakayama" userId="7eabd57b-b900-4e86-8622-e94bcfa04d00" providerId="ADAL" clId="{94C1CCE3-75C0-40D3-B12F-B54977995DC0}"/>
-    <pc:docChg chg="undo custSel modSld modNotesMaster">
-      <pc:chgData name="Masaki Nakayama" userId="7eabd57b-b900-4e86-8622-e94bcfa04d00" providerId="ADAL" clId="{94C1CCE3-75C0-40D3-B12F-B54977995DC0}" dt="2021-09-16T05:48:32.585" v="1205" actId="14100"/>
-      <pc:docMkLst>
-        <pc:docMk/>
-      </pc:docMkLst>
-      <pc:sldChg chg="delSp modSp mod">
-        <pc:chgData name="Masaki Nakayama" userId="7eabd57b-b900-4e86-8622-e94bcfa04d00" providerId="ADAL" clId="{94C1CCE3-75C0-40D3-B12F-B54977995DC0}" dt="2021-09-16T05:48:32.585" v="1205" actId="14100"/>
-        <pc:sldMkLst>
-          <pc:docMk/>
-          <pc:sldMk cId="3444483772" sldId="701"/>
-        </pc:sldMkLst>
-        <pc:spChg chg="mod ord">
-          <ac:chgData name="Masaki Nakayama" userId="7eabd57b-b900-4e86-8622-e94bcfa04d00" providerId="ADAL" clId="{94C1CCE3-75C0-40D3-B12F-B54977995DC0}" dt="2021-08-27T08:00:00.114" v="1007" actId="1035"/>
-          <ac:spMkLst>
-            <pc:docMk/>
-            <pc:sldMk cId="3444483772" sldId="701"/>
-            <ac:spMk id="2" creationId="{00000000-0000-0000-0000-000000000000}"/>
-          </ac:spMkLst>
-        </pc:spChg>
-        <pc:spChg chg="mod">
-          <ac:chgData name="Masaki Nakayama" userId="7eabd57b-b900-4e86-8622-e94bcfa04d00" providerId="ADAL" clId="{94C1CCE3-75C0-40D3-B12F-B54977995DC0}" dt="2021-09-16T05:48:32.585" v="1205" actId="14100"/>
-          <ac:spMkLst>
-            <pc:docMk/>
-            <pc:sldMk cId="3444483772" sldId="701"/>
-            <ac:spMk id="3" creationId="{00000000-0000-0000-0000-000000000000}"/>
-          </ac:spMkLst>
-        </pc:spChg>
-        <pc:spChg chg="mod">
-          <ac:chgData name="Masaki Nakayama" userId="7eabd57b-b900-4e86-8622-e94bcfa04d00" providerId="ADAL" clId="{94C1CCE3-75C0-40D3-B12F-B54977995DC0}" dt="2021-08-27T07:00:53.890" v="676" actId="1076"/>
-          <ac:spMkLst>
-            <pc:docMk/>
-            <pc:sldMk cId="3444483772" sldId="701"/>
-            <ac:spMk id="4" creationId="{00000000-0000-0000-0000-000000000000}"/>
-          </ac:spMkLst>
-        </pc:spChg>
-        <pc:spChg chg="del">
-          <ac:chgData name="Masaki Nakayama" userId="7eabd57b-b900-4e86-8622-e94bcfa04d00" providerId="ADAL" clId="{94C1CCE3-75C0-40D3-B12F-B54977995DC0}" dt="2021-08-27T07:03:45.280" v="712" actId="478"/>
-          <ac:spMkLst>
-            <pc:docMk/>
-            <pc:sldMk cId="3444483772" sldId="701"/>
-            <ac:spMk id="5" creationId="{76C9B0B7-A099-4A06-A64D-3CE5185DE31A}"/>
-          </ac:spMkLst>
-        </pc:spChg>
-        <pc:spChg chg="mod">
-          <ac:chgData name="Masaki Nakayama" userId="7eabd57b-b900-4e86-8622-e94bcfa04d00" providerId="ADAL" clId="{94C1CCE3-75C0-40D3-B12F-B54977995DC0}" dt="2021-09-16T02:27:31.856" v="1189" actId="20577"/>
-          <ac:spMkLst>
-            <pc:docMk/>
-            <pc:sldMk cId="3444483772" sldId="701"/>
-            <ac:spMk id="11" creationId="{00000000-0000-0000-0000-000000000000}"/>
-          </ac:spMkLst>
-        </pc:spChg>
-        <pc:spChg chg="mod">
-          <ac:chgData name="Masaki Nakayama" userId="7eabd57b-b900-4e86-8622-e94bcfa04d00" providerId="ADAL" clId="{94C1CCE3-75C0-40D3-B12F-B54977995DC0}" dt="2021-08-27T07:58:56.814" v="994" actId="1076"/>
-          <ac:spMkLst>
-            <pc:docMk/>
-            <pc:sldMk cId="3444483772" sldId="701"/>
-            <ac:spMk id="17" creationId="{00000000-0000-0000-0000-000000000000}"/>
-          </ac:spMkLst>
-        </pc:spChg>
-        <pc:spChg chg="mod">
-          <ac:chgData name="Masaki Nakayama" userId="7eabd57b-b900-4e86-8622-e94bcfa04d00" providerId="ADAL" clId="{94C1CCE3-75C0-40D3-B12F-B54977995DC0}" dt="2021-08-27T08:02:25.452" v="1016" actId="1076"/>
-          <ac:spMkLst>
-            <pc:docMk/>
-            <pc:sldMk cId="3444483772" sldId="701"/>
-            <ac:spMk id="56" creationId="{00000000-0000-0000-0000-000000000000}"/>
-          </ac:spMkLst>
-        </pc:spChg>
-        <pc:spChg chg="del">
-          <ac:chgData name="Masaki Nakayama" userId="7eabd57b-b900-4e86-8622-e94bcfa04d00" providerId="ADAL" clId="{94C1CCE3-75C0-40D3-B12F-B54977995DC0}" dt="2021-08-27T07:11:12.540" v="774" actId="478"/>
-          <ac:spMkLst>
-            <pc:docMk/>
-            <pc:sldMk cId="3444483772" sldId="701"/>
-            <ac:spMk id="60" creationId="{00000000-0000-0000-0000-000000000000}"/>
-          </ac:spMkLst>
-        </pc:spChg>
-        <pc:spChg chg="del mod">
-          <ac:chgData name="Masaki Nakayama" userId="7eabd57b-b900-4e86-8622-e94bcfa04d00" providerId="ADAL" clId="{94C1CCE3-75C0-40D3-B12F-B54977995DC0}" dt="2021-08-27T06:51:39.839" v="455" actId="478"/>
-          <ac:spMkLst>
-            <pc:docMk/>
-            <pc:sldMk cId="3444483772" sldId="701"/>
-            <ac:spMk id="61" creationId="{00000000-0000-0000-0000-000000000000}"/>
-          </ac:spMkLst>
-        </pc:spChg>
-        <pc:spChg chg="del">
-          <ac:chgData name="Masaki Nakayama" userId="7eabd57b-b900-4e86-8622-e94bcfa04d00" providerId="ADAL" clId="{94C1CCE3-75C0-40D3-B12F-B54977995DC0}" dt="2021-08-27T07:11:15.801" v="775" actId="478"/>
-          <ac:spMkLst>
-            <pc:docMk/>
-            <pc:sldMk cId="3444483772" sldId="701"/>
-            <ac:spMk id="63" creationId="{00000000-0000-0000-0000-000000000000}"/>
-          </ac:spMkLst>
-        </pc:spChg>
-        <pc:spChg chg="mod">
-          <ac:chgData name="Masaki Nakayama" userId="7eabd57b-b900-4e86-8622-e94bcfa04d00" providerId="ADAL" clId="{94C1CCE3-75C0-40D3-B12F-B54977995DC0}" dt="2021-09-16T05:48:13.227" v="1202" actId="14100"/>
-          <ac:spMkLst>
-            <pc:docMk/>
-            <pc:sldMk cId="3444483772" sldId="701"/>
-            <ac:spMk id="64" creationId="{00000000-0000-0000-0000-000000000000}"/>
-          </ac:spMkLst>
-        </pc:spChg>
-        <pc:spChg chg="mod">
-          <ac:chgData name="Masaki Nakayama" userId="7eabd57b-b900-4e86-8622-e94bcfa04d00" providerId="ADAL" clId="{94C1CCE3-75C0-40D3-B12F-B54977995DC0}" dt="2021-08-30T05:08:19.341" v="1058" actId="403"/>
-          <ac:spMkLst>
-            <pc:docMk/>
-            <pc:sldMk cId="3444483772" sldId="701"/>
-            <ac:spMk id="66" creationId="{00000000-0000-0000-0000-000000000000}"/>
-          </ac:spMkLst>
-        </pc:spChg>
-        <pc:spChg chg="mod">
-          <ac:chgData name="Masaki Nakayama" userId="7eabd57b-b900-4e86-8622-e94bcfa04d00" providerId="ADAL" clId="{94C1CCE3-75C0-40D3-B12F-B54977995DC0}" dt="2021-08-27T06:58:01.715" v="628" actId="14100"/>
-          <ac:spMkLst>
-            <pc:docMk/>
-            <pc:sldMk cId="3444483772" sldId="701"/>
-            <ac:spMk id="67" creationId="{00000000-0000-0000-0000-000000000000}"/>
-          </ac:spMkLst>
-        </pc:spChg>
-        <pc:spChg chg="mod">
-          <ac:chgData name="Masaki Nakayama" userId="7eabd57b-b900-4e86-8622-e94bcfa04d00" providerId="ADAL" clId="{94C1CCE3-75C0-40D3-B12F-B54977995DC0}" dt="2021-08-30T05:07:58.881" v="1055" actId="14100"/>
-          <ac:spMkLst>
-            <pc:docMk/>
-            <pc:sldMk cId="3444483772" sldId="701"/>
-            <ac:spMk id="68" creationId="{00000000-0000-0000-0000-000000000000}"/>
-          </ac:spMkLst>
-        </pc:spChg>
-        <pc:spChg chg="del">
-          <ac:chgData name="Masaki Nakayama" userId="7eabd57b-b900-4e86-8622-e94bcfa04d00" providerId="ADAL" clId="{94C1CCE3-75C0-40D3-B12F-B54977995DC0}" dt="2021-08-27T08:01:35.178" v="1011" actId="478"/>
-          <ac:spMkLst>
-            <pc:docMk/>
-            <pc:sldMk cId="3444483772" sldId="701"/>
-            <ac:spMk id="70" creationId="{00000000-0000-0000-0000-000000000000}"/>
-          </ac:spMkLst>
-        </pc:spChg>
-        <pc:spChg chg="mod">
-          <ac:chgData name="Masaki Nakayama" userId="7eabd57b-b900-4e86-8622-e94bcfa04d00" providerId="ADAL" clId="{94C1CCE3-75C0-40D3-B12F-B54977995DC0}" dt="2021-08-27T07:58:31.885" v="992" actId="404"/>
-          <ac:spMkLst>
-            <pc:docMk/>
-            <pc:sldMk cId="3444483772" sldId="701"/>
-            <ac:spMk id="71" creationId="{00000000-0000-0000-0000-000000000000}"/>
-          </ac:spMkLst>
-        </pc:spChg>
-        <pc:spChg chg="mod">
-          <ac:chgData name="Masaki Nakayama" userId="7eabd57b-b900-4e86-8622-e94bcfa04d00" providerId="ADAL" clId="{94C1CCE3-75C0-40D3-B12F-B54977995DC0}" dt="2021-08-27T08:00:47.827" v="1010" actId="14100"/>
-          <ac:spMkLst>
-            <pc:docMk/>
-            <pc:sldMk cId="3444483772" sldId="701"/>
-            <ac:spMk id="72" creationId="{00000000-0000-0000-0000-000000000000}"/>
-          </ac:spMkLst>
-        </pc:spChg>
-        <pc:spChg chg="mod">
-          <ac:chgData name="Masaki Nakayama" userId="7eabd57b-b900-4e86-8622-e94bcfa04d00" providerId="ADAL" clId="{94C1CCE3-75C0-40D3-B12F-B54977995DC0}" dt="2021-08-30T05:08:12.326" v="1057" actId="403"/>
-          <ac:spMkLst>
-            <pc:docMk/>
-            <pc:sldMk cId="3444483772" sldId="701"/>
-            <ac:spMk id="74" creationId="{00000000-0000-0000-0000-000000000000}"/>
-          </ac:spMkLst>
-        </pc:spChg>
-        <pc:spChg chg="mod">
-          <ac:chgData name="Masaki Nakayama" userId="7eabd57b-b900-4e86-8622-e94bcfa04d00" providerId="ADAL" clId="{94C1CCE3-75C0-40D3-B12F-B54977995DC0}" dt="2021-08-27T07:11:51.918" v="778" actId="14100"/>
-          <ac:spMkLst>
-            <pc:docMk/>
-            <pc:sldMk cId="3444483772" sldId="701"/>
-            <ac:spMk id="90" creationId="{00000000-0000-0000-0000-000000000000}"/>
-          </ac:spMkLst>
-        </pc:spChg>
-        <pc:spChg chg="del">
-          <ac:chgData name="Masaki Nakayama" userId="7eabd57b-b900-4e86-8622-e94bcfa04d00" providerId="ADAL" clId="{94C1CCE3-75C0-40D3-B12F-B54977995DC0}" dt="2021-08-27T08:01:55.890" v="1013" actId="478"/>
-          <ac:spMkLst>
-            <pc:docMk/>
-            <pc:sldMk cId="3444483772" sldId="701"/>
-            <ac:spMk id="91" creationId="{00000000-0000-0000-0000-000000000000}"/>
-          </ac:spMkLst>
-        </pc:spChg>
-        <pc:spChg chg="mod">
-          <ac:chgData name="Masaki Nakayama" userId="7eabd57b-b900-4e86-8622-e94bcfa04d00" providerId="ADAL" clId="{94C1CCE3-75C0-40D3-B12F-B54977995DC0}" dt="2021-08-27T07:04:01.664" v="715" actId="1076"/>
-          <ac:spMkLst>
-            <pc:docMk/>
-            <pc:sldMk cId="3444483772" sldId="701"/>
-            <ac:spMk id="92" creationId="{00000000-0000-0000-0000-000000000000}"/>
-          </ac:spMkLst>
-        </pc:spChg>
-        <pc:spChg chg="mod">
-          <ac:chgData name="Masaki Nakayama" userId="7eabd57b-b900-4e86-8622-e94bcfa04d00" providerId="ADAL" clId="{94C1CCE3-75C0-40D3-B12F-B54977995DC0}" dt="2021-08-27T07:21:51.122" v="893" actId="1076"/>
-          <ac:spMkLst>
-            <pc:docMk/>
-            <pc:sldMk cId="3444483772" sldId="701"/>
-            <ac:spMk id="94" creationId="{00000000-0000-0000-0000-000000000000}"/>
-          </ac:spMkLst>
-        </pc:spChg>
-        <pc:spChg chg="mod">
-          <ac:chgData name="Masaki Nakayama" userId="7eabd57b-b900-4e86-8622-e94bcfa04d00" providerId="ADAL" clId="{94C1CCE3-75C0-40D3-B12F-B54977995DC0}" dt="2021-08-27T07:21:43.957" v="892" actId="1076"/>
-          <ac:spMkLst>
-            <pc:docMk/>
-            <pc:sldMk cId="3444483772" sldId="701"/>
-            <ac:spMk id="96" creationId="{00000000-0000-0000-0000-000000000000}"/>
-          </ac:spMkLst>
-        </pc:spChg>
-        <pc:spChg chg="del">
-          <ac:chgData name="Masaki Nakayama" userId="7eabd57b-b900-4e86-8622-e94bcfa04d00" providerId="ADAL" clId="{94C1CCE3-75C0-40D3-B12F-B54977995DC0}" dt="2021-08-27T07:03:48.076" v="713" actId="478"/>
-          <ac:spMkLst>
-            <pc:docMk/>
-            <pc:sldMk cId="3444483772" sldId="701"/>
-            <ac:spMk id="98" creationId="{1B0B0FA1-21BD-41D9-8E75-422D39DF3972}"/>
-          </ac:spMkLst>
-        </pc:spChg>
-        <pc:spChg chg="del">
-          <ac:chgData name="Masaki Nakayama" userId="7eabd57b-b900-4e86-8622-e94bcfa04d00" providerId="ADAL" clId="{94C1CCE3-75C0-40D3-B12F-B54977995DC0}" dt="2021-08-27T07:03:43.624" v="711" actId="478"/>
-          <ac:spMkLst>
-            <pc:docMk/>
-            <pc:sldMk cId="3444483772" sldId="701"/>
-            <ac:spMk id="99" creationId="{9E6EFB1B-854D-4880-96FC-C2BCE280ED97}"/>
-          </ac:spMkLst>
-        </pc:spChg>
-        <pc:spChg chg="mod">
-          <ac:chgData name="Masaki Nakayama" userId="7eabd57b-b900-4e86-8622-e94bcfa04d00" providerId="ADAL" clId="{94C1CCE3-75C0-40D3-B12F-B54977995DC0}" dt="2021-08-27T07:03:52.565" v="714" actId="14100"/>
-          <ac:spMkLst>
-            <pc:docMk/>
-            <pc:sldMk cId="3444483772" sldId="701"/>
-            <ac:spMk id="106" creationId="{00000000-0000-0000-0000-000000000000}"/>
-          </ac:spMkLst>
-        </pc:spChg>
-        <pc:spChg chg="mod">
-          <ac:chgData name="Masaki Nakayama" userId="7eabd57b-b900-4e86-8622-e94bcfa04d00" providerId="ADAL" clId="{94C1CCE3-75C0-40D3-B12F-B54977995DC0}" dt="2021-08-27T06:54:27.322" v="479" actId="14100"/>
-          <ac:spMkLst>
-            <pc:docMk/>
-            <pc:sldMk cId="3444483772" sldId="701"/>
-            <ac:spMk id="125" creationId="{00000000-0000-0000-0000-000000000000}"/>
-          </ac:spMkLst>
-        </pc:spChg>
-        <pc:spChg chg="mod">
-          <ac:chgData name="Masaki Nakayama" userId="7eabd57b-b900-4e86-8622-e94bcfa04d00" providerId="ADAL" clId="{94C1CCE3-75C0-40D3-B12F-B54977995DC0}" dt="2021-08-30T05:07:49.954" v="1053" actId="1076"/>
-          <ac:spMkLst>
-            <pc:docMk/>
-            <pc:sldMk cId="3444483772" sldId="701"/>
-            <ac:spMk id="129" creationId="{00000000-0000-0000-0000-000000000000}"/>
-          </ac:spMkLst>
-        </pc:spChg>
-        <pc:spChg chg="mod">
-          <ac:chgData name="Masaki Nakayama" userId="7eabd57b-b900-4e86-8622-e94bcfa04d00" providerId="ADAL" clId="{94C1CCE3-75C0-40D3-B12F-B54977995DC0}" dt="2021-08-27T08:01:40.793" v="1012" actId="1076"/>
-          <ac:spMkLst>
-            <pc:docMk/>
-            <pc:sldMk cId="3444483772" sldId="701"/>
-            <ac:spMk id="130" creationId="{00000000-0000-0000-0000-000000000000}"/>
-          </ac:spMkLst>
-        </pc:spChg>
-        <pc:spChg chg="mod">
-          <ac:chgData name="Masaki Nakayama" userId="7eabd57b-b900-4e86-8622-e94bcfa04d00" providerId="ADAL" clId="{94C1CCE3-75C0-40D3-B12F-B54977995DC0}" dt="2021-08-27T08:03:03.511" v="1020" actId="1076"/>
-          <ac:spMkLst>
-            <pc:docMk/>
-            <pc:sldMk cId="3444483772" sldId="701"/>
-            <ac:spMk id="132" creationId="{00000000-0000-0000-0000-000000000000}"/>
-          </ac:spMkLst>
-        </pc:spChg>
-        <pc:spChg chg="mod">
-          <ac:chgData name="Masaki Nakayama" userId="7eabd57b-b900-4e86-8622-e94bcfa04d00" providerId="ADAL" clId="{94C1CCE3-75C0-40D3-B12F-B54977995DC0}" dt="2021-08-27T08:02:17.530" v="1015" actId="14100"/>
-          <ac:spMkLst>
-            <pc:docMk/>
-            <pc:sldMk cId="3444483772" sldId="701"/>
-            <ac:spMk id="133" creationId="{00000000-0000-0000-0000-000000000000}"/>
-          </ac:spMkLst>
-        </pc:spChg>
-        <pc:spChg chg="mod">
-          <ac:chgData name="Masaki Nakayama" userId="7eabd57b-b900-4e86-8622-e94bcfa04d00" providerId="ADAL" clId="{94C1CCE3-75C0-40D3-B12F-B54977995DC0}" dt="2021-08-27T07:26:59.967" v="910" actId="1038"/>
-          <ac:spMkLst>
-            <pc:docMk/>
-            <pc:sldMk cId="3444483772" sldId="701"/>
-            <ac:spMk id="136" creationId="{00000000-0000-0000-0000-000000000000}"/>
-          </ac:spMkLst>
-        </pc:spChg>
-        <pc:spChg chg="mod">
-          <ac:chgData name="Masaki Nakayama" userId="7eabd57b-b900-4e86-8622-e94bcfa04d00" providerId="ADAL" clId="{94C1CCE3-75C0-40D3-B12F-B54977995DC0}" dt="2021-08-27T07:04:08.561" v="716" actId="1076"/>
-          <ac:spMkLst>
-            <pc:docMk/>
-            <pc:sldMk cId="3444483772" sldId="701"/>
-            <ac:spMk id="139" creationId="{00000000-0000-0000-0000-000000000000}"/>
-          </ac:spMkLst>
-        </pc:spChg>
-        <pc:grpChg chg="mod">
-          <ac:chgData name="Masaki Nakayama" userId="7eabd57b-b900-4e86-8622-e94bcfa04d00" providerId="ADAL" clId="{94C1CCE3-75C0-40D3-B12F-B54977995DC0}" dt="2021-08-27T07:04:18.762" v="718" actId="14100"/>
-          <ac:grpSpMkLst>
-            <pc:docMk/>
-            <pc:sldMk cId="3444483772" sldId="701"/>
-            <ac:grpSpMk id="77" creationId="{00000000-0000-0000-0000-000000000000}"/>
-          </ac:grpSpMkLst>
-        </pc:grpChg>
-      </pc:sldChg>
-    </pc:docChg>
-  </pc:docChgLst>
-  <pc:docChgLst>
-    <pc:chgData name="正樹 中山" userId="7eabd57b-b900-4e86-8622-e94bcfa04d00" providerId="ADAL" clId="{3CD75285-433D-41E8-96CC-DE14FC188C0B}"/>
-    <pc:docChg chg="custSel modSld">
-      <pc:chgData name="正樹 中山" userId="7eabd57b-b900-4e86-8622-e94bcfa04d00" providerId="ADAL" clId="{3CD75285-433D-41E8-96CC-DE14FC188C0B}" dt="2021-04-05T05:42:13.336" v="296" actId="14100"/>
+    <pc:docChg chg="addSld modSld">
+      <pc:chgData name="Masaki Nakayama" userId="7eabd57b-b900-4e86-8622-e94bcfa04d00" providerId="ADAL" clId="{94C1CCE3-75C0-40D3-B12F-B54977995DC0}" dt="2021-09-21T06:12:38.257" v="212" actId="20577"/>
       <pc:docMkLst>
         <pc:docMk/>
       </pc:docMkLst>
       <pc:sldChg chg="addSp modSp mod">
-        <pc:chgData name="正樹 中山" userId="7eabd57b-b900-4e86-8622-e94bcfa04d00" providerId="ADAL" clId="{3CD75285-433D-41E8-96CC-DE14FC188C0B}" dt="2021-04-05T05:42:13.336" v="296" actId="14100"/>
+        <pc:chgData name="Masaki Nakayama" userId="7eabd57b-b900-4e86-8622-e94bcfa04d00" providerId="ADAL" clId="{94C1CCE3-75C0-40D3-B12F-B54977995DC0}" dt="2021-09-21T06:04:38.330" v="139" actId="1076"/>
         <pc:sldMkLst>
           <pc:docMk/>
           <pc:sldMk cId="3444483772" sldId="701"/>
         </pc:sldMkLst>
         <pc:spChg chg="add mod">
-          <ac:chgData name="正樹 中山" userId="7eabd57b-b900-4e86-8622-e94bcfa04d00" providerId="ADAL" clId="{3CD75285-433D-41E8-96CC-DE14FC188C0B}" dt="2021-04-05T05:41:52.532" v="292" actId="14100"/>
+          <ac:chgData name="Masaki Nakayama" userId="7eabd57b-b900-4e86-8622-e94bcfa04d00" providerId="ADAL" clId="{94C1CCE3-75C0-40D3-B12F-B54977995DC0}" dt="2021-09-21T06:04:38.330" v="139" actId="1076"/>
           <ac:spMkLst>
             <pc:docMk/>
             <pc:sldMk cId="3444483772" sldId="701"/>
-            <ac:spMk id="5" creationId="{76C9B0B7-A099-4A06-A64D-3CE5185DE31A}"/>
+            <ac:spMk id="91" creationId="{7A5D9C35-C4F6-45CF-BDC8-1F9E889D4ACE}"/>
+          </ac:spMkLst>
+        </pc:spChg>
+      </pc:sldChg>
+      <pc:sldChg chg="modSp mod">
+        <pc:chgData name="Masaki Nakayama" userId="7eabd57b-b900-4e86-8622-e94bcfa04d00" providerId="ADAL" clId="{94C1CCE3-75C0-40D3-B12F-B54977995DC0}" dt="2021-09-21T06:12:38.257" v="212" actId="20577"/>
+        <pc:sldMkLst>
+          <pc:docMk/>
+          <pc:sldMk cId="2012617503" sldId="704"/>
+        </pc:sldMkLst>
+        <pc:spChg chg="mod">
+          <ac:chgData name="Masaki Nakayama" userId="7eabd57b-b900-4e86-8622-e94bcfa04d00" providerId="ADAL" clId="{94C1CCE3-75C0-40D3-B12F-B54977995DC0}" dt="2021-09-21T06:12:38.257" v="212" actId="20577"/>
+          <ac:spMkLst>
+            <pc:docMk/>
+            <pc:sldMk cId="2012617503" sldId="704"/>
+            <ac:spMk id="3" creationId="{944E5C95-0F9E-48CD-94D4-BB10D5C04A74}"/>
+          </ac:spMkLst>
+        </pc:spChg>
+      </pc:sldChg>
+      <pc:sldChg chg="modSp new mod">
+        <pc:chgData name="Masaki Nakayama" userId="7eabd57b-b900-4e86-8622-e94bcfa04d00" providerId="ADAL" clId="{94C1CCE3-75C0-40D3-B12F-B54977995DC0}" dt="2021-09-21T01:38:47.452" v="73" actId="20577"/>
+        <pc:sldMkLst>
+          <pc:docMk/>
+          <pc:sldMk cId="3502568733" sldId="705"/>
+        </pc:sldMkLst>
+        <pc:spChg chg="mod">
+          <ac:chgData name="Masaki Nakayama" userId="7eabd57b-b900-4e86-8622-e94bcfa04d00" providerId="ADAL" clId="{94C1CCE3-75C0-40D3-B12F-B54977995DC0}" dt="2021-09-21T01:18:33.249" v="45" actId="20577"/>
+          <ac:spMkLst>
+            <pc:docMk/>
+            <pc:sldMk cId="3502568733" sldId="705"/>
+            <ac:spMk id="2" creationId="{3BFF9547-42F9-4EFB-B975-88A20F70BA04}"/>
           </ac:spMkLst>
         </pc:spChg>
         <pc:spChg chg="mod">
-          <ac:chgData name="正樹 中山" userId="7eabd57b-b900-4e86-8622-e94bcfa04d00" providerId="ADAL" clId="{3CD75285-433D-41E8-96CC-DE14FC188C0B}" dt="2021-04-05T05:39:00.747" v="218" actId="20577"/>
+          <ac:chgData name="Masaki Nakayama" userId="7eabd57b-b900-4e86-8622-e94bcfa04d00" providerId="ADAL" clId="{94C1CCE3-75C0-40D3-B12F-B54977995DC0}" dt="2021-09-21T01:38:47.452" v="73" actId="20577"/>
           <ac:spMkLst>
             <pc:docMk/>
-            <pc:sldMk cId="3444483772" sldId="701"/>
-            <ac:spMk id="11" creationId="{00000000-0000-0000-0000-000000000000}"/>
-          </ac:spMkLst>
-        </pc:spChg>
-        <pc:spChg chg="mod">
-          <ac:chgData name="正樹 中山" userId="7eabd57b-b900-4e86-8622-e94bcfa04d00" providerId="ADAL" clId="{3CD75285-433D-41E8-96CC-DE14FC188C0B}" dt="2021-04-05T05:29:17.444" v="66" actId="207"/>
-          <ac:spMkLst>
-            <pc:docMk/>
-            <pc:sldMk cId="3444483772" sldId="701"/>
-            <ac:spMk id="60" creationId="{00000000-0000-0000-0000-000000000000}"/>
-          </ac:spMkLst>
-        </pc:spChg>
-        <pc:spChg chg="mod">
-          <ac:chgData name="正樹 中山" userId="7eabd57b-b900-4e86-8622-e94bcfa04d00" providerId="ADAL" clId="{3CD75285-433D-41E8-96CC-DE14FC188C0B}" dt="2021-04-05T05:40:33.752" v="290" actId="20577"/>
-          <ac:spMkLst>
-            <pc:docMk/>
-            <pc:sldMk cId="3444483772" sldId="701"/>
-            <ac:spMk id="64" creationId="{00000000-0000-0000-0000-000000000000}"/>
-          </ac:spMkLst>
-        </pc:spChg>
-        <pc:spChg chg="add mod">
-          <ac:chgData name="正樹 中山" userId="7eabd57b-b900-4e86-8622-e94bcfa04d00" providerId="ADAL" clId="{3CD75285-433D-41E8-96CC-DE14FC188C0B}" dt="2021-04-05T05:42:13.336" v="296" actId="14100"/>
-          <ac:spMkLst>
-            <pc:docMk/>
-            <pc:sldMk cId="3444483772" sldId="701"/>
-            <ac:spMk id="98" creationId="{1B0B0FA1-21BD-41D9-8E75-422D39DF3972}"/>
-          </ac:spMkLst>
-        </pc:spChg>
-        <pc:spChg chg="add mod">
-          <ac:chgData name="正樹 中山" userId="7eabd57b-b900-4e86-8622-e94bcfa04d00" providerId="ADAL" clId="{3CD75285-433D-41E8-96CC-DE14FC188C0B}" dt="2021-04-05T05:42:00.860" v="294" actId="14100"/>
-          <ac:spMkLst>
-            <pc:docMk/>
-            <pc:sldMk cId="3444483772" sldId="701"/>
-            <ac:spMk id="99" creationId="{9E6EFB1B-854D-4880-96FC-C2BCE280ED97}"/>
+            <pc:sldMk cId="3502568733" sldId="705"/>
+            <ac:spMk id="3" creationId="{95814EF0-24A1-49F3-BB9C-34D10697261D}"/>
           </ac:spMkLst>
         </pc:spChg>
       </pc:sldChg>
@@ -581,7 +295,7 @@
           <a:p>
             <a:fld id="{B377335C-6462-4247-BEFA-CD97B67177F9}" type="datetimeFigureOut">
               <a:rPr kumimoji="1" lang="ja-JP" altLang="en-US" smtClean="0"/>
-              <a:t>2021/9/16</a:t>
+              <a:t>2021/9/21</a:t>
             </a:fld>
             <a:endParaRPr kumimoji="1" lang="ja-JP" altLang="en-US"/>
           </a:p>
@@ -1024,7 +738,7 @@
             <a:fld id="{DD2B6372-1A88-4F0C-86B1-FCF70832C42C}" type="datetimeFigureOut">
               <a:rPr lang="ja-JP" altLang="en-US" smtClean="0"/>
               <a:pPr/>
-              <a:t>2021/9/16</a:t>
+              <a:t>2021/9/21</a:t>
             </a:fld>
             <a:endParaRPr lang="ja-JP" altLang="en-US"/>
           </a:p>
@@ -1417,7 +1131,7 @@
             <a:fld id="{DD2B6372-1A88-4F0C-86B1-FCF70832C42C}" type="datetimeFigureOut">
               <a:rPr lang="ja-JP" altLang="en-US" smtClean="0"/>
               <a:pPr/>
-              <a:t>2021/9/16</a:t>
+              <a:t>2021/9/21</a:t>
             </a:fld>
             <a:endParaRPr lang="ja-JP" altLang="en-US"/>
           </a:p>
@@ -1626,7 +1340,7 @@
             <a:fld id="{DD2B6372-1A88-4F0C-86B1-FCF70832C42C}" type="datetimeFigureOut">
               <a:rPr lang="ja-JP" altLang="en-US" smtClean="0"/>
               <a:pPr/>
-              <a:t>2021/9/16</a:t>
+              <a:t>2021/9/21</a:t>
             </a:fld>
             <a:endParaRPr lang="ja-JP" altLang="en-US"/>
           </a:p>
@@ -1863,7 +1577,7 @@
             <a:fld id="{DD2B6372-1A88-4F0C-86B1-FCF70832C42C}" type="datetimeFigureOut">
               <a:rPr lang="ja-JP" altLang="en-US" smtClean="0"/>
               <a:pPr/>
-              <a:t>2021/9/16</a:t>
+              <a:t>2021/9/21</a:t>
             </a:fld>
             <a:endParaRPr lang="ja-JP" altLang="en-US"/>
           </a:p>
@@ -2166,7 +1880,7 @@
             <a:fld id="{DD2B6372-1A88-4F0C-86B1-FCF70832C42C}" type="datetimeFigureOut">
               <a:rPr lang="ja-JP" altLang="en-US" smtClean="0"/>
               <a:pPr/>
-              <a:t>2021/9/16</a:t>
+              <a:t>2021/9/21</a:t>
             </a:fld>
             <a:endParaRPr lang="ja-JP" altLang="en-US"/>
           </a:p>
@@ -2388,7 +2102,7 @@
             <a:fld id="{DD2B6372-1A88-4F0C-86B1-FCF70832C42C}" type="datetimeFigureOut">
               <a:rPr lang="ja-JP" altLang="en-US" smtClean="0"/>
               <a:pPr/>
-              <a:t>2021/9/16</a:t>
+              <a:t>2021/9/21</a:t>
             </a:fld>
             <a:endParaRPr lang="ja-JP" altLang="en-US"/>
           </a:p>
@@ -2806,7 +2520,7 @@
             <a:fld id="{DD2B6372-1A88-4F0C-86B1-FCF70832C42C}" type="datetimeFigureOut">
               <a:rPr lang="ja-JP" altLang="en-US" smtClean="0"/>
               <a:pPr/>
-              <a:t>2021/9/16</a:t>
+              <a:t>2021/9/21</a:t>
             </a:fld>
             <a:endParaRPr lang="ja-JP" altLang="en-US"/>
           </a:p>
@@ -3104,7 +2818,7 @@
             <a:fld id="{DD2B6372-1A88-4F0C-86B1-FCF70832C42C}" type="datetimeFigureOut">
               <a:rPr lang="ja-JP" altLang="en-US" smtClean="0"/>
               <a:pPr/>
-              <a:t>2021/9/16</a:t>
+              <a:t>2021/9/21</a:t>
             </a:fld>
             <a:endParaRPr lang="ja-JP" altLang="en-US"/>
           </a:p>
@@ -3246,7 +2960,7 @@
             <a:fld id="{DD2B6372-1A88-4F0C-86B1-FCF70832C42C}" type="datetimeFigureOut">
               <a:rPr lang="ja-JP" altLang="en-US" smtClean="0"/>
               <a:pPr/>
-              <a:t>2021/9/16</a:t>
+              <a:t>2021/9/21</a:t>
             </a:fld>
             <a:endParaRPr lang="ja-JP" altLang="en-US"/>
           </a:p>
@@ -3525,7 +3239,7 @@
             <a:fld id="{DD2B6372-1A88-4F0C-86B1-FCF70832C42C}" type="datetimeFigureOut">
               <a:rPr lang="ja-JP" altLang="en-US" smtClean="0"/>
               <a:pPr/>
-              <a:t>2021/9/16</a:t>
+              <a:t>2021/9/21</a:t>
             </a:fld>
             <a:endParaRPr lang="ja-JP" altLang="en-US"/>
           </a:p>
@@ -3966,7 +3680,7 @@
             <a:fld id="{DD2B6372-1A88-4F0C-86B1-FCF70832C42C}" type="datetimeFigureOut">
               <a:rPr lang="ja-JP" altLang="en-US" smtClean="0"/>
               <a:pPr/>
-              <a:t>2021/9/16</a:t>
+              <a:t>2021/9/21</a:t>
             </a:fld>
             <a:endParaRPr lang="ja-JP" altLang="en-US"/>
           </a:p>
@@ -4338,7 +4052,7 @@
             <a:fld id="{DD2B6372-1A88-4F0C-86B1-FCF70832C42C}" type="datetimeFigureOut">
               <a:rPr lang="ja-JP" altLang="en-US" smtClean="0"/>
               <a:pPr/>
-              <a:t>2021/9/16</a:t>
+              <a:t>2021/9/21</a:t>
             </a:fld>
             <a:endParaRPr lang="ja-JP" altLang="en-US"/>
           </a:p>
@@ -5118,7 +4832,7 @@
         </p:nvSpPr>
         <p:spPr bwMode="auto">
           <a:xfrm>
-            <a:off x="6460728" y="846556"/>
+            <a:off x="6479584" y="663516"/>
             <a:ext cx="4940709" cy="1941169"/>
           </a:xfrm>
           <a:prstGeom prst="roundRect">
@@ -5177,7 +4891,7 @@
         </p:nvSpPr>
         <p:spPr bwMode="auto">
           <a:xfrm>
-            <a:off x="6564926" y="1161161"/>
+            <a:off x="6583782" y="978121"/>
             <a:ext cx="4698448" cy="476025"/>
           </a:xfrm>
           <a:prstGeom prst="roundRect">
@@ -5325,7 +5039,7 @@
         </p:nvGrpSpPr>
         <p:grpSpPr>
           <a:xfrm>
-            <a:off x="10425640" y="1646977"/>
+            <a:off x="10444496" y="1463937"/>
             <a:ext cx="599429" cy="787538"/>
             <a:chOff x="-185784" y="2437254"/>
             <a:chExt cx="599429" cy="787538"/>
@@ -5416,7 +5130,7 @@
         </p:nvGrpSpPr>
         <p:grpSpPr>
           <a:xfrm>
-            <a:off x="8714116" y="1716632"/>
+            <a:off x="8732972" y="1533592"/>
             <a:ext cx="621863" cy="917786"/>
             <a:chOff x="954848" y="284320"/>
             <a:chExt cx="621863" cy="917786"/>
@@ -5523,7 +5237,7 @@
         </p:nvGrpSpPr>
         <p:grpSpPr>
           <a:xfrm>
-            <a:off x="7088140" y="1810024"/>
+            <a:off x="7106996" y="1626984"/>
             <a:ext cx="699087" cy="745243"/>
             <a:chOff x="64101" y="318363"/>
             <a:chExt cx="699087" cy="745243"/>
@@ -5613,7 +5327,7 @@
         </p:nvSpPr>
         <p:spPr>
           <a:xfrm rot="5400000">
-            <a:off x="9341018" y="3622904"/>
+            <a:off x="9341018" y="3724504"/>
             <a:ext cx="2851888" cy="516211"/>
           </a:xfrm>
           <a:prstGeom prst="leftArrow">
@@ -5658,7 +5372,7 @@
         </p:nvSpPr>
         <p:spPr>
           <a:xfrm rot="5400000">
-            <a:off x="6789950" y="2866497"/>
+            <a:off x="6464244" y="2988406"/>
             <a:ext cx="1268995" cy="516211"/>
           </a:xfrm>
           <a:prstGeom prst="leftArrow">
@@ -5703,7 +5417,7 @@
         </p:nvSpPr>
         <p:spPr>
           <a:xfrm rot="5400000">
-            <a:off x="8253657" y="3261559"/>
+            <a:off x="8253657" y="3231079"/>
             <a:ext cx="1759442" cy="516211"/>
           </a:xfrm>
           <a:prstGeom prst="leftArrow">
@@ -5748,7 +5462,7 @@
         </p:nvSpPr>
         <p:spPr>
           <a:xfrm>
-            <a:off x="9323678" y="1646977"/>
+            <a:off x="9342534" y="1463937"/>
             <a:ext cx="1105661" cy="497862"/>
           </a:xfrm>
           <a:prstGeom prst="rightArrow">
@@ -5798,7 +5512,7 @@
         </p:nvSpPr>
         <p:spPr>
           <a:xfrm>
-            <a:off x="9227688" y="2097991"/>
+            <a:off x="9246544" y="1914951"/>
             <a:ext cx="1179871" cy="528241"/>
           </a:xfrm>
           <a:prstGeom prst="leftArrow">
@@ -5843,7 +5557,7 @@
         </p:nvSpPr>
         <p:spPr>
           <a:xfrm>
-            <a:off x="7606674" y="2016959"/>
+            <a:off x="7625530" y="1833919"/>
             <a:ext cx="1179871" cy="528241"/>
           </a:xfrm>
           <a:prstGeom prst="leftArrow">
@@ -6024,8 +5738,8 @@
         </p:nvSpPr>
         <p:spPr>
           <a:xfrm>
-            <a:off x="4960576" y="4063552"/>
-            <a:ext cx="3034101" cy="690107"/>
+            <a:off x="4960577" y="4063552"/>
+            <a:ext cx="2641342" cy="690107"/>
           </a:xfrm>
           <a:prstGeom prst="rightArrow">
             <a:avLst/>
@@ -6068,8 +5782,8 @@
         </p:nvSpPr>
         <p:spPr bwMode="auto">
           <a:xfrm>
-            <a:off x="7034173" y="3410369"/>
-            <a:ext cx="1017297" cy="578732"/>
+            <a:off x="6636288" y="3582789"/>
+            <a:ext cx="1055075" cy="501421"/>
           </a:xfrm>
           <a:prstGeom prst="roundRect">
             <a:avLst>
@@ -6342,12 +6056,12 @@
               <a:t>月</a:t>
             </a:r>
             <a:r>
-              <a:rPr kumimoji="1" lang="en-US" altLang="ja-JP" sz="1400" dirty="0">
-                <a:latin typeface="Meiryo UI" panose="020B0604030504040204" pitchFamily="50" charset="-128"/>
-                <a:ea typeface="Meiryo UI" panose="020B0604030504040204" pitchFamily="50" charset="-128"/>
-                <a:cs typeface="Meiryo UI" panose="020B0604030504040204" pitchFamily="50" charset="-128"/>
-              </a:rPr>
-              <a:t>16</a:t>
+              <a:rPr lang="en-US" altLang="ja-JP" sz="1400" dirty="0">
+                <a:latin typeface="Meiryo UI" panose="020B0604030504040204" pitchFamily="50" charset="-128"/>
+                <a:ea typeface="Meiryo UI" panose="020B0604030504040204" pitchFamily="50" charset="-128"/>
+                <a:cs typeface="Meiryo UI" panose="020B0604030504040204" pitchFamily="50" charset="-128"/>
+              </a:rPr>
+              <a:t>21</a:t>
             </a:r>
             <a:r>
               <a:rPr kumimoji="1" lang="ja-JP" altLang="en-US" sz="1400" dirty="0">
@@ -6358,12 +6072,12 @@
               <a:t>日第</a:t>
             </a:r>
             <a:r>
-              <a:rPr kumimoji="1" lang="en-US" altLang="ja-JP" sz="1400" dirty="0">
-                <a:latin typeface="Meiryo UI" panose="020B0604030504040204" pitchFamily="50" charset="-128"/>
-                <a:ea typeface="Meiryo UI" panose="020B0604030504040204" pitchFamily="50" charset="-128"/>
-                <a:cs typeface="Meiryo UI" panose="020B0604030504040204" pitchFamily="50" charset="-128"/>
-              </a:rPr>
-              <a:t>5</a:t>
+              <a:rPr lang="en-US" altLang="ja-JP" sz="1400" dirty="0">
+                <a:latin typeface="Meiryo UI" panose="020B0604030504040204" pitchFamily="50" charset="-128"/>
+                <a:ea typeface="Meiryo UI" panose="020B0604030504040204" pitchFamily="50" charset="-128"/>
+                <a:cs typeface="Meiryo UI" panose="020B0604030504040204" pitchFamily="50" charset="-128"/>
+              </a:rPr>
+              <a:t>6</a:t>
             </a:r>
             <a:r>
               <a:rPr kumimoji="1" lang="ja-JP" altLang="en-US" sz="1400" dirty="0">
@@ -6512,7 +6226,7 @@
                 <a:ea typeface="Meiryo UI" panose="020B0604030504040204" pitchFamily="50" charset="-128"/>
                 <a:cs typeface="Meiryo UI" panose="020B0604030504040204" pitchFamily="50" charset="-128"/>
               </a:rPr>
-              <a:t>①国全体のサイバーセキュリティ対策の実施において、地方公共団体の中核的組織として、一翼を担う</a:t>
+              <a:t>①国全体のサイバーセキュリティ対策の実施において、地方公共団体の中核的組織として、一翼を担う。</a:t>
             </a:r>
             <a:endParaRPr lang="en-US" altLang="ja-JP" sz="1200" dirty="0">
               <a:latin typeface="Meiryo UI" panose="020B0604030504040204" pitchFamily="50" charset="-128"/>
@@ -6527,7 +6241,7 @@
                 <a:ea typeface="Meiryo UI" panose="020B0604030504040204" pitchFamily="50" charset="-128"/>
                 <a:cs typeface="Meiryo UI" panose="020B0604030504040204" pitchFamily="50" charset="-128"/>
               </a:rPr>
-              <a:t>②東京都のトータルな中小企業支援の一環としての役割を果たす</a:t>
+              <a:t>②東京都のトータルな中小企業支援の一環で。</a:t>
             </a:r>
             <a:endParaRPr lang="en-US" altLang="ja-JP" sz="1200" dirty="0">
               <a:latin typeface="Meiryo UI" panose="020B0604030504040204" pitchFamily="50" charset="-128"/>
@@ -6872,7 +6586,7 @@
         </p:nvSpPr>
         <p:spPr>
           <a:xfrm>
-            <a:off x="5393266" y="4217842"/>
+            <a:off x="5038430" y="4227549"/>
             <a:ext cx="2376344" cy="430887"/>
           </a:xfrm>
           <a:prstGeom prst="rect">
@@ -7774,7 +7488,7 @@
         </p:nvSpPr>
         <p:spPr>
           <a:xfrm rot="1908667">
-            <a:off x="7974543" y="3958067"/>
+            <a:off x="7566931" y="4110331"/>
             <a:ext cx="420595" cy="257552"/>
           </a:xfrm>
           <a:prstGeom prst="leftArrow">
@@ -7953,8 +7667,8 @@
         </p:nvSpPr>
         <p:spPr bwMode="auto">
           <a:xfrm>
-            <a:off x="8494964" y="3386619"/>
-            <a:ext cx="1638551" cy="667972"/>
+            <a:off x="8859200" y="3468305"/>
+            <a:ext cx="1191764" cy="667972"/>
           </a:xfrm>
           <a:prstGeom prst="roundRect">
             <a:avLst>
@@ -7987,7 +7701,7 @@
           <a:lstStyle/>
           <a:p>
             <a:r>
-              <a:rPr lang="ja-JP" altLang="en-US" sz="1200" b="1" dirty="0">
+              <a:rPr lang="ja-JP" altLang="en-US" sz="1050" b="1" dirty="0">
                 <a:solidFill>
                   <a:srgbClr val="0070C0"/>
                 </a:solidFill>
@@ -7997,7 +7711,7 @@
               </a:rPr>
               <a:t>都支援事業等での出張相談・個別助言</a:t>
             </a:r>
-            <a:endParaRPr lang="en-US" altLang="ja-JP" sz="1200" b="1" dirty="0">
+            <a:endParaRPr lang="ja-JP" altLang="ja-JP" sz="1050" b="1" dirty="0">
               <a:solidFill>
                 <a:srgbClr val="0070C0"/>
               </a:solidFill>
@@ -8005,78 +7719,6 @@
               <a:ea typeface="Meiryo UI" panose="020B0604030504040204" pitchFamily="50" charset="-128"/>
               <a:cs typeface="Meiryo UI" panose="020B0604030504040204" pitchFamily="50" charset="-128"/>
             </a:endParaRPr>
-          </a:p>
-          <a:p>
-            <a:r>
-              <a:rPr lang="ja-JP" altLang="en-US" sz="1200" b="1" dirty="0">
-                <a:solidFill>
-                  <a:srgbClr val="0070C0"/>
-                </a:solidFill>
-                <a:latin typeface="Meiryo UI" panose="020B0604030504040204" pitchFamily="50" charset="-128"/>
-                <a:ea typeface="Meiryo UI" panose="020B0604030504040204" pitchFamily="50" charset="-128"/>
-                <a:cs typeface="Meiryo UI" panose="020B0604030504040204" pitchFamily="50" charset="-128"/>
-              </a:rPr>
-              <a:t>（東京都）</a:t>
-            </a:r>
-            <a:endParaRPr lang="ja-JP" altLang="ja-JP" sz="1200" b="1" dirty="0">
-              <a:solidFill>
-                <a:srgbClr val="0070C0"/>
-              </a:solidFill>
-              <a:latin typeface="Meiryo UI" panose="020B0604030504040204" pitchFamily="50" charset="-128"/>
-              <a:ea typeface="Meiryo UI" panose="020B0604030504040204" pitchFamily="50" charset="-128"/>
-              <a:cs typeface="Meiryo UI" panose="020B0604030504040204" pitchFamily="50" charset="-128"/>
-            </a:endParaRPr>
-          </a:p>
-        </p:txBody>
-      </p:sp>
-      <p:sp>
-        <p:nvSpPr>
-          <p:cNvPr id="90" name="四角形吹き出し 89"/>
-          <p:cNvSpPr/>
-          <p:nvPr/>
-        </p:nvSpPr>
-        <p:spPr>
-          <a:xfrm>
-            <a:off x="7518657" y="2833914"/>
-            <a:ext cx="1557003" cy="439643"/>
-          </a:xfrm>
-          <a:prstGeom prst="wedgeRectCallout">
-            <a:avLst>
-              <a:gd name="adj1" fmla="val 27101"/>
-              <a:gd name="adj2" fmla="val 79035"/>
-            </a:avLst>
-          </a:prstGeom>
-        </p:spPr>
-        <p:style>
-          <a:lnRef idx="0">
-            <a:schemeClr val="accent4"/>
-          </a:lnRef>
-          <a:fillRef idx="3">
-            <a:schemeClr val="accent4"/>
-          </a:fillRef>
-          <a:effectRef idx="3">
-            <a:schemeClr val="accent4"/>
-          </a:effectRef>
-          <a:fontRef idx="minor">
-            <a:schemeClr val="lt1"/>
-          </a:fontRef>
-        </p:style>
-        <p:txBody>
-          <a:bodyPr rtlCol="0" anchor="ctr"/>
-          <a:lstStyle/>
-          <a:p>
-            <a:pPr algn="ctr"/>
-            <a:r>
-              <a:rPr kumimoji="1" lang="ja-JP" altLang="en-US" sz="1100" dirty="0">
-                <a:solidFill>
-                  <a:schemeClr val="tx1"/>
-                </a:solidFill>
-                <a:latin typeface="Meiryo UI" panose="020B0604030504040204" pitchFamily="50" charset="-128"/>
-                <a:ea typeface="Meiryo UI" panose="020B0604030504040204" pitchFamily="50" charset="-128"/>
-                <a:cs typeface="Meiryo UI" panose="020B0604030504040204" pitchFamily="50" charset="-128"/>
-              </a:rPr>
-              <a:t>ガイドブック以上の詳細な解説・助言</a:t>
-            </a:r>
           </a:p>
         </p:txBody>
       </p:sp>
@@ -8617,7 +8259,7 @@
         </p:nvSpPr>
         <p:spPr>
           <a:xfrm>
-            <a:off x="9484351" y="3811055"/>
+            <a:off x="9880065" y="4237877"/>
             <a:ext cx="1151375" cy="513539"/>
           </a:xfrm>
           <a:prstGeom prst="flowChartMagneticDisk">
@@ -8842,10 +8484,977 @@
           </a:p>
         </p:txBody>
       </p:sp>
+      <p:sp>
+        <p:nvSpPr>
+          <p:cNvPr id="63" name="左矢印 91">
+            <a:extLst>
+              <a:ext uri="{FF2B5EF4-FFF2-40B4-BE49-F238E27FC236}">
+                <a16:creationId xmlns:a16="http://schemas.microsoft.com/office/drawing/2014/main" id="{48279D12-0558-4AEE-B02F-FF4AFE39E53B}"/>
+              </a:ext>
+            </a:extLst>
+          </p:cNvPr>
+          <p:cNvSpPr/>
+          <p:nvPr/>
+        </p:nvSpPr>
+        <p:spPr>
+          <a:xfrm rot="4441312">
+            <a:off x="7949291" y="3821905"/>
+            <a:ext cx="529363" cy="260284"/>
+          </a:xfrm>
+          <a:prstGeom prst="leftArrow">
+            <a:avLst/>
+          </a:prstGeom>
+        </p:spPr>
+        <p:style>
+          <a:lnRef idx="2">
+            <a:schemeClr val="accent1">
+              <a:shade val="50000"/>
+            </a:schemeClr>
+          </a:lnRef>
+          <a:fillRef idx="1">
+            <a:schemeClr val="accent1"/>
+          </a:fillRef>
+          <a:effectRef idx="0">
+            <a:schemeClr val="accent1"/>
+          </a:effectRef>
+          <a:fontRef idx="minor">
+            <a:schemeClr val="lt1"/>
+          </a:fontRef>
+        </p:style>
+        <p:txBody>
+          <a:bodyPr rtlCol="0" anchor="ctr"/>
+          <a:lstStyle/>
+          <a:p>
+            <a:pPr algn="ctr"/>
+            <a:endParaRPr kumimoji="1" lang="ja-JP" altLang="en-US">
+              <a:latin typeface="Meiryo UI" panose="020B0604030504040204" pitchFamily="50" charset="-128"/>
+              <a:ea typeface="Meiryo UI" panose="020B0604030504040204" pitchFamily="50" charset="-128"/>
+              <a:cs typeface="Meiryo UI" panose="020B0604030504040204" pitchFamily="50" charset="-128"/>
+            </a:endParaRPr>
+          </a:p>
+        </p:txBody>
+      </p:sp>
+      <p:sp>
+        <p:nvSpPr>
+          <p:cNvPr id="70" name="左矢印 115">
+            <a:extLst>
+              <a:ext uri="{FF2B5EF4-FFF2-40B4-BE49-F238E27FC236}">
+                <a16:creationId xmlns:a16="http://schemas.microsoft.com/office/drawing/2014/main" id="{EE33EA55-6BBD-49BA-AC30-4C6A6CA64D61}"/>
+              </a:ext>
+            </a:extLst>
+          </p:cNvPr>
+          <p:cNvSpPr/>
+          <p:nvPr/>
+        </p:nvSpPr>
+        <p:spPr>
+          <a:xfrm rot="5400000">
+            <a:off x="7791357" y="2698232"/>
+            <a:ext cx="768020" cy="516211"/>
+          </a:xfrm>
+          <a:prstGeom prst="leftArrow">
+            <a:avLst/>
+          </a:prstGeom>
+          <a:solidFill>
+            <a:srgbClr val="002060"/>
+          </a:solidFill>
+        </p:spPr>
+        <p:style>
+          <a:lnRef idx="2">
+            <a:schemeClr val="accent5"/>
+          </a:lnRef>
+          <a:fillRef idx="1">
+            <a:schemeClr val="lt1"/>
+          </a:fillRef>
+          <a:effectRef idx="0">
+            <a:schemeClr val="accent5"/>
+          </a:effectRef>
+          <a:fontRef idx="minor">
+            <a:schemeClr val="dk1"/>
+          </a:fontRef>
+        </p:style>
+        <p:txBody>
+          <a:bodyPr rtlCol="0" anchor="ctr"/>
+          <a:lstStyle/>
+          <a:p>
+            <a:pPr algn="ctr"/>
+            <a:endParaRPr lang="ja-JP" altLang="en-US" sz="1050" dirty="0">
+              <a:latin typeface="Meiryo UI" panose="020B0604030504040204" pitchFamily="50" charset="-128"/>
+              <a:ea typeface="Meiryo UI" panose="020B0604030504040204" pitchFamily="50" charset="-128"/>
+              <a:cs typeface="Meiryo UI" panose="020B0604030504040204" pitchFamily="50" charset="-128"/>
+            </a:endParaRPr>
+          </a:p>
+        </p:txBody>
+      </p:sp>
+      <p:sp>
+        <p:nvSpPr>
+          <p:cNvPr id="62" name="AutoShape 8">
+            <a:extLst>
+              <a:ext uri="{FF2B5EF4-FFF2-40B4-BE49-F238E27FC236}">
+                <a16:creationId xmlns:a16="http://schemas.microsoft.com/office/drawing/2014/main" id="{DA7F1790-E788-4844-86AC-DC60301A8B2E}"/>
+              </a:ext>
+            </a:extLst>
+          </p:cNvPr>
+          <p:cNvSpPr>
+            <a:spLocks noChangeArrowheads="1"/>
+          </p:cNvSpPr>
+          <p:nvPr/>
+        </p:nvSpPr>
+        <p:spPr bwMode="auto">
+          <a:xfrm>
+            <a:off x="7502828" y="2995092"/>
+            <a:ext cx="1372444" cy="667971"/>
+          </a:xfrm>
+          <a:prstGeom prst="roundRect">
+            <a:avLst>
+              <a:gd name="adj" fmla="val 19184"/>
+            </a:avLst>
+          </a:prstGeom>
+          <a:ln>
+            <a:headEnd/>
+            <a:tailEnd/>
+          </a:ln>
+        </p:spPr>
+        <p:style>
+          <a:lnRef idx="2">
+            <a:schemeClr val="accent5"/>
+          </a:lnRef>
+          <a:fillRef idx="1">
+            <a:schemeClr val="lt1"/>
+          </a:fillRef>
+          <a:effectRef idx="0">
+            <a:schemeClr val="accent5"/>
+          </a:effectRef>
+          <a:fontRef idx="minor">
+            <a:schemeClr val="dk1"/>
+          </a:fontRef>
+        </p:style>
+        <p:txBody>
+          <a:bodyPr wrap="square" anchor="t" anchorCtr="0">
+            <a:noAutofit/>
+          </a:bodyPr>
+          <a:lstStyle/>
+          <a:p>
+            <a:r>
+              <a:rPr lang="en-US" altLang="ja-JP" sz="1100" b="1" dirty="0">
+                <a:latin typeface="Meiryo UI" panose="020B0604030504040204" pitchFamily="50" charset="-128"/>
+                <a:ea typeface="Meiryo UI" panose="020B0604030504040204" pitchFamily="50" charset="-128"/>
+                <a:cs typeface="Meiryo UI" panose="020B0604030504040204" pitchFamily="50" charset="-128"/>
+              </a:rPr>
+              <a:t>Google</a:t>
+            </a:r>
+            <a:r>
+              <a:rPr lang="ja-JP" altLang="en-US" sz="1100" b="1" dirty="0">
+                <a:latin typeface="Meiryo UI" panose="020B0604030504040204" pitchFamily="50" charset="-128"/>
+                <a:ea typeface="Meiryo UI" panose="020B0604030504040204" pitchFamily="50" charset="-128"/>
+                <a:cs typeface="Meiryo UI" panose="020B0604030504040204" pitchFamily="50" charset="-128"/>
+              </a:rPr>
+              <a:t>検索・</a:t>
+            </a:r>
+            <a:endParaRPr lang="en-US" altLang="ja-JP" sz="1100" b="1" dirty="0">
+              <a:latin typeface="Meiryo UI" panose="020B0604030504040204" pitchFamily="50" charset="-128"/>
+              <a:ea typeface="Meiryo UI" panose="020B0604030504040204" pitchFamily="50" charset="-128"/>
+              <a:cs typeface="Meiryo UI" panose="020B0604030504040204" pitchFamily="50" charset="-128"/>
+            </a:endParaRPr>
+          </a:p>
+          <a:p>
+            <a:r>
+              <a:rPr lang="en-US" altLang="ja-JP" sz="1100" b="1" dirty="0">
+                <a:latin typeface="Meiryo UI" panose="020B0604030504040204" pitchFamily="50" charset="-128"/>
+                <a:ea typeface="Meiryo UI" panose="020B0604030504040204" pitchFamily="50" charset="-128"/>
+                <a:cs typeface="Meiryo UI" panose="020B0604030504040204" pitchFamily="50" charset="-128"/>
+              </a:rPr>
+              <a:t>SNS</a:t>
+            </a:r>
+            <a:r>
+              <a:rPr lang="ja-JP" altLang="en-US" sz="1100" b="1" dirty="0">
+                <a:latin typeface="Meiryo UI" panose="020B0604030504040204" pitchFamily="50" charset="-128"/>
+                <a:ea typeface="Meiryo UI" panose="020B0604030504040204" pitchFamily="50" charset="-128"/>
+                <a:cs typeface="Meiryo UI" panose="020B0604030504040204" pitchFamily="50" charset="-128"/>
+              </a:rPr>
+              <a:t>（</a:t>
+            </a:r>
+            <a:r>
+              <a:rPr lang="en-US" altLang="ja-JP" sz="1100" b="1" dirty="0" err="1">
+                <a:latin typeface="Meiryo UI" panose="020B0604030504040204" pitchFamily="50" charset="-128"/>
+                <a:ea typeface="Meiryo UI" panose="020B0604030504040204" pitchFamily="50" charset="-128"/>
+                <a:cs typeface="Meiryo UI" panose="020B0604030504040204" pitchFamily="50" charset="-128"/>
+              </a:rPr>
+              <a:t>Twitte</a:t>
+            </a:r>
+            <a:r>
+              <a:rPr lang="ja-JP" altLang="en-US" sz="1100" b="1" dirty="0">
+                <a:latin typeface="Meiryo UI" panose="020B0604030504040204" pitchFamily="50" charset="-128"/>
+                <a:ea typeface="Meiryo UI" panose="020B0604030504040204" pitchFamily="50" charset="-128"/>
+                <a:cs typeface="Meiryo UI" panose="020B0604030504040204" pitchFamily="50" charset="-128"/>
+              </a:rPr>
+              <a:t>・</a:t>
+            </a:r>
+            <a:r>
+              <a:rPr lang="en-US" altLang="ja-JP" sz="1100" b="1" dirty="0" err="1">
+                <a:latin typeface="Meiryo UI" panose="020B0604030504040204" pitchFamily="50" charset="-128"/>
+                <a:ea typeface="Meiryo UI" panose="020B0604030504040204" pitchFamily="50" charset="-128"/>
+                <a:cs typeface="Meiryo UI" panose="020B0604030504040204" pitchFamily="50" charset="-128"/>
+              </a:rPr>
+              <a:t>BookMark</a:t>
+            </a:r>
+            <a:r>
+              <a:rPr lang="ja-JP" altLang="en-US" sz="1100" b="1" dirty="0">
+                <a:latin typeface="Meiryo UI" panose="020B0604030504040204" pitchFamily="50" charset="-128"/>
+                <a:ea typeface="Meiryo UI" panose="020B0604030504040204" pitchFamily="50" charset="-128"/>
+                <a:cs typeface="Meiryo UI" panose="020B0604030504040204" pitchFamily="50" charset="-128"/>
+              </a:rPr>
+              <a:t>等）</a:t>
+            </a:r>
+            <a:endParaRPr lang="en-US" altLang="ja-JP" sz="1100" b="1" dirty="0">
+              <a:latin typeface="Meiryo UI" panose="020B0604030504040204" pitchFamily="50" charset="-128"/>
+              <a:ea typeface="Meiryo UI" panose="020B0604030504040204" pitchFamily="50" charset="-128"/>
+              <a:cs typeface="Meiryo UI" panose="020B0604030504040204" pitchFamily="50" charset="-128"/>
+            </a:endParaRPr>
+          </a:p>
+        </p:txBody>
+      </p:sp>
+      <p:sp>
+        <p:nvSpPr>
+          <p:cNvPr id="91" name="AutoShape 8">
+            <a:extLst>
+              <a:ext uri="{FF2B5EF4-FFF2-40B4-BE49-F238E27FC236}">
+                <a16:creationId xmlns:a16="http://schemas.microsoft.com/office/drawing/2014/main" id="{7A5D9C35-C4F6-45CF-BDC8-1F9E889D4ACE}"/>
+              </a:ext>
+            </a:extLst>
+          </p:cNvPr>
+          <p:cNvSpPr>
+            <a:spLocks noChangeArrowheads="1"/>
+          </p:cNvSpPr>
+          <p:nvPr/>
+        </p:nvSpPr>
+        <p:spPr bwMode="auto">
+          <a:xfrm>
+            <a:off x="9077821" y="3013621"/>
+            <a:ext cx="957071" cy="330974"/>
+          </a:xfrm>
+          <a:prstGeom prst="roundRect">
+            <a:avLst>
+              <a:gd name="adj" fmla="val 19184"/>
+            </a:avLst>
+          </a:prstGeom>
+          <a:ln>
+            <a:headEnd/>
+            <a:tailEnd/>
+          </a:ln>
+        </p:spPr>
+        <p:style>
+          <a:lnRef idx="2">
+            <a:schemeClr val="accent5"/>
+          </a:lnRef>
+          <a:fillRef idx="1">
+            <a:schemeClr val="lt1"/>
+          </a:fillRef>
+          <a:effectRef idx="0">
+            <a:schemeClr val="accent5"/>
+          </a:effectRef>
+          <a:fontRef idx="minor">
+            <a:schemeClr val="dk1"/>
+          </a:fontRef>
+        </p:style>
+        <p:txBody>
+          <a:bodyPr wrap="square" anchor="t" anchorCtr="0">
+            <a:noAutofit/>
+          </a:bodyPr>
+          <a:lstStyle/>
+          <a:p>
+            <a:r>
+              <a:rPr lang="ja-JP" altLang="en-US" sz="1100" b="1" dirty="0">
+                <a:latin typeface="Meiryo UI" panose="020B0604030504040204" pitchFamily="50" charset="-128"/>
+                <a:ea typeface="Meiryo UI" panose="020B0604030504040204" pitchFamily="50" charset="-128"/>
+                <a:cs typeface="Meiryo UI" panose="020B0604030504040204" pitchFamily="50" charset="-128"/>
+              </a:rPr>
+              <a:t>直接アクセス</a:t>
+            </a:r>
+            <a:endParaRPr lang="en-US" altLang="ja-JP" sz="1100" b="1" dirty="0">
+              <a:latin typeface="Meiryo UI" panose="020B0604030504040204" pitchFamily="50" charset="-128"/>
+              <a:ea typeface="Meiryo UI" panose="020B0604030504040204" pitchFamily="50" charset="-128"/>
+              <a:cs typeface="Meiryo UI" panose="020B0604030504040204" pitchFamily="50" charset="-128"/>
+            </a:endParaRPr>
+          </a:p>
+        </p:txBody>
+      </p:sp>
     </p:spTree>
     <p:extLst>
       <p:ext uri="{BB962C8B-B14F-4D97-AF65-F5344CB8AC3E}">
         <p14:creationId xmlns:p14="http://schemas.microsoft.com/office/powerpoint/2010/main" val="3444483772"/>
+      </p:ext>
+    </p:extLst>
+  </p:cSld>
+  <p:clrMapOvr>
+    <a:masterClrMapping/>
+  </p:clrMapOvr>
+</p:sld>
+</file>
+
+<file path=ppt/slides/slide2.xml><?xml version="1.0" encoding="utf-8"?>
+<p:sld xmlns:a="http://schemas.openxmlformats.org/drawingml/2006/main" xmlns:r="http://schemas.openxmlformats.org/officeDocument/2006/relationships" xmlns:p="http://schemas.openxmlformats.org/presentationml/2006/main">
+  <p:cSld>
+    <p:spTree>
+      <p:nvGrpSpPr>
+        <p:cNvPr id="1" name=""/>
+        <p:cNvGrpSpPr/>
+        <p:nvPr/>
+      </p:nvGrpSpPr>
+      <p:grpSpPr>
+        <a:xfrm>
+          <a:off x="0" y="0"/>
+          <a:ext cx="0" cy="0"/>
+          <a:chOff x="0" y="0"/>
+          <a:chExt cx="0" cy="0"/>
+        </a:xfrm>
+      </p:grpSpPr>
+      <p:sp>
+        <p:nvSpPr>
+          <p:cNvPr id="2" name="タイトル 1">
+            <a:extLst>
+              <a:ext uri="{FF2B5EF4-FFF2-40B4-BE49-F238E27FC236}">
+                <a16:creationId xmlns:a16="http://schemas.microsoft.com/office/drawing/2014/main" id="{E8D31A5B-432B-47C4-B1D7-B28B84303C33}"/>
+              </a:ext>
+            </a:extLst>
+          </p:cNvPr>
+          <p:cNvSpPr>
+            <a:spLocks noGrp="1"/>
+          </p:cNvSpPr>
+          <p:nvPr>
+            <p:ph type="title"/>
+          </p:nvPr>
+        </p:nvSpPr>
+        <p:spPr/>
+        <p:txBody>
+          <a:bodyPr/>
+          <a:lstStyle/>
+          <a:p>
+            <a:r>
+              <a:rPr kumimoji="1" lang="en-US" altLang="ja-JP" dirty="0"/>
+              <a:t>TCYSS</a:t>
+            </a:r>
+            <a:r>
+              <a:rPr kumimoji="1" lang="ja-JP" altLang="en-US" dirty="0"/>
+              <a:t>普及啓発活動の柱</a:t>
+            </a:r>
+          </a:p>
+        </p:txBody>
+      </p:sp>
+      <p:sp>
+        <p:nvSpPr>
+          <p:cNvPr id="3" name="コンテンツ プレースホルダー 2">
+            <a:extLst>
+              <a:ext uri="{FF2B5EF4-FFF2-40B4-BE49-F238E27FC236}">
+                <a16:creationId xmlns:a16="http://schemas.microsoft.com/office/drawing/2014/main" id="{1C0E4EB2-15BA-49D8-B771-6CCA9D10D781}"/>
+              </a:ext>
+            </a:extLst>
+          </p:cNvPr>
+          <p:cNvSpPr>
+            <a:spLocks noGrp="1"/>
+          </p:cNvSpPr>
+          <p:nvPr>
+            <p:ph sz="quarter" idx="1"/>
+          </p:nvPr>
+        </p:nvSpPr>
+        <p:spPr/>
+        <p:txBody>
+          <a:bodyPr>
+            <a:normAutofit/>
+          </a:bodyPr>
+          <a:lstStyle/>
+          <a:p>
+            <a:r>
+              <a:rPr kumimoji="1" lang="en-US" altLang="ja-JP" dirty="0"/>
+              <a:t>TCYSS</a:t>
+            </a:r>
+            <a:r>
+              <a:rPr kumimoji="1" lang="ja-JP" altLang="en-US" dirty="0"/>
+              <a:t>事業の位置付け</a:t>
+            </a:r>
+          </a:p>
+          <a:p>
+            <a:pPr lvl="1"/>
+            <a:r>
+              <a:rPr kumimoji="1" lang="ja-JP" altLang="en-US" dirty="0"/>
+              <a:t>①国全体のサイバーセキュリティ対策の実施において、地方公共団体の中核的組織として、一翼を担う。</a:t>
+            </a:r>
+          </a:p>
+          <a:p>
+            <a:pPr lvl="1"/>
+            <a:r>
+              <a:rPr kumimoji="1" lang="ja-JP" altLang="en-US" dirty="0"/>
+              <a:t>②東京都のトータルな中小企業支援の一環で。</a:t>
+            </a:r>
+          </a:p>
+          <a:p>
+            <a:r>
+              <a:rPr kumimoji="1" lang="ja-JP" altLang="en-US" dirty="0"/>
+              <a:t>■相談窓口業務の柱</a:t>
+            </a:r>
+          </a:p>
+          <a:p>
+            <a:pPr lvl="1"/>
+            <a:r>
+              <a:rPr kumimoji="1" lang="ja-JP" altLang="en-US" dirty="0"/>
+              <a:t>①情報の集約：</a:t>
+            </a:r>
+          </a:p>
+          <a:p>
+            <a:pPr lvl="2"/>
+            <a:r>
+              <a:rPr kumimoji="1" lang="ja-JP" altLang="en-US" dirty="0"/>
+              <a:t>　日々の情報収集・内容の要約・情報の知識化</a:t>
+            </a:r>
+          </a:p>
+          <a:p>
+            <a:pPr lvl="1"/>
+            <a:r>
+              <a:rPr kumimoji="1" lang="ja-JP" altLang="en-US" dirty="0"/>
+              <a:t>②発信用情報の作成・蓄積：</a:t>
+            </a:r>
+          </a:p>
+          <a:p>
+            <a:pPr lvl="2"/>
+            <a:r>
+              <a:rPr kumimoji="1" lang="ja-JP" altLang="en-US" dirty="0"/>
+              <a:t>　知識化した情報をもとに、ユーザレベル毎の普及・啓発用情報の作成・蓄積</a:t>
+            </a:r>
+          </a:p>
+          <a:p>
+            <a:pPr lvl="1"/>
+            <a:r>
+              <a:rPr kumimoji="1" lang="ja-JP" altLang="en-US" dirty="0"/>
+              <a:t>③情報の提供（発信）：</a:t>
+            </a:r>
+          </a:p>
+          <a:p>
+            <a:pPr lvl="2"/>
+            <a:r>
+              <a:rPr kumimoji="1" lang="ja-JP" altLang="en-US" dirty="0"/>
+              <a:t>・</a:t>
+            </a:r>
+            <a:r>
+              <a:rPr kumimoji="1" lang="en-US" altLang="ja-JP" dirty="0"/>
+              <a:t>【</a:t>
+            </a:r>
+            <a:r>
+              <a:rPr kumimoji="1" lang="ja-JP" altLang="en-US" dirty="0"/>
+              <a:t>意識改革</a:t>
+            </a:r>
+            <a:r>
+              <a:rPr kumimoji="1" lang="en-US" altLang="ja-JP" dirty="0"/>
+              <a:t>】</a:t>
+            </a:r>
+            <a:r>
+              <a:rPr kumimoji="1" lang="ja-JP" altLang="en-US" dirty="0"/>
+              <a:t>ポータル、ガイドブック、出張相談により、能動的な情報発信</a:t>
+            </a:r>
+          </a:p>
+          <a:p>
+            <a:pPr lvl="2"/>
+            <a:r>
+              <a:rPr kumimoji="1" lang="ja-JP" altLang="en-US" dirty="0"/>
+              <a:t>・</a:t>
+            </a:r>
+            <a:r>
+              <a:rPr kumimoji="1" lang="en-US" altLang="ja-JP" dirty="0"/>
+              <a:t>【</a:t>
+            </a:r>
+            <a:r>
+              <a:rPr kumimoji="1" lang="ja-JP" altLang="en-US" dirty="0"/>
+              <a:t>課題解決</a:t>
+            </a:r>
+            <a:r>
+              <a:rPr kumimoji="1" lang="en-US" altLang="ja-JP" dirty="0"/>
+              <a:t>】</a:t>
+            </a:r>
+            <a:r>
+              <a:rPr kumimoji="1" lang="ja-JP" altLang="en-US" dirty="0"/>
+              <a:t>電話およびメールによる受動的な情報提供</a:t>
+            </a:r>
+          </a:p>
+          <a:p>
+            <a:endParaRPr kumimoji="1" lang="ja-JP" altLang="en-US" dirty="0"/>
+          </a:p>
+        </p:txBody>
+      </p:sp>
+    </p:spTree>
+    <p:extLst>
+      <p:ext uri="{BB962C8B-B14F-4D97-AF65-F5344CB8AC3E}">
+        <p14:creationId xmlns:p14="http://schemas.microsoft.com/office/powerpoint/2010/main" val="1617447080"/>
+      </p:ext>
+    </p:extLst>
+  </p:cSld>
+  <p:clrMapOvr>
+    <a:masterClrMapping/>
+  </p:clrMapOvr>
+</p:sld>
+</file>
+
+<file path=ppt/slides/slide3.xml><?xml version="1.0" encoding="utf-8"?>
+<p:sld xmlns:a="http://schemas.openxmlformats.org/drawingml/2006/main" xmlns:r="http://schemas.openxmlformats.org/officeDocument/2006/relationships" xmlns:p="http://schemas.openxmlformats.org/presentationml/2006/main">
+  <p:cSld>
+    <p:spTree>
+      <p:nvGrpSpPr>
+        <p:cNvPr id="1" name=""/>
+        <p:cNvGrpSpPr/>
+        <p:nvPr/>
+      </p:nvGrpSpPr>
+      <p:grpSpPr>
+        <a:xfrm>
+          <a:off x="0" y="0"/>
+          <a:ext cx="0" cy="0"/>
+          <a:chOff x="0" y="0"/>
+          <a:chExt cx="0" cy="0"/>
+        </a:xfrm>
+      </p:grpSpPr>
+      <p:sp>
+        <p:nvSpPr>
+          <p:cNvPr id="2" name="タイトル 1">
+            <a:extLst>
+              <a:ext uri="{FF2B5EF4-FFF2-40B4-BE49-F238E27FC236}">
+                <a16:creationId xmlns:a16="http://schemas.microsoft.com/office/drawing/2014/main" id="{D164B9ED-CAFB-4DD7-B6FE-19B818460EFA}"/>
+              </a:ext>
+            </a:extLst>
+          </p:cNvPr>
+          <p:cNvSpPr>
+            <a:spLocks noGrp="1"/>
+          </p:cNvSpPr>
+          <p:nvPr>
+            <p:ph type="title"/>
+          </p:nvPr>
+        </p:nvSpPr>
+        <p:spPr/>
+        <p:txBody>
+          <a:bodyPr/>
+          <a:lstStyle/>
+          <a:p>
+            <a:r>
+              <a:rPr kumimoji="1" lang="en-US" altLang="ja-JP" dirty="0"/>
+              <a:t>TCYSS</a:t>
+            </a:r>
+            <a:r>
+              <a:rPr kumimoji="1" lang="ja-JP" altLang="en-US" dirty="0"/>
+              <a:t>普及啓発活動の情報発信</a:t>
+            </a:r>
+          </a:p>
+        </p:txBody>
+      </p:sp>
+      <p:sp>
+        <p:nvSpPr>
+          <p:cNvPr id="3" name="コンテンツ プレースホルダー 2">
+            <a:extLst>
+              <a:ext uri="{FF2B5EF4-FFF2-40B4-BE49-F238E27FC236}">
+                <a16:creationId xmlns:a16="http://schemas.microsoft.com/office/drawing/2014/main" id="{944E5C95-0F9E-48CD-94D4-BB10D5C04A74}"/>
+              </a:ext>
+            </a:extLst>
+          </p:cNvPr>
+          <p:cNvSpPr>
+            <a:spLocks noGrp="1"/>
+          </p:cNvSpPr>
+          <p:nvPr>
+            <p:ph sz="quarter" idx="1"/>
+          </p:nvPr>
+        </p:nvSpPr>
+        <p:spPr/>
+        <p:txBody>
+          <a:bodyPr>
+            <a:normAutofit fontScale="92500" lnSpcReduction="20000"/>
+          </a:bodyPr>
+          <a:lstStyle/>
+          <a:p>
+            <a:r>
+              <a:rPr kumimoji="1" lang="ja-JP" altLang="en-US" dirty="0"/>
+              <a:t>目的</a:t>
+            </a:r>
+            <a:endParaRPr kumimoji="1" lang="en-US" altLang="ja-JP" dirty="0"/>
+          </a:p>
+          <a:p>
+            <a:pPr lvl="1"/>
+            <a:r>
+              <a:rPr kumimoji="1" lang="ja-JP" altLang="en-US" dirty="0"/>
+              <a:t>東京都の多くの中小企業が、</a:t>
+            </a:r>
+            <a:r>
+              <a:rPr kumimoji="1" lang="en-US" altLang="ja-JP" dirty="0"/>
+              <a:t>IT</a:t>
+            </a:r>
+            <a:r>
+              <a:rPr kumimoji="1" lang="ja-JP" altLang="en-US" dirty="0"/>
+              <a:t>を活用したビジネス展開をする際に、セキュリティ問題が阻害要因にならないように</a:t>
+            </a:r>
+            <a:endParaRPr kumimoji="1" lang="en-US" altLang="ja-JP" dirty="0"/>
+          </a:p>
+          <a:p>
+            <a:pPr lvl="1"/>
+            <a:r>
+              <a:rPr lang="ja-JP" altLang="en-US" dirty="0"/>
+              <a:t>そのために、</a:t>
+            </a:r>
+            <a:r>
+              <a:rPr kumimoji="1" lang="ja-JP" altLang="en-US" dirty="0"/>
+              <a:t>多くの中小企業の経営者、管理者に向けて、ポータルサイトから、体系的・網羅的な情報をタイムリーに発信</a:t>
+            </a:r>
+            <a:endParaRPr kumimoji="1" lang="en-US" altLang="ja-JP" dirty="0"/>
+          </a:p>
+          <a:p>
+            <a:r>
+              <a:rPr lang="ja-JP" altLang="en-US" dirty="0"/>
+              <a:t>情報発信の流れ</a:t>
+            </a:r>
+            <a:endParaRPr lang="en-US" altLang="ja-JP" dirty="0"/>
+          </a:p>
+          <a:p>
+            <a:pPr lvl="1"/>
+            <a:r>
+              <a:rPr lang="ja-JP" altLang="en-US" dirty="0"/>
+              <a:t>知識の蓄積</a:t>
+            </a:r>
+            <a:endParaRPr lang="en-US" altLang="ja-JP" dirty="0"/>
+          </a:p>
+          <a:p>
+            <a:pPr lvl="2"/>
+            <a:r>
+              <a:rPr lang="en-US" altLang="ja-JP" dirty="0"/>
+              <a:t>IT</a:t>
+            </a:r>
+            <a:r>
+              <a:rPr lang="ja-JP" altLang="en-US" dirty="0"/>
+              <a:t>・セキュリティに関連した最新情報を、体系的・網羅的に収集、中小企業向けに知識化</a:t>
+            </a:r>
+            <a:endParaRPr lang="en-US" altLang="ja-JP" dirty="0"/>
+          </a:p>
+          <a:p>
+            <a:pPr lvl="1"/>
+            <a:r>
+              <a:rPr lang="ja-JP" altLang="en-US" dirty="0"/>
+              <a:t>知識を広く発信</a:t>
+            </a:r>
+            <a:endParaRPr lang="en-US" altLang="ja-JP" dirty="0"/>
+          </a:p>
+          <a:p>
+            <a:pPr lvl="2"/>
+            <a:r>
+              <a:rPr lang="ja-JP" altLang="en-US" dirty="0"/>
+              <a:t>ポータルサイトから、体系的に整理した知識を、タイムリーに発信</a:t>
+            </a:r>
+            <a:endParaRPr lang="en-US" altLang="ja-JP" dirty="0"/>
+          </a:p>
+          <a:p>
+            <a:pPr lvl="1"/>
+            <a:r>
+              <a:rPr lang="ja-JP" altLang="en-US" dirty="0"/>
+              <a:t>発信情報が広く普及（伝搬）されるようにするために、アクセスルートを増やす</a:t>
+            </a:r>
+            <a:endParaRPr lang="en-US" altLang="ja-JP" dirty="0"/>
+          </a:p>
+          <a:p>
+            <a:pPr lvl="2"/>
+            <a:r>
+              <a:rPr lang="ja-JP" altLang="en-US"/>
+              <a:t>ページの</a:t>
+            </a:r>
+            <a:r>
+              <a:rPr lang="ja-JP" altLang="en-US" dirty="0"/>
+              <a:t>都度更新　⇒　</a:t>
+            </a:r>
+            <a:r>
+              <a:rPr lang="en-US" altLang="ja-JP" dirty="0"/>
+              <a:t>Google</a:t>
+            </a:r>
+            <a:r>
+              <a:rPr lang="ja-JP" altLang="en-US" dirty="0"/>
+              <a:t>検索ロボットが収集</a:t>
+            </a:r>
+            <a:endParaRPr lang="en-US" altLang="ja-JP" dirty="0"/>
+          </a:p>
+          <a:p>
+            <a:pPr lvl="2"/>
+            <a:r>
+              <a:rPr lang="ja-JP" altLang="en-US" dirty="0"/>
+              <a:t>ポータルでの更新内容を「更新情報」に掲載　⇒　</a:t>
+            </a:r>
+            <a:r>
+              <a:rPr lang="en-US" altLang="ja-JP" dirty="0"/>
+              <a:t>Google</a:t>
+            </a:r>
+            <a:r>
+              <a:rPr lang="ja-JP" altLang="en-US" dirty="0"/>
+              <a:t>検索ロボットが収集</a:t>
+            </a:r>
+            <a:endParaRPr lang="en-US" altLang="ja-JP" dirty="0"/>
+          </a:p>
+          <a:p>
+            <a:pPr lvl="2"/>
+            <a:r>
+              <a:rPr lang="ja-JP" altLang="en-US" dirty="0"/>
+              <a:t>「更新情報」を</a:t>
+            </a:r>
+            <a:r>
+              <a:rPr lang="en-US" altLang="ja-JP" dirty="0"/>
+              <a:t>Twitter</a:t>
+            </a:r>
+            <a:r>
+              <a:rPr lang="ja-JP" altLang="en-US" dirty="0"/>
+              <a:t>からツイート　⇒　</a:t>
+            </a:r>
+            <a:r>
+              <a:rPr lang="en-US" altLang="ja-JP" dirty="0"/>
+              <a:t>Retweet</a:t>
+            </a:r>
+            <a:r>
+              <a:rPr lang="ja-JP" altLang="en-US" dirty="0"/>
+              <a:t>、いいね、により広く拡散される</a:t>
+            </a:r>
+            <a:endParaRPr lang="en-US" altLang="ja-JP" dirty="0"/>
+          </a:p>
+          <a:p>
+            <a:pPr lvl="2"/>
+            <a:r>
+              <a:rPr lang="ja-JP" altLang="en-US" dirty="0"/>
+              <a:t>更新内容を「はてなブックマーク」等のソーシャルブックマークに投稿　⇒　タグ検索でリストアップされる</a:t>
+            </a:r>
+            <a:endParaRPr lang="en-US" altLang="ja-JP" dirty="0"/>
+          </a:p>
+          <a:p>
+            <a:pPr lvl="1"/>
+            <a:endParaRPr lang="en-US" altLang="ja-JP" dirty="0"/>
+          </a:p>
+        </p:txBody>
+      </p:sp>
+    </p:spTree>
+    <p:extLst>
+      <p:ext uri="{BB962C8B-B14F-4D97-AF65-F5344CB8AC3E}">
+        <p14:creationId xmlns:p14="http://schemas.microsoft.com/office/powerpoint/2010/main" val="2012617503"/>
+      </p:ext>
+    </p:extLst>
+  </p:cSld>
+  <p:clrMapOvr>
+    <a:masterClrMapping/>
+  </p:clrMapOvr>
+</p:sld>
+</file>
+
+<file path=ppt/slides/slide4.xml><?xml version="1.0" encoding="utf-8"?>
+<p:sld xmlns:a="http://schemas.openxmlformats.org/drawingml/2006/main" xmlns:r="http://schemas.openxmlformats.org/officeDocument/2006/relationships" xmlns:p="http://schemas.openxmlformats.org/presentationml/2006/main">
+  <p:cSld>
+    <p:spTree>
+      <p:nvGrpSpPr>
+        <p:cNvPr id="1" name=""/>
+        <p:cNvGrpSpPr/>
+        <p:nvPr/>
+      </p:nvGrpSpPr>
+      <p:grpSpPr>
+        <a:xfrm>
+          <a:off x="0" y="0"/>
+          <a:ext cx="0" cy="0"/>
+          <a:chOff x="0" y="0"/>
+          <a:chExt cx="0" cy="0"/>
+        </a:xfrm>
+      </p:grpSpPr>
+      <p:sp>
+        <p:nvSpPr>
+          <p:cNvPr id="7" name="タイトル 6">
+            <a:extLst>
+              <a:ext uri="{FF2B5EF4-FFF2-40B4-BE49-F238E27FC236}">
+                <a16:creationId xmlns:a16="http://schemas.microsoft.com/office/drawing/2014/main" id="{C3031618-E23A-4BB8-8D1E-569CAF6C46B2}"/>
+              </a:ext>
+            </a:extLst>
+          </p:cNvPr>
+          <p:cNvSpPr>
+            <a:spLocks noGrp="1"/>
+          </p:cNvSpPr>
+          <p:nvPr>
+            <p:ph type="title"/>
+          </p:nvPr>
+        </p:nvSpPr>
+        <p:spPr/>
+        <p:txBody>
+          <a:bodyPr>
+            <a:normAutofit/>
+          </a:bodyPr>
+          <a:lstStyle/>
+          <a:p>
+            <a:r>
+              <a:rPr lang="en-US" altLang="ja-JP" dirty="0"/>
+              <a:t>IPA</a:t>
+            </a:r>
+            <a:r>
+              <a:rPr lang="ja-JP" altLang="en-US" dirty="0"/>
+              <a:t>安心相談窓口との連携</a:t>
+            </a:r>
+          </a:p>
+        </p:txBody>
+      </p:sp>
+      <p:sp>
+        <p:nvSpPr>
+          <p:cNvPr id="5" name="コンテンツ プレースホルダー 4">
+            <a:extLst>
+              <a:ext uri="{FF2B5EF4-FFF2-40B4-BE49-F238E27FC236}">
+                <a16:creationId xmlns:a16="http://schemas.microsoft.com/office/drawing/2014/main" id="{61265ABD-4F1F-4E88-886B-4F4321275749}"/>
+              </a:ext>
+            </a:extLst>
+          </p:cNvPr>
+          <p:cNvSpPr>
+            <a:spLocks noGrp="1"/>
+          </p:cNvSpPr>
+          <p:nvPr>
+            <p:ph sz="quarter" idx="1"/>
+          </p:nvPr>
+        </p:nvSpPr>
+        <p:spPr/>
+        <p:txBody>
+          <a:bodyPr/>
+          <a:lstStyle/>
+          <a:p>
+            <a:r>
+              <a:rPr lang="en-US" altLang="ja-JP" dirty="0"/>
+              <a:t>IPA</a:t>
+            </a:r>
+            <a:r>
+              <a:rPr lang="ja-JP" altLang="en-US" dirty="0"/>
+              <a:t>提供情報の活用</a:t>
+            </a:r>
+          </a:p>
+          <a:p>
+            <a:r>
+              <a:rPr lang="ja-JP" altLang="en-US" dirty="0"/>
+              <a:t>インターネットでは得られない情報交換</a:t>
+            </a:r>
+          </a:p>
+          <a:p>
+            <a:r>
+              <a:rPr lang="ja-JP" altLang="en-US" dirty="0"/>
+              <a:t>インシデント相談対応時のホットライン</a:t>
+            </a:r>
+          </a:p>
+          <a:p>
+            <a:r>
+              <a:rPr lang="ja-JP" altLang="en-US" dirty="0"/>
+              <a:t>相談対応のための情報交換</a:t>
+            </a:r>
+          </a:p>
+          <a:p>
+            <a:endParaRPr lang="ja-JP" altLang="en-US" dirty="0"/>
+          </a:p>
+        </p:txBody>
+      </p:sp>
+    </p:spTree>
+    <p:extLst>
+      <p:ext uri="{BB962C8B-B14F-4D97-AF65-F5344CB8AC3E}">
+        <p14:creationId xmlns:p14="http://schemas.microsoft.com/office/powerpoint/2010/main" val="536307639"/>
+      </p:ext>
+    </p:extLst>
+  </p:cSld>
+  <p:clrMapOvr>
+    <a:masterClrMapping/>
+  </p:clrMapOvr>
+</p:sld>
+</file>
+
+<file path=ppt/slides/slide5.xml><?xml version="1.0" encoding="utf-8"?>
+<p:sld xmlns:a="http://schemas.openxmlformats.org/drawingml/2006/main" xmlns:r="http://schemas.openxmlformats.org/officeDocument/2006/relationships" xmlns:p="http://schemas.openxmlformats.org/presentationml/2006/main">
+  <p:cSld>
+    <p:spTree>
+      <p:nvGrpSpPr>
+        <p:cNvPr id="1" name=""/>
+        <p:cNvGrpSpPr/>
+        <p:nvPr/>
+      </p:nvGrpSpPr>
+      <p:grpSpPr>
+        <a:xfrm>
+          <a:off x="0" y="0"/>
+          <a:ext cx="0" cy="0"/>
+          <a:chOff x="0" y="0"/>
+          <a:chExt cx="0" cy="0"/>
+        </a:xfrm>
+      </p:grpSpPr>
+      <p:sp>
+        <p:nvSpPr>
+          <p:cNvPr id="2" name="タイトル 1">
+            <a:extLst>
+              <a:ext uri="{FF2B5EF4-FFF2-40B4-BE49-F238E27FC236}">
+                <a16:creationId xmlns:a16="http://schemas.microsoft.com/office/drawing/2014/main" id="{3BFF9547-42F9-4EFB-B975-88A20F70BA04}"/>
+              </a:ext>
+            </a:extLst>
+          </p:cNvPr>
+          <p:cNvSpPr>
+            <a:spLocks noGrp="1"/>
+          </p:cNvSpPr>
+          <p:nvPr>
+            <p:ph type="title"/>
+          </p:nvPr>
+        </p:nvSpPr>
+        <p:spPr/>
+        <p:txBody>
+          <a:bodyPr/>
+          <a:lstStyle/>
+          <a:p>
+            <a:r>
+              <a:rPr kumimoji="1" lang="en-US" altLang="ja-JP" dirty="0"/>
+              <a:t>TCYSS</a:t>
+            </a:r>
+            <a:r>
+              <a:rPr kumimoji="1" lang="ja-JP" altLang="en-US" dirty="0"/>
+              <a:t>としての普及啓発活動の課題</a:t>
+            </a:r>
+          </a:p>
+        </p:txBody>
+      </p:sp>
+      <p:sp>
+        <p:nvSpPr>
+          <p:cNvPr id="3" name="コンテンツ プレースホルダー 2">
+            <a:extLst>
+              <a:ext uri="{FF2B5EF4-FFF2-40B4-BE49-F238E27FC236}">
+                <a16:creationId xmlns:a16="http://schemas.microsoft.com/office/drawing/2014/main" id="{95814EF0-24A1-49F3-BB9C-34D10697261D}"/>
+              </a:ext>
+            </a:extLst>
+          </p:cNvPr>
+          <p:cNvSpPr>
+            <a:spLocks noGrp="1"/>
+          </p:cNvSpPr>
+          <p:nvPr>
+            <p:ph sz="quarter" idx="1"/>
+          </p:nvPr>
+        </p:nvSpPr>
+        <p:spPr/>
+        <p:txBody>
+          <a:bodyPr/>
+          <a:lstStyle/>
+          <a:p>
+            <a:r>
+              <a:rPr kumimoji="1" lang="en-US" altLang="ja-JP" dirty="0"/>
+              <a:t>TCYSS</a:t>
+            </a:r>
+            <a:r>
+              <a:rPr kumimoji="1" lang="ja-JP" altLang="en-US" dirty="0"/>
+              <a:t>課題</a:t>
+            </a:r>
+          </a:p>
+          <a:p>
+            <a:pPr lvl="1"/>
+            <a:r>
+              <a:rPr kumimoji="1" lang="en-US" altLang="ja-JP" dirty="0"/>
+              <a:t>TCYSS</a:t>
+            </a:r>
+            <a:r>
+              <a:rPr kumimoji="1" lang="ja-JP" altLang="en-US" dirty="0"/>
+              <a:t>メンバー間で、意識啓発活動・情報共有・相談体制・事案発生時の相互連携が機能していない</a:t>
+            </a:r>
+            <a:endParaRPr kumimoji="1" lang="en-US" altLang="ja-JP" dirty="0"/>
+          </a:p>
+          <a:p>
+            <a:endParaRPr kumimoji="1" lang="ja-JP" altLang="en-US" dirty="0"/>
+          </a:p>
+          <a:p>
+            <a:endParaRPr kumimoji="1" lang="ja-JP" altLang="en-US" dirty="0"/>
+          </a:p>
+        </p:txBody>
+      </p:sp>
+    </p:spTree>
+    <p:extLst>
+      <p:ext uri="{BB962C8B-B14F-4D97-AF65-F5344CB8AC3E}">
+        <p14:creationId xmlns:p14="http://schemas.microsoft.com/office/powerpoint/2010/main" val="3502568733"/>
       </p:ext>
     </p:extLst>
   </p:cSld>

--- a/Cyber/TCYSSでの情報収集・蓄積と発信.pptx
+++ b/Cyber/TCYSSでの情報収集・蓄積と発信.pptx
@@ -5,7 +5,7 @@
     <p:sldMasterId id="2147483756" r:id="rId1"/>
   </p:sldMasterIdLst>
   <p:notesMasterIdLst>
-    <p:notesMasterId r:id="rId7"/>
+    <p:notesMasterId r:id="rId8"/>
   </p:notesMasterIdLst>
   <p:sldIdLst>
     <p:sldId id="701" r:id="rId2"/>
@@ -13,9 +13,10 @@
     <p:sldId id="704" r:id="rId4"/>
     <p:sldId id="702" r:id="rId5"/>
     <p:sldId id="705" r:id="rId6"/>
+    <p:sldId id="706" r:id="rId7"/>
   </p:sldIdLst>
   <p:sldSz cx="12192000" cy="6858000"/>
-  <p:notesSz cx="6858000" cy="9945688"/>
+  <p:notesSz cx="7099300" cy="10234613"/>
   <p:custShowLst>
     <p:custShow name="TP&amp;Dフォーラム" id="0">
       <p:sldLst/>
@@ -150,61 +151,23 @@
 <pc:chgInfo xmlns:a="http://schemas.openxmlformats.org/drawingml/2006/main" xmlns:r="http://schemas.openxmlformats.org/officeDocument/2006/relationships" xmlns:ac="http://schemas.microsoft.com/office/drawing/2013/main/command" xmlns:pc="http://schemas.microsoft.com/office/powerpoint/2013/main/command">
   <pc:docChgLst>
     <pc:chgData name="Masaki Nakayama" userId="7eabd57b-b900-4e86-8622-e94bcfa04d00" providerId="ADAL" clId="{94C1CCE3-75C0-40D3-B12F-B54977995DC0}"/>
-    <pc:docChg chg="addSld modSld">
-      <pc:chgData name="Masaki Nakayama" userId="7eabd57b-b900-4e86-8622-e94bcfa04d00" providerId="ADAL" clId="{94C1CCE3-75C0-40D3-B12F-B54977995DC0}" dt="2021-09-21T06:12:38.257" v="212" actId="20577"/>
+    <pc:docChg chg="modSld modNotesMaster">
+      <pc:chgData name="Masaki Nakayama" userId="7eabd57b-b900-4e86-8622-e94bcfa04d00" providerId="ADAL" clId="{94C1CCE3-75C0-40D3-B12F-B54977995DC0}" dt="2021-09-25T06:57:05.201" v="11" actId="20577"/>
       <pc:docMkLst>
         <pc:docMk/>
       </pc:docMkLst>
-      <pc:sldChg chg="addSp modSp mod">
-        <pc:chgData name="Masaki Nakayama" userId="7eabd57b-b900-4e86-8622-e94bcfa04d00" providerId="ADAL" clId="{94C1CCE3-75C0-40D3-B12F-B54977995DC0}" dt="2021-09-21T06:04:38.330" v="139" actId="1076"/>
+      <pc:sldChg chg="modSp mod">
+        <pc:chgData name="Masaki Nakayama" userId="7eabd57b-b900-4e86-8622-e94bcfa04d00" providerId="ADAL" clId="{94C1CCE3-75C0-40D3-B12F-B54977995DC0}" dt="2021-09-25T06:57:05.201" v="11" actId="20577"/>
         <pc:sldMkLst>
           <pc:docMk/>
-          <pc:sldMk cId="3444483772" sldId="701"/>
+          <pc:sldMk cId="3637951982" sldId="706"/>
         </pc:sldMkLst>
-        <pc:spChg chg="add mod">
-          <ac:chgData name="Masaki Nakayama" userId="7eabd57b-b900-4e86-8622-e94bcfa04d00" providerId="ADAL" clId="{94C1CCE3-75C0-40D3-B12F-B54977995DC0}" dt="2021-09-21T06:04:38.330" v="139" actId="1076"/>
+        <pc:spChg chg="mod">
+          <ac:chgData name="Masaki Nakayama" userId="7eabd57b-b900-4e86-8622-e94bcfa04d00" providerId="ADAL" clId="{94C1CCE3-75C0-40D3-B12F-B54977995DC0}" dt="2021-09-25T06:57:05.201" v="11" actId="20577"/>
           <ac:spMkLst>
             <pc:docMk/>
-            <pc:sldMk cId="3444483772" sldId="701"/>
-            <ac:spMk id="91" creationId="{7A5D9C35-C4F6-45CF-BDC8-1F9E889D4ACE}"/>
-          </ac:spMkLst>
-        </pc:spChg>
-      </pc:sldChg>
-      <pc:sldChg chg="modSp mod">
-        <pc:chgData name="Masaki Nakayama" userId="7eabd57b-b900-4e86-8622-e94bcfa04d00" providerId="ADAL" clId="{94C1CCE3-75C0-40D3-B12F-B54977995DC0}" dt="2021-09-21T06:12:38.257" v="212" actId="20577"/>
-        <pc:sldMkLst>
-          <pc:docMk/>
-          <pc:sldMk cId="2012617503" sldId="704"/>
-        </pc:sldMkLst>
-        <pc:spChg chg="mod">
-          <ac:chgData name="Masaki Nakayama" userId="7eabd57b-b900-4e86-8622-e94bcfa04d00" providerId="ADAL" clId="{94C1CCE3-75C0-40D3-B12F-B54977995DC0}" dt="2021-09-21T06:12:38.257" v="212" actId="20577"/>
-          <ac:spMkLst>
-            <pc:docMk/>
-            <pc:sldMk cId="2012617503" sldId="704"/>
-            <ac:spMk id="3" creationId="{944E5C95-0F9E-48CD-94D4-BB10D5C04A74}"/>
-          </ac:spMkLst>
-        </pc:spChg>
-      </pc:sldChg>
-      <pc:sldChg chg="modSp new mod">
-        <pc:chgData name="Masaki Nakayama" userId="7eabd57b-b900-4e86-8622-e94bcfa04d00" providerId="ADAL" clId="{94C1CCE3-75C0-40D3-B12F-B54977995DC0}" dt="2021-09-21T01:38:47.452" v="73" actId="20577"/>
-        <pc:sldMkLst>
-          <pc:docMk/>
-          <pc:sldMk cId="3502568733" sldId="705"/>
-        </pc:sldMkLst>
-        <pc:spChg chg="mod">
-          <ac:chgData name="Masaki Nakayama" userId="7eabd57b-b900-4e86-8622-e94bcfa04d00" providerId="ADAL" clId="{94C1CCE3-75C0-40D3-B12F-B54977995DC0}" dt="2021-09-21T01:18:33.249" v="45" actId="20577"/>
-          <ac:spMkLst>
-            <pc:docMk/>
-            <pc:sldMk cId="3502568733" sldId="705"/>
-            <ac:spMk id="2" creationId="{3BFF9547-42F9-4EFB-B975-88A20F70BA04}"/>
-          </ac:spMkLst>
-        </pc:spChg>
-        <pc:spChg chg="mod">
-          <ac:chgData name="Masaki Nakayama" userId="7eabd57b-b900-4e86-8622-e94bcfa04d00" providerId="ADAL" clId="{94C1CCE3-75C0-40D3-B12F-B54977995DC0}" dt="2021-09-21T01:38:47.452" v="73" actId="20577"/>
-          <ac:spMkLst>
-            <pc:docMk/>
-            <pc:sldMk cId="3502568733" sldId="705"/>
-            <ac:spMk id="3" creationId="{95814EF0-24A1-49F3-BB9C-34D10697261D}"/>
+            <pc:sldMk cId="3637951982" sldId="706"/>
+            <ac:spMk id="2" creationId="{B7881B44-6628-4C37-9E69-A3822D175747}"/>
           </ac:spMkLst>
         </pc:spChg>
       </pc:sldChg>
@@ -247,15 +210,15 @@
         </p:nvSpPr>
         <p:spPr>
           <a:xfrm>
-            <a:off x="1" y="0"/>
-            <a:ext cx="2971799" cy="499012"/>
+            <a:off x="2" y="0"/>
+            <a:ext cx="3076362" cy="513508"/>
           </a:xfrm>
           <a:prstGeom prst="rect">
             <a:avLst/>
           </a:prstGeom>
         </p:spPr>
         <p:txBody>
-          <a:bodyPr vert="horz" lIns="96012" tIns="48007" rIns="96012" bIns="48007" rtlCol="0"/>
+          <a:bodyPr vert="horz" lIns="99036" tIns="49519" rIns="99036" bIns="49519" rtlCol="0"/>
           <a:lstStyle>
             <a:lvl1pPr algn="l">
               <a:defRPr sz="1200"/>
@@ -278,15 +241,15 @@
         </p:nvSpPr>
         <p:spPr>
           <a:xfrm>
-            <a:off x="3884615" y="0"/>
-            <a:ext cx="2971799" cy="499012"/>
+            <a:off x="4021297" y="0"/>
+            <a:ext cx="3076362" cy="513508"/>
           </a:xfrm>
           <a:prstGeom prst="rect">
             <a:avLst/>
           </a:prstGeom>
         </p:spPr>
         <p:txBody>
-          <a:bodyPr vert="horz" lIns="96012" tIns="48007" rIns="96012" bIns="48007" rtlCol="0"/>
+          <a:bodyPr vert="horz" lIns="99036" tIns="49519" rIns="99036" bIns="49519" rtlCol="0"/>
           <a:lstStyle>
             <a:lvl1pPr algn="r">
               <a:defRPr sz="1200"/>
@@ -295,7 +258,7 @@
           <a:p>
             <a:fld id="{B377335C-6462-4247-BEFA-CD97B67177F9}" type="datetimeFigureOut">
               <a:rPr kumimoji="1" lang="ja-JP" altLang="en-US" smtClean="0"/>
-              <a:t>2021/9/21</a:t>
+              <a:t>2021/9/24</a:t>
             </a:fld>
             <a:endParaRPr kumimoji="1" lang="ja-JP" altLang="en-US"/>
           </a:p>
@@ -313,8 +276,8 @@
         </p:nvSpPr>
         <p:spPr>
           <a:xfrm>
-            <a:off x="444500" y="1243013"/>
-            <a:ext cx="5970588" cy="3357562"/>
+            <a:off x="479425" y="1279525"/>
+            <a:ext cx="6142038" cy="3454400"/>
           </a:xfrm>
           <a:prstGeom prst="rect">
             <a:avLst/>
@@ -327,7 +290,7 @@
           </a:ln>
         </p:spPr>
         <p:txBody>
-          <a:bodyPr vert="horz" lIns="96012" tIns="48007" rIns="96012" bIns="48007" rtlCol="0" anchor="ctr"/>
+          <a:bodyPr vert="horz" lIns="99036" tIns="49519" rIns="99036" bIns="49519" rtlCol="0" anchor="ctr"/>
           <a:lstStyle/>
           <a:p>
             <a:endParaRPr lang="ja-JP" altLang="en-US"/>
@@ -346,15 +309,15 @@
         </p:nvSpPr>
         <p:spPr>
           <a:xfrm>
-            <a:off x="685801" y="4786363"/>
-            <a:ext cx="5486400" cy="3916115"/>
+            <a:off x="709931" y="4925409"/>
+            <a:ext cx="5679440" cy="4029879"/>
           </a:xfrm>
           <a:prstGeom prst="rect">
             <a:avLst/>
           </a:prstGeom>
         </p:spPr>
         <p:txBody>
-          <a:bodyPr vert="horz" lIns="96012" tIns="48007" rIns="96012" bIns="48007" rtlCol="0"/>
+          <a:bodyPr vert="horz" lIns="99036" tIns="49519" rIns="99036" bIns="49519" rtlCol="0"/>
           <a:lstStyle/>
           <a:p>
             <a:pPr lvl="0"/>
@@ -437,15 +400,15 @@
         </p:nvSpPr>
         <p:spPr>
           <a:xfrm>
-            <a:off x="1" y="9446678"/>
-            <a:ext cx="2971799" cy="499011"/>
+            <a:off x="2" y="9721107"/>
+            <a:ext cx="3076362" cy="513507"/>
           </a:xfrm>
           <a:prstGeom prst="rect">
             <a:avLst/>
           </a:prstGeom>
         </p:spPr>
         <p:txBody>
-          <a:bodyPr vert="horz" lIns="96012" tIns="48007" rIns="96012" bIns="48007" rtlCol="0" anchor="b"/>
+          <a:bodyPr vert="horz" lIns="99036" tIns="49519" rIns="99036" bIns="49519" rtlCol="0" anchor="b"/>
           <a:lstStyle>
             <a:lvl1pPr algn="l">
               <a:defRPr sz="1200"/>
@@ -468,15 +431,15 @@
         </p:nvSpPr>
         <p:spPr>
           <a:xfrm>
-            <a:off x="3884615" y="9446678"/>
-            <a:ext cx="2971799" cy="499011"/>
+            <a:off x="4021297" y="9721107"/>
+            <a:ext cx="3076362" cy="513507"/>
           </a:xfrm>
           <a:prstGeom prst="rect">
             <a:avLst/>
           </a:prstGeom>
         </p:spPr>
         <p:txBody>
-          <a:bodyPr vert="horz" lIns="96012" tIns="48007" rIns="96012" bIns="48007" rtlCol="0" anchor="b"/>
+          <a:bodyPr vert="horz" lIns="99036" tIns="49519" rIns="99036" bIns="49519" rtlCol="0" anchor="b"/>
           <a:lstStyle>
             <a:lvl1pPr algn="r">
               <a:defRPr sz="1200"/>
@@ -738,7 +701,7 @@
             <a:fld id="{DD2B6372-1A88-4F0C-86B1-FCF70832C42C}" type="datetimeFigureOut">
               <a:rPr lang="ja-JP" altLang="en-US" smtClean="0"/>
               <a:pPr/>
-              <a:t>2021/9/21</a:t>
+              <a:t>2021/9/24</a:t>
             </a:fld>
             <a:endParaRPr lang="ja-JP" altLang="en-US"/>
           </a:p>
@@ -1131,7 +1094,7 @@
             <a:fld id="{DD2B6372-1A88-4F0C-86B1-FCF70832C42C}" type="datetimeFigureOut">
               <a:rPr lang="ja-JP" altLang="en-US" smtClean="0"/>
               <a:pPr/>
-              <a:t>2021/9/21</a:t>
+              <a:t>2021/9/24</a:t>
             </a:fld>
             <a:endParaRPr lang="ja-JP" altLang="en-US"/>
           </a:p>
@@ -1340,7 +1303,7 @@
             <a:fld id="{DD2B6372-1A88-4F0C-86B1-FCF70832C42C}" type="datetimeFigureOut">
               <a:rPr lang="ja-JP" altLang="en-US" smtClean="0"/>
               <a:pPr/>
-              <a:t>2021/9/21</a:t>
+              <a:t>2021/9/24</a:t>
             </a:fld>
             <a:endParaRPr lang="ja-JP" altLang="en-US"/>
           </a:p>
@@ -1577,7 +1540,7 @@
             <a:fld id="{DD2B6372-1A88-4F0C-86B1-FCF70832C42C}" type="datetimeFigureOut">
               <a:rPr lang="ja-JP" altLang="en-US" smtClean="0"/>
               <a:pPr/>
-              <a:t>2021/9/21</a:t>
+              <a:t>2021/9/24</a:t>
             </a:fld>
             <a:endParaRPr lang="ja-JP" altLang="en-US"/>
           </a:p>
@@ -1880,7 +1843,7 @@
             <a:fld id="{DD2B6372-1A88-4F0C-86B1-FCF70832C42C}" type="datetimeFigureOut">
               <a:rPr lang="ja-JP" altLang="en-US" smtClean="0"/>
               <a:pPr/>
-              <a:t>2021/9/21</a:t>
+              <a:t>2021/9/24</a:t>
             </a:fld>
             <a:endParaRPr lang="ja-JP" altLang="en-US"/>
           </a:p>
@@ -2102,7 +2065,7 @@
             <a:fld id="{DD2B6372-1A88-4F0C-86B1-FCF70832C42C}" type="datetimeFigureOut">
               <a:rPr lang="ja-JP" altLang="en-US" smtClean="0"/>
               <a:pPr/>
-              <a:t>2021/9/21</a:t>
+              <a:t>2021/9/24</a:t>
             </a:fld>
             <a:endParaRPr lang="ja-JP" altLang="en-US"/>
           </a:p>
@@ -2520,7 +2483,7 @@
             <a:fld id="{DD2B6372-1A88-4F0C-86B1-FCF70832C42C}" type="datetimeFigureOut">
               <a:rPr lang="ja-JP" altLang="en-US" smtClean="0"/>
               <a:pPr/>
-              <a:t>2021/9/21</a:t>
+              <a:t>2021/9/24</a:t>
             </a:fld>
             <a:endParaRPr lang="ja-JP" altLang="en-US"/>
           </a:p>
@@ -2818,7 +2781,7 @@
             <a:fld id="{DD2B6372-1A88-4F0C-86B1-FCF70832C42C}" type="datetimeFigureOut">
               <a:rPr lang="ja-JP" altLang="en-US" smtClean="0"/>
               <a:pPr/>
-              <a:t>2021/9/21</a:t>
+              <a:t>2021/9/24</a:t>
             </a:fld>
             <a:endParaRPr lang="ja-JP" altLang="en-US"/>
           </a:p>
@@ -2960,7 +2923,7 @@
             <a:fld id="{DD2B6372-1A88-4F0C-86B1-FCF70832C42C}" type="datetimeFigureOut">
               <a:rPr lang="ja-JP" altLang="en-US" smtClean="0"/>
               <a:pPr/>
-              <a:t>2021/9/21</a:t>
+              <a:t>2021/9/24</a:t>
             </a:fld>
             <a:endParaRPr lang="ja-JP" altLang="en-US"/>
           </a:p>
@@ -3239,7 +3202,7 @@
             <a:fld id="{DD2B6372-1A88-4F0C-86B1-FCF70832C42C}" type="datetimeFigureOut">
               <a:rPr lang="ja-JP" altLang="en-US" smtClean="0"/>
               <a:pPr/>
-              <a:t>2021/9/21</a:t>
+              <a:t>2021/9/24</a:t>
             </a:fld>
             <a:endParaRPr lang="ja-JP" altLang="en-US"/>
           </a:p>
@@ -3680,7 +3643,7 @@
             <a:fld id="{DD2B6372-1A88-4F0C-86B1-FCF70832C42C}" type="datetimeFigureOut">
               <a:rPr lang="ja-JP" altLang="en-US" smtClean="0"/>
               <a:pPr/>
-              <a:t>2021/9/21</a:t>
+              <a:t>2021/9/24</a:t>
             </a:fld>
             <a:endParaRPr lang="ja-JP" altLang="en-US"/>
           </a:p>
@@ -4052,7 +4015,7 @@
             <a:fld id="{DD2B6372-1A88-4F0C-86B1-FCF70832C42C}" type="datetimeFigureOut">
               <a:rPr lang="ja-JP" altLang="en-US" smtClean="0"/>
               <a:pPr/>
-              <a:t>2021/9/21</a:t>
+              <a:t>2021/9/24</a:t>
             </a:fld>
             <a:endParaRPr lang="ja-JP" altLang="en-US"/>
           </a:p>
@@ -9455,6 +9418,857 @@
     <p:extLst>
       <p:ext uri="{BB962C8B-B14F-4D97-AF65-F5344CB8AC3E}">
         <p14:creationId xmlns:p14="http://schemas.microsoft.com/office/powerpoint/2010/main" val="3502568733"/>
+      </p:ext>
+    </p:extLst>
+  </p:cSld>
+  <p:clrMapOvr>
+    <a:masterClrMapping/>
+  </p:clrMapOvr>
+</p:sld>
+</file>
+
+<file path=ppt/slides/slide6.xml><?xml version="1.0" encoding="utf-8"?>
+<p:sld xmlns:a="http://schemas.openxmlformats.org/drawingml/2006/main" xmlns:r="http://schemas.openxmlformats.org/officeDocument/2006/relationships" xmlns:p="http://schemas.openxmlformats.org/presentationml/2006/main">
+  <p:cSld>
+    <p:spTree>
+      <p:nvGrpSpPr>
+        <p:cNvPr id="1" name=""/>
+        <p:cNvGrpSpPr/>
+        <p:nvPr/>
+      </p:nvGrpSpPr>
+      <p:grpSpPr>
+        <a:xfrm>
+          <a:off x="0" y="0"/>
+          <a:ext cx="0" cy="0"/>
+          <a:chOff x="0" y="0"/>
+          <a:chExt cx="0" cy="0"/>
+        </a:xfrm>
+      </p:grpSpPr>
+      <p:sp>
+        <p:nvSpPr>
+          <p:cNvPr id="2" name="タイトル 1">
+            <a:extLst>
+              <a:ext uri="{FF2B5EF4-FFF2-40B4-BE49-F238E27FC236}">
+                <a16:creationId xmlns:a16="http://schemas.microsoft.com/office/drawing/2014/main" id="{B7881B44-6628-4C37-9E69-A3822D175747}"/>
+              </a:ext>
+            </a:extLst>
+          </p:cNvPr>
+          <p:cNvSpPr>
+            <a:spLocks noGrp="1"/>
+          </p:cNvSpPr>
+          <p:nvPr>
+            <p:ph type="title"/>
+          </p:nvPr>
+        </p:nvSpPr>
+        <p:spPr/>
+        <p:txBody>
+          <a:bodyPr/>
+          <a:lstStyle/>
+          <a:p>
+            <a:r>
+              <a:rPr kumimoji="1" lang="ja-JP" altLang="en-US" dirty="0">
+                <a:latin typeface="Meiryo UI" panose="020B0604030504040204" pitchFamily="50" charset="-128"/>
+                <a:ea typeface="Meiryo UI" panose="020B0604030504040204" pitchFamily="50" charset="-128"/>
+              </a:rPr>
+              <a:t>ポータルサイト「セキュリティの部屋」に新しいセクション追加</a:t>
+            </a:r>
+          </a:p>
+        </p:txBody>
+      </p:sp>
+      <p:sp>
+        <p:nvSpPr>
+          <p:cNvPr id="3" name="コンテンツ プレースホルダー 2">
+            <a:extLst>
+              <a:ext uri="{FF2B5EF4-FFF2-40B4-BE49-F238E27FC236}">
+                <a16:creationId xmlns:a16="http://schemas.microsoft.com/office/drawing/2014/main" id="{895F44FD-2993-4D31-862C-846A4E38DD72}"/>
+              </a:ext>
+            </a:extLst>
+          </p:cNvPr>
+          <p:cNvSpPr>
+            <a:spLocks noGrp="1"/>
+          </p:cNvSpPr>
+          <p:nvPr>
+            <p:ph sz="quarter" idx="1"/>
+          </p:nvPr>
+        </p:nvSpPr>
+        <p:spPr>
+          <a:xfrm>
+            <a:off x="609600" y="1219200"/>
+            <a:ext cx="5388864" cy="5509146"/>
+          </a:xfrm>
+        </p:spPr>
+        <p:txBody>
+          <a:bodyPr>
+            <a:normAutofit fontScale="70000" lnSpcReduction="20000"/>
+          </a:bodyPr>
+          <a:lstStyle/>
+          <a:p>
+            <a:r>
+              <a:rPr kumimoji="1" lang="ja-JP" altLang="en-US" dirty="0">
+                <a:latin typeface="Meiryo UI" panose="020B0604030504040204" pitchFamily="50" charset="-128"/>
+                <a:ea typeface="Meiryo UI" panose="020B0604030504040204" pitchFamily="50" charset="-128"/>
+              </a:rPr>
+              <a:t>「セキュリティの部屋」</a:t>
+            </a:r>
+            <a:endParaRPr kumimoji="1" lang="en-US" altLang="ja-JP" dirty="0">
+              <a:latin typeface="Meiryo UI" panose="020B0604030504040204" pitchFamily="50" charset="-128"/>
+              <a:ea typeface="Meiryo UI" panose="020B0604030504040204" pitchFamily="50" charset="-128"/>
+            </a:endParaRPr>
+          </a:p>
+          <a:p>
+            <a:pPr lvl="1"/>
+            <a:r>
+              <a:rPr kumimoji="1" lang="ja-JP" altLang="en-US" dirty="0">
+                <a:latin typeface="Meiryo UI" panose="020B0604030504040204" pitchFamily="50" charset="-128"/>
+                <a:ea typeface="Meiryo UI" panose="020B0604030504040204" pitchFamily="50" charset="-128"/>
+              </a:rPr>
+              <a:t>①ガイドブック</a:t>
+            </a:r>
+            <a:endParaRPr kumimoji="1" lang="en-US" altLang="ja-JP" dirty="0">
+              <a:latin typeface="Meiryo UI" panose="020B0604030504040204" pitchFamily="50" charset="-128"/>
+              <a:ea typeface="Meiryo UI" panose="020B0604030504040204" pitchFamily="50" charset="-128"/>
+            </a:endParaRPr>
+          </a:p>
+          <a:p>
+            <a:pPr lvl="1"/>
+            <a:r>
+              <a:rPr kumimoji="1" lang="ja-JP" altLang="en-US" dirty="0">
+                <a:latin typeface="Meiryo UI" panose="020B0604030504040204" pitchFamily="50" charset="-128"/>
+                <a:ea typeface="Meiryo UI" panose="020B0604030504040204" pitchFamily="50" charset="-128"/>
+              </a:rPr>
+              <a:t>②～④サイバー脅威情報、東京都の取組、外部の情報紹介</a:t>
+            </a:r>
+            <a:endParaRPr kumimoji="1" lang="en-US" altLang="ja-JP" dirty="0">
+              <a:latin typeface="Meiryo UI" panose="020B0604030504040204" pitchFamily="50" charset="-128"/>
+              <a:ea typeface="Meiryo UI" panose="020B0604030504040204" pitchFamily="50" charset="-128"/>
+            </a:endParaRPr>
+          </a:p>
+          <a:p>
+            <a:pPr lvl="1"/>
+            <a:r>
+              <a:rPr kumimoji="1" lang="ja-JP" altLang="en-US" dirty="0">
+                <a:latin typeface="Meiryo UI" panose="020B0604030504040204" pitchFamily="50" charset="-128"/>
+                <a:ea typeface="Meiryo UI" panose="020B0604030504040204" pitchFamily="50" charset="-128"/>
+              </a:rPr>
+              <a:t>⑤</a:t>
+            </a:r>
+            <a:r>
+              <a:rPr kumimoji="1" lang="en-US" altLang="ja-JP" dirty="0">
+                <a:latin typeface="Meiryo UI" panose="020B0604030504040204" pitchFamily="50" charset="-128"/>
+                <a:ea typeface="Meiryo UI" panose="020B0604030504040204" pitchFamily="50" charset="-128"/>
+              </a:rPr>
+              <a:t>【</a:t>
+            </a:r>
+            <a:r>
+              <a:rPr kumimoji="1" lang="ja-JP" altLang="en-US" dirty="0">
+                <a:latin typeface="Meiryo UI" panose="020B0604030504040204" pitchFamily="50" charset="-128"/>
+                <a:ea typeface="Meiryo UI" panose="020B0604030504040204" pitchFamily="50" charset="-128"/>
+              </a:rPr>
+              <a:t>新設</a:t>
+            </a:r>
+            <a:r>
+              <a:rPr kumimoji="1" lang="en-US" altLang="ja-JP" dirty="0">
+                <a:latin typeface="Meiryo UI" panose="020B0604030504040204" pitchFamily="50" charset="-128"/>
+                <a:ea typeface="Meiryo UI" panose="020B0604030504040204" pitchFamily="50" charset="-128"/>
+              </a:rPr>
+              <a:t>】</a:t>
+            </a:r>
+            <a:r>
+              <a:rPr kumimoji="1" lang="ja-JP" altLang="en-US" dirty="0">
+                <a:solidFill>
+                  <a:srgbClr val="FF0000"/>
+                </a:solidFill>
+                <a:latin typeface="Meiryo UI" panose="020B0604030504040204" pitchFamily="50" charset="-128"/>
+                <a:ea typeface="Meiryo UI" panose="020B0604030504040204" pitchFamily="50" charset="-128"/>
+              </a:rPr>
+              <a:t>セキュリティ関連ナレッジベース</a:t>
+            </a:r>
+            <a:r>
+              <a:rPr kumimoji="1" lang="en-US" altLang="ja-JP" dirty="0">
+                <a:solidFill>
+                  <a:srgbClr val="FF0000"/>
+                </a:solidFill>
+                <a:latin typeface="Meiryo UI" panose="020B0604030504040204" pitchFamily="50" charset="-128"/>
+                <a:ea typeface="Meiryo UI" panose="020B0604030504040204" pitchFamily="50" charset="-128"/>
+              </a:rPr>
+              <a:t>【</a:t>
+            </a:r>
+            <a:r>
+              <a:rPr kumimoji="1" lang="ja-JP" altLang="en-US" dirty="0">
+                <a:solidFill>
+                  <a:srgbClr val="FF0000"/>
+                </a:solidFill>
+                <a:latin typeface="Meiryo UI" panose="020B0604030504040204" pitchFamily="50" charset="-128"/>
+                <a:ea typeface="Meiryo UI" panose="020B0604030504040204" pitchFamily="50" charset="-128"/>
+              </a:rPr>
+              <a:t>工事中</a:t>
+            </a:r>
+            <a:r>
+              <a:rPr kumimoji="1" lang="en-US" altLang="ja-JP" dirty="0">
+                <a:solidFill>
+                  <a:srgbClr val="FF0000"/>
+                </a:solidFill>
+                <a:latin typeface="Meiryo UI" panose="020B0604030504040204" pitchFamily="50" charset="-128"/>
+                <a:ea typeface="Meiryo UI" panose="020B0604030504040204" pitchFamily="50" charset="-128"/>
+              </a:rPr>
+              <a:t>】</a:t>
+            </a:r>
+          </a:p>
+          <a:p>
+            <a:pPr lvl="3"/>
+            <a:r>
+              <a:rPr kumimoji="1" lang="en-US" altLang="ja-JP" dirty="0">
+                <a:latin typeface="Meiryo UI" panose="020B0604030504040204" pitchFamily="50" charset="-128"/>
+                <a:ea typeface="Meiryo UI" panose="020B0604030504040204" pitchFamily="50" charset="-128"/>
+                <a:hlinkClick r:id="rId2"/>
+              </a:rPr>
+              <a:t>https://cybersecurity-tokyo.jp/security/KnowLedge</a:t>
+            </a:r>
+            <a:endParaRPr kumimoji="1" lang="en-US" altLang="ja-JP" dirty="0">
+              <a:latin typeface="Meiryo UI" panose="020B0604030504040204" pitchFamily="50" charset="-128"/>
+              <a:ea typeface="Meiryo UI" panose="020B0604030504040204" pitchFamily="50" charset="-128"/>
+            </a:endParaRPr>
+          </a:p>
+          <a:p>
+            <a:pPr lvl="2"/>
+            <a:r>
+              <a:rPr kumimoji="1" lang="ja-JP" altLang="en-US" dirty="0">
+                <a:solidFill>
+                  <a:srgbClr val="FF0000"/>
+                </a:solidFill>
+                <a:latin typeface="Meiryo UI" panose="020B0604030504040204" pitchFamily="50" charset="-128"/>
+                <a:ea typeface="Meiryo UI" panose="020B0604030504040204" pitchFamily="50" charset="-128"/>
+              </a:rPr>
+              <a:t>ガイドブック内容解説（虎の巻）</a:t>
+            </a:r>
+          </a:p>
+          <a:p>
+            <a:pPr lvl="2"/>
+            <a:r>
+              <a:rPr kumimoji="1" lang="ja-JP" altLang="en-US" dirty="0">
+                <a:solidFill>
+                  <a:srgbClr val="FF0000"/>
+                </a:solidFill>
+                <a:latin typeface="Meiryo UI" panose="020B0604030504040204" pitchFamily="50" charset="-128"/>
+                <a:ea typeface="Meiryo UI" panose="020B0604030504040204" pitchFamily="50" charset="-128"/>
+              </a:rPr>
+              <a:t>国等の施策・計画文書・白書・解説書</a:t>
+            </a:r>
+          </a:p>
+          <a:p>
+            <a:pPr lvl="2"/>
+            <a:r>
+              <a:rPr kumimoji="1" lang="ja-JP" altLang="en-US" dirty="0">
+                <a:solidFill>
+                  <a:srgbClr val="FF0000"/>
+                </a:solidFill>
+                <a:latin typeface="Meiryo UI" panose="020B0604030504040204" pitchFamily="50" charset="-128"/>
+                <a:ea typeface="Meiryo UI" panose="020B0604030504040204" pitchFamily="50" charset="-128"/>
+              </a:rPr>
+              <a:t>参考情報</a:t>
+            </a:r>
+            <a:r>
+              <a:rPr kumimoji="1" lang="en-US" altLang="ja-JP" dirty="0">
+                <a:solidFill>
+                  <a:srgbClr val="FF0000"/>
+                </a:solidFill>
+                <a:latin typeface="Meiryo UI" panose="020B0604030504040204" pitchFamily="50" charset="-128"/>
+                <a:ea typeface="Meiryo UI" panose="020B0604030504040204" pitchFamily="50" charset="-128"/>
+              </a:rPr>
+              <a:t>【</a:t>
+            </a:r>
+            <a:r>
+              <a:rPr kumimoji="1" lang="ja-JP" altLang="en-US" dirty="0">
+                <a:solidFill>
+                  <a:srgbClr val="FF0000"/>
+                </a:solidFill>
+                <a:latin typeface="Meiryo UI" panose="020B0604030504040204" pitchFamily="50" charset="-128"/>
+                <a:ea typeface="Meiryo UI" panose="020B0604030504040204" pitchFamily="50" charset="-128"/>
+              </a:rPr>
+              <a:t>経営者、管理者向け</a:t>
+            </a:r>
+            <a:r>
+              <a:rPr kumimoji="1" lang="en-US" altLang="ja-JP" dirty="0">
+                <a:solidFill>
+                  <a:srgbClr val="FF0000"/>
+                </a:solidFill>
+                <a:latin typeface="Meiryo UI" panose="020B0604030504040204" pitchFamily="50" charset="-128"/>
+                <a:ea typeface="Meiryo UI" panose="020B0604030504040204" pitchFamily="50" charset="-128"/>
+              </a:rPr>
+              <a:t>】</a:t>
+            </a:r>
+          </a:p>
+          <a:p>
+            <a:pPr lvl="2"/>
+            <a:r>
+              <a:rPr kumimoji="1" lang="ja-JP" altLang="en-US" dirty="0">
+                <a:solidFill>
+                  <a:srgbClr val="FF0000"/>
+                </a:solidFill>
+                <a:latin typeface="Meiryo UI" panose="020B0604030504040204" pitchFamily="50" charset="-128"/>
+                <a:ea typeface="Meiryo UI" panose="020B0604030504040204" pitchFamily="50" charset="-128"/>
+              </a:rPr>
+              <a:t>参考情報</a:t>
+            </a:r>
+            <a:r>
+              <a:rPr kumimoji="1" lang="en-US" altLang="ja-JP" dirty="0">
+                <a:solidFill>
+                  <a:srgbClr val="FF0000"/>
+                </a:solidFill>
+                <a:latin typeface="Meiryo UI" panose="020B0604030504040204" pitchFamily="50" charset="-128"/>
+                <a:ea typeface="Meiryo UI" panose="020B0604030504040204" pitchFamily="50" charset="-128"/>
+              </a:rPr>
+              <a:t>【</a:t>
+            </a:r>
+            <a:r>
+              <a:rPr kumimoji="1" lang="ja-JP" altLang="en-US" dirty="0">
+                <a:solidFill>
+                  <a:srgbClr val="FF0000"/>
+                </a:solidFill>
+                <a:latin typeface="Meiryo UI" panose="020B0604030504040204" pitchFamily="50" charset="-128"/>
+                <a:ea typeface="Meiryo UI" panose="020B0604030504040204" pitchFamily="50" charset="-128"/>
+              </a:rPr>
+              <a:t>一般ユーザ向け</a:t>
+            </a:r>
+            <a:r>
+              <a:rPr kumimoji="1" lang="en-US" altLang="ja-JP" dirty="0">
+                <a:solidFill>
+                  <a:srgbClr val="FF0000"/>
+                </a:solidFill>
+                <a:latin typeface="Meiryo UI" panose="020B0604030504040204" pitchFamily="50" charset="-128"/>
+                <a:ea typeface="Meiryo UI" panose="020B0604030504040204" pitchFamily="50" charset="-128"/>
+              </a:rPr>
+              <a:t>】</a:t>
+            </a:r>
+            <a:endParaRPr kumimoji="1" lang="en-US" altLang="ja-JP" dirty="0">
+              <a:latin typeface="Meiryo UI" panose="020B0604030504040204" pitchFamily="50" charset="-128"/>
+              <a:ea typeface="Meiryo UI" panose="020B0604030504040204" pitchFamily="50" charset="-128"/>
+            </a:endParaRPr>
+          </a:p>
+          <a:p>
+            <a:r>
+              <a:rPr kumimoji="1" lang="ja-JP" altLang="en-US" dirty="0">
+                <a:latin typeface="Meiryo UI" panose="020B0604030504040204" pitchFamily="50" charset="-128"/>
+                <a:ea typeface="Meiryo UI" panose="020B0604030504040204" pitchFamily="50" charset="-128"/>
+              </a:rPr>
+              <a:t>レベル２以降</a:t>
+            </a:r>
+            <a:endParaRPr kumimoji="1" lang="en-US" altLang="ja-JP" dirty="0">
+              <a:latin typeface="Meiryo UI" panose="020B0604030504040204" pitchFamily="50" charset="-128"/>
+              <a:ea typeface="Meiryo UI" panose="020B0604030504040204" pitchFamily="50" charset="-128"/>
+            </a:endParaRPr>
+          </a:p>
+          <a:p>
+            <a:pPr lvl="1"/>
+            <a:r>
+              <a:rPr kumimoji="1" lang="ja-JP" altLang="en-US" dirty="0">
+                <a:solidFill>
+                  <a:srgbClr val="00B050"/>
+                </a:solidFill>
+                <a:latin typeface="Meiryo UI" panose="020B0604030504040204" pitchFamily="50" charset="-128"/>
+                <a:ea typeface="Meiryo UI" panose="020B0604030504040204" pitchFamily="50" charset="-128"/>
+              </a:rPr>
+              <a:t>ガイドブック内容解説（虎の巻）</a:t>
+            </a:r>
+            <a:endParaRPr kumimoji="1" lang="en-US" altLang="ja-JP" dirty="0">
+              <a:solidFill>
+                <a:srgbClr val="00B050"/>
+              </a:solidFill>
+              <a:latin typeface="Meiryo UI" panose="020B0604030504040204" pitchFamily="50" charset="-128"/>
+              <a:ea typeface="Meiryo UI" panose="020B0604030504040204" pitchFamily="50" charset="-128"/>
+            </a:endParaRPr>
+          </a:p>
+          <a:p>
+            <a:pPr lvl="2"/>
+            <a:r>
+              <a:rPr kumimoji="1" lang="ja-JP" altLang="en-US" dirty="0">
+                <a:latin typeface="Meiryo UI" panose="020B0604030504040204" pitchFamily="50" charset="-128"/>
+                <a:ea typeface="Meiryo UI" panose="020B0604030504040204" pitchFamily="50" charset="-128"/>
+              </a:rPr>
+              <a:t>ガイドブック内容の補足説明資料</a:t>
+            </a:r>
+          </a:p>
+          <a:p>
+            <a:pPr lvl="2"/>
+            <a:r>
+              <a:rPr kumimoji="1" lang="ja-JP" altLang="en-US" dirty="0">
+                <a:latin typeface="Meiryo UI" panose="020B0604030504040204" pitchFamily="50" charset="-128"/>
+                <a:ea typeface="Meiryo UI" panose="020B0604030504040204" pitchFamily="50" charset="-128"/>
+              </a:rPr>
+              <a:t>お役立ちリンク」のリンク先の資料の内容要約</a:t>
+            </a:r>
+          </a:p>
+          <a:p>
+            <a:pPr lvl="2"/>
+            <a:r>
+              <a:rPr kumimoji="1" lang="ja-JP" altLang="en-US" dirty="0">
+                <a:latin typeface="Meiryo UI" panose="020B0604030504040204" pitchFamily="50" charset="-128"/>
+                <a:ea typeface="Meiryo UI" panose="020B0604030504040204" pitchFamily="50" charset="-128"/>
+              </a:rPr>
+              <a:t>サイバーセキュリティ関連組織が開設するポータルサイト</a:t>
+            </a:r>
+          </a:p>
+          <a:p>
+            <a:pPr lvl="1"/>
+            <a:r>
+              <a:rPr kumimoji="1" lang="ja-JP" altLang="en-US" dirty="0">
+                <a:solidFill>
+                  <a:srgbClr val="00B050"/>
+                </a:solidFill>
+                <a:latin typeface="Meiryo UI" panose="020B0604030504040204" pitchFamily="50" charset="-128"/>
+                <a:ea typeface="Meiryo UI" panose="020B0604030504040204" pitchFamily="50" charset="-128"/>
+              </a:rPr>
+              <a:t>国等の施策・計画文書・白書・解説書</a:t>
+            </a:r>
+            <a:endParaRPr kumimoji="1" lang="en-US" altLang="ja-JP" dirty="0">
+              <a:solidFill>
+                <a:srgbClr val="00B050"/>
+              </a:solidFill>
+              <a:latin typeface="Meiryo UI" panose="020B0604030504040204" pitchFamily="50" charset="-128"/>
+              <a:ea typeface="Meiryo UI" panose="020B0604030504040204" pitchFamily="50" charset="-128"/>
+            </a:endParaRPr>
+          </a:p>
+          <a:p>
+            <a:pPr lvl="2"/>
+            <a:r>
+              <a:rPr kumimoji="1" lang="ja-JP" altLang="en-US" dirty="0">
+                <a:latin typeface="Meiryo UI" panose="020B0604030504040204" pitchFamily="50" charset="-128"/>
+                <a:ea typeface="Meiryo UI" panose="020B0604030504040204" pitchFamily="50" charset="-128"/>
+              </a:rPr>
+              <a:t>基本文書（法律・基本計画・各種方針等）</a:t>
+            </a:r>
+          </a:p>
+          <a:p>
+            <a:pPr lvl="2"/>
+            <a:r>
+              <a:rPr kumimoji="1" lang="ja-JP" altLang="en-US" dirty="0">
+                <a:latin typeface="Meiryo UI" panose="020B0604030504040204" pitchFamily="50" charset="-128"/>
+                <a:ea typeface="Meiryo UI" panose="020B0604030504040204" pitchFamily="50" charset="-128"/>
+              </a:rPr>
+              <a:t>基本文書（サイバーセキュリティ関連）</a:t>
+            </a:r>
+          </a:p>
+          <a:p>
+            <a:pPr lvl="2"/>
+            <a:r>
+              <a:rPr kumimoji="1" lang="ja-JP" altLang="en-US" dirty="0">
+                <a:latin typeface="Meiryo UI" panose="020B0604030504040204" pitchFamily="50" charset="-128"/>
+                <a:ea typeface="Meiryo UI" panose="020B0604030504040204" pitchFamily="50" charset="-128"/>
+              </a:rPr>
+              <a:t>各種白書・年次報告書類</a:t>
+            </a:r>
+          </a:p>
+          <a:p>
+            <a:pPr lvl="2"/>
+            <a:r>
+              <a:rPr kumimoji="1" lang="en-US" altLang="ja-JP" dirty="0">
+                <a:latin typeface="Meiryo UI" panose="020B0604030504040204" pitchFamily="50" charset="-128"/>
+                <a:ea typeface="Meiryo UI" panose="020B0604030504040204" pitchFamily="50" charset="-128"/>
+              </a:rPr>
+              <a:t>NIST</a:t>
+            </a:r>
+            <a:r>
+              <a:rPr kumimoji="1" lang="ja-JP" altLang="en-US" dirty="0">
+                <a:latin typeface="Meiryo UI" panose="020B0604030504040204" pitchFamily="50" charset="-128"/>
+                <a:ea typeface="Meiryo UI" panose="020B0604030504040204" pitchFamily="50" charset="-128"/>
+              </a:rPr>
+              <a:t>文書・情報セキュリティマネジメント関連</a:t>
+            </a:r>
+          </a:p>
+          <a:p>
+            <a:pPr lvl="2"/>
+            <a:endParaRPr kumimoji="1" lang="en-US" altLang="ja-JP" dirty="0">
+              <a:latin typeface="Meiryo UI" panose="020B0604030504040204" pitchFamily="50" charset="-128"/>
+              <a:ea typeface="Meiryo UI" panose="020B0604030504040204" pitchFamily="50" charset="-128"/>
+            </a:endParaRPr>
+          </a:p>
+          <a:p>
+            <a:pPr lvl="2"/>
+            <a:endParaRPr kumimoji="1" lang="en-US" altLang="ja-JP" dirty="0">
+              <a:latin typeface="Meiryo UI" panose="020B0604030504040204" pitchFamily="50" charset="-128"/>
+              <a:ea typeface="Meiryo UI" panose="020B0604030504040204" pitchFamily="50" charset="-128"/>
+            </a:endParaRPr>
+          </a:p>
+          <a:p>
+            <a:pPr lvl="2"/>
+            <a:endParaRPr kumimoji="1" lang="en-US" altLang="ja-JP" dirty="0">
+              <a:latin typeface="Meiryo UI" panose="020B0604030504040204" pitchFamily="50" charset="-128"/>
+              <a:ea typeface="Meiryo UI" panose="020B0604030504040204" pitchFamily="50" charset="-128"/>
+            </a:endParaRPr>
+          </a:p>
+          <a:p>
+            <a:endParaRPr kumimoji="1" lang="ja-JP" altLang="en-US" dirty="0">
+              <a:latin typeface="Meiryo UI" panose="020B0604030504040204" pitchFamily="50" charset="-128"/>
+              <a:ea typeface="Meiryo UI" panose="020B0604030504040204" pitchFamily="50" charset="-128"/>
+            </a:endParaRPr>
+          </a:p>
+        </p:txBody>
+      </p:sp>
+      <p:sp>
+        <p:nvSpPr>
+          <p:cNvPr id="4" name="コンテンツ プレースホルダー 3">
+            <a:extLst>
+              <a:ext uri="{FF2B5EF4-FFF2-40B4-BE49-F238E27FC236}">
+                <a16:creationId xmlns:a16="http://schemas.microsoft.com/office/drawing/2014/main" id="{88CFF2EE-BEEE-4CCC-A8C2-5DEE1BA988CE}"/>
+              </a:ext>
+            </a:extLst>
+          </p:cNvPr>
+          <p:cNvSpPr>
+            <a:spLocks noGrp="1"/>
+          </p:cNvSpPr>
+          <p:nvPr>
+            <p:ph sz="quarter" idx="2"/>
+          </p:nvPr>
+        </p:nvSpPr>
+        <p:spPr>
+          <a:xfrm>
+            <a:off x="6176264" y="1216152"/>
+            <a:ext cx="5388864" cy="5509146"/>
+          </a:xfrm>
+        </p:spPr>
+        <p:txBody>
+          <a:bodyPr>
+            <a:normAutofit fontScale="70000" lnSpcReduction="20000"/>
+          </a:bodyPr>
+          <a:lstStyle/>
+          <a:p>
+            <a:r>
+              <a:rPr kumimoji="1" lang="ja-JP" altLang="en-US" dirty="0">
+                <a:latin typeface="Meiryo UI" panose="020B0604030504040204" pitchFamily="50" charset="-128"/>
+                <a:ea typeface="Meiryo UI" panose="020B0604030504040204" pitchFamily="50" charset="-128"/>
+              </a:rPr>
+              <a:t>レベル</a:t>
+            </a:r>
+            <a:r>
+              <a:rPr kumimoji="1" lang="en-US" altLang="ja-JP" dirty="0">
+                <a:latin typeface="Meiryo UI" panose="020B0604030504040204" pitchFamily="50" charset="-128"/>
+                <a:ea typeface="Meiryo UI" panose="020B0604030504040204" pitchFamily="50" charset="-128"/>
+              </a:rPr>
+              <a:t>2</a:t>
+            </a:r>
+            <a:r>
+              <a:rPr kumimoji="1" lang="ja-JP" altLang="en-US" dirty="0">
+                <a:latin typeface="Meiryo UI" panose="020B0604030504040204" pitchFamily="50" charset="-128"/>
+                <a:ea typeface="Meiryo UI" panose="020B0604030504040204" pitchFamily="50" charset="-128"/>
+              </a:rPr>
+              <a:t>以降（続き）</a:t>
+            </a:r>
+            <a:endParaRPr kumimoji="1" lang="en-US" altLang="ja-JP" dirty="0">
+              <a:latin typeface="Meiryo UI" panose="020B0604030504040204" pitchFamily="50" charset="-128"/>
+              <a:ea typeface="Meiryo UI" panose="020B0604030504040204" pitchFamily="50" charset="-128"/>
+            </a:endParaRPr>
+          </a:p>
+          <a:p>
+            <a:pPr lvl="1"/>
+            <a:r>
+              <a:rPr kumimoji="1" lang="ja-JP" altLang="en-US" dirty="0">
+                <a:solidFill>
+                  <a:srgbClr val="00B050"/>
+                </a:solidFill>
+                <a:latin typeface="Meiryo UI" panose="020B0604030504040204" pitchFamily="50" charset="-128"/>
+                <a:ea typeface="Meiryo UI" panose="020B0604030504040204" pitchFamily="50" charset="-128"/>
+              </a:rPr>
+              <a:t>参考情報</a:t>
+            </a:r>
+            <a:r>
+              <a:rPr kumimoji="1" lang="en-US" altLang="ja-JP" dirty="0">
+                <a:solidFill>
+                  <a:srgbClr val="00B050"/>
+                </a:solidFill>
+                <a:latin typeface="Meiryo UI" panose="020B0604030504040204" pitchFamily="50" charset="-128"/>
+                <a:ea typeface="Meiryo UI" panose="020B0604030504040204" pitchFamily="50" charset="-128"/>
+              </a:rPr>
+              <a:t>【</a:t>
+            </a:r>
+            <a:r>
+              <a:rPr kumimoji="1" lang="ja-JP" altLang="en-US" dirty="0">
+                <a:solidFill>
+                  <a:srgbClr val="00B050"/>
+                </a:solidFill>
+                <a:latin typeface="Meiryo UI" panose="020B0604030504040204" pitchFamily="50" charset="-128"/>
+                <a:ea typeface="Meiryo UI" panose="020B0604030504040204" pitchFamily="50" charset="-128"/>
+              </a:rPr>
+              <a:t>経営者、管理者向け</a:t>
+            </a:r>
+            <a:r>
+              <a:rPr kumimoji="1" lang="en-US" altLang="ja-JP" dirty="0">
+                <a:solidFill>
+                  <a:srgbClr val="00B050"/>
+                </a:solidFill>
+                <a:latin typeface="Meiryo UI" panose="020B0604030504040204" pitchFamily="50" charset="-128"/>
+                <a:ea typeface="Meiryo UI" panose="020B0604030504040204" pitchFamily="50" charset="-128"/>
+              </a:rPr>
+              <a:t>】</a:t>
+            </a:r>
+          </a:p>
+          <a:p>
+            <a:pPr lvl="2"/>
+            <a:r>
+              <a:rPr kumimoji="1" lang="ja-JP" altLang="en-US" dirty="0">
+                <a:latin typeface="Meiryo UI" panose="020B0604030504040204" pitchFamily="50" charset="-128"/>
+                <a:ea typeface="Meiryo UI" panose="020B0604030504040204" pitchFamily="50" charset="-128"/>
+              </a:rPr>
+              <a:t>サイバーセキュリティ全般</a:t>
+            </a:r>
+          </a:p>
+          <a:p>
+            <a:pPr lvl="2"/>
+            <a:r>
+              <a:rPr kumimoji="1" lang="en-US" altLang="ja-JP" dirty="0">
+                <a:latin typeface="Meiryo UI" panose="020B0604030504040204" pitchFamily="50" charset="-128"/>
+                <a:ea typeface="Meiryo UI" panose="020B0604030504040204" pitchFamily="50" charset="-128"/>
+              </a:rPr>
+              <a:t>DX</a:t>
+            </a:r>
+            <a:r>
+              <a:rPr kumimoji="1" lang="ja-JP" altLang="en-US" dirty="0">
+                <a:latin typeface="Meiryo UI" panose="020B0604030504040204" pitchFamily="50" charset="-128"/>
+                <a:ea typeface="Meiryo UI" panose="020B0604030504040204" pitchFamily="50" charset="-128"/>
+              </a:rPr>
+              <a:t>関連</a:t>
+            </a:r>
+          </a:p>
+          <a:p>
+            <a:pPr lvl="2"/>
+            <a:r>
+              <a:rPr kumimoji="1" lang="ja-JP" altLang="en-US" dirty="0">
+                <a:latin typeface="Meiryo UI" panose="020B0604030504040204" pitchFamily="50" charset="-128"/>
+                <a:ea typeface="Meiryo UI" panose="020B0604030504040204" pitchFamily="50" charset="-128"/>
+              </a:rPr>
+              <a:t>テレワーク関連</a:t>
+            </a:r>
+          </a:p>
+          <a:p>
+            <a:pPr lvl="2"/>
+            <a:r>
+              <a:rPr kumimoji="1" lang="en-US" altLang="ja-JP" dirty="0">
+                <a:latin typeface="Meiryo UI" panose="020B0604030504040204" pitchFamily="50" charset="-128"/>
+                <a:ea typeface="Meiryo UI" panose="020B0604030504040204" pitchFamily="50" charset="-128"/>
+              </a:rPr>
+              <a:t>AI</a:t>
+            </a:r>
+            <a:r>
+              <a:rPr kumimoji="1" lang="ja-JP" altLang="en-US" dirty="0">
+                <a:latin typeface="Meiryo UI" panose="020B0604030504040204" pitchFamily="50" charset="-128"/>
+                <a:ea typeface="Meiryo UI" panose="020B0604030504040204" pitchFamily="50" charset="-128"/>
+              </a:rPr>
+              <a:t>関連</a:t>
+            </a:r>
+          </a:p>
+          <a:p>
+            <a:pPr lvl="2"/>
+            <a:r>
+              <a:rPr kumimoji="1" lang="en-US" altLang="ja-JP" dirty="0">
+                <a:latin typeface="Meiryo UI" panose="020B0604030504040204" pitchFamily="50" charset="-128"/>
+                <a:ea typeface="Meiryo UI" panose="020B0604030504040204" pitchFamily="50" charset="-128"/>
+              </a:rPr>
+              <a:t>IoT</a:t>
+            </a:r>
+            <a:r>
+              <a:rPr kumimoji="1" lang="ja-JP" altLang="en-US" dirty="0">
+                <a:latin typeface="Meiryo UI" panose="020B0604030504040204" pitchFamily="50" charset="-128"/>
+                <a:ea typeface="Meiryo UI" panose="020B0604030504040204" pitchFamily="50" charset="-128"/>
+              </a:rPr>
+              <a:t>セキュリティ関連</a:t>
+            </a:r>
+          </a:p>
+          <a:p>
+            <a:pPr lvl="2"/>
+            <a:r>
+              <a:rPr kumimoji="1" lang="en-US" altLang="ja-JP" dirty="0">
+                <a:latin typeface="Meiryo UI" panose="020B0604030504040204" pitchFamily="50" charset="-128"/>
+                <a:ea typeface="Meiryo UI" panose="020B0604030504040204" pitchFamily="50" charset="-128"/>
+              </a:rPr>
+              <a:t>IT-BCP</a:t>
+            </a:r>
+            <a:r>
+              <a:rPr kumimoji="1" lang="ja-JP" altLang="en-US" dirty="0">
+                <a:latin typeface="Meiryo UI" panose="020B0604030504040204" pitchFamily="50" charset="-128"/>
+                <a:ea typeface="Meiryo UI" panose="020B0604030504040204" pitchFamily="50" charset="-128"/>
+              </a:rPr>
+              <a:t>関連</a:t>
+            </a:r>
+          </a:p>
+          <a:p>
+            <a:pPr lvl="2"/>
+            <a:r>
+              <a:rPr kumimoji="1" lang="ja-JP" altLang="en-US" dirty="0">
+                <a:latin typeface="Meiryo UI" panose="020B0604030504040204" pitchFamily="50" charset="-128"/>
+                <a:ea typeface="Meiryo UI" panose="020B0604030504040204" pitchFamily="50" charset="-128"/>
+              </a:rPr>
+              <a:t>インシデント対応</a:t>
+            </a:r>
+          </a:p>
+          <a:p>
+            <a:pPr lvl="2"/>
+            <a:r>
+              <a:rPr kumimoji="1" lang="ja-JP" altLang="en-US" dirty="0">
+                <a:latin typeface="Meiryo UI" panose="020B0604030504040204" pitchFamily="50" charset="-128"/>
+                <a:ea typeface="Meiryo UI" panose="020B0604030504040204" pitchFamily="50" charset="-128"/>
+              </a:rPr>
+              <a:t>個人情報保護関連</a:t>
+            </a:r>
+          </a:p>
+          <a:p>
+            <a:pPr lvl="2"/>
+            <a:r>
+              <a:rPr kumimoji="1" lang="ja-JP" altLang="en-US" dirty="0">
+                <a:latin typeface="Meiryo UI" panose="020B0604030504040204" pitchFamily="50" charset="-128"/>
+                <a:ea typeface="Meiryo UI" panose="020B0604030504040204" pitchFamily="50" charset="-128"/>
+              </a:rPr>
+              <a:t>システム開発・運用</a:t>
+            </a:r>
+          </a:p>
+          <a:p>
+            <a:pPr lvl="2"/>
+            <a:r>
+              <a:rPr kumimoji="1" lang="ja-JP" altLang="en-US" dirty="0">
+                <a:latin typeface="Meiryo UI" panose="020B0604030504040204" pitchFamily="50" charset="-128"/>
+                <a:ea typeface="Meiryo UI" panose="020B0604030504040204" pitchFamily="50" charset="-128"/>
+              </a:rPr>
+              <a:t>人材育成</a:t>
+            </a:r>
+          </a:p>
+          <a:p>
+            <a:pPr lvl="2"/>
+            <a:r>
+              <a:rPr kumimoji="1" lang="ja-JP" altLang="en-US" dirty="0">
+                <a:latin typeface="Meiryo UI" panose="020B0604030504040204" pitchFamily="50" charset="-128"/>
+                <a:ea typeface="Meiryo UI" panose="020B0604030504040204" pitchFamily="50" charset="-128"/>
+              </a:rPr>
+              <a:t>法令・規則</a:t>
+            </a:r>
+          </a:p>
+          <a:p>
+            <a:pPr lvl="2"/>
+            <a:r>
+              <a:rPr kumimoji="1" lang="ja-JP" altLang="en-US" dirty="0">
+                <a:latin typeface="Meiryo UI" panose="020B0604030504040204" pitchFamily="50" charset="-128"/>
+                <a:ea typeface="Meiryo UI" panose="020B0604030504040204" pitchFamily="50" charset="-128"/>
+              </a:rPr>
+              <a:t>・・・</a:t>
+            </a:r>
+            <a:endParaRPr kumimoji="1" lang="en-US" altLang="ja-JP" dirty="0">
+              <a:latin typeface="Meiryo UI" panose="020B0604030504040204" pitchFamily="50" charset="-128"/>
+              <a:ea typeface="Meiryo UI" panose="020B0604030504040204" pitchFamily="50" charset="-128"/>
+            </a:endParaRPr>
+          </a:p>
+          <a:p>
+            <a:pPr lvl="1"/>
+            <a:r>
+              <a:rPr kumimoji="1" lang="ja-JP" altLang="en-US" dirty="0">
+                <a:solidFill>
+                  <a:srgbClr val="00B050"/>
+                </a:solidFill>
+                <a:latin typeface="Meiryo UI" panose="020B0604030504040204" pitchFamily="50" charset="-128"/>
+                <a:ea typeface="Meiryo UI" panose="020B0604030504040204" pitchFamily="50" charset="-128"/>
+              </a:rPr>
+              <a:t>参考情報</a:t>
+            </a:r>
+            <a:r>
+              <a:rPr kumimoji="1" lang="en-US" altLang="ja-JP" dirty="0">
+                <a:solidFill>
+                  <a:srgbClr val="00B050"/>
+                </a:solidFill>
+                <a:latin typeface="Meiryo UI" panose="020B0604030504040204" pitchFamily="50" charset="-128"/>
+                <a:ea typeface="Meiryo UI" panose="020B0604030504040204" pitchFamily="50" charset="-128"/>
+              </a:rPr>
+              <a:t>【</a:t>
+            </a:r>
+            <a:r>
+              <a:rPr kumimoji="1" lang="ja-JP" altLang="en-US" dirty="0">
+                <a:solidFill>
+                  <a:srgbClr val="00B050"/>
+                </a:solidFill>
+                <a:latin typeface="Meiryo UI" panose="020B0604030504040204" pitchFamily="50" charset="-128"/>
+                <a:ea typeface="Meiryo UI" panose="020B0604030504040204" pitchFamily="50" charset="-128"/>
+              </a:rPr>
+              <a:t>一般ユーザ向け</a:t>
+            </a:r>
+            <a:r>
+              <a:rPr kumimoji="1" lang="en-US" altLang="ja-JP" dirty="0">
+                <a:solidFill>
+                  <a:srgbClr val="00B050"/>
+                </a:solidFill>
+                <a:latin typeface="Meiryo UI" panose="020B0604030504040204" pitchFamily="50" charset="-128"/>
+                <a:ea typeface="Meiryo UI" panose="020B0604030504040204" pitchFamily="50" charset="-128"/>
+              </a:rPr>
+              <a:t>】</a:t>
+            </a:r>
+          </a:p>
+          <a:p>
+            <a:pPr lvl="2"/>
+            <a:r>
+              <a:rPr kumimoji="1" lang="ja-JP" altLang="en-US" dirty="0">
+                <a:latin typeface="Meiryo UI" panose="020B0604030504040204" pitchFamily="50" charset="-128"/>
+                <a:ea typeface="Meiryo UI" panose="020B0604030504040204" pitchFamily="50" charset="-128"/>
+              </a:rPr>
+              <a:t>インターネット利用</a:t>
+            </a:r>
+          </a:p>
+          <a:p>
+            <a:pPr lvl="2"/>
+            <a:r>
+              <a:rPr kumimoji="1" lang="en-US" altLang="ja-JP" dirty="0">
+                <a:latin typeface="Meiryo UI" panose="020B0604030504040204" pitchFamily="50" charset="-128"/>
+                <a:ea typeface="Meiryo UI" panose="020B0604030504040204" pitchFamily="50" charset="-128"/>
+              </a:rPr>
+              <a:t>EC</a:t>
+            </a:r>
+            <a:r>
+              <a:rPr kumimoji="1" lang="ja-JP" altLang="en-US" dirty="0">
+                <a:latin typeface="Meiryo UI" panose="020B0604030504040204" pitchFamily="50" charset="-128"/>
+                <a:ea typeface="Meiryo UI" panose="020B0604030504040204" pitchFamily="50" charset="-128"/>
+              </a:rPr>
+              <a:t>サイト利用</a:t>
+            </a:r>
+          </a:p>
+          <a:p>
+            <a:pPr lvl="2"/>
+            <a:r>
+              <a:rPr kumimoji="1" lang="ja-JP" altLang="en-US" dirty="0">
+                <a:latin typeface="Meiryo UI" panose="020B0604030504040204" pitchFamily="50" charset="-128"/>
+                <a:ea typeface="Meiryo UI" panose="020B0604030504040204" pitchFamily="50" charset="-128"/>
+              </a:rPr>
+              <a:t>電子メール</a:t>
+            </a:r>
+          </a:p>
+          <a:p>
+            <a:pPr lvl="2"/>
+            <a:r>
+              <a:rPr kumimoji="1" lang="en-US" altLang="ja-JP" dirty="0">
+                <a:latin typeface="Meiryo UI" panose="020B0604030504040204" pitchFamily="50" charset="-128"/>
+                <a:ea typeface="Meiryo UI" panose="020B0604030504040204" pitchFamily="50" charset="-128"/>
+              </a:rPr>
+              <a:t>SNS</a:t>
+            </a:r>
+          </a:p>
+          <a:p>
+            <a:pPr lvl="2"/>
+            <a:r>
+              <a:rPr lang="ja-JP" altLang="en-US" dirty="0">
+                <a:latin typeface="Meiryo UI" panose="020B0604030504040204" pitchFamily="50" charset="-128"/>
+                <a:ea typeface="Meiryo UI" panose="020B0604030504040204" pitchFamily="50" charset="-128"/>
+              </a:rPr>
+              <a:t>・・・</a:t>
+            </a:r>
+            <a:endParaRPr kumimoji="1" lang="en-US" altLang="ja-JP" dirty="0">
+              <a:latin typeface="Meiryo UI" panose="020B0604030504040204" pitchFamily="50" charset="-128"/>
+              <a:ea typeface="Meiryo UI" panose="020B0604030504040204" pitchFamily="50" charset="-128"/>
+            </a:endParaRPr>
+          </a:p>
+          <a:p>
+            <a:endParaRPr lang="ja-JP" altLang="en-US" dirty="0">
+              <a:latin typeface="Meiryo UI" panose="020B0604030504040204" pitchFamily="50" charset="-128"/>
+              <a:ea typeface="Meiryo UI" panose="020B0604030504040204" pitchFamily="50" charset="-128"/>
+            </a:endParaRPr>
+          </a:p>
+        </p:txBody>
+      </p:sp>
+    </p:spTree>
+    <p:extLst>
+      <p:ext uri="{BB962C8B-B14F-4D97-AF65-F5344CB8AC3E}">
+        <p14:creationId xmlns:p14="http://schemas.microsoft.com/office/powerpoint/2010/main" val="3637951982"/>
       </p:ext>
     </p:extLst>
   </p:cSld>

--- a/Cyber/TCYSSでの情報収集・蓄積と発信.pptx
+++ b/Cyber/TCYSSでの情報収集・蓄積と発信.pptx
@@ -5,15 +5,16 @@
     <p:sldMasterId id="2147483756" r:id="rId1"/>
   </p:sldMasterIdLst>
   <p:notesMasterIdLst>
-    <p:notesMasterId r:id="rId8"/>
+    <p:notesMasterId r:id="rId9"/>
   </p:notesMasterIdLst>
   <p:sldIdLst>
     <p:sldId id="701" r:id="rId2"/>
     <p:sldId id="703" r:id="rId3"/>
     <p:sldId id="704" r:id="rId4"/>
-    <p:sldId id="702" r:id="rId5"/>
-    <p:sldId id="705" r:id="rId6"/>
-    <p:sldId id="706" r:id="rId7"/>
+    <p:sldId id="707" r:id="rId5"/>
+    <p:sldId id="702" r:id="rId6"/>
+    <p:sldId id="705" r:id="rId7"/>
+    <p:sldId id="706" r:id="rId8"/>
   </p:sldIdLst>
   <p:sldSz cx="12192000" cy="6858000"/>
   <p:notesSz cx="7099300" cy="10234613"/>
@@ -151,23 +152,116 @@
 <pc:chgInfo xmlns:a="http://schemas.openxmlformats.org/drawingml/2006/main" xmlns:r="http://schemas.openxmlformats.org/officeDocument/2006/relationships" xmlns:ac="http://schemas.microsoft.com/office/drawing/2013/main/command" xmlns:pc="http://schemas.microsoft.com/office/powerpoint/2013/main/command">
   <pc:docChgLst>
     <pc:chgData name="Masaki Nakayama" userId="7eabd57b-b900-4e86-8622-e94bcfa04d00" providerId="ADAL" clId="{94C1CCE3-75C0-40D3-B12F-B54977995DC0}"/>
-    <pc:docChg chg="modSld modNotesMaster">
-      <pc:chgData name="Masaki Nakayama" userId="7eabd57b-b900-4e86-8622-e94bcfa04d00" providerId="ADAL" clId="{94C1CCE3-75C0-40D3-B12F-B54977995DC0}" dt="2021-09-25T06:57:05.201" v="11" actId="20577"/>
+    <pc:docChg chg="custSel addSld modSld modNotesMaster">
+      <pc:chgData name="Masaki Nakayama" userId="7eabd57b-b900-4e86-8622-e94bcfa04d00" providerId="ADAL" clId="{94C1CCE3-75C0-40D3-B12F-B54977995DC0}" dt="2021-09-30T08:10:33.505" v="2758" actId="20577"/>
       <pc:docMkLst>
         <pc:docMk/>
       </pc:docMkLst>
+      <pc:sldChg chg="addSp modSp mod">
+        <pc:chgData name="Masaki Nakayama" userId="7eabd57b-b900-4e86-8622-e94bcfa04d00" providerId="ADAL" clId="{94C1CCE3-75C0-40D3-B12F-B54977995DC0}" dt="2021-09-30T07:27:51.153" v="159" actId="20577"/>
+        <pc:sldMkLst>
+          <pc:docMk/>
+          <pc:sldMk cId="3444483772" sldId="701"/>
+        </pc:sldMkLst>
+        <pc:spChg chg="mod">
+          <ac:chgData name="Masaki Nakayama" userId="7eabd57b-b900-4e86-8622-e94bcfa04d00" providerId="ADAL" clId="{94C1CCE3-75C0-40D3-B12F-B54977995DC0}" dt="2021-09-30T07:27:51.153" v="159" actId="20577"/>
+          <ac:spMkLst>
+            <pc:docMk/>
+            <pc:sldMk cId="3444483772" sldId="701"/>
+            <ac:spMk id="11" creationId="{00000000-0000-0000-0000-000000000000}"/>
+          </ac:spMkLst>
+        </pc:spChg>
+        <pc:spChg chg="mod">
+          <ac:chgData name="Masaki Nakayama" userId="7eabd57b-b900-4e86-8622-e94bcfa04d00" providerId="ADAL" clId="{94C1CCE3-75C0-40D3-B12F-B54977995DC0}" dt="2021-09-30T07:25:02.397" v="12" actId="14100"/>
+          <ac:spMkLst>
+            <pc:docMk/>
+            <pc:sldMk cId="3444483772" sldId="701"/>
+            <ac:spMk id="74" creationId="{00000000-0000-0000-0000-000000000000}"/>
+          </ac:spMkLst>
+        </pc:spChg>
+        <pc:spChg chg="add mod">
+          <ac:chgData name="Masaki Nakayama" userId="7eabd57b-b900-4e86-8622-e94bcfa04d00" providerId="ADAL" clId="{94C1CCE3-75C0-40D3-B12F-B54977995DC0}" dt="2021-09-30T07:26:52.954" v="134" actId="1076"/>
+          <ac:spMkLst>
+            <pc:docMk/>
+            <pc:sldMk cId="3444483772" sldId="701"/>
+            <ac:spMk id="90" creationId="{97D18595-DCE0-42E6-8761-046AC68E3DBF}"/>
+          </ac:spMkLst>
+        </pc:spChg>
+        <pc:spChg chg="mod">
+          <ac:chgData name="Masaki Nakayama" userId="7eabd57b-b900-4e86-8622-e94bcfa04d00" providerId="ADAL" clId="{94C1CCE3-75C0-40D3-B12F-B54977995DC0}" dt="2021-09-30T07:27:13.549" v="148" actId="1035"/>
+          <ac:spMkLst>
+            <pc:docMk/>
+            <pc:sldMk cId="3444483772" sldId="701"/>
+            <ac:spMk id="132" creationId="{00000000-0000-0000-0000-000000000000}"/>
+          </ac:spMkLst>
+        </pc:spChg>
+      </pc:sldChg>
       <pc:sldChg chg="modSp mod">
-        <pc:chgData name="Masaki Nakayama" userId="7eabd57b-b900-4e86-8622-e94bcfa04d00" providerId="ADAL" clId="{94C1CCE3-75C0-40D3-B12F-B54977995DC0}" dt="2021-09-25T06:57:05.201" v="11" actId="20577"/>
+        <pc:chgData name="Masaki Nakayama" userId="7eabd57b-b900-4e86-8622-e94bcfa04d00" providerId="ADAL" clId="{94C1CCE3-75C0-40D3-B12F-B54977995DC0}" dt="2021-09-30T08:04:08.466" v="2437" actId="20577"/>
+        <pc:sldMkLst>
+          <pc:docMk/>
+          <pc:sldMk cId="2012617503" sldId="704"/>
+        </pc:sldMkLst>
+        <pc:spChg chg="mod">
+          <ac:chgData name="Masaki Nakayama" userId="7eabd57b-b900-4e86-8622-e94bcfa04d00" providerId="ADAL" clId="{94C1CCE3-75C0-40D3-B12F-B54977995DC0}" dt="2021-09-30T08:04:08.466" v="2437" actId="20577"/>
+          <ac:spMkLst>
+            <pc:docMk/>
+            <pc:sldMk cId="2012617503" sldId="704"/>
+            <ac:spMk id="3" creationId="{944E5C95-0F9E-48CD-94D4-BB10D5C04A74}"/>
+          </ac:spMkLst>
+        </pc:spChg>
+      </pc:sldChg>
+      <pc:sldChg chg="modSp mod">
+        <pc:chgData name="Masaki Nakayama" userId="7eabd57b-b900-4e86-8622-e94bcfa04d00" providerId="ADAL" clId="{94C1CCE3-75C0-40D3-B12F-B54977995DC0}" dt="2021-09-30T08:10:33.505" v="2758" actId="20577"/>
         <pc:sldMkLst>
           <pc:docMk/>
           <pc:sldMk cId="3637951982" sldId="706"/>
         </pc:sldMkLst>
         <pc:spChg chg="mod">
-          <ac:chgData name="Masaki Nakayama" userId="7eabd57b-b900-4e86-8622-e94bcfa04d00" providerId="ADAL" clId="{94C1CCE3-75C0-40D3-B12F-B54977995DC0}" dt="2021-09-25T06:57:05.201" v="11" actId="20577"/>
+          <ac:chgData name="Masaki Nakayama" userId="7eabd57b-b900-4e86-8622-e94bcfa04d00" providerId="ADAL" clId="{94C1CCE3-75C0-40D3-B12F-B54977995DC0}" dt="2021-09-30T07:50:09.761" v="1496" actId="14100"/>
           <ac:spMkLst>
             <pc:docMk/>
             <pc:sldMk cId="3637951982" sldId="706"/>
             <ac:spMk id="2" creationId="{B7881B44-6628-4C37-9E69-A3822D175747}"/>
+          </ac:spMkLst>
+        </pc:spChg>
+        <pc:spChg chg="mod">
+          <ac:chgData name="Masaki Nakayama" userId="7eabd57b-b900-4e86-8622-e94bcfa04d00" providerId="ADAL" clId="{94C1CCE3-75C0-40D3-B12F-B54977995DC0}" dt="2021-09-30T08:10:33.505" v="2758" actId="20577"/>
+          <ac:spMkLst>
+            <pc:docMk/>
+            <pc:sldMk cId="3637951982" sldId="706"/>
+            <ac:spMk id="3" creationId="{895F44FD-2993-4D31-862C-846A4E38DD72}"/>
+          </ac:spMkLst>
+        </pc:spChg>
+        <pc:spChg chg="mod">
+          <ac:chgData name="Masaki Nakayama" userId="7eabd57b-b900-4e86-8622-e94bcfa04d00" providerId="ADAL" clId="{94C1CCE3-75C0-40D3-B12F-B54977995DC0}" dt="2021-09-30T08:08:47.605" v="2594" actId="27636"/>
+          <ac:spMkLst>
+            <pc:docMk/>
+            <pc:sldMk cId="3637951982" sldId="706"/>
+            <ac:spMk id="4" creationId="{88CFF2EE-BEEE-4CCC-A8C2-5DEE1BA988CE}"/>
+          </ac:spMkLst>
+        </pc:spChg>
+      </pc:sldChg>
+      <pc:sldChg chg="modSp new mod">
+        <pc:chgData name="Masaki Nakayama" userId="7eabd57b-b900-4e86-8622-e94bcfa04d00" providerId="ADAL" clId="{94C1CCE3-75C0-40D3-B12F-B54977995DC0}" dt="2021-09-30T08:05:24.725" v="2507" actId="20577"/>
+        <pc:sldMkLst>
+          <pc:docMk/>
+          <pc:sldMk cId="3827515364" sldId="707"/>
+        </pc:sldMkLst>
+        <pc:spChg chg="mod">
+          <ac:chgData name="Masaki Nakayama" userId="7eabd57b-b900-4e86-8622-e94bcfa04d00" providerId="ADAL" clId="{94C1CCE3-75C0-40D3-B12F-B54977995DC0}" dt="2021-09-30T07:31:28.120" v="271" actId="20577"/>
+          <ac:spMkLst>
+            <pc:docMk/>
+            <pc:sldMk cId="3827515364" sldId="707"/>
+            <ac:spMk id="2" creationId="{B17DD64A-07D3-4A6A-B5C1-80D25158CB2A}"/>
+          </ac:spMkLst>
+        </pc:spChg>
+        <pc:spChg chg="mod">
+          <ac:chgData name="Masaki Nakayama" userId="7eabd57b-b900-4e86-8622-e94bcfa04d00" providerId="ADAL" clId="{94C1CCE3-75C0-40D3-B12F-B54977995DC0}" dt="2021-09-30T08:05:24.725" v="2507" actId="20577"/>
+          <ac:spMkLst>
+            <pc:docMk/>
+            <pc:sldMk cId="3827515364" sldId="707"/>
+            <ac:spMk id="3" creationId="{36297436-4352-4B8D-B5C0-39C61768E5EF}"/>
           </ac:spMkLst>
         </pc:spChg>
       </pc:sldChg>
@@ -258,7 +352,7 @@
           <a:p>
             <a:fld id="{B377335C-6462-4247-BEFA-CD97B67177F9}" type="datetimeFigureOut">
               <a:rPr kumimoji="1" lang="ja-JP" altLang="en-US" smtClean="0"/>
-              <a:t>2021/9/24</a:t>
+              <a:t>2021/9/30</a:t>
             </a:fld>
             <a:endParaRPr kumimoji="1" lang="ja-JP" altLang="en-US"/>
           </a:p>
@@ -701,7 +795,7 @@
             <a:fld id="{DD2B6372-1A88-4F0C-86B1-FCF70832C42C}" type="datetimeFigureOut">
               <a:rPr lang="ja-JP" altLang="en-US" smtClean="0"/>
               <a:pPr/>
-              <a:t>2021/9/24</a:t>
+              <a:t>2021/9/30</a:t>
             </a:fld>
             <a:endParaRPr lang="ja-JP" altLang="en-US"/>
           </a:p>
@@ -1094,7 +1188,7 @@
             <a:fld id="{DD2B6372-1A88-4F0C-86B1-FCF70832C42C}" type="datetimeFigureOut">
               <a:rPr lang="ja-JP" altLang="en-US" smtClean="0"/>
               <a:pPr/>
-              <a:t>2021/9/24</a:t>
+              <a:t>2021/9/30</a:t>
             </a:fld>
             <a:endParaRPr lang="ja-JP" altLang="en-US"/>
           </a:p>
@@ -1303,7 +1397,7 @@
             <a:fld id="{DD2B6372-1A88-4F0C-86B1-FCF70832C42C}" type="datetimeFigureOut">
               <a:rPr lang="ja-JP" altLang="en-US" smtClean="0"/>
               <a:pPr/>
-              <a:t>2021/9/24</a:t>
+              <a:t>2021/9/30</a:t>
             </a:fld>
             <a:endParaRPr lang="ja-JP" altLang="en-US"/>
           </a:p>
@@ -1540,7 +1634,7 @@
             <a:fld id="{DD2B6372-1A88-4F0C-86B1-FCF70832C42C}" type="datetimeFigureOut">
               <a:rPr lang="ja-JP" altLang="en-US" smtClean="0"/>
               <a:pPr/>
-              <a:t>2021/9/24</a:t>
+              <a:t>2021/9/30</a:t>
             </a:fld>
             <a:endParaRPr lang="ja-JP" altLang="en-US"/>
           </a:p>
@@ -1843,7 +1937,7 @@
             <a:fld id="{DD2B6372-1A88-4F0C-86B1-FCF70832C42C}" type="datetimeFigureOut">
               <a:rPr lang="ja-JP" altLang="en-US" smtClean="0"/>
               <a:pPr/>
-              <a:t>2021/9/24</a:t>
+              <a:t>2021/9/30</a:t>
             </a:fld>
             <a:endParaRPr lang="ja-JP" altLang="en-US"/>
           </a:p>
@@ -2065,7 +2159,7 @@
             <a:fld id="{DD2B6372-1A88-4F0C-86B1-FCF70832C42C}" type="datetimeFigureOut">
               <a:rPr lang="ja-JP" altLang="en-US" smtClean="0"/>
               <a:pPr/>
-              <a:t>2021/9/24</a:t>
+              <a:t>2021/9/30</a:t>
             </a:fld>
             <a:endParaRPr lang="ja-JP" altLang="en-US"/>
           </a:p>
@@ -2483,7 +2577,7 @@
             <a:fld id="{DD2B6372-1A88-4F0C-86B1-FCF70832C42C}" type="datetimeFigureOut">
               <a:rPr lang="ja-JP" altLang="en-US" smtClean="0"/>
               <a:pPr/>
-              <a:t>2021/9/24</a:t>
+              <a:t>2021/9/30</a:t>
             </a:fld>
             <a:endParaRPr lang="ja-JP" altLang="en-US"/>
           </a:p>
@@ -2781,7 +2875,7 @@
             <a:fld id="{DD2B6372-1A88-4F0C-86B1-FCF70832C42C}" type="datetimeFigureOut">
               <a:rPr lang="ja-JP" altLang="en-US" smtClean="0"/>
               <a:pPr/>
-              <a:t>2021/9/24</a:t>
+              <a:t>2021/9/30</a:t>
             </a:fld>
             <a:endParaRPr lang="ja-JP" altLang="en-US"/>
           </a:p>
@@ -2923,7 +3017,7 @@
             <a:fld id="{DD2B6372-1A88-4F0C-86B1-FCF70832C42C}" type="datetimeFigureOut">
               <a:rPr lang="ja-JP" altLang="en-US" smtClean="0"/>
               <a:pPr/>
-              <a:t>2021/9/24</a:t>
+              <a:t>2021/9/30</a:t>
             </a:fld>
             <a:endParaRPr lang="ja-JP" altLang="en-US"/>
           </a:p>
@@ -3202,7 +3296,7 @@
             <a:fld id="{DD2B6372-1A88-4F0C-86B1-FCF70832C42C}" type="datetimeFigureOut">
               <a:rPr lang="ja-JP" altLang="en-US" smtClean="0"/>
               <a:pPr/>
-              <a:t>2021/9/24</a:t>
+              <a:t>2021/9/30</a:t>
             </a:fld>
             <a:endParaRPr lang="ja-JP" altLang="en-US"/>
           </a:p>
@@ -3643,7 +3737,7 @@
             <a:fld id="{DD2B6372-1A88-4F0C-86B1-FCF70832C42C}" type="datetimeFigureOut">
               <a:rPr lang="ja-JP" altLang="en-US" smtClean="0"/>
               <a:pPr/>
-              <a:t>2021/9/24</a:t>
+              <a:t>2021/9/30</a:t>
             </a:fld>
             <a:endParaRPr lang="ja-JP" altLang="en-US"/>
           </a:p>
@@ -4015,7 +4109,7 @@
             <a:fld id="{DD2B6372-1A88-4F0C-86B1-FCF70832C42C}" type="datetimeFigureOut">
               <a:rPr lang="ja-JP" altLang="en-US" smtClean="0"/>
               <a:pPr/>
-              <a:t>2021/9/24</a:t>
+              <a:t>2021/9/30</a:t>
             </a:fld>
             <a:endParaRPr lang="ja-JP" altLang="en-US"/>
           </a:p>
@@ -5971,8 +6065,8 @@
         </p:nvSpPr>
         <p:spPr>
           <a:xfrm>
-            <a:off x="10142495" y="14287"/>
-            <a:ext cx="2049505" cy="523220"/>
+            <a:off x="9880065" y="14287"/>
+            <a:ext cx="2311935" cy="523220"/>
           </a:xfrm>
           <a:prstGeom prst="rect">
             <a:avLst/>
@@ -6019,12 +6113,12 @@
               <a:t>月</a:t>
             </a:r>
             <a:r>
-              <a:rPr lang="en-US" altLang="ja-JP" sz="1400" dirty="0">
-                <a:latin typeface="Meiryo UI" panose="020B0604030504040204" pitchFamily="50" charset="-128"/>
-                <a:ea typeface="Meiryo UI" panose="020B0604030504040204" pitchFamily="50" charset="-128"/>
-                <a:cs typeface="Meiryo UI" panose="020B0604030504040204" pitchFamily="50" charset="-128"/>
-              </a:rPr>
-              <a:t>21</a:t>
+              <a:rPr kumimoji="1" lang="en-US" altLang="ja-JP" sz="1400" dirty="0">
+                <a:latin typeface="Meiryo UI" panose="020B0604030504040204" pitchFamily="50" charset="-128"/>
+                <a:ea typeface="Meiryo UI" panose="020B0604030504040204" pitchFamily="50" charset="-128"/>
+                <a:cs typeface="Meiryo UI" panose="020B0604030504040204" pitchFamily="50" charset="-128"/>
+              </a:rPr>
+              <a:t>30</a:t>
             </a:r>
             <a:r>
               <a:rPr kumimoji="1" lang="ja-JP" altLang="en-US" sz="1400" dirty="0">
@@ -6035,12 +6129,12 @@
               <a:t>日第</a:t>
             </a:r>
             <a:r>
-              <a:rPr lang="en-US" altLang="ja-JP" sz="1400" dirty="0">
-                <a:latin typeface="Meiryo UI" panose="020B0604030504040204" pitchFamily="50" charset="-128"/>
-                <a:ea typeface="Meiryo UI" panose="020B0604030504040204" pitchFamily="50" charset="-128"/>
-                <a:cs typeface="Meiryo UI" panose="020B0604030504040204" pitchFamily="50" charset="-128"/>
-              </a:rPr>
-              <a:t>6</a:t>
+              <a:rPr kumimoji="1" lang="en-US" altLang="ja-JP" sz="1400" dirty="0">
+                <a:latin typeface="Meiryo UI" panose="020B0604030504040204" pitchFamily="50" charset="-128"/>
+                <a:ea typeface="Meiryo UI" panose="020B0604030504040204" pitchFamily="50" charset="-128"/>
+                <a:cs typeface="Meiryo UI" panose="020B0604030504040204" pitchFamily="50" charset="-128"/>
+              </a:rPr>
+              <a:t>2.7</a:t>
             </a:r>
             <a:r>
               <a:rPr kumimoji="1" lang="ja-JP" altLang="en-US" sz="1400" dirty="0">
@@ -6112,7 +6206,7 @@
                 <a:ea typeface="Meiryo UI" panose="020B0604030504040204" pitchFamily="50" charset="-128"/>
                 <a:cs typeface="Meiryo UI" panose="020B0604030504040204" pitchFamily="50" charset="-128"/>
               </a:rPr>
-              <a:t>2</a:t>
+              <a:t>2.0</a:t>
             </a:r>
             <a:r>
               <a:rPr kumimoji="1" lang="ja-JP" altLang="en-US" sz="1400" dirty="0">
@@ -7539,8 +7633,8 @@
         </p:nvSpPr>
         <p:spPr>
           <a:xfrm>
-            <a:off x="5712407" y="6011296"/>
-            <a:ext cx="2782557" cy="714630"/>
+            <a:off x="5712407" y="5828703"/>
+            <a:ext cx="2782557" cy="897223"/>
           </a:xfrm>
           <a:prstGeom prst="horizontalScroll">
             <a:avLst/>
@@ -8351,7 +8445,7 @@
         </p:nvSpPr>
         <p:spPr>
           <a:xfrm>
-            <a:off x="1454356" y="3753073"/>
+            <a:off x="1454356" y="3623769"/>
             <a:ext cx="1461006" cy="521781"/>
           </a:xfrm>
           <a:prstGeom prst="leftRightArrow">
@@ -8734,6 +8828,90 @@
               <a:t>直接アクセス</a:t>
             </a:r>
             <a:endParaRPr lang="en-US" altLang="ja-JP" sz="1100" b="1" dirty="0">
+              <a:latin typeface="Meiryo UI" panose="020B0604030504040204" pitchFamily="50" charset="-128"/>
+              <a:ea typeface="Meiryo UI" panose="020B0604030504040204" pitchFamily="50" charset="-128"/>
+              <a:cs typeface="Meiryo UI" panose="020B0604030504040204" pitchFamily="50" charset="-128"/>
+            </a:endParaRPr>
+          </a:p>
+        </p:txBody>
+      </p:sp>
+      <p:sp>
+        <p:nvSpPr>
+          <p:cNvPr id="90" name="横巻き 73">
+            <a:extLst>
+              <a:ext uri="{FF2B5EF4-FFF2-40B4-BE49-F238E27FC236}">
+                <a16:creationId xmlns:a16="http://schemas.microsoft.com/office/drawing/2014/main" id="{97D18595-DCE0-42E6-8761-046AC68E3DBF}"/>
+              </a:ext>
+            </a:extLst>
+          </p:cNvPr>
+          <p:cNvSpPr/>
+          <p:nvPr/>
+        </p:nvSpPr>
+        <p:spPr>
+          <a:xfrm>
+            <a:off x="1015061" y="3985919"/>
+            <a:ext cx="1697123" cy="897223"/>
+          </a:xfrm>
+          <a:prstGeom prst="horizontalScroll">
+            <a:avLst/>
+          </a:prstGeom>
+        </p:spPr>
+        <p:style>
+          <a:lnRef idx="1">
+            <a:schemeClr val="accent5"/>
+          </a:lnRef>
+          <a:fillRef idx="2">
+            <a:schemeClr val="accent5"/>
+          </a:fillRef>
+          <a:effectRef idx="1">
+            <a:schemeClr val="accent5"/>
+          </a:effectRef>
+          <a:fontRef idx="minor">
+            <a:schemeClr val="dk1"/>
+          </a:fontRef>
+        </p:style>
+        <p:txBody>
+          <a:bodyPr rtlCol="0" anchor="ctr"/>
+          <a:lstStyle/>
+          <a:p>
+            <a:pPr algn="ctr"/>
+            <a:r>
+              <a:rPr lang="ja-JP" altLang="en-US" sz="1200" b="1" dirty="0">
+                <a:solidFill>
+                  <a:srgbClr val="FF0000"/>
+                </a:solidFill>
+                <a:latin typeface="Meiryo UI" panose="020B0604030504040204" pitchFamily="50" charset="-128"/>
+                <a:ea typeface="Meiryo UI" panose="020B0604030504040204" pitchFamily="50" charset="-128"/>
+                <a:cs typeface="Meiryo UI" panose="020B0604030504040204" pitchFamily="50" charset="-128"/>
+              </a:rPr>
+              <a:t>特に、</a:t>
+            </a:r>
+            <a:r>
+              <a:rPr lang="en-US" altLang="ja-JP" sz="1200" b="1" dirty="0">
+                <a:solidFill>
+                  <a:srgbClr val="FF0000"/>
+                </a:solidFill>
+                <a:latin typeface="Meiryo UI" panose="020B0604030504040204" pitchFamily="50" charset="-128"/>
+                <a:ea typeface="Meiryo UI" panose="020B0604030504040204" pitchFamily="50" charset="-128"/>
+                <a:cs typeface="Meiryo UI" panose="020B0604030504040204" pitchFamily="50" charset="-128"/>
+              </a:rPr>
+              <a:t>IPA,NISC</a:t>
+            </a:r>
+            <a:r>
+              <a:rPr lang="ja-JP" altLang="en-US" sz="1200" b="1" dirty="0">
+                <a:solidFill>
+                  <a:srgbClr val="FF0000"/>
+                </a:solidFill>
+                <a:latin typeface="Meiryo UI" panose="020B0604030504040204" pitchFamily="50" charset="-128"/>
+                <a:ea typeface="Meiryo UI" panose="020B0604030504040204" pitchFamily="50" charset="-128"/>
+                <a:cs typeface="Meiryo UI" panose="020B0604030504040204" pitchFamily="50" charset="-128"/>
+              </a:rPr>
+              <a:t>との情報交換が重要</a:t>
+            </a:r>
+            <a:endParaRPr kumimoji="1" lang="ja-JP" altLang="en-US" sz="1200" b="1" dirty="0">
+              <a:solidFill>
+                <a:srgbClr val="FF0000"/>
+              </a:solidFill>
               <a:latin typeface="Meiryo UI" panose="020B0604030504040204" pitchFamily="50" charset="-128"/>
               <a:ea typeface="Meiryo UI" panose="020B0604030504040204" pitchFamily="50" charset="-128"/>
               <a:cs typeface="Meiryo UI" panose="020B0604030504040204" pitchFamily="50" charset="-128"/>
@@ -9022,7 +9200,7 @@
         <p:spPr/>
         <p:txBody>
           <a:bodyPr>
-            <a:normAutofit fontScale="92500" lnSpcReduction="20000"/>
+            <a:normAutofit fontScale="85000" lnSpcReduction="20000"/>
           </a:bodyPr>
           <a:lstStyle/>
           <a:p>
@@ -9044,19 +9222,31 @@
             </a:r>
             <a:r>
               <a:rPr kumimoji="1" lang="ja-JP" altLang="en-US" dirty="0"/>
-              <a:t>を活用したビジネス展開をする際に、セキュリティ問題が阻害要因にならないように</a:t>
+              <a:t>を活用したビジネス展開をする際に、セキュリティ問題が阻害要因にならないように、セキュリティ対策の普及を促進する。</a:t>
             </a:r>
             <a:endParaRPr kumimoji="1" lang="en-US" altLang="ja-JP" dirty="0"/>
           </a:p>
           <a:p>
             <a:pPr lvl="1"/>
             <a:r>
+              <a:rPr kumimoji="1" lang="ja-JP" altLang="en-US" dirty="0"/>
+              <a:t>有用な情報発信元として広く認知され、情報が活用されることにより、意義ある組織として事業が継続できる</a:t>
+            </a:r>
+            <a:endParaRPr kumimoji="1" lang="en-US" altLang="ja-JP" dirty="0"/>
+          </a:p>
+          <a:p>
+            <a:pPr lvl="2"/>
+            <a:r>
+              <a:rPr kumimoji="1" lang="ja-JP" altLang="en-US" dirty="0"/>
+              <a:t>多くの中小企業の経営者、管理者に向けて、ポータルサイトから、体系的・網羅的な情報をタイムリーに発信。</a:t>
+            </a:r>
+            <a:endParaRPr kumimoji="1" lang="en-US" altLang="ja-JP" dirty="0"/>
+          </a:p>
+          <a:p>
+            <a:pPr lvl="2"/>
+            <a:r>
               <a:rPr lang="ja-JP" altLang="en-US" dirty="0"/>
-              <a:t>そのために、</a:t>
-            </a:r>
-            <a:r>
-              <a:rPr kumimoji="1" lang="ja-JP" altLang="en-US" dirty="0"/>
-              <a:t>多くの中小企業の経営者、管理者に向けて、ポータルサイトから、体系的・網羅的な情報をタイムリーに発信</a:t>
+              <a:t>多くの中小企業に情報を届けて、有用な組織と認識されれば、活用され、組織の目標の達成を見込める。</a:t>
             </a:r>
             <a:endParaRPr kumimoji="1" lang="en-US" altLang="ja-JP" dirty="0"/>
           </a:p>
@@ -9099,12 +9289,28 @@
             <a:pPr lvl="2"/>
             <a:r>
               <a:rPr lang="ja-JP" altLang="en-US" dirty="0"/>
-              <a:t>ポータルサイトから、体系的に整理した知識を、タイムリーに発信</a:t>
+              <a:t>ポータルサイトから、体系的に整理した知識を、タイムリーに発信。</a:t>
             </a:r>
             <a:endParaRPr lang="en-US" altLang="ja-JP" dirty="0"/>
           </a:p>
           <a:p>
+            <a:pPr lvl="2"/>
+            <a:r>
+              <a:rPr lang="ja-JP" altLang="en-US" dirty="0"/>
+              <a:t>定期的な発信がないサイトはアクセスが増えない</a:t>
+            </a:r>
+            <a:endParaRPr lang="en-US" altLang="ja-JP" dirty="0"/>
+          </a:p>
+          <a:p>
             <a:pPr lvl="1"/>
+            <a:r>
+              <a:rPr lang="ja-JP" altLang="en-US" dirty="0"/>
+              <a:t>発信情報の伝搬の促進</a:t>
+            </a:r>
+            <a:endParaRPr lang="en-US" altLang="ja-JP" dirty="0"/>
+          </a:p>
+          <a:p>
+            <a:pPr lvl="2"/>
             <a:r>
               <a:rPr lang="ja-JP" altLang="en-US" dirty="0"/>
               <a:t>発信情報が広く普及（伝搬）されるようにするために、アクセスルートを増やす</a:t>
@@ -9112,70 +9318,18 @@
             <a:endParaRPr lang="en-US" altLang="ja-JP" dirty="0"/>
           </a:p>
           <a:p>
+            <a:pPr lvl="1"/>
+            <a:r>
+              <a:rPr lang="ja-JP" altLang="en-US" dirty="0"/>
+              <a:t>留意点</a:t>
+            </a:r>
+            <a:endParaRPr lang="en-US" altLang="ja-JP" dirty="0"/>
+          </a:p>
+          <a:p>
             <a:pPr lvl="2"/>
             <a:r>
-              <a:rPr lang="ja-JP" altLang="en-US"/>
-              <a:t>ページの</a:t>
-            </a:r>
-            <a:r>
               <a:rPr lang="ja-JP" altLang="en-US" dirty="0"/>
-              <a:t>都度更新　⇒　</a:t>
-            </a:r>
-            <a:r>
-              <a:rPr lang="en-US" altLang="ja-JP" dirty="0"/>
-              <a:t>Google</a:t>
-            </a:r>
-            <a:r>
-              <a:rPr lang="ja-JP" altLang="en-US" dirty="0"/>
-              <a:t>検索ロボットが収集</a:t>
-            </a:r>
-            <a:endParaRPr lang="en-US" altLang="ja-JP" dirty="0"/>
-          </a:p>
-          <a:p>
-            <a:pPr lvl="2"/>
-            <a:r>
-              <a:rPr lang="ja-JP" altLang="en-US" dirty="0"/>
-              <a:t>ポータルでの更新内容を「更新情報」に掲載　⇒　</a:t>
-            </a:r>
-            <a:r>
-              <a:rPr lang="en-US" altLang="ja-JP" dirty="0"/>
-              <a:t>Google</a:t>
-            </a:r>
-            <a:r>
-              <a:rPr lang="ja-JP" altLang="en-US" dirty="0"/>
-              <a:t>検索ロボットが収集</a:t>
-            </a:r>
-            <a:endParaRPr lang="en-US" altLang="ja-JP" dirty="0"/>
-          </a:p>
-          <a:p>
-            <a:pPr lvl="2"/>
-            <a:r>
-              <a:rPr lang="ja-JP" altLang="en-US" dirty="0"/>
-              <a:t>「更新情報」を</a:t>
-            </a:r>
-            <a:r>
-              <a:rPr lang="en-US" altLang="ja-JP" dirty="0"/>
-              <a:t>Twitter</a:t>
-            </a:r>
-            <a:r>
-              <a:rPr lang="ja-JP" altLang="en-US" dirty="0"/>
-              <a:t>からツイート　⇒　</a:t>
-            </a:r>
-            <a:r>
-              <a:rPr lang="en-US" altLang="ja-JP" dirty="0"/>
-              <a:t>Retweet</a:t>
-            </a:r>
-            <a:r>
-              <a:rPr lang="ja-JP" altLang="en-US" dirty="0"/>
-              <a:t>、いいね、により広く拡散される</a:t>
-            </a:r>
-            <a:endParaRPr lang="en-US" altLang="ja-JP" dirty="0"/>
-          </a:p>
-          <a:p>
-            <a:pPr lvl="2"/>
-            <a:r>
-              <a:rPr lang="ja-JP" altLang="en-US" dirty="0"/>
-              <a:t>更新内容を「はてなブックマーク」等のソーシャルブックマークに投稿　⇒　タグ検索でリストアップされる</a:t>
+              <a:t>有用と認識されない情報発信を増やして、件数を稼いでも、組織の存立意義は認識されない。</a:t>
             </a:r>
             <a:endParaRPr lang="en-US" altLang="ja-JP" dirty="0"/>
           </a:p>
@@ -9217,10 +9371,10 @@
       </p:grpSpPr>
       <p:sp>
         <p:nvSpPr>
-          <p:cNvPr id="7" name="タイトル 6">
+          <p:cNvPr id="2" name="タイトル 1">
             <a:extLst>
               <a:ext uri="{FF2B5EF4-FFF2-40B4-BE49-F238E27FC236}">
-                <a16:creationId xmlns:a16="http://schemas.microsoft.com/office/drawing/2014/main" id="{C3031618-E23A-4BB8-8D1E-569CAF6C46B2}"/>
+                <a16:creationId xmlns:a16="http://schemas.microsoft.com/office/drawing/2014/main" id="{B17DD64A-07D3-4A6A-B5C1-80D25158CB2A}"/>
               </a:ext>
             </a:extLst>
           </p:cNvPr>
@@ -9233,28 +9387,22 @@
         </p:nvSpPr>
         <p:spPr/>
         <p:txBody>
-          <a:bodyPr>
-            <a:normAutofit/>
-          </a:bodyPr>
-          <a:lstStyle/>
-          <a:p>
-            <a:r>
-              <a:rPr lang="en-US" altLang="ja-JP" dirty="0"/>
-              <a:t>IPA</a:t>
-            </a:r>
-            <a:r>
-              <a:rPr lang="ja-JP" altLang="en-US" dirty="0"/>
-              <a:t>安心相談窓口との連携</a:t>
-            </a:r>
-          </a:p>
-        </p:txBody>
-      </p:sp>
-      <p:sp>
-        <p:nvSpPr>
-          <p:cNvPr id="5" name="コンテンツ プレースホルダー 4">
+          <a:bodyPr/>
+          <a:lstStyle/>
+          <a:p>
+            <a:r>
+              <a:rPr kumimoji="1" lang="ja-JP" altLang="en-US" dirty="0"/>
+              <a:t>情報発信と、情報の伝搬の促進策</a:t>
+            </a:r>
+          </a:p>
+        </p:txBody>
+      </p:sp>
+      <p:sp>
+        <p:nvSpPr>
+          <p:cNvPr id="3" name="コンテンツ プレースホルダー 2">
             <a:extLst>
               <a:ext uri="{FF2B5EF4-FFF2-40B4-BE49-F238E27FC236}">
-                <a16:creationId xmlns:a16="http://schemas.microsoft.com/office/drawing/2014/main" id="{61265ABD-4F1F-4E88-886B-4F4321275749}"/>
+                <a16:creationId xmlns:a16="http://schemas.microsoft.com/office/drawing/2014/main" id="{36297436-4352-4B8D-B5C0-39C61768E5EF}"/>
               </a:ext>
             </a:extLst>
           </p:cNvPr>
@@ -9267,45 +9415,283 @@
         </p:nvSpPr>
         <p:spPr/>
         <p:txBody>
-          <a:bodyPr/>
-          <a:lstStyle/>
-          <a:p>
+          <a:bodyPr>
+            <a:normAutofit fontScale="92500" lnSpcReduction="20000"/>
+          </a:bodyPr>
+          <a:lstStyle/>
+          <a:p>
+            <a:pPr lvl="1"/>
+            <a:r>
+              <a:rPr lang="ja-JP" altLang="en-US" dirty="0"/>
+              <a:t>有用な情報発信</a:t>
+            </a:r>
+            <a:endParaRPr lang="en-US" altLang="ja-JP" dirty="0"/>
+          </a:p>
+          <a:p>
+            <a:pPr lvl="2"/>
+            <a:r>
+              <a:rPr lang="ja-JP" altLang="en-US" dirty="0"/>
+              <a:t>ガイドブックの内容のタイムリーな更新</a:t>
+            </a:r>
+            <a:endParaRPr lang="en-US" altLang="ja-JP" dirty="0"/>
+          </a:p>
+          <a:p>
+            <a:pPr lvl="2"/>
             <a:r>
               <a:rPr lang="en-US" altLang="ja-JP" dirty="0"/>
-              <a:t>IPA</a:t>
+              <a:t>IT</a:t>
             </a:r>
             <a:r>
               <a:rPr lang="ja-JP" altLang="en-US" dirty="0"/>
-              <a:t>提供情報の活用</a:t>
-            </a:r>
-          </a:p>
-          <a:p>
+              <a:t>活用の促進方法、セキュリティ対策の促進に関するホットな情報へ案内</a:t>
+            </a:r>
+            <a:endParaRPr lang="en-US" altLang="ja-JP" dirty="0"/>
+          </a:p>
+          <a:p>
+            <a:pPr lvl="1"/>
             <a:r>
               <a:rPr lang="ja-JP" altLang="en-US" dirty="0"/>
-              <a:t>インターネットでは得られない情報交換</a:t>
-            </a:r>
-          </a:p>
-          <a:p>
+              <a:t>情報の伝搬の促進策</a:t>
+            </a:r>
+            <a:endParaRPr lang="en-US" altLang="ja-JP" dirty="0"/>
+          </a:p>
+          <a:p>
+            <a:pPr lvl="2"/>
             <a:r>
               <a:rPr lang="ja-JP" altLang="en-US" dirty="0"/>
-              <a:t>インシデント相談対応時のホットライン</a:t>
-            </a:r>
-          </a:p>
-          <a:p>
+              <a:t>サイトのアクセス状況</a:t>
+            </a:r>
+            <a:endParaRPr lang="en-US" altLang="ja-JP" dirty="0"/>
+          </a:p>
+          <a:p>
+            <a:pPr lvl="3"/>
             <a:r>
               <a:rPr lang="ja-JP" altLang="en-US" dirty="0"/>
-              <a:t>相談対応のための情報交換</a:t>
-            </a:r>
-          </a:p>
-          <a:p>
-            <a:endParaRPr lang="ja-JP" altLang="en-US" dirty="0"/>
+              <a:t>「ポータル」のトップページのアクセスは、「ガイドブック」のトップページよりもアクセスが少ない</a:t>
+            </a:r>
+            <a:endParaRPr lang="en-US" altLang="ja-JP" dirty="0"/>
+          </a:p>
+          <a:p>
+            <a:pPr lvl="3"/>
+            <a:r>
+              <a:rPr lang="ja-JP" altLang="en-US" dirty="0"/>
+              <a:t>各ページは、</a:t>
+            </a:r>
+            <a:r>
+              <a:rPr lang="en-US" altLang="ja-JP" dirty="0"/>
+              <a:t>Google</a:t>
+            </a:r>
+            <a:r>
+              <a:rPr lang="ja-JP" altLang="en-US" dirty="0"/>
+              <a:t>の検索からダイレクトにアクセスされているケースのほうが多い</a:t>
+            </a:r>
+            <a:endParaRPr lang="en-US" altLang="ja-JP" dirty="0"/>
+          </a:p>
+          <a:p>
+            <a:pPr lvl="3"/>
+            <a:endParaRPr lang="en-US" altLang="ja-JP" dirty="0"/>
+          </a:p>
+          <a:p>
+            <a:pPr lvl="2"/>
+            <a:r>
+              <a:rPr lang="ja-JP" altLang="en-US" dirty="0"/>
+              <a:t>情報の伝搬ルート</a:t>
+            </a:r>
+            <a:endParaRPr lang="en-US" altLang="ja-JP" dirty="0"/>
+          </a:p>
+          <a:p>
+            <a:pPr lvl="3"/>
+            <a:r>
+              <a:rPr lang="ja-JP" altLang="en-US" dirty="0"/>
+              <a:t>「極意」ポータルのページの都度更新　⇒　</a:t>
+            </a:r>
+            <a:r>
+              <a:rPr lang="en-US" altLang="ja-JP" dirty="0"/>
+              <a:t>Google</a:t>
+            </a:r>
+            <a:r>
+              <a:rPr lang="ja-JP" altLang="en-US" dirty="0"/>
+              <a:t>検索ロボットが収集</a:t>
+            </a:r>
+            <a:endParaRPr lang="en-US" altLang="ja-JP" dirty="0"/>
+          </a:p>
+          <a:p>
+            <a:pPr lvl="3"/>
+            <a:r>
+              <a:rPr lang="ja-JP" altLang="en-US" dirty="0"/>
+              <a:t>ポータルでの更新内容を「更新情報」に掲載　⇒　</a:t>
+            </a:r>
+            <a:r>
+              <a:rPr lang="en-US" altLang="ja-JP" dirty="0"/>
+              <a:t>Google</a:t>
+            </a:r>
+            <a:r>
+              <a:rPr lang="ja-JP" altLang="en-US" dirty="0"/>
+              <a:t>検索ロボットが収集</a:t>
+            </a:r>
+            <a:endParaRPr lang="en-US" altLang="ja-JP" dirty="0"/>
+          </a:p>
+          <a:p>
+            <a:pPr lvl="3"/>
+            <a:r>
+              <a:rPr lang="ja-JP" altLang="en-US" dirty="0"/>
+              <a:t>ポータル内の情報（</a:t>
+            </a:r>
+            <a:r>
+              <a:rPr lang="en-US" altLang="ja-JP" dirty="0"/>
+              <a:t>1</a:t>
+            </a:r>
+            <a:r>
+              <a:rPr lang="ja-JP" altLang="en-US" dirty="0"/>
+              <a:t>件</a:t>
+            </a:r>
+            <a:r>
+              <a:rPr lang="en-US" altLang="ja-JP" dirty="0"/>
+              <a:t>/</a:t>
+            </a:r>
+            <a:r>
+              <a:rPr lang="ja-JP" altLang="en-US" dirty="0"/>
+              <a:t>週程度）</a:t>
+            </a:r>
+            <a:endParaRPr lang="en-US" altLang="ja-JP" dirty="0"/>
+          </a:p>
+          <a:p>
+            <a:pPr lvl="4"/>
+            <a:r>
+              <a:rPr lang="ja-JP" altLang="en-US" dirty="0"/>
+              <a:t>「更新情報」を</a:t>
+            </a:r>
+            <a:r>
+              <a:rPr lang="en-US" altLang="ja-JP" dirty="0"/>
+              <a:t>Twitter</a:t>
+            </a:r>
+            <a:r>
+              <a:rPr lang="ja-JP" altLang="en-US" dirty="0"/>
+              <a:t>からツイート　⇒　</a:t>
+            </a:r>
+            <a:r>
+              <a:rPr lang="en-US" altLang="ja-JP" dirty="0"/>
+              <a:t>Retweet</a:t>
+            </a:r>
+            <a:r>
+              <a:rPr lang="ja-JP" altLang="en-US" dirty="0"/>
+              <a:t>、いいね、により広く拡散される</a:t>
+            </a:r>
+            <a:endParaRPr lang="en-US" altLang="ja-JP" dirty="0"/>
+          </a:p>
+          <a:p>
+            <a:pPr lvl="4"/>
+            <a:r>
+              <a:rPr lang="ja-JP" altLang="en-US" dirty="0"/>
+              <a:t>更新内容を「はてなブックマーク」等のソーシャルブックマークに投稿　⇒　タグ検索でリストアップされる</a:t>
+            </a:r>
+            <a:endParaRPr lang="en-US" altLang="ja-JP" dirty="0"/>
+          </a:p>
+          <a:p>
+            <a:pPr lvl="3"/>
+            <a:r>
+              <a:rPr lang="ja-JP" altLang="en-US" dirty="0"/>
+              <a:t>外部機関からのホットな情報の発信（</a:t>
+            </a:r>
+            <a:r>
+              <a:rPr lang="en-US" altLang="ja-JP" dirty="0"/>
+              <a:t>1</a:t>
+            </a:r>
+            <a:r>
+              <a:rPr lang="ja-JP" altLang="en-US" dirty="0"/>
+              <a:t>件</a:t>
+            </a:r>
+            <a:r>
+              <a:rPr lang="en-US" altLang="ja-JP" dirty="0"/>
+              <a:t>/</a:t>
+            </a:r>
+            <a:r>
+              <a:rPr lang="ja-JP" altLang="en-US" dirty="0"/>
+              <a:t>日程度）</a:t>
+            </a:r>
+            <a:endParaRPr lang="en-US" altLang="ja-JP" dirty="0"/>
+          </a:p>
+          <a:p>
+            <a:pPr lvl="4"/>
+            <a:r>
+              <a:rPr lang="ja-JP" altLang="en-US" dirty="0"/>
+              <a:t>詳細な補足が必要であれば、ポータル内にトピックスのページを作成し、</a:t>
+            </a:r>
+            <a:r>
+              <a:rPr lang="en-US" altLang="ja-JP" dirty="0"/>
+              <a:t>Tweet</a:t>
+            </a:r>
+            <a:r>
+              <a:rPr lang="ja-JP" altLang="en-US" dirty="0"/>
+              <a:t>。</a:t>
+            </a:r>
+            <a:endParaRPr lang="en-US" altLang="ja-JP" dirty="0"/>
+          </a:p>
+          <a:p>
+            <a:pPr lvl="4"/>
+            <a:r>
+              <a:rPr lang="en-US" altLang="ja-JP" dirty="0"/>
+              <a:t>Twitter</a:t>
+            </a:r>
+            <a:r>
+              <a:rPr lang="ja-JP" altLang="en-US" dirty="0"/>
+              <a:t>で提供されたツイートを</a:t>
+            </a:r>
+            <a:r>
+              <a:rPr lang="en-US" altLang="ja-JP" dirty="0" err="1"/>
+              <a:t>ReTweet</a:t>
+            </a:r>
+            <a:r>
+              <a:rPr lang="ja-JP" altLang="en-US" dirty="0"/>
+              <a:t>、簡単な補足が必要であれば、コメント付き</a:t>
+            </a:r>
+            <a:r>
+              <a:rPr lang="en-US" altLang="ja-JP" dirty="0" err="1"/>
+              <a:t>ReTweet</a:t>
+            </a:r>
+            <a:r>
+              <a:rPr lang="ja-JP" altLang="en-US" dirty="0"/>
+              <a:t>。</a:t>
+            </a:r>
+            <a:endParaRPr lang="en-US" altLang="ja-JP" dirty="0"/>
+          </a:p>
+          <a:p>
+            <a:pPr lvl="3"/>
+            <a:r>
+              <a:rPr lang="en-US" altLang="ja-JP" dirty="0"/>
+              <a:t>Twitter</a:t>
+            </a:r>
+            <a:r>
+              <a:rPr lang="ja-JP" altLang="en-US" dirty="0"/>
+              <a:t>のフォロアーが増えてくれば、その中でポータル内の情報へのリンクを</a:t>
+            </a:r>
+            <a:r>
+              <a:rPr lang="en-US" altLang="ja-JP" dirty="0"/>
+              <a:t>Tweet</a:t>
+            </a:r>
+            <a:r>
+              <a:rPr lang="ja-JP" altLang="en-US" dirty="0"/>
+              <a:t>することが有効になる。</a:t>
+            </a:r>
+            <a:endParaRPr lang="en-US" altLang="ja-JP" dirty="0"/>
+          </a:p>
+          <a:p>
+            <a:pPr lvl="3"/>
+            <a:endParaRPr lang="en-US" altLang="ja-JP" dirty="0"/>
+          </a:p>
+          <a:p>
+            <a:pPr lvl="4"/>
+            <a:endParaRPr lang="en-US" altLang="ja-JP" dirty="0"/>
+          </a:p>
+          <a:p>
+            <a:endParaRPr kumimoji="1" lang="ja-JP" altLang="en-US" dirty="0"/>
           </a:p>
         </p:txBody>
       </p:sp>
     </p:spTree>
     <p:extLst>
       <p:ext uri="{BB962C8B-B14F-4D97-AF65-F5344CB8AC3E}">
-        <p14:creationId xmlns:p14="http://schemas.microsoft.com/office/powerpoint/2010/main" val="536307639"/>
+        <p14:creationId xmlns:p14="http://schemas.microsoft.com/office/powerpoint/2010/main" val="3827515364"/>
       </p:ext>
     </p:extLst>
   </p:cSld>
@@ -9334,10 +9720,10 @@
       </p:grpSpPr>
       <p:sp>
         <p:nvSpPr>
-          <p:cNvPr id="2" name="タイトル 1">
+          <p:cNvPr id="7" name="タイトル 6">
             <a:extLst>
               <a:ext uri="{FF2B5EF4-FFF2-40B4-BE49-F238E27FC236}">
-                <a16:creationId xmlns:a16="http://schemas.microsoft.com/office/drawing/2014/main" id="{3BFF9547-42F9-4EFB-B975-88A20F70BA04}"/>
+                <a16:creationId xmlns:a16="http://schemas.microsoft.com/office/drawing/2014/main" id="{C3031618-E23A-4BB8-8D1E-569CAF6C46B2}"/>
               </a:ext>
             </a:extLst>
           </p:cNvPr>
@@ -9350,26 +9736,28 @@
         </p:nvSpPr>
         <p:spPr/>
         <p:txBody>
-          <a:bodyPr/>
-          <a:lstStyle/>
-          <a:p>
-            <a:r>
-              <a:rPr kumimoji="1" lang="en-US" altLang="ja-JP" dirty="0"/>
-              <a:t>TCYSS</a:t>
-            </a:r>
-            <a:r>
-              <a:rPr kumimoji="1" lang="ja-JP" altLang="en-US" dirty="0"/>
-              <a:t>としての普及啓発活動の課題</a:t>
-            </a:r>
-          </a:p>
-        </p:txBody>
-      </p:sp>
-      <p:sp>
-        <p:nvSpPr>
-          <p:cNvPr id="3" name="コンテンツ プレースホルダー 2">
+          <a:bodyPr>
+            <a:normAutofit/>
+          </a:bodyPr>
+          <a:lstStyle/>
+          <a:p>
+            <a:r>
+              <a:rPr lang="en-US" altLang="ja-JP" dirty="0"/>
+              <a:t>IPA</a:t>
+            </a:r>
+            <a:r>
+              <a:rPr lang="ja-JP" altLang="en-US" dirty="0"/>
+              <a:t>安心相談窓口との連携</a:t>
+            </a:r>
+          </a:p>
+        </p:txBody>
+      </p:sp>
+      <p:sp>
+        <p:nvSpPr>
+          <p:cNvPr id="5" name="コンテンツ プレースホルダー 4">
             <a:extLst>
               <a:ext uri="{FF2B5EF4-FFF2-40B4-BE49-F238E27FC236}">
-                <a16:creationId xmlns:a16="http://schemas.microsoft.com/office/drawing/2014/main" id="{95814EF0-24A1-49F3-BB9C-34D10697261D}"/>
+                <a16:creationId xmlns:a16="http://schemas.microsoft.com/office/drawing/2014/main" id="{61265ABD-4F1F-4E88-886B-4F4321275749}"/>
               </a:ext>
             </a:extLst>
           </p:cNvPr>
@@ -9386,38 +9774,41 @@
           <a:lstStyle/>
           <a:p>
             <a:r>
-              <a:rPr kumimoji="1" lang="en-US" altLang="ja-JP" dirty="0"/>
-              <a:t>TCYSS</a:t>
-            </a:r>
-            <a:r>
-              <a:rPr kumimoji="1" lang="ja-JP" altLang="en-US" dirty="0"/>
-              <a:t>課題</a:t>
-            </a:r>
-          </a:p>
-          <a:p>
-            <a:pPr lvl="1"/>
-            <a:r>
-              <a:rPr kumimoji="1" lang="en-US" altLang="ja-JP" dirty="0"/>
-              <a:t>TCYSS</a:t>
-            </a:r>
-            <a:r>
-              <a:rPr kumimoji="1" lang="ja-JP" altLang="en-US" dirty="0"/>
-              <a:t>メンバー間で、意識啓発活動・情報共有・相談体制・事案発生時の相互連携が機能していない</a:t>
-            </a:r>
-            <a:endParaRPr kumimoji="1" lang="en-US" altLang="ja-JP" dirty="0"/>
-          </a:p>
-          <a:p>
-            <a:endParaRPr kumimoji="1" lang="ja-JP" altLang="en-US" dirty="0"/>
-          </a:p>
-          <a:p>
-            <a:endParaRPr kumimoji="1" lang="ja-JP" altLang="en-US" dirty="0"/>
+              <a:rPr lang="en-US" altLang="ja-JP" dirty="0"/>
+              <a:t>IPA</a:t>
+            </a:r>
+            <a:r>
+              <a:rPr lang="ja-JP" altLang="en-US" dirty="0"/>
+              <a:t>提供情報の活用</a:t>
+            </a:r>
+          </a:p>
+          <a:p>
+            <a:r>
+              <a:rPr lang="ja-JP" altLang="en-US" dirty="0"/>
+              <a:t>インターネットでは得られない情報交換</a:t>
+            </a:r>
+          </a:p>
+          <a:p>
+            <a:r>
+              <a:rPr lang="ja-JP" altLang="en-US" dirty="0"/>
+              <a:t>インシデント相談対応時のホットライン</a:t>
+            </a:r>
+          </a:p>
+          <a:p>
+            <a:r>
+              <a:rPr lang="ja-JP" altLang="en-US" dirty="0"/>
+              <a:t>相談対応のための情報交換</a:t>
+            </a:r>
+          </a:p>
+          <a:p>
+            <a:endParaRPr lang="ja-JP" altLang="en-US" dirty="0"/>
           </a:p>
         </p:txBody>
       </p:sp>
     </p:spTree>
     <p:extLst>
       <p:ext uri="{BB962C8B-B14F-4D97-AF65-F5344CB8AC3E}">
-        <p14:creationId xmlns:p14="http://schemas.microsoft.com/office/powerpoint/2010/main" val="3502568733"/>
+        <p14:creationId xmlns:p14="http://schemas.microsoft.com/office/powerpoint/2010/main" val="536307639"/>
       </p:ext>
     </p:extLst>
   </p:cSld>
@@ -9449,6 +9840,118 @@
           <p:cNvPr id="2" name="タイトル 1">
             <a:extLst>
               <a:ext uri="{FF2B5EF4-FFF2-40B4-BE49-F238E27FC236}">
+                <a16:creationId xmlns:a16="http://schemas.microsoft.com/office/drawing/2014/main" id="{3BFF9547-42F9-4EFB-B975-88A20F70BA04}"/>
+              </a:ext>
+            </a:extLst>
+          </p:cNvPr>
+          <p:cNvSpPr>
+            <a:spLocks noGrp="1"/>
+          </p:cNvSpPr>
+          <p:nvPr>
+            <p:ph type="title"/>
+          </p:nvPr>
+        </p:nvSpPr>
+        <p:spPr/>
+        <p:txBody>
+          <a:bodyPr/>
+          <a:lstStyle/>
+          <a:p>
+            <a:r>
+              <a:rPr kumimoji="1" lang="en-US" altLang="ja-JP" dirty="0"/>
+              <a:t>TCYSS</a:t>
+            </a:r>
+            <a:r>
+              <a:rPr kumimoji="1" lang="ja-JP" altLang="en-US" dirty="0"/>
+              <a:t>としての普及啓発活動の課題</a:t>
+            </a:r>
+          </a:p>
+        </p:txBody>
+      </p:sp>
+      <p:sp>
+        <p:nvSpPr>
+          <p:cNvPr id="3" name="コンテンツ プレースホルダー 2">
+            <a:extLst>
+              <a:ext uri="{FF2B5EF4-FFF2-40B4-BE49-F238E27FC236}">
+                <a16:creationId xmlns:a16="http://schemas.microsoft.com/office/drawing/2014/main" id="{95814EF0-24A1-49F3-BB9C-34D10697261D}"/>
+              </a:ext>
+            </a:extLst>
+          </p:cNvPr>
+          <p:cNvSpPr>
+            <a:spLocks noGrp="1"/>
+          </p:cNvSpPr>
+          <p:nvPr>
+            <p:ph sz="quarter" idx="1"/>
+          </p:nvPr>
+        </p:nvSpPr>
+        <p:spPr/>
+        <p:txBody>
+          <a:bodyPr/>
+          <a:lstStyle/>
+          <a:p>
+            <a:r>
+              <a:rPr kumimoji="1" lang="en-US" altLang="ja-JP" dirty="0"/>
+              <a:t>TCYSS</a:t>
+            </a:r>
+            <a:r>
+              <a:rPr kumimoji="1" lang="ja-JP" altLang="en-US" dirty="0"/>
+              <a:t>課題</a:t>
+            </a:r>
+          </a:p>
+          <a:p>
+            <a:pPr lvl="1"/>
+            <a:r>
+              <a:rPr kumimoji="1" lang="en-US" altLang="ja-JP" dirty="0"/>
+              <a:t>TCYSS</a:t>
+            </a:r>
+            <a:r>
+              <a:rPr kumimoji="1" lang="ja-JP" altLang="en-US" dirty="0"/>
+              <a:t>メンバー間で、意識啓発活動・情報共有・相談体制・事案発生時の相互連携が機能していない</a:t>
+            </a:r>
+            <a:endParaRPr kumimoji="1" lang="en-US" altLang="ja-JP" dirty="0"/>
+          </a:p>
+          <a:p>
+            <a:endParaRPr kumimoji="1" lang="ja-JP" altLang="en-US" dirty="0"/>
+          </a:p>
+          <a:p>
+            <a:endParaRPr kumimoji="1" lang="ja-JP" altLang="en-US" dirty="0"/>
+          </a:p>
+        </p:txBody>
+      </p:sp>
+    </p:spTree>
+    <p:extLst>
+      <p:ext uri="{BB962C8B-B14F-4D97-AF65-F5344CB8AC3E}">
+        <p14:creationId xmlns:p14="http://schemas.microsoft.com/office/powerpoint/2010/main" val="3502568733"/>
+      </p:ext>
+    </p:extLst>
+  </p:cSld>
+  <p:clrMapOvr>
+    <a:masterClrMapping/>
+  </p:clrMapOvr>
+</p:sld>
+</file>
+
+<file path=ppt/slides/slide7.xml><?xml version="1.0" encoding="utf-8"?>
+<p:sld xmlns:a="http://schemas.openxmlformats.org/drawingml/2006/main" xmlns:r="http://schemas.openxmlformats.org/officeDocument/2006/relationships" xmlns:p="http://schemas.openxmlformats.org/presentationml/2006/main">
+  <p:cSld>
+    <p:spTree>
+      <p:nvGrpSpPr>
+        <p:cNvPr id="1" name=""/>
+        <p:cNvGrpSpPr/>
+        <p:nvPr/>
+      </p:nvGrpSpPr>
+      <p:grpSpPr>
+        <a:xfrm>
+          <a:off x="0" y="0"/>
+          <a:ext cx="0" cy="0"/>
+          <a:chOff x="0" y="0"/>
+          <a:chExt cx="0" cy="0"/>
+        </a:xfrm>
+      </p:grpSpPr>
+      <p:sp>
+        <p:nvSpPr>
+          <p:cNvPr id="2" name="タイトル 1">
+            <a:extLst>
+              <a:ext uri="{FF2B5EF4-FFF2-40B4-BE49-F238E27FC236}">
                 <a16:creationId xmlns:a16="http://schemas.microsoft.com/office/drawing/2014/main" id="{B7881B44-6628-4C37-9E69-A3822D175747}"/>
               </a:ext>
             </a:extLst>
@@ -9460,9 +9963,16 @@
             <p:ph type="title"/>
           </p:nvPr>
         </p:nvSpPr>
-        <p:spPr/>
-        <p:txBody>
-          <a:bodyPr/>
+        <p:spPr>
+          <a:xfrm>
+            <a:off x="609600" y="228600"/>
+            <a:ext cx="10972800" cy="759691"/>
+          </a:xfrm>
+        </p:spPr>
+        <p:txBody>
+          <a:bodyPr>
+            <a:normAutofit/>
+          </a:bodyPr>
           <a:lstStyle/>
           <a:p>
             <a:r>
@@ -9470,7 +9980,7 @@
                 <a:latin typeface="Meiryo UI" panose="020B0604030504040204" pitchFamily="50" charset="-128"/>
                 <a:ea typeface="Meiryo UI" panose="020B0604030504040204" pitchFamily="50" charset="-128"/>
               </a:rPr>
-              <a:t>ポータルサイト「セキュリティの部屋」に新しいセクション追加</a:t>
+              <a:t>ポータルサイト内に「知識の貯蔵庫」セクションの追加</a:t>
             </a:r>
           </a:p>
         </p:txBody>
@@ -9499,7 +10009,7 @@
         </p:spPr>
         <p:txBody>
           <a:bodyPr>
-            <a:normAutofit fontScale="70000" lnSpcReduction="20000"/>
+            <a:normAutofit fontScale="62500" lnSpcReduction="20000"/>
           </a:bodyPr>
           <a:lstStyle/>
           <a:p>
@@ -9508,7 +10018,7 @@
                 <a:latin typeface="Meiryo UI" panose="020B0604030504040204" pitchFamily="50" charset="-128"/>
                 <a:ea typeface="Meiryo UI" panose="020B0604030504040204" pitchFamily="50" charset="-128"/>
               </a:rPr>
-              <a:t>「セキュリティの部屋」</a:t>
+              <a:t>目的</a:t>
             </a:r>
             <a:endParaRPr kumimoji="1" lang="en-US" altLang="ja-JP" dirty="0">
               <a:latin typeface="Meiryo UI" panose="020B0604030504040204" pitchFamily="50" charset="-128"/>
@@ -9522,7 +10032,7 @@
                 <a:latin typeface="Meiryo UI" panose="020B0604030504040204" pitchFamily="50" charset="-128"/>
                 <a:ea typeface="Meiryo UI" panose="020B0604030504040204" pitchFamily="50" charset="-128"/>
               </a:rPr>
-              <a:t>①ガイドブック</a:t>
+              <a:t>専門員が調査分析した情報を知識として蓄積する。</a:t>
             </a:r>
             <a:endParaRPr kumimoji="1" lang="en-US" altLang="ja-JP" dirty="0">
               <a:latin typeface="Meiryo UI" panose="020B0604030504040204" pitchFamily="50" charset="-128"/>
@@ -9532,11 +10042,18 @@
           <a:p>
             <a:pPr lvl="1"/>
             <a:r>
+              <a:rPr lang="ja-JP" altLang="en-US" dirty="0">
+                <a:latin typeface="Meiryo UI" panose="020B0604030504040204" pitchFamily="50" charset="-128"/>
+                <a:ea typeface="Meiryo UI" panose="020B0604030504040204" pitchFamily="50" charset="-128"/>
+              </a:rPr>
+              <a:t>蓄積</a:t>
+            </a:r>
+            <a:r>
               <a:rPr kumimoji="1" lang="ja-JP" altLang="en-US" dirty="0">
                 <a:latin typeface="Meiryo UI" panose="020B0604030504040204" pitchFamily="50" charset="-128"/>
                 <a:ea typeface="Meiryo UI" panose="020B0604030504040204" pitchFamily="50" charset="-128"/>
               </a:rPr>
-              <a:t>②～④サイバー脅威情報、東京都の取組、外部の情報紹介</a:t>
+              <a:t>した知識をもとに、要約して、ガイドブック等で発信する。</a:t>
             </a:r>
             <a:endParaRPr kumimoji="1" lang="en-US" altLang="ja-JP" dirty="0">
               <a:latin typeface="Meiryo UI" panose="020B0604030504040204" pitchFamily="50" charset="-128"/>
@@ -9544,6 +10061,47 @@
             </a:endParaRPr>
           </a:p>
           <a:p>
+            <a:r>
+              <a:rPr kumimoji="1" lang="ja-JP" altLang="en-US" dirty="0">
+                <a:latin typeface="Meiryo UI" panose="020B0604030504040204" pitchFamily="50" charset="-128"/>
+                <a:ea typeface="Meiryo UI" panose="020B0604030504040204" pitchFamily="50" charset="-128"/>
+              </a:rPr>
+              <a:t>「セキュリティの部屋」</a:t>
+            </a:r>
+            <a:endParaRPr kumimoji="1" lang="en-US" altLang="ja-JP" dirty="0">
+              <a:latin typeface="Meiryo UI" panose="020B0604030504040204" pitchFamily="50" charset="-128"/>
+              <a:ea typeface="Meiryo UI" panose="020B0604030504040204" pitchFamily="50" charset="-128"/>
+            </a:endParaRPr>
+          </a:p>
+          <a:p>
+            <a:pPr lvl="1"/>
+            <a:r>
+              <a:rPr kumimoji="1" lang="ja-JP" altLang="en-US" dirty="0">
+                <a:latin typeface="Meiryo UI" panose="020B0604030504040204" pitchFamily="50" charset="-128"/>
+                <a:ea typeface="Meiryo UI" panose="020B0604030504040204" pitchFamily="50" charset="-128"/>
+              </a:rPr>
+              <a:t>①ガイドブック</a:t>
+            </a:r>
+            <a:endParaRPr kumimoji="1" lang="en-US" altLang="ja-JP" dirty="0">
+              <a:latin typeface="Meiryo UI" panose="020B0604030504040204" pitchFamily="50" charset="-128"/>
+              <a:ea typeface="Meiryo UI" panose="020B0604030504040204" pitchFamily="50" charset="-128"/>
+            </a:endParaRPr>
+          </a:p>
+          <a:p>
+            <a:pPr lvl="1"/>
+            <a:r>
+              <a:rPr kumimoji="1" lang="ja-JP" altLang="en-US" dirty="0">
+                <a:latin typeface="Meiryo UI" panose="020B0604030504040204" pitchFamily="50" charset="-128"/>
+                <a:ea typeface="Meiryo UI" panose="020B0604030504040204" pitchFamily="50" charset="-128"/>
+              </a:rPr>
+              <a:t>②～④サイバー脅威情報、東京都の取組、外部の情報紹介</a:t>
+            </a:r>
+            <a:endParaRPr kumimoji="1" lang="en-US" altLang="ja-JP" dirty="0">
+              <a:latin typeface="Meiryo UI" panose="020B0604030504040204" pitchFamily="50" charset="-128"/>
+              <a:ea typeface="Meiryo UI" panose="020B0604030504040204" pitchFamily="50" charset="-128"/>
+            </a:endParaRPr>
+          </a:p>
+          <a:p>
             <a:pPr lvl="1"/>
             <a:r>
               <a:rPr kumimoji="1" lang="ja-JP" altLang="en-US" dirty="0">
@@ -9581,7 +10139,7 @@
                 <a:latin typeface="Meiryo UI" panose="020B0604030504040204" pitchFamily="50" charset="-128"/>
                 <a:ea typeface="Meiryo UI" panose="020B0604030504040204" pitchFamily="50" charset="-128"/>
               </a:rPr>
-              <a:t>セキュリティ関連ナレッジベース</a:t>
+              <a:t>知識の貯蔵庫（ナレッジベース）</a:t>
             </a:r>
             <a:r>
               <a:rPr kumimoji="1" lang="en-US" altLang="ja-JP" dirty="0">
@@ -9928,7 +10486,7 @@
         </p:spPr>
         <p:txBody>
           <a:bodyPr>
-            <a:normAutofit fontScale="70000" lnSpcReduction="20000"/>
+            <a:normAutofit fontScale="62500" lnSpcReduction="20000"/>
           </a:bodyPr>
           <a:lstStyle/>
           <a:p>

--- a/Cyber/TCYSSでの情報収集・蓄積と発信.pptx
+++ b/Cyber/TCYSSでの情報収集・蓄積と発信.pptx
@@ -143,7 +143,7 @@
 <file path=ppt/revisionInfo.xml><?xml version="1.0" encoding="utf-8"?>
 <p1510:revInfo xmlns:a="http://schemas.openxmlformats.org/drawingml/2006/main" xmlns:r="http://schemas.openxmlformats.org/officeDocument/2006/relationships" xmlns:p1510="http://schemas.microsoft.com/office/powerpoint/2015/10/main">
   <p1510:revLst>
-    <p1510:client id="{94C1CCE3-75C0-40D3-B12F-B54977995DC0}" v="8" dt="2021-09-21T06:03:59.788"/>
+    <p1510:client id="{90B7DD84-4022-4338-B19A-53386414BF58}" v="7" dt="2022-04-12T04:28:12.391"/>
   </p1510:revLst>
 </p1510:revInfo>
 </file>
@@ -267,6 +267,390 @@
       </pc:sldChg>
     </pc:docChg>
   </pc:docChgLst>
+  <pc:docChgLst>
+    <pc:chgData name="正樹 中山" userId="7eabd57b-b900-4e86-8622-e94bcfa04d00" providerId="ADAL" clId="{90B7DD84-4022-4338-B19A-53386414BF58}"/>
+    <pc:docChg chg="undo custSel modSld">
+      <pc:chgData name="正樹 中山" userId="7eabd57b-b900-4e86-8622-e94bcfa04d00" providerId="ADAL" clId="{90B7DD84-4022-4338-B19A-53386414BF58}" dt="2022-04-12T04:56:57.251" v="379" actId="14100"/>
+      <pc:docMkLst>
+        <pc:docMk/>
+      </pc:docMkLst>
+      <pc:sldChg chg="addSp delSp modSp mod">
+        <pc:chgData name="正樹 中山" userId="7eabd57b-b900-4e86-8622-e94bcfa04d00" providerId="ADAL" clId="{90B7DD84-4022-4338-B19A-53386414BF58}" dt="2022-04-12T04:56:57.251" v="379" actId="14100"/>
+        <pc:sldMkLst>
+          <pc:docMk/>
+          <pc:sldMk cId="3444483772" sldId="701"/>
+        </pc:sldMkLst>
+        <pc:spChg chg="del mod">
+          <ac:chgData name="正樹 中山" userId="7eabd57b-b900-4e86-8622-e94bcfa04d00" providerId="ADAL" clId="{90B7DD84-4022-4338-B19A-53386414BF58}" dt="2022-04-12T04:27:20.131" v="262" actId="478"/>
+          <ac:spMkLst>
+            <pc:docMk/>
+            <pc:sldMk cId="3444483772" sldId="701"/>
+            <ac:spMk id="3" creationId="{00000000-0000-0000-0000-000000000000}"/>
+          </ac:spMkLst>
+        </pc:spChg>
+        <pc:spChg chg="mod">
+          <ac:chgData name="正樹 中山" userId="7eabd57b-b900-4e86-8622-e94bcfa04d00" providerId="ADAL" clId="{90B7DD84-4022-4338-B19A-53386414BF58}" dt="2022-04-12T04:53:38.964" v="369" actId="1076"/>
+          <ac:spMkLst>
+            <pc:docMk/>
+            <pc:sldMk cId="3444483772" sldId="701"/>
+            <ac:spMk id="4" creationId="{00000000-0000-0000-0000-000000000000}"/>
+          </ac:spMkLst>
+        </pc:spChg>
+        <pc:spChg chg="add mod">
+          <ac:chgData name="正樹 中山" userId="7eabd57b-b900-4e86-8622-e94bcfa04d00" providerId="ADAL" clId="{90B7DD84-4022-4338-B19A-53386414BF58}" dt="2022-04-12T04:45:08.345" v="334" actId="1038"/>
+          <ac:spMkLst>
+            <pc:docMk/>
+            <pc:sldMk cId="3444483772" sldId="701"/>
+            <ac:spMk id="5" creationId="{14B1298F-DD3D-4F11-9123-1C23B57F0E3B}"/>
+          </ac:spMkLst>
+        </pc:spChg>
+        <pc:spChg chg="mod">
+          <ac:chgData name="正樹 中山" userId="7eabd57b-b900-4e86-8622-e94bcfa04d00" providerId="ADAL" clId="{90B7DD84-4022-4338-B19A-53386414BF58}" dt="2022-04-12T04:24:56.622" v="244" actId="20577"/>
+          <ac:spMkLst>
+            <pc:docMk/>
+            <pc:sldMk cId="3444483772" sldId="701"/>
+            <ac:spMk id="7" creationId="{00000000-0000-0000-0000-000000000000}"/>
+          </ac:spMkLst>
+        </pc:spChg>
+        <pc:spChg chg="mod">
+          <ac:chgData name="正樹 中山" userId="7eabd57b-b900-4e86-8622-e94bcfa04d00" providerId="ADAL" clId="{90B7DD84-4022-4338-B19A-53386414BF58}" dt="2022-04-12T04:49:56.609" v="353" actId="20577"/>
+          <ac:spMkLst>
+            <pc:docMk/>
+            <pc:sldMk cId="3444483772" sldId="701"/>
+            <ac:spMk id="11" creationId="{00000000-0000-0000-0000-000000000000}"/>
+          </ac:spMkLst>
+        </pc:spChg>
+        <pc:spChg chg="mod">
+          <ac:chgData name="正樹 中山" userId="7eabd57b-b900-4e86-8622-e94bcfa04d00" providerId="ADAL" clId="{90B7DD84-4022-4338-B19A-53386414BF58}" dt="2022-04-12T04:46:59.280" v="341" actId="1076"/>
+          <ac:spMkLst>
+            <pc:docMk/>
+            <pc:sldMk cId="3444483772" sldId="701"/>
+            <ac:spMk id="17" creationId="{00000000-0000-0000-0000-000000000000}"/>
+          </ac:spMkLst>
+        </pc:spChg>
+        <pc:spChg chg="mod">
+          <ac:chgData name="正樹 中山" userId="7eabd57b-b900-4e86-8622-e94bcfa04d00" providerId="ADAL" clId="{90B7DD84-4022-4338-B19A-53386414BF58}" dt="2022-04-12T04:16:31.588" v="120" actId="1076"/>
+          <ac:spMkLst>
+            <pc:docMk/>
+            <pc:sldMk cId="3444483772" sldId="701"/>
+            <ac:spMk id="18" creationId="{00000000-0000-0000-0000-000000000000}"/>
+          </ac:spMkLst>
+        </pc:spChg>
+        <pc:spChg chg="mod">
+          <ac:chgData name="正樹 中山" userId="7eabd57b-b900-4e86-8622-e94bcfa04d00" providerId="ADAL" clId="{90B7DD84-4022-4338-B19A-53386414BF58}" dt="2022-04-12T04:44:50.388" v="330" actId="1036"/>
+          <ac:spMkLst>
+            <pc:docMk/>
+            <pc:sldMk cId="3444483772" sldId="701"/>
+            <ac:spMk id="29" creationId="{00000000-0000-0000-0000-000000000000}"/>
+          </ac:spMkLst>
+        </pc:spChg>
+        <pc:spChg chg="del mod">
+          <ac:chgData name="正樹 中山" userId="7eabd57b-b900-4e86-8622-e94bcfa04d00" providerId="ADAL" clId="{90B7DD84-4022-4338-B19A-53386414BF58}" dt="2022-04-12T04:10:37.164" v="36"/>
+          <ac:spMkLst>
+            <pc:docMk/>
+            <pc:sldMk cId="3444483772" sldId="701"/>
+            <ac:spMk id="56" creationId="{00000000-0000-0000-0000-000000000000}"/>
+          </ac:spMkLst>
+        </pc:spChg>
+        <pc:spChg chg="del">
+          <ac:chgData name="正樹 中山" userId="7eabd57b-b900-4e86-8622-e94bcfa04d00" providerId="ADAL" clId="{90B7DD84-4022-4338-B19A-53386414BF58}" dt="2022-04-12T04:25:48.586" v="251" actId="478"/>
+          <ac:spMkLst>
+            <pc:docMk/>
+            <pc:sldMk cId="3444483772" sldId="701"/>
+            <ac:spMk id="59" creationId="{00000000-0000-0000-0000-000000000000}"/>
+          </ac:spMkLst>
+        </pc:spChg>
+        <pc:spChg chg="mod">
+          <ac:chgData name="正樹 中山" userId="7eabd57b-b900-4e86-8622-e94bcfa04d00" providerId="ADAL" clId="{90B7DD84-4022-4338-B19A-53386414BF58}" dt="2022-04-12T04:55:30.313" v="376" actId="207"/>
+          <ac:spMkLst>
+            <pc:docMk/>
+            <pc:sldMk cId="3444483772" sldId="701"/>
+            <ac:spMk id="64" creationId="{00000000-0000-0000-0000-000000000000}"/>
+          </ac:spMkLst>
+        </pc:spChg>
+        <pc:spChg chg="mod">
+          <ac:chgData name="正樹 中山" userId="7eabd57b-b900-4e86-8622-e94bcfa04d00" providerId="ADAL" clId="{90B7DD84-4022-4338-B19A-53386414BF58}" dt="2022-04-12T04:12:39.480" v="46" actId="14100"/>
+          <ac:spMkLst>
+            <pc:docMk/>
+            <pc:sldMk cId="3444483772" sldId="701"/>
+            <ac:spMk id="65" creationId="{00000000-0000-0000-0000-000000000000}"/>
+          </ac:spMkLst>
+        </pc:spChg>
+        <pc:spChg chg="mod">
+          <ac:chgData name="正樹 中山" userId="7eabd57b-b900-4e86-8622-e94bcfa04d00" providerId="ADAL" clId="{90B7DD84-4022-4338-B19A-53386414BF58}" dt="2022-04-12T04:54:49.366" v="372" actId="207"/>
+          <ac:spMkLst>
+            <pc:docMk/>
+            <pc:sldMk cId="3444483772" sldId="701"/>
+            <ac:spMk id="66" creationId="{00000000-0000-0000-0000-000000000000}"/>
+          </ac:spMkLst>
+        </pc:spChg>
+        <pc:spChg chg="del mod">
+          <ac:chgData name="正樹 中山" userId="7eabd57b-b900-4e86-8622-e94bcfa04d00" providerId="ADAL" clId="{90B7DD84-4022-4338-B19A-53386414BF58}" dt="2022-04-12T04:27:15.467" v="261" actId="478"/>
+          <ac:spMkLst>
+            <pc:docMk/>
+            <pc:sldMk cId="3444483772" sldId="701"/>
+            <ac:spMk id="67" creationId="{00000000-0000-0000-0000-000000000000}"/>
+          </ac:spMkLst>
+        </pc:spChg>
+        <pc:spChg chg="del">
+          <ac:chgData name="正樹 中山" userId="7eabd57b-b900-4e86-8622-e94bcfa04d00" providerId="ADAL" clId="{90B7DD84-4022-4338-B19A-53386414BF58}" dt="2022-04-12T04:23:03.362" v="187" actId="478"/>
+          <ac:spMkLst>
+            <pc:docMk/>
+            <pc:sldMk cId="3444483772" sldId="701"/>
+            <ac:spMk id="68" creationId="{00000000-0000-0000-0000-000000000000}"/>
+          </ac:spMkLst>
+        </pc:spChg>
+        <pc:spChg chg="del">
+          <ac:chgData name="正樹 中山" userId="7eabd57b-b900-4e86-8622-e94bcfa04d00" providerId="ADAL" clId="{90B7DD84-4022-4338-B19A-53386414BF58}" dt="2022-04-12T04:23:25.767" v="188" actId="478"/>
+          <ac:spMkLst>
+            <pc:docMk/>
+            <pc:sldMk cId="3444483772" sldId="701"/>
+            <ac:spMk id="69" creationId="{00000000-0000-0000-0000-000000000000}"/>
+          </ac:spMkLst>
+        </pc:spChg>
+        <pc:spChg chg="mod">
+          <ac:chgData name="正樹 中山" userId="7eabd57b-b900-4e86-8622-e94bcfa04d00" providerId="ADAL" clId="{90B7DD84-4022-4338-B19A-53386414BF58}" dt="2022-04-12T04:22:45.387" v="186" actId="1038"/>
+          <ac:spMkLst>
+            <pc:docMk/>
+            <pc:sldMk cId="3444483772" sldId="701"/>
+            <ac:spMk id="71" creationId="{00000000-0000-0000-0000-000000000000}"/>
+          </ac:spMkLst>
+        </pc:spChg>
+        <pc:spChg chg="mod">
+          <ac:chgData name="正樹 中山" userId="7eabd57b-b900-4e86-8622-e94bcfa04d00" providerId="ADAL" clId="{90B7DD84-4022-4338-B19A-53386414BF58}" dt="2022-04-12T04:25:01.261" v="250" actId="20577"/>
+          <ac:spMkLst>
+            <pc:docMk/>
+            <pc:sldMk cId="3444483772" sldId="701"/>
+            <ac:spMk id="72" creationId="{00000000-0000-0000-0000-000000000000}"/>
+          </ac:spMkLst>
+        </pc:spChg>
+        <pc:spChg chg="mod">
+          <ac:chgData name="正樹 中山" userId="7eabd57b-b900-4e86-8622-e94bcfa04d00" providerId="ADAL" clId="{90B7DD84-4022-4338-B19A-53386414BF58}" dt="2022-04-12T04:52:08.694" v="357" actId="14100"/>
+          <ac:spMkLst>
+            <pc:docMk/>
+            <pc:sldMk cId="3444483772" sldId="701"/>
+            <ac:spMk id="73" creationId="{00000000-0000-0000-0000-000000000000}"/>
+          </ac:spMkLst>
+        </pc:spChg>
+        <pc:spChg chg="mod">
+          <ac:chgData name="正樹 中山" userId="7eabd57b-b900-4e86-8622-e94bcfa04d00" providerId="ADAL" clId="{90B7DD84-4022-4338-B19A-53386414BF58}" dt="2022-04-12T04:55:03.773" v="373" actId="1076"/>
+          <ac:spMkLst>
+            <pc:docMk/>
+            <pc:sldMk cId="3444483772" sldId="701"/>
+            <ac:spMk id="74" creationId="{00000000-0000-0000-0000-000000000000}"/>
+          </ac:spMkLst>
+        </pc:spChg>
+        <pc:spChg chg="mod">
+          <ac:chgData name="正樹 中山" userId="7eabd57b-b900-4e86-8622-e94bcfa04d00" providerId="ADAL" clId="{90B7DD84-4022-4338-B19A-53386414BF58}" dt="2022-04-12T04:56:47" v="378" actId="207"/>
+          <ac:spMkLst>
+            <pc:docMk/>
+            <pc:sldMk cId="3444483772" sldId="701"/>
+            <ac:spMk id="76" creationId="{00000000-0000-0000-0000-000000000000}"/>
+          </ac:spMkLst>
+        </pc:spChg>
+        <pc:spChg chg="mod">
+          <ac:chgData name="正樹 中山" userId="7eabd57b-b900-4e86-8622-e94bcfa04d00" providerId="ADAL" clId="{90B7DD84-4022-4338-B19A-53386414BF58}" dt="2022-04-12T04:26:08.639" v="252" actId="6549"/>
+          <ac:spMkLst>
+            <pc:docMk/>
+            <pc:sldMk cId="3444483772" sldId="701"/>
+            <ac:spMk id="78" creationId="{00000000-0000-0000-0000-000000000000}"/>
+          </ac:spMkLst>
+        </pc:spChg>
+        <pc:spChg chg="mod">
+          <ac:chgData name="正樹 中山" userId="7eabd57b-b900-4e86-8622-e94bcfa04d00" providerId="ADAL" clId="{90B7DD84-4022-4338-B19A-53386414BF58}" dt="2022-04-12T04:20:09.853" v="143" actId="1076"/>
+          <ac:spMkLst>
+            <pc:docMk/>
+            <pc:sldMk cId="3444483772" sldId="701"/>
+            <ac:spMk id="87" creationId="{00000000-0000-0000-0000-000000000000}"/>
+          </ac:spMkLst>
+        </pc:spChg>
+        <pc:spChg chg="mod">
+          <ac:chgData name="正樹 中山" userId="7eabd57b-b900-4e86-8622-e94bcfa04d00" providerId="ADAL" clId="{90B7DD84-4022-4338-B19A-53386414BF58}" dt="2022-04-12T04:53:22.309" v="368" actId="14100"/>
+          <ac:spMkLst>
+            <pc:docMk/>
+            <pc:sldMk cId="3444483772" sldId="701"/>
+            <ac:spMk id="89" creationId="{00000000-0000-0000-0000-000000000000}"/>
+          </ac:spMkLst>
+        </pc:spChg>
+        <pc:spChg chg="mod">
+          <ac:chgData name="正樹 中山" userId="7eabd57b-b900-4e86-8622-e94bcfa04d00" providerId="ADAL" clId="{90B7DD84-4022-4338-B19A-53386414BF58}" dt="2022-04-12T04:52:29.285" v="359" actId="1076"/>
+          <ac:spMkLst>
+            <pc:docMk/>
+            <pc:sldMk cId="3444483772" sldId="701"/>
+            <ac:spMk id="90" creationId="{97D18595-DCE0-42E6-8761-046AC68E3DBF}"/>
+          </ac:spMkLst>
+        </pc:spChg>
+        <pc:spChg chg="mod">
+          <ac:chgData name="正樹 中山" userId="7eabd57b-b900-4e86-8622-e94bcfa04d00" providerId="ADAL" clId="{90B7DD84-4022-4338-B19A-53386414BF58}" dt="2022-04-12T04:24:10.687" v="223" actId="20577"/>
+          <ac:spMkLst>
+            <pc:docMk/>
+            <pc:sldMk cId="3444483772" sldId="701"/>
+            <ac:spMk id="91" creationId="{7A5D9C35-C4F6-45CF-BDC8-1F9E889D4ACE}"/>
+          </ac:spMkLst>
+        </pc:spChg>
+        <pc:spChg chg="mod">
+          <ac:chgData name="正樹 中山" userId="7eabd57b-b900-4e86-8622-e94bcfa04d00" providerId="ADAL" clId="{90B7DD84-4022-4338-B19A-53386414BF58}" dt="2022-04-12T04:52:36.084" v="360" actId="1076"/>
+          <ac:spMkLst>
+            <pc:docMk/>
+            <pc:sldMk cId="3444483772" sldId="701"/>
+            <ac:spMk id="94" creationId="{00000000-0000-0000-0000-000000000000}"/>
+          </ac:spMkLst>
+        </pc:spChg>
+        <pc:spChg chg="mod">
+          <ac:chgData name="正樹 中山" userId="7eabd57b-b900-4e86-8622-e94bcfa04d00" providerId="ADAL" clId="{90B7DD84-4022-4338-B19A-53386414BF58}" dt="2022-04-12T04:46:40.925" v="339" actId="1076"/>
+          <ac:spMkLst>
+            <pc:docMk/>
+            <pc:sldMk cId="3444483772" sldId="701"/>
+            <ac:spMk id="97" creationId="{00000000-0000-0000-0000-000000000000}"/>
+          </ac:spMkLst>
+        </pc:spChg>
+        <pc:spChg chg="add mod">
+          <ac:chgData name="正樹 中山" userId="7eabd57b-b900-4e86-8622-e94bcfa04d00" providerId="ADAL" clId="{90B7DD84-4022-4338-B19A-53386414BF58}" dt="2022-04-12T04:56:57.251" v="379" actId="14100"/>
+          <ac:spMkLst>
+            <pc:docMk/>
+            <pc:sldMk cId="3444483772" sldId="701"/>
+            <ac:spMk id="98" creationId="{577F492B-E901-4531-AD96-7F66BEFF83F9}"/>
+          </ac:spMkLst>
+        </pc:spChg>
+        <pc:spChg chg="add del mod">
+          <ac:chgData name="正樹 中山" userId="7eabd57b-b900-4e86-8622-e94bcfa04d00" providerId="ADAL" clId="{90B7DD84-4022-4338-B19A-53386414BF58}" dt="2022-04-12T04:46:10.433" v="335" actId="478"/>
+          <ac:spMkLst>
+            <pc:docMk/>
+            <pc:sldMk cId="3444483772" sldId="701"/>
+            <ac:spMk id="99" creationId="{3F0EDA04-30D4-43C0-8B19-2466374318CA}"/>
+          </ac:spMkLst>
+        </pc:spChg>
+        <pc:spChg chg="add del mod">
+          <ac:chgData name="正樹 中山" userId="7eabd57b-b900-4e86-8622-e94bcfa04d00" providerId="ADAL" clId="{90B7DD84-4022-4338-B19A-53386414BF58}" dt="2022-04-12T04:46:10.433" v="335" actId="478"/>
+          <ac:spMkLst>
+            <pc:docMk/>
+            <pc:sldMk cId="3444483772" sldId="701"/>
+            <ac:spMk id="100" creationId="{AB4D8B43-C3DF-4FDB-A4A1-3C289A579A23}"/>
+          </ac:spMkLst>
+        </pc:spChg>
+        <pc:spChg chg="add mod">
+          <ac:chgData name="正樹 中山" userId="7eabd57b-b900-4e86-8622-e94bcfa04d00" providerId="ADAL" clId="{90B7DD84-4022-4338-B19A-53386414BF58}" dt="2022-04-12T04:21:06.186" v="166" actId="1076"/>
+          <ac:spMkLst>
+            <pc:docMk/>
+            <pc:sldMk cId="3444483772" sldId="701"/>
+            <ac:spMk id="101" creationId="{D7DB7997-F5AB-4383-A761-8C0F049B972A}"/>
+          </ac:spMkLst>
+        </pc:spChg>
+        <pc:spChg chg="add mod">
+          <ac:chgData name="正樹 中山" userId="7eabd57b-b900-4e86-8622-e94bcfa04d00" providerId="ADAL" clId="{90B7DD84-4022-4338-B19A-53386414BF58}" dt="2022-04-12T04:52:12.195" v="358" actId="1076"/>
+          <ac:spMkLst>
+            <pc:docMk/>
+            <pc:sldMk cId="3444483772" sldId="701"/>
+            <ac:spMk id="102" creationId="{353CF417-30EC-4AA8-BB0A-568CE1AA8A6A}"/>
+          </ac:spMkLst>
+        </pc:spChg>
+        <pc:spChg chg="del mod">
+          <ac:chgData name="正樹 中山" userId="7eabd57b-b900-4e86-8622-e94bcfa04d00" providerId="ADAL" clId="{90B7DD84-4022-4338-B19A-53386414BF58}" dt="2022-04-12T04:46:10.433" v="335" actId="478"/>
+          <ac:spMkLst>
+            <pc:docMk/>
+            <pc:sldMk cId="3444483772" sldId="701"/>
+            <ac:spMk id="119" creationId="{00000000-0000-0000-0000-000000000000}"/>
+          </ac:spMkLst>
+        </pc:spChg>
+        <pc:spChg chg="del mod">
+          <ac:chgData name="正樹 中山" userId="7eabd57b-b900-4e86-8622-e94bcfa04d00" providerId="ADAL" clId="{90B7DD84-4022-4338-B19A-53386414BF58}" dt="2022-04-12T04:46:10.433" v="335" actId="478"/>
+          <ac:spMkLst>
+            <pc:docMk/>
+            <pc:sldMk cId="3444483772" sldId="701"/>
+            <ac:spMk id="120" creationId="{00000000-0000-0000-0000-000000000000}"/>
+          </ac:spMkLst>
+        </pc:spChg>
+        <pc:spChg chg="del mod">
+          <ac:chgData name="正樹 中山" userId="7eabd57b-b900-4e86-8622-e94bcfa04d00" providerId="ADAL" clId="{90B7DD84-4022-4338-B19A-53386414BF58}" dt="2022-04-12T04:46:10.433" v="335" actId="478"/>
+          <ac:spMkLst>
+            <pc:docMk/>
+            <pc:sldMk cId="3444483772" sldId="701"/>
+            <ac:spMk id="121" creationId="{00000000-0000-0000-0000-000000000000}"/>
+          </ac:spMkLst>
+        </pc:spChg>
+        <pc:spChg chg="mod">
+          <ac:chgData name="正樹 中山" userId="7eabd57b-b900-4e86-8622-e94bcfa04d00" providerId="ADAL" clId="{90B7DD84-4022-4338-B19A-53386414BF58}" dt="2022-04-12T04:22:15.673" v="171" actId="1076"/>
+          <ac:spMkLst>
+            <pc:docMk/>
+            <pc:sldMk cId="3444483772" sldId="701"/>
+            <ac:spMk id="131" creationId="{00000000-0000-0000-0000-000000000000}"/>
+          </ac:spMkLst>
+        </pc:spChg>
+        <pc:spChg chg="mod">
+          <ac:chgData name="正樹 中山" userId="7eabd57b-b900-4e86-8622-e94bcfa04d00" providerId="ADAL" clId="{90B7DD84-4022-4338-B19A-53386414BF58}" dt="2022-04-12T04:52:51.089" v="361" actId="207"/>
+          <ac:spMkLst>
+            <pc:docMk/>
+            <pc:sldMk cId="3444483772" sldId="701"/>
+            <ac:spMk id="132" creationId="{00000000-0000-0000-0000-000000000000}"/>
+          </ac:spMkLst>
+        </pc:spChg>
+        <pc:spChg chg="mod">
+          <ac:chgData name="正樹 中山" userId="7eabd57b-b900-4e86-8622-e94bcfa04d00" providerId="ADAL" clId="{90B7DD84-4022-4338-B19A-53386414BF58}" dt="2022-04-12T04:21:48.321" v="170" actId="14100"/>
+          <ac:spMkLst>
+            <pc:docMk/>
+            <pc:sldMk cId="3444483772" sldId="701"/>
+            <ac:spMk id="133" creationId="{00000000-0000-0000-0000-000000000000}"/>
+          </ac:spMkLst>
+        </pc:spChg>
+        <pc:spChg chg="mod">
+          <ac:chgData name="正樹 中山" userId="7eabd57b-b900-4e86-8622-e94bcfa04d00" providerId="ADAL" clId="{90B7DD84-4022-4338-B19A-53386414BF58}" dt="2022-04-12T04:22:18.914" v="172" actId="1076"/>
+          <ac:spMkLst>
+            <pc:docMk/>
+            <pc:sldMk cId="3444483772" sldId="701"/>
+            <ac:spMk id="135" creationId="{00000000-0000-0000-0000-000000000000}"/>
+          </ac:spMkLst>
+        </pc:spChg>
+        <pc:spChg chg="mod">
+          <ac:chgData name="正樹 中山" userId="7eabd57b-b900-4e86-8622-e94bcfa04d00" providerId="ADAL" clId="{90B7DD84-4022-4338-B19A-53386414BF58}" dt="2022-04-12T04:29:16.857" v="320" actId="14100"/>
+          <ac:spMkLst>
+            <pc:docMk/>
+            <pc:sldMk cId="3444483772" sldId="701"/>
+            <ac:spMk id="136" creationId="{00000000-0000-0000-0000-000000000000}"/>
+          </ac:spMkLst>
+        </pc:spChg>
+        <pc:spChg chg="mod">
+          <ac:chgData name="正樹 中山" userId="7eabd57b-b900-4e86-8622-e94bcfa04d00" providerId="ADAL" clId="{90B7DD84-4022-4338-B19A-53386414BF58}" dt="2022-04-12T04:44:38.101" v="326" actId="14100"/>
+          <ac:spMkLst>
+            <pc:docMk/>
+            <pc:sldMk cId="3444483772" sldId="701"/>
+            <ac:spMk id="139" creationId="{00000000-0000-0000-0000-000000000000}"/>
+          </ac:spMkLst>
+        </pc:spChg>
+        <pc:grpChg chg="del">
+          <ac:chgData name="正樹 中山" userId="7eabd57b-b900-4e86-8622-e94bcfa04d00" providerId="ADAL" clId="{90B7DD84-4022-4338-B19A-53386414BF58}" dt="2022-04-12T04:26:20.766" v="253" actId="478"/>
+          <ac:grpSpMkLst>
+            <pc:docMk/>
+            <pc:sldMk cId="3444483772" sldId="701"/>
+            <ac:grpSpMk id="77" creationId="{00000000-0000-0000-0000-000000000000}"/>
+          </ac:grpSpMkLst>
+        </pc:grpChg>
+        <pc:grpChg chg="mod">
+          <ac:chgData name="正樹 中山" userId="7eabd57b-b900-4e86-8622-e94bcfa04d00" providerId="ADAL" clId="{90B7DD84-4022-4338-B19A-53386414BF58}" dt="2022-04-12T04:15:15.908" v="111" actId="1076"/>
+          <ac:grpSpMkLst>
+            <pc:docMk/>
+            <pc:sldMk cId="3444483772" sldId="701"/>
+            <ac:grpSpMk id="80" creationId="{00000000-0000-0000-0000-000000000000}"/>
+          </ac:grpSpMkLst>
+        </pc:grpChg>
+        <pc:grpChg chg="mod">
+          <ac:chgData name="正樹 中山" userId="7eabd57b-b900-4e86-8622-e94bcfa04d00" providerId="ADAL" clId="{90B7DD84-4022-4338-B19A-53386414BF58}" dt="2022-04-12T04:20:09.853" v="143" actId="1076"/>
+          <ac:grpSpMkLst>
+            <pc:docMk/>
+            <pc:sldMk cId="3444483772" sldId="701"/>
+            <ac:grpSpMk id="86" creationId="{00000000-0000-0000-0000-000000000000}"/>
+          </ac:grpSpMkLst>
+        </pc:grpChg>
+        <pc:picChg chg="mod">
+          <ac:chgData name="正樹 中山" userId="7eabd57b-b900-4e86-8622-e94bcfa04d00" providerId="ADAL" clId="{90B7DD84-4022-4338-B19A-53386414BF58}" dt="2022-04-12T04:20:09.853" v="143" actId="1076"/>
+          <ac:picMkLst>
+            <pc:docMk/>
+            <pc:sldMk cId="3444483772" sldId="701"/>
+            <ac:picMk id="88" creationId="{00000000-0000-0000-0000-000000000000}"/>
+          </ac:picMkLst>
+        </pc:picChg>
+      </pc:sldChg>
+    </pc:docChg>
+  </pc:docChgLst>
 </pc:chgInfo>
 </file>
 
@@ -352,7 +736,7 @@
           <a:p>
             <a:fld id="{B377335C-6462-4247-BEFA-CD97B67177F9}" type="datetimeFigureOut">
               <a:rPr kumimoji="1" lang="ja-JP" altLang="en-US" smtClean="0"/>
-              <a:t>2021/9/30</a:t>
+              <a:t>2022/4/12</a:t>
             </a:fld>
             <a:endParaRPr kumimoji="1" lang="ja-JP" altLang="en-US"/>
           </a:p>
@@ -795,7 +1179,7 @@
             <a:fld id="{DD2B6372-1A88-4F0C-86B1-FCF70832C42C}" type="datetimeFigureOut">
               <a:rPr lang="ja-JP" altLang="en-US" smtClean="0"/>
               <a:pPr/>
-              <a:t>2021/9/30</a:t>
+              <a:t>2022/4/12</a:t>
             </a:fld>
             <a:endParaRPr lang="ja-JP" altLang="en-US"/>
           </a:p>
@@ -1188,7 +1572,7 @@
             <a:fld id="{DD2B6372-1A88-4F0C-86B1-FCF70832C42C}" type="datetimeFigureOut">
               <a:rPr lang="ja-JP" altLang="en-US" smtClean="0"/>
               <a:pPr/>
-              <a:t>2021/9/30</a:t>
+              <a:t>2022/4/12</a:t>
             </a:fld>
             <a:endParaRPr lang="ja-JP" altLang="en-US"/>
           </a:p>
@@ -1397,7 +1781,7 @@
             <a:fld id="{DD2B6372-1A88-4F0C-86B1-FCF70832C42C}" type="datetimeFigureOut">
               <a:rPr lang="ja-JP" altLang="en-US" smtClean="0"/>
               <a:pPr/>
-              <a:t>2021/9/30</a:t>
+              <a:t>2022/4/12</a:t>
             </a:fld>
             <a:endParaRPr lang="ja-JP" altLang="en-US"/>
           </a:p>
@@ -1634,7 +2018,7 @@
             <a:fld id="{DD2B6372-1A88-4F0C-86B1-FCF70832C42C}" type="datetimeFigureOut">
               <a:rPr lang="ja-JP" altLang="en-US" smtClean="0"/>
               <a:pPr/>
-              <a:t>2021/9/30</a:t>
+              <a:t>2022/4/12</a:t>
             </a:fld>
             <a:endParaRPr lang="ja-JP" altLang="en-US"/>
           </a:p>
@@ -1937,7 +2321,7 @@
             <a:fld id="{DD2B6372-1A88-4F0C-86B1-FCF70832C42C}" type="datetimeFigureOut">
               <a:rPr lang="ja-JP" altLang="en-US" smtClean="0"/>
               <a:pPr/>
-              <a:t>2021/9/30</a:t>
+              <a:t>2022/4/12</a:t>
             </a:fld>
             <a:endParaRPr lang="ja-JP" altLang="en-US"/>
           </a:p>
@@ -2159,7 +2543,7 @@
             <a:fld id="{DD2B6372-1A88-4F0C-86B1-FCF70832C42C}" type="datetimeFigureOut">
               <a:rPr lang="ja-JP" altLang="en-US" smtClean="0"/>
               <a:pPr/>
-              <a:t>2021/9/30</a:t>
+              <a:t>2022/4/12</a:t>
             </a:fld>
             <a:endParaRPr lang="ja-JP" altLang="en-US"/>
           </a:p>
@@ -2577,7 +2961,7 @@
             <a:fld id="{DD2B6372-1A88-4F0C-86B1-FCF70832C42C}" type="datetimeFigureOut">
               <a:rPr lang="ja-JP" altLang="en-US" smtClean="0"/>
               <a:pPr/>
-              <a:t>2021/9/30</a:t>
+              <a:t>2022/4/12</a:t>
             </a:fld>
             <a:endParaRPr lang="ja-JP" altLang="en-US"/>
           </a:p>
@@ -2875,7 +3259,7 @@
             <a:fld id="{DD2B6372-1A88-4F0C-86B1-FCF70832C42C}" type="datetimeFigureOut">
               <a:rPr lang="ja-JP" altLang="en-US" smtClean="0"/>
               <a:pPr/>
-              <a:t>2021/9/30</a:t>
+              <a:t>2022/4/12</a:t>
             </a:fld>
             <a:endParaRPr lang="ja-JP" altLang="en-US"/>
           </a:p>
@@ -3017,7 +3401,7 @@
             <a:fld id="{DD2B6372-1A88-4F0C-86B1-FCF70832C42C}" type="datetimeFigureOut">
               <a:rPr lang="ja-JP" altLang="en-US" smtClean="0"/>
               <a:pPr/>
-              <a:t>2021/9/30</a:t>
+              <a:t>2022/4/12</a:t>
             </a:fld>
             <a:endParaRPr lang="ja-JP" altLang="en-US"/>
           </a:p>
@@ -3296,7 +3680,7 @@
             <a:fld id="{DD2B6372-1A88-4F0C-86B1-FCF70832C42C}" type="datetimeFigureOut">
               <a:rPr lang="ja-JP" altLang="en-US" smtClean="0"/>
               <a:pPr/>
-              <a:t>2021/9/30</a:t>
+              <a:t>2022/4/12</a:t>
             </a:fld>
             <a:endParaRPr lang="ja-JP" altLang="en-US"/>
           </a:p>
@@ -3737,7 +4121,7 @@
             <a:fld id="{DD2B6372-1A88-4F0C-86B1-FCF70832C42C}" type="datetimeFigureOut">
               <a:rPr lang="ja-JP" altLang="en-US" smtClean="0"/>
               <a:pPr/>
-              <a:t>2021/9/30</a:t>
+              <a:t>2022/4/12</a:t>
             </a:fld>
             <a:endParaRPr lang="ja-JP" altLang="en-US"/>
           </a:p>
@@ -4109,7 +4493,7 @@
             <a:fld id="{DD2B6372-1A88-4F0C-86B1-FCF70832C42C}" type="datetimeFigureOut">
               <a:rPr lang="ja-JP" altLang="en-US" smtClean="0"/>
               <a:pPr/>
-              <a:t>2021/9/30</a:t>
+              <a:t>2022/4/12</a:t>
             </a:fld>
             <a:endParaRPr lang="ja-JP" altLang="en-US"/>
           </a:p>
@@ -4711,7 +5095,7 @@
         <p:spPr bwMode="auto">
           <a:xfrm>
             <a:off x="1700808" y="3332666"/>
-            <a:ext cx="4152790" cy="2933392"/>
+            <a:ext cx="4152790" cy="2658729"/>
           </a:xfrm>
           <a:prstGeom prst="rect">
             <a:avLst/>
@@ -4948,7 +5332,7 @@
         </p:nvSpPr>
         <p:spPr bwMode="auto">
           <a:xfrm>
-            <a:off x="6583782" y="978121"/>
+            <a:off x="6583782" y="1023277"/>
             <a:ext cx="4698448" cy="476025"/>
           </a:xfrm>
           <a:prstGeom prst="roundRect">
@@ -4987,7 +5371,7 @@
                 <a:ea typeface="Meiryo UI" panose="020B0604030504040204" pitchFamily="50" charset="-128"/>
                 <a:cs typeface="Meiryo UI" panose="020B0604030504040204" pitchFamily="50" charset="-128"/>
               </a:rPr>
-              <a:t>経営者がセキュリティ対策の必要性を認識し、具体的な対策を実施できるように</a:t>
+              <a:t>課題解決・経営者の意識改革</a:t>
             </a:r>
             <a:endParaRPr lang="ja-JP" altLang="ja-JP" sz="1200" b="1" dirty="0">
               <a:latin typeface="Meiryo UI" panose="020B0604030504040204" pitchFamily="50" charset="-128"/>
@@ -4997,97 +5381,6 @@
           </a:p>
         </p:txBody>
       </p:sp>
-      <p:grpSp>
-        <p:nvGrpSpPr>
-          <p:cNvPr id="77" name="グループ化 76"/>
-          <p:cNvGrpSpPr/>
-          <p:nvPr/>
-        </p:nvGrpSpPr>
-        <p:grpSpPr>
-          <a:xfrm>
-            <a:off x="4755023" y="1810024"/>
-            <a:ext cx="552340" cy="799302"/>
-            <a:chOff x="-185784" y="2437254"/>
-            <a:chExt cx="599429" cy="787538"/>
-          </a:xfrm>
-        </p:grpSpPr>
-        <p:sp>
-          <p:nvSpPr>
-            <p:cNvPr id="78" name="テキスト ボックス 77"/>
-            <p:cNvSpPr txBox="1"/>
-            <p:nvPr/>
-          </p:nvSpPr>
-          <p:spPr>
-            <a:xfrm>
-              <a:off x="-151528" y="2993960"/>
-              <a:ext cx="530916" cy="230832"/>
-            </a:xfrm>
-            <a:prstGeom prst="rect">
-              <a:avLst/>
-            </a:prstGeom>
-            <a:noFill/>
-          </p:spPr>
-          <p:txBody>
-            <a:bodyPr wrap="none" rtlCol="0">
-              <a:spAutoFit/>
-            </a:bodyPr>
-            <a:lstStyle/>
-            <a:p>
-              <a:pPr algn="ctr"/>
-              <a:r>
-                <a:rPr kumimoji="1" lang="ja-JP" altLang="en-US" sz="900" dirty="0">
-                  <a:latin typeface="Meiryo UI" panose="020B0604030504040204" pitchFamily="50" charset="-128"/>
-                  <a:ea typeface="Meiryo UI" panose="020B0604030504040204" pitchFamily="50" charset="-128"/>
-                  <a:cs typeface="Meiryo UI" panose="020B0604030504040204" pitchFamily="50" charset="-128"/>
-                </a:rPr>
-                <a:t>経営者</a:t>
-              </a:r>
-            </a:p>
-          </p:txBody>
-        </p:sp>
-        <p:pic>
-          <p:nvPicPr>
-            <p:cNvPr id="79" name="図 78"/>
-            <p:cNvPicPr>
-              <a:picLocks noChangeAspect="1"/>
-            </p:cNvPicPr>
-            <p:nvPr/>
-          </p:nvPicPr>
-          <p:blipFill>
-            <a:blip r:embed="rId2">
-              <a:extLst>
-                <a:ext uri="{BEBA8EAE-BF5A-486C-A8C5-ECC9F3942E4B}">
-                  <a14:imgProps xmlns:a14="http://schemas.microsoft.com/office/drawing/2010/main">
-                    <a14:imgLayer r:embed="rId3">
-                      <a14:imgEffect>
-                        <a14:backgroundRemoval t="0" b="100000" l="0" r="100000">
-                          <a14:foregroundMark x1="14103" y1="73333" x2="14103" y2="73333"/>
-                          <a14:foregroundMark x1="46154" y1="85333" x2="46154" y2="85333"/>
-                          <a14:foregroundMark x1="53846" y1="45333" x2="53846" y2="45333"/>
-                          <a14:foregroundMark x1="42308" y1="20000" x2="42308" y2="20000"/>
-                          <a14:foregroundMark x1="73077" y1="24000" x2="73077" y2="24000"/>
-                        </a14:backgroundRemoval>
-                      </a14:imgEffect>
-                    </a14:imgLayer>
-                  </a14:imgProps>
-                </a:ext>
-              </a:extLst>
-            </a:blip>
-            <a:stretch>
-              <a:fillRect/>
-            </a:stretch>
-          </p:blipFill>
-          <p:spPr>
-            <a:xfrm>
-              <a:off x="-185784" y="2437254"/>
-              <a:ext cx="599429" cy="576374"/>
-            </a:xfrm>
-            <a:prstGeom prst="rect">
-              <a:avLst/>
-            </a:prstGeom>
-          </p:spPr>
-        </p:pic>
-      </p:grpSp>
       <p:grpSp>
         <p:nvGrpSpPr>
           <p:cNvPr id="80" name="グループ化 79"/>
@@ -5096,7 +5389,7 @@
         </p:nvGrpSpPr>
         <p:grpSpPr>
           <a:xfrm>
-            <a:off x="10444496" y="1463937"/>
+            <a:off x="6708459" y="1521182"/>
             <a:ext cx="599429" cy="787538"/>
             <a:chOff x="-185784" y="2437254"/>
             <a:chExt cx="599429" cy="787538"/>
@@ -5294,7 +5587,7 @@
         </p:nvGrpSpPr>
         <p:grpSpPr>
           <a:xfrm>
-            <a:off x="7106996" y="1626984"/>
+            <a:off x="10403161" y="1570988"/>
             <a:ext cx="699087" cy="745243"/>
             <a:chOff x="64101" y="318363"/>
             <a:chExt cx="699087" cy="745243"/>
@@ -5513,146 +5806,6 @@
       </p:sp>
       <p:sp>
         <p:nvSpPr>
-          <p:cNvPr id="119" name="右矢印 118"/>
-          <p:cNvSpPr/>
-          <p:nvPr/>
-        </p:nvSpPr>
-        <p:spPr>
-          <a:xfrm>
-            <a:off x="9342534" y="1463937"/>
-            <a:ext cx="1105661" cy="497862"/>
-          </a:xfrm>
-          <a:prstGeom prst="rightArrow">
-            <a:avLst/>
-          </a:prstGeom>
-        </p:spPr>
-        <p:style>
-          <a:lnRef idx="1">
-            <a:schemeClr val="accent2"/>
-          </a:lnRef>
-          <a:fillRef idx="2">
-            <a:schemeClr val="accent2"/>
-          </a:fillRef>
-          <a:effectRef idx="1">
-            <a:schemeClr val="accent2"/>
-          </a:effectRef>
-          <a:fontRef idx="minor">
-            <a:schemeClr val="dk1"/>
-          </a:fontRef>
-        </p:style>
-        <p:txBody>
-          <a:bodyPr rtlCol="0" anchor="ctr"/>
-          <a:lstStyle/>
-          <a:p>
-            <a:pPr algn="ctr"/>
-            <a:r>
-              <a:rPr lang="ja-JP" altLang="en-US" sz="1200" dirty="0">
-                <a:latin typeface="Meiryo UI" panose="020B0604030504040204" pitchFamily="50" charset="-128"/>
-                <a:ea typeface="Meiryo UI" panose="020B0604030504040204" pitchFamily="50" charset="-128"/>
-                <a:cs typeface="Meiryo UI" panose="020B0604030504040204" pitchFamily="50" charset="-128"/>
-              </a:rPr>
-              <a:t>助言・提言</a:t>
-            </a:r>
-            <a:endParaRPr kumimoji="1" lang="ja-JP" altLang="en-US" sz="1200" dirty="0">
-              <a:latin typeface="Meiryo UI" panose="020B0604030504040204" pitchFamily="50" charset="-128"/>
-              <a:ea typeface="Meiryo UI" panose="020B0604030504040204" pitchFamily="50" charset="-128"/>
-              <a:cs typeface="Meiryo UI" panose="020B0604030504040204" pitchFamily="50" charset="-128"/>
-            </a:endParaRPr>
-          </a:p>
-        </p:txBody>
-      </p:sp>
-      <p:sp>
-        <p:nvSpPr>
-          <p:cNvPr id="120" name="左矢印 119"/>
-          <p:cNvSpPr/>
-          <p:nvPr/>
-        </p:nvSpPr>
-        <p:spPr>
-          <a:xfrm>
-            <a:off x="9246544" y="1914951"/>
-            <a:ext cx="1179871" cy="528241"/>
-          </a:xfrm>
-          <a:prstGeom prst="leftArrow">
-            <a:avLst/>
-          </a:prstGeom>
-        </p:spPr>
-        <p:style>
-          <a:lnRef idx="2">
-            <a:schemeClr val="accent1"/>
-          </a:lnRef>
-          <a:fillRef idx="1">
-            <a:schemeClr val="lt1"/>
-          </a:fillRef>
-          <a:effectRef idx="0">
-            <a:schemeClr val="accent1"/>
-          </a:effectRef>
-          <a:fontRef idx="minor">
-            <a:schemeClr val="dk1"/>
-          </a:fontRef>
-        </p:style>
-        <p:txBody>
-          <a:bodyPr rtlCol="0" anchor="ctr"/>
-          <a:lstStyle/>
-          <a:p>
-            <a:pPr algn="ctr"/>
-            <a:r>
-              <a:rPr kumimoji="1" lang="ja-JP" altLang="en-US" sz="1200" dirty="0">
-                <a:latin typeface="Meiryo UI" panose="020B0604030504040204" pitchFamily="50" charset="-128"/>
-                <a:ea typeface="Meiryo UI" panose="020B0604030504040204" pitchFamily="50" charset="-128"/>
-                <a:cs typeface="Meiryo UI" panose="020B0604030504040204" pitchFamily="50" charset="-128"/>
-              </a:rPr>
-              <a:t>実施指示</a:t>
-            </a:r>
-          </a:p>
-        </p:txBody>
-      </p:sp>
-      <p:sp>
-        <p:nvSpPr>
-          <p:cNvPr id="121" name="左矢印 120"/>
-          <p:cNvSpPr/>
-          <p:nvPr/>
-        </p:nvSpPr>
-        <p:spPr>
-          <a:xfrm>
-            <a:off x="7625530" y="1833919"/>
-            <a:ext cx="1179871" cy="528241"/>
-          </a:xfrm>
-          <a:prstGeom prst="leftArrow">
-            <a:avLst/>
-          </a:prstGeom>
-        </p:spPr>
-        <p:style>
-          <a:lnRef idx="2">
-            <a:schemeClr val="accent1"/>
-          </a:lnRef>
-          <a:fillRef idx="1">
-            <a:schemeClr val="lt1"/>
-          </a:fillRef>
-          <a:effectRef idx="0">
-            <a:schemeClr val="accent1"/>
-          </a:effectRef>
-          <a:fontRef idx="minor">
-            <a:schemeClr val="dk1"/>
-          </a:fontRef>
-        </p:style>
-        <p:txBody>
-          <a:bodyPr rtlCol="0" anchor="ctr"/>
-          <a:lstStyle/>
-          <a:p>
-            <a:pPr algn="ctr"/>
-            <a:r>
-              <a:rPr kumimoji="1" lang="ja-JP" altLang="en-US" sz="1200" dirty="0">
-                <a:latin typeface="Meiryo UI" panose="020B0604030504040204" pitchFamily="50" charset="-128"/>
-                <a:ea typeface="Meiryo UI" panose="020B0604030504040204" pitchFamily="50" charset="-128"/>
-                <a:cs typeface="Meiryo UI" panose="020B0604030504040204" pitchFamily="50" charset="-128"/>
-              </a:rPr>
-              <a:t>教育・指導</a:t>
-            </a:r>
-          </a:p>
-        </p:txBody>
-      </p:sp>
-      <p:sp>
-        <p:nvSpPr>
           <p:cNvPr id="129" name="AutoShape 8"/>
           <p:cNvSpPr>
             <a:spLocks noChangeArrowheads="1"/>
@@ -5751,7 +5904,7 @@
         </p:nvSpPr>
         <p:spPr>
           <a:xfrm>
-            <a:off x="3838766" y="5321003"/>
+            <a:off x="2188635" y="5253499"/>
             <a:ext cx="506018" cy="778448"/>
           </a:xfrm>
           <a:prstGeom prst="upDownArrow">
@@ -5795,8 +5948,8 @@
         </p:nvSpPr>
         <p:spPr>
           <a:xfrm>
-            <a:off x="4960577" y="4063552"/>
-            <a:ext cx="2641342" cy="690107"/>
+            <a:off x="4960577" y="4063553"/>
+            <a:ext cx="2641342" cy="501422"/>
           </a:xfrm>
           <a:prstGeom prst="rightArrow">
             <a:avLst/>
@@ -5911,7 +6064,7 @@
         </p:nvSpPr>
         <p:spPr>
           <a:xfrm>
-            <a:off x="2782556" y="5487385"/>
+            <a:off x="4047870" y="5393458"/>
             <a:ext cx="609138" cy="662495"/>
           </a:xfrm>
           <a:prstGeom prst="upArrow">
@@ -5955,8 +6108,8 @@
         </p:nvSpPr>
         <p:spPr>
           <a:xfrm>
-            <a:off x="3579544" y="6110771"/>
-            <a:ext cx="2023516" cy="619656"/>
+            <a:off x="2981729" y="6055953"/>
+            <a:ext cx="956706" cy="619656"/>
           </a:xfrm>
           <a:prstGeom prst="frame">
             <a:avLst/>
@@ -5989,7 +6142,7 @@
           <a:p>
             <a:pPr algn="ctr"/>
             <a:r>
-              <a:rPr kumimoji="1" lang="en-US" altLang="ja-JP" dirty="0">
+              <a:rPr kumimoji="1" lang="en-US" altLang="ja-JP" sz="1400" dirty="0">
                 <a:solidFill>
                   <a:schemeClr val="tx1"/>
                 </a:solidFill>
@@ -5999,17 +6152,14 @@
               </a:rPr>
               <a:t>TCYSS</a:t>
             </a:r>
-            <a:r>
-              <a:rPr kumimoji="1" lang="ja-JP" altLang="en-US" dirty="0">
-                <a:solidFill>
-                  <a:schemeClr val="tx1"/>
-                </a:solidFill>
-                <a:latin typeface="Meiryo UI" panose="020B0604030504040204" pitchFamily="50" charset="-128"/>
-                <a:ea typeface="Meiryo UI" panose="020B0604030504040204" pitchFamily="50" charset="-128"/>
-                <a:cs typeface="Meiryo UI" panose="020B0604030504040204" pitchFamily="50" charset="-128"/>
-              </a:rPr>
-              <a:t>参加組織</a:t>
-            </a:r>
+            <a:endParaRPr kumimoji="1" lang="ja-JP" altLang="en-US" sz="1400" dirty="0">
+              <a:solidFill>
+                <a:schemeClr val="tx1"/>
+              </a:solidFill>
+              <a:latin typeface="Meiryo UI" panose="020B0604030504040204" pitchFamily="50" charset="-128"/>
+              <a:ea typeface="Meiryo UI" panose="020B0604030504040204" pitchFamily="50" charset="-128"/>
+              <a:cs typeface="Meiryo UI" panose="020B0604030504040204" pitchFamily="50" charset="-128"/>
+            </a:endParaRPr>
           </a:p>
         </p:txBody>
       </p:sp>
@@ -6086,7 +6236,7 @@
                 <a:ea typeface="Meiryo UI" panose="020B0604030504040204" pitchFamily="50" charset="-128"/>
                 <a:cs typeface="Meiryo UI" panose="020B0604030504040204" pitchFamily="50" charset="-128"/>
               </a:rPr>
-              <a:t>2021</a:t>
+              <a:t>2022</a:t>
             </a:r>
             <a:r>
               <a:rPr kumimoji="1" lang="ja-JP" altLang="en-US" sz="1400" dirty="0">
@@ -6097,44 +6247,44 @@
               <a:t>年</a:t>
             </a:r>
             <a:r>
+              <a:rPr lang="en-US" altLang="ja-JP" sz="1400" dirty="0">
+                <a:latin typeface="Meiryo UI" panose="020B0604030504040204" pitchFamily="50" charset="-128"/>
+                <a:ea typeface="Meiryo UI" panose="020B0604030504040204" pitchFamily="50" charset="-128"/>
+                <a:cs typeface="Meiryo UI" panose="020B0604030504040204" pitchFamily="50" charset="-128"/>
+              </a:rPr>
+              <a:t>4</a:t>
+            </a:r>
+            <a:r>
+              <a:rPr kumimoji="1" lang="ja-JP" altLang="en-US" sz="1400" dirty="0">
+                <a:latin typeface="Meiryo UI" panose="020B0604030504040204" pitchFamily="50" charset="-128"/>
+                <a:ea typeface="Meiryo UI" panose="020B0604030504040204" pitchFamily="50" charset="-128"/>
+                <a:cs typeface="Meiryo UI" panose="020B0604030504040204" pitchFamily="50" charset="-128"/>
+              </a:rPr>
+              <a:t>月</a:t>
+            </a:r>
+            <a:r>
+              <a:rPr lang="en-US" altLang="ja-JP" sz="1400" dirty="0">
+                <a:latin typeface="Meiryo UI" panose="020B0604030504040204" pitchFamily="50" charset="-128"/>
+                <a:ea typeface="Meiryo UI" panose="020B0604030504040204" pitchFamily="50" charset="-128"/>
+                <a:cs typeface="Meiryo UI" panose="020B0604030504040204" pitchFamily="50" charset="-128"/>
+              </a:rPr>
+              <a:t>12</a:t>
+            </a:r>
+            <a:r>
+              <a:rPr kumimoji="1" lang="ja-JP" altLang="en-US" sz="1400" dirty="0">
+                <a:latin typeface="Meiryo UI" panose="020B0604030504040204" pitchFamily="50" charset="-128"/>
+                <a:ea typeface="Meiryo UI" panose="020B0604030504040204" pitchFamily="50" charset="-128"/>
+                <a:cs typeface="Meiryo UI" panose="020B0604030504040204" pitchFamily="50" charset="-128"/>
+              </a:rPr>
+              <a:t>日第</a:t>
+            </a:r>
+            <a:r>
               <a:rPr kumimoji="1" lang="en-US" altLang="ja-JP" sz="1400" dirty="0">
                 <a:latin typeface="Meiryo UI" panose="020B0604030504040204" pitchFamily="50" charset="-128"/>
                 <a:ea typeface="Meiryo UI" panose="020B0604030504040204" pitchFamily="50" charset="-128"/>
                 <a:cs typeface="Meiryo UI" panose="020B0604030504040204" pitchFamily="50" charset="-128"/>
               </a:rPr>
-              <a:t>9</a:t>
-            </a:r>
-            <a:r>
-              <a:rPr kumimoji="1" lang="ja-JP" altLang="en-US" sz="1400" dirty="0">
-                <a:latin typeface="Meiryo UI" panose="020B0604030504040204" pitchFamily="50" charset="-128"/>
-                <a:ea typeface="Meiryo UI" panose="020B0604030504040204" pitchFamily="50" charset="-128"/>
-                <a:cs typeface="Meiryo UI" panose="020B0604030504040204" pitchFamily="50" charset="-128"/>
-              </a:rPr>
-              <a:t>月</a:t>
-            </a:r>
-            <a:r>
-              <a:rPr kumimoji="1" lang="en-US" altLang="ja-JP" sz="1400" dirty="0">
-                <a:latin typeface="Meiryo UI" panose="020B0604030504040204" pitchFamily="50" charset="-128"/>
-                <a:ea typeface="Meiryo UI" panose="020B0604030504040204" pitchFamily="50" charset="-128"/>
-                <a:cs typeface="Meiryo UI" panose="020B0604030504040204" pitchFamily="50" charset="-128"/>
-              </a:rPr>
-              <a:t>30</a:t>
-            </a:r>
-            <a:r>
-              <a:rPr kumimoji="1" lang="ja-JP" altLang="en-US" sz="1400" dirty="0">
-                <a:latin typeface="Meiryo UI" panose="020B0604030504040204" pitchFamily="50" charset="-128"/>
-                <a:ea typeface="Meiryo UI" panose="020B0604030504040204" pitchFamily="50" charset="-128"/>
-                <a:cs typeface="Meiryo UI" panose="020B0604030504040204" pitchFamily="50" charset="-128"/>
-              </a:rPr>
-              <a:t>日第</a:t>
-            </a:r>
-            <a:r>
-              <a:rPr kumimoji="1" lang="en-US" altLang="ja-JP" sz="1400" dirty="0">
-                <a:latin typeface="Meiryo UI" panose="020B0604030504040204" pitchFamily="50" charset="-128"/>
-                <a:ea typeface="Meiryo UI" panose="020B0604030504040204" pitchFamily="50" charset="-128"/>
-                <a:cs typeface="Meiryo UI" panose="020B0604030504040204" pitchFamily="50" charset="-128"/>
-              </a:rPr>
-              <a:t>2.7</a:t>
+              <a:t>2.8</a:t>
             </a:r>
             <a:r>
               <a:rPr kumimoji="1" lang="ja-JP" altLang="en-US" sz="1400" dirty="0">
@@ -6230,13 +6380,16 @@
         <p:spPr bwMode="auto">
           <a:xfrm>
             <a:off x="85711" y="409575"/>
-            <a:ext cx="4425044" cy="2763414"/>
+            <a:ext cx="5031424" cy="2401253"/>
           </a:xfrm>
           <a:prstGeom prst="roundRect">
             <a:avLst>
               <a:gd name="adj" fmla="val 13018"/>
             </a:avLst>
           </a:prstGeom>
+          <a:solidFill>
+            <a:schemeClr val="bg1"/>
+          </a:solidFill>
           <a:ln>
             <a:headEnd/>
             <a:tailEnd/>
@@ -6328,7 +6481,7 @@
                 <a:ea typeface="Meiryo UI" panose="020B0604030504040204" pitchFamily="50" charset="-128"/>
                 <a:cs typeface="Meiryo UI" panose="020B0604030504040204" pitchFamily="50" charset="-128"/>
               </a:rPr>
-              <a:t>①情報の集約</a:t>
+              <a:t>①情報の集約及び知識化</a:t>
             </a:r>
             <a:r>
               <a:rPr lang="ja-JP" altLang="en-US" sz="1200" dirty="0">
@@ -6519,8 +6672,8 @@
         </p:nvSpPr>
         <p:spPr>
           <a:xfrm>
-            <a:off x="5252786" y="1660560"/>
-            <a:ext cx="1198395" cy="1062954"/>
+            <a:off x="7430569" y="1531342"/>
+            <a:ext cx="1198395" cy="467258"/>
           </a:xfrm>
           <a:prstGeom prst="leftArrow">
             <a:avLst/>
@@ -6551,29 +6704,8 @@
                 <a:ea typeface="Meiryo UI" panose="020B0604030504040204" pitchFamily="50" charset="-128"/>
                 <a:cs typeface="Meiryo UI" panose="020B0604030504040204" pitchFamily="50" charset="-128"/>
               </a:rPr>
-              <a:t>課題解決</a:t>
-            </a:r>
-            <a:endParaRPr kumimoji="1" lang="en-US" altLang="ja-JP" sz="1200" dirty="0">
-              <a:latin typeface="Meiryo UI" panose="020B0604030504040204" pitchFamily="50" charset="-128"/>
-              <a:ea typeface="Meiryo UI" panose="020B0604030504040204" pitchFamily="50" charset="-128"/>
-              <a:cs typeface="Meiryo UI" panose="020B0604030504040204" pitchFamily="50" charset="-128"/>
-            </a:endParaRPr>
-          </a:p>
-          <a:p>
-            <a:pPr algn="ctr"/>
-            <a:r>
-              <a:rPr lang="ja-JP" altLang="en-US" sz="1200" dirty="0">
-                <a:latin typeface="Meiryo UI" panose="020B0604030504040204" pitchFamily="50" charset="-128"/>
-                <a:ea typeface="Meiryo UI" panose="020B0604030504040204" pitchFamily="50" charset="-128"/>
-                <a:cs typeface="Meiryo UI" panose="020B0604030504040204" pitchFamily="50" charset="-128"/>
-              </a:rPr>
-              <a:t>意識改革</a:t>
-            </a:r>
-            <a:endParaRPr kumimoji="1" lang="ja-JP" altLang="en-US" sz="1200" dirty="0">
-              <a:latin typeface="Meiryo UI" panose="020B0604030504040204" pitchFamily="50" charset="-128"/>
-              <a:ea typeface="Meiryo UI" panose="020B0604030504040204" pitchFamily="50" charset="-128"/>
-              <a:cs typeface="Meiryo UI" panose="020B0604030504040204" pitchFamily="50" charset="-128"/>
-            </a:endParaRPr>
+              <a:t>助言・提言</a:t>
+            </a:r>
           </a:p>
         </p:txBody>
       </p:sp>
@@ -6585,7 +6717,7 @@
         </p:nvSpPr>
         <p:spPr>
           <a:xfrm>
-            <a:off x="4262693" y="5707589"/>
+            <a:off x="4597900" y="5499938"/>
             <a:ext cx="1516762" cy="430887"/>
           </a:xfrm>
           <a:prstGeom prst="rect">
@@ -6637,56 +6769,19 @@
       </p:sp>
       <p:sp>
         <p:nvSpPr>
-          <p:cNvPr id="56" name="正方形/長方形 55"/>
+          <p:cNvPr id="65" name="四角形吹き出し 64"/>
           <p:cNvSpPr/>
           <p:nvPr/>
         </p:nvSpPr>
         <p:spPr>
           <a:xfrm>
-            <a:off x="5038430" y="4227549"/>
-            <a:ext cx="2376344" cy="430887"/>
-          </a:xfrm>
-          <a:prstGeom prst="rect">
-            <a:avLst/>
-          </a:prstGeom>
-        </p:spPr>
-        <p:txBody>
-          <a:bodyPr wrap="square">
-            <a:spAutoFit/>
-          </a:bodyPr>
-          <a:lstStyle/>
-          <a:p>
-            <a:r>
-              <a:rPr lang="ja-JP" altLang="en-US" sz="1100" dirty="0">
-                <a:latin typeface="Meiryo UI" panose="020B0604030504040204" pitchFamily="50" charset="-128"/>
-                <a:ea typeface="Meiryo UI" panose="020B0604030504040204" pitchFamily="50" charset="-128"/>
-                <a:cs typeface="Meiryo UI" panose="020B0604030504040204" pitchFamily="50" charset="-128"/>
-              </a:rPr>
-              <a:t>知識化した情報をもとに、ユーザレベル毎の普及・啓発用情報の作成・蓄積</a:t>
-            </a:r>
-            <a:endParaRPr lang="en-US" altLang="ja-JP" sz="1100" dirty="0">
-              <a:latin typeface="Meiryo UI" panose="020B0604030504040204" pitchFamily="50" charset="-128"/>
-              <a:ea typeface="Meiryo UI" panose="020B0604030504040204" pitchFamily="50" charset="-128"/>
-              <a:cs typeface="Meiryo UI" panose="020B0604030504040204" pitchFamily="50" charset="-128"/>
-            </a:endParaRPr>
-          </a:p>
-        </p:txBody>
-      </p:sp>
-      <p:sp>
-        <p:nvSpPr>
-          <p:cNvPr id="3" name="四角形吹き出し 2"/>
-          <p:cNvSpPr/>
-          <p:nvPr/>
-        </p:nvSpPr>
-        <p:spPr>
-          <a:xfrm>
-            <a:off x="3886178" y="1299191"/>
-            <a:ext cx="2402521" cy="555312"/>
+            <a:off x="10142495" y="6099451"/>
+            <a:ext cx="1633070" cy="574742"/>
           </a:xfrm>
           <a:prstGeom prst="wedgeRectCallout">
             <a:avLst>
-              <a:gd name="adj1" fmla="val 59464"/>
-              <a:gd name="adj2" fmla="val -33341"/>
+              <a:gd name="adj1" fmla="val -93232"/>
+              <a:gd name="adj2" fmla="val -193065"/>
             </a:avLst>
           </a:prstGeom>
         </p:spPr>
@@ -6718,7 +6813,7 @@
                 <a:ea typeface="Meiryo UI" panose="020B0604030504040204" pitchFamily="50" charset="-128"/>
                 <a:cs typeface="Meiryo UI" panose="020B0604030504040204" pitchFamily="50" charset="-128"/>
               </a:rPr>
-              <a:t>経営者に対しての啓発</a:t>
+              <a:t>利用者が事前・緊急時どこでも見られるように</a:t>
             </a:r>
             <a:endParaRPr kumimoji="1" lang="en-US" altLang="ja-JP" sz="1100" dirty="0">
               <a:solidFill>
@@ -6732,160 +6827,6 @@
           <a:p>
             <a:pPr algn="ctr"/>
             <a:r>
-              <a:rPr kumimoji="1" lang="ja-JP" altLang="en-US" sz="1100" dirty="0">
-                <a:solidFill>
-                  <a:schemeClr val="tx1"/>
-                </a:solidFill>
-                <a:latin typeface="Meiryo UI" panose="020B0604030504040204" pitchFamily="50" charset="-128"/>
-                <a:ea typeface="Meiryo UI" panose="020B0604030504040204" pitchFamily="50" charset="-128"/>
-                <a:cs typeface="Meiryo UI" panose="020B0604030504040204" pitchFamily="50" charset="-128"/>
-              </a:rPr>
-              <a:t>組織の存続のためには</a:t>
-            </a:r>
-            <a:r>
-              <a:rPr kumimoji="1" lang="en-US" altLang="ja-JP" sz="1100" dirty="0">
-                <a:solidFill>
-                  <a:schemeClr val="tx1"/>
-                </a:solidFill>
-                <a:latin typeface="Meiryo UI" panose="020B0604030504040204" pitchFamily="50" charset="-128"/>
-                <a:ea typeface="Meiryo UI" panose="020B0604030504040204" pitchFamily="50" charset="-128"/>
-                <a:cs typeface="Meiryo UI" panose="020B0604030504040204" pitchFamily="50" charset="-128"/>
-              </a:rPr>
-              <a:t>IT</a:t>
-            </a:r>
-            <a:r>
-              <a:rPr kumimoji="1" lang="ja-JP" altLang="en-US" sz="1100" dirty="0">
-                <a:solidFill>
-                  <a:schemeClr val="tx1"/>
-                </a:solidFill>
-                <a:latin typeface="Meiryo UI" panose="020B0604030504040204" pitchFamily="50" charset="-128"/>
-                <a:ea typeface="Meiryo UI" panose="020B0604030504040204" pitchFamily="50" charset="-128"/>
-                <a:cs typeface="Meiryo UI" panose="020B0604030504040204" pitchFamily="50" charset="-128"/>
-              </a:rPr>
-              <a:t>の活用が必要。そのためにはセキュリティ対策が必須。</a:t>
-            </a:r>
-            <a:endParaRPr lang="en-US" altLang="ja-JP" sz="1100" dirty="0">
-              <a:solidFill>
-                <a:schemeClr val="tx1"/>
-              </a:solidFill>
-              <a:latin typeface="Meiryo UI" panose="020B0604030504040204" pitchFamily="50" charset="-128"/>
-              <a:ea typeface="Meiryo UI" panose="020B0604030504040204" pitchFamily="50" charset="-128"/>
-              <a:cs typeface="Meiryo UI" panose="020B0604030504040204" pitchFamily="50" charset="-128"/>
-            </a:endParaRPr>
-          </a:p>
-        </p:txBody>
-      </p:sp>
-      <p:sp>
-        <p:nvSpPr>
-          <p:cNvPr id="59" name="四角形吹き出し 58"/>
-          <p:cNvSpPr/>
-          <p:nvPr/>
-        </p:nvSpPr>
-        <p:spPr>
-          <a:xfrm>
-            <a:off x="4797631" y="2832651"/>
-            <a:ext cx="1557003" cy="439643"/>
-          </a:xfrm>
-          <a:prstGeom prst="wedgeRectCallout">
-            <a:avLst>
-              <a:gd name="adj1" fmla="val 103299"/>
-              <a:gd name="adj2" fmla="val 68399"/>
-            </a:avLst>
-          </a:prstGeom>
-        </p:spPr>
-        <p:style>
-          <a:lnRef idx="0">
-            <a:schemeClr val="accent4"/>
-          </a:lnRef>
-          <a:fillRef idx="3">
-            <a:schemeClr val="accent4"/>
-          </a:fillRef>
-          <a:effectRef idx="3">
-            <a:schemeClr val="accent4"/>
-          </a:effectRef>
-          <a:fontRef idx="minor">
-            <a:schemeClr val="lt1"/>
-          </a:fontRef>
-        </p:style>
-        <p:txBody>
-          <a:bodyPr rtlCol="0" anchor="ctr"/>
-          <a:lstStyle/>
-          <a:p>
-            <a:pPr algn="ctr"/>
-            <a:r>
-              <a:rPr kumimoji="1" lang="ja-JP" altLang="en-US" sz="1100" dirty="0">
-                <a:solidFill>
-                  <a:schemeClr val="tx1"/>
-                </a:solidFill>
-                <a:latin typeface="Meiryo UI" panose="020B0604030504040204" pitchFamily="50" charset="-128"/>
-                <a:ea typeface="Meiryo UI" panose="020B0604030504040204" pitchFamily="50" charset="-128"/>
-                <a:cs typeface="Meiryo UI" panose="020B0604030504040204" pitchFamily="50" charset="-128"/>
-              </a:rPr>
-              <a:t>一般論はガイドブックに記載した内容レベルで</a:t>
-            </a:r>
-          </a:p>
-        </p:txBody>
-      </p:sp>
-      <p:sp>
-        <p:nvSpPr>
-          <p:cNvPr id="65" name="四角形吹き出し 64"/>
-          <p:cNvSpPr/>
-          <p:nvPr/>
-        </p:nvSpPr>
-        <p:spPr>
-          <a:xfrm>
-            <a:off x="10142495" y="6099451"/>
-            <a:ext cx="1633070" cy="574742"/>
-          </a:xfrm>
-          <a:prstGeom prst="wedgeRectCallout">
-            <a:avLst>
-              <a:gd name="adj1" fmla="val -78715"/>
-              <a:gd name="adj2" fmla="val -71287"/>
-            </a:avLst>
-          </a:prstGeom>
-        </p:spPr>
-        <p:style>
-          <a:lnRef idx="0">
-            <a:schemeClr val="accent4"/>
-          </a:lnRef>
-          <a:fillRef idx="3">
-            <a:schemeClr val="accent4"/>
-          </a:fillRef>
-          <a:effectRef idx="3">
-            <a:schemeClr val="accent4"/>
-          </a:effectRef>
-          <a:fontRef idx="minor">
-            <a:schemeClr val="lt1"/>
-          </a:fontRef>
-        </p:style>
-        <p:txBody>
-          <a:bodyPr rtlCol="0" anchor="ctr"/>
-          <a:lstStyle/>
-          <a:p>
-            <a:pPr algn="ctr"/>
-            <a:r>
-              <a:rPr kumimoji="1" lang="ja-JP" altLang="en-US" sz="1100" dirty="0">
-                <a:solidFill>
-                  <a:schemeClr val="tx1"/>
-                </a:solidFill>
-                <a:latin typeface="Meiryo UI" panose="020B0604030504040204" pitchFamily="50" charset="-128"/>
-                <a:ea typeface="Meiryo UI" panose="020B0604030504040204" pitchFamily="50" charset="-128"/>
-                <a:cs typeface="Meiryo UI" panose="020B0604030504040204" pitchFamily="50" charset="-128"/>
-              </a:rPr>
-              <a:t>利用者が事前・緊急時どこでも見られるように</a:t>
-            </a:r>
-            <a:endParaRPr kumimoji="1" lang="en-US" altLang="ja-JP" sz="1100" dirty="0">
-              <a:solidFill>
-                <a:schemeClr val="tx1"/>
-              </a:solidFill>
-              <a:latin typeface="Meiryo UI" panose="020B0604030504040204" pitchFamily="50" charset="-128"/>
-              <a:ea typeface="Meiryo UI" panose="020B0604030504040204" pitchFamily="50" charset="-128"/>
-              <a:cs typeface="Meiryo UI" panose="020B0604030504040204" pitchFamily="50" charset="-128"/>
-            </a:endParaRPr>
-          </a:p>
-          <a:p>
-            <a:pPr algn="ctr"/>
-            <a:r>
               <a:rPr lang="en-US" altLang="ja-JP" sz="1100" dirty="0">
                 <a:solidFill>
                   <a:schemeClr val="tx1"/>
@@ -6931,134 +6872,13 @@
       </p:sp>
       <p:sp>
         <p:nvSpPr>
-          <p:cNvPr id="67" name="四角形吹き出し 66"/>
-          <p:cNvSpPr/>
-          <p:nvPr/>
-        </p:nvSpPr>
-        <p:spPr>
-          <a:xfrm>
-            <a:off x="10508857" y="3380334"/>
-            <a:ext cx="1359077" cy="689209"/>
-          </a:xfrm>
-          <a:prstGeom prst="wedgeRectCallout">
-            <a:avLst>
-              <a:gd name="adj1" fmla="val -66386"/>
-              <a:gd name="adj2" fmla="val -176657"/>
-            </a:avLst>
-          </a:prstGeom>
-        </p:spPr>
-        <p:style>
-          <a:lnRef idx="0">
-            <a:schemeClr val="accent4"/>
-          </a:lnRef>
-          <a:fillRef idx="3">
-            <a:schemeClr val="accent4"/>
-          </a:fillRef>
-          <a:effectRef idx="3">
-            <a:schemeClr val="accent4"/>
-          </a:effectRef>
-          <a:fontRef idx="minor">
-            <a:schemeClr val="lt1"/>
-          </a:fontRef>
-        </p:style>
-        <p:txBody>
-          <a:bodyPr rtlCol="0" anchor="ctr"/>
-          <a:lstStyle/>
-          <a:p>
-            <a:pPr algn="ctr"/>
-            <a:r>
-              <a:rPr kumimoji="1" lang="ja-JP" altLang="en-US" sz="1100" dirty="0">
-                <a:solidFill>
-                  <a:schemeClr val="tx1"/>
-                </a:solidFill>
-                <a:latin typeface="Meiryo UI" panose="020B0604030504040204" pitchFamily="50" charset="-128"/>
-                <a:ea typeface="Meiryo UI" panose="020B0604030504040204" pitchFamily="50" charset="-128"/>
-                <a:cs typeface="Meiryo UI" panose="020B0604030504040204" pitchFamily="50" charset="-128"/>
-              </a:rPr>
-              <a:t>具体的な対策を検討する組織には、</a:t>
-            </a:r>
-            <a:r>
-              <a:rPr lang="ja-JP" altLang="en-US" sz="1100" dirty="0">
-                <a:solidFill>
-                  <a:schemeClr val="tx1"/>
-                </a:solidFill>
-                <a:latin typeface="Meiryo UI" panose="020B0604030504040204" pitchFamily="50" charset="-128"/>
-                <a:ea typeface="Meiryo UI" panose="020B0604030504040204" pitchFamily="50" charset="-128"/>
-                <a:cs typeface="Meiryo UI" panose="020B0604030504040204" pitchFamily="50" charset="-128"/>
-              </a:rPr>
-              <a:t>まず「ガイドブック」を読むことを助言する</a:t>
-            </a:r>
-            <a:endParaRPr kumimoji="1" lang="ja-JP" altLang="en-US" sz="1100" dirty="0">
-              <a:solidFill>
-                <a:schemeClr val="tx1"/>
-              </a:solidFill>
-              <a:latin typeface="Meiryo UI" panose="020B0604030504040204" pitchFamily="50" charset="-128"/>
-              <a:ea typeface="Meiryo UI" panose="020B0604030504040204" pitchFamily="50" charset="-128"/>
-              <a:cs typeface="Meiryo UI" panose="020B0604030504040204" pitchFamily="50" charset="-128"/>
-            </a:endParaRPr>
-          </a:p>
-        </p:txBody>
-      </p:sp>
-      <p:sp>
-        <p:nvSpPr>
-          <p:cNvPr id="68" name="四角形吹き出し 67"/>
-          <p:cNvSpPr/>
-          <p:nvPr/>
-        </p:nvSpPr>
-        <p:spPr>
-          <a:xfrm>
-            <a:off x="5536098" y="4994849"/>
-            <a:ext cx="1159251" cy="673507"/>
-          </a:xfrm>
-          <a:prstGeom prst="wedgeRectCallout">
-            <a:avLst>
-              <a:gd name="adj1" fmla="val -52619"/>
-              <a:gd name="adj2" fmla="val 132292"/>
-            </a:avLst>
-          </a:prstGeom>
-        </p:spPr>
-        <p:style>
-          <a:lnRef idx="0">
-            <a:schemeClr val="accent4"/>
-          </a:lnRef>
-          <a:fillRef idx="3">
-            <a:schemeClr val="accent4"/>
-          </a:fillRef>
-          <a:effectRef idx="3">
-            <a:schemeClr val="accent4"/>
-          </a:effectRef>
-          <a:fontRef idx="minor">
-            <a:schemeClr val="lt1"/>
-          </a:fontRef>
-        </p:style>
-        <p:txBody>
-          <a:bodyPr rtlCol="0" anchor="ctr"/>
-          <a:lstStyle/>
-          <a:p>
-            <a:pPr algn="ctr"/>
-            <a:r>
-              <a:rPr kumimoji="1" lang="ja-JP" altLang="en-US" sz="1100" dirty="0">
-                <a:solidFill>
-                  <a:schemeClr val="tx1"/>
-                </a:solidFill>
-                <a:latin typeface="Meiryo UI" panose="020B0604030504040204" pitchFamily="50" charset="-128"/>
-                <a:ea typeface="Meiryo UI" panose="020B0604030504040204" pitchFamily="50" charset="-128"/>
-                <a:cs typeface="Meiryo UI" panose="020B0604030504040204" pitchFamily="50" charset="-128"/>
-              </a:rPr>
-              <a:t>インターネットでは得られない情報の集約が重要</a:t>
-            </a:r>
-          </a:p>
-        </p:txBody>
-      </p:sp>
-      <p:sp>
-        <p:nvSpPr>
           <p:cNvPr id="71" name="フレーム 70"/>
           <p:cNvSpPr/>
           <p:nvPr/>
         </p:nvSpPr>
         <p:spPr>
           <a:xfrm>
-            <a:off x="1904801" y="6111785"/>
+            <a:off x="3974151" y="6072613"/>
             <a:ext cx="1627117" cy="619656"/>
           </a:xfrm>
           <a:prstGeom prst="frame">
@@ -7162,18 +6982,13 @@
           <a:p>
             <a:pPr algn="ctr"/>
             <a:r>
-              <a:rPr lang="ja-JP" altLang="en-US" sz="1200" dirty="0">
-                <a:latin typeface="Meiryo UI" panose="020B0604030504040204" pitchFamily="50" charset="-128"/>
-                <a:ea typeface="Meiryo UI" panose="020B0604030504040204" pitchFamily="50" charset="-128"/>
-                <a:cs typeface="Meiryo UI" panose="020B0604030504040204" pitchFamily="50" charset="-128"/>
-              </a:rPr>
-              <a:t>冊子体</a:t>
-            </a:r>
-            <a:endParaRPr kumimoji="1" lang="ja-JP" altLang="en-US" sz="1200" dirty="0">
-              <a:latin typeface="Meiryo UI" panose="020B0604030504040204" pitchFamily="50" charset="-128"/>
-              <a:ea typeface="Meiryo UI" panose="020B0604030504040204" pitchFamily="50" charset="-128"/>
-              <a:cs typeface="Meiryo UI" panose="020B0604030504040204" pitchFamily="50" charset="-128"/>
-            </a:endParaRPr>
+              <a:rPr kumimoji="1" lang="ja-JP" altLang="en-US" sz="1200" dirty="0">
+                <a:latin typeface="Meiryo UI" panose="020B0604030504040204" pitchFamily="50" charset="-128"/>
+                <a:ea typeface="Meiryo UI" panose="020B0604030504040204" pitchFamily="50" charset="-128"/>
+                <a:cs typeface="Meiryo UI" panose="020B0604030504040204" pitchFamily="50" charset="-128"/>
+              </a:rPr>
+              <a:t>冊子版</a:t>
+            </a:r>
           </a:p>
         </p:txBody>
       </p:sp>
@@ -7217,7 +7032,7 @@
                 <a:ea typeface="Meiryo UI" panose="020B0604030504040204" pitchFamily="50" charset="-128"/>
                 <a:cs typeface="Meiryo UI" panose="020B0604030504040204" pitchFamily="50" charset="-128"/>
               </a:rPr>
-              <a:t>電子書籍</a:t>
+              <a:t>電子書籍版</a:t>
             </a:r>
             <a:endParaRPr kumimoji="1" lang="en-US" altLang="ja-JP" sz="1200" dirty="0">
               <a:latin typeface="Meiryo UI" panose="020B0604030504040204" pitchFamily="50" charset="-128"/>
@@ -7427,14 +7242,20 @@
         </p:nvSpPr>
         <p:spPr bwMode="auto">
           <a:xfrm>
-            <a:off x="2928751" y="4858181"/>
-            <a:ext cx="1868880" cy="462821"/>
+            <a:off x="2928750" y="4771097"/>
+            <a:ext cx="2019371" cy="462821"/>
           </a:xfrm>
           <a:prstGeom prst="roundRect">
             <a:avLst>
               <a:gd name="adj" fmla="val 25048"/>
             </a:avLst>
           </a:prstGeom>
+          <a:solidFill>
+            <a:schemeClr val="accent3">
+              <a:lumMod val="40000"/>
+              <a:lumOff val="60000"/>
+            </a:schemeClr>
+          </a:solidFill>
           <a:ln>
             <a:headEnd/>
             <a:tailEnd/>
@@ -7462,12 +7283,12 @@
           <a:p>
             <a:pPr algn="ctr"/>
             <a:r>
-              <a:rPr lang="ja-JP" altLang="en-US" sz="1200" dirty="0">
-                <a:latin typeface="Meiryo UI" panose="020B0604030504040204" pitchFamily="50" charset="-128"/>
-                <a:ea typeface="Meiryo UI" panose="020B0604030504040204" pitchFamily="50" charset="-128"/>
-                <a:cs typeface="Meiryo UI" panose="020B0604030504040204" pitchFamily="50" charset="-128"/>
-              </a:rPr>
-              <a:t>情報の内容要約</a:t>
+              <a:rPr lang="ja-JP" altLang="en-US" sz="1200" b="1" dirty="0">
+                <a:latin typeface="Meiryo UI" panose="020B0604030504040204" pitchFamily="50" charset="-128"/>
+                <a:ea typeface="Meiryo UI" panose="020B0604030504040204" pitchFamily="50" charset="-128"/>
+                <a:cs typeface="Meiryo UI" panose="020B0604030504040204" pitchFamily="50" charset="-128"/>
+              </a:rPr>
+              <a:t>①情報の集約及び知識化</a:t>
             </a:r>
             <a:endParaRPr lang="en-US" altLang="ja-JP" sz="1200" dirty="0">
               <a:latin typeface="Meiryo UI" panose="020B0604030504040204" pitchFamily="50" charset="-128"/>
@@ -7475,22 +7296,6 @@
               <a:cs typeface="Meiryo UI" panose="020B0604030504040204" pitchFamily="50" charset="-128"/>
             </a:endParaRPr>
           </a:p>
-          <a:p>
-            <a:pPr algn="ctr"/>
-            <a:r>
-              <a:rPr lang="ja-JP" altLang="en-US" sz="1200" dirty="0">
-                <a:latin typeface="Meiryo UI" panose="020B0604030504040204" pitchFamily="50" charset="-128"/>
-                <a:ea typeface="Meiryo UI" panose="020B0604030504040204" pitchFamily="50" charset="-128"/>
-                <a:cs typeface="Meiryo UI" panose="020B0604030504040204" pitchFamily="50" charset="-128"/>
-              </a:rPr>
-              <a:t>重要度・緊急度判断</a:t>
-            </a:r>
-            <a:endParaRPr lang="en-US" altLang="ja-JP" sz="1200" dirty="0">
-              <a:latin typeface="Meiryo UI" panose="020B0604030504040204" pitchFamily="50" charset="-128"/>
-              <a:ea typeface="Meiryo UI" panose="020B0604030504040204" pitchFamily="50" charset="-128"/>
-              <a:cs typeface="Meiryo UI" panose="020B0604030504040204" pitchFamily="50" charset="-128"/>
-            </a:endParaRPr>
-          </a:p>
         </p:txBody>
       </p:sp>
       <p:sp>
@@ -7501,8 +7306,8 @@
         </p:nvSpPr>
         <p:spPr>
           <a:xfrm>
-            <a:off x="3695807" y="4451388"/>
-            <a:ext cx="609138" cy="406793"/>
+            <a:off x="3695807" y="4451389"/>
+            <a:ext cx="609138" cy="335262"/>
           </a:xfrm>
           <a:prstGeom prst="upArrow">
             <a:avLst/>
@@ -7633,7 +7438,7 @@
         </p:nvSpPr>
         <p:spPr>
           <a:xfrm>
-            <a:off x="5712407" y="5828703"/>
+            <a:off x="3925902" y="7265394"/>
             <a:ext cx="2782557" cy="897223"/>
           </a:xfrm>
           <a:prstGeom prst="horizontalScroll">
@@ -7693,9 +7498,9 @@
           <a:p>
             <a:pPr algn="ctr"/>
             <a:r>
-              <a:rPr lang="ja-JP" altLang="en-US" sz="900" b="1" dirty="0">
+              <a:rPr lang="ja-JP" altLang="en-US" sz="900" dirty="0">
                 <a:solidFill>
-                  <a:srgbClr val="FF0000"/>
+                  <a:schemeClr val="tx1"/>
                 </a:solidFill>
                 <a:latin typeface="Meiryo UI" panose="020B0604030504040204" pitchFamily="50" charset="-128"/>
                 <a:ea typeface="Meiryo UI" panose="020B0604030504040204" pitchFamily="50" charset="-128"/>
@@ -7703,74 +7508,9 @@
               </a:rPr>
               <a:t>・意識啓発活動・情報共有・相談体制・事案発生時の相互連携が機能していない</a:t>
             </a:r>
-            <a:endParaRPr kumimoji="1" lang="ja-JP" altLang="en-US" sz="900" b="1" dirty="0">
+            <a:endParaRPr kumimoji="1" lang="ja-JP" altLang="en-US" sz="900" dirty="0">
               <a:solidFill>
-                <a:srgbClr val="FF0000"/>
-              </a:solidFill>
-              <a:latin typeface="Meiryo UI" panose="020B0604030504040204" pitchFamily="50" charset="-128"/>
-              <a:ea typeface="Meiryo UI" panose="020B0604030504040204" pitchFamily="50" charset="-128"/>
-              <a:cs typeface="Meiryo UI" panose="020B0604030504040204" pitchFamily="50" charset="-128"/>
-            </a:endParaRPr>
-          </a:p>
-        </p:txBody>
-      </p:sp>
-      <p:sp>
-        <p:nvSpPr>
-          <p:cNvPr id="69" name="AutoShape 8"/>
-          <p:cNvSpPr>
-            <a:spLocks noChangeArrowheads="1"/>
-          </p:cNvSpPr>
-          <p:nvPr/>
-        </p:nvSpPr>
-        <p:spPr bwMode="auto">
-          <a:xfrm>
-            <a:off x="8859200" y="3468305"/>
-            <a:ext cx="1191764" cy="667972"/>
-          </a:xfrm>
-          <a:prstGeom prst="roundRect">
-            <a:avLst>
-              <a:gd name="adj" fmla="val 19184"/>
-            </a:avLst>
-          </a:prstGeom>
-          <a:ln>
-            <a:headEnd/>
-            <a:tailEnd/>
-          </a:ln>
-        </p:spPr>
-        <p:style>
-          <a:lnRef idx="2">
-            <a:schemeClr val="accent5"/>
-          </a:lnRef>
-          <a:fillRef idx="1">
-            <a:schemeClr val="lt1"/>
-          </a:fillRef>
-          <a:effectRef idx="0">
-            <a:schemeClr val="accent5"/>
-          </a:effectRef>
-          <a:fontRef idx="minor">
-            <a:schemeClr val="dk1"/>
-          </a:fontRef>
-        </p:style>
-        <p:txBody>
-          <a:bodyPr wrap="square" anchor="t" anchorCtr="0">
-            <a:noAutofit/>
-          </a:bodyPr>
-          <a:lstStyle/>
-          <a:p>
-            <a:r>
-              <a:rPr lang="ja-JP" altLang="en-US" sz="1050" b="1" dirty="0">
-                <a:solidFill>
-                  <a:srgbClr val="0070C0"/>
-                </a:solidFill>
-                <a:latin typeface="Meiryo UI" panose="020B0604030504040204" pitchFamily="50" charset="-128"/>
-                <a:ea typeface="Meiryo UI" panose="020B0604030504040204" pitchFamily="50" charset="-128"/>
-                <a:cs typeface="Meiryo UI" panose="020B0604030504040204" pitchFamily="50" charset="-128"/>
-              </a:rPr>
-              <a:t>都支援事業等での出張相談・個別助言</a:t>
-            </a:r>
-            <a:endParaRPr lang="ja-JP" altLang="ja-JP" sz="1050" b="1" dirty="0">
-              <a:solidFill>
-                <a:srgbClr val="0070C0"/>
+                <a:schemeClr val="tx1"/>
               </a:solidFill>
               <a:latin typeface="Meiryo UI" panose="020B0604030504040204" pitchFamily="50" charset="-128"/>
               <a:ea typeface="Meiryo UI" panose="020B0604030504040204" pitchFamily="50" charset="-128"/>
@@ -7979,6 +7719,9 @@
           <a:prstGeom prst="horizontalScroll">
             <a:avLst/>
           </a:prstGeom>
+          <a:solidFill>
+            <a:schemeClr val="bg1"/>
+          </a:solidFill>
         </p:spPr>
         <p:style>
           <a:lnRef idx="1">
@@ -8019,7 +7762,7 @@
                 <a:ea typeface="Meiryo UI" panose="020B0604030504040204" pitchFamily="50" charset="-128"/>
                 <a:cs typeface="Meiryo UI" panose="020B0604030504040204" pitchFamily="50" charset="-128"/>
               </a:rPr>
-              <a:t>安心相談窓口との連携</a:t>
+              <a:t>及び他の相談対応窓口との実務連携</a:t>
             </a:r>
             <a:endParaRPr kumimoji="1" lang="en-US" altLang="ja-JP" sz="1100" b="1" dirty="0">
               <a:solidFill>
@@ -8033,9 +7776,9 @@
           <a:p>
             <a:pPr algn="ctr"/>
             <a:r>
-              <a:rPr lang="ja-JP" altLang="en-US" sz="1050" b="1" dirty="0">
+              <a:rPr lang="ja-JP" altLang="en-US" sz="1050" dirty="0">
                 <a:solidFill>
-                  <a:srgbClr val="FF0000"/>
+                  <a:schemeClr val="tx1"/>
                 </a:solidFill>
                 <a:latin typeface="Meiryo UI" panose="020B0604030504040204" pitchFamily="50" charset="-128"/>
                 <a:ea typeface="Meiryo UI" panose="020B0604030504040204" pitchFamily="50" charset="-128"/>
@@ -8044,9 +7787,9 @@
               <a:t>・</a:t>
             </a:r>
             <a:r>
-              <a:rPr lang="en-US" altLang="ja-JP" sz="1050" b="1" dirty="0">
+              <a:rPr lang="en-US" altLang="ja-JP" sz="1050" dirty="0">
                 <a:solidFill>
-                  <a:srgbClr val="FF0000"/>
+                  <a:schemeClr val="tx1"/>
                 </a:solidFill>
                 <a:latin typeface="Meiryo UI" panose="020B0604030504040204" pitchFamily="50" charset="-128"/>
                 <a:ea typeface="Meiryo UI" panose="020B0604030504040204" pitchFamily="50" charset="-128"/>
@@ -8055,9 +7798,9 @@
               <a:t>IPA</a:t>
             </a:r>
             <a:r>
-              <a:rPr lang="ja-JP" altLang="en-US" sz="1050" b="1" dirty="0">
+              <a:rPr lang="ja-JP" altLang="en-US" sz="1050" dirty="0">
                 <a:solidFill>
-                  <a:srgbClr val="FF0000"/>
+                  <a:schemeClr val="tx1"/>
                 </a:solidFill>
                 <a:latin typeface="Meiryo UI" panose="020B0604030504040204" pitchFamily="50" charset="-128"/>
                 <a:ea typeface="Meiryo UI" panose="020B0604030504040204" pitchFamily="50" charset="-128"/>
@@ -8065,9 +7808,9 @@
               </a:rPr>
               <a:t>提供情報の活用</a:t>
             </a:r>
-            <a:endParaRPr lang="en-US" altLang="ja-JP" sz="1050" b="1" dirty="0">
+            <a:endParaRPr lang="en-US" altLang="ja-JP" sz="1050" dirty="0">
               <a:solidFill>
-                <a:srgbClr val="FF0000"/>
+                <a:schemeClr val="tx1"/>
               </a:solidFill>
               <a:latin typeface="Meiryo UI" panose="020B0604030504040204" pitchFamily="50" charset="-128"/>
               <a:ea typeface="Meiryo UI" panose="020B0604030504040204" pitchFamily="50" charset="-128"/>
@@ -8077,9 +7820,9 @@
           <a:p>
             <a:pPr algn="ctr"/>
             <a:r>
-              <a:rPr lang="ja-JP" altLang="en-US" sz="1050" b="1" dirty="0">
+              <a:rPr lang="ja-JP" altLang="en-US" sz="1050" dirty="0">
                 <a:solidFill>
-                  <a:srgbClr val="FF0000"/>
+                  <a:schemeClr val="tx1"/>
                 </a:solidFill>
                 <a:latin typeface="Meiryo UI" panose="020B0604030504040204" pitchFamily="50" charset="-128"/>
                 <a:ea typeface="Meiryo UI" panose="020B0604030504040204" pitchFamily="50" charset="-128"/>
@@ -8088,9 +7831,9 @@
               <a:t>・</a:t>
             </a:r>
             <a:r>
-              <a:rPr kumimoji="1" lang="ja-JP" altLang="en-US" sz="1050" b="1" dirty="0">
+              <a:rPr kumimoji="1" lang="ja-JP" altLang="en-US" sz="1050" dirty="0">
                 <a:solidFill>
-                  <a:srgbClr val="FF0000"/>
+                  <a:schemeClr val="tx1"/>
                 </a:solidFill>
                 <a:latin typeface="Meiryo UI" panose="020B0604030504040204" pitchFamily="50" charset="-128"/>
                 <a:ea typeface="Meiryo UI" panose="020B0604030504040204" pitchFamily="50" charset="-128"/>
@@ -8098,9 +7841,9 @@
               </a:rPr>
               <a:t>インターネットでは得られない情報交換</a:t>
             </a:r>
-            <a:endParaRPr kumimoji="1" lang="en-US" altLang="ja-JP" sz="1050" b="1" dirty="0">
+            <a:endParaRPr kumimoji="1" lang="en-US" altLang="ja-JP" sz="1050" dirty="0">
               <a:solidFill>
-                <a:srgbClr val="FF0000"/>
+                <a:schemeClr val="tx1"/>
               </a:solidFill>
               <a:latin typeface="Meiryo UI" panose="020B0604030504040204" pitchFamily="50" charset="-128"/>
               <a:ea typeface="Meiryo UI" panose="020B0604030504040204" pitchFamily="50" charset="-128"/>
@@ -8110,9 +7853,9 @@
           <a:p>
             <a:pPr algn="ctr"/>
             <a:r>
-              <a:rPr kumimoji="1" lang="ja-JP" altLang="en-US" sz="1050" b="1" dirty="0">
+              <a:rPr kumimoji="1" lang="ja-JP" altLang="en-US" sz="1050" dirty="0">
                 <a:solidFill>
-                  <a:srgbClr val="FF0000"/>
+                  <a:schemeClr val="tx1"/>
                 </a:solidFill>
                 <a:latin typeface="Meiryo UI" panose="020B0604030504040204" pitchFamily="50" charset="-128"/>
                 <a:ea typeface="Meiryo UI" panose="020B0604030504040204" pitchFamily="50" charset="-128"/>
@@ -8120,9 +7863,9 @@
               </a:rPr>
               <a:t>・インシデント相談対応時のホットライン</a:t>
             </a:r>
-            <a:endParaRPr kumimoji="1" lang="en-US" altLang="ja-JP" sz="1050" b="1" dirty="0">
+            <a:endParaRPr kumimoji="1" lang="en-US" altLang="ja-JP" sz="1050" dirty="0">
               <a:solidFill>
-                <a:srgbClr val="FF0000"/>
+                <a:schemeClr val="tx1"/>
               </a:solidFill>
               <a:latin typeface="Meiryo UI" panose="020B0604030504040204" pitchFamily="50" charset="-128"/>
               <a:ea typeface="Meiryo UI" panose="020B0604030504040204" pitchFamily="50" charset="-128"/>
@@ -8132,9 +7875,9 @@
           <a:p>
             <a:pPr algn="ctr"/>
             <a:r>
-              <a:rPr lang="ja-JP" altLang="en-US" sz="1050" b="1" dirty="0">
+              <a:rPr lang="ja-JP" altLang="en-US" sz="1050" dirty="0">
                 <a:solidFill>
-                  <a:srgbClr val="FF0000"/>
+                  <a:schemeClr val="tx1"/>
                 </a:solidFill>
                 <a:latin typeface="Meiryo UI" panose="020B0604030504040204" pitchFamily="50" charset="-128"/>
                 <a:ea typeface="Meiryo UI" panose="020B0604030504040204" pitchFamily="50" charset="-128"/>
@@ -8142,9 +7885,9 @@
               </a:rPr>
               <a:t>・相談対応のための情報交換</a:t>
             </a:r>
-            <a:endParaRPr kumimoji="1" lang="en-US" altLang="ja-JP" sz="1050" b="1" dirty="0">
+            <a:endParaRPr kumimoji="1" lang="en-US" altLang="ja-JP" sz="1050" dirty="0">
               <a:solidFill>
-                <a:srgbClr val="FF0000"/>
+                <a:schemeClr val="tx1"/>
               </a:solidFill>
               <a:latin typeface="Meiryo UI" panose="020B0604030504040204" pitchFamily="50" charset="-128"/>
               <a:ea typeface="Meiryo UI" panose="020B0604030504040204" pitchFamily="50" charset="-128"/>
@@ -8161,8 +7904,8 @@
         </p:nvSpPr>
         <p:spPr>
           <a:xfrm>
-            <a:off x="8023817" y="4206792"/>
-            <a:ext cx="2063140" cy="1027077"/>
+            <a:off x="8023818" y="4222151"/>
+            <a:ext cx="2063140" cy="943385"/>
           </a:xfrm>
           <a:prstGeom prst="flowChartMagneticDisk">
             <a:avLst/>
@@ -8232,71 +7975,6 @@
               </a:rPr>
               <a:t>極意ポータルサイト」</a:t>
             </a:r>
-            <a:br>
-              <a:rPr lang="en-US" altLang="ja-JP" sz="1100" b="1" dirty="0">
-                <a:solidFill>
-                  <a:schemeClr val="bg1"/>
-                </a:solidFill>
-                <a:latin typeface="Meiryo UI" panose="020B0604030504040204" pitchFamily="50" charset="-128"/>
-                <a:ea typeface="Meiryo UI" panose="020B0604030504040204" pitchFamily="50" charset="-128"/>
-                <a:cs typeface="Meiryo UI" panose="020B0604030504040204" pitchFamily="50" charset="-128"/>
-              </a:rPr>
-            </a:br>
-            <a:r>
-              <a:rPr lang="en-US" altLang="ja-JP" sz="1100" b="1" dirty="0">
-                <a:solidFill>
-                  <a:schemeClr val="bg1"/>
-                </a:solidFill>
-                <a:latin typeface="Meiryo UI" panose="020B0604030504040204" pitchFamily="50" charset="-128"/>
-                <a:ea typeface="Meiryo UI" panose="020B0604030504040204" pitchFamily="50" charset="-128"/>
-                <a:cs typeface="Meiryo UI" panose="020B0604030504040204" pitchFamily="50" charset="-128"/>
-              </a:rPr>
-              <a:t>Twitter, RSS</a:t>
-            </a:r>
-            <a:r>
-              <a:rPr lang="ja-JP" altLang="en-US" sz="1100" b="1" dirty="0">
-                <a:solidFill>
-                  <a:schemeClr val="bg1"/>
-                </a:solidFill>
-                <a:latin typeface="Meiryo UI" panose="020B0604030504040204" pitchFamily="50" charset="-128"/>
-                <a:ea typeface="Meiryo UI" panose="020B0604030504040204" pitchFamily="50" charset="-128"/>
-                <a:cs typeface="Meiryo UI" panose="020B0604030504040204" pitchFamily="50" charset="-128"/>
-              </a:rPr>
-              <a:t>等</a:t>
-            </a:r>
-            <a:endParaRPr lang="en-US" altLang="ja-JP" sz="1100" b="1" dirty="0">
-              <a:solidFill>
-                <a:schemeClr val="bg1"/>
-              </a:solidFill>
-              <a:latin typeface="Meiryo UI" panose="020B0604030504040204" pitchFamily="50" charset="-128"/>
-              <a:ea typeface="Meiryo UI" panose="020B0604030504040204" pitchFamily="50" charset="-128"/>
-              <a:cs typeface="Meiryo UI" panose="020B0604030504040204" pitchFamily="50" charset="-128"/>
-            </a:endParaRPr>
-          </a:p>
-          <a:p>
-            <a:pPr algn="ctr"/>
-            <a:r>
-              <a:rPr lang="ja-JP" altLang="en-US" sz="1100" b="1" dirty="0">
-                <a:solidFill>
-                  <a:schemeClr val="bg1"/>
-                </a:solidFill>
-                <a:latin typeface="Meiryo UI" panose="020B0604030504040204" pitchFamily="50" charset="-128"/>
-                <a:ea typeface="Meiryo UI" panose="020B0604030504040204" pitchFamily="50" charset="-128"/>
-                <a:cs typeface="Meiryo UI" panose="020B0604030504040204" pitchFamily="50" charset="-128"/>
-              </a:rPr>
-              <a:t>（東京都・警視庁）</a:t>
-            </a:r>
-            <a:endParaRPr lang="en-US" altLang="ja-JP" sz="1100" b="1" dirty="0">
-              <a:solidFill>
-                <a:schemeClr val="bg1"/>
-              </a:solidFill>
-              <a:latin typeface="Meiryo UI" panose="020B0604030504040204" pitchFamily="50" charset="-128"/>
-              <a:ea typeface="Meiryo UI" panose="020B0604030504040204" pitchFamily="50" charset="-128"/>
-              <a:cs typeface="Meiryo UI" panose="020B0604030504040204" pitchFamily="50" charset="-128"/>
-            </a:endParaRPr>
-          </a:p>
-          <a:p>
-            <a:pPr algn="ctr"/>
             <a:endParaRPr lang="en-US" altLang="ja-JP" sz="1100" b="1" dirty="0">
               <a:solidFill>
                 <a:schemeClr val="tx1"/>
@@ -8393,7 +8071,7 @@
         </p:nvSpPr>
         <p:spPr>
           <a:xfrm>
-            <a:off x="1228471" y="4796029"/>
+            <a:off x="1171630" y="4709786"/>
             <a:ext cx="1822072" cy="434550"/>
           </a:xfrm>
           <a:prstGeom prst="rightArrow">
@@ -8477,7 +8155,10 @@
           <a:p>
             <a:pPr algn="ctr"/>
             <a:r>
-              <a:rPr kumimoji="1" lang="ja-JP" altLang="en-US" sz="1400" dirty="0">
+              <a:rPr kumimoji="1" lang="ja-JP" altLang="en-US" sz="1400" b="1" dirty="0">
+                <a:solidFill>
+                  <a:schemeClr val="bg1"/>
+                </a:solidFill>
                 <a:latin typeface="Meiryo UI" panose="020B0604030504040204" pitchFamily="50" charset="-128"/>
                 <a:ea typeface="Meiryo UI" panose="020B0604030504040204" pitchFamily="50" charset="-128"/>
                 <a:cs typeface="Meiryo UI" panose="020B0604030504040204" pitchFamily="50" charset="-128"/>
@@ -8786,8 +8467,8 @@
         </p:nvSpPr>
         <p:spPr bwMode="auto">
           <a:xfrm>
-            <a:off x="9077821" y="3013621"/>
-            <a:ext cx="957071" cy="330974"/>
+            <a:off x="9006676" y="3162495"/>
+            <a:ext cx="1151375" cy="718513"/>
           </a:xfrm>
           <a:prstGeom prst="roundRect">
             <a:avLst>
@@ -8833,6 +8514,52 @@
               <a:cs typeface="Meiryo UI" panose="020B0604030504040204" pitchFamily="50" charset="-128"/>
             </a:endParaRPr>
           </a:p>
+          <a:p>
+            <a:r>
+              <a:rPr lang="ja-JP" altLang="en-US" sz="1100" b="1" dirty="0">
+                <a:latin typeface="Meiryo UI" panose="020B0604030504040204" pitchFamily="50" charset="-128"/>
+                <a:ea typeface="Meiryo UI" panose="020B0604030504040204" pitchFamily="50" charset="-128"/>
+                <a:cs typeface="Meiryo UI" panose="020B0604030504040204" pitchFamily="50" charset="-128"/>
+              </a:rPr>
+              <a:t>・</a:t>
+            </a:r>
+            <a:r>
+              <a:rPr lang="en-US" altLang="ja-JP" sz="1100" b="1" dirty="0">
+                <a:latin typeface="Meiryo UI" panose="020B0604030504040204" pitchFamily="50" charset="-128"/>
+                <a:ea typeface="Meiryo UI" panose="020B0604030504040204" pitchFamily="50" charset="-128"/>
+                <a:cs typeface="Meiryo UI" panose="020B0604030504040204" pitchFamily="50" charset="-128"/>
+              </a:rPr>
+              <a:t>Web</a:t>
+            </a:r>
+            <a:r>
+              <a:rPr lang="ja-JP" altLang="en-US" sz="1100" b="1" dirty="0">
+                <a:latin typeface="Meiryo UI" panose="020B0604030504040204" pitchFamily="50" charset="-128"/>
+                <a:ea typeface="Meiryo UI" panose="020B0604030504040204" pitchFamily="50" charset="-128"/>
+                <a:cs typeface="Meiryo UI" panose="020B0604030504040204" pitchFamily="50" charset="-128"/>
+              </a:rPr>
+              <a:t>ページ</a:t>
+            </a:r>
+            <a:endParaRPr lang="en-US" altLang="ja-JP" sz="1100" b="1" dirty="0">
+              <a:latin typeface="Meiryo UI" panose="020B0604030504040204" pitchFamily="50" charset="-128"/>
+              <a:ea typeface="Meiryo UI" panose="020B0604030504040204" pitchFamily="50" charset="-128"/>
+              <a:cs typeface="Meiryo UI" panose="020B0604030504040204" pitchFamily="50" charset="-128"/>
+            </a:endParaRPr>
+          </a:p>
+          <a:p>
+            <a:r>
+              <a:rPr lang="ja-JP" altLang="en-US" sz="1100" b="1" dirty="0">
+                <a:latin typeface="Meiryo UI" panose="020B0604030504040204" pitchFamily="50" charset="-128"/>
+                <a:ea typeface="Meiryo UI" panose="020B0604030504040204" pitchFamily="50" charset="-128"/>
+                <a:cs typeface="Meiryo UI" panose="020B0604030504040204" pitchFamily="50" charset="-128"/>
+              </a:rPr>
+              <a:t>・電子書籍</a:t>
+            </a:r>
+            <a:endParaRPr lang="en-US" altLang="ja-JP" sz="1100" b="1" dirty="0">
+              <a:latin typeface="Meiryo UI" panose="020B0604030504040204" pitchFamily="50" charset="-128"/>
+              <a:ea typeface="Meiryo UI" panose="020B0604030504040204" pitchFamily="50" charset="-128"/>
+              <a:cs typeface="Meiryo UI" panose="020B0604030504040204" pitchFamily="50" charset="-128"/>
+            </a:endParaRPr>
+          </a:p>
         </p:txBody>
       </p:sp>
       <p:sp>
@@ -8849,7 +8576,7 @@
         </p:nvSpPr>
         <p:spPr>
           <a:xfrm>
-            <a:off x="1015061" y="3985919"/>
+            <a:off x="833572" y="7335454"/>
             <a:ext cx="1697123" cy="897223"/>
           </a:xfrm>
           <a:prstGeom prst="horizontalScroll">
@@ -8878,7 +8605,7 @@
             <a:r>
               <a:rPr lang="ja-JP" altLang="en-US" sz="1200" b="1" dirty="0">
                 <a:solidFill>
-                  <a:srgbClr val="FF0000"/>
+                  <a:schemeClr val="tx1"/>
                 </a:solidFill>
                 <a:latin typeface="Meiryo UI" panose="020B0604030504040204" pitchFamily="50" charset="-128"/>
                 <a:ea typeface="Meiryo UI" panose="020B0604030504040204" pitchFamily="50" charset="-128"/>
@@ -8889,7 +8616,7 @@
             <a:r>
               <a:rPr lang="en-US" altLang="ja-JP" sz="1200" b="1" dirty="0">
                 <a:solidFill>
-                  <a:srgbClr val="FF0000"/>
+                  <a:schemeClr val="tx1"/>
                 </a:solidFill>
                 <a:latin typeface="Meiryo UI" panose="020B0604030504040204" pitchFamily="50" charset="-128"/>
                 <a:ea typeface="Meiryo UI" panose="020B0604030504040204" pitchFamily="50" charset="-128"/>
@@ -8900,7 +8627,7 @@
             <a:r>
               <a:rPr lang="ja-JP" altLang="en-US" sz="1200" b="1" dirty="0">
                 <a:solidFill>
-                  <a:srgbClr val="FF0000"/>
+                  <a:schemeClr val="tx1"/>
                 </a:solidFill>
                 <a:latin typeface="Meiryo UI" panose="020B0604030504040204" pitchFamily="50" charset="-128"/>
                 <a:ea typeface="Meiryo UI" panose="020B0604030504040204" pitchFamily="50" charset="-128"/>
@@ -8910,12 +8637,267 @@
             </a:r>
             <a:endParaRPr kumimoji="1" lang="ja-JP" altLang="en-US" sz="1200" b="1" dirty="0">
               <a:solidFill>
-                <a:srgbClr val="FF0000"/>
+                <a:schemeClr val="tx1"/>
               </a:solidFill>
               <a:latin typeface="Meiryo UI" panose="020B0604030504040204" pitchFamily="50" charset="-128"/>
               <a:ea typeface="Meiryo UI" panose="020B0604030504040204" pitchFamily="50" charset="-128"/>
               <a:cs typeface="Meiryo UI" panose="020B0604030504040204" pitchFamily="50" charset="-128"/>
             </a:endParaRPr>
+          </a:p>
+        </p:txBody>
+      </p:sp>
+      <p:sp>
+        <p:nvSpPr>
+          <p:cNvPr id="98" name="AutoShape 8">
+            <a:extLst>
+              <a:ext uri="{FF2B5EF4-FFF2-40B4-BE49-F238E27FC236}">
+                <a16:creationId xmlns:a16="http://schemas.microsoft.com/office/drawing/2014/main" id="{577F492B-E901-4531-AD96-7F66BEFF83F9}"/>
+              </a:ext>
+            </a:extLst>
+          </p:cNvPr>
+          <p:cNvSpPr>
+            <a:spLocks noChangeArrowheads="1"/>
+          </p:cNvSpPr>
+          <p:nvPr/>
+        </p:nvSpPr>
+        <p:spPr bwMode="auto">
+          <a:xfrm>
+            <a:off x="5259707" y="4140620"/>
+            <a:ext cx="2060817" cy="482280"/>
+          </a:xfrm>
+          <a:prstGeom prst="roundRect">
+            <a:avLst>
+              <a:gd name="adj" fmla="val 25048"/>
+            </a:avLst>
+          </a:prstGeom>
+          <a:solidFill>
+            <a:schemeClr val="accent3">
+              <a:lumMod val="40000"/>
+              <a:lumOff val="60000"/>
+            </a:schemeClr>
+          </a:solidFill>
+          <a:ln>
+            <a:headEnd/>
+            <a:tailEnd/>
+          </a:ln>
+        </p:spPr>
+        <p:style>
+          <a:lnRef idx="2">
+            <a:schemeClr val="accent2"/>
+          </a:lnRef>
+          <a:fillRef idx="1">
+            <a:schemeClr val="lt1"/>
+          </a:fillRef>
+          <a:effectRef idx="0">
+            <a:schemeClr val="accent2"/>
+          </a:effectRef>
+          <a:fontRef idx="minor">
+            <a:schemeClr val="dk1"/>
+          </a:fontRef>
+        </p:style>
+        <p:txBody>
+          <a:bodyPr wrap="square" anchor="t" anchorCtr="0">
+            <a:noAutofit/>
+          </a:bodyPr>
+          <a:lstStyle/>
+          <a:p>
+            <a:r>
+              <a:rPr lang="ja-JP" altLang="en-US" sz="1200" b="1" dirty="0">
+                <a:latin typeface="Meiryo UI" panose="020B0604030504040204" pitchFamily="50" charset="-128"/>
+                <a:ea typeface="Meiryo UI" panose="020B0604030504040204" pitchFamily="50" charset="-128"/>
+                <a:cs typeface="Meiryo UI" panose="020B0604030504040204" pitchFamily="50" charset="-128"/>
+              </a:rPr>
+              <a:t>②発信用情報の作成・蓄積</a:t>
+            </a:r>
+            <a:endParaRPr lang="en-US" altLang="ja-JP" sz="1200" dirty="0">
+              <a:latin typeface="Meiryo UI" panose="020B0604030504040204" pitchFamily="50" charset="-128"/>
+              <a:ea typeface="Meiryo UI" panose="020B0604030504040204" pitchFamily="50" charset="-128"/>
+              <a:cs typeface="Meiryo UI" panose="020B0604030504040204" pitchFamily="50" charset="-128"/>
+            </a:endParaRPr>
+          </a:p>
+        </p:txBody>
+      </p:sp>
+      <p:sp>
+        <p:nvSpPr>
+          <p:cNvPr id="5" name="矢印: 右 4">
+            <a:extLst>
+              <a:ext uri="{FF2B5EF4-FFF2-40B4-BE49-F238E27FC236}">
+                <a16:creationId xmlns:a16="http://schemas.microsoft.com/office/drawing/2014/main" id="{14B1298F-DD3D-4F11-9123-1C23B57F0E3B}"/>
+              </a:ext>
+            </a:extLst>
+          </p:cNvPr>
+          <p:cNvSpPr/>
+          <p:nvPr/>
+        </p:nvSpPr>
+        <p:spPr>
+          <a:xfrm>
+            <a:off x="7546147" y="1929906"/>
+            <a:ext cx="1042399" cy="476555"/>
+          </a:xfrm>
+          <a:prstGeom prst="rightArrow">
+            <a:avLst/>
+          </a:prstGeom>
+          <a:noFill/>
+        </p:spPr>
+        <p:style>
+          <a:lnRef idx="2">
+            <a:schemeClr val="accent1">
+              <a:shade val="50000"/>
+            </a:schemeClr>
+          </a:lnRef>
+          <a:fillRef idx="1">
+            <a:schemeClr val="accent1"/>
+          </a:fillRef>
+          <a:effectRef idx="0">
+            <a:schemeClr val="accent1"/>
+          </a:effectRef>
+          <a:fontRef idx="minor">
+            <a:schemeClr val="lt1"/>
+          </a:fontRef>
+        </p:style>
+        <p:txBody>
+          <a:bodyPr rtlCol="0" anchor="ctr"/>
+          <a:lstStyle/>
+          <a:p>
+            <a:pPr algn="ctr"/>
+            <a:r>
+              <a:rPr kumimoji="1" lang="ja-JP" altLang="en-US" sz="1200" dirty="0">
+                <a:solidFill>
+                  <a:schemeClr val="tx1"/>
+                </a:solidFill>
+                <a:latin typeface="Meiryo UI" panose="020B0604030504040204" pitchFamily="50" charset="-128"/>
+                <a:ea typeface="Meiryo UI" panose="020B0604030504040204" pitchFamily="50" charset="-128"/>
+              </a:rPr>
+              <a:t>実施指示</a:t>
+            </a:r>
+          </a:p>
+        </p:txBody>
+      </p:sp>
+      <p:sp>
+        <p:nvSpPr>
+          <p:cNvPr id="101" name="矢印: 右 100">
+            <a:extLst>
+              <a:ext uri="{FF2B5EF4-FFF2-40B4-BE49-F238E27FC236}">
+                <a16:creationId xmlns:a16="http://schemas.microsoft.com/office/drawing/2014/main" id="{D7DB7997-F5AB-4383-A761-8C0F049B972A}"/>
+              </a:ext>
+            </a:extLst>
+          </p:cNvPr>
+          <p:cNvSpPr/>
+          <p:nvPr/>
+        </p:nvSpPr>
+        <p:spPr>
+          <a:xfrm>
+            <a:off x="9442548" y="1699177"/>
+            <a:ext cx="1042399" cy="476555"/>
+          </a:xfrm>
+          <a:prstGeom prst="rightArrow">
+            <a:avLst/>
+          </a:prstGeom>
+          <a:noFill/>
+        </p:spPr>
+        <p:style>
+          <a:lnRef idx="2">
+            <a:schemeClr val="accent1">
+              <a:shade val="50000"/>
+            </a:schemeClr>
+          </a:lnRef>
+          <a:fillRef idx="1">
+            <a:schemeClr val="accent1"/>
+          </a:fillRef>
+          <a:effectRef idx="0">
+            <a:schemeClr val="accent1"/>
+          </a:effectRef>
+          <a:fontRef idx="minor">
+            <a:schemeClr val="lt1"/>
+          </a:fontRef>
+        </p:style>
+        <p:txBody>
+          <a:bodyPr rtlCol="0" anchor="ctr"/>
+          <a:lstStyle/>
+          <a:p>
+            <a:pPr algn="ctr"/>
+            <a:r>
+              <a:rPr kumimoji="1" lang="ja-JP" altLang="en-US" sz="1200" dirty="0">
+                <a:solidFill>
+                  <a:schemeClr val="tx1"/>
+                </a:solidFill>
+                <a:latin typeface="Meiryo UI" panose="020B0604030504040204" pitchFamily="50" charset="-128"/>
+                <a:ea typeface="Meiryo UI" panose="020B0604030504040204" pitchFamily="50" charset="-128"/>
+              </a:rPr>
+              <a:t>教育・指導</a:t>
+            </a:r>
+          </a:p>
+        </p:txBody>
+      </p:sp>
+      <p:sp>
+        <p:nvSpPr>
+          <p:cNvPr id="102" name="フレーム 101">
+            <a:extLst>
+              <a:ext uri="{FF2B5EF4-FFF2-40B4-BE49-F238E27FC236}">
+                <a16:creationId xmlns:a16="http://schemas.microsoft.com/office/drawing/2014/main" id="{353CF417-30EC-4AA8-BB0A-568CE1AA8A6A}"/>
+              </a:ext>
+            </a:extLst>
+          </p:cNvPr>
+          <p:cNvSpPr/>
+          <p:nvPr/>
+        </p:nvSpPr>
+        <p:spPr>
+          <a:xfrm>
+            <a:off x="1744235" y="6045315"/>
+            <a:ext cx="1272050" cy="619656"/>
+          </a:xfrm>
+          <a:prstGeom prst="frame">
+            <a:avLst/>
+          </a:prstGeom>
+          <a:solidFill>
+            <a:schemeClr val="accent4">
+              <a:lumMod val="50000"/>
+            </a:schemeClr>
+          </a:solidFill>
+        </p:spPr>
+        <p:style>
+          <a:lnRef idx="2">
+            <a:schemeClr val="accent1">
+              <a:shade val="50000"/>
+            </a:schemeClr>
+          </a:lnRef>
+          <a:fillRef idx="1">
+            <a:schemeClr val="accent1"/>
+          </a:fillRef>
+          <a:effectRef idx="0">
+            <a:schemeClr val="accent1"/>
+          </a:effectRef>
+          <a:fontRef idx="minor">
+            <a:schemeClr val="lt1"/>
+          </a:fontRef>
+        </p:style>
+        <p:txBody>
+          <a:bodyPr rtlCol="0" anchor="ctr"/>
+          <a:lstStyle/>
+          <a:p>
+            <a:pPr algn="ctr"/>
+            <a:r>
+              <a:rPr kumimoji="1" lang="en-US" altLang="ja-JP" sz="1200" dirty="0">
+                <a:solidFill>
+                  <a:schemeClr val="tx1"/>
+                </a:solidFill>
+                <a:latin typeface="Meiryo UI" panose="020B0604030504040204" pitchFamily="50" charset="-128"/>
+                <a:ea typeface="Meiryo UI" panose="020B0604030504040204" pitchFamily="50" charset="-128"/>
+                <a:cs typeface="Meiryo UI" panose="020B0604030504040204" pitchFamily="50" charset="-128"/>
+              </a:rPr>
+              <a:t>IPA</a:t>
+            </a:r>
+            <a:r>
+              <a:rPr kumimoji="1" lang="ja-JP" altLang="en-US" sz="1200" dirty="0">
+                <a:solidFill>
+                  <a:schemeClr val="tx1"/>
+                </a:solidFill>
+                <a:latin typeface="Meiryo UI" panose="020B0604030504040204" pitchFamily="50" charset="-128"/>
+                <a:ea typeface="Meiryo UI" panose="020B0604030504040204" pitchFamily="50" charset="-128"/>
+                <a:cs typeface="Meiryo UI" panose="020B0604030504040204" pitchFamily="50" charset="-128"/>
+              </a:rPr>
+              <a:t>等との相談対応窓口連携</a:t>
+            </a:r>
           </a:p>
         </p:txBody>
       </p:sp>

--- a/Cyber/TCYSSでの情報収集・蓄積と発信.pptx
+++ b/Cyber/TCYSSでの情報収集・蓄積と発信.pptx
@@ -736,7 +736,7 @@
           <a:p>
             <a:fld id="{B377335C-6462-4247-BEFA-CD97B67177F9}" type="datetimeFigureOut">
               <a:rPr kumimoji="1" lang="ja-JP" altLang="en-US" smtClean="0"/>
-              <a:t>2022/4/12</a:t>
+              <a:t>2022/4/11</a:t>
             </a:fld>
             <a:endParaRPr kumimoji="1" lang="ja-JP" altLang="en-US"/>
           </a:p>
@@ -1179,7 +1179,7 @@
             <a:fld id="{DD2B6372-1A88-4F0C-86B1-FCF70832C42C}" type="datetimeFigureOut">
               <a:rPr lang="ja-JP" altLang="en-US" smtClean="0"/>
               <a:pPr/>
-              <a:t>2022/4/12</a:t>
+              <a:t>2022/4/11</a:t>
             </a:fld>
             <a:endParaRPr lang="ja-JP" altLang="en-US"/>
           </a:p>
@@ -1572,7 +1572,7 @@
             <a:fld id="{DD2B6372-1A88-4F0C-86B1-FCF70832C42C}" type="datetimeFigureOut">
               <a:rPr lang="ja-JP" altLang="en-US" smtClean="0"/>
               <a:pPr/>
-              <a:t>2022/4/12</a:t>
+              <a:t>2022/4/11</a:t>
             </a:fld>
             <a:endParaRPr lang="ja-JP" altLang="en-US"/>
           </a:p>
@@ -1781,7 +1781,7 @@
             <a:fld id="{DD2B6372-1A88-4F0C-86B1-FCF70832C42C}" type="datetimeFigureOut">
               <a:rPr lang="ja-JP" altLang="en-US" smtClean="0"/>
               <a:pPr/>
-              <a:t>2022/4/12</a:t>
+              <a:t>2022/4/11</a:t>
             </a:fld>
             <a:endParaRPr lang="ja-JP" altLang="en-US"/>
           </a:p>
@@ -2018,7 +2018,7 @@
             <a:fld id="{DD2B6372-1A88-4F0C-86B1-FCF70832C42C}" type="datetimeFigureOut">
               <a:rPr lang="ja-JP" altLang="en-US" smtClean="0"/>
               <a:pPr/>
-              <a:t>2022/4/12</a:t>
+              <a:t>2022/4/11</a:t>
             </a:fld>
             <a:endParaRPr lang="ja-JP" altLang="en-US"/>
           </a:p>
@@ -2321,7 +2321,7 @@
             <a:fld id="{DD2B6372-1A88-4F0C-86B1-FCF70832C42C}" type="datetimeFigureOut">
               <a:rPr lang="ja-JP" altLang="en-US" smtClean="0"/>
               <a:pPr/>
-              <a:t>2022/4/12</a:t>
+              <a:t>2022/4/11</a:t>
             </a:fld>
             <a:endParaRPr lang="ja-JP" altLang="en-US"/>
           </a:p>
@@ -2543,7 +2543,7 @@
             <a:fld id="{DD2B6372-1A88-4F0C-86B1-FCF70832C42C}" type="datetimeFigureOut">
               <a:rPr lang="ja-JP" altLang="en-US" smtClean="0"/>
               <a:pPr/>
-              <a:t>2022/4/12</a:t>
+              <a:t>2022/4/11</a:t>
             </a:fld>
             <a:endParaRPr lang="ja-JP" altLang="en-US"/>
           </a:p>
@@ -2961,7 +2961,7 @@
             <a:fld id="{DD2B6372-1A88-4F0C-86B1-FCF70832C42C}" type="datetimeFigureOut">
               <a:rPr lang="ja-JP" altLang="en-US" smtClean="0"/>
               <a:pPr/>
-              <a:t>2022/4/12</a:t>
+              <a:t>2022/4/11</a:t>
             </a:fld>
             <a:endParaRPr lang="ja-JP" altLang="en-US"/>
           </a:p>
@@ -3259,7 +3259,7 @@
             <a:fld id="{DD2B6372-1A88-4F0C-86B1-FCF70832C42C}" type="datetimeFigureOut">
               <a:rPr lang="ja-JP" altLang="en-US" smtClean="0"/>
               <a:pPr/>
-              <a:t>2022/4/12</a:t>
+              <a:t>2022/4/11</a:t>
             </a:fld>
             <a:endParaRPr lang="ja-JP" altLang="en-US"/>
           </a:p>
@@ -3401,7 +3401,7 @@
             <a:fld id="{DD2B6372-1A88-4F0C-86B1-FCF70832C42C}" type="datetimeFigureOut">
               <a:rPr lang="ja-JP" altLang="en-US" smtClean="0"/>
               <a:pPr/>
-              <a:t>2022/4/12</a:t>
+              <a:t>2022/4/11</a:t>
             </a:fld>
             <a:endParaRPr lang="ja-JP" altLang="en-US"/>
           </a:p>
@@ -3680,7 +3680,7 @@
             <a:fld id="{DD2B6372-1A88-4F0C-86B1-FCF70832C42C}" type="datetimeFigureOut">
               <a:rPr lang="ja-JP" altLang="en-US" smtClean="0"/>
               <a:pPr/>
-              <a:t>2022/4/12</a:t>
+              <a:t>2022/4/11</a:t>
             </a:fld>
             <a:endParaRPr lang="ja-JP" altLang="en-US"/>
           </a:p>
@@ -3797,7 +3797,7 @@
           <a:bodyPr vert="horz" wrap="square" lIns="91440" tIns="45720" rIns="91440" bIns="45720" anchor="t" compatLnSpc="1"/>
           <a:lstStyle/>
           <a:p>
-            <a:endParaRPr kumimoji="0" lang="en-US" dirty="0"/>
+            <a:endParaRPr kumimoji="0" lang="en-US"/>
           </a:p>
         </p:txBody>
       </p:sp>
@@ -4053,7 +4053,7 @@
               <a:rPr kumimoji="0" lang="ja-JP" altLang="en-US"/>
               <a:t>アイコンをクリックして図を追加</a:t>
             </a:r>
-            <a:endParaRPr kumimoji="0" lang="en-US" dirty="0"/>
+            <a:endParaRPr kumimoji="0" lang="en-US"/>
           </a:p>
         </p:txBody>
       </p:sp>
@@ -4121,7 +4121,7 @@
             <a:fld id="{DD2B6372-1A88-4F0C-86B1-FCF70832C42C}" type="datetimeFigureOut">
               <a:rPr lang="ja-JP" altLang="en-US" smtClean="0"/>
               <a:pPr/>
-              <a:t>2022/4/12</a:t>
+              <a:t>2022/4/11</a:t>
             </a:fld>
             <a:endParaRPr lang="ja-JP" altLang="en-US"/>
           </a:p>
@@ -4493,7 +4493,7 @@
             <a:fld id="{DD2B6372-1A88-4F0C-86B1-FCF70832C42C}" type="datetimeFigureOut">
               <a:rPr lang="ja-JP" altLang="en-US" smtClean="0"/>
               <a:pPr/>
-              <a:t>2022/4/12</a:t>
+              <a:t>2022/4/11</a:t>
             </a:fld>
             <a:endParaRPr lang="ja-JP" altLang="en-US"/>
           </a:p>
@@ -5069,14 +5069,14 @@
           <a:lstStyle/>
           <a:p>
             <a:r>
-              <a:rPr lang="en-US" altLang="ja-JP" sz="1200" b="1" dirty="0">
+              <a:rPr lang="en-US" altLang="ja-JP" sz="1200" b="1">
                 <a:latin typeface="Meiryo UI" panose="020B0604030504040204" pitchFamily="50" charset="-128"/>
                 <a:ea typeface="Meiryo UI" panose="020B0604030504040204" pitchFamily="50" charset="-128"/>
                 <a:cs typeface="Meiryo UI" panose="020B0604030504040204" pitchFamily="50" charset="-128"/>
               </a:rPr>
               <a:t>TCYSS</a:t>
             </a:r>
-            <a:endParaRPr lang="ja-JP" altLang="ja-JP" sz="1200" b="1" dirty="0">
+            <a:endParaRPr lang="ja-JP" altLang="ja-JP" sz="1200" b="1">
               <a:latin typeface="Meiryo UI" panose="020B0604030504040204" pitchFamily="50" charset="-128"/>
               <a:ea typeface="Meiryo UI" panose="020B0604030504040204" pitchFamily="50" charset="-128"/>
               <a:cs typeface="Meiryo UI" panose="020B0604030504040204" pitchFamily="50" charset="-128"/>
@@ -5129,14 +5129,14 @@
           <a:lstStyle/>
           <a:p>
             <a:r>
-              <a:rPr lang="ja-JP" altLang="en-US" sz="1200" b="1" dirty="0">
+              <a:rPr lang="ja-JP" altLang="en-US" sz="1200" b="1">
                 <a:latin typeface="Meiryo UI" panose="020B0604030504040204" pitchFamily="50" charset="-128"/>
                 <a:ea typeface="Meiryo UI" panose="020B0604030504040204" pitchFamily="50" charset="-128"/>
                 <a:cs typeface="Meiryo UI" panose="020B0604030504040204" pitchFamily="50" charset="-128"/>
               </a:rPr>
               <a:t>情報の集約</a:t>
             </a:r>
-            <a:endParaRPr lang="ja-JP" altLang="ja-JP" sz="1200" b="1" dirty="0">
+            <a:endParaRPr lang="ja-JP" altLang="ja-JP" sz="1200" b="1">
               <a:latin typeface="Meiryo UI" panose="020B0604030504040204" pitchFamily="50" charset="-128"/>
               <a:ea typeface="Meiryo UI" panose="020B0604030504040204" pitchFamily="50" charset="-128"/>
               <a:cs typeface="Meiryo UI" panose="020B0604030504040204" pitchFamily="50" charset="-128"/>
@@ -5189,14 +5189,14 @@
           <a:lstStyle/>
           <a:p>
             <a:r>
-              <a:rPr lang="ja-JP" altLang="en-US" sz="1200" b="1" dirty="0">
+              <a:rPr lang="ja-JP" altLang="en-US" sz="1200" b="1">
                 <a:latin typeface="Meiryo UI" panose="020B0604030504040204" pitchFamily="50" charset="-128"/>
                 <a:ea typeface="Meiryo UI" panose="020B0604030504040204" pitchFamily="50" charset="-128"/>
                 <a:cs typeface="Meiryo UI" panose="020B0604030504040204" pitchFamily="50" charset="-128"/>
               </a:rPr>
               <a:t>情報の提供</a:t>
             </a:r>
-            <a:endParaRPr lang="ja-JP" altLang="ja-JP" sz="1200" b="1" dirty="0">
+            <a:endParaRPr lang="ja-JP" altLang="ja-JP" sz="1200" b="1">
               <a:latin typeface="Meiryo UI" panose="020B0604030504040204" pitchFamily="50" charset="-128"/>
               <a:ea typeface="Meiryo UI" panose="020B0604030504040204" pitchFamily="50" charset="-128"/>
               <a:cs typeface="Meiryo UI" panose="020B0604030504040204" pitchFamily="50" charset="-128"/>
@@ -5248,14 +5248,14 @@
           <a:lstStyle/>
           <a:p>
             <a:r>
-              <a:rPr lang="ja-JP" altLang="en-US" sz="1200" b="1" dirty="0">
+              <a:rPr lang="ja-JP" altLang="en-US" sz="1200" b="1">
                 <a:latin typeface="Meiryo UI" panose="020B0604030504040204" pitchFamily="50" charset="-128"/>
                 <a:ea typeface="Meiryo UI" panose="020B0604030504040204" pitchFamily="50" charset="-128"/>
                 <a:cs typeface="Meiryo UI" panose="020B0604030504040204" pitchFamily="50" charset="-128"/>
               </a:rPr>
               <a:t>ガイドブック</a:t>
             </a:r>
-            <a:endParaRPr lang="ja-JP" altLang="ja-JP" sz="1200" b="1" dirty="0">
+            <a:endParaRPr lang="ja-JP" altLang="ja-JP" sz="1200" b="1">
               <a:latin typeface="Meiryo UI" panose="020B0604030504040204" pitchFamily="50" charset="-128"/>
               <a:ea typeface="Meiryo UI" panose="020B0604030504040204" pitchFamily="50" charset="-128"/>
               <a:cs typeface="Meiryo UI" panose="020B0604030504040204" pitchFamily="50" charset="-128"/>
@@ -5307,14 +5307,14 @@
           <a:lstStyle/>
           <a:p>
             <a:r>
-              <a:rPr lang="ja-JP" altLang="en-US" sz="1200" b="1" dirty="0">
+              <a:rPr lang="ja-JP" altLang="en-US" sz="1200" b="1">
                 <a:latin typeface="Meiryo UI" panose="020B0604030504040204" pitchFamily="50" charset="-128"/>
                 <a:ea typeface="Meiryo UI" panose="020B0604030504040204" pitchFamily="50" charset="-128"/>
                 <a:cs typeface="Meiryo UI" panose="020B0604030504040204" pitchFamily="50" charset="-128"/>
               </a:rPr>
               <a:t>期待する効果と啓発対象者</a:t>
             </a:r>
-            <a:endParaRPr lang="ja-JP" altLang="ja-JP" sz="1200" b="1" dirty="0">
+            <a:endParaRPr lang="ja-JP" altLang="ja-JP" sz="1200" b="1">
               <a:latin typeface="Meiryo UI" panose="020B0604030504040204" pitchFamily="50" charset="-128"/>
               <a:ea typeface="Meiryo UI" panose="020B0604030504040204" pitchFamily="50" charset="-128"/>
               <a:cs typeface="Meiryo UI" panose="020B0604030504040204" pitchFamily="50" charset="-128"/>
@@ -5366,14 +5366,14 @@
           <a:lstStyle/>
           <a:p>
             <a:r>
-              <a:rPr lang="ja-JP" altLang="en-US" sz="1200" b="1" dirty="0">
+              <a:rPr lang="ja-JP" altLang="en-US" sz="1200" b="1">
                 <a:latin typeface="Meiryo UI" panose="020B0604030504040204" pitchFamily="50" charset="-128"/>
                 <a:ea typeface="Meiryo UI" panose="020B0604030504040204" pitchFamily="50" charset="-128"/>
                 <a:cs typeface="Meiryo UI" panose="020B0604030504040204" pitchFamily="50" charset="-128"/>
               </a:rPr>
               <a:t>課題解決・経営者の意識改革</a:t>
             </a:r>
-            <a:endParaRPr lang="ja-JP" altLang="ja-JP" sz="1200" b="1" dirty="0">
+            <a:endParaRPr lang="ja-JP" altLang="ja-JP" sz="1200" b="1">
               <a:latin typeface="Meiryo UI" panose="020B0604030504040204" pitchFamily="50" charset="-128"/>
               <a:ea typeface="Meiryo UI" panose="020B0604030504040204" pitchFamily="50" charset="-128"/>
               <a:cs typeface="Meiryo UI" panose="020B0604030504040204" pitchFamily="50" charset="-128"/>
@@ -5419,7 +5419,7 @@
             <a:p>
               <a:pPr algn="ctr"/>
               <a:r>
-                <a:rPr kumimoji="1" lang="ja-JP" altLang="en-US" sz="900" dirty="0">
+                <a:rPr kumimoji="1" lang="ja-JP" altLang="en-US" sz="900">
                   <a:latin typeface="Meiryo UI" panose="020B0604030504040204" pitchFamily="50" charset="-128"/>
                   <a:ea typeface="Meiryo UI" panose="020B0604030504040204" pitchFamily="50" charset="-128"/>
                   <a:cs typeface="Meiryo UI" panose="020B0604030504040204" pitchFamily="50" charset="-128"/>
@@ -5510,14 +5510,14 @@
             <a:p>
               <a:pPr algn="ctr"/>
               <a:r>
-                <a:rPr kumimoji="1" lang="ja-JP" altLang="en-US" sz="900" dirty="0">
+                <a:rPr kumimoji="1" lang="ja-JP" altLang="en-US" sz="900">
                   <a:latin typeface="Meiryo UI" panose="020B0604030504040204" pitchFamily="50" charset="-128"/>
                   <a:ea typeface="Meiryo UI" panose="020B0604030504040204" pitchFamily="50" charset="-128"/>
                   <a:cs typeface="Meiryo UI" panose="020B0604030504040204" pitchFamily="50" charset="-128"/>
                 </a:rPr>
                 <a:t>システム</a:t>
               </a:r>
-              <a:endParaRPr kumimoji="1" lang="en-US" altLang="ja-JP" sz="900" dirty="0">
+              <a:endParaRPr kumimoji="1" lang="en-US" altLang="ja-JP" sz="900">
                 <a:latin typeface="Meiryo UI" panose="020B0604030504040204" pitchFamily="50" charset="-128"/>
                 <a:ea typeface="Meiryo UI" panose="020B0604030504040204" pitchFamily="50" charset="-128"/>
                 <a:cs typeface="Meiryo UI" panose="020B0604030504040204" pitchFamily="50" charset="-128"/>
@@ -5526,7 +5526,7 @@
             <a:p>
               <a:pPr algn="ctr"/>
               <a:r>
-                <a:rPr kumimoji="1" lang="ja-JP" altLang="en-US" sz="900" dirty="0">
+                <a:rPr kumimoji="1" lang="ja-JP" altLang="en-US" sz="900">
                   <a:latin typeface="Meiryo UI" panose="020B0604030504040204" pitchFamily="50" charset="-128"/>
                   <a:ea typeface="Meiryo UI" panose="020B0604030504040204" pitchFamily="50" charset="-128"/>
                   <a:cs typeface="Meiryo UI" panose="020B0604030504040204" pitchFamily="50" charset="-128"/>
@@ -5617,7 +5617,7 @@
             <a:p>
               <a:pPr algn="ctr"/>
               <a:r>
-                <a:rPr kumimoji="1" lang="ja-JP" altLang="en-US" sz="900" dirty="0">
+                <a:rPr kumimoji="1" lang="ja-JP" altLang="en-US" sz="900">
                   <a:latin typeface="Meiryo UI" panose="020B0604030504040204" pitchFamily="50" charset="-128"/>
                   <a:ea typeface="Meiryo UI" panose="020B0604030504040204" pitchFamily="50" charset="-128"/>
                   <a:cs typeface="Meiryo UI" panose="020B0604030504040204" pitchFamily="50" charset="-128"/>
@@ -5706,7 +5706,7 @@
           <a:lstStyle/>
           <a:p>
             <a:pPr algn="ctr"/>
-            <a:endParaRPr lang="ja-JP" altLang="en-US" sz="1050" dirty="0">
+            <a:endParaRPr lang="ja-JP" altLang="en-US" sz="1050">
               <a:latin typeface="Meiryo UI" panose="020B0604030504040204" pitchFamily="50" charset="-128"/>
               <a:ea typeface="Meiryo UI" panose="020B0604030504040204" pitchFamily="50" charset="-128"/>
               <a:cs typeface="Meiryo UI" panose="020B0604030504040204" pitchFamily="50" charset="-128"/>
@@ -5751,7 +5751,7 @@
           <a:lstStyle/>
           <a:p>
             <a:pPr algn="ctr"/>
-            <a:endParaRPr lang="ja-JP" altLang="en-US" sz="1050" dirty="0">
+            <a:endParaRPr lang="ja-JP" altLang="en-US" sz="1050">
               <a:latin typeface="Meiryo UI" panose="020B0604030504040204" pitchFamily="50" charset="-128"/>
               <a:ea typeface="Meiryo UI" panose="020B0604030504040204" pitchFamily="50" charset="-128"/>
               <a:cs typeface="Meiryo UI" panose="020B0604030504040204" pitchFamily="50" charset="-128"/>
@@ -5796,7 +5796,7 @@
           <a:lstStyle/>
           <a:p>
             <a:pPr algn="ctr"/>
-            <a:endParaRPr lang="ja-JP" altLang="en-US" sz="1050" dirty="0">
+            <a:endParaRPr lang="ja-JP" altLang="en-US" sz="1050">
               <a:latin typeface="Meiryo UI" panose="020B0604030504040204" pitchFamily="50" charset="-128"/>
               <a:ea typeface="Meiryo UI" panose="020B0604030504040204" pitchFamily="50" charset="-128"/>
               <a:cs typeface="Meiryo UI" panose="020B0604030504040204" pitchFamily="50" charset="-128"/>
@@ -5849,14 +5849,14 @@
           <a:p>
             <a:pPr algn="ctr"/>
             <a:r>
-              <a:rPr lang="ja-JP" altLang="en-US" sz="1200" dirty="0">
+              <a:rPr lang="ja-JP" altLang="en-US" sz="1200">
                 <a:latin typeface="Meiryo UI" panose="020B0604030504040204" pitchFamily="50" charset="-128"/>
                 <a:ea typeface="Meiryo UI" panose="020B0604030504040204" pitchFamily="50" charset="-128"/>
                 <a:cs typeface="Meiryo UI" panose="020B0604030504040204" pitchFamily="50" charset="-128"/>
               </a:rPr>
               <a:t>セミナー等での普及啓発活動</a:t>
             </a:r>
-            <a:endParaRPr lang="en-US" altLang="ja-JP" sz="1200" dirty="0">
+            <a:endParaRPr lang="en-US" altLang="ja-JP" sz="1200">
               <a:latin typeface="Meiryo UI" panose="020B0604030504040204" pitchFamily="50" charset="-128"/>
               <a:ea typeface="Meiryo UI" panose="020B0604030504040204" pitchFamily="50" charset="-128"/>
               <a:cs typeface="Meiryo UI" panose="020B0604030504040204" pitchFamily="50" charset="-128"/>
@@ -5865,7 +5865,7 @@
           <a:p>
             <a:pPr algn="ctr"/>
             <a:r>
-              <a:rPr lang="ja-JP" altLang="en-US" sz="1200" dirty="0">
+              <a:rPr lang="ja-JP" altLang="en-US" sz="1200">
                 <a:latin typeface="Meiryo UI" panose="020B0604030504040204" pitchFamily="50" charset="-128"/>
                 <a:ea typeface="Meiryo UI" panose="020B0604030504040204" pitchFamily="50" charset="-128"/>
                 <a:cs typeface="Meiryo UI" panose="020B0604030504040204" pitchFamily="50" charset="-128"/>
@@ -5873,7 +5873,7 @@
               <a:t>（警視庁・</a:t>
             </a:r>
             <a:r>
-              <a:rPr lang="en-US" altLang="ja-JP" sz="1200" dirty="0">
+              <a:rPr lang="en-US" altLang="ja-JP" sz="1200">
                 <a:latin typeface="Meiryo UI" panose="020B0604030504040204" pitchFamily="50" charset="-128"/>
                 <a:ea typeface="Meiryo UI" panose="020B0604030504040204" pitchFamily="50" charset="-128"/>
                 <a:cs typeface="Meiryo UI" panose="020B0604030504040204" pitchFamily="50" charset="-128"/>
@@ -5881,14 +5881,14 @@
               <a:t>TCYSS</a:t>
             </a:r>
             <a:r>
-              <a:rPr lang="ja-JP" altLang="en-US" sz="1200" dirty="0">
+              <a:rPr lang="ja-JP" altLang="en-US" sz="1200">
                 <a:latin typeface="Meiryo UI" panose="020B0604030504040204" pitchFamily="50" charset="-128"/>
                 <a:ea typeface="Meiryo UI" panose="020B0604030504040204" pitchFamily="50" charset="-128"/>
                 <a:cs typeface="Meiryo UI" panose="020B0604030504040204" pitchFamily="50" charset="-128"/>
               </a:rPr>
               <a:t>参加組織）</a:t>
             </a:r>
-            <a:endParaRPr lang="en-US" altLang="ja-JP" sz="1200" dirty="0">
+            <a:endParaRPr lang="en-US" altLang="ja-JP" sz="1200">
               <a:latin typeface="Meiryo UI" panose="020B0604030504040204" pitchFamily="50" charset="-128"/>
               <a:ea typeface="Meiryo UI" panose="020B0604030504040204" pitchFamily="50" charset="-128"/>
               <a:cs typeface="Meiryo UI" panose="020B0604030504040204" pitchFamily="50" charset="-128"/>
@@ -6026,14 +6026,14 @@
           <a:lstStyle/>
           <a:p>
             <a:r>
-              <a:rPr lang="ja-JP" altLang="en-US" sz="1200" b="1" dirty="0">
+              <a:rPr lang="ja-JP" altLang="en-US" sz="1200" b="1">
                 <a:latin typeface="Meiryo UI" panose="020B0604030504040204" pitchFamily="50" charset="-128"/>
                 <a:ea typeface="Meiryo UI" panose="020B0604030504040204" pitchFamily="50" charset="-128"/>
                 <a:cs typeface="Meiryo UI" panose="020B0604030504040204" pitchFamily="50" charset="-128"/>
               </a:rPr>
               <a:t>電話相談</a:t>
             </a:r>
-            <a:endParaRPr lang="en-US" altLang="ja-JP" sz="1200" b="1" dirty="0">
+            <a:endParaRPr lang="en-US" altLang="ja-JP" sz="1200" b="1">
               <a:latin typeface="Meiryo UI" panose="020B0604030504040204" pitchFamily="50" charset="-128"/>
               <a:ea typeface="Meiryo UI" panose="020B0604030504040204" pitchFamily="50" charset="-128"/>
               <a:cs typeface="Meiryo UI" panose="020B0604030504040204" pitchFamily="50" charset="-128"/>
@@ -6041,14 +6041,14 @@
           </a:p>
           <a:p>
             <a:r>
-              <a:rPr lang="ja-JP" altLang="en-US" sz="1200" b="1" dirty="0">
+              <a:rPr lang="ja-JP" altLang="en-US" sz="1200" b="1">
                 <a:latin typeface="Meiryo UI" panose="020B0604030504040204" pitchFamily="50" charset="-128"/>
                 <a:ea typeface="Meiryo UI" panose="020B0604030504040204" pitchFamily="50" charset="-128"/>
                 <a:cs typeface="Meiryo UI" panose="020B0604030504040204" pitchFamily="50" charset="-128"/>
               </a:rPr>
               <a:t>（東京都）</a:t>
             </a:r>
-            <a:endParaRPr lang="ja-JP" altLang="ja-JP" sz="1200" b="1" dirty="0">
+            <a:endParaRPr lang="ja-JP" altLang="ja-JP" sz="1200" b="1">
               <a:latin typeface="Meiryo UI" panose="020B0604030504040204" pitchFamily="50" charset="-128"/>
               <a:ea typeface="Meiryo UI" panose="020B0604030504040204" pitchFamily="50" charset="-128"/>
               <a:cs typeface="Meiryo UI" panose="020B0604030504040204" pitchFamily="50" charset="-128"/>
@@ -6142,7 +6142,7 @@
           <a:p>
             <a:pPr algn="ctr"/>
             <a:r>
-              <a:rPr kumimoji="1" lang="en-US" altLang="ja-JP" sz="1400" dirty="0">
+              <a:rPr kumimoji="1" lang="en-US" altLang="ja-JP" sz="1400">
                 <a:solidFill>
                   <a:schemeClr val="tx1"/>
                 </a:solidFill>
@@ -6152,7 +6152,7 @@
               </a:rPr>
               <a:t>TCYSS</a:t>
             </a:r>
-            <a:endParaRPr kumimoji="1" lang="ja-JP" altLang="en-US" sz="1400" dirty="0">
+            <a:endParaRPr kumimoji="1" lang="ja-JP" altLang="en-US" sz="1400">
               <a:solidFill>
                 <a:schemeClr val="tx1"/>
               </a:solidFill>
@@ -6231,7 +6231,7 @@
           <a:p>
             <a:pPr algn="r"/>
             <a:r>
-              <a:rPr kumimoji="1" lang="en-US" altLang="ja-JP" sz="1400" dirty="0">
+              <a:rPr kumimoji="1" lang="en-US" altLang="ja-JP" sz="1400">
                 <a:latin typeface="Meiryo UI" panose="020B0604030504040204" pitchFamily="50" charset="-128"/>
                 <a:ea typeface="Meiryo UI" panose="020B0604030504040204" pitchFamily="50" charset="-128"/>
                 <a:cs typeface="Meiryo UI" panose="020B0604030504040204" pitchFamily="50" charset="-128"/>
@@ -6239,7 +6239,7 @@
               <a:t>2022</a:t>
             </a:r>
             <a:r>
-              <a:rPr kumimoji="1" lang="ja-JP" altLang="en-US" sz="1400" dirty="0">
+              <a:rPr kumimoji="1" lang="ja-JP" altLang="en-US" sz="1400">
                 <a:latin typeface="Meiryo UI" panose="020B0604030504040204" pitchFamily="50" charset="-128"/>
                 <a:ea typeface="Meiryo UI" panose="020B0604030504040204" pitchFamily="50" charset="-128"/>
                 <a:cs typeface="Meiryo UI" panose="020B0604030504040204" pitchFamily="50" charset="-128"/>
@@ -6247,7 +6247,7 @@
               <a:t>年</a:t>
             </a:r>
             <a:r>
-              <a:rPr lang="en-US" altLang="ja-JP" sz="1400" dirty="0">
+              <a:rPr lang="en-US" altLang="ja-JP" sz="1400">
                 <a:latin typeface="Meiryo UI" panose="020B0604030504040204" pitchFamily="50" charset="-128"/>
                 <a:ea typeface="Meiryo UI" panose="020B0604030504040204" pitchFamily="50" charset="-128"/>
                 <a:cs typeface="Meiryo UI" panose="020B0604030504040204" pitchFamily="50" charset="-128"/>
@@ -6255,7 +6255,7 @@
               <a:t>4</a:t>
             </a:r>
             <a:r>
-              <a:rPr kumimoji="1" lang="ja-JP" altLang="en-US" sz="1400" dirty="0">
+              <a:rPr kumimoji="1" lang="ja-JP" altLang="en-US" sz="1400">
                 <a:latin typeface="Meiryo UI" panose="020B0604030504040204" pitchFamily="50" charset="-128"/>
                 <a:ea typeface="Meiryo UI" panose="020B0604030504040204" pitchFamily="50" charset="-128"/>
                 <a:cs typeface="Meiryo UI" panose="020B0604030504040204" pitchFamily="50" charset="-128"/>
@@ -6263,7 +6263,7 @@
               <a:t>月</a:t>
             </a:r>
             <a:r>
-              <a:rPr lang="en-US" altLang="ja-JP" sz="1400" dirty="0">
+              <a:rPr lang="en-US" altLang="ja-JP" sz="1400">
                 <a:latin typeface="Meiryo UI" panose="020B0604030504040204" pitchFamily="50" charset="-128"/>
                 <a:ea typeface="Meiryo UI" panose="020B0604030504040204" pitchFamily="50" charset="-128"/>
                 <a:cs typeface="Meiryo UI" panose="020B0604030504040204" pitchFamily="50" charset="-128"/>
@@ -6271,7 +6271,7 @@
               <a:t>12</a:t>
             </a:r>
             <a:r>
-              <a:rPr kumimoji="1" lang="ja-JP" altLang="en-US" sz="1400" dirty="0">
+              <a:rPr kumimoji="1" lang="ja-JP" altLang="en-US" sz="1400">
                 <a:latin typeface="Meiryo UI" panose="020B0604030504040204" pitchFamily="50" charset="-128"/>
                 <a:ea typeface="Meiryo UI" panose="020B0604030504040204" pitchFamily="50" charset="-128"/>
                 <a:cs typeface="Meiryo UI" panose="020B0604030504040204" pitchFamily="50" charset="-128"/>
@@ -6279,7 +6279,7 @@
               <a:t>日第</a:t>
             </a:r>
             <a:r>
-              <a:rPr kumimoji="1" lang="en-US" altLang="ja-JP" sz="1400" dirty="0">
+              <a:rPr kumimoji="1" lang="en-US" altLang="ja-JP" sz="1400">
                 <a:latin typeface="Meiryo UI" panose="020B0604030504040204" pitchFamily="50" charset="-128"/>
                 <a:ea typeface="Meiryo UI" panose="020B0604030504040204" pitchFamily="50" charset="-128"/>
                 <a:cs typeface="Meiryo UI" panose="020B0604030504040204" pitchFamily="50" charset="-128"/>
@@ -6287,14 +6287,14 @@
               <a:t>2.8</a:t>
             </a:r>
             <a:r>
-              <a:rPr kumimoji="1" lang="ja-JP" altLang="en-US" sz="1400" dirty="0">
+              <a:rPr kumimoji="1" lang="ja-JP" altLang="en-US" sz="1400">
                 <a:latin typeface="Meiryo UI" panose="020B0604030504040204" pitchFamily="50" charset="-128"/>
                 <a:ea typeface="Meiryo UI" panose="020B0604030504040204" pitchFamily="50" charset="-128"/>
                 <a:cs typeface="Meiryo UI" panose="020B0604030504040204" pitchFamily="50" charset="-128"/>
               </a:rPr>
               <a:t>版</a:t>
             </a:r>
-            <a:endParaRPr kumimoji="1" lang="en-US" altLang="ja-JP" sz="1400" dirty="0">
+            <a:endParaRPr kumimoji="1" lang="en-US" altLang="ja-JP" sz="1400">
               <a:latin typeface="Meiryo UI" panose="020B0604030504040204" pitchFamily="50" charset="-128"/>
               <a:ea typeface="Meiryo UI" panose="020B0604030504040204" pitchFamily="50" charset="-128"/>
               <a:cs typeface="Meiryo UI" panose="020B0604030504040204" pitchFamily="50" charset="-128"/>
@@ -6303,7 +6303,7 @@
           <a:p>
             <a:pPr algn="r"/>
             <a:r>
-              <a:rPr kumimoji="1" lang="en-US" altLang="ja-JP" sz="1400" dirty="0">
+              <a:rPr kumimoji="1" lang="en-US" altLang="ja-JP" sz="1400">
                 <a:latin typeface="Meiryo UI" panose="020B0604030504040204" pitchFamily="50" charset="-128"/>
                 <a:ea typeface="Meiryo UI" panose="020B0604030504040204" pitchFamily="50" charset="-128"/>
                 <a:cs typeface="Meiryo UI" panose="020B0604030504040204" pitchFamily="50" charset="-128"/>
@@ -6311,7 +6311,7 @@
               <a:t>2018</a:t>
             </a:r>
             <a:r>
-              <a:rPr kumimoji="1" lang="ja-JP" altLang="en-US" sz="1400" dirty="0">
+              <a:rPr kumimoji="1" lang="ja-JP" altLang="en-US" sz="1400">
                 <a:latin typeface="Meiryo UI" panose="020B0604030504040204" pitchFamily="50" charset="-128"/>
                 <a:ea typeface="Meiryo UI" panose="020B0604030504040204" pitchFamily="50" charset="-128"/>
                 <a:cs typeface="Meiryo UI" panose="020B0604030504040204" pitchFamily="50" charset="-128"/>
@@ -6319,7 +6319,7 @@
               <a:t>年</a:t>
             </a:r>
             <a:r>
-              <a:rPr lang="en-US" altLang="ja-JP" sz="1400" dirty="0">
+              <a:rPr lang="en-US" altLang="ja-JP" sz="1400">
                 <a:latin typeface="Meiryo UI" panose="020B0604030504040204" pitchFamily="50" charset="-128"/>
                 <a:ea typeface="Meiryo UI" panose="020B0604030504040204" pitchFamily="50" charset="-128"/>
                 <a:cs typeface="Meiryo UI" panose="020B0604030504040204" pitchFamily="50" charset="-128"/>
@@ -6327,7 +6327,7 @@
               <a:t>5</a:t>
             </a:r>
             <a:r>
-              <a:rPr kumimoji="1" lang="ja-JP" altLang="en-US" sz="1400" dirty="0">
+              <a:rPr kumimoji="1" lang="ja-JP" altLang="en-US" sz="1400">
                 <a:latin typeface="Meiryo UI" panose="020B0604030504040204" pitchFamily="50" charset="-128"/>
                 <a:ea typeface="Meiryo UI" panose="020B0604030504040204" pitchFamily="50" charset="-128"/>
                 <a:cs typeface="Meiryo UI" panose="020B0604030504040204" pitchFamily="50" charset="-128"/>
@@ -6335,7 +6335,7 @@
               <a:t>月</a:t>
             </a:r>
             <a:r>
-              <a:rPr lang="en-US" altLang="ja-JP" sz="1400" dirty="0">
+              <a:rPr lang="en-US" altLang="ja-JP" sz="1400">
                 <a:latin typeface="Meiryo UI" panose="020B0604030504040204" pitchFamily="50" charset="-128"/>
                 <a:ea typeface="Meiryo UI" panose="020B0604030504040204" pitchFamily="50" charset="-128"/>
                 <a:cs typeface="Meiryo UI" panose="020B0604030504040204" pitchFamily="50" charset="-128"/>
@@ -6343,7 +6343,7 @@
               <a:t>15</a:t>
             </a:r>
             <a:r>
-              <a:rPr kumimoji="1" lang="ja-JP" altLang="en-US" sz="1400" dirty="0">
+              <a:rPr kumimoji="1" lang="ja-JP" altLang="en-US" sz="1400">
                 <a:latin typeface="Meiryo UI" panose="020B0604030504040204" pitchFamily="50" charset="-128"/>
                 <a:ea typeface="Meiryo UI" panose="020B0604030504040204" pitchFamily="50" charset="-128"/>
                 <a:cs typeface="Meiryo UI" panose="020B0604030504040204" pitchFamily="50" charset="-128"/>
@@ -6351,7 +6351,7 @@
               <a:t>日第</a:t>
             </a:r>
             <a:r>
-              <a:rPr kumimoji="1" lang="en-US" altLang="ja-JP" sz="1400" dirty="0">
+              <a:rPr kumimoji="1" lang="en-US" altLang="ja-JP" sz="1400">
                 <a:latin typeface="Meiryo UI" panose="020B0604030504040204" pitchFamily="50" charset="-128"/>
                 <a:ea typeface="Meiryo UI" panose="020B0604030504040204" pitchFamily="50" charset="-128"/>
                 <a:cs typeface="Meiryo UI" panose="020B0604030504040204" pitchFamily="50" charset="-128"/>
@@ -6359,7 +6359,7 @@
               <a:t>2.0</a:t>
             </a:r>
             <a:r>
-              <a:rPr kumimoji="1" lang="ja-JP" altLang="en-US" sz="1400" dirty="0">
+              <a:rPr kumimoji="1" lang="ja-JP" altLang="en-US" sz="1400">
                 <a:latin typeface="Meiryo UI" panose="020B0604030504040204" pitchFamily="50" charset="-128"/>
                 <a:ea typeface="Meiryo UI" panose="020B0604030504040204" pitchFamily="50" charset="-128"/>
                 <a:cs typeface="Meiryo UI" panose="020B0604030504040204" pitchFamily="50" charset="-128"/>
@@ -6416,14 +6416,14 @@
           <a:lstStyle/>
           <a:p>
             <a:r>
-              <a:rPr lang="ja-JP" altLang="en-US" sz="1200" b="1" dirty="0">
+              <a:rPr lang="ja-JP" altLang="en-US" sz="1200" b="1">
                 <a:latin typeface="Meiryo UI" panose="020B0604030504040204" pitchFamily="50" charset="-128"/>
                 <a:ea typeface="Meiryo UI" panose="020B0604030504040204" pitchFamily="50" charset="-128"/>
                 <a:cs typeface="Meiryo UI" panose="020B0604030504040204" pitchFamily="50" charset="-128"/>
               </a:rPr>
               <a:t>■事業の位置付け</a:t>
             </a:r>
-            <a:endParaRPr lang="en-US" altLang="ja-JP" sz="1200" b="1" dirty="0">
+            <a:endParaRPr lang="en-US" altLang="ja-JP" sz="1200" b="1">
               <a:latin typeface="Meiryo UI" panose="020B0604030504040204" pitchFamily="50" charset="-128"/>
               <a:ea typeface="Meiryo UI" panose="020B0604030504040204" pitchFamily="50" charset="-128"/>
               <a:cs typeface="Meiryo UI" panose="020B0604030504040204" pitchFamily="50" charset="-128"/>
@@ -6431,14 +6431,14 @@
           </a:p>
           <a:p>
             <a:r>
-              <a:rPr lang="ja-JP" altLang="en-US" sz="1200" dirty="0">
+              <a:rPr lang="ja-JP" altLang="en-US" sz="1200">
                 <a:latin typeface="Meiryo UI" panose="020B0604030504040204" pitchFamily="50" charset="-128"/>
                 <a:ea typeface="Meiryo UI" panose="020B0604030504040204" pitchFamily="50" charset="-128"/>
                 <a:cs typeface="Meiryo UI" panose="020B0604030504040204" pitchFamily="50" charset="-128"/>
               </a:rPr>
               <a:t>①国全体のサイバーセキュリティ対策の実施において、地方公共団体の中核的組織として、一翼を担う。</a:t>
             </a:r>
-            <a:endParaRPr lang="en-US" altLang="ja-JP" sz="1200" dirty="0">
+            <a:endParaRPr lang="en-US" altLang="ja-JP" sz="1200">
               <a:latin typeface="Meiryo UI" panose="020B0604030504040204" pitchFamily="50" charset="-128"/>
               <a:ea typeface="Meiryo UI" panose="020B0604030504040204" pitchFamily="50" charset="-128"/>
               <a:cs typeface="Meiryo UI" panose="020B0604030504040204" pitchFamily="50" charset="-128"/>
@@ -6446,14 +6446,14 @@
           </a:p>
           <a:p>
             <a:r>
-              <a:rPr lang="ja-JP" altLang="en-US" sz="1200" dirty="0">
+              <a:rPr lang="ja-JP" altLang="en-US" sz="1200">
                 <a:latin typeface="Meiryo UI" panose="020B0604030504040204" pitchFamily="50" charset="-128"/>
                 <a:ea typeface="Meiryo UI" panose="020B0604030504040204" pitchFamily="50" charset="-128"/>
                 <a:cs typeface="Meiryo UI" panose="020B0604030504040204" pitchFamily="50" charset="-128"/>
               </a:rPr>
               <a:t>②東京都のトータルな中小企業支援の一環で。</a:t>
             </a:r>
-            <a:endParaRPr lang="en-US" altLang="ja-JP" sz="1200" dirty="0">
+            <a:endParaRPr lang="en-US" altLang="ja-JP" sz="1200">
               <a:latin typeface="Meiryo UI" panose="020B0604030504040204" pitchFamily="50" charset="-128"/>
               <a:ea typeface="Meiryo UI" panose="020B0604030504040204" pitchFamily="50" charset="-128"/>
               <a:cs typeface="Meiryo UI" panose="020B0604030504040204" pitchFamily="50" charset="-128"/>
@@ -6461,14 +6461,14 @@
           </a:p>
           <a:p>
             <a:r>
-              <a:rPr lang="ja-JP" altLang="en-US" sz="1200" b="1" dirty="0">
+              <a:rPr lang="ja-JP" altLang="en-US" sz="1200" b="1">
                 <a:latin typeface="Meiryo UI" panose="020B0604030504040204" pitchFamily="50" charset="-128"/>
                 <a:ea typeface="Meiryo UI" panose="020B0604030504040204" pitchFamily="50" charset="-128"/>
                 <a:cs typeface="Meiryo UI" panose="020B0604030504040204" pitchFamily="50" charset="-128"/>
               </a:rPr>
               <a:t>■相談窓口業務の柱</a:t>
             </a:r>
-            <a:endParaRPr lang="en-US" altLang="ja-JP" sz="1200" dirty="0">
+            <a:endParaRPr lang="en-US" altLang="ja-JP" sz="1200">
               <a:latin typeface="Meiryo UI" panose="020B0604030504040204" pitchFamily="50" charset="-128"/>
               <a:ea typeface="Meiryo UI" panose="020B0604030504040204" pitchFamily="50" charset="-128"/>
               <a:cs typeface="Meiryo UI" panose="020B0604030504040204" pitchFamily="50" charset="-128"/>
@@ -6476,7 +6476,7 @@
           </a:p>
           <a:p>
             <a:r>
-              <a:rPr lang="ja-JP" altLang="en-US" sz="1200" b="1" dirty="0">
+              <a:rPr lang="ja-JP" altLang="en-US" sz="1200" b="1">
                 <a:latin typeface="Meiryo UI" panose="020B0604030504040204" pitchFamily="50" charset="-128"/>
                 <a:ea typeface="Meiryo UI" panose="020B0604030504040204" pitchFamily="50" charset="-128"/>
                 <a:cs typeface="Meiryo UI" panose="020B0604030504040204" pitchFamily="50" charset="-128"/>
@@ -6484,14 +6484,14 @@
               <a:t>①情報の集約及び知識化</a:t>
             </a:r>
             <a:r>
-              <a:rPr lang="ja-JP" altLang="en-US" sz="1200" dirty="0">
+              <a:rPr lang="ja-JP" altLang="en-US" sz="1200">
                 <a:latin typeface="Meiryo UI" panose="020B0604030504040204" pitchFamily="50" charset="-128"/>
                 <a:ea typeface="Meiryo UI" panose="020B0604030504040204" pitchFamily="50" charset="-128"/>
                 <a:cs typeface="Meiryo UI" panose="020B0604030504040204" pitchFamily="50" charset="-128"/>
               </a:rPr>
               <a:t>：</a:t>
             </a:r>
-            <a:endParaRPr lang="en-US" altLang="ja-JP" sz="1200" dirty="0">
+            <a:endParaRPr lang="en-US" altLang="ja-JP" sz="1200">
               <a:latin typeface="Meiryo UI" panose="020B0604030504040204" pitchFamily="50" charset="-128"/>
               <a:ea typeface="Meiryo UI" panose="020B0604030504040204" pitchFamily="50" charset="-128"/>
               <a:cs typeface="Meiryo UI" panose="020B0604030504040204" pitchFamily="50" charset="-128"/>
@@ -6499,14 +6499,14 @@
           </a:p>
           <a:p>
             <a:r>
-              <a:rPr lang="ja-JP" altLang="en-US" sz="1200" dirty="0">
+              <a:rPr lang="ja-JP" altLang="en-US" sz="1200">
                 <a:latin typeface="Meiryo UI" panose="020B0604030504040204" pitchFamily="50" charset="-128"/>
                 <a:ea typeface="Meiryo UI" panose="020B0604030504040204" pitchFamily="50" charset="-128"/>
                 <a:cs typeface="Meiryo UI" panose="020B0604030504040204" pitchFamily="50" charset="-128"/>
               </a:rPr>
               <a:t>　日々の情報収集・内容の要約・情報の知識化</a:t>
             </a:r>
-            <a:endParaRPr lang="en-US" altLang="ja-JP" sz="1200" dirty="0">
+            <a:endParaRPr lang="en-US" altLang="ja-JP" sz="1200">
               <a:latin typeface="Meiryo UI" panose="020B0604030504040204" pitchFamily="50" charset="-128"/>
               <a:ea typeface="Meiryo UI" panose="020B0604030504040204" pitchFamily="50" charset="-128"/>
               <a:cs typeface="Meiryo UI" panose="020B0604030504040204" pitchFamily="50" charset="-128"/>
@@ -6514,7 +6514,7 @@
           </a:p>
           <a:p>
             <a:r>
-              <a:rPr lang="ja-JP" altLang="en-US" sz="1200" b="1" dirty="0">
+              <a:rPr lang="ja-JP" altLang="en-US" sz="1200" b="1">
                 <a:latin typeface="Meiryo UI" panose="020B0604030504040204" pitchFamily="50" charset="-128"/>
                 <a:ea typeface="Meiryo UI" panose="020B0604030504040204" pitchFamily="50" charset="-128"/>
                 <a:cs typeface="Meiryo UI" panose="020B0604030504040204" pitchFamily="50" charset="-128"/>
@@ -6522,14 +6522,14 @@
               <a:t>②発信用情報の作成・蓄積</a:t>
             </a:r>
             <a:r>
-              <a:rPr lang="ja-JP" altLang="en-US" sz="1200" dirty="0">
+              <a:rPr lang="ja-JP" altLang="en-US" sz="1200">
                 <a:latin typeface="Meiryo UI" panose="020B0604030504040204" pitchFamily="50" charset="-128"/>
                 <a:ea typeface="Meiryo UI" panose="020B0604030504040204" pitchFamily="50" charset="-128"/>
                 <a:cs typeface="Meiryo UI" panose="020B0604030504040204" pitchFamily="50" charset="-128"/>
               </a:rPr>
               <a:t>：</a:t>
             </a:r>
-            <a:endParaRPr lang="en-US" altLang="ja-JP" sz="1200" dirty="0">
+            <a:endParaRPr lang="en-US" altLang="ja-JP" sz="1200">
               <a:latin typeface="Meiryo UI" panose="020B0604030504040204" pitchFamily="50" charset="-128"/>
               <a:ea typeface="Meiryo UI" panose="020B0604030504040204" pitchFamily="50" charset="-128"/>
               <a:cs typeface="Meiryo UI" panose="020B0604030504040204" pitchFamily="50" charset="-128"/>
@@ -6537,7 +6537,7 @@
           </a:p>
           <a:p>
             <a:r>
-              <a:rPr lang="ja-JP" altLang="en-US" sz="1200" dirty="0">
+              <a:rPr lang="ja-JP" altLang="en-US" sz="1200">
                 <a:latin typeface="Meiryo UI" panose="020B0604030504040204" pitchFamily="50" charset="-128"/>
                 <a:ea typeface="Meiryo UI" panose="020B0604030504040204" pitchFamily="50" charset="-128"/>
                 <a:cs typeface="Meiryo UI" panose="020B0604030504040204" pitchFamily="50" charset="-128"/>
@@ -6547,7 +6547,7 @@
           </a:p>
           <a:p>
             <a:r>
-              <a:rPr lang="ja-JP" altLang="en-US" sz="1200" b="1" dirty="0">
+              <a:rPr lang="ja-JP" altLang="en-US" sz="1200" b="1">
                 <a:latin typeface="Meiryo UI" panose="020B0604030504040204" pitchFamily="50" charset="-128"/>
                 <a:ea typeface="Meiryo UI" panose="020B0604030504040204" pitchFamily="50" charset="-128"/>
                 <a:cs typeface="Meiryo UI" panose="020B0604030504040204" pitchFamily="50" charset="-128"/>
@@ -6555,14 +6555,14 @@
               <a:t>③情報の提供（発信）</a:t>
             </a:r>
             <a:r>
-              <a:rPr lang="ja-JP" altLang="en-US" sz="1200" dirty="0">
+              <a:rPr lang="ja-JP" altLang="en-US" sz="1200">
                 <a:latin typeface="Meiryo UI" panose="020B0604030504040204" pitchFamily="50" charset="-128"/>
                 <a:ea typeface="Meiryo UI" panose="020B0604030504040204" pitchFamily="50" charset="-128"/>
                 <a:cs typeface="Meiryo UI" panose="020B0604030504040204" pitchFamily="50" charset="-128"/>
               </a:rPr>
               <a:t>：</a:t>
             </a:r>
-            <a:endParaRPr lang="en-US" altLang="ja-JP" sz="1200" dirty="0">
+            <a:endParaRPr lang="en-US" altLang="ja-JP" sz="1200">
               <a:latin typeface="Meiryo UI" panose="020B0604030504040204" pitchFamily="50" charset="-128"/>
               <a:ea typeface="Meiryo UI" panose="020B0604030504040204" pitchFamily="50" charset="-128"/>
               <a:cs typeface="Meiryo UI" panose="020B0604030504040204" pitchFamily="50" charset="-128"/>
@@ -6570,7 +6570,7 @@
           </a:p>
           <a:p>
             <a:r>
-              <a:rPr lang="ja-JP" altLang="en-US" sz="1200" dirty="0">
+              <a:rPr lang="ja-JP" altLang="en-US" sz="1200">
                 <a:latin typeface="Meiryo UI" panose="020B0604030504040204" pitchFamily="50" charset="-128"/>
                 <a:ea typeface="Meiryo UI" panose="020B0604030504040204" pitchFamily="50" charset="-128"/>
                 <a:cs typeface="Meiryo UI" panose="020B0604030504040204" pitchFamily="50" charset="-128"/>
@@ -6578,7 +6578,7 @@
               <a:t>・</a:t>
             </a:r>
             <a:r>
-              <a:rPr lang="en-US" altLang="ja-JP" sz="1200" dirty="0">
+              <a:rPr lang="en-US" altLang="ja-JP" sz="1200">
                 <a:latin typeface="Meiryo UI" panose="020B0604030504040204" pitchFamily="50" charset="-128"/>
                 <a:ea typeface="Meiryo UI" panose="020B0604030504040204" pitchFamily="50" charset="-128"/>
                 <a:cs typeface="Meiryo UI" panose="020B0604030504040204" pitchFamily="50" charset="-128"/>
@@ -6586,7 +6586,7 @@
               <a:t>【</a:t>
             </a:r>
             <a:r>
-              <a:rPr lang="ja-JP" altLang="en-US" sz="1200" dirty="0">
+              <a:rPr lang="ja-JP" altLang="en-US" sz="1200">
                 <a:latin typeface="Meiryo UI" panose="020B0604030504040204" pitchFamily="50" charset="-128"/>
                 <a:ea typeface="Meiryo UI" panose="020B0604030504040204" pitchFamily="50" charset="-128"/>
                 <a:cs typeface="Meiryo UI" panose="020B0604030504040204" pitchFamily="50" charset="-128"/>
@@ -6594,7 +6594,7 @@
               <a:t>意識改革</a:t>
             </a:r>
             <a:r>
-              <a:rPr lang="en-US" altLang="ja-JP" sz="1200" dirty="0">
+              <a:rPr lang="en-US" altLang="ja-JP" sz="1200">
                 <a:latin typeface="Meiryo UI" panose="020B0604030504040204" pitchFamily="50" charset="-128"/>
                 <a:ea typeface="Meiryo UI" panose="020B0604030504040204" pitchFamily="50" charset="-128"/>
                 <a:cs typeface="Meiryo UI" panose="020B0604030504040204" pitchFamily="50" charset="-128"/>
@@ -6602,14 +6602,14 @@
               <a:t>】</a:t>
             </a:r>
             <a:r>
-              <a:rPr lang="ja-JP" altLang="en-US" sz="1200" dirty="0">
+              <a:rPr lang="ja-JP" altLang="en-US" sz="1200">
                 <a:latin typeface="Meiryo UI" panose="020B0604030504040204" pitchFamily="50" charset="-128"/>
                 <a:ea typeface="Meiryo UI" panose="020B0604030504040204" pitchFamily="50" charset="-128"/>
                 <a:cs typeface="Meiryo UI" panose="020B0604030504040204" pitchFamily="50" charset="-128"/>
               </a:rPr>
               <a:t>ポータル、ガイドブック、出張相談により、能動的な情報発信</a:t>
             </a:r>
-            <a:endParaRPr lang="en-US" altLang="ja-JP" sz="1200" dirty="0">
+            <a:endParaRPr lang="en-US" altLang="ja-JP" sz="1200">
               <a:latin typeface="Meiryo UI" panose="020B0604030504040204" pitchFamily="50" charset="-128"/>
               <a:ea typeface="Meiryo UI" panose="020B0604030504040204" pitchFamily="50" charset="-128"/>
               <a:cs typeface="Meiryo UI" panose="020B0604030504040204" pitchFamily="50" charset="-128"/>
@@ -6617,7 +6617,7 @@
           </a:p>
           <a:p>
             <a:r>
-              <a:rPr lang="ja-JP" altLang="en-US" sz="1200" dirty="0">
+              <a:rPr lang="ja-JP" altLang="en-US" sz="1200">
                 <a:latin typeface="Meiryo UI" panose="020B0604030504040204" pitchFamily="50" charset="-128"/>
                 <a:ea typeface="Meiryo UI" panose="020B0604030504040204" pitchFamily="50" charset="-128"/>
                 <a:cs typeface="Meiryo UI" panose="020B0604030504040204" pitchFamily="50" charset="-128"/>
@@ -6625,7 +6625,7 @@
               <a:t>・</a:t>
             </a:r>
             <a:r>
-              <a:rPr lang="en-US" altLang="ja-JP" sz="1200" dirty="0">
+              <a:rPr lang="en-US" altLang="ja-JP" sz="1200">
                 <a:latin typeface="Meiryo UI" panose="020B0604030504040204" pitchFamily="50" charset="-128"/>
                 <a:ea typeface="Meiryo UI" panose="020B0604030504040204" pitchFamily="50" charset="-128"/>
                 <a:cs typeface="Meiryo UI" panose="020B0604030504040204" pitchFamily="50" charset="-128"/>
@@ -6633,7 +6633,7 @@
               <a:t>【</a:t>
             </a:r>
             <a:r>
-              <a:rPr lang="ja-JP" altLang="en-US" sz="1200" dirty="0">
+              <a:rPr lang="ja-JP" altLang="en-US" sz="1200">
                 <a:latin typeface="Meiryo UI" panose="020B0604030504040204" pitchFamily="50" charset="-128"/>
                 <a:ea typeface="Meiryo UI" panose="020B0604030504040204" pitchFamily="50" charset="-128"/>
                 <a:cs typeface="Meiryo UI" panose="020B0604030504040204" pitchFamily="50" charset="-128"/>
@@ -6641,7 +6641,7 @@
               <a:t>課題解決</a:t>
             </a:r>
             <a:r>
-              <a:rPr lang="en-US" altLang="ja-JP" sz="1200" dirty="0">
+              <a:rPr lang="en-US" altLang="ja-JP" sz="1200">
                 <a:latin typeface="Meiryo UI" panose="020B0604030504040204" pitchFamily="50" charset="-128"/>
                 <a:ea typeface="Meiryo UI" panose="020B0604030504040204" pitchFamily="50" charset="-128"/>
                 <a:cs typeface="Meiryo UI" panose="020B0604030504040204" pitchFamily="50" charset="-128"/>
@@ -6649,14 +6649,14 @@
               <a:t>】</a:t>
             </a:r>
             <a:r>
-              <a:rPr lang="ja-JP" altLang="en-US" sz="1200" dirty="0">
+              <a:rPr lang="ja-JP" altLang="en-US" sz="1200">
                 <a:latin typeface="Meiryo UI" panose="020B0604030504040204" pitchFamily="50" charset="-128"/>
                 <a:ea typeface="Meiryo UI" panose="020B0604030504040204" pitchFamily="50" charset="-128"/>
                 <a:cs typeface="Meiryo UI" panose="020B0604030504040204" pitchFamily="50" charset="-128"/>
               </a:rPr>
               <a:t>電話およびメールによる受動的な情報提供</a:t>
             </a:r>
-            <a:endParaRPr lang="en-US" altLang="ja-JP" sz="1200" dirty="0">
+            <a:endParaRPr lang="en-US" altLang="ja-JP" sz="1200">
               <a:latin typeface="Meiryo UI" panose="020B0604030504040204" pitchFamily="50" charset="-128"/>
               <a:ea typeface="Meiryo UI" panose="020B0604030504040204" pitchFamily="50" charset="-128"/>
               <a:cs typeface="Meiryo UI" panose="020B0604030504040204" pitchFamily="50" charset="-128"/>
@@ -6699,7 +6699,7 @@
           <a:p>
             <a:pPr algn="ctr"/>
             <a:r>
-              <a:rPr kumimoji="1" lang="ja-JP" altLang="en-US" sz="1200" dirty="0">
+              <a:rPr kumimoji="1" lang="ja-JP" altLang="en-US" sz="1200">
                 <a:latin typeface="Meiryo UI" panose="020B0604030504040204" pitchFamily="50" charset="-128"/>
                 <a:ea typeface="Meiryo UI" panose="020B0604030504040204" pitchFamily="50" charset="-128"/>
                 <a:cs typeface="Meiryo UI" panose="020B0604030504040204" pitchFamily="50" charset="-128"/>
@@ -6731,14 +6731,14 @@
           <a:lstStyle/>
           <a:p>
             <a:r>
-              <a:rPr lang="ja-JP" altLang="en-US" sz="1100" b="1" dirty="0">
+              <a:rPr lang="ja-JP" altLang="en-US" sz="1100" b="1">
                 <a:latin typeface="Meiryo UI" panose="020B0604030504040204" pitchFamily="50" charset="-128"/>
                 <a:ea typeface="Meiryo UI" panose="020B0604030504040204" pitchFamily="50" charset="-128"/>
                 <a:cs typeface="Meiryo UI" panose="020B0604030504040204" pitchFamily="50" charset="-128"/>
               </a:rPr>
               <a:t>情報セキュリティ関連の</a:t>
             </a:r>
-            <a:endParaRPr lang="en-US" altLang="ja-JP" sz="1100" b="1" dirty="0">
+            <a:endParaRPr lang="en-US" altLang="ja-JP" sz="1100" b="1">
               <a:latin typeface="Meiryo UI" panose="020B0604030504040204" pitchFamily="50" charset="-128"/>
               <a:ea typeface="Meiryo UI" panose="020B0604030504040204" pitchFamily="50" charset="-128"/>
               <a:cs typeface="Meiryo UI" panose="020B0604030504040204" pitchFamily="50" charset="-128"/>
@@ -6746,7 +6746,7 @@
           </a:p>
           <a:p>
             <a:r>
-              <a:rPr lang="ja-JP" altLang="en-US" sz="1100" b="1" dirty="0">
+              <a:rPr lang="ja-JP" altLang="en-US" sz="1100" b="1">
                 <a:solidFill>
                   <a:srgbClr val="0070C0"/>
                 </a:solidFill>
@@ -6756,7 +6756,7 @@
               </a:rPr>
               <a:t>情報収集</a:t>
             </a:r>
-            <a:endParaRPr lang="en-US" altLang="ja-JP" sz="1100" b="1" dirty="0">
+            <a:endParaRPr lang="en-US" altLang="ja-JP" sz="1100" b="1">
               <a:solidFill>
                 <a:srgbClr val="0070C0"/>
               </a:solidFill>
@@ -6805,7 +6805,7 @@
           <a:p>
             <a:pPr algn="ctr"/>
             <a:r>
-              <a:rPr kumimoji="1" lang="ja-JP" altLang="en-US" sz="1100" dirty="0">
+              <a:rPr kumimoji="1" lang="ja-JP" altLang="en-US" sz="1100">
                 <a:solidFill>
                   <a:schemeClr val="tx1"/>
                 </a:solidFill>
@@ -6815,7 +6815,7 @@
               </a:rPr>
               <a:t>利用者が事前・緊急時どこでも見られるように</a:t>
             </a:r>
-            <a:endParaRPr kumimoji="1" lang="en-US" altLang="ja-JP" sz="1100" dirty="0">
+            <a:endParaRPr kumimoji="1" lang="en-US" altLang="ja-JP" sz="1100">
               <a:solidFill>
                 <a:schemeClr val="tx1"/>
               </a:solidFill>
@@ -6827,7 +6827,7 @@
           <a:p>
             <a:pPr algn="ctr"/>
             <a:r>
-              <a:rPr lang="en-US" altLang="ja-JP" sz="1100" dirty="0">
+              <a:rPr lang="en-US" altLang="ja-JP" sz="1100">
                 <a:solidFill>
                   <a:schemeClr val="tx1"/>
                 </a:solidFill>
@@ -6838,7 +6838,7 @@
               <a:t>(</a:t>
             </a:r>
             <a:r>
-              <a:rPr lang="ja-JP" altLang="en-US" sz="1100" dirty="0">
+              <a:rPr lang="ja-JP" altLang="en-US" sz="1100">
                 <a:solidFill>
                   <a:schemeClr val="tx1"/>
                 </a:solidFill>
@@ -6849,7 +6849,7 @@
               <a:t>ワンソースマルチユース</a:t>
             </a:r>
             <a:r>
-              <a:rPr lang="en-US" altLang="ja-JP" sz="1100" dirty="0">
+              <a:rPr lang="en-US" altLang="ja-JP" sz="1100">
                 <a:solidFill>
                   <a:schemeClr val="tx1"/>
                 </a:solidFill>
@@ -6859,7 +6859,7 @@
               </a:rPr>
               <a:t>)</a:t>
             </a:r>
-            <a:endParaRPr kumimoji="1" lang="ja-JP" altLang="en-US" sz="1100" dirty="0">
+            <a:endParaRPr kumimoji="1" lang="ja-JP" altLang="en-US" sz="1100">
               <a:solidFill>
                 <a:schemeClr val="tx1"/>
               </a:solidFill>
@@ -6912,7 +6912,7 @@
           <a:p>
             <a:pPr algn="ctr"/>
             <a:r>
-              <a:rPr lang="ja-JP" altLang="en-US" sz="1200" dirty="0">
+              <a:rPr lang="ja-JP" altLang="en-US" sz="1200">
                 <a:solidFill>
                   <a:schemeClr val="tx1"/>
                 </a:solidFill>
@@ -6922,7 +6922,7 @@
               </a:rPr>
               <a:t>ニュースサイト</a:t>
             </a:r>
-            <a:endParaRPr lang="en-US" altLang="ja-JP" sz="1200" dirty="0">
+            <a:endParaRPr lang="en-US" altLang="ja-JP" sz="1200">
               <a:solidFill>
                 <a:schemeClr val="tx1"/>
               </a:solidFill>
@@ -6934,7 +6934,7 @@
           <a:p>
             <a:pPr algn="ctr"/>
             <a:r>
-              <a:rPr kumimoji="1" lang="ja-JP" altLang="en-US" sz="1100" dirty="0">
+              <a:rPr kumimoji="1" lang="ja-JP" altLang="en-US" sz="1100">
                 <a:solidFill>
                   <a:schemeClr val="tx1"/>
                 </a:solidFill>
@@ -6982,7 +6982,7 @@
           <a:p>
             <a:pPr algn="ctr"/>
             <a:r>
-              <a:rPr kumimoji="1" lang="ja-JP" altLang="en-US" sz="1200" dirty="0">
+              <a:rPr kumimoji="1" lang="ja-JP" altLang="en-US" sz="1200">
                 <a:latin typeface="Meiryo UI" panose="020B0604030504040204" pitchFamily="50" charset="-128"/>
                 <a:ea typeface="Meiryo UI" panose="020B0604030504040204" pitchFamily="50" charset="-128"/>
                 <a:cs typeface="Meiryo UI" panose="020B0604030504040204" pitchFamily="50" charset="-128"/>
@@ -7027,14 +7027,14 @@
           <a:p>
             <a:pPr algn="ctr"/>
             <a:r>
-              <a:rPr kumimoji="1" lang="ja-JP" altLang="en-US" sz="1200" dirty="0">
+              <a:rPr kumimoji="1" lang="ja-JP" altLang="en-US" sz="1200">
                 <a:latin typeface="Meiryo UI" panose="020B0604030504040204" pitchFamily="50" charset="-128"/>
                 <a:ea typeface="Meiryo UI" panose="020B0604030504040204" pitchFamily="50" charset="-128"/>
                 <a:cs typeface="Meiryo UI" panose="020B0604030504040204" pitchFamily="50" charset="-128"/>
               </a:rPr>
               <a:t>電子書籍版</a:t>
             </a:r>
-            <a:endParaRPr kumimoji="1" lang="en-US" altLang="ja-JP" sz="1200" dirty="0">
+            <a:endParaRPr kumimoji="1" lang="en-US" altLang="ja-JP" sz="1200">
               <a:latin typeface="Meiryo UI" panose="020B0604030504040204" pitchFamily="50" charset="-128"/>
               <a:ea typeface="Meiryo UI" panose="020B0604030504040204" pitchFamily="50" charset="-128"/>
               <a:cs typeface="Meiryo UI" panose="020B0604030504040204" pitchFamily="50" charset="-128"/>
@@ -7043,7 +7043,7 @@
           <a:p>
             <a:pPr algn="ctr"/>
             <a:r>
-              <a:rPr lang="ja-JP" altLang="en-US" sz="1100" dirty="0">
+              <a:rPr lang="ja-JP" altLang="en-US" sz="1100">
                 <a:latin typeface="Meiryo UI" panose="020B0604030504040204" pitchFamily="50" charset="-128"/>
                 <a:ea typeface="Meiryo UI" panose="020B0604030504040204" pitchFamily="50" charset="-128"/>
                 <a:cs typeface="Meiryo UI" panose="020B0604030504040204" pitchFamily="50" charset="-128"/>
@@ -7051,7 +7051,7 @@
               <a:t>（</a:t>
             </a:r>
             <a:r>
-              <a:rPr lang="en-US" altLang="ja-JP" sz="1100" dirty="0">
+              <a:rPr lang="en-US" altLang="ja-JP" sz="1100">
                 <a:latin typeface="Meiryo UI" panose="020B0604030504040204" pitchFamily="50" charset="-128"/>
                 <a:ea typeface="Meiryo UI" panose="020B0604030504040204" pitchFamily="50" charset="-128"/>
                 <a:cs typeface="Meiryo UI" panose="020B0604030504040204" pitchFamily="50" charset="-128"/>
@@ -7059,7 +7059,7 @@
               <a:t>PC,</a:t>
             </a:r>
             <a:r>
-              <a:rPr lang="ja-JP" altLang="en-US" sz="1100" dirty="0">
+              <a:rPr lang="ja-JP" altLang="en-US" sz="1100">
                 <a:latin typeface="Meiryo UI" panose="020B0604030504040204" pitchFamily="50" charset="-128"/>
                 <a:ea typeface="Meiryo UI" panose="020B0604030504040204" pitchFamily="50" charset="-128"/>
                 <a:cs typeface="Meiryo UI" panose="020B0604030504040204" pitchFamily="50" charset="-128"/>
@@ -7067,7 +7067,7 @@
               <a:t>タブレット</a:t>
             </a:r>
             <a:r>
-              <a:rPr kumimoji="1" lang="en-US" altLang="ja-JP" sz="1100" dirty="0">
+              <a:rPr kumimoji="1" lang="en-US" altLang="ja-JP" sz="1100">
                 <a:latin typeface="Meiryo UI" panose="020B0604030504040204" pitchFamily="50" charset="-128"/>
                 <a:ea typeface="Meiryo UI" panose="020B0604030504040204" pitchFamily="50" charset="-128"/>
                 <a:cs typeface="Meiryo UI" panose="020B0604030504040204" pitchFamily="50" charset="-128"/>
@@ -7075,7 +7075,7 @@
               <a:t>,</a:t>
             </a:r>
             <a:r>
-              <a:rPr kumimoji="1" lang="ja-JP" altLang="en-US" sz="1100" dirty="0">
+              <a:rPr kumimoji="1" lang="ja-JP" altLang="en-US" sz="1100">
                 <a:latin typeface="Meiryo UI" panose="020B0604030504040204" pitchFamily="50" charset="-128"/>
                 <a:ea typeface="Meiryo UI" panose="020B0604030504040204" pitchFamily="50" charset="-128"/>
                 <a:cs typeface="Meiryo UI" panose="020B0604030504040204" pitchFamily="50" charset="-128"/>
@@ -7137,14 +7137,14 @@
               </a:lnSpc>
             </a:pPr>
             <a:r>
-              <a:rPr lang="ja-JP" altLang="en-US" sz="1100" b="1" dirty="0">
+              <a:rPr lang="ja-JP" altLang="en-US" sz="1100" b="1">
                 <a:latin typeface="Meiryo UI" panose="020B0604030504040204" pitchFamily="50" charset="-128"/>
                 <a:ea typeface="Meiryo UI" panose="020B0604030504040204" pitchFamily="50" charset="-128"/>
                 <a:cs typeface="Meiryo UI" panose="020B0604030504040204" pitchFamily="50" charset="-128"/>
               </a:rPr>
               <a:t>セキュリティ対策関連</a:t>
             </a:r>
-            <a:endParaRPr lang="en-US" altLang="ja-JP" sz="1100" b="1" dirty="0">
+            <a:endParaRPr lang="en-US" altLang="ja-JP" sz="1100" b="1">
               <a:latin typeface="Meiryo UI" panose="020B0604030504040204" pitchFamily="50" charset="-128"/>
               <a:ea typeface="Meiryo UI" panose="020B0604030504040204" pitchFamily="50" charset="-128"/>
               <a:cs typeface="Meiryo UI" panose="020B0604030504040204" pitchFamily="50" charset="-128"/>
@@ -7157,14 +7157,14 @@
               </a:lnSpc>
             </a:pPr>
             <a:r>
-              <a:rPr lang="ja-JP" altLang="en-US" sz="1100" b="1" dirty="0">
+              <a:rPr lang="ja-JP" altLang="en-US" sz="1100" b="1">
                 <a:latin typeface="Meiryo UI" panose="020B0604030504040204" pitchFamily="50" charset="-128"/>
                 <a:ea typeface="Meiryo UI" panose="020B0604030504040204" pitchFamily="50" charset="-128"/>
                 <a:cs typeface="Meiryo UI" panose="020B0604030504040204" pitchFamily="50" charset="-128"/>
               </a:rPr>
               <a:t>ナレッジベース（知識）</a:t>
             </a:r>
-            <a:endParaRPr lang="en-US" altLang="ja-JP" sz="1100" b="1" dirty="0">
+            <a:endParaRPr lang="en-US" altLang="ja-JP" sz="1100" b="1">
               <a:latin typeface="Meiryo UI" panose="020B0604030504040204" pitchFamily="50" charset="-128"/>
               <a:ea typeface="Meiryo UI" panose="020B0604030504040204" pitchFamily="50" charset="-128"/>
               <a:cs typeface="Meiryo UI" panose="020B0604030504040204" pitchFamily="50" charset="-128"/>
@@ -7217,14 +7217,14 @@
               </a:lnSpc>
             </a:pPr>
             <a:r>
-              <a:rPr lang="ja-JP" altLang="en-US" sz="1100" dirty="0">
+              <a:rPr lang="ja-JP" altLang="en-US" sz="1100">
                 <a:latin typeface="Meiryo UI" panose="020B0604030504040204" pitchFamily="50" charset="-128"/>
                 <a:ea typeface="Meiryo UI" panose="020B0604030504040204" pitchFamily="50" charset="-128"/>
                 <a:cs typeface="Meiryo UI" panose="020B0604030504040204" pitchFamily="50" charset="-128"/>
               </a:rPr>
               <a:t>セキュリティ関連情報</a:t>
             </a:r>
-            <a:endParaRPr lang="en-US" altLang="ja-JP" sz="1100" dirty="0">
+            <a:endParaRPr lang="en-US" altLang="ja-JP" sz="1100">
               <a:latin typeface="Meiryo UI" panose="020B0604030504040204" pitchFamily="50" charset="-128"/>
               <a:ea typeface="Meiryo UI" panose="020B0604030504040204" pitchFamily="50" charset="-128"/>
               <a:cs typeface="Meiryo UI" panose="020B0604030504040204" pitchFamily="50" charset="-128"/>
@@ -7283,14 +7283,14 @@
           <a:p>
             <a:pPr algn="ctr"/>
             <a:r>
-              <a:rPr lang="ja-JP" altLang="en-US" sz="1200" b="1" dirty="0">
+              <a:rPr lang="ja-JP" altLang="en-US" sz="1200" b="1">
                 <a:latin typeface="Meiryo UI" panose="020B0604030504040204" pitchFamily="50" charset="-128"/>
                 <a:ea typeface="Meiryo UI" panose="020B0604030504040204" pitchFamily="50" charset="-128"/>
                 <a:cs typeface="Meiryo UI" panose="020B0604030504040204" pitchFamily="50" charset="-128"/>
               </a:rPr>
               <a:t>①情報の集約及び知識化</a:t>
             </a:r>
-            <a:endParaRPr lang="en-US" altLang="ja-JP" sz="1200" dirty="0">
+            <a:endParaRPr lang="en-US" altLang="ja-JP" sz="1200">
               <a:latin typeface="Meiryo UI" panose="020B0604030504040204" pitchFamily="50" charset="-128"/>
               <a:ea typeface="Meiryo UI" panose="020B0604030504040204" pitchFamily="50" charset="-128"/>
               <a:cs typeface="Meiryo UI" panose="020B0604030504040204" pitchFamily="50" charset="-128"/>
@@ -7465,7 +7465,7 @@
           <a:p>
             <a:pPr algn="ctr"/>
             <a:r>
-              <a:rPr kumimoji="1" lang="en-US" altLang="ja-JP" sz="1000" b="1" dirty="0">
+              <a:rPr kumimoji="1" lang="en-US" altLang="ja-JP" sz="1000" b="1">
                 <a:solidFill>
                   <a:srgbClr val="FF0000"/>
                 </a:solidFill>
@@ -7476,7 +7476,7 @@
               <a:t>TCYSS</a:t>
             </a:r>
             <a:r>
-              <a:rPr lang="ja-JP" altLang="en-US" sz="1000" b="1" dirty="0">
+              <a:rPr lang="ja-JP" altLang="en-US" sz="1000" b="1">
                 <a:solidFill>
                   <a:srgbClr val="FF0000"/>
                 </a:solidFill>
@@ -7486,7 +7486,7 @@
               </a:rPr>
               <a:t>課題</a:t>
             </a:r>
-            <a:endParaRPr kumimoji="1" lang="en-US" altLang="ja-JP" sz="1000" b="1" dirty="0">
+            <a:endParaRPr kumimoji="1" lang="en-US" altLang="ja-JP" sz="1000" b="1">
               <a:solidFill>
                 <a:srgbClr val="FF0000"/>
               </a:solidFill>
@@ -7498,7 +7498,7 @@
           <a:p>
             <a:pPr algn="ctr"/>
             <a:r>
-              <a:rPr lang="ja-JP" altLang="en-US" sz="900" dirty="0">
+              <a:rPr lang="ja-JP" altLang="en-US" sz="900">
                 <a:solidFill>
                   <a:schemeClr val="tx1"/>
                 </a:solidFill>
@@ -7508,7 +7508,7 @@
               </a:rPr>
               <a:t>・意識啓発活動・情報共有・相談体制・事案発生時の相互連携が機能していない</a:t>
             </a:r>
-            <a:endParaRPr kumimoji="1" lang="ja-JP" altLang="en-US" sz="900" dirty="0">
+            <a:endParaRPr kumimoji="1" lang="ja-JP" altLang="en-US" sz="900">
               <a:solidFill>
                 <a:schemeClr val="tx1"/>
               </a:solidFill>
@@ -7560,7 +7560,7 @@
           <a:lstStyle/>
           <a:p>
             <a:r>
-              <a:rPr lang="ja-JP" altLang="en-US" sz="1200" dirty="0">
+              <a:rPr lang="ja-JP" altLang="en-US" sz="1200">
                 <a:solidFill>
                   <a:schemeClr val="tx1"/>
                 </a:solidFill>
@@ -7570,7 +7570,7 @@
               </a:rPr>
               <a:t>国等の機関からの情報発信</a:t>
             </a:r>
-            <a:endParaRPr lang="en-US" altLang="ja-JP" sz="1200" dirty="0">
+            <a:endParaRPr lang="en-US" altLang="ja-JP" sz="1200">
               <a:solidFill>
                 <a:schemeClr val="tx1"/>
               </a:solidFill>
@@ -7581,7 +7581,7 @@
           </a:p>
           <a:p>
             <a:r>
-              <a:rPr lang="en-US" altLang="ja-JP" sz="1200" dirty="0">
+              <a:rPr lang="en-US" altLang="ja-JP" sz="1200">
                 <a:solidFill>
                   <a:schemeClr val="tx1"/>
                 </a:solidFill>
@@ -7594,7 +7594,7 @@
           </a:p>
           <a:p>
             <a:r>
-              <a:rPr lang="ja-JP" altLang="en-US" sz="1200" dirty="0">
+              <a:rPr lang="ja-JP" altLang="en-US" sz="1200">
                 <a:solidFill>
                   <a:schemeClr val="tx1"/>
                 </a:solidFill>
@@ -7604,7 +7604,7 @@
               </a:rPr>
               <a:t>総務省</a:t>
             </a:r>
-            <a:endParaRPr lang="en-US" altLang="ja-JP" sz="1200" dirty="0">
+            <a:endParaRPr lang="en-US" altLang="ja-JP" sz="1200">
               <a:solidFill>
                 <a:schemeClr val="tx1"/>
               </a:solidFill>
@@ -7615,7 +7615,7 @@
           </a:p>
           <a:p>
             <a:r>
-              <a:rPr lang="ja-JP" altLang="en-US" sz="1200" dirty="0">
+              <a:rPr lang="ja-JP" altLang="en-US" sz="1200">
                 <a:solidFill>
                   <a:schemeClr val="tx1"/>
                 </a:solidFill>
@@ -7626,7 +7626,7 @@
               <a:t>　</a:t>
             </a:r>
             <a:r>
-              <a:rPr lang="en-US" altLang="ja-JP" sz="1200" dirty="0">
+              <a:rPr lang="en-US" altLang="ja-JP" sz="1200">
                 <a:solidFill>
                   <a:schemeClr val="tx1"/>
                 </a:solidFill>
@@ -7639,7 +7639,7 @@
           </a:p>
           <a:p>
             <a:r>
-              <a:rPr lang="ja-JP" altLang="en-US" sz="1200" dirty="0">
+              <a:rPr lang="ja-JP" altLang="en-US" sz="1200">
                 <a:solidFill>
                   <a:schemeClr val="tx1"/>
                 </a:solidFill>
@@ -7649,7 +7649,7 @@
               </a:rPr>
               <a:t>経済産業省</a:t>
             </a:r>
-            <a:endParaRPr lang="en-US" altLang="ja-JP" sz="1200" dirty="0">
+            <a:endParaRPr lang="en-US" altLang="ja-JP" sz="1200">
               <a:solidFill>
                 <a:schemeClr val="tx1"/>
               </a:solidFill>
@@ -7660,7 +7660,7 @@
           </a:p>
           <a:p>
             <a:r>
-              <a:rPr lang="ja-JP" altLang="en-US" sz="1200" dirty="0">
+              <a:rPr lang="ja-JP" altLang="en-US" sz="1200">
                 <a:solidFill>
                   <a:schemeClr val="tx1"/>
                 </a:solidFill>
@@ -7671,7 +7671,7 @@
               <a:t>　</a:t>
             </a:r>
             <a:r>
-              <a:rPr lang="en-US" altLang="ja-JP" sz="1200" dirty="0">
+              <a:rPr lang="en-US" altLang="ja-JP" sz="1200">
                 <a:solidFill>
                   <a:schemeClr val="tx1"/>
                 </a:solidFill>
@@ -7684,7 +7684,7 @@
           </a:p>
           <a:p>
             <a:r>
-              <a:rPr lang="ja-JP" altLang="en-US" sz="1200" dirty="0">
+              <a:rPr lang="ja-JP" altLang="en-US" sz="1200">
                 <a:solidFill>
                   <a:schemeClr val="tx1"/>
                 </a:solidFill>
@@ -7694,7 +7694,7 @@
               </a:rPr>
               <a:t>警察庁</a:t>
             </a:r>
-            <a:endParaRPr lang="en-US" altLang="ja-JP" sz="1200" dirty="0">
+            <a:endParaRPr lang="en-US" altLang="ja-JP" sz="1200">
               <a:solidFill>
                 <a:schemeClr val="tx1"/>
               </a:solidFill>
@@ -7743,7 +7743,7 @@
           <a:p>
             <a:pPr algn="ctr"/>
             <a:r>
-              <a:rPr kumimoji="1" lang="en-US" altLang="ja-JP" sz="1100" b="1" dirty="0">
+              <a:rPr kumimoji="1" lang="en-US" altLang="ja-JP" sz="1100" b="1">
                 <a:solidFill>
                   <a:srgbClr val="FF0000"/>
                 </a:solidFill>
@@ -7754,7 +7754,7 @@
               <a:t>IPA</a:t>
             </a:r>
             <a:r>
-              <a:rPr kumimoji="1" lang="ja-JP" altLang="en-US" sz="1100" b="1" dirty="0">
+              <a:rPr kumimoji="1" lang="ja-JP" altLang="en-US" sz="1100" b="1">
                 <a:solidFill>
                   <a:srgbClr val="FF0000"/>
                 </a:solidFill>
@@ -7764,7 +7764,7 @@
               </a:rPr>
               <a:t>及び他の相談対応窓口との実務連携</a:t>
             </a:r>
-            <a:endParaRPr kumimoji="1" lang="en-US" altLang="ja-JP" sz="1100" b="1" dirty="0">
+            <a:endParaRPr kumimoji="1" lang="en-US" altLang="ja-JP" sz="1100" b="1">
               <a:solidFill>
                 <a:srgbClr val="FF0000"/>
               </a:solidFill>
@@ -7776,7 +7776,7 @@
           <a:p>
             <a:pPr algn="ctr"/>
             <a:r>
-              <a:rPr lang="ja-JP" altLang="en-US" sz="1050" dirty="0">
+              <a:rPr lang="ja-JP" altLang="en-US" sz="1050">
                 <a:solidFill>
                   <a:schemeClr val="tx1"/>
                 </a:solidFill>
@@ -7787,7 +7787,7 @@
               <a:t>・</a:t>
             </a:r>
             <a:r>
-              <a:rPr lang="en-US" altLang="ja-JP" sz="1050" dirty="0">
+              <a:rPr lang="en-US" altLang="ja-JP" sz="1050">
                 <a:solidFill>
                   <a:schemeClr val="tx1"/>
                 </a:solidFill>
@@ -7798,7 +7798,7 @@
               <a:t>IPA</a:t>
             </a:r>
             <a:r>
-              <a:rPr lang="ja-JP" altLang="en-US" sz="1050" dirty="0">
+              <a:rPr lang="ja-JP" altLang="en-US" sz="1050">
                 <a:solidFill>
                   <a:schemeClr val="tx1"/>
                 </a:solidFill>
@@ -7808,7 +7808,7 @@
               </a:rPr>
               <a:t>提供情報の活用</a:t>
             </a:r>
-            <a:endParaRPr lang="en-US" altLang="ja-JP" sz="1050" dirty="0">
+            <a:endParaRPr lang="en-US" altLang="ja-JP" sz="1050">
               <a:solidFill>
                 <a:schemeClr val="tx1"/>
               </a:solidFill>
@@ -7820,7 +7820,7 @@
           <a:p>
             <a:pPr algn="ctr"/>
             <a:r>
-              <a:rPr lang="ja-JP" altLang="en-US" sz="1050" dirty="0">
+              <a:rPr lang="ja-JP" altLang="en-US" sz="1050">
                 <a:solidFill>
                   <a:schemeClr val="tx1"/>
                 </a:solidFill>
@@ -7831,7 +7831,7 @@
               <a:t>・</a:t>
             </a:r>
             <a:r>
-              <a:rPr kumimoji="1" lang="ja-JP" altLang="en-US" sz="1050" dirty="0">
+              <a:rPr kumimoji="1" lang="ja-JP" altLang="en-US" sz="1050">
                 <a:solidFill>
                   <a:schemeClr val="tx1"/>
                 </a:solidFill>
@@ -7841,7 +7841,7 @@
               </a:rPr>
               <a:t>インターネットでは得られない情報交換</a:t>
             </a:r>
-            <a:endParaRPr kumimoji="1" lang="en-US" altLang="ja-JP" sz="1050" dirty="0">
+            <a:endParaRPr kumimoji="1" lang="en-US" altLang="ja-JP" sz="1050">
               <a:solidFill>
                 <a:schemeClr val="tx1"/>
               </a:solidFill>
@@ -7853,7 +7853,7 @@
           <a:p>
             <a:pPr algn="ctr"/>
             <a:r>
-              <a:rPr kumimoji="1" lang="ja-JP" altLang="en-US" sz="1050" dirty="0">
+              <a:rPr kumimoji="1" lang="ja-JP" altLang="en-US" sz="1050">
                 <a:solidFill>
                   <a:schemeClr val="tx1"/>
                 </a:solidFill>
@@ -7863,7 +7863,7 @@
               </a:rPr>
               <a:t>・インシデント相談対応時のホットライン</a:t>
             </a:r>
-            <a:endParaRPr kumimoji="1" lang="en-US" altLang="ja-JP" sz="1050" dirty="0">
+            <a:endParaRPr kumimoji="1" lang="en-US" altLang="ja-JP" sz="1050">
               <a:solidFill>
                 <a:schemeClr val="tx1"/>
               </a:solidFill>
@@ -7875,7 +7875,7 @@
           <a:p>
             <a:pPr algn="ctr"/>
             <a:r>
-              <a:rPr lang="ja-JP" altLang="en-US" sz="1050" dirty="0">
+              <a:rPr lang="ja-JP" altLang="en-US" sz="1050">
                 <a:solidFill>
                   <a:schemeClr val="tx1"/>
                 </a:solidFill>
@@ -7885,7 +7885,7 @@
               </a:rPr>
               <a:t>・相談対応のための情報交換</a:t>
             </a:r>
-            <a:endParaRPr kumimoji="1" lang="en-US" altLang="ja-JP" sz="1050" dirty="0">
+            <a:endParaRPr kumimoji="1" lang="en-US" altLang="ja-JP" sz="1050">
               <a:solidFill>
                 <a:schemeClr val="tx1"/>
               </a:solidFill>
@@ -7944,7 +7944,7 @@
           <a:p>
             <a:pPr algn="ctr"/>
             <a:r>
-              <a:rPr lang="ja-JP" altLang="en-US" sz="1100" b="1" dirty="0">
+              <a:rPr lang="ja-JP" altLang="en-US" sz="1100" b="1">
                 <a:solidFill>
                   <a:schemeClr val="bg1"/>
                 </a:solidFill>
@@ -7955,7 +7955,7 @@
               <a:t>「サイバーセキュリティ対策の</a:t>
             </a:r>
             <a:br>
-              <a:rPr lang="en-US" altLang="ja-JP" sz="1100" b="1" dirty="0">
+              <a:rPr lang="en-US" altLang="ja-JP" sz="1100" b="1">
                 <a:solidFill>
                   <a:schemeClr val="bg1"/>
                 </a:solidFill>
@@ -7965,7 +7965,7 @@
               </a:rPr>
             </a:br>
             <a:r>
-              <a:rPr lang="ja-JP" altLang="en-US" sz="1100" b="1" dirty="0">
+              <a:rPr lang="ja-JP" altLang="en-US" sz="1100" b="1">
                 <a:solidFill>
                   <a:schemeClr val="bg1"/>
                 </a:solidFill>
@@ -7975,7 +7975,7 @@
               </a:rPr>
               <a:t>極意ポータルサイト」</a:t>
             </a:r>
-            <a:endParaRPr lang="en-US" altLang="ja-JP" sz="1100" b="1" dirty="0">
+            <a:endParaRPr lang="en-US" altLang="ja-JP" sz="1100" b="1">
               <a:solidFill>
                 <a:schemeClr val="tx1"/>
               </a:solidFill>
@@ -8028,14 +8028,14 @@
               </a:lnSpc>
             </a:pPr>
             <a:r>
-              <a:rPr lang="ja-JP" altLang="en-US" sz="1100" dirty="0">
+              <a:rPr lang="ja-JP" altLang="en-US" sz="1100">
                 <a:latin typeface="Meiryo UI" panose="020B0604030504040204" pitchFamily="50" charset="-128"/>
                 <a:ea typeface="Meiryo UI" panose="020B0604030504040204" pitchFamily="50" charset="-128"/>
                 <a:cs typeface="Meiryo UI" panose="020B0604030504040204" pitchFamily="50" charset="-128"/>
               </a:rPr>
               <a:t>プレゼン用資料</a:t>
             </a:r>
-            <a:endParaRPr lang="en-US" altLang="ja-JP" sz="1100" dirty="0">
+            <a:endParaRPr lang="en-US" altLang="ja-JP" sz="1100">
               <a:latin typeface="Meiryo UI" panose="020B0604030504040204" pitchFamily="50" charset="-128"/>
               <a:ea typeface="Meiryo UI" panose="020B0604030504040204" pitchFamily="50" charset="-128"/>
               <a:cs typeface="Meiryo UI" panose="020B0604030504040204" pitchFamily="50" charset="-128"/>
@@ -8048,14 +8048,14 @@
               </a:lnSpc>
             </a:pPr>
             <a:r>
-              <a:rPr lang="ja-JP" altLang="en-US" sz="1100" dirty="0">
+              <a:rPr lang="ja-JP" altLang="en-US" sz="1100">
                 <a:latin typeface="Meiryo UI" panose="020B0604030504040204" pitchFamily="50" charset="-128"/>
                 <a:ea typeface="Meiryo UI" panose="020B0604030504040204" pitchFamily="50" charset="-128"/>
                 <a:cs typeface="Meiryo UI" panose="020B0604030504040204" pitchFamily="50" charset="-128"/>
               </a:rPr>
               <a:t>詳細説明資料</a:t>
             </a:r>
-            <a:endParaRPr lang="en-US" altLang="ja-JP" sz="1100" dirty="0">
+            <a:endParaRPr lang="en-US" altLang="ja-JP" sz="1100">
               <a:latin typeface="Meiryo UI" panose="020B0604030504040204" pitchFamily="50" charset="-128"/>
               <a:ea typeface="Meiryo UI" panose="020B0604030504040204" pitchFamily="50" charset="-128"/>
               <a:cs typeface="Meiryo UI" panose="020B0604030504040204" pitchFamily="50" charset="-128"/>
@@ -8100,14 +8100,14 @@
           <a:p>
             <a:pPr algn="ctr"/>
             <a:r>
-              <a:rPr kumimoji="1" lang="ja-JP" altLang="en-US" sz="1200" dirty="0">
+              <a:rPr kumimoji="1" lang="ja-JP" altLang="en-US" sz="1200">
                 <a:latin typeface="Meiryo UI" panose="020B0604030504040204" pitchFamily="50" charset="-128"/>
                 <a:ea typeface="Meiryo UI" panose="020B0604030504040204" pitchFamily="50" charset="-128"/>
                 <a:cs typeface="Meiryo UI" panose="020B0604030504040204" pitchFamily="50" charset="-128"/>
               </a:rPr>
               <a:t>国としてのガイドライン等</a:t>
             </a:r>
-            <a:endParaRPr kumimoji="1" lang="en-US" altLang="ja-JP" sz="1200" dirty="0">
+            <a:endParaRPr kumimoji="1" lang="en-US" altLang="ja-JP" sz="1200">
               <a:latin typeface="Meiryo UI" panose="020B0604030504040204" pitchFamily="50" charset="-128"/>
               <a:ea typeface="Meiryo UI" panose="020B0604030504040204" pitchFamily="50" charset="-128"/>
               <a:cs typeface="Meiryo UI" panose="020B0604030504040204" pitchFamily="50" charset="-128"/>
@@ -8155,7 +8155,7 @@
           <a:p>
             <a:pPr algn="ctr"/>
             <a:r>
-              <a:rPr kumimoji="1" lang="ja-JP" altLang="en-US" sz="1400" b="1" dirty="0">
+              <a:rPr kumimoji="1" lang="ja-JP" altLang="en-US" sz="1400" b="1">
                 <a:solidFill>
                   <a:schemeClr val="bg1"/>
                 </a:solidFill>
@@ -8191,7 +8191,7 @@
           <a:lstStyle/>
           <a:p>
             <a:r>
-              <a:rPr lang="en-US" altLang="ja-JP" sz="3200" dirty="0">
+              <a:rPr lang="en-US" altLang="ja-JP" sz="3200">
                 <a:latin typeface="Meiryo UI" panose="020B0604030504040204" pitchFamily="50" charset="-128"/>
                 <a:ea typeface="Meiryo UI" panose="020B0604030504040204" pitchFamily="50" charset="-128"/>
                 <a:cs typeface="Meiryo UI" panose="020B0604030504040204" pitchFamily="50" charset="-128"/>
@@ -8199,22 +8199,14 @@
               <a:t>TCYSS</a:t>
             </a:r>
             <a:r>
-              <a:rPr lang="ja-JP" altLang="en-US" sz="3200" dirty="0" err="1">
-                <a:latin typeface="Meiryo UI" panose="020B0604030504040204" pitchFamily="50" charset="-128"/>
-                <a:ea typeface="Meiryo UI" panose="020B0604030504040204" pitchFamily="50" charset="-128"/>
-                <a:cs typeface="Meiryo UI" panose="020B0604030504040204" pitchFamily="50" charset="-128"/>
-              </a:rPr>
-              <a:t>での</a:t>
-            </a:r>
-            <a:r>
-              <a:rPr lang="ja-JP" altLang="en-US" sz="3200" dirty="0">
-                <a:latin typeface="Meiryo UI" panose="020B0604030504040204" pitchFamily="50" charset="-128"/>
-                <a:ea typeface="Meiryo UI" panose="020B0604030504040204" pitchFamily="50" charset="-128"/>
-                <a:cs typeface="Meiryo UI" panose="020B0604030504040204" pitchFamily="50" charset="-128"/>
-              </a:rPr>
-              <a:t>情報収集・整理・蓄積と発信　</a:t>
-            </a:r>
-            <a:endParaRPr kumimoji="1" lang="ja-JP" altLang="en-US" sz="3200" dirty="0">
+              <a:rPr lang="ja-JP" altLang="en-US" sz="3200">
+                <a:latin typeface="Meiryo UI" panose="020B0604030504040204" pitchFamily="50" charset="-128"/>
+                <a:ea typeface="Meiryo UI" panose="020B0604030504040204" pitchFamily="50" charset="-128"/>
+                <a:cs typeface="Meiryo UI" panose="020B0604030504040204" pitchFamily="50" charset="-128"/>
+              </a:rPr>
+              <a:t>での情報収集・整理・蓄積と発信　</a:t>
+            </a:r>
+            <a:endParaRPr kumimoji="1" lang="ja-JP" altLang="en-US" sz="3200">
               <a:latin typeface="Meiryo UI" panose="020B0604030504040204" pitchFamily="50" charset="-128"/>
               <a:ea typeface="Meiryo UI" panose="020B0604030504040204" pitchFamily="50" charset="-128"/>
               <a:cs typeface="Meiryo UI" panose="020B0604030504040204" pitchFamily="50" charset="-128"/>
@@ -8315,7 +8307,7 @@
           <a:lstStyle/>
           <a:p>
             <a:pPr algn="ctr"/>
-            <a:endParaRPr lang="ja-JP" altLang="en-US" sz="1050" dirty="0">
+            <a:endParaRPr lang="ja-JP" altLang="en-US" sz="1050">
               <a:latin typeface="Meiryo UI" panose="020B0604030504040204" pitchFamily="50" charset="-128"/>
               <a:ea typeface="Meiryo UI" panose="020B0604030504040204" pitchFamily="50" charset="-128"/>
               <a:cs typeface="Meiryo UI" panose="020B0604030504040204" pitchFamily="50" charset="-128"/>
@@ -8373,7 +8365,7 @@
           <a:lstStyle/>
           <a:p>
             <a:r>
-              <a:rPr lang="en-US" altLang="ja-JP" sz="1100" b="1" dirty="0">
+              <a:rPr lang="en-US" altLang="ja-JP" sz="1100" b="1">
                 <a:latin typeface="Meiryo UI" panose="020B0604030504040204" pitchFamily="50" charset="-128"/>
                 <a:ea typeface="Meiryo UI" panose="020B0604030504040204" pitchFamily="50" charset="-128"/>
                 <a:cs typeface="Meiryo UI" panose="020B0604030504040204" pitchFamily="50" charset="-128"/>
@@ -8381,14 +8373,14 @@
               <a:t>Google</a:t>
             </a:r>
             <a:r>
-              <a:rPr lang="ja-JP" altLang="en-US" sz="1100" b="1" dirty="0">
+              <a:rPr lang="ja-JP" altLang="en-US" sz="1100" b="1">
                 <a:latin typeface="Meiryo UI" panose="020B0604030504040204" pitchFamily="50" charset="-128"/>
                 <a:ea typeface="Meiryo UI" panose="020B0604030504040204" pitchFamily="50" charset="-128"/>
                 <a:cs typeface="Meiryo UI" panose="020B0604030504040204" pitchFamily="50" charset="-128"/>
               </a:rPr>
               <a:t>検索・</a:t>
             </a:r>
-            <a:endParaRPr lang="en-US" altLang="ja-JP" sz="1100" b="1" dirty="0">
+            <a:endParaRPr lang="en-US" altLang="ja-JP" sz="1100" b="1">
               <a:latin typeface="Meiryo UI" panose="020B0604030504040204" pitchFamily="50" charset="-128"/>
               <a:ea typeface="Meiryo UI" panose="020B0604030504040204" pitchFamily="50" charset="-128"/>
               <a:cs typeface="Meiryo UI" panose="020B0604030504040204" pitchFamily="50" charset="-128"/>
@@ -8396,7 +8388,7 @@
           </a:p>
           <a:p>
             <a:r>
-              <a:rPr lang="en-US" altLang="ja-JP" sz="1100" b="1" dirty="0">
+              <a:rPr lang="en-US" altLang="ja-JP" sz="1100" b="1">
                 <a:latin typeface="Meiryo UI" panose="020B0604030504040204" pitchFamily="50" charset="-128"/>
                 <a:ea typeface="Meiryo UI" panose="020B0604030504040204" pitchFamily="50" charset="-128"/>
                 <a:cs typeface="Meiryo UI" panose="020B0604030504040204" pitchFamily="50" charset="-128"/>
@@ -8404,7 +8396,7 @@
               <a:t>SNS</a:t>
             </a:r>
             <a:r>
-              <a:rPr lang="ja-JP" altLang="en-US" sz="1100" b="1" dirty="0">
+              <a:rPr lang="ja-JP" altLang="en-US" sz="1100" b="1">
                 <a:latin typeface="Meiryo UI" panose="020B0604030504040204" pitchFamily="50" charset="-128"/>
                 <a:ea typeface="Meiryo UI" panose="020B0604030504040204" pitchFamily="50" charset="-128"/>
                 <a:cs typeface="Meiryo UI" panose="020B0604030504040204" pitchFamily="50" charset="-128"/>
@@ -8412,7 +8404,7 @@
               <a:t>（</a:t>
             </a:r>
             <a:r>
-              <a:rPr lang="en-US" altLang="ja-JP" sz="1100" b="1" dirty="0" err="1">
+              <a:rPr lang="en-US" altLang="ja-JP" sz="1100" b="1" err="1">
                 <a:latin typeface="Meiryo UI" panose="020B0604030504040204" pitchFamily="50" charset="-128"/>
                 <a:ea typeface="Meiryo UI" panose="020B0604030504040204" pitchFamily="50" charset="-128"/>
                 <a:cs typeface="Meiryo UI" panose="020B0604030504040204" pitchFamily="50" charset="-128"/>
@@ -8420,7 +8412,7 @@
               <a:t>Twitte</a:t>
             </a:r>
             <a:r>
-              <a:rPr lang="ja-JP" altLang="en-US" sz="1100" b="1" dirty="0">
+              <a:rPr lang="ja-JP" altLang="en-US" sz="1100" b="1">
                 <a:latin typeface="Meiryo UI" panose="020B0604030504040204" pitchFamily="50" charset="-128"/>
                 <a:ea typeface="Meiryo UI" panose="020B0604030504040204" pitchFamily="50" charset="-128"/>
                 <a:cs typeface="Meiryo UI" panose="020B0604030504040204" pitchFamily="50" charset="-128"/>
@@ -8428,7 +8420,7 @@
               <a:t>・</a:t>
             </a:r>
             <a:r>
-              <a:rPr lang="en-US" altLang="ja-JP" sz="1100" b="1" dirty="0" err="1">
+              <a:rPr lang="en-US" altLang="ja-JP" sz="1100" b="1" err="1">
                 <a:latin typeface="Meiryo UI" panose="020B0604030504040204" pitchFamily="50" charset="-128"/>
                 <a:ea typeface="Meiryo UI" panose="020B0604030504040204" pitchFamily="50" charset="-128"/>
                 <a:cs typeface="Meiryo UI" panose="020B0604030504040204" pitchFamily="50" charset="-128"/>
@@ -8436,14 +8428,14 @@
               <a:t>BookMark</a:t>
             </a:r>
             <a:r>
-              <a:rPr lang="ja-JP" altLang="en-US" sz="1100" b="1" dirty="0">
+              <a:rPr lang="ja-JP" altLang="en-US" sz="1100" b="1">
                 <a:latin typeface="Meiryo UI" panose="020B0604030504040204" pitchFamily="50" charset="-128"/>
                 <a:ea typeface="Meiryo UI" panose="020B0604030504040204" pitchFamily="50" charset="-128"/>
                 <a:cs typeface="Meiryo UI" panose="020B0604030504040204" pitchFamily="50" charset="-128"/>
               </a:rPr>
               <a:t>等）</a:t>
             </a:r>
-            <a:endParaRPr lang="en-US" altLang="ja-JP" sz="1100" b="1" dirty="0">
+            <a:endParaRPr lang="en-US" altLang="ja-JP" sz="1100" b="1">
               <a:latin typeface="Meiryo UI" panose="020B0604030504040204" pitchFamily="50" charset="-128"/>
               <a:ea typeface="Meiryo UI" panose="020B0604030504040204" pitchFamily="50" charset="-128"/>
               <a:cs typeface="Meiryo UI" panose="020B0604030504040204" pitchFamily="50" charset="-128"/>
@@ -8501,14 +8493,14 @@
           <a:lstStyle/>
           <a:p>
             <a:r>
-              <a:rPr lang="ja-JP" altLang="en-US" sz="1100" b="1" dirty="0">
+              <a:rPr lang="ja-JP" altLang="en-US" sz="1100" b="1">
                 <a:latin typeface="Meiryo UI" panose="020B0604030504040204" pitchFamily="50" charset="-128"/>
                 <a:ea typeface="Meiryo UI" panose="020B0604030504040204" pitchFamily="50" charset="-128"/>
                 <a:cs typeface="Meiryo UI" panose="020B0604030504040204" pitchFamily="50" charset="-128"/>
               </a:rPr>
               <a:t>直接アクセス</a:t>
             </a:r>
-            <a:endParaRPr lang="en-US" altLang="ja-JP" sz="1100" b="1" dirty="0">
+            <a:endParaRPr lang="en-US" altLang="ja-JP" sz="1100" b="1">
               <a:latin typeface="Meiryo UI" panose="020B0604030504040204" pitchFamily="50" charset="-128"/>
               <a:ea typeface="Meiryo UI" panose="020B0604030504040204" pitchFamily="50" charset="-128"/>
               <a:cs typeface="Meiryo UI" panose="020B0604030504040204" pitchFamily="50" charset="-128"/>
@@ -8516,7 +8508,7 @@
           </a:p>
           <a:p>
             <a:r>
-              <a:rPr lang="ja-JP" altLang="en-US" sz="1100" b="1" dirty="0">
+              <a:rPr lang="ja-JP" altLang="en-US" sz="1100" b="1">
                 <a:latin typeface="Meiryo UI" panose="020B0604030504040204" pitchFamily="50" charset="-128"/>
                 <a:ea typeface="Meiryo UI" panose="020B0604030504040204" pitchFamily="50" charset="-128"/>
                 <a:cs typeface="Meiryo UI" panose="020B0604030504040204" pitchFamily="50" charset="-128"/>
@@ -8524,7 +8516,7 @@
               <a:t>・</a:t>
             </a:r>
             <a:r>
-              <a:rPr lang="en-US" altLang="ja-JP" sz="1100" b="1" dirty="0">
+              <a:rPr lang="en-US" altLang="ja-JP" sz="1100" b="1">
                 <a:latin typeface="Meiryo UI" panose="020B0604030504040204" pitchFamily="50" charset="-128"/>
                 <a:ea typeface="Meiryo UI" panose="020B0604030504040204" pitchFamily="50" charset="-128"/>
                 <a:cs typeface="Meiryo UI" panose="020B0604030504040204" pitchFamily="50" charset="-128"/>
@@ -8532,14 +8524,14 @@
               <a:t>Web</a:t>
             </a:r>
             <a:r>
-              <a:rPr lang="ja-JP" altLang="en-US" sz="1100" b="1" dirty="0">
+              <a:rPr lang="ja-JP" altLang="en-US" sz="1100" b="1">
                 <a:latin typeface="Meiryo UI" panose="020B0604030504040204" pitchFamily="50" charset="-128"/>
                 <a:ea typeface="Meiryo UI" panose="020B0604030504040204" pitchFamily="50" charset="-128"/>
                 <a:cs typeface="Meiryo UI" panose="020B0604030504040204" pitchFamily="50" charset="-128"/>
               </a:rPr>
               <a:t>ページ</a:t>
             </a:r>
-            <a:endParaRPr lang="en-US" altLang="ja-JP" sz="1100" b="1" dirty="0">
+            <a:endParaRPr lang="en-US" altLang="ja-JP" sz="1100" b="1">
               <a:latin typeface="Meiryo UI" panose="020B0604030504040204" pitchFamily="50" charset="-128"/>
               <a:ea typeface="Meiryo UI" panose="020B0604030504040204" pitchFamily="50" charset="-128"/>
               <a:cs typeface="Meiryo UI" panose="020B0604030504040204" pitchFamily="50" charset="-128"/>
@@ -8547,14 +8539,14 @@
           </a:p>
           <a:p>
             <a:r>
-              <a:rPr lang="ja-JP" altLang="en-US" sz="1100" b="1" dirty="0">
+              <a:rPr lang="ja-JP" altLang="en-US" sz="1100" b="1">
                 <a:latin typeface="Meiryo UI" panose="020B0604030504040204" pitchFamily="50" charset="-128"/>
                 <a:ea typeface="Meiryo UI" panose="020B0604030504040204" pitchFamily="50" charset="-128"/>
                 <a:cs typeface="Meiryo UI" panose="020B0604030504040204" pitchFamily="50" charset="-128"/>
               </a:rPr>
               <a:t>・電子書籍</a:t>
             </a:r>
-            <a:endParaRPr lang="en-US" altLang="ja-JP" sz="1100" b="1" dirty="0">
+            <a:endParaRPr lang="en-US" altLang="ja-JP" sz="1100" b="1">
               <a:latin typeface="Meiryo UI" panose="020B0604030504040204" pitchFamily="50" charset="-128"/>
               <a:ea typeface="Meiryo UI" panose="020B0604030504040204" pitchFamily="50" charset="-128"/>
               <a:cs typeface="Meiryo UI" panose="020B0604030504040204" pitchFamily="50" charset="-128"/>
@@ -8603,7 +8595,7 @@
           <a:p>
             <a:pPr algn="ctr"/>
             <a:r>
-              <a:rPr lang="ja-JP" altLang="en-US" sz="1200" b="1" dirty="0">
+              <a:rPr lang="ja-JP" altLang="en-US" sz="1200" b="1">
                 <a:solidFill>
                   <a:schemeClr val="tx1"/>
                 </a:solidFill>
@@ -8614,7 +8606,7 @@
               <a:t>特に、</a:t>
             </a:r>
             <a:r>
-              <a:rPr lang="en-US" altLang="ja-JP" sz="1200" b="1" dirty="0">
+              <a:rPr lang="en-US" altLang="ja-JP" sz="1200" b="1">
                 <a:solidFill>
                   <a:schemeClr val="tx1"/>
                 </a:solidFill>
@@ -8625,7 +8617,7 @@
               <a:t>IPA,NISC</a:t>
             </a:r>
             <a:r>
-              <a:rPr lang="ja-JP" altLang="en-US" sz="1200" b="1" dirty="0">
+              <a:rPr lang="ja-JP" altLang="en-US" sz="1200" b="1">
                 <a:solidFill>
                   <a:schemeClr val="tx1"/>
                 </a:solidFill>
@@ -8635,7 +8627,7 @@
               </a:rPr>
               <a:t>との情報交換が重要</a:t>
             </a:r>
-            <a:endParaRPr kumimoji="1" lang="ja-JP" altLang="en-US" sz="1200" b="1" dirty="0">
+            <a:endParaRPr kumimoji="1" lang="ja-JP" altLang="en-US" sz="1200" b="1">
               <a:solidFill>
                 <a:schemeClr val="tx1"/>
               </a:solidFill>
@@ -8702,14 +8694,14 @@
           <a:lstStyle/>
           <a:p>
             <a:r>
-              <a:rPr lang="ja-JP" altLang="en-US" sz="1200" b="1" dirty="0">
+              <a:rPr lang="ja-JP" altLang="en-US" sz="1200" b="1">
                 <a:latin typeface="Meiryo UI" panose="020B0604030504040204" pitchFamily="50" charset="-128"/>
                 <a:ea typeface="Meiryo UI" panose="020B0604030504040204" pitchFamily="50" charset="-128"/>
                 <a:cs typeface="Meiryo UI" panose="020B0604030504040204" pitchFamily="50" charset="-128"/>
               </a:rPr>
               <a:t>②発信用情報の作成・蓄積</a:t>
             </a:r>
-            <a:endParaRPr lang="en-US" altLang="ja-JP" sz="1200" dirty="0">
+            <a:endParaRPr lang="en-US" altLang="ja-JP" sz="1200">
               <a:latin typeface="Meiryo UI" panose="020B0604030504040204" pitchFamily="50" charset="-128"/>
               <a:ea typeface="Meiryo UI" panose="020B0604030504040204" pitchFamily="50" charset="-128"/>
               <a:cs typeface="Meiryo UI" panose="020B0604030504040204" pitchFamily="50" charset="-128"/>
@@ -8761,7 +8753,7 @@
           <a:p>
             <a:pPr algn="ctr"/>
             <a:r>
-              <a:rPr kumimoji="1" lang="ja-JP" altLang="en-US" sz="1200" dirty="0">
+              <a:rPr kumimoji="1" lang="ja-JP" altLang="en-US" sz="1200">
                 <a:solidFill>
                   <a:schemeClr val="tx1"/>
                 </a:solidFill>
@@ -8817,7 +8809,7 @@
           <a:p>
             <a:pPr algn="ctr"/>
             <a:r>
-              <a:rPr kumimoji="1" lang="ja-JP" altLang="en-US" sz="1200" dirty="0">
+              <a:rPr kumimoji="1" lang="ja-JP" altLang="en-US" sz="1200">
                 <a:solidFill>
                   <a:schemeClr val="tx1"/>
                 </a:solidFill>
@@ -8877,7 +8869,7 @@
           <a:p>
             <a:pPr algn="ctr"/>
             <a:r>
-              <a:rPr kumimoji="1" lang="en-US" altLang="ja-JP" sz="1200" dirty="0">
+              <a:rPr kumimoji="1" lang="en-US" altLang="ja-JP" sz="1200">
                 <a:solidFill>
                   <a:schemeClr val="tx1"/>
                 </a:solidFill>
@@ -8888,7 +8880,7 @@
               <a:t>IPA</a:t>
             </a:r>
             <a:r>
-              <a:rPr kumimoji="1" lang="ja-JP" altLang="en-US" sz="1200" dirty="0">
+              <a:rPr kumimoji="1" lang="ja-JP" altLang="en-US" sz="1200">
                 <a:solidFill>
                   <a:schemeClr val="tx1"/>
                 </a:solidFill>
@@ -8953,11 +8945,11 @@
           <a:lstStyle/>
           <a:p>
             <a:r>
-              <a:rPr kumimoji="1" lang="en-US" altLang="ja-JP" dirty="0"/>
+              <a:rPr kumimoji="1" lang="en-US" altLang="ja-JP"/>
               <a:t>TCYSS</a:t>
             </a:r>
             <a:r>
-              <a:rPr kumimoji="1" lang="ja-JP" altLang="en-US" dirty="0"/>
+              <a:rPr kumimoji="1" lang="ja-JP" altLang="en-US"/>
               <a:t>普及啓発活動の柱</a:t>
             </a:r>
           </a:p>
@@ -8987,117 +8979,117 @@
           <a:lstStyle/>
           <a:p>
             <a:r>
-              <a:rPr kumimoji="1" lang="en-US" altLang="ja-JP" dirty="0"/>
+              <a:rPr kumimoji="1" lang="en-US" altLang="ja-JP"/>
               <a:t>TCYSS</a:t>
             </a:r>
             <a:r>
-              <a:rPr kumimoji="1" lang="ja-JP" altLang="en-US" dirty="0"/>
+              <a:rPr kumimoji="1" lang="ja-JP" altLang="en-US"/>
               <a:t>事業の位置付け</a:t>
             </a:r>
           </a:p>
           <a:p>
             <a:pPr lvl="1"/>
             <a:r>
-              <a:rPr kumimoji="1" lang="ja-JP" altLang="en-US" dirty="0"/>
+              <a:rPr kumimoji="1" lang="ja-JP" altLang="en-US"/>
               <a:t>①国全体のサイバーセキュリティ対策の実施において、地方公共団体の中核的組織として、一翼を担う。</a:t>
             </a:r>
           </a:p>
           <a:p>
             <a:pPr lvl="1"/>
             <a:r>
-              <a:rPr kumimoji="1" lang="ja-JP" altLang="en-US" dirty="0"/>
+              <a:rPr kumimoji="1" lang="ja-JP" altLang="en-US"/>
               <a:t>②東京都のトータルな中小企業支援の一環で。</a:t>
             </a:r>
           </a:p>
           <a:p>
             <a:r>
-              <a:rPr kumimoji="1" lang="ja-JP" altLang="en-US" dirty="0"/>
+              <a:rPr kumimoji="1" lang="ja-JP" altLang="en-US"/>
               <a:t>■相談窓口業務の柱</a:t>
             </a:r>
           </a:p>
           <a:p>
             <a:pPr lvl="1"/>
             <a:r>
-              <a:rPr kumimoji="1" lang="ja-JP" altLang="en-US" dirty="0"/>
+              <a:rPr kumimoji="1" lang="ja-JP" altLang="en-US"/>
               <a:t>①情報の集約：</a:t>
             </a:r>
           </a:p>
           <a:p>
             <a:pPr lvl="2"/>
             <a:r>
-              <a:rPr kumimoji="1" lang="ja-JP" altLang="en-US" dirty="0"/>
+              <a:rPr kumimoji="1" lang="ja-JP" altLang="en-US"/>
               <a:t>　日々の情報収集・内容の要約・情報の知識化</a:t>
             </a:r>
           </a:p>
           <a:p>
             <a:pPr lvl="1"/>
             <a:r>
-              <a:rPr kumimoji="1" lang="ja-JP" altLang="en-US" dirty="0"/>
+              <a:rPr kumimoji="1" lang="ja-JP" altLang="en-US"/>
               <a:t>②発信用情報の作成・蓄積：</a:t>
             </a:r>
           </a:p>
           <a:p>
             <a:pPr lvl="2"/>
             <a:r>
-              <a:rPr kumimoji="1" lang="ja-JP" altLang="en-US" dirty="0"/>
+              <a:rPr kumimoji="1" lang="ja-JP" altLang="en-US"/>
               <a:t>　知識化した情報をもとに、ユーザレベル毎の普及・啓発用情報の作成・蓄積</a:t>
             </a:r>
           </a:p>
           <a:p>
             <a:pPr lvl="1"/>
             <a:r>
-              <a:rPr kumimoji="1" lang="ja-JP" altLang="en-US" dirty="0"/>
+              <a:rPr kumimoji="1" lang="ja-JP" altLang="en-US"/>
               <a:t>③情報の提供（発信）：</a:t>
             </a:r>
           </a:p>
           <a:p>
             <a:pPr lvl="2"/>
             <a:r>
-              <a:rPr kumimoji="1" lang="ja-JP" altLang="en-US" dirty="0"/>
+              <a:rPr kumimoji="1" lang="ja-JP" altLang="en-US"/>
               <a:t>・</a:t>
             </a:r>
             <a:r>
-              <a:rPr kumimoji="1" lang="en-US" altLang="ja-JP" dirty="0"/>
+              <a:rPr kumimoji="1" lang="en-US" altLang="ja-JP"/>
               <a:t>【</a:t>
             </a:r>
             <a:r>
-              <a:rPr kumimoji="1" lang="ja-JP" altLang="en-US" dirty="0"/>
+              <a:rPr kumimoji="1" lang="ja-JP" altLang="en-US"/>
               <a:t>意識改革</a:t>
             </a:r>
             <a:r>
-              <a:rPr kumimoji="1" lang="en-US" altLang="ja-JP" dirty="0"/>
+              <a:rPr kumimoji="1" lang="en-US" altLang="ja-JP"/>
               <a:t>】</a:t>
             </a:r>
             <a:r>
-              <a:rPr kumimoji="1" lang="ja-JP" altLang="en-US" dirty="0"/>
+              <a:rPr kumimoji="1" lang="ja-JP" altLang="en-US"/>
               <a:t>ポータル、ガイドブック、出張相談により、能動的な情報発信</a:t>
             </a:r>
           </a:p>
           <a:p>
             <a:pPr lvl="2"/>
             <a:r>
-              <a:rPr kumimoji="1" lang="ja-JP" altLang="en-US" dirty="0"/>
+              <a:rPr kumimoji="1" lang="ja-JP" altLang="en-US"/>
               <a:t>・</a:t>
             </a:r>
             <a:r>
-              <a:rPr kumimoji="1" lang="en-US" altLang="ja-JP" dirty="0"/>
+              <a:rPr kumimoji="1" lang="en-US" altLang="ja-JP"/>
               <a:t>【</a:t>
             </a:r>
             <a:r>
-              <a:rPr kumimoji="1" lang="ja-JP" altLang="en-US" dirty="0"/>
+              <a:rPr kumimoji="1" lang="ja-JP" altLang="en-US"/>
               <a:t>課題解決</a:t>
             </a:r>
             <a:r>
-              <a:rPr kumimoji="1" lang="en-US" altLang="ja-JP" dirty="0"/>
+              <a:rPr kumimoji="1" lang="en-US" altLang="ja-JP"/>
               <a:t>】</a:t>
             </a:r>
             <a:r>
-              <a:rPr kumimoji="1" lang="ja-JP" altLang="en-US" dirty="0"/>
+              <a:rPr kumimoji="1" lang="ja-JP" altLang="en-US"/>
               <a:t>電話およびメールによる受動的な情報提供</a:t>
             </a:r>
           </a:p>
           <a:p>
-            <a:endParaRPr kumimoji="1" lang="ja-JP" altLang="en-US" dirty="0"/>
+            <a:endParaRPr kumimoji="1" lang="ja-JP" altLang="en-US"/>
           </a:p>
         </p:txBody>
       </p:sp>
@@ -9153,11 +9145,11 @@
           <a:lstStyle/>
           <a:p>
             <a:r>
-              <a:rPr kumimoji="1" lang="en-US" altLang="ja-JP" dirty="0"/>
+              <a:rPr kumimoji="1" lang="en-US" altLang="ja-JP"/>
               <a:t>TCYSS</a:t>
             </a:r>
             <a:r>
-              <a:rPr kumimoji="1" lang="ja-JP" altLang="en-US" dirty="0"/>
+              <a:rPr kumimoji="1" lang="ja-JP" altLang="en-US"/>
               <a:t>普及啓発活動の情報発信</a:t>
             </a:r>
           </a:p>
@@ -9187,137 +9179,137 @@
           <a:lstStyle/>
           <a:p>
             <a:r>
-              <a:rPr kumimoji="1" lang="ja-JP" altLang="en-US" dirty="0"/>
+              <a:rPr kumimoji="1" lang="ja-JP" altLang="en-US"/>
               <a:t>目的</a:t>
             </a:r>
-            <a:endParaRPr kumimoji="1" lang="en-US" altLang="ja-JP" dirty="0"/>
+            <a:endParaRPr kumimoji="1" lang="en-US" altLang="ja-JP"/>
           </a:p>
           <a:p>
             <a:pPr lvl="1"/>
             <a:r>
-              <a:rPr kumimoji="1" lang="ja-JP" altLang="en-US" dirty="0"/>
+              <a:rPr kumimoji="1" lang="ja-JP" altLang="en-US"/>
               <a:t>東京都の多くの中小企業が、</a:t>
             </a:r>
             <a:r>
-              <a:rPr kumimoji="1" lang="en-US" altLang="ja-JP" dirty="0"/>
+              <a:rPr kumimoji="1" lang="en-US" altLang="ja-JP"/>
               <a:t>IT</a:t>
             </a:r>
             <a:r>
-              <a:rPr kumimoji="1" lang="ja-JP" altLang="en-US" dirty="0"/>
+              <a:rPr kumimoji="1" lang="ja-JP" altLang="en-US"/>
               <a:t>を活用したビジネス展開をする際に、セキュリティ問題が阻害要因にならないように、セキュリティ対策の普及を促進する。</a:t>
             </a:r>
-            <a:endParaRPr kumimoji="1" lang="en-US" altLang="ja-JP" dirty="0"/>
+            <a:endParaRPr kumimoji="1" lang="en-US" altLang="ja-JP"/>
           </a:p>
           <a:p>
             <a:pPr lvl="1"/>
             <a:r>
-              <a:rPr kumimoji="1" lang="ja-JP" altLang="en-US" dirty="0"/>
+              <a:rPr kumimoji="1" lang="ja-JP" altLang="en-US"/>
               <a:t>有用な情報発信元として広く認知され、情報が活用されることにより、意義ある組織として事業が継続できる</a:t>
             </a:r>
-            <a:endParaRPr kumimoji="1" lang="en-US" altLang="ja-JP" dirty="0"/>
+            <a:endParaRPr kumimoji="1" lang="en-US" altLang="ja-JP"/>
           </a:p>
           <a:p>
             <a:pPr lvl="2"/>
             <a:r>
-              <a:rPr kumimoji="1" lang="ja-JP" altLang="en-US" dirty="0"/>
+              <a:rPr kumimoji="1" lang="ja-JP" altLang="en-US"/>
               <a:t>多くの中小企業の経営者、管理者に向けて、ポータルサイトから、体系的・網羅的な情報をタイムリーに発信。</a:t>
             </a:r>
-            <a:endParaRPr kumimoji="1" lang="en-US" altLang="ja-JP" dirty="0"/>
+            <a:endParaRPr kumimoji="1" lang="en-US" altLang="ja-JP"/>
           </a:p>
           <a:p>
             <a:pPr lvl="2"/>
             <a:r>
-              <a:rPr lang="ja-JP" altLang="en-US" dirty="0"/>
+              <a:rPr lang="ja-JP" altLang="en-US"/>
               <a:t>多くの中小企業に情報を届けて、有用な組織と認識されれば、活用され、組織の目標の達成を見込める。</a:t>
             </a:r>
-            <a:endParaRPr kumimoji="1" lang="en-US" altLang="ja-JP" dirty="0"/>
-          </a:p>
-          <a:p>
-            <a:r>
-              <a:rPr lang="ja-JP" altLang="en-US" dirty="0"/>
+            <a:endParaRPr kumimoji="1" lang="en-US" altLang="ja-JP"/>
+          </a:p>
+          <a:p>
+            <a:r>
+              <a:rPr lang="ja-JP" altLang="en-US"/>
               <a:t>情報発信の流れ</a:t>
             </a:r>
-            <a:endParaRPr lang="en-US" altLang="ja-JP" dirty="0"/>
+            <a:endParaRPr lang="en-US" altLang="ja-JP"/>
           </a:p>
           <a:p>
             <a:pPr lvl="1"/>
             <a:r>
-              <a:rPr lang="ja-JP" altLang="en-US" dirty="0"/>
+              <a:rPr lang="ja-JP" altLang="en-US"/>
               <a:t>知識の蓄積</a:t>
             </a:r>
-            <a:endParaRPr lang="en-US" altLang="ja-JP" dirty="0"/>
+            <a:endParaRPr lang="en-US" altLang="ja-JP"/>
           </a:p>
           <a:p>
             <a:pPr lvl="2"/>
             <a:r>
-              <a:rPr lang="en-US" altLang="ja-JP" dirty="0"/>
+              <a:rPr lang="en-US" altLang="ja-JP"/>
               <a:t>IT</a:t>
             </a:r>
             <a:r>
-              <a:rPr lang="ja-JP" altLang="en-US" dirty="0"/>
+              <a:rPr lang="ja-JP" altLang="en-US"/>
               <a:t>・セキュリティに関連した最新情報を、体系的・網羅的に収集、中小企業向けに知識化</a:t>
             </a:r>
-            <a:endParaRPr lang="en-US" altLang="ja-JP" dirty="0"/>
+            <a:endParaRPr lang="en-US" altLang="ja-JP"/>
           </a:p>
           <a:p>
             <a:pPr lvl="1"/>
             <a:r>
-              <a:rPr lang="ja-JP" altLang="en-US" dirty="0"/>
+              <a:rPr lang="ja-JP" altLang="en-US"/>
               <a:t>知識を広く発信</a:t>
             </a:r>
-            <a:endParaRPr lang="en-US" altLang="ja-JP" dirty="0"/>
+            <a:endParaRPr lang="en-US" altLang="ja-JP"/>
           </a:p>
           <a:p>
             <a:pPr lvl="2"/>
             <a:r>
-              <a:rPr lang="ja-JP" altLang="en-US" dirty="0"/>
+              <a:rPr lang="ja-JP" altLang="en-US"/>
               <a:t>ポータルサイトから、体系的に整理した知識を、タイムリーに発信。</a:t>
             </a:r>
-            <a:endParaRPr lang="en-US" altLang="ja-JP" dirty="0"/>
+            <a:endParaRPr lang="en-US" altLang="ja-JP"/>
           </a:p>
           <a:p>
             <a:pPr lvl="2"/>
             <a:r>
-              <a:rPr lang="ja-JP" altLang="en-US" dirty="0"/>
+              <a:rPr lang="ja-JP" altLang="en-US"/>
               <a:t>定期的な発信がないサイトはアクセスが増えない</a:t>
             </a:r>
-            <a:endParaRPr lang="en-US" altLang="ja-JP" dirty="0"/>
+            <a:endParaRPr lang="en-US" altLang="ja-JP"/>
           </a:p>
           <a:p>
             <a:pPr lvl="1"/>
             <a:r>
-              <a:rPr lang="ja-JP" altLang="en-US" dirty="0"/>
+              <a:rPr lang="ja-JP" altLang="en-US"/>
               <a:t>発信情報の伝搬の促進</a:t>
             </a:r>
-            <a:endParaRPr lang="en-US" altLang="ja-JP" dirty="0"/>
+            <a:endParaRPr lang="en-US" altLang="ja-JP"/>
           </a:p>
           <a:p>
             <a:pPr lvl="2"/>
             <a:r>
-              <a:rPr lang="ja-JP" altLang="en-US" dirty="0"/>
+              <a:rPr lang="ja-JP" altLang="en-US"/>
               <a:t>発信情報が広く普及（伝搬）されるようにするために、アクセスルートを増やす</a:t>
             </a:r>
-            <a:endParaRPr lang="en-US" altLang="ja-JP" dirty="0"/>
+            <a:endParaRPr lang="en-US" altLang="ja-JP"/>
           </a:p>
           <a:p>
             <a:pPr lvl="1"/>
             <a:r>
-              <a:rPr lang="ja-JP" altLang="en-US" dirty="0"/>
+              <a:rPr lang="ja-JP" altLang="en-US"/>
               <a:t>留意点</a:t>
             </a:r>
-            <a:endParaRPr lang="en-US" altLang="ja-JP" dirty="0"/>
+            <a:endParaRPr lang="en-US" altLang="ja-JP"/>
           </a:p>
           <a:p>
             <a:pPr lvl="2"/>
             <a:r>
-              <a:rPr lang="ja-JP" altLang="en-US" dirty="0"/>
+              <a:rPr lang="ja-JP" altLang="en-US"/>
               <a:t>有用と認識されない情報発信を増やして、件数を稼いでも、組織の存立意義は認識されない。</a:t>
             </a:r>
-            <a:endParaRPr lang="en-US" altLang="ja-JP" dirty="0"/>
+            <a:endParaRPr lang="en-US" altLang="ja-JP"/>
           </a:p>
           <a:p>
             <a:pPr lvl="1"/>
-            <a:endParaRPr lang="en-US" altLang="ja-JP" dirty="0"/>
+            <a:endParaRPr lang="en-US" altLang="ja-JP"/>
           </a:p>
         </p:txBody>
       </p:sp>
@@ -9373,7 +9365,7 @@
           <a:lstStyle/>
           <a:p>
             <a:r>
-              <a:rPr kumimoji="1" lang="ja-JP" altLang="en-US" dirty="0"/>
+              <a:rPr kumimoji="1" lang="ja-JP" altLang="en-US"/>
               <a:t>情報発信と、情報の伝搬の促進策</a:t>
             </a:r>
           </a:p>
@@ -9404,269 +9396,269 @@
           <a:p>
             <a:pPr lvl="1"/>
             <a:r>
-              <a:rPr lang="ja-JP" altLang="en-US" dirty="0"/>
+              <a:rPr lang="ja-JP" altLang="en-US"/>
               <a:t>有用な情報発信</a:t>
             </a:r>
-            <a:endParaRPr lang="en-US" altLang="ja-JP" dirty="0"/>
+            <a:endParaRPr lang="en-US" altLang="ja-JP"/>
           </a:p>
           <a:p>
             <a:pPr lvl="2"/>
             <a:r>
-              <a:rPr lang="ja-JP" altLang="en-US" dirty="0"/>
+              <a:rPr lang="ja-JP" altLang="en-US"/>
               <a:t>ガイドブックの内容のタイムリーな更新</a:t>
             </a:r>
-            <a:endParaRPr lang="en-US" altLang="ja-JP" dirty="0"/>
+            <a:endParaRPr lang="en-US" altLang="ja-JP"/>
           </a:p>
           <a:p>
             <a:pPr lvl="2"/>
             <a:r>
-              <a:rPr lang="en-US" altLang="ja-JP" dirty="0"/>
+              <a:rPr lang="en-US" altLang="ja-JP"/>
               <a:t>IT</a:t>
             </a:r>
             <a:r>
-              <a:rPr lang="ja-JP" altLang="en-US" dirty="0"/>
+              <a:rPr lang="ja-JP" altLang="en-US"/>
               <a:t>活用の促進方法、セキュリティ対策の促進に関するホットな情報へ案内</a:t>
             </a:r>
-            <a:endParaRPr lang="en-US" altLang="ja-JP" dirty="0"/>
+            <a:endParaRPr lang="en-US" altLang="ja-JP"/>
           </a:p>
           <a:p>
             <a:pPr lvl="1"/>
             <a:r>
-              <a:rPr lang="ja-JP" altLang="en-US" dirty="0"/>
+              <a:rPr lang="ja-JP" altLang="en-US"/>
               <a:t>情報の伝搬の促進策</a:t>
             </a:r>
-            <a:endParaRPr lang="en-US" altLang="ja-JP" dirty="0"/>
+            <a:endParaRPr lang="en-US" altLang="ja-JP"/>
           </a:p>
           <a:p>
             <a:pPr lvl="2"/>
             <a:r>
-              <a:rPr lang="ja-JP" altLang="en-US" dirty="0"/>
+              <a:rPr lang="ja-JP" altLang="en-US"/>
               <a:t>サイトのアクセス状況</a:t>
             </a:r>
-            <a:endParaRPr lang="en-US" altLang="ja-JP" dirty="0"/>
+            <a:endParaRPr lang="en-US" altLang="ja-JP"/>
           </a:p>
           <a:p>
             <a:pPr lvl="3"/>
             <a:r>
-              <a:rPr lang="ja-JP" altLang="en-US" dirty="0"/>
+              <a:rPr lang="ja-JP" altLang="en-US"/>
               <a:t>「ポータル」のトップページのアクセスは、「ガイドブック」のトップページよりもアクセスが少ない</a:t>
             </a:r>
-            <a:endParaRPr lang="en-US" altLang="ja-JP" dirty="0"/>
+            <a:endParaRPr lang="en-US" altLang="ja-JP"/>
           </a:p>
           <a:p>
             <a:pPr lvl="3"/>
             <a:r>
-              <a:rPr lang="ja-JP" altLang="en-US" dirty="0"/>
+              <a:rPr lang="ja-JP" altLang="en-US"/>
               <a:t>各ページは、</a:t>
             </a:r>
             <a:r>
-              <a:rPr lang="en-US" altLang="ja-JP" dirty="0"/>
+              <a:rPr lang="en-US" altLang="ja-JP"/>
               <a:t>Google</a:t>
             </a:r>
             <a:r>
-              <a:rPr lang="ja-JP" altLang="en-US" dirty="0"/>
+              <a:rPr lang="ja-JP" altLang="en-US"/>
               <a:t>の検索からダイレクトにアクセスされているケースのほうが多い</a:t>
             </a:r>
-            <a:endParaRPr lang="en-US" altLang="ja-JP" dirty="0"/>
+            <a:endParaRPr lang="en-US" altLang="ja-JP"/>
           </a:p>
           <a:p>
             <a:pPr lvl="3"/>
-            <a:endParaRPr lang="en-US" altLang="ja-JP" dirty="0"/>
+            <a:endParaRPr lang="en-US" altLang="ja-JP"/>
           </a:p>
           <a:p>
             <a:pPr lvl="2"/>
             <a:r>
-              <a:rPr lang="ja-JP" altLang="en-US" dirty="0"/>
+              <a:rPr lang="ja-JP" altLang="en-US"/>
               <a:t>情報の伝搬ルート</a:t>
             </a:r>
-            <a:endParaRPr lang="en-US" altLang="ja-JP" dirty="0"/>
+            <a:endParaRPr lang="en-US" altLang="ja-JP"/>
           </a:p>
           <a:p>
             <a:pPr lvl="3"/>
             <a:r>
-              <a:rPr lang="ja-JP" altLang="en-US" dirty="0"/>
+              <a:rPr lang="ja-JP" altLang="en-US"/>
               <a:t>「極意」ポータルのページの都度更新　⇒　</a:t>
             </a:r>
             <a:r>
-              <a:rPr lang="en-US" altLang="ja-JP" dirty="0"/>
+              <a:rPr lang="en-US" altLang="ja-JP"/>
               <a:t>Google</a:t>
             </a:r>
             <a:r>
-              <a:rPr lang="ja-JP" altLang="en-US" dirty="0"/>
+              <a:rPr lang="ja-JP" altLang="en-US"/>
               <a:t>検索ロボットが収集</a:t>
             </a:r>
-            <a:endParaRPr lang="en-US" altLang="ja-JP" dirty="0"/>
+            <a:endParaRPr lang="en-US" altLang="ja-JP"/>
           </a:p>
           <a:p>
             <a:pPr lvl="3"/>
             <a:r>
-              <a:rPr lang="ja-JP" altLang="en-US" dirty="0"/>
+              <a:rPr lang="ja-JP" altLang="en-US"/>
               <a:t>ポータルでの更新内容を「更新情報」に掲載　⇒　</a:t>
             </a:r>
             <a:r>
-              <a:rPr lang="en-US" altLang="ja-JP" dirty="0"/>
+              <a:rPr lang="en-US" altLang="ja-JP"/>
               <a:t>Google</a:t>
             </a:r>
             <a:r>
-              <a:rPr lang="ja-JP" altLang="en-US" dirty="0"/>
+              <a:rPr lang="ja-JP" altLang="en-US"/>
               <a:t>検索ロボットが収集</a:t>
             </a:r>
-            <a:endParaRPr lang="en-US" altLang="ja-JP" dirty="0"/>
+            <a:endParaRPr lang="en-US" altLang="ja-JP"/>
           </a:p>
           <a:p>
             <a:pPr lvl="3"/>
             <a:r>
-              <a:rPr lang="ja-JP" altLang="en-US" dirty="0"/>
+              <a:rPr lang="ja-JP" altLang="en-US"/>
               <a:t>ポータル内の情報（</a:t>
             </a:r>
             <a:r>
-              <a:rPr lang="en-US" altLang="ja-JP" dirty="0"/>
+              <a:rPr lang="en-US" altLang="ja-JP"/>
               <a:t>1</a:t>
             </a:r>
             <a:r>
-              <a:rPr lang="ja-JP" altLang="en-US" dirty="0"/>
+              <a:rPr lang="ja-JP" altLang="en-US"/>
               <a:t>件</a:t>
             </a:r>
             <a:r>
-              <a:rPr lang="en-US" altLang="ja-JP" dirty="0"/>
+              <a:rPr lang="en-US" altLang="ja-JP"/>
               <a:t>/</a:t>
             </a:r>
             <a:r>
-              <a:rPr lang="ja-JP" altLang="en-US" dirty="0"/>
+              <a:rPr lang="ja-JP" altLang="en-US"/>
               <a:t>週程度）</a:t>
             </a:r>
-            <a:endParaRPr lang="en-US" altLang="ja-JP" dirty="0"/>
+            <a:endParaRPr lang="en-US" altLang="ja-JP"/>
           </a:p>
           <a:p>
             <a:pPr lvl="4"/>
             <a:r>
-              <a:rPr lang="ja-JP" altLang="en-US" dirty="0"/>
+              <a:rPr lang="ja-JP" altLang="en-US"/>
               <a:t>「更新情報」を</a:t>
             </a:r>
             <a:r>
-              <a:rPr lang="en-US" altLang="ja-JP" dirty="0"/>
+              <a:rPr lang="en-US" altLang="ja-JP"/>
               <a:t>Twitter</a:t>
             </a:r>
             <a:r>
-              <a:rPr lang="ja-JP" altLang="en-US" dirty="0"/>
+              <a:rPr lang="ja-JP" altLang="en-US"/>
               <a:t>からツイート　⇒　</a:t>
             </a:r>
             <a:r>
-              <a:rPr lang="en-US" altLang="ja-JP" dirty="0"/>
+              <a:rPr lang="en-US" altLang="ja-JP"/>
               <a:t>Retweet</a:t>
             </a:r>
             <a:r>
-              <a:rPr lang="ja-JP" altLang="en-US" dirty="0"/>
+              <a:rPr lang="ja-JP" altLang="en-US"/>
               <a:t>、いいね、により広く拡散される</a:t>
             </a:r>
-            <a:endParaRPr lang="en-US" altLang="ja-JP" dirty="0"/>
+            <a:endParaRPr lang="en-US" altLang="ja-JP"/>
           </a:p>
           <a:p>
             <a:pPr lvl="4"/>
             <a:r>
-              <a:rPr lang="ja-JP" altLang="en-US" dirty="0"/>
+              <a:rPr lang="ja-JP" altLang="en-US"/>
               <a:t>更新内容を「はてなブックマーク」等のソーシャルブックマークに投稿　⇒　タグ検索でリストアップされる</a:t>
             </a:r>
-            <a:endParaRPr lang="en-US" altLang="ja-JP" dirty="0"/>
+            <a:endParaRPr lang="en-US" altLang="ja-JP"/>
           </a:p>
           <a:p>
             <a:pPr lvl="3"/>
             <a:r>
-              <a:rPr lang="ja-JP" altLang="en-US" dirty="0"/>
+              <a:rPr lang="ja-JP" altLang="en-US"/>
               <a:t>外部機関からのホットな情報の発信（</a:t>
             </a:r>
             <a:r>
-              <a:rPr lang="en-US" altLang="ja-JP" dirty="0"/>
+              <a:rPr lang="en-US" altLang="ja-JP"/>
               <a:t>1</a:t>
             </a:r>
             <a:r>
-              <a:rPr lang="ja-JP" altLang="en-US" dirty="0"/>
+              <a:rPr lang="ja-JP" altLang="en-US"/>
               <a:t>件</a:t>
             </a:r>
             <a:r>
-              <a:rPr lang="en-US" altLang="ja-JP" dirty="0"/>
+              <a:rPr lang="en-US" altLang="ja-JP"/>
               <a:t>/</a:t>
             </a:r>
             <a:r>
-              <a:rPr lang="ja-JP" altLang="en-US" dirty="0"/>
+              <a:rPr lang="ja-JP" altLang="en-US"/>
               <a:t>日程度）</a:t>
             </a:r>
-            <a:endParaRPr lang="en-US" altLang="ja-JP" dirty="0"/>
+            <a:endParaRPr lang="en-US" altLang="ja-JP"/>
           </a:p>
           <a:p>
             <a:pPr lvl="4"/>
             <a:r>
-              <a:rPr lang="ja-JP" altLang="en-US" dirty="0"/>
+              <a:rPr lang="ja-JP" altLang="en-US"/>
               <a:t>詳細な補足が必要であれば、ポータル内にトピックスのページを作成し、</a:t>
             </a:r>
             <a:r>
-              <a:rPr lang="en-US" altLang="ja-JP" dirty="0"/>
+              <a:rPr lang="en-US" altLang="ja-JP"/>
               <a:t>Tweet</a:t>
             </a:r>
             <a:r>
-              <a:rPr lang="ja-JP" altLang="en-US" dirty="0"/>
+              <a:rPr lang="ja-JP" altLang="en-US"/>
               <a:t>。</a:t>
             </a:r>
-            <a:endParaRPr lang="en-US" altLang="ja-JP" dirty="0"/>
+            <a:endParaRPr lang="en-US" altLang="ja-JP"/>
           </a:p>
           <a:p>
             <a:pPr lvl="4"/>
             <a:r>
-              <a:rPr lang="en-US" altLang="ja-JP" dirty="0"/>
+              <a:rPr lang="en-US" altLang="ja-JP"/>
               <a:t>Twitter</a:t>
             </a:r>
             <a:r>
-              <a:rPr lang="ja-JP" altLang="en-US" dirty="0"/>
+              <a:rPr lang="ja-JP" altLang="en-US"/>
               <a:t>で提供されたツイートを</a:t>
             </a:r>
             <a:r>
-              <a:rPr lang="en-US" altLang="ja-JP" dirty="0" err="1"/>
+              <a:rPr lang="en-US" altLang="ja-JP" err="1"/>
               <a:t>ReTweet</a:t>
             </a:r>
             <a:r>
-              <a:rPr lang="ja-JP" altLang="en-US" dirty="0"/>
+              <a:rPr lang="ja-JP" altLang="en-US"/>
               <a:t>、簡単な補足が必要であれば、コメント付き</a:t>
             </a:r>
             <a:r>
-              <a:rPr lang="en-US" altLang="ja-JP" dirty="0" err="1"/>
+              <a:rPr lang="en-US" altLang="ja-JP" err="1"/>
               <a:t>ReTweet</a:t>
             </a:r>
             <a:r>
-              <a:rPr lang="ja-JP" altLang="en-US" dirty="0"/>
+              <a:rPr lang="ja-JP" altLang="en-US"/>
               <a:t>。</a:t>
             </a:r>
-            <a:endParaRPr lang="en-US" altLang="ja-JP" dirty="0"/>
+            <a:endParaRPr lang="en-US" altLang="ja-JP"/>
           </a:p>
           <a:p>
             <a:pPr lvl="3"/>
             <a:r>
-              <a:rPr lang="en-US" altLang="ja-JP" dirty="0"/>
+              <a:rPr lang="en-US" altLang="ja-JP"/>
               <a:t>Twitter</a:t>
             </a:r>
             <a:r>
-              <a:rPr lang="ja-JP" altLang="en-US" dirty="0"/>
+              <a:rPr lang="ja-JP" altLang="en-US"/>
               <a:t>のフォロアーが増えてくれば、その中でポータル内の情報へのリンクを</a:t>
             </a:r>
             <a:r>
-              <a:rPr lang="en-US" altLang="ja-JP" dirty="0"/>
+              <a:rPr lang="en-US" altLang="ja-JP"/>
               <a:t>Tweet</a:t>
             </a:r>
             <a:r>
-              <a:rPr lang="ja-JP" altLang="en-US" dirty="0"/>
+              <a:rPr lang="ja-JP" altLang="en-US"/>
               <a:t>することが有効になる。</a:t>
             </a:r>
-            <a:endParaRPr lang="en-US" altLang="ja-JP" dirty="0"/>
+            <a:endParaRPr lang="en-US" altLang="ja-JP"/>
           </a:p>
           <a:p>
             <a:pPr lvl="3"/>
-            <a:endParaRPr lang="en-US" altLang="ja-JP" dirty="0"/>
+            <a:endParaRPr lang="en-US" altLang="ja-JP"/>
           </a:p>
           <a:p>
             <a:pPr lvl="4"/>
-            <a:endParaRPr lang="en-US" altLang="ja-JP" dirty="0"/>
-          </a:p>
-          <a:p>
-            <a:endParaRPr kumimoji="1" lang="ja-JP" altLang="en-US" dirty="0"/>
+            <a:endParaRPr lang="en-US" altLang="ja-JP"/>
+          </a:p>
+          <a:p>
+            <a:endParaRPr kumimoji="1" lang="ja-JP" altLang="en-US"/>
           </a:p>
         </p:txBody>
       </p:sp>
@@ -9724,11 +9716,11 @@
           <a:lstStyle/>
           <a:p>
             <a:r>
-              <a:rPr lang="en-US" altLang="ja-JP" dirty="0"/>
+              <a:rPr lang="en-US" altLang="ja-JP"/>
               <a:t>IPA</a:t>
             </a:r>
             <a:r>
-              <a:rPr lang="ja-JP" altLang="en-US" dirty="0"/>
+              <a:rPr lang="ja-JP" altLang="en-US"/>
               <a:t>安心相談窓口との連携</a:t>
             </a:r>
           </a:p>
@@ -9756,34 +9748,34 @@
           <a:lstStyle/>
           <a:p>
             <a:r>
-              <a:rPr lang="en-US" altLang="ja-JP" dirty="0"/>
+              <a:rPr lang="en-US" altLang="ja-JP"/>
               <a:t>IPA</a:t>
             </a:r>
             <a:r>
-              <a:rPr lang="ja-JP" altLang="en-US" dirty="0"/>
+              <a:rPr lang="ja-JP" altLang="en-US"/>
               <a:t>提供情報の活用</a:t>
             </a:r>
           </a:p>
           <a:p>
             <a:r>
-              <a:rPr lang="ja-JP" altLang="en-US" dirty="0"/>
+              <a:rPr lang="ja-JP" altLang="en-US"/>
               <a:t>インターネットでは得られない情報交換</a:t>
             </a:r>
           </a:p>
           <a:p>
             <a:r>
-              <a:rPr lang="ja-JP" altLang="en-US" dirty="0"/>
+              <a:rPr lang="ja-JP" altLang="en-US"/>
               <a:t>インシデント相談対応時のホットライン</a:t>
             </a:r>
           </a:p>
           <a:p>
             <a:r>
-              <a:rPr lang="ja-JP" altLang="en-US" dirty="0"/>
+              <a:rPr lang="ja-JP" altLang="en-US"/>
               <a:t>相談対応のための情報交換</a:t>
             </a:r>
           </a:p>
           <a:p>
-            <a:endParaRPr lang="ja-JP" altLang="en-US" dirty="0"/>
+            <a:endParaRPr lang="ja-JP" altLang="en-US"/>
           </a:p>
         </p:txBody>
       </p:sp>
@@ -9839,11 +9831,11 @@
           <a:lstStyle/>
           <a:p>
             <a:r>
-              <a:rPr kumimoji="1" lang="en-US" altLang="ja-JP" dirty="0"/>
+              <a:rPr kumimoji="1" lang="en-US" altLang="ja-JP"/>
               <a:t>TCYSS</a:t>
             </a:r>
             <a:r>
-              <a:rPr kumimoji="1" lang="ja-JP" altLang="en-US" dirty="0"/>
+              <a:rPr kumimoji="1" lang="ja-JP" altLang="en-US"/>
               <a:t>としての普及啓発活動の課題</a:t>
             </a:r>
           </a:p>
@@ -9871,31 +9863,31 @@
           <a:lstStyle/>
           <a:p>
             <a:r>
-              <a:rPr kumimoji="1" lang="en-US" altLang="ja-JP" dirty="0"/>
+              <a:rPr kumimoji="1" lang="en-US" altLang="ja-JP"/>
               <a:t>TCYSS</a:t>
             </a:r>
             <a:r>
-              <a:rPr kumimoji="1" lang="ja-JP" altLang="en-US" dirty="0"/>
+              <a:rPr kumimoji="1" lang="ja-JP" altLang="en-US"/>
               <a:t>課題</a:t>
             </a:r>
           </a:p>
           <a:p>
             <a:pPr lvl="1"/>
             <a:r>
-              <a:rPr kumimoji="1" lang="en-US" altLang="ja-JP" dirty="0"/>
+              <a:rPr kumimoji="1" lang="en-US" altLang="ja-JP"/>
               <a:t>TCYSS</a:t>
             </a:r>
             <a:r>
-              <a:rPr kumimoji="1" lang="ja-JP" altLang="en-US" dirty="0"/>
+              <a:rPr kumimoji="1" lang="ja-JP" altLang="en-US"/>
               <a:t>メンバー間で、意識啓発活動・情報共有・相談体制・事案発生時の相互連携が機能していない</a:t>
             </a:r>
-            <a:endParaRPr kumimoji="1" lang="en-US" altLang="ja-JP" dirty="0"/>
-          </a:p>
-          <a:p>
-            <a:endParaRPr kumimoji="1" lang="ja-JP" altLang="en-US" dirty="0"/>
-          </a:p>
-          <a:p>
-            <a:endParaRPr kumimoji="1" lang="ja-JP" altLang="en-US" dirty="0"/>
+            <a:endParaRPr kumimoji="1" lang="en-US" altLang="ja-JP"/>
+          </a:p>
+          <a:p>
+            <a:endParaRPr kumimoji="1" lang="ja-JP" altLang="en-US"/>
+          </a:p>
+          <a:p>
+            <a:endParaRPr kumimoji="1" lang="ja-JP" altLang="en-US"/>
           </a:p>
         </p:txBody>
       </p:sp>
@@ -9958,7 +9950,7 @@
           <a:lstStyle/>
           <a:p>
             <a:r>
-              <a:rPr kumimoji="1" lang="ja-JP" altLang="en-US" dirty="0">
+              <a:rPr kumimoji="1" lang="ja-JP" altLang="en-US">
                 <a:latin typeface="Meiryo UI" panose="020B0604030504040204" pitchFamily="50" charset="-128"/>
                 <a:ea typeface="Meiryo UI" panose="020B0604030504040204" pitchFamily="50" charset="-128"/>
               </a:rPr>
@@ -9996,13 +9988,13 @@
           <a:lstStyle/>
           <a:p>
             <a:r>
-              <a:rPr kumimoji="1" lang="ja-JP" altLang="en-US" dirty="0">
+              <a:rPr kumimoji="1" lang="ja-JP" altLang="en-US">
                 <a:latin typeface="Meiryo UI" panose="020B0604030504040204" pitchFamily="50" charset="-128"/>
                 <a:ea typeface="Meiryo UI" panose="020B0604030504040204" pitchFamily="50" charset="-128"/>
               </a:rPr>
               <a:t>目的</a:t>
             </a:r>
-            <a:endParaRPr kumimoji="1" lang="en-US" altLang="ja-JP" dirty="0">
+            <a:endParaRPr kumimoji="1" lang="en-US" altLang="ja-JP">
               <a:latin typeface="Meiryo UI" panose="020B0604030504040204" pitchFamily="50" charset="-128"/>
               <a:ea typeface="Meiryo UI" panose="020B0604030504040204" pitchFamily="50" charset="-128"/>
             </a:endParaRPr>
@@ -10010,13 +10002,13 @@
           <a:p>
             <a:pPr lvl="1"/>
             <a:r>
-              <a:rPr kumimoji="1" lang="ja-JP" altLang="en-US" dirty="0">
+              <a:rPr kumimoji="1" lang="ja-JP" altLang="en-US">
                 <a:latin typeface="Meiryo UI" panose="020B0604030504040204" pitchFamily="50" charset="-128"/>
                 <a:ea typeface="Meiryo UI" panose="020B0604030504040204" pitchFamily="50" charset="-128"/>
               </a:rPr>
               <a:t>専門員が調査分析した情報を知識として蓄積する。</a:t>
             </a:r>
-            <a:endParaRPr kumimoji="1" lang="en-US" altLang="ja-JP" dirty="0">
+            <a:endParaRPr kumimoji="1" lang="en-US" altLang="ja-JP">
               <a:latin typeface="Meiryo UI" panose="020B0604030504040204" pitchFamily="50" charset="-128"/>
               <a:ea typeface="Meiryo UI" panose="020B0604030504040204" pitchFamily="50" charset="-128"/>
             </a:endParaRPr>
@@ -10024,33 +10016,33 @@
           <a:p>
             <a:pPr lvl="1"/>
             <a:r>
-              <a:rPr lang="ja-JP" altLang="en-US" dirty="0">
+              <a:rPr lang="ja-JP" altLang="en-US">
                 <a:latin typeface="Meiryo UI" panose="020B0604030504040204" pitchFamily="50" charset="-128"/>
                 <a:ea typeface="Meiryo UI" panose="020B0604030504040204" pitchFamily="50" charset="-128"/>
               </a:rPr>
               <a:t>蓄積</a:t>
             </a:r>
             <a:r>
-              <a:rPr kumimoji="1" lang="ja-JP" altLang="en-US" dirty="0">
+              <a:rPr kumimoji="1" lang="ja-JP" altLang="en-US">
                 <a:latin typeface="Meiryo UI" panose="020B0604030504040204" pitchFamily="50" charset="-128"/>
                 <a:ea typeface="Meiryo UI" panose="020B0604030504040204" pitchFamily="50" charset="-128"/>
               </a:rPr>
               <a:t>した知識をもとに、要約して、ガイドブック等で発信する。</a:t>
             </a:r>
-            <a:endParaRPr kumimoji="1" lang="en-US" altLang="ja-JP" dirty="0">
+            <a:endParaRPr kumimoji="1" lang="en-US" altLang="ja-JP">
               <a:latin typeface="Meiryo UI" panose="020B0604030504040204" pitchFamily="50" charset="-128"/>
               <a:ea typeface="Meiryo UI" panose="020B0604030504040204" pitchFamily="50" charset="-128"/>
             </a:endParaRPr>
           </a:p>
           <a:p>
             <a:r>
-              <a:rPr kumimoji="1" lang="ja-JP" altLang="en-US" dirty="0">
+              <a:rPr kumimoji="1" lang="ja-JP" altLang="en-US">
                 <a:latin typeface="Meiryo UI" panose="020B0604030504040204" pitchFamily="50" charset="-128"/>
                 <a:ea typeface="Meiryo UI" panose="020B0604030504040204" pitchFamily="50" charset="-128"/>
               </a:rPr>
               <a:t>「セキュリティの部屋」</a:t>
             </a:r>
-            <a:endParaRPr kumimoji="1" lang="en-US" altLang="ja-JP" dirty="0">
+            <a:endParaRPr kumimoji="1" lang="en-US" altLang="ja-JP">
               <a:latin typeface="Meiryo UI" panose="020B0604030504040204" pitchFamily="50" charset="-128"/>
               <a:ea typeface="Meiryo UI" panose="020B0604030504040204" pitchFamily="50" charset="-128"/>
             </a:endParaRPr>
@@ -10058,13 +10050,13 @@
           <a:p>
             <a:pPr lvl="1"/>
             <a:r>
-              <a:rPr kumimoji="1" lang="ja-JP" altLang="en-US" dirty="0">
+              <a:rPr kumimoji="1" lang="ja-JP" altLang="en-US">
                 <a:latin typeface="Meiryo UI" panose="020B0604030504040204" pitchFamily="50" charset="-128"/>
                 <a:ea typeface="Meiryo UI" panose="020B0604030504040204" pitchFamily="50" charset="-128"/>
               </a:rPr>
               <a:t>①ガイドブック</a:t>
             </a:r>
-            <a:endParaRPr kumimoji="1" lang="en-US" altLang="ja-JP" dirty="0">
+            <a:endParaRPr kumimoji="1" lang="en-US" altLang="ja-JP">
               <a:latin typeface="Meiryo UI" panose="020B0604030504040204" pitchFamily="50" charset="-128"/>
               <a:ea typeface="Meiryo UI" panose="020B0604030504040204" pitchFamily="50" charset="-128"/>
             </a:endParaRPr>
@@ -10072,13 +10064,13 @@
           <a:p>
             <a:pPr lvl="1"/>
             <a:r>
-              <a:rPr kumimoji="1" lang="ja-JP" altLang="en-US" dirty="0">
+              <a:rPr kumimoji="1" lang="ja-JP" altLang="en-US">
                 <a:latin typeface="Meiryo UI" panose="020B0604030504040204" pitchFamily="50" charset="-128"/>
                 <a:ea typeface="Meiryo UI" panose="020B0604030504040204" pitchFamily="50" charset="-128"/>
               </a:rPr>
               <a:t>②～④サイバー脅威情報、東京都の取組、外部の情報紹介</a:t>
             </a:r>
-            <a:endParaRPr kumimoji="1" lang="en-US" altLang="ja-JP" dirty="0">
+            <a:endParaRPr kumimoji="1" lang="en-US" altLang="ja-JP">
               <a:latin typeface="Meiryo UI" panose="020B0604030504040204" pitchFamily="50" charset="-128"/>
               <a:ea typeface="Meiryo UI" panose="020B0604030504040204" pitchFamily="50" charset="-128"/>
             </a:endParaRPr>
@@ -10086,35 +10078,35 @@
           <a:p>
             <a:pPr lvl="1"/>
             <a:r>
-              <a:rPr kumimoji="1" lang="ja-JP" altLang="en-US" dirty="0">
+              <a:rPr kumimoji="1" lang="ja-JP" altLang="en-US">
                 <a:latin typeface="Meiryo UI" panose="020B0604030504040204" pitchFamily="50" charset="-128"/>
                 <a:ea typeface="Meiryo UI" panose="020B0604030504040204" pitchFamily="50" charset="-128"/>
               </a:rPr>
               <a:t>⑤</a:t>
             </a:r>
             <a:r>
-              <a:rPr kumimoji="1" lang="en-US" altLang="ja-JP" dirty="0">
+              <a:rPr kumimoji="1" lang="en-US" altLang="ja-JP">
                 <a:latin typeface="Meiryo UI" panose="020B0604030504040204" pitchFamily="50" charset="-128"/>
                 <a:ea typeface="Meiryo UI" panose="020B0604030504040204" pitchFamily="50" charset="-128"/>
               </a:rPr>
               <a:t>【</a:t>
             </a:r>
             <a:r>
-              <a:rPr kumimoji="1" lang="ja-JP" altLang="en-US" dirty="0">
+              <a:rPr kumimoji="1" lang="ja-JP" altLang="en-US">
                 <a:latin typeface="Meiryo UI" panose="020B0604030504040204" pitchFamily="50" charset="-128"/>
                 <a:ea typeface="Meiryo UI" panose="020B0604030504040204" pitchFamily="50" charset="-128"/>
               </a:rPr>
               <a:t>新設</a:t>
             </a:r>
             <a:r>
-              <a:rPr kumimoji="1" lang="en-US" altLang="ja-JP" dirty="0">
+              <a:rPr kumimoji="1" lang="en-US" altLang="ja-JP">
                 <a:latin typeface="Meiryo UI" panose="020B0604030504040204" pitchFamily="50" charset="-128"/>
                 <a:ea typeface="Meiryo UI" panose="020B0604030504040204" pitchFamily="50" charset="-128"/>
               </a:rPr>
               <a:t>】</a:t>
             </a:r>
             <a:r>
-              <a:rPr kumimoji="1" lang="ja-JP" altLang="en-US" dirty="0">
+              <a:rPr kumimoji="1" lang="ja-JP" altLang="en-US">
                 <a:solidFill>
                   <a:srgbClr val="FF0000"/>
                 </a:solidFill>
@@ -10124,7 +10116,7 @@
               <a:t>知識の貯蔵庫（ナレッジベース）</a:t>
             </a:r>
             <a:r>
-              <a:rPr kumimoji="1" lang="en-US" altLang="ja-JP" dirty="0">
+              <a:rPr kumimoji="1" lang="en-US" altLang="ja-JP">
                 <a:solidFill>
                   <a:srgbClr val="FF0000"/>
                 </a:solidFill>
@@ -10134,7 +10126,7 @@
               <a:t>【</a:t>
             </a:r>
             <a:r>
-              <a:rPr kumimoji="1" lang="ja-JP" altLang="en-US" dirty="0">
+              <a:rPr kumimoji="1" lang="ja-JP" altLang="en-US">
                 <a:solidFill>
                   <a:srgbClr val="FF0000"/>
                 </a:solidFill>
@@ -10144,7 +10136,7 @@
               <a:t>工事中</a:t>
             </a:r>
             <a:r>
-              <a:rPr kumimoji="1" lang="en-US" altLang="ja-JP" dirty="0">
+              <a:rPr kumimoji="1" lang="en-US" altLang="ja-JP">
                 <a:solidFill>
                   <a:srgbClr val="FF0000"/>
                 </a:solidFill>
@@ -10157,14 +10149,14 @@
           <a:p>
             <a:pPr lvl="3"/>
             <a:r>
-              <a:rPr kumimoji="1" lang="en-US" altLang="ja-JP" dirty="0">
+              <a:rPr kumimoji="1" lang="en-US" altLang="ja-JP">
                 <a:latin typeface="Meiryo UI" panose="020B0604030504040204" pitchFamily="50" charset="-128"/>
                 <a:ea typeface="Meiryo UI" panose="020B0604030504040204" pitchFamily="50" charset="-128"/>
                 <a:hlinkClick r:id="rId2"/>
               </a:rPr>
               <a:t>https://cybersecurity-tokyo.jp/security/KnowLedge</a:t>
             </a:r>
-            <a:endParaRPr kumimoji="1" lang="en-US" altLang="ja-JP" dirty="0">
+            <a:endParaRPr kumimoji="1" lang="en-US" altLang="ja-JP">
               <a:latin typeface="Meiryo UI" panose="020B0604030504040204" pitchFamily="50" charset="-128"/>
               <a:ea typeface="Meiryo UI" panose="020B0604030504040204" pitchFamily="50" charset="-128"/>
             </a:endParaRPr>
@@ -10172,7 +10164,7 @@
           <a:p>
             <a:pPr lvl="2"/>
             <a:r>
-              <a:rPr kumimoji="1" lang="ja-JP" altLang="en-US" dirty="0">
+              <a:rPr kumimoji="1" lang="ja-JP" altLang="en-US">
                 <a:solidFill>
                   <a:srgbClr val="FF0000"/>
                 </a:solidFill>
@@ -10185,7 +10177,7 @@
           <a:p>
             <a:pPr lvl="2"/>
             <a:r>
-              <a:rPr kumimoji="1" lang="ja-JP" altLang="en-US" dirty="0">
+              <a:rPr kumimoji="1" lang="ja-JP" altLang="en-US">
                 <a:solidFill>
                   <a:srgbClr val="FF0000"/>
                 </a:solidFill>
@@ -10198,7 +10190,7 @@
           <a:p>
             <a:pPr lvl="2"/>
             <a:r>
-              <a:rPr kumimoji="1" lang="ja-JP" altLang="en-US" dirty="0">
+              <a:rPr kumimoji="1" lang="ja-JP" altLang="en-US">
                 <a:solidFill>
                   <a:srgbClr val="FF0000"/>
                 </a:solidFill>
@@ -10208,7 +10200,7 @@
               <a:t>参考情報</a:t>
             </a:r>
             <a:r>
-              <a:rPr kumimoji="1" lang="en-US" altLang="ja-JP" dirty="0">
+              <a:rPr kumimoji="1" lang="en-US" altLang="ja-JP">
                 <a:solidFill>
                   <a:srgbClr val="FF0000"/>
                 </a:solidFill>
@@ -10218,7 +10210,7 @@
               <a:t>【</a:t>
             </a:r>
             <a:r>
-              <a:rPr kumimoji="1" lang="ja-JP" altLang="en-US" dirty="0">
+              <a:rPr kumimoji="1" lang="ja-JP" altLang="en-US">
                 <a:solidFill>
                   <a:srgbClr val="FF0000"/>
                 </a:solidFill>
@@ -10228,7 +10220,7 @@
               <a:t>経営者、管理者向け</a:t>
             </a:r>
             <a:r>
-              <a:rPr kumimoji="1" lang="en-US" altLang="ja-JP" dirty="0">
+              <a:rPr kumimoji="1" lang="en-US" altLang="ja-JP">
                 <a:solidFill>
                   <a:srgbClr val="FF0000"/>
                 </a:solidFill>
@@ -10241,7 +10233,7 @@
           <a:p>
             <a:pPr lvl="2"/>
             <a:r>
-              <a:rPr kumimoji="1" lang="ja-JP" altLang="en-US" dirty="0">
+              <a:rPr kumimoji="1" lang="ja-JP" altLang="en-US">
                 <a:solidFill>
                   <a:srgbClr val="FF0000"/>
                 </a:solidFill>
@@ -10251,7 +10243,7 @@
               <a:t>参考情報</a:t>
             </a:r>
             <a:r>
-              <a:rPr kumimoji="1" lang="en-US" altLang="ja-JP" dirty="0">
+              <a:rPr kumimoji="1" lang="en-US" altLang="ja-JP">
                 <a:solidFill>
                   <a:srgbClr val="FF0000"/>
                 </a:solidFill>
@@ -10261,7 +10253,7 @@
               <a:t>【</a:t>
             </a:r>
             <a:r>
-              <a:rPr kumimoji="1" lang="ja-JP" altLang="en-US" dirty="0">
+              <a:rPr kumimoji="1" lang="ja-JP" altLang="en-US">
                 <a:solidFill>
                   <a:srgbClr val="FF0000"/>
                 </a:solidFill>
@@ -10271,7 +10263,7 @@
               <a:t>一般ユーザ向け</a:t>
             </a:r>
             <a:r>
-              <a:rPr kumimoji="1" lang="en-US" altLang="ja-JP" dirty="0">
+              <a:rPr kumimoji="1" lang="en-US" altLang="ja-JP">
                 <a:solidFill>
                   <a:srgbClr val="FF0000"/>
                 </a:solidFill>
@@ -10280,20 +10272,20 @@
               </a:rPr>
               <a:t>】</a:t>
             </a:r>
-            <a:endParaRPr kumimoji="1" lang="en-US" altLang="ja-JP" dirty="0">
+            <a:endParaRPr kumimoji="1" lang="en-US" altLang="ja-JP">
               <a:latin typeface="Meiryo UI" panose="020B0604030504040204" pitchFamily="50" charset="-128"/>
               <a:ea typeface="Meiryo UI" panose="020B0604030504040204" pitchFamily="50" charset="-128"/>
             </a:endParaRPr>
           </a:p>
           <a:p>
             <a:r>
-              <a:rPr kumimoji="1" lang="ja-JP" altLang="en-US" dirty="0">
+              <a:rPr kumimoji="1" lang="ja-JP" altLang="en-US">
                 <a:latin typeface="Meiryo UI" panose="020B0604030504040204" pitchFamily="50" charset="-128"/>
                 <a:ea typeface="Meiryo UI" panose="020B0604030504040204" pitchFamily="50" charset="-128"/>
               </a:rPr>
               <a:t>レベル２以降</a:t>
             </a:r>
-            <a:endParaRPr kumimoji="1" lang="en-US" altLang="ja-JP" dirty="0">
+            <a:endParaRPr kumimoji="1" lang="en-US" altLang="ja-JP">
               <a:latin typeface="Meiryo UI" panose="020B0604030504040204" pitchFamily="50" charset="-128"/>
               <a:ea typeface="Meiryo UI" panose="020B0604030504040204" pitchFamily="50" charset="-128"/>
             </a:endParaRPr>
@@ -10301,7 +10293,7 @@
           <a:p>
             <a:pPr lvl="1"/>
             <a:r>
-              <a:rPr kumimoji="1" lang="ja-JP" altLang="en-US" dirty="0">
+              <a:rPr kumimoji="1" lang="ja-JP" altLang="en-US">
                 <a:solidFill>
                   <a:srgbClr val="00B050"/>
                 </a:solidFill>
@@ -10310,7 +10302,7 @@
               </a:rPr>
               <a:t>ガイドブック内容解説（虎の巻）</a:t>
             </a:r>
-            <a:endParaRPr kumimoji="1" lang="en-US" altLang="ja-JP" dirty="0">
+            <a:endParaRPr kumimoji="1" lang="en-US" altLang="ja-JP">
               <a:solidFill>
                 <a:srgbClr val="00B050"/>
               </a:solidFill>
@@ -10321,7 +10313,7 @@
           <a:p>
             <a:pPr lvl="2"/>
             <a:r>
-              <a:rPr kumimoji="1" lang="ja-JP" altLang="en-US" dirty="0">
+              <a:rPr kumimoji="1" lang="ja-JP" altLang="en-US">
                 <a:latin typeface="Meiryo UI" panose="020B0604030504040204" pitchFamily="50" charset="-128"/>
                 <a:ea typeface="Meiryo UI" panose="020B0604030504040204" pitchFamily="50" charset="-128"/>
               </a:rPr>
@@ -10331,7 +10323,7 @@
           <a:p>
             <a:pPr lvl="2"/>
             <a:r>
-              <a:rPr kumimoji="1" lang="ja-JP" altLang="en-US" dirty="0">
+              <a:rPr kumimoji="1" lang="ja-JP" altLang="en-US">
                 <a:latin typeface="Meiryo UI" panose="020B0604030504040204" pitchFamily="50" charset="-128"/>
                 <a:ea typeface="Meiryo UI" panose="020B0604030504040204" pitchFamily="50" charset="-128"/>
               </a:rPr>
@@ -10341,7 +10333,7 @@
           <a:p>
             <a:pPr lvl="2"/>
             <a:r>
-              <a:rPr kumimoji="1" lang="ja-JP" altLang="en-US" dirty="0">
+              <a:rPr kumimoji="1" lang="ja-JP" altLang="en-US">
                 <a:latin typeface="Meiryo UI" panose="020B0604030504040204" pitchFamily="50" charset="-128"/>
                 <a:ea typeface="Meiryo UI" panose="020B0604030504040204" pitchFamily="50" charset="-128"/>
               </a:rPr>
@@ -10351,7 +10343,7 @@
           <a:p>
             <a:pPr lvl="1"/>
             <a:r>
-              <a:rPr kumimoji="1" lang="ja-JP" altLang="en-US" dirty="0">
+              <a:rPr kumimoji="1" lang="ja-JP" altLang="en-US">
                 <a:solidFill>
                   <a:srgbClr val="00B050"/>
                 </a:solidFill>
@@ -10360,7 +10352,7 @@
               </a:rPr>
               <a:t>国等の施策・計画文書・白書・解説書</a:t>
             </a:r>
-            <a:endParaRPr kumimoji="1" lang="en-US" altLang="ja-JP" dirty="0">
+            <a:endParaRPr kumimoji="1" lang="en-US" altLang="ja-JP">
               <a:solidFill>
                 <a:srgbClr val="00B050"/>
               </a:solidFill>
@@ -10371,7 +10363,7 @@
           <a:p>
             <a:pPr lvl="2"/>
             <a:r>
-              <a:rPr kumimoji="1" lang="ja-JP" altLang="en-US" dirty="0">
+              <a:rPr kumimoji="1" lang="ja-JP" altLang="en-US">
                 <a:latin typeface="Meiryo UI" panose="020B0604030504040204" pitchFamily="50" charset="-128"/>
                 <a:ea typeface="Meiryo UI" panose="020B0604030504040204" pitchFamily="50" charset="-128"/>
               </a:rPr>
@@ -10381,7 +10373,7 @@
           <a:p>
             <a:pPr lvl="2"/>
             <a:r>
-              <a:rPr kumimoji="1" lang="ja-JP" altLang="en-US" dirty="0">
+              <a:rPr kumimoji="1" lang="ja-JP" altLang="en-US">
                 <a:latin typeface="Meiryo UI" panose="020B0604030504040204" pitchFamily="50" charset="-128"/>
                 <a:ea typeface="Meiryo UI" panose="020B0604030504040204" pitchFamily="50" charset="-128"/>
               </a:rPr>
@@ -10391,7 +10383,7 @@
           <a:p>
             <a:pPr lvl="2"/>
             <a:r>
-              <a:rPr kumimoji="1" lang="ja-JP" altLang="en-US" dirty="0">
+              <a:rPr kumimoji="1" lang="ja-JP" altLang="en-US">
                 <a:latin typeface="Meiryo UI" panose="020B0604030504040204" pitchFamily="50" charset="-128"/>
                 <a:ea typeface="Meiryo UI" panose="020B0604030504040204" pitchFamily="50" charset="-128"/>
               </a:rPr>
@@ -10401,14 +10393,14 @@
           <a:p>
             <a:pPr lvl="2"/>
             <a:r>
-              <a:rPr kumimoji="1" lang="en-US" altLang="ja-JP" dirty="0">
+              <a:rPr kumimoji="1" lang="en-US" altLang="ja-JP">
                 <a:latin typeface="Meiryo UI" panose="020B0604030504040204" pitchFamily="50" charset="-128"/>
                 <a:ea typeface="Meiryo UI" panose="020B0604030504040204" pitchFamily="50" charset="-128"/>
               </a:rPr>
               <a:t>NIST</a:t>
             </a:r>
             <a:r>
-              <a:rPr kumimoji="1" lang="ja-JP" altLang="en-US" dirty="0">
+              <a:rPr kumimoji="1" lang="ja-JP" altLang="en-US">
                 <a:latin typeface="Meiryo UI" panose="020B0604030504040204" pitchFamily="50" charset="-128"/>
                 <a:ea typeface="Meiryo UI" panose="020B0604030504040204" pitchFamily="50" charset="-128"/>
               </a:rPr>
@@ -10417,27 +10409,27 @@
           </a:p>
           <a:p>
             <a:pPr lvl="2"/>
-            <a:endParaRPr kumimoji="1" lang="en-US" altLang="ja-JP" dirty="0">
+            <a:endParaRPr kumimoji="1" lang="en-US" altLang="ja-JP">
               <a:latin typeface="Meiryo UI" panose="020B0604030504040204" pitchFamily="50" charset="-128"/>
               <a:ea typeface="Meiryo UI" panose="020B0604030504040204" pitchFamily="50" charset="-128"/>
             </a:endParaRPr>
           </a:p>
           <a:p>
             <a:pPr lvl="2"/>
-            <a:endParaRPr kumimoji="1" lang="en-US" altLang="ja-JP" dirty="0">
+            <a:endParaRPr kumimoji="1" lang="en-US" altLang="ja-JP">
               <a:latin typeface="Meiryo UI" panose="020B0604030504040204" pitchFamily="50" charset="-128"/>
               <a:ea typeface="Meiryo UI" panose="020B0604030504040204" pitchFamily="50" charset="-128"/>
             </a:endParaRPr>
           </a:p>
           <a:p>
             <a:pPr lvl="2"/>
-            <a:endParaRPr kumimoji="1" lang="en-US" altLang="ja-JP" dirty="0">
+            <a:endParaRPr kumimoji="1" lang="en-US" altLang="ja-JP">
               <a:latin typeface="Meiryo UI" panose="020B0604030504040204" pitchFamily="50" charset="-128"/>
               <a:ea typeface="Meiryo UI" panose="020B0604030504040204" pitchFamily="50" charset="-128"/>
             </a:endParaRPr>
           </a:p>
           <a:p>
-            <a:endParaRPr kumimoji="1" lang="ja-JP" altLang="en-US" dirty="0">
+            <a:endParaRPr kumimoji="1" lang="ja-JP" altLang="en-US">
               <a:latin typeface="Meiryo UI" panose="020B0604030504040204" pitchFamily="50" charset="-128"/>
               <a:ea typeface="Meiryo UI" panose="020B0604030504040204" pitchFamily="50" charset="-128"/>
             </a:endParaRPr>
@@ -10473,27 +10465,27 @@
           <a:lstStyle/>
           <a:p>
             <a:r>
-              <a:rPr kumimoji="1" lang="ja-JP" altLang="en-US" dirty="0">
+              <a:rPr kumimoji="1" lang="ja-JP" altLang="en-US">
                 <a:latin typeface="Meiryo UI" panose="020B0604030504040204" pitchFamily="50" charset="-128"/>
                 <a:ea typeface="Meiryo UI" panose="020B0604030504040204" pitchFamily="50" charset="-128"/>
               </a:rPr>
               <a:t>レベル</a:t>
             </a:r>
             <a:r>
-              <a:rPr kumimoji="1" lang="en-US" altLang="ja-JP" dirty="0">
+              <a:rPr kumimoji="1" lang="en-US" altLang="ja-JP">
                 <a:latin typeface="Meiryo UI" panose="020B0604030504040204" pitchFamily="50" charset="-128"/>
                 <a:ea typeface="Meiryo UI" panose="020B0604030504040204" pitchFamily="50" charset="-128"/>
               </a:rPr>
               <a:t>2</a:t>
             </a:r>
             <a:r>
-              <a:rPr kumimoji="1" lang="ja-JP" altLang="en-US" dirty="0">
+              <a:rPr kumimoji="1" lang="ja-JP" altLang="en-US">
                 <a:latin typeface="Meiryo UI" panose="020B0604030504040204" pitchFamily="50" charset="-128"/>
                 <a:ea typeface="Meiryo UI" panose="020B0604030504040204" pitchFamily="50" charset="-128"/>
               </a:rPr>
               <a:t>以降（続き）</a:t>
             </a:r>
-            <a:endParaRPr kumimoji="1" lang="en-US" altLang="ja-JP" dirty="0">
+            <a:endParaRPr kumimoji="1" lang="en-US" altLang="ja-JP">
               <a:latin typeface="Meiryo UI" panose="020B0604030504040204" pitchFamily="50" charset="-128"/>
               <a:ea typeface="Meiryo UI" panose="020B0604030504040204" pitchFamily="50" charset="-128"/>
             </a:endParaRPr>
@@ -10501,7 +10493,7 @@
           <a:p>
             <a:pPr lvl="1"/>
             <a:r>
-              <a:rPr kumimoji="1" lang="ja-JP" altLang="en-US" dirty="0">
+              <a:rPr kumimoji="1" lang="ja-JP" altLang="en-US">
                 <a:solidFill>
                   <a:srgbClr val="00B050"/>
                 </a:solidFill>
@@ -10511,7 +10503,7 @@
               <a:t>参考情報</a:t>
             </a:r>
             <a:r>
-              <a:rPr kumimoji="1" lang="en-US" altLang="ja-JP" dirty="0">
+              <a:rPr kumimoji="1" lang="en-US" altLang="ja-JP">
                 <a:solidFill>
                   <a:srgbClr val="00B050"/>
                 </a:solidFill>
@@ -10521,7 +10513,7 @@
               <a:t>【</a:t>
             </a:r>
             <a:r>
-              <a:rPr kumimoji="1" lang="ja-JP" altLang="en-US" dirty="0">
+              <a:rPr kumimoji="1" lang="ja-JP" altLang="en-US">
                 <a:solidFill>
                   <a:srgbClr val="00B050"/>
                 </a:solidFill>
@@ -10531,7 +10523,7 @@
               <a:t>経営者、管理者向け</a:t>
             </a:r>
             <a:r>
-              <a:rPr kumimoji="1" lang="en-US" altLang="ja-JP" dirty="0">
+              <a:rPr kumimoji="1" lang="en-US" altLang="ja-JP">
                 <a:solidFill>
                   <a:srgbClr val="00B050"/>
                 </a:solidFill>
@@ -10544,7 +10536,7 @@
           <a:p>
             <a:pPr lvl="2"/>
             <a:r>
-              <a:rPr kumimoji="1" lang="ja-JP" altLang="en-US" dirty="0">
+              <a:rPr kumimoji="1" lang="ja-JP" altLang="en-US">
                 <a:latin typeface="Meiryo UI" panose="020B0604030504040204" pitchFamily="50" charset="-128"/>
                 <a:ea typeface="Meiryo UI" panose="020B0604030504040204" pitchFamily="50" charset="-128"/>
               </a:rPr>
@@ -10554,14 +10546,14 @@
           <a:p>
             <a:pPr lvl="2"/>
             <a:r>
-              <a:rPr kumimoji="1" lang="en-US" altLang="ja-JP" dirty="0">
+              <a:rPr kumimoji="1" lang="en-US" altLang="ja-JP">
                 <a:latin typeface="Meiryo UI" panose="020B0604030504040204" pitchFamily="50" charset="-128"/>
                 <a:ea typeface="Meiryo UI" panose="020B0604030504040204" pitchFamily="50" charset="-128"/>
               </a:rPr>
               <a:t>DX</a:t>
             </a:r>
             <a:r>
-              <a:rPr kumimoji="1" lang="ja-JP" altLang="en-US" dirty="0">
+              <a:rPr kumimoji="1" lang="ja-JP" altLang="en-US">
                 <a:latin typeface="Meiryo UI" panose="020B0604030504040204" pitchFamily="50" charset="-128"/>
                 <a:ea typeface="Meiryo UI" panose="020B0604030504040204" pitchFamily="50" charset="-128"/>
               </a:rPr>
@@ -10571,7 +10563,7 @@
           <a:p>
             <a:pPr lvl="2"/>
             <a:r>
-              <a:rPr kumimoji="1" lang="ja-JP" altLang="en-US" dirty="0">
+              <a:rPr kumimoji="1" lang="ja-JP" altLang="en-US">
                 <a:latin typeface="Meiryo UI" panose="020B0604030504040204" pitchFamily="50" charset="-128"/>
                 <a:ea typeface="Meiryo UI" panose="020B0604030504040204" pitchFamily="50" charset="-128"/>
               </a:rPr>
@@ -10581,14 +10573,14 @@
           <a:p>
             <a:pPr lvl="2"/>
             <a:r>
-              <a:rPr kumimoji="1" lang="en-US" altLang="ja-JP" dirty="0">
+              <a:rPr kumimoji="1" lang="en-US" altLang="ja-JP">
                 <a:latin typeface="Meiryo UI" panose="020B0604030504040204" pitchFamily="50" charset="-128"/>
                 <a:ea typeface="Meiryo UI" panose="020B0604030504040204" pitchFamily="50" charset="-128"/>
               </a:rPr>
               <a:t>AI</a:t>
             </a:r>
             <a:r>
-              <a:rPr kumimoji="1" lang="ja-JP" altLang="en-US" dirty="0">
+              <a:rPr kumimoji="1" lang="ja-JP" altLang="en-US">
                 <a:latin typeface="Meiryo UI" panose="020B0604030504040204" pitchFamily="50" charset="-128"/>
                 <a:ea typeface="Meiryo UI" panose="020B0604030504040204" pitchFamily="50" charset="-128"/>
               </a:rPr>
@@ -10598,14 +10590,14 @@
           <a:p>
             <a:pPr lvl="2"/>
             <a:r>
-              <a:rPr kumimoji="1" lang="en-US" altLang="ja-JP" dirty="0">
+              <a:rPr kumimoji="1" lang="en-US" altLang="ja-JP">
                 <a:latin typeface="Meiryo UI" panose="020B0604030504040204" pitchFamily="50" charset="-128"/>
                 <a:ea typeface="Meiryo UI" panose="020B0604030504040204" pitchFamily="50" charset="-128"/>
               </a:rPr>
               <a:t>IoT</a:t>
             </a:r>
             <a:r>
-              <a:rPr kumimoji="1" lang="ja-JP" altLang="en-US" dirty="0">
+              <a:rPr kumimoji="1" lang="ja-JP" altLang="en-US">
                 <a:latin typeface="Meiryo UI" panose="020B0604030504040204" pitchFamily="50" charset="-128"/>
                 <a:ea typeface="Meiryo UI" panose="020B0604030504040204" pitchFamily="50" charset="-128"/>
               </a:rPr>
@@ -10615,14 +10607,14 @@
           <a:p>
             <a:pPr lvl="2"/>
             <a:r>
-              <a:rPr kumimoji="1" lang="en-US" altLang="ja-JP" dirty="0">
+              <a:rPr kumimoji="1" lang="en-US" altLang="ja-JP">
                 <a:latin typeface="Meiryo UI" panose="020B0604030504040204" pitchFamily="50" charset="-128"/>
                 <a:ea typeface="Meiryo UI" panose="020B0604030504040204" pitchFamily="50" charset="-128"/>
               </a:rPr>
               <a:t>IT-BCP</a:t>
             </a:r>
             <a:r>
-              <a:rPr kumimoji="1" lang="ja-JP" altLang="en-US" dirty="0">
+              <a:rPr kumimoji="1" lang="ja-JP" altLang="en-US">
                 <a:latin typeface="Meiryo UI" panose="020B0604030504040204" pitchFamily="50" charset="-128"/>
                 <a:ea typeface="Meiryo UI" panose="020B0604030504040204" pitchFamily="50" charset="-128"/>
               </a:rPr>
@@ -10632,7 +10624,7 @@
           <a:p>
             <a:pPr lvl="2"/>
             <a:r>
-              <a:rPr kumimoji="1" lang="ja-JP" altLang="en-US" dirty="0">
+              <a:rPr kumimoji="1" lang="ja-JP" altLang="en-US">
                 <a:latin typeface="Meiryo UI" panose="020B0604030504040204" pitchFamily="50" charset="-128"/>
                 <a:ea typeface="Meiryo UI" panose="020B0604030504040204" pitchFamily="50" charset="-128"/>
               </a:rPr>
@@ -10642,7 +10634,7 @@
           <a:p>
             <a:pPr lvl="2"/>
             <a:r>
-              <a:rPr kumimoji="1" lang="ja-JP" altLang="en-US" dirty="0">
+              <a:rPr kumimoji="1" lang="ja-JP" altLang="en-US">
                 <a:latin typeface="Meiryo UI" panose="020B0604030504040204" pitchFamily="50" charset="-128"/>
                 <a:ea typeface="Meiryo UI" panose="020B0604030504040204" pitchFamily="50" charset="-128"/>
               </a:rPr>
@@ -10652,7 +10644,7 @@
           <a:p>
             <a:pPr lvl="2"/>
             <a:r>
-              <a:rPr kumimoji="1" lang="ja-JP" altLang="en-US" dirty="0">
+              <a:rPr kumimoji="1" lang="ja-JP" altLang="en-US">
                 <a:latin typeface="Meiryo UI" panose="020B0604030504040204" pitchFamily="50" charset="-128"/>
                 <a:ea typeface="Meiryo UI" panose="020B0604030504040204" pitchFamily="50" charset="-128"/>
               </a:rPr>
@@ -10662,7 +10654,7 @@
           <a:p>
             <a:pPr lvl="2"/>
             <a:r>
-              <a:rPr kumimoji="1" lang="ja-JP" altLang="en-US" dirty="0">
+              <a:rPr kumimoji="1" lang="ja-JP" altLang="en-US">
                 <a:latin typeface="Meiryo UI" panose="020B0604030504040204" pitchFamily="50" charset="-128"/>
                 <a:ea typeface="Meiryo UI" panose="020B0604030504040204" pitchFamily="50" charset="-128"/>
               </a:rPr>
@@ -10672,7 +10664,7 @@
           <a:p>
             <a:pPr lvl="2"/>
             <a:r>
-              <a:rPr kumimoji="1" lang="ja-JP" altLang="en-US" dirty="0">
+              <a:rPr kumimoji="1" lang="ja-JP" altLang="en-US">
                 <a:latin typeface="Meiryo UI" panose="020B0604030504040204" pitchFamily="50" charset="-128"/>
                 <a:ea typeface="Meiryo UI" panose="020B0604030504040204" pitchFamily="50" charset="-128"/>
               </a:rPr>
@@ -10682,13 +10674,13 @@
           <a:p>
             <a:pPr lvl="2"/>
             <a:r>
-              <a:rPr kumimoji="1" lang="ja-JP" altLang="en-US" dirty="0">
+              <a:rPr kumimoji="1" lang="ja-JP" altLang="en-US">
                 <a:latin typeface="Meiryo UI" panose="020B0604030504040204" pitchFamily="50" charset="-128"/>
                 <a:ea typeface="Meiryo UI" panose="020B0604030504040204" pitchFamily="50" charset="-128"/>
               </a:rPr>
               <a:t>・・・</a:t>
             </a:r>
-            <a:endParaRPr kumimoji="1" lang="en-US" altLang="ja-JP" dirty="0">
+            <a:endParaRPr kumimoji="1" lang="en-US" altLang="ja-JP">
               <a:latin typeface="Meiryo UI" panose="020B0604030504040204" pitchFamily="50" charset="-128"/>
               <a:ea typeface="Meiryo UI" panose="020B0604030504040204" pitchFamily="50" charset="-128"/>
             </a:endParaRPr>
@@ -10696,7 +10688,7 @@
           <a:p>
             <a:pPr lvl="1"/>
             <a:r>
-              <a:rPr kumimoji="1" lang="ja-JP" altLang="en-US" dirty="0">
+              <a:rPr kumimoji="1" lang="ja-JP" altLang="en-US">
                 <a:solidFill>
                   <a:srgbClr val="00B050"/>
                 </a:solidFill>
@@ -10706,7 +10698,7 @@
               <a:t>参考情報</a:t>
             </a:r>
             <a:r>
-              <a:rPr kumimoji="1" lang="en-US" altLang="ja-JP" dirty="0">
+              <a:rPr kumimoji="1" lang="en-US" altLang="ja-JP">
                 <a:solidFill>
                   <a:srgbClr val="00B050"/>
                 </a:solidFill>
@@ -10716,7 +10708,7 @@
               <a:t>【</a:t>
             </a:r>
             <a:r>
-              <a:rPr kumimoji="1" lang="ja-JP" altLang="en-US" dirty="0">
+              <a:rPr kumimoji="1" lang="ja-JP" altLang="en-US">
                 <a:solidFill>
                   <a:srgbClr val="00B050"/>
                 </a:solidFill>
@@ -10726,7 +10718,7 @@
               <a:t>一般ユーザ向け</a:t>
             </a:r>
             <a:r>
-              <a:rPr kumimoji="1" lang="en-US" altLang="ja-JP" dirty="0">
+              <a:rPr kumimoji="1" lang="en-US" altLang="ja-JP">
                 <a:solidFill>
                   <a:srgbClr val="00B050"/>
                 </a:solidFill>
@@ -10739,7 +10731,7 @@
           <a:p>
             <a:pPr lvl="2"/>
             <a:r>
-              <a:rPr kumimoji="1" lang="ja-JP" altLang="en-US" dirty="0">
+              <a:rPr kumimoji="1" lang="ja-JP" altLang="en-US">
                 <a:latin typeface="Meiryo UI" panose="020B0604030504040204" pitchFamily="50" charset="-128"/>
                 <a:ea typeface="Meiryo UI" panose="020B0604030504040204" pitchFamily="50" charset="-128"/>
               </a:rPr>
@@ -10749,14 +10741,14 @@
           <a:p>
             <a:pPr lvl="2"/>
             <a:r>
-              <a:rPr kumimoji="1" lang="en-US" altLang="ja-JP" dirty="0">
+              <a:rPr kumimoji="1" lang="en-US" altLang="ja-JP">
                 <a:latin typeface="Meiryo UI" panose="020B0604030504040204" pitchFamily="50" charset="-128"/>
                 <a:ea typeface="Meiryo UI" panose="020B0604030504040204" pitchFamily="50" charset="-128"/>
               </a:rPr>
               <a:t>EC</a:t>
             </a:r>
             <a:r>
-              <a:rPr kumimoji="1" lang="ja-JP" altLang="en-US" dirty="0">
+              <a:rPr kumimoji="1" lang="ja-JP" altLang="en-US">
                 <a:latin typeface="Meiryo UI" panose="020B0604030504040204" pitchFamily="50" charset="-128"/>
                 <a:ea typeface="Meiryo UI" panose="020B0604030504040204" pitchFamily="50" charset="-128"/>
               </a:rPr>
@@ -10766,7 +10758,7 @@
           <a:p>
             <a:pPr lvl="2"/>
             <a:r>
-              <a:rPr kumimoji="1" lang="ja-JP" altLang="en-US" dirty="0">
+              <a:rPr kumimoji="1" lang="ja-JP" altLang="en-US">
                 <a:latin typeface="Meiryo UI" panose="020B0604030504040204" pitchFamily="50" charset="-128"/>
                 <a:ea typeface="Meiryo UI" panose="020B0604030504040204" pitchFamily="50" charset="-128"/>
               </a:rPr>
@@ -10776,7 +10768,7 @@
           <a:p>
             <a:pPr lvl="2"/>
             <a:r>
-              <a:rPr kumimoji="1" lang="en-US" altLang="ja-JP" dirty="0">
+              <a:rPr kumimoji="1" lang="en-US" altLang="ja-JP">
                 <a:latin typeface="Meiryo UI" panose="020B0604030504040204" pitchFamily="50" charset="-128"/>
                 <a:ea typeface="Meiryo UI" panose="020B0604030504040204" pitchFamily="50" charset="-128"/>
               </a:rPr>
@@ -10786,19 +10778,19 @@
           <a:p>
             <a:pPr lvl="2"/>
             <a:r>
-              <a:rPr lang="ja-JP" altLang="en-US" dirty="0">
+              <a:rPr lang="ja-JP" altLang="en-US">
                 <a:latin typeface="Meiryo UI" panose="020B0604030504040204" pitchFamily="50" charset="-128"/>
                 <a:ea typeface="Meiryo UI" panose="020B0604030504040204" pitchFamily="50" charset="-128"/>
               </a:rPr>
               <a:t>・・・</a:t>
             </a:r>
-            <a:endParaRPr kumimoji="1" lang="en-US" altLang="ja-JP" dirty="0">
+            <a:endParaRPr kumimoji="1" lang="en-US" altLang="ja-JP">
               <a:latin typeface="Meiryo UI" panose="020B0604030504040204" pitchFamily="50" charset="-128"/>
               <a:ea typeface="Meiryo UI" panose="020B0604030504040204" pitchFamily="50" charset="-128"/>
             </a:endParaRPr>
           </a:p>
           <a:p>
-            <a:endParaRPr lang="ja-JP" altLang="en-US" dirty="0">
+            <a:endParaRPr lang="ja-JP" altLang="en-US">
               <a:latin typeface="Meiryo UI" panose="020B0604030504040204" pitchFamily="50" charset="-128"/>
               <a:ea typeface="Meiryo UI" panose="020B0604030504040204" pitchFamily="50" charset="-128"/>
             </a:endParaRPr>

--- a/Cyber/TCYSSでの情報収集・蓄積と発信.pptx
+++ b/Cyber/TCYSSでの情報収集・蓄積と発信.pptx
@@ -143,7 +143,7 @@
 <file path=ppt/revisionInfo.xml><?xml version="1.0" encoding="utf-8"?>
 <p1510:revInfo xmlns:a="http://schemas.openxmlformats.org/drawingml/2006/main" xmlns:r="http://schemas.openxmlformats.org/officeDocument/2006/relationships" xmlns:p1510="http://schemas.microsoft.com/office/powerpoint/2015/10/main">
   <p1510:revLst>
-    <p1510:client id="{90B7DD84-4022-4338-B19A-53386414BF58}" v="7" dt="2022-04-12T04:28:12.391"/>
+    <p1510:client id="{90B7DD84-4022-4338-B19A-53386414BF58}" v="8" dt="2022-04-14T00:11:56.123"/>
   </p1510:revLst>
 </p1510:revInfo>
 </file>
@@ -270,12 +270,12 @@
   <pc:docChgLst>
     <pc:chgData name="正樹 中山" userId="7eabd57b-b900-4e86-8622-e94bcfa04d00" providerId="ADAL" clId="{90B7DD84-4022-4338-B19A-53386414BF58}"/>
     <pc:docChg chg="undo custSel modSld">
-      <pc:chgData name="正樹 中山" userId="7eabd57b-b900-4e86-8622-e94bcfa04d00" providerId="ADAL" clId="{90B7DD84-4022-4338-B19A-53386414BF58}" dt="2022-04-12T04:56:57.251" v="379" actId="14100"/>
+      <pc:chgData name="正樹 中山" userId="7eabd57b-b900-4e86-8622-e94bcfa04d00" providerId="ADAL" clId="{90B7DD84-4022-4338-B19A-53386414BF58}" dt="2022-04-14T00:16:10.608" v="463" actId="207"/>
       <pc:docMkLst>
         <pc:docMk/>
       </pc:docMkLst>
       <pc:sldChg chg="addSp delSp modSp mod">
-        <pc:chgData name="正樹 中山" userId="7eabd57b-b900-4e86-8622-e94bcfa04d00" providerId="ADAL" clId="{90B7DD84-4022-4338-B19A-53386414BF58}" dt="2022-04-12T04:56:57.251" v="379" actId="14100"/>
+        <pc:chgData name="正樹 中山" userId="7eabd57b-b900-4e86-8622-e94bcfa04d00" providerId="ADAL" clId="{90B7DD84-4022-4338-B19A-53386414BF58}" dt="2022-04-14T00:16:10.608" v="463" actId="207"/>
         <pc:sldMkLst>
           <pc:docMk/>
           <pc:sldMk cId="3444483772" sldId="701"/>
@@ -352,6 +352,14 @@
             <ac:spMk id="56" creationId="{00000000-0000-0000-0000-000000000000}"/>
           </ac:spMkLst>
         </pc:spChg>
+        <pc:spChg chg="add mod">
+          <ac:chgData name="正樹 中山" userId="7eabd57b-b900-4e86-8622-e94bcfa04d00" providerId="ADAL" clId="{90B7DD84-4022-4338-B19A-53386414BF58}" dt="2022-04-14T00:12:25.745" v="435" actId="14100"/>
+          <ac:spMkLst>
+            <pc:docMk/>
+            <pc:sldMk cId="3444483772" sldId="701"/>
+            <ac:spMk id="58" creationId="{3976B883-180C-4424-99BC-76759C398EAB}"/>
+          </ac:spMkLst>
+        </pc:spChg>
         <pc:spChg chg="del">
           <ac:chgData name="正樹 中山" userId="7eabd57b-b900-4e86-8622-e94bcfa04d00" providerId="ADAL" clId="{90B7DD84-4022-4338-B19A-53386414BF58}" dt="2022-04-12T04:25:48.586" v="251" actId="478"/>
           <ac:spMkLst>
@@ -361,7 +369,7 @@
           </ac:spMkLst>
         </pc:spChg>
         <pc:spChg chg="mod">
-          <ac:chgData name="正樹 中山" userId="7eabd57b-b900-4e86-8622-e94bcfa04d00" providerId="ADAL" clId="{90B7DD84-4022-4338-B19A-53386414BF58}" dt="2022-04-12T04:55:30.313" v="376" actId="207"/>
+          <ac:chgData name="正樹 中山" userId="7eabd57b-b900-4e86-8622-e94bcfa04d00" providerId="ADAL" clId="{90B7DD84-4022-4338-B19A-53386414BF58}" dt="2022-04-14T00:13:48.929" v="443" actId="207"/>
           <ac:spMkLst>
             <pc:docMk/>
             <pc:sldMk cId="3444483772" sldId="701"/>
@@ -377,7 +385,7 @@
           </ac:spMkLst>
         </pc:spChg>
         <pc:spChg chg="mod">
-          <ac:chgData name="正樹 中山" userId="7eabd57b-b900-4e86-8622-e94bcfa04d00" providerId="ADAL" clId="{90B7DD84-4022-4338-B19A-53386414BF58}" dt="2022-04-12T04:54:49.366" v="372" actId="207"/>
+          <ac:chgData name="正樹 中山" userId="7eabd57b-b900-4e86-8622-e94bcfa04d00" providerId="ADAL" clId="{90B7DD84-4022-4338-B19A-53386414BF58}" dt="2022-04-14T00:06:50.915" v="380" actId="207"/>
           <ac:spMkLst>
             <pc:docMk/>
             <pc:sldMk cId="3444483772" sldId="701"/>
@@ -409,7 +417,7 @@
           </ac:spMkLst>
         </pc:spChg>
         <pc:spChg chg="mod">
-          <ac:chgData name="正樹 中山" userId="7eabd57b-b900-4e86-8622-e94bcfa04d00" providerId="ADAL" clId="{90B7DD84-4022-4338-B19A-53386414BF58}" dt="2022-04-12T04:22:45.387" v="186" actId="1038"/>
+          <ac:chgData name="正樹 中山" userId="7eabd57b-b900-4e86-8622-e94bcfa04d00" providerId="ADAL" clId="{90B7DD84-4022-4338-B19A-53386414BF58}" dt="2022-04-14T00:13:07.462" v="437" actId="1076"/>
           <ac:spMkLst>
             <pc:docMk/>
             <pc:sldMk cId="3444483772" sldId="701"/>
@@ -441,7 +449,7 @@
           </ac:spMkLst>
         </pc:spChg>
         <pc:spChg chg="mod">
-          <ac:chgData name="正樹 中山" userId="7eabd57b-b900-4e86-8622-e94bcfa04d00" providerId="ADAL" clId="{90B7DD84-4022-4338-B19A-53386414BF58}" dt="2022-04-12T04:56:47" v="378" actId="207"/>
+          <ac:chgData name="正樹 中山" userId="7eabd57b-b900-4e86-8622-e94bcfa04d00" providerId="ADAL" clId="{90B7DD84-4022-4338-B19A-53386414BF58}" dt="2022-04-14T00:13:56.026" v="444" actId="207"/>
           <ac:spMkLst>
             <pc:docMk/>
             <pc:sldMk cId="3444483772" sldId="701"/>
@@ -481,7 +489,7 @@
           </ac:spMkLst>
         </pc:spChg>
         <pc:spChg chg="mod">
-          <ac:chgData name="正樹 中山" userId="7eabd57b-b900-4e86-8622-e94bcfa04d00" providerId="ADAL" clId="{90B7DD84-4022-4338-B19A-53386414BF58}" dt="2022-04-12T04:24:10.687" v="223" actId="20577"/>
+          <ac:chgData name="正樹 中山" userId="7eabd57b-b900-4e86-8622-e94bcfa04d00" providerId="ADAL" clId="{90B7DD84-4022-4338-B19A-53386414BF58}" dt="2022-04-14T00:16:10.608" v="463" actId="207"/>
           <ac:spMkLst>
             <pc:docMk/>
             <pc:sldMk cId="3444483772" sldId="701"/>
@@ -497,6 +505,14 @@
           </ac:spMkLst>
         </pc:spChg>
         <pc:spChg chg="mod">
+          <ac:chgData name="正樹 中山" userId="7eabd57b-b900-4e86-8622-e94bcfa04d00" providerId="ADAL" clId="{90B7DD84-4022-4338-B19A-53386414BF58}" dt="2022-04-14T00:11:54.008" v="429" actId="1076"/>
+          <ac:spMkLst>
+            <pc:docMk/>
+            <pc:sldMk cId="3444483772" sldId="701"/>
+            <ac:spMk id="95" creationId="{00000000-0000-0000-0000-000000000000}"/>
+          </ac:spMkLst>
+        </pc:spChg>
+        <pc:spChg chg="mod">
           <ac:chgData name="正樹 中山" userId="7eabd57b-b900-4e86-8622-e94bcfa04d00" providerId="ADAL" clId="{90B7DD84-4022-4338-B19A-53386414BF58}" dt="2022-04-12T04:46:40.925" v="339" actId="1076"/>
           <ac:spMkLst>
             <pc:docMk/>
@@ -505,7 +521,7 @@
           </ac:spMkLst>
         </pc:spChg>
         <pc:spChg chg="add mod">
-          <ac:chgData name="正樹 中山" userId="7eabd57b-b900-4e86-8622-e94bcfa04d00" providerId="ADAL" clId="{90B7DD84-4022-4338-B19A-53386414BF58}" dt="2022-04-12T04:56:57.251" v="379" actId="14100"/>
+          <ac:chgData name="正樹 中山" userId="7eabd57b-b900-4e86-8622-e94bcfa04d00" providerId="ADAL" clId="{90B7DD84-4022-4338-B19A-53386414BF58}" dt="2022-04-14T00:14:02.323" v="445" actId="207"/>
           <ac:spMkLst>
             <pc:docMk/>
             <pc:sldMk cId="3444483772" sldId="701"/>
@@ -537,7 +553,7 @@
           </ac:spMkLst>
         </pc:spChg>
         <pc:spChg chg="add mod">
-          <ac:chgData name="正樹 中山" userId="7eabd57b-b900-4e86-8622-e94bcfa04d00" providerId="ADAL" clId="{90B7DD84-4022-4338-B19A-53386414BF58}" dt="2022-04-12T04:52:12.195" v="358" actId="1076"/>
+          <ac:chgData name="正樹 中山" userId="7eabd57b-b900-4e86-8622-e94bcfa04d00" providerId="ADAL" clId="{90B7DD84-4022-4338-B19A-53386414BF58}" dt="2022-04-14T00:13:24.610" v="440" actId="207"/>
           <ac:spMkLst>
             <pc:docMk/>
             <pc:sldMk cId="3444483772" sldId="701"/>
@@ -569,6 +585,14 @@
           </ac:spMkLst>
         </pc:spChg>
         <pc:spChg chg="mod">
+          <ac:chgData name="正樹 中山" userId="7eabd57b-b900-4e86-8622-e94bcfa04d00" providerId="ADAL" clId="{90B7DD84-4022-4338-B19A-53386414BF58}" dt="2022-04-14T00:07:09.091" v="382" actId="1076"/>
+          <ac:spMkLst>
+            <pc:docMk/>
+            <pc:sldMk cId="3444483772" sldId="701"/>
+            <ac:spMk id="125" creationId="{00000000-0000-0000-0000-000000000000}"/>
+          </ac:spMkLst>
+        </pc:spChg>
+        <pc:spChg chg="mod">
           <ac:chgData name="正樹 中山" userId="7eabd57b-b900-4e86-8622-e94bcfa04d00" providerId="ADAL" clId="{90B7DD84-4022-4338-B19A-53386414BF58}" dt="2022-04-12T04:22:15.673" v="171" actId="1076"/>
           <ac:spMkLst>
             <pc:docMk/>
@@ -593,6 +617,14 @@
           </ac:spMkLst>
         </pc:spChg>
         <pc:spChg chg="mod">
+          <ac:chgData name="正樹 中山" userId="7eabd57b-b900-4e86-8622-e94bcfa04d00" providerId="ADAL" clId="{90B7DD84-4022-4338-B19A-53386414BF58}" dt="2022-04-14T00:16:00.649" v="462" actId="207"/>
+          <ac:spMkLst>
+            <pc:docMk/>
+            <pc:sldMk cId="3444483772" sldId="701"/>
+            <ac:spMk id="134" creationId="{00000000-0000-0000-0000-000000000000}"/>
+          </ac:spMkLst>
+        </pc:spChg>
+        <pc:spChg chg="mod">
           <ac:chgData name="正樹 中山" userId="7eabd57b-b900-4e86-8622-e94bcfa04d00" providerId="ADAL" clId="{90B7DD84-4022-4338-B19A-53386414BF58}" dt="2022-04-12T04:22:18.914" v="172" actId="1076"/>
           <ac:spMkLst>
             <pc:docMk/>
@@ -601,7 +633,7 @@
           </ac:spMkLst>
         </pc:spChg>
         <pc:spChg chg="mod">
-          <ac:chgData name="正樹 中山" userId="7eabd57b-b900-4e86-8622-e94bcfa04d00" providerId="ADAL" clId="{90B7DD84-4022-4338-B19A-53386414BF58}" dt="2022-04-12T04:29:16.857" v="320" actId="14100"/>
+          <ac:chgData name="正樹 中山" userId="7eabd57b-b900-4e86-8622-e94bcfa04d00" providerId="ADAL" clId="{90B7DD84-4022-4338-B19A-53386414BF58}" dt="2022-04-14T00:13:10.320" v="438" actId="1076"/>
           <ac:spMkLst>
             <pc:docMk/>
             <pc:sldMk cId="3444483772" sldId="701"/>
@@ -736,7 +768,7 @@
           <a:p>
             <a:fld id="{B377335C-6462-4247-BEFA-CD97B67177F9}" type="datetimeFigureOut">
               <a:rPr kumimoji="1" lang="ja-JP" altLang="en-US" smtClean="0"/>
-              <a:t>2022/4/11</a:t>
+              <a:t>2022/4/14</a:t>
             </a:fld>
             <a:endParaRPr kumimoji="1" lang="ja-JP" altLang="en-US"/>
           </a:p>
@@ -1179,7 +1211,7 @@
             <a:fld id="{DD2B6372-1A88-4F0C-86B1-FCF70832C42C}" type="datetimeFigureOut">
               <a:rPr lang="ja-JP" altLang="en-US" smtClean="0"/>
               <a:pPr/>
-              <a:t>2022/4/11</a:t>
+              <a:t>2022/4/14</a:t>
             </a:fld>
             <a:endParaRPr lang="ja-JP" altLang="en-US"/>
           </a:p>
@@ -1572,7 +1604,7 @@
             <a:fld id="{DD2B6372-1A88-4F0C-86B1-FCF70832C42C}" type="datetimeFigureOut">
               <a:rPr lang="ja-JP" altLang="en-US" smtClean="0"/>
               <a:pPr/>
-              <a:t>2022/4/11</a:t>
+              <a:t>2022/4/14</a:t>
             </a:fld>
             <a:endParaRPr lang="ja-JP" altLang="en-US"/>
           </a:p>
@@ -1781,7 +1813,7 @@
             <a:fld id="{DD2B6372-1A88-4F0C-86B1-FCF70832C42C}" type="datetimeFigureOut">
               <a:rPr lang="ja-JP" altLang="en-US" smtClean="0"/>
               <a:pPr/>
-              <a:t>2022/4/11</a:t>
+              <a:t>2022/4/14</a:t>
             </a:fld>
             <a:endParaRPr lang="ja-JP" altLang="en-US"/>
           </a:p>
@@ -2018,7 +2050,7 @@
             <a:fld id="{DD2B6372-1A88-4F0C-86B1-FCF70832C42C}" type="datetimeFigureOut">
               <a:rPr lang="ja-JP" altLang="en-US" smtClean="0"/>
               <a:pPr/>
-              <a:t>2022/4/11</a:t>
+              <a:t>2022/4/14</a:t>
             </a:fld>
             <a:endParaRPr lang="ja-JP" altLang="en-US"/>
           </a:p>
@@ -2321,7 +2353,7 @@
             <a:fld id="{DD2B6372-1A88-4F0C-86B1-FCF70832C42C}" type="datetimeFigureOut">
               <a:rPr lang="ja-JP" altLang="en-US" smtClean="0"/>
               <a:pPr/>
-              <a:t>2022/4/11</a:t>
+              <a:t>2022/4/14</a:t>
             </a:fld>
             <a:endParaRPr lang="ja-JP" altLang="en-US"/>
           </a:p>
@@ -2543,7 +2575,7 @@
             <a:fld id="{DD2B6372-1A88-4F0C-86B1-FCF70832C42C}" type="datetimeFigureOut">
               <a:rPr lang="ja-JP" altLang="en-US" smtClean="0"/>
               <a:pPr/>
-              <a:t>2022/4/11</a:t>
+              <a:t>2022/4/14</a:t>
             </a:fld>
             <a:endParaRPr lang="ja-JP" altLang="en-US"/>
           </a:p>
@@ -2961,7 +2993,7 @@
             <a:fld id="{DD2B6372-1A88-4F0C-86B1-FCF70832C42C}" type="datetimeFigureOut">
               <a:rPr lang="ja-JP" altLang="en-US" smtClean="0"/>
               <a:pPr/>
-              <a:t>2022/4/11</a:t>
+              <a:t>2022/4/14</a:t>
             </a:fld>
             <a:endParaRPr lang="ja-JP" altLang="en-US"/>
           </a:p>
@@ -3259,7 +3291,7 @@
             <a:fld id="{DD2B6372-1A88-4F0C-86B1-FCF70832C42C}" type="datetimeFigureOut">
               <a:rPr lang="ja-JP" altLang="en-US" smtClean="0"/>
               <a:pPr/>
-              <a:t>2022/4/11</a:t>
+              <a:t>2022/4/14</a:t>
             </a:fld>
             <a:endParaRPr lang="ja-JP" altLang="en-US"/>
           </a:p>
@@ -3401,7 +3433,7 @@
             <a:fld id="{DD2B6372-1A88-4F0C-86B1-FCF70832C42C}" type="datetimeFigureOut">
               <a:rPr lang="ja-JP" altLang="en-US" smtClean="0"/>
               <a:pPr/>
-              <a:t>2022/4/11</a:t>
+              <a:t>2022/4/14</a:t>
             </a:fld>
             <a:endParaRPr lang="ja-JP" altLang="en-US"/>
           </a:p>
@@ -3680,7 +3712,7 @@
             <a:fld id="{DD2B6372-1A88-4F0C-86B1-FCF70832C42C}" type="datetimeFigureOut">
               <a:rPr lang="ja-JP" altLang="en-US" smtClean="0"/>
               <a:pPr/>
-              <a:t>2022/4/11</a:t>
+              <a:t>2022/4/14</a:t>
             </a:fld>
             <a:endParaRPr lang="ja-JP" altLang="en-US"/>
           </a:p>
@@ -4121,7 +4153,7 @@
             <a:fld id="{DD2B6372-1A88-4F0C-86B1-FCF70832C42C}" type="datetimeFigureOut">
               <a:rPr lang="ja-JP" altLang="en-US" smtClean="0"/>
               <a:pPr/>
-              <a:t>2022/4/11</a:t>
+              <a:t>2022/4/14</a:t>
             </a:fld>
             <a:endParaRPr lang="ja-JP" altLang="en-US"/>
           </a:p>
@@ -4493,7 +4525,7 @@
             <a:fld id="{DD2B6372-1A88-4F0C-86B1-FCF70832C42C}" type="datetimeFigureOut">
               <a:rPr lang="ja-JP" altLang="en-US" smtClean="0"/>
               <a:pPr/>
-              <a:t>2022/4/11</a:t>
+              <a:t>2022/4/14</a:t>
             </a:fld>
             <a:endParaRPr lang="ja-JP" altLang="en-US"/>
           </a:p>
@@ -6026,29 +6058,20 @@
           <a:lstStyle/>
           <a:p>
             <a:r>
-              <a:rPr lang="ja-JP" altLang="en-US" sz="1200" b="1">
-                <a:latin typeface="Meiryo UI" panose="020B0604030504040204" pitchFamily="50" charset="-128"/>
-                <a:ea typeface="Meiryo UI" panose="020B0604030504040204" pitchFamily="50" charset="-128"/>
-                <a:cs typeface="Meiryo UI" panose="020B0604030504040204" pitchFamily="50" charset="-128"/>
-              </a:rPr>
-              <a:t>電話相談</a:t>
-            </a:r>
-            <a:endParaRPr lang="en-US" altLang="ja-JP" sz="1200" b="1">
-              <a:latin typeface="Meiryo UI" panose="020B0604030504040204" pitchFamily="50" charset="-128"/>
-              <a:ea typeface="Meiryo UI" panose="020B0604030504040204" pitchFamily="50" charset="-128"/>
-              <a:cs typeface="Meiryo UI" panose="020B0604030504040204" pitchFamily="50" charset="-128"/>
-            </a:endParaRPr>
-          </a:p>
-          <a:p>
-            <a:r>
-              <a:rPr lang="ja-JP" altLang="en-US" sz="1200" b="1">
-                <a:latin typeface="Meiryo UI" panose="020B0604030504040204" pitchFamily="50" charset="-128"/>
-                <a:ea typeface="Meiryo UI" panose="020B0604030504040204" pitchFamily="50" charset="-128"/>
-                <a:cs typeface="Meiryo UI" panose="020B0604030504040204" pitchFamily="50" charset="-128"/>
-              </a:rPr>
-              <a:t>（東京都）</a:t>
-            </a:r>
-            <a:endParaRPr lang="ja-JP" altLang="ja-JP" sz="1200" b="1">
+              <a:rPr lang="ja-JP" altLang="en-US" sz="1200" b="1" dirty="0">
+                <a:solidFill>
+                  <a:srgbClr val="0070C0"/>
+                </a:solidFill>
+                <a:latin typeface="Meiryo UI" panose="020B0604030504040204" pitchFamily="50" charset="-128"/>
+                <a:ea typeface="Meiryo UI" panose="020B0604030504040204" pitchFamily="50" charset="-128"/>
+                <a:cs typeface="Meiryo UI" panose="020B0604030504040204" pitchFamily="50" charset="-128"/>
+              </a:rPr>
+              <a:t>③電話相談</a:t>
+            </a:r>
+            <a:endParaRPr lang="en-US" altLang="ja-JP" sz="1200" b="1" dirty="0">
+              <a:solidFill>
+                <a:srgbClr val="0070C0"/>
+              </a:solidFill>
               <a:latin typeface="Meiryo UI" panose="020B0604030504040204" pitchFamily="50" charset="-128"/>
               <a:ea typeface="Meiryo UI" panose="020B0604030504040204" pitchFamily="50" charset="-128"/>
               <a:cs typeface="Meiryo UI" panose="020B0604030504040204" pitchFamily="50" charset="-128"/>
@@ -6108,7 +6131,7 @@
         </p:nvSpPr>
         <p:spPr>
           <a:xfrm>
-            <a:off x="2981729" y="6055953"/>
+            <a:off x="3150341" y="6054505"/>
             <a:ext cx="956706" cy="619656"/>
           </a:xfrm>
           <a:prstGeom prst="frame">
@@ -6416,14 +6439,14 @@
           <a:lstStyle/>
           <a:p>
             <a:r>
-              <a:rPr lang="ja-JP" altLang="en-US" sz="1200" b="1">
+              <a:rPr lang="ja-JP" altLang="en-US" sz="1200" b="1" dirty="0">
                 <a:latin typeface="Meiryo UI" panose="020B0604030504040204" pitchFamily="50" charset="-128"/>
                 <a:ea typeface="Meiryo UI" panose="020B0604030504040204" pitchFamily="50" charset="-128"/>
                 <a:cs typeface="Meiryo UI" panose="020B0604030504040204" pitchFamily="50" charset="-128"/>
               </a:rPr>
               <a:t>■事業の位置付け</a:t>
             </a:r>
-            <a:endParaRPr lang="en-US" altLang="ja-JP" sz="1200" b="1">
+            <a:endParaRPr lang="en-US" altLang="ja-JP" sz="1200" b="1" dirty="0">
               <a:latin typeface="Meiryo UI" panose="020B0604030504040204" pitchFamily="50" charset="-128"/>
               <a:ea typeface="Meiryo UI" panose="020B0604030504040204" pitchFamily="50" charset="-128"/>
               <a:cs typeface="Meiryo UI" panose="020B0604030504040204" pitchFamily="50" charset="-128"/>
@@ -6431,14 +6454,14 @@
           </a:p>
           <a:p>
             <a:r>
-              <a:rPr lang="ja-JP" altLang="en-US" sz="1200">
+              <a:rPr lang="ja-JP" altLang="en-US" sz="1200" dirty="0">
                 <a:latin typeface="Meiryo UI" panose="020B0604030504040204" pitchFamily="50" charset="-128"/>
                 <a:ea typeface="Meiryo UI" panose="020B0604030504040204" pitchFamily="50" charset="-128"/>
                 <a:cs typeface="Meiryo UI" panose="020B0604030504040204" pitchFamily="50" charset="-128"/>
               </a:rPr>
               <a:t>①国全体のサイバーセキュリティ対策の実施において、地方公共団体の中核的組織として、一翼を担う。</a:t>
             </a:r>
-            <a:endParaRPr lang="en-US" altLang="ja-JP" sz="1200">
+            <a:endParaRPr lang="en-US" altLang="ja-JP" sz="1200" dirty="0">
               <a:latin typeface="Meiryo UI" panose="020B0604030504040204" pitchFamily="50" charset="-128"/>
               <a:ea typeface="Meiryo UI" panose="020B0604030504040204" pitchFamily="50" charset="-128"/>
               <a:cs typeface="Meiryo UI" panose="020B0604030504040204" pitchFamily="50" charset="-128"/>
@@ -6446,14 +6469,14 @@
           </a:p>
           <a:p>
             <a:r>
-              <a:rPr lang="ja-JP" altLang="en-US" sz="1200">
+              <a:rPr lang="ja-JP" altLang="en-US" sz="1200" dirty="0">
                 <a:latin typeface="Meiryo UI" panose="020B0604030504040204" pitchFamily="50" charset="-128"/>
                 <a:ea typeface="Meiryo UI" panose="020B0604030504040204" pitchFamily="50" charset="-128"/>
                 <a:cs typeface="Meiryo UI" panose="020B0604030504040204" pitchFamily="50" charset="-128"/>
               </a:rPr>
               <a:t>②東京都のトータルな中小企業支援の一環で。</a:t>
             </a:r>
-            <a:endParaRPr lang="en-US" altLang="ja-JP" sz="1200">
+            <a:endParaRPr lang="en-US" altLang="ja-JP" sz="1200" dirty="0">
               <a:latin typeface="Meiryo UI" panose="020B0604030504040204" pitchFamily="50" charset="-128"/>
               <a:ea typeface="Meiryo UI" panose="020B0604030504040204" pitchFamily="50" charset="-128"/>
               <a:cs typeface="Meiryo UI" panose="020B0604030504040204" pitchFamily="50" charset="-128"/>
@@ -6461,14 +6484,14 @@
           </a:p>
           <a:p>
             <a:r>
-              <a:rPr lang="ja-JP" altLang="en-US" sz="1200" b="1">
+              <a:rPr lang="ja-JP" altLang="en-US" sz="1200" b="1" dirty="0">
                 <a:latin typeface="Meiryo UI" panose="020B0604030504040204" pitchFamily="50" charset="-128"/>
                 <a:ea typeface="Meiryo UI" panose="020B0604030504040204" pitchFamily="50" charset="-128"/>
                 <a:cs typeface="Meiryo UI" panose="020B0604030504040204" pitchFamily="50" charset="-128"/>
               </a:rPr>
               <a:t>■相談窓口業務の柱</a:t>
             </a:r>
-            <a:endParaRPr lang="en-US" altLang="ja-JP" sz="1200">
+            <a:endParaRPr lang="en-US" altLang="ja-JP" sz="1200" dirty="0">
               <a:latin typeface="Meiryo UI" panose="020B0604030504040204" pitchFamily="50" charset="-128"/>
               <a:ea typeface="Meiryo UI" panose="020B0604030504040204" pitchFamily="50" charset="-128"/>
               <a:cs typeface="Meiryo UI" panose="020B0604030504040204" pitchFamily="50" charset="-128"/>
@@ -6476,7 +6499,10 @@
           </a:p>
           <a:p>
             <a:r>
-              <a:rPr lang="ja-JP" altLang="en-US" sz="1200" b="1">
+              <a:rPr lang="ja-JP" altLang="en-US" sz="1200" b="1" dirty="0">
+                <a:solidFill>
+                  <a:srgbClr val="0070C0"/>
+                </a:solidFill>
                 <a:latin typeface="Meiryo UI" panose="020B0604030504040204" pitchFamily="50" charset="-128"/>
                 <a:ea typeface="Meiryo UI" panose="020B0604030504040204" pitchFamily="50" charset="-128"/>
                 <a:cs typeface="Meiryo UI" panose="020B0604030504040204" pitchFamily="50" charset="-128"/>
@@ -6484,14 +6510,20 @@
               <a:t>①情報の集約及び知識化</a:t>
             </a:r>
             <a:r>
-              <a:rPr lang="ja-JP" altLang="en-US" sz="1200">
+              <a:rPr lang="ja-JP" altLang="en-US" sz="1200" dirty="0">
+                <a:solidFill>
+                  <a:srgbClr val="0070C0"/>
+                </a:solidFill>
                 <a:latin typeface="Meiryo UI" panose="020B0604030504040204" pitchFamily="50" charset="-128"/>
                 <a:ea typeface="Meiryo UI" panose="020B0604030504040204" pitchFamily="50" charset="-128"/>
                 <a:cs typeface="Meiryo UI" panose="020B0604030504040204" pitchFamily="50" charset="-128"/>
               </a:rPr>
               <a:t>：</a:t>
             </a:r>
-            <a:endParaRPr lang="en-US" altLang="ja-JP" sz="1200">
+            <a:endParaRPr lang="en-US" altLang="ja-JP" sz="1200" dirty="0">
+              <a:solidFill>
+                <a:srgbClr val="0070C0"/>
+              </a:solidFill>
               <a:latin typeface="Meiryo UI" panose="020B0604030504040204" pitchFamily="50" charset="-128"/>
               <a:ea typeface="Meiryo UI" panose="020B0604030504040204" pitchFamily="50" charset="-128"/>
               <a:cs typeface="Meiryo UI" panose="020B0604030504040204" pitchFamily="50" charset="-128"/>
@@ -6499,14 +6531,14 @@
           </a:p>
           <a:p>
             <a:r>
-              <a:rPr lang="ja-JP" altLang="en-US" sz="1200">
+              <a:rPr lang="ja-JP" altLang="en-US" sz="1200" dirty="0">
                 <a:latin typeface="Meiryo UI" panose="020B0604030504040204" pitchFamily="50" charset="-128"/>
                 <a:ea typeface="Meiryo UI" panose="020B0604030504040204" pitchFamily="50" charset="-128"/>
                 <a:cs typeface="Meiryo UI" panose="020B0604030504040204" pitchFamily="50" charset="-128"/>
               </a:rPr>
               <a:t>　日々の情報収集・内容の要約・情報の知識化</a:t>
             </a:r>
-            <a:endParaRPr lang="en-US" altLang="ja-JP" sz="1200">
+            <a:endParaRPr lang="en-US" altLang="ja-JP" sz="1200" dirty="0">
               <a:latin typeface="Meiryo UI" panose="020B0604030504040204" pitchFamily="50" charset="-128"/>
               <a:ea typeface="Meiryo UI" panose="020B0604030504040204" pitchFamily="50" charset="-128"/>
               <a:cs typeface="Meiryo UI" panose="020B0604030504040204" pitchFamily="50" charset="-128"/>
@@ -6514,7 +6546,10 @@
           </a:p>
           <a:p>
             <a:r>
-              <a:rPr lang="ja-JP" altLang="en-US" sz="1200" b="1">
+              <a:rPr lang="ja-JP" altLang="en-US" sz="1200" b="1" dirty="0">
+                <a:solidFill>
+                  <a:srgbClr val="0070C0"/>
+                </a:solidFill>
                 <a:latin typeface="Meiryo UI" panose="020B0604030504040204" pitchFamily="50" charset="-128"/>
                 <a:ea typeface="Meiryo UI" panose="020B0604030504040204" pitchFamily="50" charset="-128"/>
                 <a:cs typeface="Meiryo UI" panose="020B0604030504040204" pitchFamily="50" charset="-128"/>
@@ -6522,14 +6557,20 @@
               <a:t>②発信用情報の作成・蓄積</a:t>
             </a:r>
             <a:r>
-              <a:rPr lang="ja-JP" altLang="en-US" sz="1200">
+              <a:rPr lang="ja-JP" altLang="en-US" sz="1200" dirty="0">
+                <a:solidFill>
+                  <a:srgbClr val="0070C0"/>
+                </a:solidFill>
                 <a:latin typeface="Meiryo UI" panose="020B0604030504040204" pitchFamily="50" charset="-128"/>
                 <a:ea typeface="Meiryo UI" panose="020B0604030504040204" pitchFamily="50" charset="-128"/>
                 <a:cs typeface="Meiryo UI" panose="020B0604030504040204" pitchFamily="50" charset="-128"/>
               </a:rPr>
               <a:t>：</a:t>
             </a:r>
-            <a:endParaRPr lang="en-US" altLang="ja-JP" sz="1200">
+            <a:endParaRPr lang="en-US" altLang="ja-JP" sz="1200" dirty="0">
+              <a:solidFill>
+                <a:srgbClr val="0070C0"/>
+              </a:solidFill>
               <a:latin typeface="Meiryo UI" panose="020B0604030504040204" pitchFamily="50" charset="-128"/>
               <a:ea typeface="Meiryo UI" panose="020B0604030504040204" pitchFamily="50" charset="-128"/>
               <a:cs typeface="Meiryo UI" panose="020B0604030504040204" pitchFamily="50" charset="-128"/>
@@ -6537,7 +6578,7 @@
           </a:p>
           <a:p>
             <a:r>
-              <a:rPr lang="ja-JP" altLang="en-US" sz="1200">
+              <a:rPr lang="ja-JP" altLang="en-US" sz="1200" dirty="0">
                 <a:latin typeface="Meiryo UI" panose="020B0604030504040204" pitchFamily="50" charset="-128"/>
                 <a:ea typeface="Meiryo UI" panose="020B0604030504040204" pitchFamily="50" charset="-128"/>
                 <a:cs typeface="Meiryo UI" panose="020B0604030504040204" pitchFamily="50" charset="-128"/>
@@ -6547,7 +6588,10 @@
           </a:p>
           <a:p>
             <a:r>
-              <a:rPr lang="ja-JP" altLang="en-US" sz="1200" b="1">
+              <a:rPr lang="ja-JP" altLang="en-US" sz="1200" b="1" dirty="0">
+                <a:solidFill>
+                  <a:srgbClr val="0070C0"/>
+                </a:solidFill>
                 <a:latin typeface="Meiryo UI" panose="020B0604030504040204" pitchFamily="50" charset="-128"/>
                 <a:ea typeface="Meiryo UI" panose="020B0604030504040204" pitchFamily="50" charset="-128"/>
                 <a:cs typeface="Meiryo UI" panose="020B0604030504040204" pitchFamily="50" charset="-128"/>
@@ -6555,14 +6599,20 @@
               <a:t>③情報の提供（発信）</a:t>
             </a:r>
             <a:r>
-              <a:rPr lang="ja-JP" altLang="en-US" sz="1200">
+              <a:rPr lang="ja-JP" altLang="en-US" sz="1200" dirty="0">
+                <a:solidFill>
+                  <a:srgbClr val="0070C0"/>
+                </a:solidFill>
                 <a:latin typeface="Meiryo UI" panose="020B0604030504040204" pitchFamily="50" charset="-128"/>
                 <a:ea typeface="Meiryo UI" panose="020B0604030504040204" pitchFamily="50" charset="-128"/>
                 <a:cs typeface="Meiryo UI" panose="020B0604030504040204" pitchFamily="50" charset="-128"/>
               </a:rPr>
               <a:t>：</a:t>
             </a:r>
-            <a:endParaRPr lang="en-US" altLang="ja-JP" sz="1200">
+            <a:endParaRPr lang="en-US" altLang="ja-JP" sz="1200" dirty="0">
+              <a:solidFill>
+                <a:srgbClr val="0070C0"/>
+              </a:solidFill>
               <a:latin typeface="Meiryo UI" panose="020B0604030504040204" pitchFamily="50" charset="-128"/>
               <a:ea typeface="Meiryo UI" panose="020B0604030504040204" pitchFamily="50" charset="-128"/>
               <a:cs typeface="Meiryo UI" panose="020B0604030504040204" pitchFamily="50" charset="-128"/>
@@ -6570,7 +6620,7 @@
           </a:p>
           <a:p>
             <a:r>
-              <a:rPr lang="ja-JP" altLang="en-US" sz="1200">
+              <a:rPr lang="ja-JP" altLang="en-US" sz="1200" dirty="0">
                 <a:latin typeface="Meiryo UI" panose="020B0604030504040204" pitchFamily="50" charset="-128"/>
                 <a:ea typeface="Meiryo UI" panose="020B0604030504040204" pitchFamily="50" charset="-128"/>
                 <a:cs typeface="Meiryo UI" panose="020B0604030504040204" pitchFamily="50" charset="-128"/>
@@ -6578,7 +6628,7 @@
               <a:t>・</a:t>
             </a:r>
             <a:r>
-              <a:rPr lang="en-US" altLang="ja-JP" sz="1200">
+              <a:rPr lang="en-US" altLang="ja-JP" sz="1200" dirty="0">
                 <a:latin typeface="Meiryo UI" panose="020B0604030504040204" pitchFamily="50" charset="-128"/>
                 <a:ea typeface="Meiryo UI" panose="020B0604030504040204" pitchFamily="50" charset="-128"/>
                 <a:cs typeface="Meiryo UI" panose="020B0604030504040204" pitchFamily="50" charset="-128"/>
@@ -6586,7 +6636,7 @@
               <a:t>【</a:t>
             </a:r>
             <a:r>
-              <a:rPr lang="ja-JP" altLang="en-US" sz="1200">
+              <a:rPr lang="ja-JP" altLang="en-US" sz="1200" dirty="0">
                 <a:latin typeface="Meiryo UI" panose="020B0604030504040204" pitchFamily="50" charset="-128"/>
                 <a:ea typeface="Meiryo UI" panose="020B0604030504040204" pitchFamily="50" charset="-128"/>
                 <a:cs typeface="Meiryo UI" panose="020B0604030504040204" pitchFamily="50" charset="-128"/>
@@ -6594,7 +6644,7 @@
               <a:t>意識改革</a:t>
             </a:r>
             <a:r>
-              <a:rPr lang="en-US" altLang="ja-JP" sz="1200">
+              <a:rPr lang="en-US" altLang="ja-JP" sz="1200" dirty="0">
                 <a:latin typeface="Meiryo UI" panose="020B0604030504040204" pitchFamily="50" charset="-128"/>
                 <a:ea typeface="Meiryo UI" panose="020B0604030504040204" pitchFamily="50" charset="-128"/>
                 <a:cs typeface="Meiryo UI" panose="020B0604030504040204" pitchFamily="50" charset="-128"/>
@@ -6602,14 +6652,14 @@
               <a:t>】</a:t>
             </a:r>
             <a:r>
-              <a:rPr lang="ja-JP" altLang="en-US" sz="1200">
+              <a:rPr lang="ja-JP" altLang="en-US" sz="1200" dirty="0">
                 <a:latin typeface="Meiryo UI" panose="020B0604030504040204" pitchFamily="50" charset="-128"/>
                 <a:ea typeface="Meiryo UI" panose="020B0604030504040204" pitchFamily="50" charset="-128"/>
                 <a:cs typeface="Meiryo UI" panose="020B0604030504040204" pitchFamily="50" charset="-128"/>
               </a:rPr>
               <a:t>ポータル、ガイドブック、出張相談により、能動的な情報発信</a:t>
             </a:r>
-            <a:endParaRPr lang="en-US" altLang="ja-JP" sz="1200">
+            <a:endParaRPr lang="en-US" altLang="ja-JP" sz="1200" dirty="0">
               <a:latin typeface="Meiryo UI" panose="020B0604030504040204" pitchFamily="50" charset="-128"/>
               <a:ea typeface="Meiryo UI" panose="020B0604030504040204" pitchFamily="50" charset="-128"/>
               <a:cs typeface="Meiryo UI" panose="020B0604030504040204" pitchFamily="50" charset="-128"/>
@@ -6617,7 +6667,7 @@
           </a:p>
           <a:p>
             <a:r>
-              <a:rPr lang="ja-JP" altLang="en-US" sz="1200">
+              <a:rPr lang="ja-JP" altLang="en-US" sz="1200" dirty="0">
                 <a:latin typeface="Meiryo UI" panose="020B0604030504040204" pitchFamily="50" charset="-128"/>
                 <a:ea typeface="Meiryo UI" panose="020B0604030504040204" pitchFamily="50" charset="-128"/>
                 <a:cs typeface="Meiryo UI" panose="020B0604030504040204" pitchFamily="50" charset="-128"/>
@@ -6625,7 +6675,7 @@
               <a:t>・</a:t>
             </a:r>
             <a:r>
-              <a:rPr lang="en-US" altLang="ja-JP" sz="1200">
+              <a:rPr lang="en-US" altLang="ja-JP" sz="1200" dirty="0">
                 <a:latin typeface="Meiryo UI" panose="020B0604030504040204" pitchFamily="50" charset="-128"/>
                 <a:ea typeface="Meiryo UI" panose="020B0604030504040204" pitchFamily="50" charset="-128"/>
                 <a:cs typeface="Meiryo UI" panose="020B0604030504040204" pitchFamily="50" charset="-128"/>
@@ -6633,7 +6683,7 @@
               <a:t>【</a:t>
             </a:r>
             <a:r>
-              <a:rPr lang="ja-JP" altLang="en-US" sz="1200">
+              <a:rPr lang="ja-JP" altLang="en-US" sz="1200" dirty="0">
                 <a:latin typeface="Meiryo UI" panose="020B0604030504040204" pitchFamily="50" charset="-128"/>
                 <a:ea typeface="Meiryo UI" panose="020B0604030504040204" pitchFamily="50" charset="-128"/>
                 <a:cs typeface="Meiryo UI" panose="020B0604030504040204" pitchFamily="50" charset="-128"/>
@@ -6641,7 +6691,7 @@
               <a:t>課題解決</a:t>
             </a:r>
             <a:r>
-              <a:rPr lang="en-US" altLang="ja-JP" sz="1200">
+              <a:rPr lang="en-US" altLang="ja-JP" sz="1200" dirty="0">
                 <a:latin typeface="Meiryo UI" panose="020B0604030504040204" pitchFamily="50" charset="-128"/>
                 <a:ea typeface="Meiryo UI" panose="020B0604030504040204" pitchFamily="50" charset="-128"/>
                 <a:cs typeface="Meiryo UI" panose="020B0604030504040204" pitchFamily="50" charset="-128"/>
@@ -6649,14 +6699,14 @@
               <a:t>】</a:t>
             </a:r>
             <a:r>
-              <a:rPr lang="ja-JP" altLang="en-US" sz="1200">
+              <a:rPr lang="ja-JP" altLang="en-US" sz="1200" dirty="0">
                 <a:latin typeface="Meiryo UI" panose="020B0604030504040204" pitchFamily="50" charset="-128"/>
                 <a:ea typeface="Meiryo UI" panose="020B0604030504040204" pitchFamily="50" charset="-128"/>
                 <a:cs typeface="Meiryo UI" panose="020B0604030504040204" pitchFamily="50" charset="-128"/>
               </a:rPr>
               <a:t>電話およびメールによる受動的な情報提供</a:t>
             </a:r>
-            <a:endParaRPr lang="en-US" altLang="ja-JP" sz="1200">
+            <a:endParaRPr lang="en-US" altLang="ja-JP" sz="1200" dirty="0">
               <a:latin typeface="Meiryo UI" panose="020B0604030504040204" pitchFamily="50" charset="-128"/>
               <a:ea typeface="Meiryo UI" panose="020B0604030504040204" pitchFamily="50" charset="-128"/>
               <a:cs typeface="Meiryo UI" panose="020B0604030504040204" pitchFamily="50" charset="-128"/>
@@ -6878,7 +6928,7 @@
         </p:nvSpPr>
         <p:spPr>
           <a:xfrm>
-            <a:off x="3974151" y="6072613"/>
+            <a:off x="4201305" y="6081215"/>
             <a:ext cx="1627117" cy="619656"/>
           </a:xfrm>
           <a:prstGeom prst="frame">
@@ -7283,14 +7333,20 @@
           <a:p>
             <a:pPr algn="ctr"/>
             <a:r>
-              <a:rPr lang="ja-JP" altLang="en-US" sz="1200" b="1">
+              <a:rPr lang="ja-JP" altLang="en-US" sz="1200" b="1" dirty="0">
+                <a:solidFill>
+                  <a:srgbClr val="0070C0"/>
+                </a:solidFill>
                 <a:latin typeface="Meiryo UI" panose="020B0604030504040204" pitchFamily="50" charset="-128"/>
                 <a:ea typeface="Meiryo UI" panose="020B0604030504040204" pitchFamily="50" charset="-128"/>
                 <a:cs typeface="Meiryo UI" panose="020B0604030504040204" pitchFamily="50" charset="-128"/>
               </a:rPr>
               <a:t>①情報の集約及び知識化</a:t>
             </a:r>
-            <a:endParaRPr lang="en-US" altLang="ja-JP" sz="1200">
+            <a:endParaRPr lang="en-US" altLang="ja-JP" sz="1200" dirty="0">
+              <a:solidFill>
+                <a:srgbClr val="0070C0"/>
+              </a:solidFill>
               <a:latin typeface="Meiryo UI" panose="020B0604030504040204" pitchFamily="50" charset="-128"/>
               <a:ea typeface="Meiryo UI" panose="020B0604030504040204" pitchFamily="50" charset="-128"/>
               <a:cs typeface="Meiryo UI" panose="020B0604030504040204" pitchFamily="50" charset="-128"/>
@@ -7743,9 +7799,9 @@
           <a:p>
             <a:pPr algn="ctr"/>
             <a:r>
-              <a:rPr kumimoji="1" lang="en-US" altLang="ja-JP" sz="1100" b="1">
+              <a:rPr kumimoji="1" lang="en-US" altLang="ja-JP" sz="1100" b="1" dirty="0">
                 <a:solidFill>
-                  <a:srgbClr val="FF0000"/>
+                  <a:srgbClr val="0070C0"/>
                 </a:solidFill>
                 <a:latin typeface="Meiryo UI" panose="020B0604030504040204" pitchFamily="50" charset="-128"/>
                 <a:ea typeface="Meiryo UI" panose="020B0604030504040204" pitchFamily="50" charset="-128"/>
@@ -7754,9 +7810,9 @@
               <a:t>IPA</a:t>
             </a:r>
             <a:r>
-              <a:rPr kumimoji="1" lang="ja-JP" altLang="en-US" sz="1100" b="1">
+              <a:rPr kumimoji="1" lang="ja-JP" altLang="en-US" sz="1100" b="1" dirty="0">
                 <a:solidFill>
-                  <a:srgbClr val="FF0000"/>
+                  <a:srgbClr val="0070C0"/>
                 </a:solidFill>
                 <a:latin typeface="Meiryo UI" panose="020B0604030504040204" pitchFamily="50" charset="-128"/>
                 <a:ea typeface="Meiryo UI" panose="020B0604030504040204" pitchFamily="50" charset="-128"/>
@@ -7764,9 +7820,9 @@
               </a:rPr>
               <a:t>及び他の相談対応窓口との実務連携</a:t>
             </a:r>
-            <a:endParaRPr kumimoji="1" lang="en-US" altLang="ja-JP" sz="1100" b="1">
+            <a:endParaRPr kumimoji="1" lang="en-US" altLang="ja-JP" sz="1100" b="1" dirty="0">
               <a:solidFill>
-                <a:srgbClr val="FF0000"/>
+                <a:srgbClr val="0070C0"/>
               </a:solidFill>
               <a:latin typeface="Meiryo UI" panose="020B0604030504040204" pitchFamily="50" charset="-128"/>
               <a:ea typeface="Meiryo UI" panose="020B0604030504040204" pitchFamily="50" charset="-128"/>
@@ -7776,7 +7832,7 @@
           <a:p>
             <a:pPr algn="ctr"/>
             <a:r>
-              <a:rPr lang="ja-JP" altLang="en-US" sz="1050">
+              <a:rPr lang="ja-JP" altLang="en-US" sz="1050" dirty="0">
                 <a:solidFill>
                   <a:schemeClr val="tx1"/>
                 </a:solidFill>
@@ -7787,7 +7843,7 @@
               <a:t>・</a:t>
             </a:r>
             <a:r>
-              <a:rPr lang="en-US" altLang="ja-JP" sz="1050">
+              <a:rPr lang="en-US" altLang="ja-JP" sz="1050" dirty="0">
                 <a:solidFill>
                   <a:schemeClr val="tx1"/>
                 </a:solidFill>
@@ -7798,7 +7854,7 @@
               <a:t>IPA</a:t>
             </a:r>
             <a:r>
-              <a:rPr lang="ja-JP" altLang="en-US" sz="1050">
+              <a:rPr lang="ja-JP" altLang="en-US" sz="1050" dirty="0">
                 <a:solidFill>
                   <a:schemeClr val="tx1"/>
                 </a:solidFill>
@@ -7808,7 +7864,7 @@
               </a:rPr>
               <a:t>提供情報の活用</a:t>
             </a:r>
-            <a:endParaRPr lang="en-US" altLang="ja-JP" sz="1050">
+            <a:endParaRPr lang="en-US" altLang="ja-JP" sz="1050" dirty="0">
               <a:solidFill>
                 <a:schemeClr val="tx1"/>
               </a:solidFill>
@@ -7820,7 +7876,7 @@
           <a:p>
             <a:pPr algn="ctr"/>
             <a:r>
-              <a:rPr lang="ja-JP" altLang="en-US" sz="1050">
+              <a:rPr lang="ja-JP" altLang="en-US" sz="1050" dirty="0">
                 <a:solidFill>
                   <a:schemeClr val="tx1"/>
                 </a:solidFill>
@@ -7831,7 +7887,7 @@
               <a:t>・</a:t>
             </a:r>
             <a:r>
-              <a:rPr kumimoji="1" lang="ja-JP" altLang="en-US" sz="1050">
+              <a:rPr kumimoji="1" lang="ja-JP" altLang="en-US" sz="1050" dirty="0">
                 <a:solidFill>
                   <a:schemeClr val="tx1"/>
                 </a:solidFill>
@@ -7841,7 +7897,7 @@
               </a:rPr>
               <a:t>インターネットでは得られない情報交換</a:t>
             </a:r>
-            <a:endParaRPr kumimoji="1" lang="en-US" altLang="ja-JP" sz="1050">
+            <a:endParaRPr kumimoji="1" lang="en-US" altLang="ja-JP" sz="1050" dirty="0">
               <a:solidFill>
                 <a:schemeClr val="tx1"/>
               </a:solidFill>
@@ -7853,7 +7909,7 @@
           <a:p>
             <a:pPr algn="ctr"/>
             <a:r>
-              <a:rPr kumimoji="1" lang="ja-JP" altLang="en-US" sz="1050">
+              <a:rPr kumimoji="1" lang="ja-JP" altLang="en-US" sz="1050" dirty="0">
                 <a:solidFill>
                   <a:schemeClr val="tx1"/>
                 </a:solidFill>
@@ -7863,7 +7919,7 @@
               </a:rPr>
               <a:t>・インシデント相談対応時のホットライン</a:t>
             </a:r>
-            <a:endParaRPr kumimoji="1" lang="en-US" altLang="ja-JP" sz="1050">
+            <a:endParaRPr kumimoji="1" lang="en-US" altLang="ja-JP" sz="1050" dirty="0">
               <a:solidFill>
                 <a:schemeClr val="tx1"/>
               </a:solidFill>
@@ -7875,7 +7931,7 @@
           <a:p>
             <a:pPr algn="ctr"/>
             <a:r>
-              <a:rPr lang="ja-JP" altLang="en-US" sz="1050">
+              <a:rPr lang="ja-JP" altLang="en-US" sz="1050" dirty="0">
                 <a:solidFill>
                   <a:schemeClr val="tx1"/>
                 </a:solidFill>
@@ -7885,7 +7941,7 @@
               </a:rPr>
               <a:t>・相談対応のための情報交換</a:t>
             </a:r>
-            <a:endParaRPr kumimoji="1" lang="en-US" altLang="ja-JP" sz="1050">
+            <a:endParaRPr kumimoji="1" lang="en-US" altLang="ja-JP" sz="1050" dirty="0">
               <a:solidFill>
                 <a:schemeClr val="tx1"/>
               </a:solidFill>
@@ -7994,8 +8050,8 @@
         </p:nvSpPr>
         <p:spPr>
           <a:xfrm>
-            <a:off x="9880065" y="4237877"/>
-            <a:ext cx="1151375" cy="513539"/>
+            <a:off x="9890266" y="4054558"/>
+            <a:ext cx="1151375" cy="436200"/>
           </a:xfrm>
           <a:prstGeom prst="flowChartMagneticDisk">
             <a:avLst/>
@@ -8028,34 +8084,14 @@
               </a:lnSpc>
             </a:pPr>
             <a:r>
-              <a:rPr lang="ja-JP" altLang="en-US" sz="1100">
-                <a:latin typeface="Meiryo UI" panose="020B0604030504040204" pitchFamily="50" charset="-128"/>
-                <a:ea typeface="Meiryo UI" panose="020B0604030504040204" pitchFamily="50" charset="-128"/>
-                <a:cs typeface="Meiryo UI" panose="020B0604030504040204" pitchFamily="50" charset="-128"/>
-              </a:rPr>
-              <a:t>プレゼン用資料</a:t>
-            </a:r>
-            <a:endParaRPr lang="en-US" altLang="ja-JP" sz="1100">
-              <a:latin typeface="Meiryo UI" panose="020B0604030504040204" pitchFamily="50" charset="-128"/>
-              <a:ea typeface="Meiryo UI" panose="020B0604030504040204" pitchFamily="50" charset="-128"/>
-              <a:cs typeface="Meiryo UI" panose="020B0604030504040204" pitchFamily="50" charset="-128"/>
-            </a:endParaRPr>
-          </a:p>
-          <a:p>
-            <a:pPr algn="ctr">
-              <a:lnSpc>
-                <a:spcPts val="1700"/>
-              </a:lnSpc>
-            </a:pPr>
-            <a:r>
-              <a:rPr lang="ja-JP" altLang="en-US" sz="1100">
-                <a:latin typeface="Meiryo UI" panose="020B0604030504040204" pitchFamily="50" charset="-128"/>
-                <a:ea typeface="Meiryo UI" panose="020B0604030504040204" pitchFamily="50" charset="-128"/>
-                <a:cs typeface="Meiryo UI" panose="020B0604030504040204" pitchFamily="50" charset="-128"/>
-              </a:rPr>
-              <a:t>詳細説明資料</a:t>
-            </a:r>
-            <a:endParaRPr lang="en-US" altLang="ja-JP" sz="1100">
+              <a:rPr lang="ja-JP" altLang="en-US" sz="1100" dirty="0">
+                <a:latin typeface="Meiryo UI" panose="020B0604030504040204" pitchFamily="50" charset="-128"/>
+                <a:ea typeface="Meiryo UI" panose="020B0604030504040204" pitchFamily="50" charset="-128"/>
+                <a:cs typeface="Meiryo UI" panose="020B0604030504040204" pitchFamily="50" charset="-128"/>
+              </a:rPr>
+              <a:t>ガイドブックページ</a:t>
+            </a:r>
+            <a:endParaRPr lang="en-US" altLang="ja-JP" sz="1100" dirty="0">
               <a:latin typeface="Meiryo UI" panose="020B0604030504040204" pitchFamily="50" charset="-128"/>
               <a:ea typeface="Meiryo UI" panose="020B0604030504040204" pitchFamily="50" charset="-128"/>
               <a:cs typeface="Meiryo UI" panose="020B0604030504040204" pitchFamily="50" charset="-128"/>
@@ -8493,14 +8529,20 @@
           <a:lstStyle/>
           <a:p>
             <a:r>
-              <a:rPr lang="ja-JP" altLang="en-US" sz="1100" b="1">
-                <a:latin typeface="Meiryo UI" panose="020B0604030504040204" pitchFamily="50" charset="-128"/>
-                <a:ea typeface="Meiryo UI" panose="020B0604030504040204" pitchFamily="50" charset="-128"/>
-                <a:cs typeface="Meiryo UI" panose="020B0604030504040204" pitchFamily="50" charset="-128"/>
-              </a:rPr>
-              <a:t>直接アクセス</a:t>
-            </a:r>
-            <a:endParaRPr lang="en-US" altLang="ja-JP" sz="1100" b="1">
+              <a:rPr lang="ja-JP" altLang="en-US" sz="1100" b="1" dirty="0">
+                <a:solidFill>
+                  <a:srgbClr val="0070C0"/>
+                </a:solidFill>
+                <a:latin typeface="Meiryo UI" panose="020B0604030504040204" pitchFamily="50" charset="-128"/>
+                <a:ea typeface="Meiryo UI" panose="020B0604030504040204" pitchFamily="50" charset="-128"/>
+                <a:cs typeface="Meiryo UI" panose="020B0604030504040204" pitchFamily="50" charset="-128"/>
+              </a:rPr>
+              <a:t>③直接発信</a:t>
+            </a:r>
+            <a:endParaRPr lang="en-US" altLang="ja-JP" sz="1100" b="1" dirty="0">
+              <a:solidFill>
+                <a:srgbClr val="0070C0"/>
+              </a:solidFill>
               <a:latin typeface="Meiryo UI" panose="020B0604030504040204" pitchFamily="50" charset="-128"/>
               <a:ea typeface="Meiryo UI" panose="020B0604030504040204" pitchFamily="50" charset="-128"/>
               <a:cs typeface="Meiryo UI" panose="020B0604030504040204" pitchFamily="50" charset="-128"/>
@@ -8508,7 +8550,10 @@
           </a:p>
           <a:p>
             <a:r>
-              <a:rPr lang="ja-JP" altLang="en-US" sz="1100" b="1">
+              <a:rPr lang="ja-JP" altLang="en-US" sz="1100" b="1" dirty="0">
+                <a:solidFill>
+                  <a:srgbClr val="0070C0"/>
+                </a:solidFill>
                 <a:latin typeface="Meiryo UI" panose="020B0604030504040204" pitchFamily="50" charset="-128"/>
                 <a:ea typeface="Meiryo UI" panose="020B0604030504040204" pitchFamily="50" charset="-128"/>
                 <a:cs typeface="Meiryo UI" panose="020B0604030504040204" pitchFamily="50" charset="-128"/>
@@ -8516,7 +8561,10 @@
               <a:t>・</a:t>
             </a:r>
             <a:r>
-              <a:rPr lang="en-US" altLang="ja-JP" sz="1100" b="1">
+              <a:rPr lang="en-US" altLang="ja-JP" sz="1100" b="1" dirty="0">
+                <a:solidFill>
+                  <a:srgbClr val="0070C0"/>
+                </a:solidFill>
                 <a:latin typeface="Meiryo UI" panose="020B0604030504040204" pitchFamily="50" charset="-128"/>
                 <a:ea typeface="Meiryo UI" panose="020B0604030504040204" pitchFamily="50" charset="-128"/>
                 <a:cs typeface="Meiryo UI" panose="020B0604030504040204" pitchFamily="50" charset="-128"/>
@@ -8524,14 +8572,20 @@
               <a:t>Web</a:t>
             </a:r>
             <a:r>
-              <a:rPr lang="ja-JP" altLang="en-US" sz="1100" b="1">
+              <a:rPr lang="ja-JP" altLang="en-US" sz="1100" b="1" dirty="0">
+                <a:solidFill>
+                  <a:srgbClr val="0070C0"/>
+                </a:solidFill>
                 <a:latin typeface="Meiryo UI" panose="020B0604030504040204" pitchFamily="50" charset="-128"/>
                 <a:ea typeface="Meiryo UI" panose="020B0604030504040204" pitchFamily="50" charset="-128"/>
                 <a:cs typeface="Meiryo UI" panose="020B0604030504040204" pitchFamily="50" charset="-128"/>
               </a:rPr>
               <a:t>ページ</a:t>
             </a:r>
-            <a:endParaRPr lang="en-US" altLang="ja-JP" sz="1100" b="1">
+            <a:endParaRPr lang="en-US" altLang="ja-JP" sz="1100" b="1" dirty="0">
+              <a:solidFill>
+                <a:srgbClr val="0070C0"/>
+              </a:solidFill>
               <a:latin typeface="Meiryo UI" panose="020B0604030504040204" pitchFamily="50" charset="-128"/>
               <a:ea typeface="Meiryo UI" panose="020B0604030504040204" pitchFamily="50" charset="-128"/>
               <a:cs typeface="Meiryo UI" panose="020B0604030504040204" pitchFamily="50" charset="-128"/>
@@ -8539,14 +8593,20 @@
           </a:p>
           <a:p>
             <a:r>
-              <a:rPr lang="ja-JP" altLang="en-US" sz="1100" b="1">
+              <a:rPr lang="ja-JP" altLang="en-US" sz="1100" b="1" dirty="0">
+                <a:solidFill>
+                  <a:srgbClr val="0070C0"/>
+                </a:solidFill>
                 <a:latin typeface="Meiryo UI" panose="020B0604030504040204" pitchFamily="50" charset="-128"/>
                 <a:ea typeface="Meiryo UI" panose="020B0604030504040204" pitchFamily="50" charset="-128"/>
                 <a:cs typeface="Meiryo UI" panose="020B0604030504040204" pitchFamily="50" charset="-128"/>
               </a:rPr>
               <a:t>・電子書籍</a:t>
             </a:r>
-            <a:endParaRPr lang="en-US" altLang="ja-JP" sz="1100" b="1">
+            <a:endParaRPr lang="en-US" altLang="ja-JP" sz="1100" b="1" dirty="0">
+              <a:solidFill>
+                <a:srgbClr val="0070C0"/>
+              </a:solidFill>
               <a:latin typeface="Meiryo UI" panose="020B0604030504040204" pitchFamily="50" charset="-128"/>
               <a:ea typeface="Meiryo UI" panose="020B0604030504040204" pitchFamily="50" charset="-128"/>
               <a:cs typeface="Meiryo UI" panose="020B0604030504040204" pitchFamily="50" charset="-128"/>
@@ -8694,14 +8754,20 @@
           <a:lstStyle/>
           <a:p>
             <a:r>
-              <a:rPr lang="ja-JP" altLang="en-US" sz="1200" b="1">
+              <a:rPr lang="ja-JP" altLang="en-US" sz="1200" b="1" dirty="0">
+                <a:solidFill>
+                  <a:srgbClr val="0070C0"/>
+                </a:solidFill>
                 <a:latin typeface="Meiryo UI" panose="020B0604030504040204" pitchFamily="50" charset="-128"/>
                 <a:ea typeface="Meiryo UI" panose="020B0604030504040204" pitchFamily="50" charset="-128"/>
                 <a:cs typeface="Meiryo UI" panose="020B0604030504040204" pitchFamily="50" charset="-128"/>
               </a:rPr>
               <a:t>②発信用情報の作成・蓄積</a:t>
             </a:r>
-            <a:endParaRPr lang="en-US" altLang="ja-JP" sz="1200">
+            <a:endParaRPr lang="en-US" altLang="ja-JP" sz="1200" dirty="0">
+              <a:solidFill>
+                <a:srgbClr val="0070C0"/>
+              </a:solidFill>
               <a:latin typeface="Meiryo UI" panose="020B0604030504040204" pitchFamily="50" charset="-128"/>
               <a:ea typeface="Meiryo UI" panose="020B0604030504040204" pitchFamily="50" charset="-128"/>
               <a:cs typeface="Meiryo UI" panose="020B0604030504040204" pitchFamily="50" charset="-128"/>
@@ -8835,8 +8901,8 @@
         </p:nvSpPr>
         <p:spPr>
           <a:xfrm>
-            <a:off x="1744235" y="6045315"/>
-            <a:ext cx="1272050" cy="619656"/>
+            <a:off x="1744234" y="6045315"/>
+            <a:ext cx="1399303" cy="619656"/>
           </a:xfrm>
           <a:prstGeom prst="frame">
             <a:avLst/>
@@ -8869,9 +8935,9 @@
           <a:p>
             <a:pPr algn="ctr"/>
             <a:r>
-              <a:rPr kumimoji="1" lang="en-US" altLang="ja-JP" sz="1200">
+              <a:rPr kumimoji="1" lang="en-US" altLang="ja-JP" sz="1200" b="1" dirty="0">
                 <a:solidFill>
-                  <a:schemeClr val="tx1"/>
+                  <a:srgbClr val="0070C0"/>
                 </a:solidFill>
                 <a:latin typeface="Meiryo UI" panose="020B0604030504040204" pitchFamily="50" charset="-128"/>
                 <a:ea typeface="Meiryo UI" panose="020B0604030504040204" pitchFamily="50" charset="-128"/>
@@ -8880,9 +8946,9 @@
               <a:t>IPA</a:t>
             </a:r>
             <a:r>
-              <a:rPr kumimoji="1" lang="ja-JP" altLang="en-US" sz="1200">
+              <a:rPr kumimoji="1" lang="ja-JP" altLang="en-US" sz="1200" b="1" dirty="0">
                 <a:solidFill>
-                  <a:schemeClr val="tx1"/>
+                  <a:srgbClr val="0070C0"/>
                 </a:solidFill>
                 <a:latin typeface="Meiryo UI" panose="020B0604030504040204" pitchFamily="50" charset="-128"/>
                 <a:ea typeface="Meiryo UI" panose="020B0604030504040204" pitchFamily="50" charset="-128"/>
@@ -8890,6 +8956,69 @@
               </a:rPr>
               <a:t>等との相談対応窓口連携</a:t>
             </a:r>
+          </a:p>
+        </p:txBody>
+      </p:sp>
+      <p:sp>
+        <p:nvSpPr>
+          <p:cNvPr id="58" name="フローチャート : 磁気ディスク 53">
+            <a:extLst>
+              <a:ext uri="{FF2B5EF4-FFF2-40B4-BE49-F238E27FC236}">
+                <a16:creationId xmlns:a16="http://schemas.microsoft.com/office/drawing/2014/main" id="{3976B883-180C-4424-99BC-76759C398EAB}"/>
+              </a:ext>
+            </a:extLst>
+          </p:cNvPr>
+          <p:cNvSpPr/>
+          <p:nvPr/>
+        </p:nvSpPr>
+        <p:spPr>
+          <a:xfrm>
+            <a:off x="9942956" y="4709785"/>
+            <a:ext cx="1477337" cy="505343"/>
+          </a:xfrm>
+          <a:prstGeom prst="flowChartMagneticDisk">
+            <a:avLst/>
+          </a:prstGeom>
+          <a:ln/>
+        </p:spPr>
+        <p:style>
+          <a:lnRef idx="1">
+            <a:schemeClr val="accent2"/>
+          </a:lnRef>
+          <a:fillRef idx="3">
+            <a:schemeClr val="accent2"/>
+          </a:fillRef>
+          <a:effectRef idx="2">
+            <a:schemeClr val="accent2"/>
+          </a:effectRef>
+          <a:fontRef idx="minor">
+            <a:schemeClr val="lt1"/>
+          </a:fontRef>
+        </p:style>
+        <p:txBody>
+          <a:bodyPr wrap="square" rtlCol="0" anchor="ctr">
+            <a:noAutofit/>
+          </a:bodyPr>
+          <a:lstStyle/>
+          <a:p>
+            <a:pPr algn="ctr">
+              <a:lnSpc>
+                <a:spcPts val="1700"/>
+              </a:lnSpc>
+            </a:pPr>
+            <a:r>
+              <a:rPr lang="ja-JP" altLang="en-US" sz="1100" dirty="0">
+                <a:latin typeface="Meiryo UI" panose="020B0604030504040204" pitchFamily="50" charset="-128"/>
+                <a:ea typeface="Meiryo UI" panose="020B0604030504040204" pitchFamily="50" charset="-128"/>
+                <a:cs typeface="Meiryo UI" panose="020B0604030504040204" pitchFamily="50" charset="-128"/>
+              </a:rPr>
+              <a:t>セキュリティ関連知識の保管庫（ナレッジベース）</a:t>
+            </a:r>
+            <a:endParaRPr lang="en-US" altLang="ja-JP" sz="1100" dirty="0">
+              <a:latin typeface="Meiryo UI" panose="020B0604030504040204" pitchFamily="50" charset="-128"/>
+              <a:ea typeface="Meiryo UI" panose="020B0604030504040204" pitchFamily="50" charset="-128"/>
+              <a:cs typeface="Meiryo UI" panose="020B0604030504040204" pitchFamily="50" charset="-128"/>
+            </a:endParaRPr>
           </a:p>
         </p:txBody>
       </p:sp>
